--- a/Presentation/final_presentation.pptx
+++ b/Presentation/final_presentation.pptx
@@ -23,16 +23,30 @@
     <p:sldId id="268" r:id="rId17"/>
     <p:sldId id="269" r:id="rId18"/>
     <p:sldId id="270" r:id="rId19"/>
+    <p:sldId id="271" r:id="rId20"/>
+    <p:sldId id="272" r:id="rId21"/>
+    <p:sldId id="273" r:id="rId22"/>
+    <p:sldId id="274" r:id="rId23"/>
+    <p:sldId id="275" r:id="rId24"/>
+    <p:sldId id="276" r:id="rId25"/>
+    <p:sldId id="277" r:id="rId26"/>
+    <p:sldId id="278" r:id="rId27"/>
+    <p:sldId id="279" r:id="rId28"/>
+    <p:sldId id="280" r:id="rId29"/>
+    <p:sldId id="281" r:id="rId30"/>
+    <p:sldId id="282" r:id="rId31"/>
+    <p:sldId id="283" r:id="rId32"/>
+    <p:sldId id="284" r:id="rId33"/>
   </p:sldIdLst>
   <p:sldSz cy="5143500" cx="9144000"/>
   <p:notesSz cx="6858000" cy="9144000"/>
   <p:embeddedFontLst>
     <p:embeddedFont>
       <p:font typeface="Roboto"/>
-      <p:regular r:id="rId20"/>
-      <p:bold r:id="rId21"/>
-      <p:italic r:id="rId22"/>
-      <p:boldItalic r:id="rId23"/>
+      <p:regular r:id="rId34"/>
+      <p:bold r:id="rId35"/>
+      <p:italic r:id="rId36"/>
+      <p:boldItalic r:id="rId37"/>
     </p:embeddedFont>
   </p:embeddedFontLst>
   <p:defaultTextStyle>
@@ -489,7 +503,7 @@
   <p:cSld>
     <p:spTree>
       <p:nvGrpSpPr>
-        <p:cNvPr id="139" name="Shape 139"/>
+        <p:cNvPr id="135" name="Shape 135"/>
         <p:cNvGrpSpPr/>
         <p:nvPr/>
       </p:nvGrpSpPr>
@@ -503,7 +517,7 @@
       </p:grpSpPr>
       <p:sp>
         <p:nvSpPr>
-          <p:cNvPr id="140" name="Shape 140"/>
+          <p:cNvPr id="136" name="Shape 136"/>
           <p:cNvSpPr/>
           <p:nvPr>
             <p:ph idx="2" type="sldImg"/>
@@ -537,7 +551,7 @@
       </p:sp>
       <p:sp>
         <p:nvSpPr>
-          <p:cNvPr id="141" name="Shape 141"/>
+          <p:cNvPr id="137" name="Shape 137"/>
           <p:cNvSpPr txBox="1"/>
           <p:nvPr>
             <p:ph idx="1" type="body"/>
@@ -584,7 +598,7 @@
   <p:cSld>
     <p:spTree>
       <p:nvGrpSpPr>
-        <p:cNvPr id="145" name="Shape 145"/>
+        <p:cNvPr id="141" name="Shape 141"/>
         <p:cNvGrpSpPr/>
         <p:nvPr/>
       </p:nvGrpSpPr>
@@ -598,7 +612,7 @@
       </p:grpSpPr>
       <p:sp>
         <p:nvSpPr>
-          <p:cNvPr id="146" name="Shape 146"/>
+          <p:cNvPr id="142" name="Shape 142"/>
           <p:cNvSpPr/>
           <p:nvPr>
             <p:ph idx="2" type="sldImg"/>
@@ -632,7 +646,7 @@
       </p:sp>
       <p:sp>
         <p:nvSpPr>
-          <p:cNvPr id="147" name="Shape 147"/>
+          <p:cNvPr id="143" name="Shape 143"/>
           <p:cNvSpPr txBox="1"/>
           <p:nvPr>
             <p:ph idx="1" type="body"/>
@@ -653,7 +667,7 @@
           </a:bodyPr>
           <a:lstStyle/>
           <a:p>
-            <a:pPr lvl="0" rtl="0">
+            <a:pPr lvl="0">
               <a:spcBef>
                 <a:spcPts val="0"/>
               </a:spcBef>
@@ -679,7 +693,7 @@
   <p:cSld>
     <p:spTree>
       <p:nvGrpSpPr>
-        <p:cNvPr id="151" name="Shape 151"/>
+        <p:cNvPr id="148" name="Shape 148"/>
         <p:cNvGrpSpPr/>
         <p:nvPr/>
       </p:nvGrpSpPr>
@@ -693,7 +707,7 @@
       </p:grpSpPr>
       <p:sp>
         <p:nvSpPr>
-          <p:cNvPr id="152" name="Shape 152"/>
+          <p:cNvPr id="149" name="Shape 149"/>
           <p:cNvSpPr/>
           <p:nvPr>
             <p:ph idx="2" type="sldImg"/>
@@ -727,7 +741,7 @@
       </p:sp>
       <p:sp>
         <p:nvSpPr>
-          <p:cNvPr id="153" name="Shape 153"/>
+          <p:cNvPr id="150" name="Shape 150"/>
           <p:cNvSpPr txBox="1"/>
           <p:nvPr>
             <p:ph idx="1" type="body"/>
@@ -748,6 +762,18 @@
           </a:bodyPr>
           <a:lstStyle/>
           <a:p>
+            <a:pPr lvl="0">
+              <a:spcBef>
+                <a:spcPts val="0"/>
+              </a:spcBef>
+              <a:buNone/>
+            </a:pPr>
+            <a:r>
+              <a:rPr lang="en"/>
+              <a:t>If we had preprocessed before classification, we would have lost punctuations ….</a:t>
+            </a:r>
+          </a:p>
+          <a:p>
             <a:pPr lvl="0" rtl="0">
               <a:spcBef>
                 <a:spcPts val="0"/>
@@ -755,9 +781,9 @@
               <a:buNone/>
             </a:pPr>
             <a:r>
-              <a:t/>
-            </a:r>
-            <a:endParaRPr/>
+              <a:rPr lang="en"/>
+              <a:t>dictionary was used before, stemmed words  cannot be stored </a:t>
+            </a:r>
           </a:p>
         </p:txBody>
       </p:sp>
@@ -774,7 +800,7 @@
   <p:cSld>
     <p:spTree>
       <p:nvGrpSpPr>
-        <p:cNvPr id="157" name="Shape 157"/>
+        <p:cNvPr id="154" name="Shape 154"/>
         <p:cNvGrpSpPr/>
         <p:nvPr/>
       </p:nvGrpSpPr>
@@ -788,7 +814,7 @@
       </p:grpSpPr>
       <p:sp>
         <p:nvSpPr>
-          <p:cNvPr id="158" name="Shape 158"/>
+          <p:cNvPr id="155" name="Shape 155"/>
           <p:cNvSpPr/>
           <p:nvPr>
             <p:ph idx="2" type="sldImg"/>
@@ -822,7 +848,7 @@
       </p:sp>
       <p:sp>
         <p:nvSpPr>
-          <p:cNvPr id="159" name="Shape 159"/>
+          <p:cNvPr id="156" name="Shape 156"/>
           <p:cNvSpPr txBox="1"/>
           <p:nvPr>
             <p:ph idx="1" type="body"/>
@@ -843,7 +869,7 @@
           </a:bodyPr>
           <a:lstStyle/>
           <a:p>
-            <a:pPr lvl="0" rtl="0">
+            <a:pPr lvl="0">
               <a:spcBef>
                 <a:spcPts val="0"/>
               </a:spcBef>
@@ -869,7 +895,7 @@
   <p:cSld>
     <p:spTree>
       <p:nvGrpSpPr>
-        <p:cNvPr id="163" name="Shape 163"/>
+        <p:cNvPr id="161" name="Shape 161"/>
         <p:cNvGrpSpPr/>
         <p:nvPr/>
       </p:nvGrpSpPr>
@@ -883,7 +909,7 @@
       </p:grpSpPr>
       <p:sp>
         <p:nvSpPr>
-          <p:cNvPr id="164" name="Shape 164"/>
+          <p:cNvPr id="162" name="Shape 162"/>
           <p:cNvSpPr/>
           <p:nvPr>
             <p:ph idx="2" type="sldImg"/>
@@ -917,7 +943,7 @@
       </p:sp>
       <p:sp>
         <p:nvSpPr>
-          <p:cNvPr id="165" name="Shape 165"/>
+          <p:cNvPr id="163" name="Shape 163"/>
           <p:cNvSpPr txBox="1"/>
           <p:nvPr>
             <p:ph idx="1" type="body"/>
@@ -964,7 +990,7 @@
   <p:cSld>
     <p:spTree>
       <p:nvGrpSpPr>
-        <p:cNvPr id="169" name="Shape 169"/>
+        <p:cNvPr id="168" name="Shape 168"/>
         <p:cNvGrpSpPr/>
         <p:nvPr/>
       </p:nvGrpSpPr>
@@ -978,7 +1004,7 @@
       </p:grpSpPr>
       <p:sp>
         <p:nvSpPr>
-          <p:cNvPr id="170" name="Shape 170"/>
+          <p:cNvPr id="169" name="Shape 169"/>
           <p:cNvSpPr/>
           <p:nvPr>
             <p:ph idx="2" type="sldImg"/>
@@ -1012,7 +1038,387 @@
       </p:sp>
       <p:sp>
         <p:nvSpPr>
-          <p:cNvPr id="171" name="Shape 171"/>
+          <p:cNvPr id="170" name="Shape 170"/>
+          <p:cNvSpPr txBox="1"/>
+          <p:nvPr>
+            <p:ph idx="1" type="body"/>
+          </p:nvPr>
+        </p:nvSpPr>
+        <p:spPr>
+          <a:xfrm>
+            <a:off x="685800" y="4343400"/>
+            <a:ext cx="5486400" cy="4114800"/>
+          </a:xfrm>
+          <a:prstGeom prst="rect">
+            <a:avLst/>
+          </a:prstGeom>
+        </p:spPr>
+        <p:txBody>
+          <a:bodyPr anchorCtr="0" anchor="t" bIns="91425" lIns="91425" rIns="91425" tIns="91425">
+            <a:noAutofit/>
+          </a:bodyPr>
+          <a:lstStyle/>
+          <a:p>
+            <a:pPr lvl="0" rtl="0">
+              <a:spcBef>
+                <a:spcPts val="0"/>
+              </a:spcBef>
+              <a:buNone/>
+            </a:pPr>
+            <a:r>
+              <a:t/>
+            </a:r>
+            <a:endParaRPr/>
+          </a:p>
+        </p:txBody>
+      </p:sp>
+    </p:spTree>
+  </p:cSld>
+  <p:clrMapOvr>
+    <a:masterClrMapping/>
+  </p:clrMapOvr>
+</p:notes>
+</file>
+
+<file path=ppt/notesSlides/notesSlide16.xml><?xml version="1.0" encoding="utf-8"?>
+<p:notes xmlns:a="http://schemas.openxmlformats.org/drawingml/2006/main" xmlns:r="http://schemas.openxmlformats.org/officeDocument/2006/relationships" xmlns:mc="http://schemas.openxmlformats.org/markup-compatibility/2006" xmlns:mv="urn:schemas-microsoft-com:mac:vml" xmlns:p="http://schemas.openxmlformats.org/presentationml/2006/main" xmlns:c="http://schemas.openxmlformats.org/drawingml/2006/chart" xmlns:dgm="http://schemas.openxmlformats.org/drawingml/2006/diagram" xmlns:o="urn:schemas-microsoft-com:office:office" xmlns:v="urn:schemas-microsoft-com:vml" xmlns:pvml="urn:schemas-microsoft-com:office:powerpoint" xmlns:com="http://schemas.openxmlformats.org/drawingml/2006/compatibility" xmlns:p14="http://schemas.microsoft.com/office/powerpoint/2010/main" showMasterPhAnim="0" showMasterSp="0">
+  <p:cSld>
+    <p:spTree>
+      <p:nvGrpSpPr>
+        <p:cNvPr id="175" name="Shape 175"/>
+        <p:cNvGrpSpPr/>
+        <p:nvPr/>
+      </p:nvGrpSpPr>
+      <p:grpSpPr>
+        <a:xfrm>
+          <a:off x="0" y="0"/>
+          <a:ext cx="0" cy="0"/>
+          <a:chOff x="0" y="0"/>
+          <a:chExt cx="0" cy="0"/>
+        </a:xfrm>
+      </p:grpSpPr>
+      <p:sp>
+        <p:nvSpPr>
+          <p:cNvPr id="176" name="Shape 176"/>
+          <p:cNvSpPr/>
+          <p:nvPr>
+            <p:ph idx="2" type="sldImg"/>
+          </p:nvPr>
+        </p:nvSpPr>
+        <p:spPr>
+          <a:xfrm>
+            <a:off x="381300" y="685800"/>
+            <a:ext cx="6096000" cy="3429000"/>
+          </a:xfrm>
+          <a:custGeom>
+            <a:pathLst>
+              <a:path extrusionOk="0" h="120000" w="120000">
+                <a:moveTo>
+                  <a:pt x="0" y="0"/>
+                </a:moveTo>
+                <a:lnTo>
+                  <a:pt x="120000" y="0"/>
+                </a:lnTo>
+                <a:lnTo>
+                  <a:pt x="120000" y="120000"/>
+                </a:lnTo>
+                <a:lnTo>
+                  <a:pt x="0" y="120000"/>
+                </a:lnTo>
+                <a:close/>
+              </a:path>
+            </a:pathLst>
+          </a:custGeom>
+        </p:spPr>
+      </p:sp>
+      <p:sp>
+        <p:nvSpPr>
+          <p:cNvPr id="177" name="Shape 177"/>
+          <p:cNvSpPr txBox="1"/>
+          <p:nvPr>
+            <p:ph idx="1" type="body"/>
+          </p:nvPr>
+        </p:nvSpPr>
+        <p:spPr>
+          <a:xfrm>
+            <a:off x="685800" y="4343400"/>
+            <a:ext cx="5486400" cy="4114800"/>
+          </a:xfrm>
+          <a:prstGeom prst="rect">
+            <a:avLst/>
+          </a:prstGeom>
+        </p:spPr>
+        <p:txBody>
+          <a:bodyPr anchorCtr="0" anchor="t" bIns="91425" lIns="91425" rIns="91425" tIns="91425">
+            <a:noAutofit/>
+          </a:bodyPr>
+          <a:lstStyle/>
+          <a:p>
+            <a:pPr lvl="0">
+              <a:spcBef>
+                <a:spcPts val="0"/>
+              </a:spcBef>
+              <a:buNone/>
+            </a:pPr>
+            <a:r>
+              <a:t/>
+            </a:r>
+            <a:endParaRPr/>
+          </a:p>
+        </p:txBody>
+      </p:sp>
+    </p:spTree>
+  </p:cSld>
+  <p:clrMapOvr>
+    <a:masterClrMapping/>
+  </p:clrMapOvr>
+</p:notes>
+</file>
+
+<file path=ppt/notesSlides/notesSlide17.xml><?xml version="1.0" encoding="utf-8"?>
+<p:notes xmlns:a="http://schemas.openxmlformats.org/drawingml/2006/main" xmlns:r="http://schemas.openxmlformats.org/officeDocument/2006/relationships" xmlns:mc="http://schemas.openxmlformats.org/markup-compatibility/2006" xmlns:mv="urn:schemas-microsoft-com:mac:vml" xmlns:p="http://schemas.openxmlformats.org/presentationml/2006/main" xmlns:c="http://schemas.openxmlformats.org/drawingml/2006/chart" xmlns:dgm="http://schemas.openxmlformats.org/drawingml/2006/diagram" xmlns:o="urn:schemas-microsoft-com:office:office" xmlns:v="urn:schemas-microsoft-com:vml" xmlns:pvml="urn:schemas-microsoft-com:office:powerpoint" xmlns:com="http://schemas.openxmlformats.org/drawingml/2006/compatibility" xmlns:p14="http://schemas.microsoft.com/office/powerpoint/2010/main" showMasterPhAnim="0" showMasterSp="0">
+  <p:cSld>
+    <p:spTree>
+      <p:nvGrpSpPr>
+        <p:cNvPr id="181" name="Shape 181"/>
+        <p:cNvGrpSpPr/>
+        <p:nvPr/>
+      </p:nvGrpSpPr>
+      <p:grpSpPr>
+        <a:xfrm>
+          <a:off x="0" y="0"/>
+          <a:ext cx="0" cy="0"/>
+          <a:chOff x="0" y="0"/>
+          <a:chExt cx="0" cy="0"/>
+        </a:xfrm>
+      </p:grpSpPr>
+      <p:sp>
+        <p:nvSpPr>
+          <p:cNvPr id="182" name="Shape 182"/>
+          <p:cNvSpPr/>
+          <p:nvPr>
+            <p:ph idx="2" type="sldImg"/>
+          </p:nvPr>
+        </p:nvSpPr>
+        <p:spPr>
+          <a:xfrm>
+            <a:off x="381300" y="685800"/>
+            <a:ext cx="6096000" cy="3429000"/>
+          </a:xfrm>
+          <a:custGeom>
+            <a:pathLst>
+              <a:path extrusionOk="0" h="120000" w="120000">
+                <a:moveTo>
+                  <a:pt x="0" y="0"/>
+                </a:moveTo>
+                <a:lnTo>
+                  <a:pt x="120000" y="0"/>
+                </a:lnTo>
+                <a:lnTo>
+                  <a:pt x="120000" y="120000"/>
+                </a:lnTo>
+                <a:lnTo>
+                  <a:pt x="0" y="120000"/>
+                </a:lnTo>
+                <a:close/>
+              </a:path>
+            </a:pathLst>
+          </a:custGeom>
+        </p:spPr>
+      </p:sp>
+      <p:sp>
+        <p:nvSpPr>
+          <p:cNvPr id="183" name="Shape 183"/>
+          <p:cNvSpPr txBox="1"/>
+          <p:nvPr>
+            <p:ph idx="1" type="body"/>
+          </p:nvPr>
+        </p:nvSpPr>
+        <p:spPr>
+          <a:xfrm>
+            <a:off x="685800" y="4343400"/>
+            <a:ext cx="5486400" cy="4114800"/>
+          </a:xfrm>
+          <a:prstGeom prst="rect">
+            <a:avLst/>
+          </a:prstGeom>
+        </p:spPr>
+        <p:txBody>
+          <a:bodyPr anchorCtr="0" anchor="t" bIns="91425" lIns="91425" rIns="91425" tIns="91425">
+            <a:noAutofit/>
+          </a:bodyPr>
+          <a:lstStyle/>
+          <a:p>
+            <a:pPr lvl="0" rtl="0">
+              <a:spcBef>
+                <a:spcPts val="0"/>
+              </a:spcBef>
+              <a:buNone/>
+            </a:pPr>
+            <a:r>
+              <a:t/>
+            </a:r>
+            <a:endParaRPr/>
+          </a:p>
+        </p:txBody>
+      </p:sp>
+    </p:spTree>
+  </p:cSld>
+  <p:clrMapOvr>
+    <a:masterClrMapping/>
+  </p:clrMapOvr>
+</p:notes>
+</file>
+
+<file path=ppt/notesSlides/notesSlide18.xml><?xml version="1.0" encoding="utf-8"?>
+<p:notes xmlns:a="http://schemas.openxmlformats.org/drawingml/2006/main" xmlns:r="http://schemas.openxmlformats.org/officeDocument/2006/relationships" xmlns:mc="http://schemas.openxmlformats.org/markup-compatibility/2006" xmlns:mv="urn:schemas-microsoft-com:mac:vml" xmlns:p="http://schemas.openxmlformats.org/presentationml/2006/main" xmlns:c="http://schemas.openxmlformats.org/drawingml/2006/chart" xmlns:dgm="http://schemas.openxmlformats.org/drawingml/2006/diagram" xmlns:o="urn:schemas-microsoft-com:office:office" xmlns:v="urn:schemas-microsoft-com:vml" xmlns:pvml="urn:schemas-microsoft-com:office:powerpoint" xmlns:com="http://schemas.openxmlformats.org/drawingml/2006/compatibility" xmlns:p14="http://schemas.microsoft.com/office/powerpoint/2010/main" showMasterPhAnim="0" showMasterSp="0">
+  <p:cSld>
+    <p:spTree>
+      <p:nvGrpSpPr>
+        <p:cNvPr id="187" name="Shape 187"/>
+        <p:cNvGrpSpPr/>
+        <p:nvPr/>
+      </p:nvGrpSpPr>
+      <p:grpSpPr>
+        <a:xfrm>
+          <a:off x="0" y="0"/>
+          <a:ext cx="0" cy="0"/>
+          <a:chOff x="0" y="0"/>
+          <a:chExt cx="0" cy="0"/>
+        </a:xfrm>
+      </p:grpSpPr>
+      <p:sp>
+        <p:nvSpPr>
+          <p:cNvPr id="188" name="Shape 188"/>
+          <p:cNvSpPr/>
+          <p:nvPr>
+            <p:ph idx="2" type="sldImg"/>
+          </p:nvPr>
+        </p:nvSpPr>
+        <p:spPr>
+          <a:xfrm>
+            <a:off x="381300" y="685800"/>
+            <a:ext cx="6096000" cy="3429000"/>
+          </a:xfrm>
+          <a:custGeom>
+            <a:pathLst>
+              <a:path extrusionOk="0" h="120000" w="120000">
+                <a:moveTo>
+                  <a:pt x="0" y="0"/>
+                </a:moveTo>
+                <a:lnTo>
+                  <a:pt x="120000" y="0"/>
+                </a:lnTo>
+                <a:lnTo>
+                  <a:pt x="120000" y="120000"/>
+                </a:lnTo>
+                <a:lnTo>
+                  <a:pt x="0" y="120000"/>
+                </a:lnTo>
+                <a:close/>
+              </a:path>
+            </a:pathLst>
+          </a:custGeom>
+        </p:spPr>
+      </p:sp>
+      <p:sp>
+        <p:nvSpPr>
+          <p:cNvPr id="189" name="Shape 189"/>
+          <p:cNvSpPr txBox="1"/>
+          <p:nvPr>
+            <p:ph idx="1" type="body"/>
+          </p:nvPr>
+        </p:nvSpPr>
+        <p:spPr>
+          <a:xfrm>
+            <a:off x="685800" y="4343400"/>
+            <a:ext cx="5486400" cy="4114800"/>
+          </a:xfrm>
+          <a:prstGeom prst="rect">
+            <a:avLst/>
+          </a:prstGeom>
+        </p:spPr>
+        <p:txBody>
+          <a:bodyPr anchorCtr="0" anchor="t" bIns="91425" lIns="91425" rIns="91425" tIns="91425">
+            <a:noAutofit/>
+          </a:bodyPr>
+          <a:lstStyle/>
+          <a:p>
+            <a:pPr lvl="0" rtl="0">
+              <a:spcBef>
+                <a:spcPts val="0"/>
+              </a:spcBef>
+              <a:buNone/>
+            </a:pPr>
+            <a:r>
+              <a:t/>
+            </a:r>
+            <a:endParaRPr/>
+          </a:p>
+        </p:txBody>
+      </p:sp>
+    </p:spTree>
+  </p:cSld>
+  <p:clrMapOvr>
+    <a:masterClrMapping/>
+  </p:clrMapOvr>
+</p:notes>
+</file>
+
+<file path=ppt/notesSlides/notesSlide19.xml><?xml version="1.0" encoding="utf-8"?>
+<p:notes xmlns:a="http://schemas.openxmlformats.org/drawingml/2006/main" xmlns:r="http://schemas.openxmlformats.org/officeDocument/2006/relationships" xmlns:mc="http://schemas.openxmlformats.org/markup-compatibility/2006" xmlns:mv="urn:schemas-microsoft-com:mac:vml" xmlns:p="http://schemas.openxmlformats.org/presentationml/2006/main" xmlns:c="http://schemas.openxmlformats.org/drawingml/2006/chart" xmlns:dgm="http://schemas.openxmlformats.org/drawingml/2006/diagram" xmlns:o="urn:schemas-microsoft-com:office:office" xmlns:v="urn:schemas-microsoft-com:vml" xmlns:pvml="urn:schemas-microsoft-com:office:powerpoint" xmlns:com="http://schemas.openxmlformats.org/drawingml/2006/compatibility" xmlns:p14="http://schemas.microsoft.com/office/powerpoint/2010/main" showMasterPhAnim="0" showMasterSp="0">
+  <p:cSld>
+    <p:spTree>
+      <p:nvGrpSpPr>
+        <p:cNvPr id="193" name="Shape 193"/>
+        <p:cNvGrpSpPr/>
+        <p:nvPr/>
+      </p:nvGrpSpPr>
+      <p:grpSpPr>
+        <a:xfrm>
+          <a:off x="0" y="0"/>
+          <a:ext cx="0" cy="0"/>
+          <a:chOff x="0" y="0"/>
+          <a:chExt cx="0" cy="0"/>
+        </a:xfrm>
+      </p:grpSpPr>
+      <p:sp>
+        <p:nvSpPr>
+          <p:cNvPr id="194" name="Shape 194"/>
+          <p:cNvSpPr/>
+          <p:nvPr>
+            <p:ph idx="2" type="sldImg"/>
+          </p:nvPr>
+        </p:nvSpPr>
+        <p:spPr>
+          <a:xfrm>
+            <a:off x="381300" y="685800"/>
+            <a:ext cx="6096000" cy="3429000"/>
+          </a:xfrm>
+          <a:custGeom>
+            <a:pathLst>
+              <a:path extrusionOk="0" h="120000" w="120000">
+                <a:moveTo>
+                  <a:pt x="0" y="0"/>
+                </a:moveTo>
+                <a:lnTo>
+                  <a:pt x="120000" y="0"/>
+                </a:lnTo>
+                <a:lnTo>
+                  <a:pt x="120000" y="120000"/>
+                </a:lnTo>
+                <a:lnTo>
+                  <a:pt x="0" y="120000"/>
+                </a:lnTo>
+                <a:close/>
+              </a:path>
+            </a:pathLst>
+          </a:custGeom>
+        </p:spPr>
+      </p:sp>
+      <p:sp>
+        <p:nvSpPr>
+          <p:cNvPr id="195" name="Shape 195"/>
           <p:cNvSpPr txBox="1"/>
           <p:nvPr>
             <p:ph idx="1" type="body"/>
@@ -1135,10 +1541,948 @@
               <a:buNone/>
             </a:pPr>
             <a:r>
-              <a:rPr lang="en"/>
-              <a:t>Initially page  count are accessed</a:t>
-            </a:r>
-          </a:p>
+              <a:t/>
+            </a:r>
+            <a:endParaRPr/>
+          </a:p>
+        </p:txBody>
+      </p:sp>
+    </p:spTree>
+  </p:cSld>
+  <p:clrMapOvr>
+    <a:masterClrMapping/>
+  </p:clrMapOvr>
+</p:notes>
+</file>
+
+<file path=ppt/notesSlides/notesSlide20.xml><?xml version="1.0" encoding="utf-8"?>
+<p:notes xmlns:a="http://schemas.openxmlformats.org/drawingml/2006/main" xmlns:r="http://schemas.openxmlformats.org/officeDocument/2006/relationships" xmlns:mc="http://schemas.openxmlformats.org/markup-compatibility/2006" xmlns:mv="urn:schemas-microsoft-com:mac:vml" xmlns:p="http://schemas.openxmlformats.org/presentationml/2006/main" xmlns:c="http://schemas.openxmlformats.org/drawingml/2006/chart" xmlns:dgm="http://schemas.openxmlformats.org/drawingml/2006/diagram" xmlns:o="urn:schemas-microsoft-com:office:office" xmlns:v="urn:schemas-microsoft-com:vml" xmlns:pvml="urn:schemas-microsoft-com:office:powerpoint" xmlns:com="http://schemas.openxmlformats.org/drawingml/2006/compatibility" xmlns:p14="http://schemas.microsoft.com/office/powerpoint/2010/main" showMasterPhAnim="0" showMasterSp="0">
+  <p:cSld>
+    <p:spTree>
+      <p:nvGrpSpPr>
+        <p:cNvPr id="199" name="Shape 199"/>
+        <p:cNvGrpSpPr/>
+        <p:nvPr/>
+      </p:nvGrpSpPr>
+      <p:grpSpPr>
+        <a:xfrm>
+          <a:off x="0" y="0"/>
+          <a:ext cx="0" cy="0"/>
+          <a:chOff x="0" y="0"/>
+          <a:chExt cx="0" cy="0"/>
+        </a:xfrm>
+      </p:grpSpPr>
+      <p:sp>
+        <p:nvSpPr>
+          <p:cNvPr id="200" name="Shape 200"/>
+          <p:cNvSpPr/>
+          <p:nvPr>
+            <p:ph idx="2" type="sldImg"/>
+          </p:nvPr>
+        </p:nvSpPr>
+        <p:spPr>
+          <a:xfrm>
+            <a:off x="381300" y="685800"/>
+            <a:ext cx="6096000" cy="3429000"/>
+          </a:xfrm>
+          <a:custGeom>
+            <a:pathLst>
+              <a:path extrusionOk="0" h="120000" w="120000">
+                <a:moveTo>
+                  <a:pt x="0" y="0"/>
+                </a:moveTo>
+                <a:lnTo>
+                  <a:pt x="120000" y="0"/>
+                </a:lnTo>
+                <a:lnTo>
+                  <a:pt x="120000" y="120000"/>
+                </a:lnTo>
+                <a:lnTo>
+                  <a:pt x="0" y="120000"/>
+                </a:lnTo>
+                <a:close/>
+              </a:path>
+            </a:pathLst>
+          </a:custGeom>
+        </p:spPr>
+      </p:sp>
+      <p:sp>
+        <p:nvSpPr>
+          <p:cNvPr id="201" name="Shape 201"/>
+          <p:cNvSpPr txBox="1"/>
+          <p:nvPr>
+            <p:ph idx="1" type="body"/>
+          </p:nvPr>
+        </p:nvSpPr>
+        <p:spPr>
+          <a:xfrm>
+            <a:off x="685800" y="4343400"/>
+            <a:ext cx="5486400" cy="4114800"/>
+          </a:xfrm>
+          <a:prstGeom prst="rect">
+            <a:avLst/>
+          </a:prstGeom>
+        </p:spPr>
+        <p:txBody>
+          <a:bodyPr anchorCtr="0" anchor="t" bIns="91425" lIns="91425" rIns="91425" tIns="91425">
+            <a:noAutofit/>
+          </a:bodyPr>
+          <a:lstStyle/>
+          <a:p>
+            <a:pPr lvl="0">
+              <a:spcBef>
+                <a:spcPts val="0"/>
+              </a:spcBef>
+              <a:buNone/>
+            </a:pPr>
+            <a:r>
+              <a:t/>
+            </a:r>
+            <a:endParaRPr/>
+          </a:p>
+        </p:txBody>
+      </p:sp>
+    </p:spTree>
+  </p:cSld>
+  <p:clrMapOvr>
+    <a:masterClrMapping/>
+  </p:clrMapOvr>
+</p:notes>
+</file>
+
+<file path=ppt/notesSlides/notesSlide21.xml><?xml version="1.0" encoding="utf-8"?>
+<p:notes xmlns:a="http://schemas.openxmlformats.org/drawingml/2006/main" xmlns:r="http://schemas.openxmlformats.org/officeDocument/2006/relationships" xmlns:mc="http://schemas.openxmlformats.org/markup-compatibility/2006" xmlns:mv="urn:schemas-microsoft-com:mac:vml" xmlns:p="http://schemas.openxmlformats.org/presentationml/2006/main" xmlns:c="http://schemas.openxmlformats.org/drawingml/2006/chart" xmlns:dgm="http://schemas.openxmlformats.org/drawingml/2006/diagram" xmlns:o="urn:schemas-microsoft-com:office:office" xmlns:v="urn:schemas-microsoft-com:vml" xmlns:pvml="urn:schemas-microsoft-com:office:powerpoint" xmlns:com="http://schemas.openxmlformats.org/drawingml/2006/compatibility" xmlns:p14="http://schemas.microsoft.com/office/powerpoint/2010/main" showMasterPhAnim="0" showMasterSp="0">
+  <p:cSld>
+    <p:spTree>
+      <p:nvGrpSpPr>
+        <p:cNvPr id="205" name="Shape 205"/>
+        <p:cNvGrpSpPr/>
+        <p:nvPr/>
+      </p:nvGrpSpPr>
+      <p:grpSpPr>
+        <a:xfrm>
+          <a:off x="0" y="0"/>
+          <a:ext cx="0" cy="0"/>
+          <a:chOff x="0" y="0"/>
+          <a:chExt cx="0" cy="0"/>
+        </a:xfrm>
+      </p:grpSpPr>
+      <p:sp>
+        <p:nvSpPr>
+          <p:cNvPr id="206" name="Shape 206"/>
+          <p:cNvSpPr/>
+          <p:nvPr>
+            <p:ph idx="2" type="sldImg"/>
+          </p:nvPr>
+        </p:nvSpPr>
+        <p:spPr>
+          <a:xfrm>
+            <a:off x="381300" y="685800"/>
+            <a:ext cx="6096000" cy="3429000"/>
+          </a:xfrm>
+          <a:custGeom>
+            <a:pathLst>
+              <a:path extrusionOk="0" h="120000" w="120000">
+                <a:moveTo>
+                  <a:pt x="0" y="0"/>
+                </a:moveTo>
+                <a:lnTo>
+                  <a:pt x="120000" y="0"/>
+                </a:lnTo>
+                <a:lnTo>
+                  <a:pt x="120000" y="120000"/>
+                </a:lnTo>
+                <a:lnTo>
+                  <a:pt x="0" y="120000"/>
+                </a:lnTo>
+                <a:close/>
+              </a:path>
+            </a:pathLst>
+          </a:custGeom>
+        </p:spPr>
+      </p:sp>
+      <p:sp>
+        <p:nvSpPr>
+          <p:cNvPr id="207" name="Shape 207"/>
+          <p:cNvSpPr txBox="1"/>
+          <p:nvPr>
+            <p:ph idx="1" type="body"/>
+          </p:nvPr>
+        </p:nvSpPr>
+        <p:spPr>
+          <a:xfrm>
+            <a:off x="685800" y="4343400"/>
+            <a:ext cx="5486400" cy="4114800"/>
+          </a:xfrm>
+          <a:prstGeom prst="rect">
+            <a:avLst/>
+          </a:prstGeom>
+        </p:spPr>
+        <p:txBody>
+          <a:bodyPr anchorCtr="0" anchor="t" bIns="91425" lIns="91425" rIns="91425" tIns="91425">
+            <a:noAutofit/>
+          </a:bodyPr>
+          <a:lstStyle/>
+          <a:p>
+            <a:pPr lvl="0" rtl="0">
+              <a:spcBef>
+                <a:spcPts val="0"/>
+              </a:spcBef>
+              <a:buNone/>
+            </a:pPr>
+            <a:r>
+              <a:t/>
+            </a:r>
+            <a:endParaRPr/>
+          </a:p>
+        </p:txBody>
+      </p:sp>
+    </p:spTree>
+  </p:cSld>
+  <p:clrMapOvr>
+    <a:masterClrMapping/>
+  </p:clrMapOvr>
+</p:notes>
+</file>
+
+<file path=ppt/notesSlides/notesSlide22.xml><?xml version="1.0" encoding="utf-8"?>
+<p:notes xmlns:a="http://schemas.openxmlformats.org/drawingml/2006/main" xmlns:r="http://schemas.openxmlformats.org/officeDocument/2006/relationships" xmlns:mc="http://schemas.openxmlformats.org/markup-compatibility/2006" xmlns:mv="urn:schemas-microsoft-com:mac:vml" xmlns:p="http://schemas.openxmlformats.org/presentationml/2006/main" xmlns:c="http://schemas.openxmlformats.org/drawingml/2006/chart" xmlns:dgm="http://schemas.openxmlformats.org/drawingml/2006/diagram" xmlns:o="urn:schemas-microsoft-com:office:office" xmlns:v="urn:schemas-microsoft-com:vml" xmlns:pvml="urn:schemas-microsoft-com:office:powerpoint" xmlns:com="http://schemas.openxmlformats.org/drawingml/2006/compatibility" xmlns:p14="http://schemas.microsoft.com/office/powerpoint/2010/main" showMasterPhAnim="0" showMasterSp="0">
+  <p:cSld>
+    <p:spTree>
+      <p:nvGrpSpPr>
+        <p:cNvPr id="211" name="Shape 211"/>
+        <p:cNvGrpSpPr/>
+        <p:nvPr/>
+      </p:nvGrpSpPr>
+      <p:grpSpPr>
+        <a:xfrm>
+          <a:off x="0" y="0"/>
+          <a:ext cx="0" cy="0"/>
+          <a:chOff x="0" y="0"/>
+          <a:chExt cx="0" cy="0"/>
+        </a:xfrm>
+      </p:grpSpPr>
+      <p:sp>
+        <p:nvSpPr>
+          <p:cNvPr id="212" name="Shape 212"/>
+          <p:cNvSpPr/>
+          <p:nvPr>
+            <p:ph idx="2" type="sldImg"/>
+          </p:nvPr>
+        </p:nvSpPr>
+        <p:spPr>
+          <a:xfrm>
+            <a:off x="381300" y="685800"/>
+            <a:ext cx="6096000" cy="3429000"/>
+          </a:xfrm>
+          <a:custGeom>
+            <a:pathLst>
+              <a:path extrusionOk="0" h="120000" w="120000">
+                <a:moveTo>
+                  <a:pt x="0" y="0"/>
+                </a:moveTo>
+                <a:lnTo>
+                  <a:pt x="120000" y="0"/>
+                </a:lnTo>
+                <a:lnTo>
+                  <a:pt x="120000" y="120000"/>
+                </a:lnTo>
+                <a:lnTo>
+                  <a:pt x="0" y="120000"/>
+                </a:lnTo>
+                <a:close/>
+              </a:path>
+            </a:pathLst>
+          </a:custGeom>
+        </p:spPr>
+      </p:sp>
+      <p:sp>
+        <p:nvSpPr>
+          <p:cNvPr id="213" name="Shape 213"/>
+          <p:cNvSpPr txBox="1"/>
+          <p:nvPr>
+            <p:ph idx="1" type="body"/>
+          </p:nvPr>
+        </p:nvSpPr>
+        <p:spPr>
+          <a:xfrm>
+            <a:off x="685800" y="4343400"/>
+            <a:ext cx="5486400" cy="4114800"/>
+          </a:xfrm>
+          <a:prstGeom prst="rect">
+            <a:avLst/>
+          </a:prstGeom>
+        </p:spPr>
+        <p:txBody>
+          <a:bodyPr anchorCtr="0" anchor="t" bIns="91425" lIns="91425" rIns="91425" tIns="91425">
+            <a:noAutofit/>
+          </a:bodyPr>
+          <a:lstStyle/>
+          <a:p>
+            <a:pPr lvl="0">
+              <a:spcBef>
+                <a:spcPts val="0"/>
+              </a:spcBef>
+              <a:buNone/>
+            </a:pPr>
+            <a:r>
+              <a:t/>
+            </a:r>
+            <a:endParaRPr/>
+          </a:p>
+        </p:txBody>
+      </p:sp>
+    </p:spTree>
+  </p:cSld>
+  <p:clrMapOvr>
+    <a:masterClrMapping/>
+  </p:clrMapOvr>
+</p:notes>
+</file>
+
+<file path=ppt/notesSlides/notesSlide23.xml><?xml version="1.0" encoding="utf-8"?>
+<p:notes xmlns:a="http://schemas.openxmlformats.org/drawingml/2006/main" xmlns:r="http://schemas.openxmlformats.org/officeDocument/2006/relationships" xmlns:mc="http://schemas.openxmlformats.org/markup-compatibility/2006" xmlns:mv="urn:schemas-microsoft-com:mac:vml" xmlns:p="http://schemas.openxmlformats.org/presentationml/2006/main" xmlns:c="http://schemas.openxmlformats.org/drawingml/2006/chart" xmlns:dgm="http://schemas.openxmlformats.org/drawingml/2006/diagram" xmlns:o="urn:schemas-microsoft-com:office:office" xmlns:v="urn:schemas-microsoft-com:vml" xmlns:pvml="urn:schemas-microsoft-com:office:powerpoint" xmlns:com="http://schemas.openxmlformats.org/drawingml/2006/compatibility" xmlns:p14="http://schemas.microsoft.com/office/powerpoint/2010/main" showMasterPhAnim="0" showMasterSp="0">
+  <p:cSld>
+    <p:spTree>
+      <p:nvGrpSpPr>
+        <p:cNvPr id="221" name="Shape 221"/>
+        <p:cNvGrpSpPr/>
+        <p:nvPr/>
+      </p:nvGrpSpPr>
+      <p:grpSpPr>
+        <a:xfrm>
+          <a:off x="0" y="0"/>
+          <a:ext cx="0" cy="0"/>
+          <a:chOff x="0" y="0"/>
+          <a:chExt cx="0" cy="0"/>
+        </a:xfrm>
+      </p:grpSpPr>
+      <p:sp>
+        <p:nvSpPr>
+          <p:cNvPr id="222" name="Shape 222"/>
+          <p:cNvSpPr/>
+          <p:nvPr>
+            <p:ph idx="2" type="sldImg"/>
+          </p:nvPr>
+        </p:nvSpPr>
+        <p:spPr>
+          <a:xfrm>
+            <a:off x="381300" y="685800"/>
+            <a:ext cx="6096000" cy="3429000"/>
+          </a:xfrm>
+          <a:custGeom>
+            <a:pathLst>
+              <a:path extrusionOk="0" h="120000" w="120000">
+                <a:moveTo>
+                  <a:pt x="0" y="0"/>
+                </a:moveTo>
+                <a:lnTo>
+                  <a:pt x="120000" y="0"/>
+                </a:lnTo>
+                <a:lnTo>
+                  <a:pt x="120000" y="120000"/>
+                </a:lnTo>
+                <a:lnTo>
+                  <a:pt x="0" y="120000"/>
+                </a:lnTo>
+                <a:close/>
+              </a:path>
+            </a:pathLst>
+          </a:custGeom>
+        </p:spPr>
+      </p:sp>
+      <p:sp>
+        <p:nvSpPr>
+          <p:cNvPr id="223" name="Shape 223"/>
+          <p:cNvSpPr txBox="1"/>
+          <p:nvPr>
+            <p:ph idx="1" type="body"/>
+          </p:nvPr>
+        </p:nvSpPr>
+        <p:spPr>
+          <a:xfrm>
+            <a:off x="685800" y="4343400"/>
+            <a:ext cx="5486400" cy="4114800"/>
+          </a:xfrm>
+          <a:prstGeom prst="rect">
+            <a:avLst/>
+          </a:prstGeom>
+        </p:spPr>
+        <p:txBody>
+          <a:bodyPr anchorCtr="0" anchor="t" bIns="91425" lIns="91425" rIns="91425" tIns="91425">
+            <a:noAutofit/>
+          </a:bodyPr>
+          <a:lstStyle/>
+          <a:p>
+            <a:pPr lvl="0" rtl="0">
+              <a:spcBef>
+                <a:spcPts val="0"/>
+              </a:spcBef>
+              <a:buNone/>
+            </a:pPr>
+            <a:r>
+              <a:t/>
+            </a:r>
+            <a:endParaRPr/>
+          </a:p>
+        </p:txBody>
+      </p:sp>
+    </p:spTree>
+  </p:cSld>
+  <p:clrMapOvr>
+    <a:masterClrMapping/>
+  </p:clrMapOvr>
+</p:notes>
+</file>
+
+<file path=ppt/notesSlides/notesSlide24.xml><?xml version="1.0" encoding="utf-8"?>
+<p:notes xmlns:a="http://schemas.openxmlformats.org/drawingml/2006/main" xmlns:r="http://schemas.openxmlformats.org/officeDocument/2006/relationships" xmlns:mc="http://schemas.openxmlformats.org/markup-compatibility/2006" xmlns:mv="urn:schemas-microsoft-com:mac:vml" xmlns:p="http://schemas.openxmlformats.org/presentationml/2006/main" xmlns:c="http://schemas.openxmlformats.org/drawingml/2006/chart" xmlns:dgm="http://schemas.openxmlformats.org/drawingml/2006/diagram" xmlns:o="urn:schemas-microsoft-com:office:office" xmlns:v="urn:schemas-microsoft-com:vml" xmlns:pvml="urn:schemas-microsoft-com:office:powerpoint" xmlns:com="http://schemas.openxmlformats.org/drawingml/2006/compatibility" xmlns:p14="http://schemas.microsoft.com/office/powerpoint/2010/main" showMasterPhAnim="0" showMasterSp="0">
+  <p:cSld>
+    <p:spTree>
+      <p:nvGrpSpPr>
+        <p:cNvPr id="231" name="Shape 231"/>
+        <p:cNvGrpSpPr/>
+        <p:nvPr/>
+      </p:nvGrpSpPr>
+      <p:grpSpPr>
+        <a:xfrm>
+          <a:off x="0" y="0"/>
+          <a:ext cx="0" cy="0"/>
+          <a:chOff x="0" y="0"/>
+          <a:chExt cx="0" cy="0"/>
+        </a:xfrm>
+      </p:grpSpPr>
+      <p:sp>
+        <p:nvSpPr>
+          <p:cNvPr id="232" name="Shape 232"/>
+          <p:cNvSpPr/>
+          <p:nvPr>
+            <p:ph idx="2" type="sldImg"/>
+          </p:nvPr>
+        </p:nvSpPr>
+        <p:spPr>
+          <a:xfrm>
+            <a:off x="381300" y="685800"/>
+            <a:ext cx="6096000" cy="3429000"/>
+          </a:xfrm>
+          <a:custGeom>
+            <a:pathLst>
+              <a:path extrusionOk="0" h="120000" w="120000">
+                <a:moveTo>
+                  <a:pt x="0" y="0"/>
+                </a:moveTo>
+                <a:lnTo>
+                  <a:pt x="120000" y="0"/>
+                </a:lnTo>
+                <a:lnTo>
+                  <a:pt x="120000" y="120000"/>
+                </a:lnTo>
+                <a:lnTo>
+                  <a:pt x="0" y="120000"/>
+                </a:lnTo>
+                <a:close/>
+              </a:path>
+            </a:pathLst>
+          </a:custGeom>
+        </p:spPr>
+      </p:sp>
+      <p:sp>
+        <p:nvSpPr>
+          <p:cNvPr id="233" name="Shape 233"/>
+          <p:cNvSpPr txBox="1"/>
+          <p:nvPr>
+            <p:ph idx="1" type="body"/>
+          </p:nvPr>
+        </p:nvSpPr>
+        <p:spPr>
+          <a:xfrm>
+            <a:off x="685800" y="4343400"/>
+            <a:ext cx="5486400" cy="4114800"/>
+          </a:xfrm>
+          <a:prstGeom prst="rect">
+            <a:avLst/>
+          </a:prstGeom>
+        </p:spPr>
+        <p:txBody>
+          <a:bodyPr anchorCtr="0" anchor="t" bIns="91425" lIns="91425" rIns="91425" tIns="91425">
+            <a:noAutofit/>
+          </a:bodyPr>
+          <a:lstStyle/>
+          <a:p>
+            <a:pPr lvl="0" rtl="0">
+              <a:spcBef>
+                <a:spcPts val="0"/>
+              </a:spcBef>
+              <a:buNone/>
+            </a:pPr>
+            <a:r>
+              <a:t/>
+            </a:r>
+            <a:endParaRPr/>
+          </a:p>
+        </p:txBody>
+      </p:sp>
+    </p:spTree>
+  </p:cSld>
+  <p:clrMapOvr>
+    <a:masterClrMapping/>
+  </p:clrMapOvr>
+</p:notes>
+</file>
+
+<file path=ppt/notesSlides/notesSlide25.xml><?xml version="1.0" encoding="utf-8"?>
+<p:notes xmlns:a="http://schemas.openxmlformats.org/drawingml/2006/main" xmlns:r="http://schemas.openxmlformats.org/officeDocument/2006/relationships" xmlns:mc="http://schemas.openxmlformats.org/markup-compatibility/2006" xmlns:mv="urn:schemas-microsoft-com:mac:vml" xmlns:p="http://schemas.openxmlformats.org/presentationml/2006/main" xmlns:c="http://schemas.openxmlformats.org/drawingml/2006/chart" xmlns:dgm="http://schemas.openxmlformats.org/drawingml/2006/diagram" xmlns:o="urn:schemas-microsoft-com:office:office" xmlns:v="urn:schemas-microsoft-com:vml" xmlns:pvml="urn:schemas-microsoft-com:office:powerpoint" xmlns:com="http://schemas.openxmlformats.org/drawingml/2006/compatibility" xmlns:p14="http://schemas.microsoft.com/office/powerpoint/2010/main" showMasterPhAnim="0" showMasterSp="0">
+  <p:cSld>
+    <p:spTree>
+      <p:nvGrpSpPr>
+        <p:cNvPr id="241" name="Shape 241"/>
+        <p:cNvGrpSpPr/>
+        <p:nvPr/>
+      </p:nvGrpSpPr>
+      <p:grpSpPr>
+        <a:xfrm>
+          <a:off x="0" y="0"/>
+          <a:ext cx="0" cy="0"/>
+          <a:chOff x="0" y="0"/>
+          <a:chExt cx="0" cy="0"/>
+        </a:xfrm>
+      </p:grpSpPr>
+      <p:sp>
+        <p:nvSpPr>
+          <p:cNvPr id="242" name="Shape 242"/>
+          <p:cNvSpPr/>
+          <p:nvPr>
+            <p:ph idx="2" type="sldImg"/>
+          </p:nvPr>
+        </p:nvSpPr>
+        <p:spPr>
+          <a:xfrm>
+            <a:off x="381300" y="685800"/>
+            <a:ext cx="6096000" cy="3429000"/>
+          </a:xfrm>
+          <a:custGeom>
+            <a:pathLst>
+              <a:path extrusionOk="0" h="120000" w="120000">
+                <a:moveTo>
+                  <a:pt x="0" y="0"/>
+                </a:moveTo>
+                <a:lnTo>
+                  <a:pt x="120000" y="0"/>
+                </a:lnTo>
+                <a:lnTo>
+                  <a:pt x="120000" y="120000"/>
+                </a:lnTo>
+                <a:lnTo>
+                  <a:pt x="0" y="120000"/>
+                </a:lnTo>
+                <a:close/>
+              </a:path>
+            </a:pathLst>
+          </a:custGeom>
+        </p:spPr>
+      </p:sp>
+      <p:sp>
+        <p:nvSpPr>
+          <p:cNvPr id="243" name="Shape 243"/>
+          <p:cNvSpPr txBox="1"/>
+          <p:nvPr>
+            <p:ph idx="1" type="body"/>
+          </p:nvPr>
+        </p:nvSpPr>
+        <p:spPr>
+          <a:xfrm>
+            <a:off x="685800" y="4343400"/>
+            <a:ext cx="5486400" cy="4114800"/>
+          </a:xfrm>
+          <a:prstGeom prst="rect">
+            <a:avLst/>
+          </a:prstGeom>
+        </p:spPr>
+        <p:txBody>
+          <a:bodyPr anchorCtr="0" anchor="t" bIns="91425" lIns="91425" rIns="91425" tIns="91425">
+            <a:noAutofit/>
+          </a:bodyPr>
+          <a:lstStyle/>
+          <a:p>
+            <a:pPr lvl="0" rtl="0">
+              <a:spcBef>
+                <a:spcPts val="0"/>
+              </a:spcBef>
+              <a:buNone/>
+            </a:pPr>
+            <a:r>
+              <a:t/>
+            </a:r>
+            <a:endParaRPr/>
+          </a:p>
+        </p:txBody>
+      </p:sp>
+    </p:spTree>
+  </p:cSld>
+  <p:clrMapOvr>
+    <a:masterClrMapping/>
+  </p:clrMapOvr>
+</p:notes>
+</file>
+
+<file path=ppt/notesSlides/notesSlide26.xml><?xml version="1.0" encoding="utf-8"?>
+<p:notes xmlns:a="http://schemas.openxmlformats.org/drawingml/2006/main" xmlns:r="http://schemas.openxmlformats.org/officeDocument/2006/relationships" xmlns:mc="http://schemas.openxmlformats.org/markup-compatibility/2006" xmlns:mv="urn:schemas-microsoft-com:mac:vml" xmlns:p="http://schemas.openxmlformats.org/presentationml/2006/main" xmlns:c="http://schemas.openxmlformats.org/drawingml/2006/chart" xmlns:dgm="http://schemas.openxmlformats.org/drawingml/2006/diagram" xmlns:o="urn:schemas-microsoft-com:office:office" xmlns:v="urn:schemas-microsoft-com:vml" xmlns:pvml="urn:schemas-microsoft-com:office:powerpoint" xmlns:com="http://schemas.openxmlformats.org/drawingml/2006/compatibility" xmlns:p14="http://schemas.microsoft.com/office/powerpoint/2010/main" showMasterPhAnim="0" showMasterSp="0">
+  <p:cSld>
+    <p:spTree>
+      <p:nvGrpSpPr>
+        <p:cNvPr id="251" name="Shape 251"/>
+        <p:cNvGrpSpPr/>
+        <p:nvPr/>
+      </p:nvGrpSpPr>
+      <p:grpSpPr>
+        <a:xfrm>
+          <a:off x="0" y="0"/>
+          <a:ext cx="0" cy="0"/>
+          <a:chOff x="0" y="0"/>
+          <a:chExt cx="0" cy="0"/>
+        </a:xfrm>
+      </p:grpSpPr>
+      <p:sp>
+        <p:nvSpPr>
+          <p:cNvPr id="252" name="Shape 252"/>
+          <p:cNvSpPr/>
+          <p:nvPr>
+            <p:ph idx="2" type="sldImg"/>
+          </p:nvPr>
+        </p:nvSpPr>
+        <p:spPr>
+          <a:xfrm>
+            <a:off x="381300" y="685800"/>
+            <a:ext cx="6096000" cy="3429000"/>
+          </a:xfrm>
+          <a:custGeom>
+            <a:pathLst>
+              <a:path extrusionOk="0" h="120000" w="120000">
+                <a:moveTo>
+                  <a:pt x="0" y="0"/>
+                </a:moveTo>
+                <a:lnTo>
+                  <a:pt x="120000" y="0"/>
+                </a:lnTo>
+                <a:lnTo>
+                  <a:pt x="120000" y="120000"/>
+                </a:lnTo>
+                <a:lnTo>
+                  <a:pt x="0" y="120000"/>
+                </a:lnTo>
+                <a:close/>
+              </a:path>
+            </a:pathLst>
+          </a:custGeom>
+        </p:spPr>
+      </p:sp>
+      <p:sp>
+        <p:nvSpPr>
+          <p:cNvPr id="253" name="Shape 253"/>
+          <p:cNvSpPr txBox="1"/>
+          <p:nvPr>
+            <p:ph idx="1" type="body"/>
+          </p:nvPr>
+        </p:nvSpPr>
+        <p:spPr>
+          <a:xfrm>
+            <a:off x="685800" y="4343400"/>
+            <a:ext cx="5486400" cy="4114800"/>
+          </a:xfrm>
+          <a:prstGeom prst="rect">
+            <a:avLst/>
+          </a:prstGeom>
+        </p:spPr>
+        <p:txBody>
+          <a:bodyPr anchorCtr="0" anchor="t" bIns="91425" lIns="91425" rIns="91425" tIns="91425">
+            <a:noAutofit/>
+          </a:bodyPr>
+          <a:lstStyle/>
+          <a:p>
+            <a:pPr lvl="0">
+              <a:spcBef>
+                <a:spcPts val="0"/>
+              </a:spcBef>
+              <a:buNone/>
+            </a:pPr>
+            <a:r>
+              <a:t/>
+            </a:r>
+            <a:endParaRPr/>
+          </a:p>
+        </p:txBody>
+      </p:sp>
+    </p:spTree>
+  </p:cSld>
+  <p:clrMapOvr>
+    <a:masterClrMapping/>
+  </p:clrMapOvr>
+</p:notes>
+</file>
+
+<file path=ppt/notesSlides/notesSlide27.xml><?xml version="1.0" encoding="utf-8"?>
+<p:notes xmlns:a="http://schemas.openxmlformats.org/drawingml/2006/main" xmlns:r="http://schemas.openxmlformats.org/officeDocument/2006/relationships" xmlns:mc="http://schemas.openxmlformats.org/markup-compatibility/2006" xmlns:mv="urn:schemas-microsoft-com:mac:vml" xmlns:p="http://schemas.openxmlformats.org/presentationml/2006/main" xmlns:c="http://schemas.openxmlformats.org/drawingml/2006/chart" xmlns:dgm="http://schemas.openxmlformats.org/drawingml/2006/diagram" xmlns:o="urn:schemas-microsoft-com:office:office" xmlns:v="urn:schemas-microsoft-com:vml" xmlns:pvml="urn:schemas-microsoft-com:office:powerpoint" xmlns:com="http://schemas.openxmlformats.org/drawingml/2006/compatibility" xmlns:p14="http://schemas.microsoft.com/office/powerpoint/2010/main" showMasterPhAnim="0" showMasterSp="0">
+  <p:cSld>
+    <p:spTree>
+      <p:nvGrpSpPr>
+        <p:cNvPr id="257" name="Shape 257"/>
+        <p:cNvGrpSpPr/>
+        <p:nvPr/>
+      </p:nvGrpSpPr>
+      <p:grpSpPr>
+        <a:xfrm>
+          <a:off x="0" y="0"/>
+          <a:ext cx="0" cy="0"/>
+          <a:chOff x="0" y="0"/>
+          <a:chExt cx="0" cy="0"/>
+        </a:xfrm>
+      </p:grpSpPr>
+      <p:sp>
+        <p:nvSpPr>
+          <p:cNvPr id="258" name="Shape 258"/>
+          <p:cNvSpPr/>
+          <p:nvPr>
+            <p:ph idx="2" type="sldImg"/>
+          </p:nvPr>
+        </p:nvSpPr>
+        <p:spPr>
+          <a:xfrm>
+            <a:off x="381300" y="685800"/>
+            <a:ext cx="6096000" cy="3429000"/>
+          </a:xfrm>
+          <a:custGeom>
+            <a:pathLst>
+              <a:path extrusionOk="0" h="120000" w="120000">
+                <a:moveTo>
+                  <a:pt x="0" y="0"/>
+                </a:moveTo>
+                <a:lnTo>
+                  <a:pt x="120000" y="0"/>
+                </a:lnTo>
+                <a:lnTo>
+                  <a:pt x="120000" y="120000"/>
+                </a:lnTo>
+                <a:lnTo>
+                  <a:pt x="0" y="120000"/>
+                </a:lnTo>
+                <a:close/>
+              </a:path>
+            </a:pathLst>
+          </a:custGeom>
+        </p:spPr>
+      </p:sp>
+      <p:sp>
+        <p:nvSpPr>
+          <p:cNvPr id="259" name="Shape 259"/>
+          <p:cNvSpPr txBox="1"/>
+          <p:nvPr>
+            <p:ph idx="1" type="body"/>
+          </p:nvPr>
+        </p:nvSpPr>
+        <p:spPr>
+          <a:xfrm>
+            <a:off x="685800" y="4343400"/>
+            <a:ext cx="5486400" cy="4114800"/>
+          </a:xfrm>
+          <a:prstGeom prst="rect">
+            <a:avLst/>
+          </a:prstGeom>
+        </p:spPr>
+        <p:txBody>
+          <a:bodyPr anchorCtr="0" anchor="t" bIns="91425" lIns="91425" rIns="91425" tIns="91425">
+            <a:noAutofit/>
+          </a:bodyPr>
+          <a:lstStyle/>
+          <a:p>
+            <a:pPr lvl="0">
+              <a:spcBef>
+                <a:spcPts val="0"/>
+              </a:spcBef>
+              <a:buNone/>
+            </a:pPr>
+            <a:r>
+              <a:t/>
+            </a:r>
+            <a:endParaRPr/>
+          </a:p>
+        </p:txBody>
+      </p:sp>
+    </p:spTree>
+  </p:cSld>
+  <p:clrMapOvr>
+    <a:masterClrMapping/>
+  </p:clrMapOvr>
+</p:notes>
+</file>
+
+<file path=ppt/notesSlides/notesSlide28.xml><?xml version="1.0" encoding="utf-8"?>
+<p:notes xmlns:a="http://schemas.openxmlformats.org/drawingml/2006/main" xmlns:r="http://schemas.openxmlformats.org/officeDocument/2006/relationships" xmlns:mc="http://schemas.openxmlformats.org/markup-compatibility/2006" xmlns:mv="urn:schemas-microsoft-com:mac:vml" xmlns:p="http://schemas.openxmlformats.org/presentationml/2006/main" xmlns:c="http://schemas.openxmlformats.org/drawingml/2006/chart" xmlns:dgm="http://schemas.openxmlformats.org/drawingml/2006/diagram" xmlns:o="urn:schemas-microsoft-com:office:office" xmlns:v="urn:schemas-microsoft-com:vml" xmlns:pvml="urn:schemas-microsoft-com:office:powerpoint" xmlns:com="http://schemas.openxmlformats.org/drawingml/2006/compatibility" xmlns:p14="http://schemas.microsoft.com/office/powerpoint/2010/main" showMasterPhAnim="0" showMasterSp="0">
+  <p:cSld>
+    <p:spTree>
+      <p:nvGrpSpPr>
+        <p:cNvPr id="263" name="Shape 263"/>
+        <p:cNvGrpSpPr/>
+        <p:nvPr/>
+      </p:nvGrpSpPr>
+      <p:grpSpPr>
+        <a:xfrm>
+          <a:off x="0" y="0"/>
+          <a:ext cx="0" cy="0"/>
+          <a:chOff x="0" y="0"/>
+          <a:chExt cx="0" cy="0"/>
+        </a:xfrm>
+      </p:grpSpPr>
+      <p:sp>
+        <p:nvSpPr>
+          <p:cNvPr id="264" name="Shape 264"/>
+          <p:cNvSpPr/>
+          <p:nvPr>
+            <p:ph idx="2" type="sldImg"/>
+          </p:nvPr>
+        </p:nvSpPr>
+        <p:spPr>
+          <a:xfrm>
+            <a:off x="381300" y="685800"/>
+            <a:ext cx="6096000" cy="3429000"/>
+          </a:xfrm>
+          <a:custGeom>
+            <a:pathLst>
+              <a:path extrusionOk="0" h="120000" w="120000">
+                <a:moveTo>
+                  <a:pt x="0" y="0"/>
+                </a:moveTo>
+                <a:lnTo>
+                  <a:pt x="120000" y="0"/>
+                </a:lnTo>
+                <a:lnTo>
+                  <a:pt x="120000" y="120000"/>
+                </a:lnTo>
+                <a:lnTo>
+                  <a:pt x="0" y="120000"/>
+                </a:lnTo>
+                <a:close/>
+              </a:path>
+            </a:pathLst>
+          </a:custGeom>
+        </p:spPr>
+      </p:sp>
+      <p:sp>
+        <p:nvSpPr>
+          <p:cNvPr id="265" name="Shape 265"/>
+          <p:cNvSpPr txBox="1"/>
+          <p:nvPr>
+            <p:ph idx="1" type="body"/>
+          </p:nvPr>
+        </p:nvSpPr>
+        <p:spPr>
+          <a:xfrm>
+            <a:off x="685800" y="4343400"/>
+            <a:ext cx="5486400" cy="4114800"/>
+          </a:xfrm>
+          <a:prstGeom prst="rect">
+            <a:avLst/>
+          </a:prstGeom>
+        </p:spPr>
+        <p:txBody>
+          <a:bodyPr anchorCtr="0" anchor="t" bIns="91425" lIns="91425" rIns="91425" tIns="91425">
+            <a:noAutofit/>
+          </a:bodyPr>
+          <a:lstStyle/>
+          <a:p>
+            <a:pPr lvl="0">
+              <a:spcBef>
+                <a:spcPts val="0"/>
+              </a:spcBef>
+              <a:buNone/>
+            </a:pPr>
+            <a:r>
+              <a:t/>
+            </a:r>
+            <a:endParaRPr/>
+          </a:p>
+        </p:txBody>
+      </p:sp>
+    </p:spTree>
+  </p:cSld>
+  <p:clrMapOvr>
+    <a:masterClrMapping/>
+  </p:clrMapOvr>
+</p:notes>
+</file>
+
+<file path=ppt/notesSlides/notesSlide29.xml><?xml version="1.0" encoding="utf-8"?>
+<p:notes xmlns:a="http://schemas.openxmlformats.org/drawingml/2006/main" xmlns:r="http://schemas.openxmlformats.org/officeDocument/2006/relationships" xmlns:mc="http://schemas.openxmlformats.org/markup-compatibility/2006" xmlns:mv="urn:schemas-microsoft-com:mac:vml" xmlns:p="http://schemas.openxmlformats.org/presentationml/2006/main" xmlns:c="http://schemas.openxmlformats.org/drawingml/2006/chart" xmlns:dgm="http://schemas.openxmlformats.org/drawingml/2006/diagram" xmlns:o="urn:schemas-microsoft-com:office:office" xmlns:v="urn:schemas-microsoft-com:vml" xmlns:pvml="urn:schemas-microsoft-com:office:powerpoint" xmlns:com="http://schemas.openxmlformats.org/drawingml/2006/compatibility" xmlns:p14="http://schemas.microsoft.com/office/powerpoint/2010/main" showMasterPhAnim="0" showMasterSp="0">
+  <p:cSld>
+    <p:spTree>
+      <p:nvGrpSpPr>
+        <p:cNvPr id="269" name="Shape 269"/>
+        <p:cNvGrpSpPr/>
+        <p:nvPr/>
+      </p:nvGrpSpPr>
+      <p:grpSpPr>
+        <a:xfrm>
+          <a:off x="0" y="0"/>
+          <a:ext cx="0" cy="0"/>
+          <a:chOff x="0" y="0"/>
+          <a:chExt cx="0" cy="0"/>
+        </a:xfrm>
+      </p:grpSpPr>
+      <p:sp>
+        <p:nvSpPr>
+          <p:cNvPr id="270" name="Shape 270"/>
+          <p:cNvSpPr/>
+          <p:nvPr>
+            <p:ph idx="2" type="sldImg"/>
+          </p:nvPr>
+        </p:nvSpPr>
+        <p:spPr>
+          <a:xfrm>
+            <a:off x="381300" y="685800"/>
+            <a:ext cx="6096000" cy="3429000"/>
+          </a:xfrm>
+          <a:custGeom>
+            <a:pathLst>
+              <a:path extrusionOk="0" h="120000" w="120000">
+                <a:moveTo>
+                  <a:pt x="0" y="0"/>
+                </a:moveTo>
+                <a:lnTo>
+                  <a:pt x="120000" y="0"/>
+                </a:lnTo>
+                <a:lnTo>
+                  <a:pt x="120000" y="120000"/>
+                </a:lnTo>
+                <a:lnTo>
+                  <a:pt x="0" y="120000"/>
+                </a:lnTo>
+                <a:close/>
+              </a:path>
+            </a:pathLst>
+          </a:custGeom>
+        </p:spPr>
+      </p:sp>
+      <p:sp>
+        <p:nvSpPr>
+          <p:cNvPr id="271" name="Shape 271"/>
+          <p:cNvSpPr txBox="1"/>
+          <p:nvPr>
+            <p:ph idx="1" type="body"/>
+          </p:nvPr>
+        </p:nvSpPr>
+        <p:spPr>
+          <a:xfrm>
+            <a:off x="685800" y="4343400"/>
+            <a:ext cx="5486400" cy="4114800"/>
+          </a:xfrm>
+          <a:prstGeom prst="rect">
+            <a:avLst/>
+          </a:prstGeom>
+        </p:spPr>
+        <p:txBody>
+          <a:bodyPr anchorCtr="0" anchor="t" bIns="91425" lIns="91425" rIns="91425" tIns="91425">
+            <a:noAutofit/>
+          </a:bodyPr>
+          <a:lstStyle/>
           <a:p>
             <a:pPr lvl="0">
               <a:spcBef>
@@ -1451,7 +2795,7 @@
   <p:cSld>
     <p:spTree>
       <p:nvGrpSpPr>
-        <p:cNvPr id="112" name="Shape 112"/>
+        <p:cNvPr id="111" name="Shape 111"/>
         <p:cNvGrpSpPr/>
         <p:nvPr/>
       </p:nvGrpSpPr>
@@ -1465,7 +2809,7 @@
       </p:grpSpPr>
       <p:sp>
         <p:nvSpPr>
-          <p:cNvPr id="113" name="Shape 113"/>
+          <p:cNvPr id="112" name="Shape 112"/>
           <p:cNvSpPr/>
           <p:nvPr>
             <p:ph idx="2" type="sldImg"/>
@@ -1499,7 +2843,7 @@
       </p:sp>
       <p:sp>
         <p:nvSpPr>
-          <p:cNvPr id="114" name="Shape 114"/>
+          <p:cNvPr id="113" name="Shape 113"/>
           <p:cNvSpPr txBox="1"/>
           <p:nvPr>
             <p:ph idx="1" type="body"/>
@@ -1527,21 +2871,9 @@
               <a:buNone/>
             </a:pPr>
             <a:r>
-              <a:rPr lang="en"/>
-              <a:t>If we had preprocessed before classification, we would have lost punctuations ….</a:t>
-            </a:r>
-          </a:p>
-          <a:p>
-            <a:pPr lvl="0" rtl="0">
-              <a:spcBef>
-                <a:spcPts val="0"/>
-              </a:spcBef>
-              <a:buNone/>
-            </a:pPr>
-            <a:r>
-              <a:rPr lang="en"/>
-              <a:t>dictionary was used before, stemmed words  cannot be stored </a:t>
-            </a:r>
+              <a:t/>
+            </a:r>
+            <a:endParaRPr/>
           </a:p>
         </p:txBody>
       </p:sp>
@@ -1558,7 +2890,7 @@
   <p:cSld>
     <p:spTree>
       <p:nvGrpSpPr>
-        <p:cNvPr id="118" name="Shape 118"/>
+        <p:cNvPr id="117" name="Shape 117"/>
         <p:cNvGrpSpPr/>
         <p:nvPr/>
       </p:nvGrpSpPr>
@@ -1572,7 +2904,7 @@
       </p:grpSpPr>
       <p:sp>
         <p:nvSpPr>
-          <p:cNvPr id="119" name="Shape 119"/>
+          <p:cNvPr id="118" name="Shape 118"/>
           <p:cNvSpPr/>
           <p:nvPr>
             <p:ph idx="2" type="sldImg"/>
@@ -1606,7 +2938,7 @@
       </p:sp>
       <p:sp>
         <p:nvSpPr>
-          <p:cNvPr id="120" name="Shape 120"/>
+          <p:cNvPr id="119" name="Shape 119"/>
           <p:cNvSpPr txBox="1"/>
           <p:nvPr>
             <p:ph idx="1" type="body"/>
@@ -1653,7 +2985,7 @@
   <p:cSld>
     <p:spTree>
       <p:nvGrpSpPr>
-        <p:cNvPr id="125" name="Shape 125"/>
+        <p:cNvPr id="123" name="Shape 123"/>
         <p:cNvGrpSpPr/>
         <p:nvPr/>
       </p:nvGrpSpPr>
@@ -1667,7 +2999,7 @@
       </p:grpSpPr>
       <p:sp>
         <p:nvSpPr>
-          <p:cNvPr id="126" name="Shape 126"/>
+          <p:cNvPr id="124" name="Shape 124"/>
           <p:cNvSpPr/>
           <p:nvPr>
             <p:ph idx="2" type="sldImg"/>
@@ -1701,7 +3033,7 @@
       </p:sp>
       <p:sp>
         <p:nvSpPr>
-          <p:cNvPr id="127" name="Shape 127"/>
+          <p:cNvPr id="125" name="Shape 125"/>
           <p:cNvSpPr txBox="1"/>
           <p:nvPr>
             <p:ph idx="1" type="body"/>
@@ -1721,6 +3053,18 @@
             <a:noAutofit/>
           </a:bodyPr>
           <a:lstStyle/>
+          <a:p>
+            <a:pPr lvl="0">
+              <a:spcBef>
+                <a:spcPts val="0"/>
+              </a:spcBef>
+              <a:buNone/>
+            </a:pPr>
+            <a:r>
+              <a:rPr lang="en"/>
+              <a:t>Initially page  count are accessed</a:t>
+            </a:r>
+          </a:p>
           <a:p>
             <a:pPr lvl="0">
               <a:spcBef>
@@ -1748,7 +3092,7 @@
   <p:cSld>
     <p:spTree>
       <p:nvGrpSpPr>
-        <p:cNvPr id="132" name="Shape 132"/>
+        <p:cNvPr id="129" name="Shape 129"/>
         <p:cNvGrpSpPr/>
         <p:nvPr/>
       </p:nvGrpSpPr>
@@ -1762,7 +3106,7 @@
       </p:grpSpPr>
       <p:sp>
         <p:nvSpPr>
-          <p:cNvPr id="133" name="Shape 133"/>
+          <p:cNvPr id="130" name="Shape 130"/>
           <p:cNvSpPr/>
           <p:nvPr>
             <p:ph idx="2" type="sldImg"/>
@@ -1796,7 +3140,7 @@
       </p:sp>
       <p:sp>
         <p:nvSpPr>
-          <p:cNvPr id="134" name="Shape 134"/>
+          <p:cNvPr id="131" name="Shape 131"/>
           <p:cNvSpPr txBox="1"/>
           <p:nvPr>
             <p:ph idx="1" type="body"/>
@@ -1817,7 +3161,7 @@
           </a:bodyPr>
           <a:lstStyle/>
           <a:p>
-            <a:pPr lvl="0" rtl="0">
+            <a:pPr lvl="0">
               <a:spcBef>
                 <a:spcPts val="0"/>
               </a:spcBef>
@@ -6796,19 +8140,19 @@
             </a:pPr>
             <a:r>
               <a:rPr lang="en"/>
+              <a:t>Muhammed Huvais</a:t>
+            </a:r>
+          </a:p>
+          <a:p>
+            <a:pPr lvl="0">
+              <a:spcBef>
+                <a:spcPts val="0"/>
+              </a:spcBef>
+              <a:buNone/>
+            </a:pPr>
+            <a:r>
+              <a:rPr lang="en"/>
               <a:t>Pranav A Shenoy</a:t>
-            </a:r>
-          </a:p>
-          <a:p>
-            <a:pPr lvl="0">
-              <a:spcBef>
-                <a:spcPts val="0"/>
-              </a:spcBef>
-              <a:buNone/>
-            </a:pPr>
-            <a:r>
-              <a:rPr lang="en"/>
-              <a:t>Muhammed Huvais</a:t>
             </a:r>
           </a:p>
           <a:p>
@@ -6838,7 +8182,7 @@
   <p:cSld>
     <p:spTree>
       <p:nvGrpSpPr>
-        <p:cNvPr id="142" name="Shape 142"/>
+        <p:cNvPr id="138" name="Shape 138"/>
         <p:cNvGrpSpPr/>
         <p:nvPr/>
       </p:nvGrpSpPr>
@@ -6852,7 +8196,7 @@
       </p:grpSpPr>
       <p:sp>
         <p:nvSpPr>
-          <p:cNvPr id="143" name="Shape 143"/>
+          <p:cNvPr id="139" name="Shape 139"/>
           <p:cNvSpPr txBox="1"/>
           <p:nvPr>
             <p:ph type="title"/>
@@ -6881,14 +8225,14 @@
             </a:pPr>
             <a:r>
               <a:rPr lang="en"/>
-              <a:t>Sentiment Analysis(1/4)</a:t>
+              <a:t>Aspect Extraction</a:t>
             </a:r>
           </a:p>
         </p:txBody>
       </p:sp>
       <p:sp>
         <p:nvSpPr>
-          <p:cNvPr id="144" name="Shape 144"/>
+          <p:cNvPr id="140" name="Shape 140"/>
           <p:cNvSpPr txBox="1"/>
           <p:nvPr>
             <p:ph idx="1" type="body"/>
@@ -6896,8 +8240,8 @@
         </p:nvSpPr>
         <p:spPr>
           <a:xfrm>
-            <a:off x="311700" y="947025"/>
-            <a:ext cx="8520600" cy="3698100"/>
+            <a:off x="311700" y="1229875"/>
+            <a:ext cx="8520600" cy="3339000"/>
           </a:xfrm>
           <a:prstGeom prst="rect">
             <a:avLst/>
@@ -6909,152 +8253,74 @@
           </a:bodyPr>
           <a:lstStyle/>
           <a:p>
-            <a:pPr lvl="0">
-              <a:spcBef>
-                <a:spcPts val="0"/>
-              </a:spcBef>
-              <a:buNone/>
-            </a:pPr>
-            <a:r>
-              <a:rPr lang="en"/>
-              <a:t>Five classes are there for classifying: neg, sli_neg, neutral, sli_pos, pos</a:t>
-            </a:r>
-          </a:p>
-          <a:p>
-            <a:pPr lvl="0" rtl="0">
-              <a:spcBef>
-                <a:spcPts val="0"/>
-              </a:spcBef>
-              <a:buNone/>
-            </a:pPr>
-            <a:r>
-              <a:rPr lang="en"/>
-              <a:t>There are two models</a:t>
-            </a:r>
-          </a:p>
-          <a:p>
             <a:pPr indent="-228600" lvl="0" marL="457200" rtl="0">
-              <a:spcBef>
-                <a:spcPts val="0"/>
-              </a:spcBef>
-            </a:pPr>
-            <a:r>
-              <a:rPr lang="en"/>
-              <a:t>NaiveBayes Classifier</a:t>
-            </a:r>
-          </a:p>
-          <a:p>
-            <a:pPr indent="-228600" lvl="1" marL="914400" rtl="0">
-              <a:spcBef>
-                <a:spcPts val="0"/>
-              </a:spcBef>
-            </a:pPr>
-            <a:r>
-              <a:rPr lang="en"/>
-              <a:t>Feature = Unigram</a:t>
-            </a:r>
-          </a:p>
-          <a:p>
-            <a:pPr indent="-228600" lvl="2" marL="1371600" rtl="0">
-              <a:spcBef>
-                <a:spcPts val="0"/>
-              </a:spcBef>
-            </a:pPr>
-            <a:r>
-              <a:rPr lang="en"/>
-              <a:t>Size of feature = 6544</a:t>
-            </a:r>
-          </a:p>
-          <a:p>
-            <a:pPr indent="-228600" lvl="2" marL="1371600" rtl="0">
-              <a:spcBef>
-                <a:spcPts val="0"/>
-              </a:spcBef>
-            </a:pPr>
-            <a:r>
-              <a:rPr lang="en"/>
-              <a:t>Entire vocabulary has been used as feature</a:t>
-            </a:r>
-          </a:p>
-          <a:p>
-            <a:pPr indent="-228600" lvl="2" marL="1371600" rtl="0">
-              <a:spcBef>
-                <a:spcPts val="0"/>
-              </a:spcBef>
-            </a:pPr>
-            <a:r>
-              <a:rPr lang="en"/>
-              <a:t>Size of train Dataset = 1,91,378</a:t>
-            </a:r>
-          </a:p>
-          <a:p>
-            <a:pPr indent="-228600" lvl="2" marL="1371600" rtl="0">
-              <a:spcBef>
-                <a:spcPts val="0"/>
-              </a:spcBef>
-            </a:pPr>
-            <a:r>
-              <a:rPr lang="en"/>
-              <a:t>Size of test Dataset = 10,000</a:t>
-            </a:r>
-          </a:p>
-          <a:p>
-            <a:pPr indent="-228600" lvl="2" marL="1371600" rtl="0">
-              <a:spcBef>
-                <a:spcPts val="0"/>
-              </a:spcBef>
-            </a:pPr>
-            <a:r>
-              <a:rPr lang="en"/>
-              <a:t>Most Informative Feature :horribl, terribl, good, best</a:t>
-            </a:r>
-          </a:p>
-          <a:p>
-            <a:pPr indent="-228600" lvl="2" marL="1371600" rtl="0">
-              <a:spcBef>
-                <a:spcPts val="0"/>
-              </a:spcBef>
-            </a:pPr>
-            <a:r>
-              <a:rPr lang="en"/>
-              <a:t>Accuracy =  </a:t>
-            </a:r>
-          </a:p>
-          <a:p>
-            <a:pPr indent="0" lvl="0" marL="457200" marR="0" rtl="0" algn="l">
               <a:lnSpc>
-                <a:spcPct val="115000"/>
+                <a:spcPct val="145000"/>
               </a:lnSpc>
               <a:spcBef>
                 <a:spcPts val="0"/>
               </a:spcBef>
-              <a:spcAft>
-                <a:spcPts val="1600"/>
-              </a:spcAft>
-              <a:buNone/>
-            </a:pPr>
-            <a:r>
-              <a:t/>
-            </a:r>
-            <a:endParaRPr/>
-          </a:p>
-          <a:p>
-            <a:pPr lvl="0" marR="0" rtl="0" algn="l">
+            </a:pPr>
+            <a:r>
+              <a:rPr lang="en"/>
+              <a:t>Reviews are tokenized to word using word_tokenizer of nltk module.</a:t>
+            </a:r>
+          </a:p>
+          <a:p>
+            <a:pPr indent="-228600" lvl="0" marL="457200" rtl="0">
               <a:lnSpc>
-                <a:spcPct val="115000"/>
+                <a:spcPct val="145000"/>
               </a:lnSpc>
               <a:spcBef>
                 <a:spcPts val="0"/>
               </a:spcBef>
-              <a:spcAft>
-                <a:spcPts val="1600"/>
-              </a:spcAft>
-              <a:buNone/>
-            </a:pPr>
-            <a:r>
-              <a:t/>
-            </a:r>
-            <a:endParaRPr/>
+            </a:pPr>
+            <a:r>
+              <a:rPr lang="en"/>
+              <a:t>POS tagging is used  to retrieve all nouns.</a:t>
+            </a:r>
+          </a:p>
+          <a:p>
+            <a:pPr indent="-228600" lvl="0" marL="457200" rtl="0">
+              <a:lnSpc>
+                <a:spcPct val="145000"/>
+              </a:lnSpc>
+              <a:spcBef>
+                <a:spcPts val="0"/>
+              </a:spcBef>
+            </a:pPr>
+            <a:r>
+              <a:rPr lang="en"/>
+              <a:t>Count of each nouns are taken. </a:t>
+            </a:r>
+          </a:p>
+          <a:p>
+            <a:pPr indent="-228600" lvl="0" marL="457200" rtl="0">
+              <a:lnSpc>
+                <a:spcPct val="145000"/>
+              </a:lnSpc>
+              <a:spcBef>
+                <a:spcPts val="0"/>
+              </a:spcBef>
+            </a:pPr>
+            <a:r>
+              <a:rPr lang="en"/>
+              <a:t>Words having high counts are analysed and aspects are decided.</a:t>
+            </a:r>
+          </a:p>
+          <a:p>
+            <a:pPr indent="-228600" lvl="0" marL="457200">
+              <a:lnSpc>
+                <a:spcPct val="145000"/>
+              </a:lnSpc>
+              <a:spcBef>
+                <a:spcPts val="0"/>
+              </a:spcBef>
+            </a:pPr>
+            <a:r>
+              <a:rPr lang="en"/>
+              <a:t> Aspects are stored in a file with the name of aspect as that of file name</a:t>
+            </a:r>
           </a:p>
         </p:txBody>
       </p:sp>
@@ -7071,7 +8337,7 @@
   <p:cSld>
     <p:spTree>
       <p:nvGrpSpPr>
-        <p:cNvPr id="148" name="Shape 148"/>
+        <p:cNvPr id="144" name="Shape 144"/>
         <p:cNvGrpSpPr/>
         <p:nvPr/>
       </p:nvGrpSpPr>
@@ -7085,7 +8351,7 @@
       </p:grpSpPr>
       <p:sp>
         <p:nvSpPr>
-          <p:cNvPr id="149" name="Shape 149"/>
+          <p:cNvPr id="145" name="Shape 145"/>
           <p:cNvSpPr txBox="1"/>
           <p:nvPr>
             <p:ph type="title"/>
@@ -7106,22 +8372,30 @@
           </a:bodyPr>
           <a:lstStyle/>
           <a:p>
-            <a:pPr lvl="0" rtl="0">
-              <a:spcBef>
-                <a:spcPts val="0"/>
-              </a:spcBef>
-              <a:buNone/>
-            </a:pPr>
-            <a:r>
-              <a:rPr lang="en"/>
-              <a:t>Sentiment Analysis(2/4)</a:t>
+            <a:pPr lvl="0">
+              <a:spcBef>
+                <a:spcPts val="0"/>
+              </a:spcBef>
+              <a:buNone/>
+            </a:pPr>
+            <a:r>
+              <a:rPr lang="en" sz="1800">
+                <a:solidFill>
+                  <a:schemeClr val="dk2"/>
+                </a:solidFill>
+              </a:rPr>
+              <a:t> </a:t>
+            </a:r>
+            <a:r>
+              <a:rPr lang="en"/>
+              <a:t>Dataset Preparation(1/5)</a:t>
             </a:r>
           </a:p>
         </p:txBody>
       </p:sp>
       <p:sp>
         <p:nvSpPr>
-          <p:cNvPr id="150" name="Shape 150"/>
+          <p:cNvPr id="146" name="Shape 146"/>
           <p:cNvSpPr txBox="1"/>
           <p:nvPr>
             <p:ph idx="1" type="body"/>
@@ -7129,8 +8403,8 @@
         </p:nvSpPr>
         <p:spPr>
           <a:xfrm>
-            <a:off x="311700" y="1306075"/>
-            <a:ext cx="8520600" cy="3339000"/>
+            <a:off x="311700" y="1900800"/>
+            <a:ext cx="8520600" cy="2668200"/>
           </a:xfrm>
           <a:prstGeom prst="rect">
             <a:avLst/>
@@ -7143,107 +8417,102 @@
           <a:lstStyle/>
           <a:p>
             <a:pPr indent="-228600" lvl="0" marL="457200" rtl="0">
-              <a:spcBef>
-                <a:spcPts val="0"/>
-              </a:spcBef>
-            </a:pPr>
-            <a:r>
-              <a:rPr lang="en"/>
-              <a:t>NaiveBayes Classifier</a:t>
-            </a:r>
-          </a:p>
-          <a:p>
-            <a:pPr indent="-228600" lvl="1" marL="914400" rtl="0">
-              <a:spcBef>
-                <a:spcPts val="0"/>
-              </a:spcBef>
-            </a:pPr>
-            <a:r>
-              <a:rPr lang="en"/>
-              <a:t>Feature = Bigram</a:t>
-            </a:r>
-          </a:p>
-          <a:p>
-            <a:pPr indent="-228600" lvl="2" marL="1371600" rtl="0">
-              <a:spcBef>
-                <a:spcPts val="0"/>
-              </a:spcBef>
-            </a:pPr>
-            <a:r>
-              <a:rPr lang="en"/>
-              <a:t>Bigram counts are analysed and a threshold is fixed.threshold count= 10</a:t>
-            </a:r>
-          </a:p>
-          <a:p>
-            <a:pPr indent="-228600" lvl="2" marL="1371600" rtl="0">
-              <a:spcBef>
-                <a:spcPts val="0"/>
-              </a:spcBef>
-            </a:pPr>
-            <a:r>
-              <a:rPr lang="en"/>
-              <a:t>Size of feature = 10863</a:t>
-            </a:r>
-          </a:p>
-          <a:p>
-            <a:pPr indent="-228600" lvl="2" marL="1371600" rtl="0">
-              <a:spcBef>
-                <a:spcPts val="0"/>
-              </a:spcBef>
-            </a:pPr>
-            <a:r>
-              <a:rPr lang="en"/>
-              <a:t>Two stemmed words are combined</a:t>
-            </a:r>
-          </a:p>
-          <a:p>
-            <a:pPr indent="-228600" lvl="2" marL="1371600" rtl="0">
-              <a:spcBef>
-                <a:spcPts val="0"/>
-              </a:spcBef>
-            </a:pPr>
-            <a:r>
-              <a:rPr lang="en"/>
-              <a:t>Size of train Dataset = 1,91,378</a:t>
-            </a:r>
-          </a:p>
-          <a:p>
-            <a:pPr indent="-228600" lvl="2" marL="1371600" rtl="0">
-              <a:spcBef>
-                <a:spcPts val="0"/>
-              </a:spcBef>
-            </a:pPr>
-            <a:r>
-              <a:rPr lang="en"/>
-              <a:t>Size of test Dataset = 10,000</a:t>
-            </a:r>
-          </a:p>
-          <a:p>
-            <a:pPr indent="-228600" lvl="2" marL="1371600" rtl="0">
-              <a:spcBef>
-                <a:spcPts val="0"/>
-              </a:spcBef>
-            </a:pPr>
-            <a:r>
-              <a:rPr lang="en"/>
-              <a:t>Most Informative Feature :(great place),(experi good)....</a:t>
-            </a:r>
-          </a:p>
-          <a:p>
-            <a:pPr indent="-228600" lvl="2" marL="1371600" rtl="0">
-              <a:spcBef>
-                <a:spcPts val="0"/>
-              </a:spcBef>
-            </a:pPr>
-            <a:r>
-              <a:rPr lang="en"/>
-              <a:t>Accuracy =  76.15%</a:t>
-            </a:r>
-          </a:p>
-          <a:p>
-            <a:pPr indent="0" lvl="0" marL="457200" marR="0" rtl="0" algn="l">
               <a:lnSpc>
-                <a:spcPct val="115000"/>
+                <a:spcPct val="150000"/>
+              </a:lnSpc>
+              <a:spcBef>
+                <a:spcPts val="0"/>
+              </a:spcBef>
+            </a:pPr>
+            <a:r>
+              <a:rPr lang="en"/>
+              <a:t>There are 7 directories(6 aspect + 1 general)</a:t>
+            </a:r>
+          </a:p>
+          <a:p>
+            <a:pPr indent="-228600" lvl="0" marL="457200" rtl="0">
+              <a:lnSpc>
+                <a:spcPct val="150000"/>
+              </a:lnSpc>
+              <a:spcBef>
+                <a:spcPts val="0"/>
+              </a:spcBef>
+            </a:pPr>
+            <a:r>
+              <a:rPr lang="en"/>
+              <a:t>Each aspect contains five files :neg, sli_neg, neutral, sli_pos, pos </a:t>
+            </a:r>
+          </a:p>
+          <a:p>
+            <a:pPr indent="-228600" lvl="0" marL="457200" rtl="0">
+              <a:lnSpc>
+                <a:spcPct val="150000"/>
+              </a:lnSpc>
+              <a:spcBef>
+                <a:spcPts val="0"/>
+              </a:spcBef>
+            </a:pPr>
+            <a:r>
+              <a:rPr lang="en"/>
+              <a:t>Filename indicates polarity of sentences within it.</a:t>
+            </a:r>
+          </a:p>
+          <a:p>
+            <a:pPr indent="-228600" lvl="0" marL="457200" rtl="0">
+              <a:lnSpc>
+                <a:spcPct val="150000"/>
+              </a:lnSpc>
+              <a:spcBef>
+                <a:spcPts val="0"/>
+              </a:spcBef>
+            </a:pPr>
+            <a:r>
+              <a:rPr lang="en"/>
+              <a:t>Dataset should contain only valid words</a:t>
+            </a:r>
+          </a:p>
+          <a:p>
+            <a:pPr indent="-228600" lvl="0" marL="457200">
+              <a:lnSpc>
+                <a:spcPct val="150000"/>
+              </a:lnSpc>
+              <a:spcBef>
+                <a:spcPts val="0"/>
+              </a:spcBef>
+            </a:pPr>
+            <a:r>
+              <a:rPr lang="en"/>
+              <a:t>There should not be any stopwords</a:t>
+            </a:r>
+          </a:p>
+        </p:txBody>
+      </p:sp>
+      <p:sp>
+        <p:nvSpPr>
+          <p:cNvPr id="147" name="Shape 147"/>
+          <p:cNvSpPr txBox="1"/>
+          <p:nvPr>
+            <p:ph type="title"/>
+          </p:nvPr>
+        </p:nvSpPr>
+        <p:spPr>
+          <a:xfrm>
+            <a:off x="399700" y="1155400"/>
+            <a:ext cx="8432700" cy="607800"/>
+          </a:xfrm>
+          <a:prstGeom prst="rect">
+            <a:avLst/>
+          </a:prstGeom>
+        </p:spPr>
+        <p:txBody>
+          <a:bodyPr anchorCtr="0" anchor="t" bIns="91425" lIns="91425" rIns="91425" tIns="91425">
+            <a:noAutofit/>
+          </a:bodyPr>
+          <a:lstStyle/>
+          <a:p>
+            <a:pPr lvl="0" rtl="0">
+              <a:lnSpc>
+                <a:spcPct val="150000"/>
               </a:lnSpc>
               <a:spcBef>
                 <a:spcPts val="0"/>
@@ -7254,27 +8523,25 @@
               <a:buNone/>
             </a:pPr>
             <a:r>
+              <a:rPr lang="en" sz="2400" u="sng">
+                <a:solidFill>
+                  <a:schemeClr val="dk2"/>
+                </a:solidFill>
+              </a:rPr>
+              <a:t>Required Format</a:t>
+            </a:r>
+          </a:p>
+          <a:p>
+            <a:pPr lvl="0" rtl="0">
+              <a:spcBef>
+                <a:spcPts val="0"/>
+              </a:spcBef>
+              <a:buNone/>
+            </a:pPr>
+            <a:r>
               <a:t/>
             </a:r>
-            <a:endParaRPr/>
-          </a:p>
-          <a:p>
-            <a:pPr lvl="0" marR="0" rtl="0" algn="l">
-              <a:lnSpc>
-                <a:spcPct val="115000"/>
-              </a:lnSpc>
-              <a:spcBef>
-                <a:spcPts val="0"/>
-              </a:spcBef>
-              <a:spcAft>
-                <a:spcPts val="1600"/>
-              </a:spcAft>
-              <a:buNone/>
-            </a:pPr>
-            <a:r>
-              <a:rPr lang="en"/>
-              <a:t> </a:t>
-            </a:r>
+            <a:endParaRPr sz="1400" u="sng"/>
           </a:p>
         </p:txBody>
       </p:sp>
@@ -7291,7 +8558,7 @@
   <p:cSld>
     <p:spTree>
       <p:nvGrpSpPr>
-        <p:cNvPr id="154" name="Shape 154"/>
+        <p:cNvPr id="151" name="Shape 151"/>
         <p:cNvGrpSpPr/>
         <p:nvPr/>
       </p:nvGrpSpPr>
@@ -7305,7 +8572,7 @@
       </p:grpSpPr>
       <p:sp>
         <p:nvSpPr>
-          <p:cNvPr id="155" name="Shape 155"/>
+          <p:cNvPr id="152" name="Shape 152"/>
           <p:cNvSpPr txBox="1"/>
           <p:nvPr>
             <p:ph type="title"/>
@@ -7334,14 +8601,14 @@
             </a:pPr>
             <a:r>
               <a:rPr lang="en"/>
-              <a:t>Sentiment Analysis(3/4)</a:t>
+              <a:t>Dataset Preparation(2/5)</a:t>
             </a:r>
           </a:p>
         </p:txBody>
       </p:sp>
       <p:sp>
         <p:nvSpPr>
-          <p:cNvPr id="156" name="Shape 156"/>
+          <p:cNvPr id="153" name="Shape 153"/>
           <p:cNvSpPr txBox="1"/>
           <p:nvPr>
             <p:ph idx="1" type="body"/>
@@ -7349,7 +8616,7 @@
         </p:nvSpPr>
         <p:spPr>
           <a:xfrm>
-            <a:off x="311700" y="1306075"/>
+            <a:off x="311700" y="1229875"/>
             <a:ext cx="8520600" cy="3339000"/>
           </a:xfrm>
           <a:prstGeom prst="rect">
@@ -7362,108 +8629,98 @@
           </a:bodyPr>
           <a:lstStyle/>
           <a:p>
+            <a:pPr lvl="0" rtl="0">
+              <a:lnSpc>
+                <a:spcPct val="150000"/>
+              </a:lnSpc>
+              <a:spcBef>
+                <a:spcPts val="0"/>
+              </a:spcBef>
+              <a:buNone/>
+            </a:pPr>
+            <a:r>
+              <a:rPr lang="en"/>
+              <a:t>The  steps are:</a:t>
+            </a:r>
+          </a:p>
+          <a:p>
             <a:pPr indent="-228600" lvl="0" marL="457200" rtl="0">
-              <a:spcBef>
-                <a:spcPts val="0"/>
-              </a:spcBef>
-            </a:pPr>
-            <a:r>
-              <a:rPr lang="en"/>
-              <a:t>Support Vector </a:t>
-            </a:r>
-            <a:r>
-              <a:rPr lang="en"/>
-              <a:t>Classifier</a:t>
+              <a:lnSpc>
+                <a:spcPct val="150000"/>
+              </a:lnSpc>
+              <a:spcBef>
+                <a:spcPts val="0"/>
+              </a:spcBef>
+            </a:pPr>
+            <a:r>
+              <a:rPr lang="en"/>
+              <a:t>Preprocessing</a:t>
+            </a:r>
+          </a:p>
+          <a:p>
+            <a:pPr indent="-228600" lvl="0" marL="457200" rtl="0">
+              <a:lnSpc>
+                <a:spcPct val="150000"/>
+              </a:lnSpc>
+              <a:spcBef>
+                <a:spcPts val="0"/>
+              </a:spcBef>
+            </a:pPr>
+            <a:r>
+              <a:rPr lang="en"/>
+              <a:t>Aspect Sentence Classifier</a:t>
             </a:r>
           </a:p>
           <a:p>
             <a:pPr indent="-228600" lvl="1" marL="914400" rtl="0">
-              <a:spcBef>
-                <a:spcPts val="0"/>
-              </a:spcBef>
-            </a:pPr>
-            <a:r>
-              <a:rPr lang="en"/>
-              <a:t>Feature = unigram</a:t>
-            </a:r>
-          </a:p>
-          <a:p>
-            <a:pPr indent="-228600" lvl="2" marL="1371600" rtl="0">
-              <a:spcBef>
-                <a:spcPts val="0"/>
-              </a:spcBef>
-            </a:pPr>
-            <a:r>
-              <a:rPr lang="en"/>
-              <a:t>Size of feature = 6544</a:t>
-            </a:r>
-          </a:p>
-          <a:p>
-            <a:pPr indent="-228600" lvl="2" marL="1371600" rtl="0">
-              <a:spcBef>
-                <a:spcPts val="0"/>
-              </a:spcBef>
-            </a:pPr>
-            <a:r>
-              <a:rPr lang="en"/>
-              <a:t>The features are vectors of vocabulary.Value is 1 If a word is present, 0 otherwise</a:t>
-            </a:r>
-          </a:p>
-          <a:p>
-            <a:pPr indent="-228600" lvl="2" marL="1371600" rtl="0">
-              <a:spcBef>
-                <a:spcPts val="0"/>
-              </a:spcBef>
-            </a:pPr>
-            <a:r>
-              <a:rPr lang="en"/>
-              <a:t>Sparse matrix representation is used to save memory and execution time </a:t>
-            </a:r>
-          </a:p>
-          <a:p>
-            <a:pPr indent="-228600" lvl="2" marL="1371600" rtl="0">
-              <a:spcBef>
-                <a:spcPts val="0"/>
-              </a:spcBef>
-            </a:pPr>
-            <a:r>
-              <a:rPr lang="en"/>
-              <a:t>Size of train Dataset = 50,000</a:t>
-            </a:r>
-          </a:p>
-          <a:p>
-            <a:pPr indent="-228600" lvl="2" marL="1371600" rtl="0">
-              <a:spcBef>
-                <a:spcPts val="0"/>
-              </a:spcBef>
-            </a:pPr>
-            <a:r>
-              <a:rPr lang="en"/>
-              <a:t>Size of test Dataset = 15,000</a:t>
-            </a:r>
-          </a:p>
-          <a:p>
-            <a:pPr indent="-228600" lvl="2" marL="1371600" rtl="0">
-              <a:spcBef>
-                <a:spcPts val="0"/>
-              </a:spcBef>
-            </a:pPr>
-            <a:r>
-              <a:rPr lang="en"/>
-              <a:t>Accuracy =  87.44%</a:t>
-            </a:r>
-          </a:p>
-          <a:p>
-            <a:pPr lvl="0" marR="0" rtl="0" algn="l">
               <a:lnSpc>
-                <a:spcPct val="115000"/>
+                <a:spcPct val="150000"/>
               </a:lnSpc>
               <a:spcBef>
                 <a:spcPts val="0"/>
               </a:spcBef>
-              <a:spcAft>
-                <a:spcPts val="1600"/>
-              </a:spcAft>
+            </a:pPr>
+            <a:r>
+              <a:rPr lang="en"/>
+              <a:t>Lexical Model</a:t>
+            </a:r>
+          </a:p>
+          <a:p>
+            <a:pPr indent="-228600" lvl="1" marL="914400" rtl="0">
+              <a:lnSpc>
+                <a:spcPct val="150000"/>
+              </a:lnSpc>
+              <a:spcBef>
+                <a:spcPts val="0"/>
+              </a:spcBef>
+            </a:pPr>
+            <a:r>
+              <a:rPr lang="en"/>
+              <a:t>NaiveBayes Classifier</a:t>
+            </a:r>
+          </a:p>
+          <a:p>
+            <a:pPr indent="-228600" lvl="0" marL="457200" rtl="0">
+              <a:lnSpc>
+                <a:spcPct val="150000"/>
+              </a:lnSpc>
+              <a:spcBef>
+                <a:spcPts val="0"/>
+              </a:spcBef>
+            </a:pPr>
+            <a:r>
+              <a:rPr lang="en"/>
+              <a:t>Analysing polarity of each sentence and storing it in corresponding file.</a:t>
+            </a:r>
+          </a:p>
+          <a:p>
+            <a:pPr lvl="0" rtl="0">
+              <a:lnSpc>
+                <a:spcPct val="150000"/>
+              </a:lnSpc>
+              <a:spcBef>
+                <a:spcPts val="0"/>
+              </a:spcBef>
               <a:buNone/>
             </a:pPr>
             <a:r>
@@ -7486,7 +8743,7 @@
   <p:cSld>
     <p:spTree>
       <p:nvGrpSpPr>
-        <p:cNvPr id="160" name="Shape 160"/>
+        <p:cNvPr id="157" name="Shape 157"/>
         <p:cNvGrpSpPr/>
         <p:nvPr/>
       </p:nvGrpSpPr>
@@ -7500,7 +8757,7 @@
       </p:grpSpPr>
       <p:sp>
         <p:nvSpPr>
-          <p:cNvPr id="161" name="Shape 161"/>
+          <p:cNvPr id="158" name="Shape 158"/>
           <p:cNvSpPr txBox="1"/>
           <p:nvPr>
             <p:ph type="title"/>
@@ -7521,22 +8778,22 @@
           </a:bodyPr>
           <a:lstStyle/>
           <a:p>
-            <a:pPr lvl="0" rtl="0">
-              <a:spcBef>
-                <a:spcPts val="0"/>
-              </a:spcBef>
-              <a:buNone/>
-            </a:pPr>
-            <a:r>
-              <a:rPr lang="en"/>
-              <a:t>Sentiment Analysis(4/4)</a:t>
+            <a:pPr lvl="0">
+              <a:spcBef>
+                <a:spcPts val="0"/>
+              </a:spcBef>
+              <a:buNone/>
+            </a:pPr>
+            <a:r>
+              <a:rPr lang="en"/>
+              <a:t>Dataset Preparation(3/5)</a:t>
             </a:r>
           </a:p>
         </p:txBody>
       </p:sp>
       <p:sp>
         <p:nvSpPr>
-          <p:cNvPr id="162" name="Shape 162"/>
+          <p:cNvPr id="159" name="Shape 159"/>
           <p:cNvSpPr txBox="1"/>
           <p:nvPr>
             <p:ph idx="1" type="body"/>
@@ -7544,8 +8801,8 @@
         </p:nvSpPr>
         <p:spPr>
           <a:xfrm>
-            <a:off x="311700" y="1306075"/>
-            <a:ext cx="8520600" cy="3339000"/>
+            <a:off x="311700" y="1734475"/>
+            <a:ext cx="8520600" cy="2834400"/>
           </a:xfrm>
           <a:prstGeom prst="rect">
             <a:avLst/>
@@ -7558,109 +8815,113 @@
           <a:lstStyle/>
           <a:p>
             <a:pPr indent="-228600" lvl="0" marL="457200" rtl="0">
-              <a:spcBef>
-                <a:spcPts val="0"/>
-              </a:spcBef>
-            </a:pPr>
-            <a:r>
-              <a:rPr lang="en"/>
-              <a:t>Support Vector Classifier</a:t>
-            </a:r>
-          </a:p>
-          <a:p>
-            <a:pPr indent="-228600" lvl="1" marL="914400" rtl="0">
-              <a:spcBef>
-                <a:spcPts val="0"/>
-              </a:spcBef>
-            </a:pPr>
-            <a:r>
-              <a:rPr lang="en"/>
-              <a:t>Feature = bigram</a:t>
-            </a:r>
-          </a:p>
-          <a:p>
-            <a:pPr indent="-228600" lvl="2" marL="1371600" rtl="0">
-              <a:spcBef>
-                <a:spcPts val="0"/>
-              </a:spcBef>
-            </a:pPr>
-            <a:r>
-              <a:rPr lang="en"/>
-              <a:t>Size of feature = 10863</a:t>
-            </a:r>
-          </a:p>
-          <a:p>
-            <a:pPr indent="-228600" lvl="2" marL="1371600" rtl="0">
-              <a:spcBef>
-                <a:spcPts val="0"/>
-              </a:spcBef>
-            </a:pPr>
-            <a:r>
-              <a:rPr lang="en"/>
-              <a:t>The features are vectors of vocabulary.Value is 1 If a word is present, 0 otherwise</a:t>
-            </a:r>
-          </a:p>
-          <a:p>
-            <a:pPr indent="-228600" lvl="2" marL="1371600" rtl="0">
-              <a:spcBef>
-                <a:spcPts val="0"/>
-              </a:spcBef>
-            </a:pPr>
-            <a:r>
-              <a:rPr lang="en"/>
-              <a:t>Sparse matrix representation is used to save memory and execution time </a:t>
-            </a:r>
-          </a:p>
-          <a:p>
-            <a:pPr indent="-228600" lvl="2" marL="1371600" rtl="0">
-              <a:spcBef>
-                <a:spcPts val="0"/>
-              </a:spcBef>
-            </a:pPr>
-            <a:r>
-              <a:rPr lang="en"/>
-              <a:t>Size of train Dataset = 50,000</a:t>
-            </a:r>
-          </a:p>
-          <a:p>
-            <a:pPr indent="-228600" lvl="2" marL="1371600" rtl="0">
-              <a:spcBef>
-                <a:spcPts val="0"/>
-              </a:spcBef>
-            </a:pPr>
-            <a:r>
-              <a:rPr lang="en"/>
-              <a:t>Size of test Dataset = 15,000</a:t>
-            </a:r>
-          </a:p>
-          <a:p>
-            <a:pPr indent="-228600" lvl="2" marL="1371600" rtl="0">
-              <a:spcBef>
-                <a:spcPts val="0"/>
-              </a:spcBef>
-            </a:pPr>
-            <a:r>
-              <a:rPr lang="en"/>
-              <a:t>Accuracy =  69.99%</a:t>
-            </a:r>
-          </a:p>
-          <a:p>
-            <a:pPr lvl="0" marR="0" rtl="0" algn="l">
               <a:lnSpc>
-                <a:spcPct val="115000"/>
+                <a:spcPct val="150000"/>
               </a:lnSpc>
               <a:spcBef>
                 <a:spcPts val="0"/>
               </a:spcBef>
-              <a:spcAft>
-                <a:spcPts val="1600"/>
-              </a:spcAft>
-              <a:buNone/>
-            </a:pPr>
-            <a:r>
-              <a:t/>
-            </a:r>
-            <a:endParaRPr/>
+            </a:pPr>
+            <a:r>
+              <a:rPr lang="en"/>
+              <a:t>The reviews are split into sentences based on words like ‘and’, ‘but’ and punctuation like ‘.’ . </a:t>
+            </a:r>
+          </a:p>
+          <a:p>
+            <a:pPr indent="-228600" lvl="0" marL="457200" rtl="0">
+              <a:lnSpc>
+                <a:spcPct val="150000"/>
+              </a:lnSpc>
+              <a:spcBef>
+                <a:spcPts val="0"/>
+              </a:spcBef>
+            </a:pPr>
+            <a:r>
+              <a:rPr lang="en"/>
+              <a:t>Each sentence is split into words using regular expression ([a-zA-Z]+) .</a:t>
+            </a:r>
+          </a:p>
+          <a:p>
+            <a:pPr indent="-228600" lvl="0" marL="457200" rtl="0">
+              <a:lnSpc>
+                <a:spcPct val="150000"/>
+              </a:lnSpc>
+              <a:spcBef>
+                <a:spcPts val="0"/>
+              </a:spcBef>
+            </a:pPr>
+            <a:r>
+              <a:rPr lang="en"/>
+              <a:t>Stopwords are removed</a:t>
+            </a:r>
+          </a:p>
+          <a:p>
+            <a:pPr indent="-228600" lvl="0" marL="457200" rtl="0">
+              <a:lnSpc>
+                <a:spcPct val="150000"/>
+              </a:lnSpc>
+              <a:spcBef>
+                <a:spcPts val="0"/>
+              </a:spcBef>
+            </a:pPr>
+            <a:r>
+              <a:rPr lang="en"/>
+              <a:t>Words are passed to enchant dictionary which removes all non-english words.</a:t>
+            </a:r>
+          </a:p>
+          <a:p>
+            <a:pPr indent="-228600" lvl="0" marL="457200" rtl="0">
+              <a:lnSpc>
+                <a:spcPct val="150000"/>
+              </a:lnSpc>
+              <a:spcBef>
+                <a:spcPts val="0"/>
+              </a:spcBef>
+            </a:pPr>
+            <a:r>
+              <a:rPr lang="en"/>
+              <a:t>The words are stemmed</a:t>
+            </a:r>
+          </a:p>
+        </p:txBody>
+      </p:sp>
+      <p:sp>
+        <p:nvSpPr>
+          <p:cNvPr id="160" name="Shape 160"/>
+          <p:cNvSpPr txBox="1"/>
+          <p:nvPr>
+            <p:ph type="title"/>
+          </p:nvPr>
+        </p:nvSpPr>
+        <p:spPr>
+          <a:xfrm>
+            <a:off x="377075" y="1017800"/>
+            <a:ext cx="8520600" cy="607800"/>
+          </a:xfrm>
+          <a:prstGeom prst="rect">
+            <a:avLst/>
+          </a:prstGeom>
+        </p:spPr>
+        <p:txBody>
+          <a:bodyPr anchorCtr="0" anchor="t" bIns="91425" lIns="91425" rIns="91425" tIns="91425">
+            <a:noAutofit/>
+          </a:bodyPr>
+          <a:lstStyle/>
+          <a:p>
+            <a:pPr lvl="0" rtl="0">
+              <a:spcBef>
+                <a:spcPts val="0"/>
+              </a:spcBef>
+              <a:buNone/>
+            </a:pPr>
+            <a:r>
+              <a:rPr lang="en" sz="2400" u="sng">
+                <a:solidFill>
+                  <a:srgbClr val="000000"/>
+                </a:solidFill>
+              </a:rPr>
+              <a:t>Preprocessing</a:t>
+            </a:r>
           </a:p>
         </p:txBody>
       </p:sp>
@@ -7677,7 +8938,7 @@
   <p:cSld>
     <p:spTree>
       <p:nvGrpSpPr>
-        <p:cNvPr id="166" name="Shape 166"/>
+        <p:cNvPr id="164" name="Shape 164"/>
         <p:cNvGrpSpPr/>
         <p:nvPr/>
       </p:nvGrpSpPr>
@@ -7691,7 +8952,7 @@
       </p:grpSpPr>
       <p:sp>
         <p:nvSpPr>
-          <p:cNvPr id="167" name="Shape 167"/>
+          <p:cNvPr id="165" name="Shape 165"/>
           <p:cNvSpPr txBox="1"/>
           <p:nvPr>
             <p:ph type="title"/>
@@ -7720,14 +8981,26 @@
             </a:pPr>
             <a:r>
               <a:rPr lang="en"/>
-              <a:t>Result(1/)	</a:t>
-            </a:r>
+              <a:t>Dataset Preprocessing(4/5)</a:t>
+            </a:r>
+          </a:p>
+          <a:p>
+            <a:pPr lvl="0">
+              <a:spcBef>
+                <a:spcPts val="0"/>
+              </a:spcBef>
+              <a:buNone/>
+            </a:pPr>
+            <a:r>
+              <a:t/>
+            </a:r>
+            <a:endParaRPr/>
           </a:p>
         </p:txBody>
       </p:sp>
       <p:sp>
         <p:nvSpPr>
-          <p:cNvPr id="168" name="Shape 168"/>
+          <p:cNvPr id="166" name="Shape 166"/>
           <p:cNvSpPr txBox="1"/>
           <p:nvPr>
             <p:ph idx="1" type="body"/>
@@ -7735,8 +9008,8 @@
         </p:nvSpPr>
         <p:spPr>
           <a:xfrm>
-            <a:off x="311700" y="1017800"/>
-            <a:ext cx="8520600" cy="3339000"/>
+            <a:off x="311700" y="1744250"/>
+            <a:ext cx="8520600" cy="2824500"/>
           </a:xfrm>
           <a:prstGeom prst="rect">
             <a:avLst/>
@@ -7749,76 +9022,87 @@
           <a:lstStyle/>
           <a:p>
             <a:pPr indent="-228600" lvl="0" marL="457200" rtl="0">
-              <a:spcBef>
-                <a:spcPts val="0"/>
-              </a:spcBef>
-            </a:pPr>
-            <a:r>
-              <a:rPr lang="en"/>
-              <a:t>Required Result : A graph representing the </a:t>
-            </a:r>
-            <a:r>
-              <a:rPr lang="en"/>
-              <a:t>corresponding values of each aspect for a particular company.</a:t>
+              <a:lnSpc>
+                <a:spcPct val="150000"/>
+              </a:lnSpc>
+              <a:spcBef>
+                <a:spcPts val="0"/>
+              </a:spcBef>
+            </a:pPr>
+            <a:r>
+              <a:rPr lang="en"/>
+              <a:t>Each word in the pool of words corresponding to each aspects is compared with all words of sentence </a:t>
             </a:r>
           </a:p>
           <a:p>
             <a:pPr indent="-228600" lvl="0" marL="457200" rtl="0">
-              <a:spcBef>
-                <a:spcPts val="0"/>
-              </a:spcBef>
-            </a:pPr>
-            <a:r>
-              <a:rPr lang="en"/>
-              <a:t>Reviews of Samsung is fetched from indeed.com</a:t>
-            </a:r>
-          </a:p>
-          <a:p>
-            <a:pPr indent="-228600" lvl="0" marL="457200" rtl="0">
-              <a:spcBef>
-                <a:spcPts val="0"/>
-              </a:spcBef>
-            </a:pPr>
-            <a:r>
-              <a:rPr lang="en"/>
-              <a:t>The reviews are split into sentences and  preprocessed, which removes stopwords, non-english words.</a:t>
-            </a:r>
-          </a:p>
-          <a:p>
-            <a:pPr indent="-228600" lvl="0" marL="457200" rtl="0">
-              <a:spcBef>
-                <a:spcPts val="0"/>
-              </a:spcBef>
-            </a:pPr>
-            <a:r>
-              <a:rPr lang="en"/>
-              <a:t>Each words are stemmed</a:t>
-            </a:r>
-          </a:p>
-          <a:p>
-            <a:pPr indent="-228600" lvl="0" marL="457200" rtl="0">
-              <a:spcBef>
-                <a:spcPts val="0"/>
-              </a:spcBef>
-            </a:pPr>
-            <a:r>
-              <a:rPr lang="en"/>
-              <a:t> </a:t>
-            </a:r>
-            <a:r>
-              <a:rPr lang="en"/>
-              <a:t>Aspect of each sentence is obtained using lexical approach and naivebayes approach.</a:t>
+              <a:lnSpc>
+                <a:spcPct val="150000"/>
+              </a:lnSpc>
+              <a:spcBef>
+                <a:spcPts val="0"/>
+              </a:spcBef>
+            </a:pPr>
+            <a:r>
+              <a:rPr lang="en"/>
+              <a:t> If any word is present, the sentence belongs to the corresponding aspect.</a:t>
             </a:r>
           </a:p>
           <a:p>
             <a:pPr indent="-228600" lvl="0" marL="457200">
-              <a:spcBef>
-                <a:spcPts val="0"/>
-              </a:spcBef>
-            </a:pPr>
-            <a:r>
-              <a:rPr lang="en"/>
-              <a:t>The polarity of each sentence is computed using different models</a:t>
+              <a:lnSpc>
+                <a:spcPct val="150000"/>
+              </a:lnSpc>
+              <a:spcBef>
+                <a:spcPts val="0"/>
+              </a:spcBef>
+            </a:pPr>
+            <a:r>
+              <a:rPr lang="en"/>
+              <a:t>If the word count for each sentence is greater than 1, the words are joined to form sentence which is preprocessed.</a:t>
+            </a:r>
+            <a:br>
+              <a:rPr lang="en"/>
+            </a:br>
+          </a:p>
+        </p:txBody>
+      </p:sp>
+      <p:sp>
+        <p:nvSpPr>
+          <p:cNvPr id="167" name="Shape 167"/>
+          <p:cNvSpPr txBox="1"/>
+          <p:nvPr>
+            <p:ph type="title"/>
+          </p:nvPr>
+        </p:nvSpPr>
+        <p:spPr>
+          <a:xfrm>
+            <a:off x="311700" y="961000"/>
+            <a:ext cx="8520600" cy="607800"/>
+          </a:xfrm>
+          <a:prstGeom prst="rect">
+            <a:avLst/>
+          </a:prstGeom>
+        </p:spPr>
+        <p:txBody>
+          <a:bodyPr anchorCtr="0" anchor="t" bIns="91425" lIns="91425" rIns="91425" tIns="91425">
+            <a:noAutofit/>
+          </a:bodyPr>
+          <a:lstStyle/>
+          <a:p>
+            <a:pPr lvl="0" rtl="0">
+              <a:spcBef>
+                <a:spcPts val="0"/>
+              </a:spcBef>
+              <a:buNone/>
+            </a:pPr>
+            <a:r>
+              <a:rPr lang="en" sz="2400" u="sng">
+                <a:solidFill>
+                  <a:srgbClr val="000000"/>
+                </a:solidFill>
+              </a:rPr>
+              <a:t>Aspect Sentence Classifier-Lexical Approach</a:t>
             </a:r>
           </a:p>
         </p:txBody>
@@ -7836,7 +9120,7 @@
   <p:cSld>
     <p:spTree>
       <p:nvGrpSpPr>
-        <p:cNvPr id="172" name="Shape 172"/>
+        <p:cNvPr id="171" name="Shape 171"/>
         <p:cNvGrpSpPr/>
         <p:nvPr/>
       </p:nvGrpSpPr>
@@ -7850,7 +9134,7 @@
       </p:grpSpPr>
       <p:sp>
         <p:nvSpPr>
-          <p:cNvPr id="173" name="Shape 173"/>
+          <p:cNvPr id="172" name="Shape 172"/>
           <p:cNvSpPr txBox="1"/>
           <p:nvPr>
             <p:ph type="title"/>
@@ -7879,14 +9163,26 @@
             </a:pPr>
             <a:r>
               <a:rPr lang="en"/>
-              <a:t>Result(2/)	</a:t>
-            </a:r>
+              <a:t>Dataset Preprocessing(5/5)</a:t>
+            </a:r>
+          </a:p>
+          <a:p>
+            <a:pPr lvl="0" rtl="0">
+              <a:spcBef>
+                <a:spcPts val="0"/>
+              </a:spcBef>
+              <a:buNone/>
+            </a:pPr>
+            <a:r>
+              <a:t/>
+            </a:r>
+            <a:endParaRPr/>
           </a:p>
         </p:txBody>
       </p:sp>
       <p:sp>
         <p:nvSpPr>
-          <p:cNvPr id="174" name="Shape 174"/>
+          <p:cNvPr id="173" name="Shape 173"/>
           <p:cNvSpPr txBox="1"/>
           <p:nvPr>
             <p:ph idx="1" type="body"/>
@@ -7894,8 +9190,8 @@
         </p:nvSpPr>
         <p:spPr>
           <a:xfrm>
-            <a:off x="311700" y="1017800"/>
-            <a:ext cx="8520600" cy="3339000"/>
+            <a:off x="311700" y="1744250"/>
+            <a:ext cx="8520600" cy="2824500"/>
           </a:xfrm>
           <a:prstGeom prst="rect">
             <a:avLst/>
@@ -7911,6 +9207,929 @@
               <a:spcBef>
                 <a:spcPts val="0"/>
               </a:spcBef>
+            </a:pPr>
+            <a:r>
+              <a:rPr lang="en"/>
+              <a:t>Features are unigram.</a:t>
+            </a:r>
+          </a:p>
+          <a:p>
+            <a:pPr indent="-228600" lvl="0" marL="457200" rtl="0">
+              <a:spcBef>
+                <a:spcPts val="0"/>
+              </a:spcBef>
+            </a:pPr>
+            <a:r>
+              <a:rPr lang="en"/>
+              <a:t>60,000 reviews are preprocessed and trained.</a:t>
+            </a:r>
+          </a:p>
+          <a:p>
+            <a:pPr indent="-228600" lvl="0" marL="457200" rtl="0">
+              <a:spcBef>
+                <a:spcPts val="0"/>
+              </a:spcBef>
+            </a:pPr>
+            <a:r>
+              <a:rPr lang="en"/>
+              <a:t>The trained model is saved in a file using pickle module in python.</a:t>
+            </a:r>
+          </a:p>
+          <a:p>
+            <a:pPr indent="-228600" lvl="0" marL="457200" rtl="0">
+              <a:spcBef>
+                <a:spcPts val="0"/>
+              </a:spcBef>
+            </a:pPr>
+            <a:r>
+              <a:rPr lang="en"/>
+              <a:t>The test set =10,000</a:t>
+            </a:r>
+          </a:p>
+          <a:p>
+            <a:pPr indent="-228600" lvl="0" marL="457200" rtl="0">
+              <a:spcBef>
+                <a:spcPts val="0"/>
+              </a:spcBef>
+            </a:pPr>
+            <a:r>
+              <a:rPr lang="en"/>
+              <a:t>accuracy-&gt; 75.16%</a:t>
+            </a:r>
+          </a:p>
+        </p:txBody>
+      </p:sp>
+      <p:sp>
+        <p:nvSpPr>
+          <p:cNvPr id="174" name="Shape 174"/>
+          <p:cNvSpPr txBox="1"/>
+          <p:nvPr>
+            <p:ph type="title"/>
+          </p:nvPr>
+        </p:nvSpPr>
+        <p:spPr>
+          <a:xfrm>
+            <a:off x="311700" y="961000"/>
+            <a:ext cx="8520600" cy="607800"/>
+          </a:xfrm>
+          <a:prstGeom prst="rect">
+            <a:avLst/>
+          </a:prstGeom>
+        </p:spPr>
+        <p:txBody>
+          <a:bodyPr anchorCtr="0" anchor="t" bIns="91425" lIns="91425" rIns="91425" tIns="91425">
+            <a:noAutofit/>
+          </a:bodyPr>
+          <a:lstStyle/>
+          <a:p>
+            <a:pPr lvl="0" rtl="0">
+              <a:spcBef>
+                <a:spcPts val="0"/>
+              </a:spcBef>
+              <a:buNone/>
+            </a:pPr>
+            <a:r>
+              <a:rPr lang="en" sz="2400" u="sng">
+                <a:solidFill>
+                  <a:srgbClr val="000000"/>
+                </a:solidFill>
+              </a:rPr>
+              <a:t>Aspect Sentence Classifier-NaiveBayes Approach</a:t>
+            </a:r>
+          </a:p>
+        </p:txBody>
+      </p:sp>
+    </p:spTree>
+  </p:cSld>
+  <p:clrMapOvr>
+    <a:masterClrMapping/>
+  </p:clrMapOvr>
+</p:sld>
+</file>
+
+<file path=ppt/slides/slide16.xml><?xml version="1.0" encoding="utf-8"?>
+<p:sld xmlns:a="http://schemas.openxmlformats.org/drawingml/2006/main" xmlns:r="http://schemas.openxmlformats.org/officeDocument/2006/relationships" xmlns:mc="http://schemas.openxmlformats.org/markup-compatibility/2006" xmlns:mv="urn:schemas-microsoft-com:mac:vml" xmlns:p="http://schemas.openxmlformats.org/presentationml/2006/main" xmlns:c="http://schemas.openxmlformats.org/drawingml/2006/chart" xmlns:dgm="http://schemas.openxmlformats.org/drawingml/2006/diagram" xmlns:o="urn:schemas-microsoft-com:office:office" xmlns:v="urn:schemas-microsoft-com:vml" xmlns:pvml="urn:schemas-microsoft-com:office:powerpoint" xmlns:com="http://schemas.openxmlformats.org/drawingml/2006/compatibility" xmlns:p14="http://schemas.microsoft.com/office/powerpoint/2010/main">
+  <p:cSld>
+    <p:spTree>
+      <p:nvGrpSpPr>
+        <p:cNvPr id="178" name="Shape 178"/>
+        <p:cNvGrpSpPr/>
+        <p:nvPr/>
+      </p:nvGrpSpPr>
+      <p:grpSpPr>
+        <a:xfrm>
+          <a:off x="0" y="0"/>
+          <a:ext cx="0" cy="0"/>
+          <a:chOff x="0" y="0"/>
+          <a:chExt cx="0" cy="0"/>
+        </a:xfrm>
+      </p:grpSpPr>
+      <p:sp>
+        <p:nvSpPr>
+          <p:cNvPr id="179" name="Shape 179"/>
+          <p:cNvSpPr txBox="1"/>
+          <p:nvPr>
+            <p:ph type="title"/>
+          </p:nvPr>
+        </p:nvSpPr>
+        <p:spPr>
+          <a:xfrm>
+            <a:off x="311700" y="410000"/>
+            <a:ext cx="8520600" cy="607800"/>
+          </a:xfrm>
+          <a:prstGeom prst="rect">
+            <a:avLst/>
+          </a:prstGeom>
+        </p:spPr>
+        <p:txBody>
+          <a:bodyPr anchorCtr="0" anchor="t" bIns="91425" lIns="91425" rIns="91425" tIns="91425">
+            <a:noAutofit/>
+          </a:bodyPr>
+          <a:lstStyle/>
+          <a:p>
+            <a:pPr lvl="0">
+              <a:spcBef>
+                <a:spcPts val="0"/>
+              </a:spcBef>
+              <a:buNone/>
+            </a:pPr>
+            <a:r>
+              <a:rPr lang="en"/>
+              <a:t>Sentiment Analysis(1/4)</a:t>
+            </a:r>
+          </a:p>
+        </p:txBody>
+      </p:sp>
+      <p:sp>
+        <p:nvSpPr>
+          <p:cNvPr id="180" name="Shape 180"/>
+          <p:cNvSpPr txBox="1"/>
+          <p:nvPr>
+            <p:ph idx="1" type="body"/>
+          </p:nvPr>
+        </p:nvSpPr>
+        <p:spPr>
+          <a:xfrm>
+            <a:off x="311700" y="947025"/>
+            <a:ext cx="8520600" cy="3698100"/>
+          </a:xfrm>
+          <a:prstGeom prst="rect">
+            <a:avLst/>
+          </a:prstGeom>
+        </p:spPr>
+        <p:txBody>
+          <a:bodyPr anchorCtr="0" anchor="t" bIns="91425" lIns="91425" rIns="91425" tIns="91425">
+            <a:noAutofit/>
+          </a:bodyPr>
+          <a:lstStyle/>
+          <a:p>
+            <a:pPr lvl="0">
+              <a:spcBef>
+                <a:spcPts val="0"/>
+              </a:spcBef>
+              <a:buNone/>
+            </a:pPr>
+            <a:r>
+              <a:rPr lang="en"/>
+              <a:t>Five classes are there for classifying: neg, sli_neg, neutral, sli_pos, pos</a:t>
+            </a:r>
+          </a:p>
+          <a:p>
+            <a:pPr lvl="0" rtl="0">
+              <a:spcBef>
+                <a:spcPts val="0"/>
+              </a:spcBef>
+              <a:buNone/>
+            </a:pPr>
+            <a:r>
+              <a:rPr lang="en"/>
+              <a:t>There are two models</a:t>
+            </a:r>
+          </a:p>
+          <a:p>
+            <a:pPr indent="-228600" lvl="0" marL="457200" rtl="0">
+              <a:spcBef>
+                <a:spcPts val="0"/>
+              </a:spcBef>
+            </a:pPr>
+            <a:r>
+              <a:rPr lang="en"/>
+              <a:t>NaiveBayes Classifier</a:t>
+            </a:r>
+          </a:p>
+          <a:p>
+            <a:pPr indent="-228600" lvl="1" marL="914400" rtl="0">
+              <a:spcBef>
+                <a:spcPts val="0"/>
+              </a:spcBef>
+            </a:pPr>
+            <a:r>
+              <a:rPr lang="en"/>
+              <a:t>Feature = Unigram</a:t>
+            </a:r>
+          </a:p>
+          <a:p>
+            <a:pPr indent="-228600" lvl="2" marL="1371600" rtl="0">
+              <a:spcBef>
+                <a:spcPts val="0"/>
+              </a:spcBef>
+            </a:pPr>
+            <a:r>
+              <a:rPr lang="en"/>
+              <a:t>Size of feature = 6544</a:t>
+            </a:r>
+          </a:p>
+          <a:p>
+            <a:pPr indent="-228600" lvl="2" marL="1371600" rtl="0">
+              <a:spcBef>
+                <a:spcPts val="0"/>
+              </a:spcBef>
+            </a:pPr>
+            <a:r>
+              <a:rPr lang="en"/>
+              <a:t>Entire vocabulary has been used as feature</a:t>
+            </a:r>
+          </a:p>
+          <a:p>
+            <a:pPr indent="-228600" lvl="2" marL="1371600" rtl="0">
+              <a:spcBef>
+                <a:spcPts val="0"/>
+              </a:spcBef>
+            </a:pPr>
+            <a:r>
+              <a:rPr lang="en"/>
+              <a:t>Size of train Dataset = 1,91,378</a:t>
+            </a:r>
+          </a:p>
+          <a:p>
+            <a:pPr indent="-228600" lvl="2" marL="1371600" rtl="0">
+              <a:spcBef>
+                <a:spcPts val="0"/>
+              </a:spcBef>
+            </a:pPr>
+            <a:r>
+              <a:rPr lang="en"/>
+              <a:t>Size of test Dataset = 10,000</a:t>
+            </a:r>
+          </a:p>
+          <a:p>
+            <a:pPr indent="-228600" lvl="2" marL="1371600" rtl="0">
+              <a:spcBef>
+                <a:spcPts val="0"/>
+              </a:spcBef>
+            </a:pPr>
+            <a:r>
+              <a:rPr lang="en"/>
+              <a:t>Most Informative Feature :horribl, terribl, good, best</a:t>
+            </a:r>
+          </a:p>
+          <a:p>
+            <a:pPr indent="-228600" lvl="2" marL="1371600" rtl="0">
+              <a:spcBef>
+                <a:spcPts val="0"/>
+              </a:spcBef>
+            </a:pPr>
+            <a:r>
+              <a:rPr lang="en"/>
+              <a:t>Accuracy =  73.91%</a:t>
+            </a:r>
+          </a:p>
+          <a:p>
+            <a:pPr indent="0" lvl="0" marL="457200" marR="0" rtl="0" algn="l">
+              <a:lnSpc>
+                <a:spcPct val="115000"/>
+              </a:lnSpc>
+              <a:spcBef>
+                <a:spcPts val="0"/>
+              </a:spcBef>
+              <a:spcAft>
+                <a:spcPts val="1600"/>
+              </a:spcAft>
+              <a:buNone/>
+            </a:pPr>
+            <a:r>
+              <a:t/>
+            </a:r>
+            <a:endParaRPr/>
+          </a:p>
+          <a:p>
+            <a:pPr lvl="0" marR="0" rtl="0" algn="l">
+              <a:lnSpc>
+                <a:spcPct val="115000"/>
+              </a:lnSpc>
+              <a:spcBef>
+                <a:spcPts val="0"/>
+              </a:spcBef>
+              <a:spcAft>
+                <a:spcPts val="1600"/>
+              </a:spcAft>
+              <a:buNone/>
+            </a:pPr>
+            <a:r>
+              <a:t/>
+            </a:r>
+            <a:endParaRPr/>
+          </a:p>
+        </p:txBody>
+      </p:sp>
+    </p:spTree>
+  </p:cSld>
+  <p:clrMapOvr>
+    <a:masterClrMapping/>
+  </p:clrMapOvr>
+</p:sld>
+</file>
+
+<file path=ppt/slides/slide17.xml><?xml version="1.0" encoding="utf-8"?>
+<p:sld xmlns:a="http://schemas.openxmlformats.org/drawingml/2006/main" xmlns:r="http://schemas.openxmlformats.org/officeDocument/2006/relationships" xmlns:mc="http://schemas.openxmlformats.org/markup-compatibility/2006" xmlns:mv="urn:schemas-microsoft-com:mac:vml" xmlns:p="http://schemas.openxmlformats.org/presentationml/2006/main" xmlns:c="http://schemas.openxmlformats.org/drawingml/2006/chart" xmlns:dgm="http://schemas.openxmlformats.org/drawingml/2006/diagram" xmlns:o="urn:schemas-microsoft-com:office:office" xmlns:v="urn:schemas-microsoft-com:vml" xmlns:pvml="urn:schemas-microsoft-com:office:powerpoint" xmlns:com="http://schemas.openxmlformats.org/drawingml/2006/compatibility" xmlns:p14="http://schemas.microsoft.com/office/powerpoint/2010/main">
+  <p:cSld>
+    <p:spTree>
+      <p:nvGrpSpPr>
+        <p:cNvPr id="184" name="Shape 184"/>
+        <p:cNvGrpSpPr/>
+        <p:nvPr/>
+      </p:nvGrpSpPr>
+      <p:grpSpPr>
+        <a:xfrm>
+          <a:off x="0" y="0"/>
+          <a:ext cx="0" cy="0"/>
+          <a:chOff x="0" y="0"/>
+          <a:chExt cx="0" cy="0"/>
+        </a:xfrm>
+      </p:grpSpPr>
+      <p:sp>
+        <p:nvSpPr>
+          <p:cNvPr id="185" name="Shape 185"/>
+          <p:cNvSpPr txBox="1"/>
+          <p:nvPr>
+            <p:ph type="title"/>
+          </p:nvPr>
+        </p:nvSpPr>
+        <p:spPr>
+          <a:xfrm>
+            <a:off x="311700" y="410000"/>
+            <a:ext cx="8520600" cy="607800"/>
+          </a:xfrm>
+          <a:prstGeom prst="rect">
+            <a:avLst/>
+          </a:prstGeom>
+        </p:spPr>
+        <p:txBody>
+          <a:bodyPr anchorCtr="0" anchor="t" bIns="91425" lIns="91425" rIns="91425" tIns="91425">
+            <a:noAutofit/>
+          </a:bodyPr>
+          <a:lstStyle/>
+          <a:p>
+            <a:pPr lvl="0" rtl="0">
+              <a:spcBef>
+                <a:spcPts val="0"/>
+              </a:spcBef>
+              <a:buNone/>
+            </a:pPr>
+            <a:r>
+              <a:rPr lang="en"/>
+              <a:t>Sentiment Analysis(2/4)</a:t>
+            </a:r>
+          </a:p>
+        </p:txBody>
+      </p:sp>
+      <p:sp>
+        <p:nvSpPr>
+          <p:cNvPr id="186" name="Shape 186"/>
+          <p:cNvSpPr txBox="1"/>
+          <p:nvPr>
+            <p:ph idx="1" type="body"/>
+          </p:nvPr>
+        </p:nvSpPr>
+        <p:spPr>
+          <a:xfrm>
+            <a:off x="311700" y="1306075"/>
+            <a:ext cx="8520600" cy="3339000"/>
+          </a:xfrm>
+          <a:prstGeom prst="rect">
+            <a:avLst/>
+          </a:prstGeom>
+        </p:spPr>
+        <p:txBody>
+          <a:bodyPr anchorCtr="0" anchor="t" bIns="91425" lIns="91425" rIns="91425" tIns="91425">
+            <a:noAutofit/>
+          </a:bodyPr>
+          <a:lstStyle/>
+          <a:p>
+            <a:pPr indent="-228600" lvl="0" marL="457200" rtl="0">
+              <a:spcBef>
+                <a:spcPts val="0"/>
+              </a:spcBef>
+            </a:pPr>
+            <a:r>
+              <a:rPr lang="en"/>
+              <a:t>NaiveBayes Classifier</a:t>
+            </a:r>
+          </a:p>
+          <a:p>
+            <a:pPr indent="-228600" lvl="1" marL="914400" rtl="0">
+              <a:spcBef>
+                <a:spcPts val="0"/>
+              </a:spcBef>
+            </a:pPr>
+            <a:r>
+              <a:rPr lang="en"/>
+              <a:t>Feature = Bigram</a:t>
+            </a:r>
+          </a:p>
+          <a:p>
+            <a:pPr indent="-228600" lvl="2" marL="1371600" rtl="0">
+              <a:spcBef>
+                <a:spcPts val="0"/>
+              </a:spcBef>
+            </a:pPr>
+            <a:r>
+              <a:rPr lang="en"/>
+              <a:t>Bigram counts are analysed and a threshold is fixed.threshold count= 10</a:t>
+            </a:r>
+          </a:p>
+          <a:p>
+            <a:pPr indent="-228600" lvl="2" marL="1371600" rtl="0">
+              <a:spcBef>
+                <a:spcPts val="0"/>
+              </a:spcBef>
+            </a:pPr>
+            <a:r>
+              <a:rPr lang="en"/>
+              <a:t>Size of feature = 10863</a:t>
+            </a:r>
+          </a:p>
+          <a:p>
+            <a:pPr indent="-228600" lvl="2" marL="1371600" rtl="0">
+              <a:spcBef>
+                <a:spcPts val="0"/>
+              </a:spcBef>
+            </a:pPr>
+            <a:r>
+              <a:rPr lang="en"/>
+              <a:t>Two stemmed words are combined</a:t>
+            </a:r>
+          </a:p>
+          <a:p>
+            <a:pPr indent="-228600" lvl="2" marL="1371600" rtl="0">
+              <a:spcBef>
+                <a:spcPts val="0"/>
+              </a:spcBef>
+            </a:pPr>
+            <a:r>
+              <a:rPr lang="en"/>
+              <a:t>Size of train Dataset = 1,91,378</a:t>
+            </a:r>
+          </a:p>
+          <a:p>
+            <a:pPr indent="-228600" lvl="2" marL="1371600" rtl="0">
+              <a:spcBef>
+                <a:spcPts val="0"/>
+              </a:spcBef>
+            </a:pPr>
+            <a:r>
+              <a:rPr lang="en"/>
+              <a:t>Size of test Dataset = 10,000</a:t>
+            </a:r>
+          </a:p>
+          <a:p>
+            <a:pPr indent="-228600" lvl="2" marL="1371600" rtl="0">
+              <a:spcBef>
+                <a:spcPts val="0"/>
+              </a:spcBef>
+            </a:pPr>
+            <a:r>
+              <a:rPr lang="en"/>
+              <a:t>Most Informative Feature :(great place),(experi good)....</a:t>
+            </a:r>
+          </a:p>
+          <a:p>
+            <a:pPr indent="-228600" lvl="2" marL="1371600" rtl="0">
+              <a:spcBef>
+                <a:spcPts val="0"/>
+              </a:spcBef>
+            </a:pPr>
+            <a:r>
+              <a:rPr lang="en"/>
+              <a:t>Accuracy =  76.15%</a:t>
+            </a:r>
+          </a:p>
+          <a:p>
+            <a:pPr indent="0" lvl="0" marL="457200" marR="0" rtl="0" algn="l">
+              <a:lnSpc>
+                <a:spcPct val="115000"/>
+              </a:lnSpc>
+              <a:spcBef>
+                <a:spcPts val="0"/>
+              </a:spcBef>
+              <a:spcAft>
+                <a:spcPts val="1600"/>
+              </a:spcAft>
+              <a:buNone/>
+            </a:pPr>
+            <a:r>
+              <a:t/>
+            </a:r>
+            <a:endParaRPr/>
+          </a:p>
+          <a:p>
+            <a:pPr lvl="0" marR="0" rtl="0" algn="l">
+              <a:lnSpc>
+                <a:spcPct val="115000"/>
+              </a:lnSpc>
+              <a:spcBef>
+                <a:spcPts val="0"/>
+              </a:spcBef>
+              <a:spcAft>
+                <a:spcPts val="1600"/>
+              </a:spcAft>
+              <a:buNone/>
+            </a:pPr>
+            <a:r>
+              <a:rPr lang="en"/>
+              <a:t> </a:t>
+            </a:r>
+          </a:p>
+        </p:txBody>
+      </p:sp>
+    </p:spTree>
+  </p:cSld>
+  <p:clrMapOvr>
+    <a:masterClrMapping/>
+  </p:clrMapOvr>
+</p:sld>
+</file>
+
+<file path=ppt/slides/slide18.xml><?xml version="1.0" encoding="utf-8"?>
+<p:sld xmlns:a="http://schemas.openxmlformats.org/drawingml/2006/main" xmlns:r="http://schemas.openxmlformats.org/officeDocument/2006/relationships" xmlns:mc="http://schemas.openxmlformats.org/markup-compatibility/2006" xmlns:mv="urn:schemas-microsoft-com:mac:vml" xmlns:p="http://schemas.openxmlformats.org/presentationml/2006/main" xmlns:c="http://schemas.openxmlformats.org/drawingml/2006/chart" xmlns:dgm="http://schemas.openxmlformats.org/drawingml/2006/diagram" xmlns:o="urn:schemas-microsoft-com:office:office" xmlns:v="urn:schemas-microsoft-com:vml" xmlns:pvml="urn:schemas-microsoft-com:office:powerpoint" xmlns:com="http://schemas.openxmlformats.org/drawingml/2006/compatibility" xmlns:p14="http://schemas.microsoft.com/office/powerpoint/2010/main">
+  <p:cSld>
+    <p:spTree>
+      <p:nvGrpSpPr>
+        <p:cNvPr id="190" name="Shape 190"/>
+        <p:cNvGrpSpPr/>
+        <p:nvPr/>
+      </p:nvGrpSpPr>
+      <p:grpSpPr>
+        <a:xfrm>
+          <a:off x="0" y="0"/>
+          <a:ext cx="0" cy="0"/>
+          <a:chOff x="0" y="0"/>
+          <a:chExt cx="0" cy="0"/>
+        </a:xfrm>
+      </p:grpSpPr>
+      <p:sp>
+        <p:nvSpPr>
+          <p:cNvPr id="191" name="Shape 191"/>
+          <p:cNvSpPr txBox="1"/>
+          <p:nvPr>
+            <p:ph type="title"/>
+          </p:nvPr>
+        </p:nvSpPr>
+        <p:spPr>
+          <a:xfrm>
+            <a:off x="311700" y="410000"/>
+            <a:ext cx="8520600" cy="607800"/>
+          </a:xfrm>
+          <a:prstGeom prst="rect">
+            <a:avLst/>
+          </a:prstGeom>
+        </p:spPr>
+        <p:txBody>
+          <a:bodyPr anchorCtr="0" anchor="t" bIns="91425" lIns="91425" rIns="91425" tIns="91425">
+            <a:noAutofit/>
+          </a:bodyPr>
+          <a:lstStyle/>
+          <a:p>
+            <a:pPr lvl="0" rtl="0">
+              <a:spcBef>
+                <a:spcPts val="0"/>
+              </a:spcBef>
+              <a:buNone/>
+            </a:pPr>
+            <a:r>
+              <a:rPr lang="en"/>
+              <a:t>Sentiment Analysis(3/4)</a:t>
+            </a:r>
+          </a:p>
+        </p:txBody>
+      </p:sp>
+      <p:sp>
+        <p:nvSpPr>
+          <p:cNvPr id="192" name="Shape 192"/>
+          <p:cNvSpPr txBox="1"/>
+          <p:nvPr>
+            <p:ph idx="1" type="body"/>
+          </p:nvPr>
+        </p:nvSpPr>
+        <p:spPr>
+          <a:xfrm>
+            <a:off x="311700" y="1306075"/>
+            <a:ext cx="8520600" cy="3339000"/>
+          </a:xfrm>
+          <a:prstGeom prst="rect">
+            <a:avLst/>
+          </a:prstGeom>
+        </p:spPr>
+        <p:txBody>
+          <a:bodyPr anchorCtr="0" anchor="t" bIns="91425" lIns="91425" rIns="91425" tIns="91425">
+            <a:noAutofit/>
+          </a:bodyPr>
+          <a:lstStyle/>
+          <a:p>
+            <a:pPr indent="-228600" lvl="0" marL="457200" rtl="0">
+              <a:spcBef>
+                <a:spcPts val="0"/>
+              </a:spcBef>
+            </a:pPr>
+            <a:r>
+              <a:rPr lang="en"/>
+              <a:t>Support Vector </a:t>
+            </a:r>
+            <a:r>
+              <a:rPr lang="en"/>
+              <a:t>Classifier</a:t>
+            </a:r>
+          </a:p>
+          <a:p>
+            <a:pPr indent="-228600" lvl="1" marL="914400" rtl="0">
+              <a:spcBef>
+                <a:spcPts val="0"/>
+              </a:spcBef>
+            </a:pPr>
+            <a:r>
+              <a:rPr lang="en"/>
+              <a:t>Feature = unigram</a:t>
+            </a:r>
+          </a:p>
+          <a:p>
+            <a:pPr indent="-228600" lvl="2" marL="1371600" rtl="0">
+              <a:spcBef>
+                <a:spcPts val="0"/>
+              </a:spcBef>
+            </a:pPr>
+            <a:r>
+              <a:rPr lang="en"/>
+              <a:t>Size of feature = 6544</a:t>
+            </a:r>
+          </a:p>
+          <a:p>
+            <a:pPr indent="-228600" lvl="2" marL="1371600" rtl="0">
+              <a:spcBef>
+                <a:spcPts val="0"/>
+              </a:spcBef>
+            </a:pPr>
+            <a:r>
+              <a:rPr lang="en"/>
+              <a:t>The features are vectors of vocabulary.Value is 1 If a word is present, 0 otherwise</a:t>
+            </a:r>
+          </a:p>
+          <a:p>
+            <a:pPr indent="-228600" lvl="2" marL="1371600" rtl="0">
+              <a:spcBef>
+                <a:spcPts val="0"/>
+              </a:spcBef>
+            </a:pPr>
+            <a:r>
+              <a:rPr lang="en"/>
+              <a:t>Sparse matrix representation is used to save memory and execution time </a:t>
+            </a:r>
+          </a:p>
+          <a:p>
+            <a:pPr indent="-228600" lvl="2" marL="1371600" rtl="0">
+              <a:spcBef>
+                <a:spcPts val="0"/>
+              </a:spcBef>
+            </a:pPr>
+            <a:r>
+              <a:rPr lang="en"/>
+              <a:t>Size of train Dataset = 50,000</a:t>
+            </a:r>
+          </a:p>
+          <a:p>
+            <a:pPr indent="-228600" lvl="2" marL="1371600" rtl="0">
+              <a:spcBef>
+                <a:spcPts val="0"/>
+              </a:spcBef>
+            </a:pPr>
+            <a:r>
+              <a:rPr lang="en"/>
+              <a:t>Size of test Dataset = 15,000</a:t>
+            </a:r>
+          </a:p>
+          <a:p>
+            <a:pPr indent="-228600" lvl="2" marL="1371600" rtl="0">
+              <a:spcBef>
+                <a:spcPts val="0"/>
+              </a:spcBef>
+            </a:pPr>
+            <a:r>
+              <a:rPr lang="en"/>
+              <a:t>Accuracy =  87.44%</a:t>
+            </a:r>
+          </a:p>
+          <a:p>
+            <a:pPr lvl="0" marR="0" rtl="0" algn="l">
+              <a:lnSpc>
+                <a:spcPct val="115000"/>
+              </a:lnSpc>
+              <a:spcBef>
+                <a:spcPts val="0"/>
+              </a:spcBef>
+              <a:spcAft>
+                <a:spcPts val="1600"/>
+              </a:spcAft>
+              <a:buNone/>
+            </a:pPr>
+            <a:r>
+              <a:t/>
+            </a:r>
+            <a:endParaRPr/>
+          </a:p>
+        </p:txBody>
+      </p:sp>
+    </p:spTree>
+  </p:cSld>
+  <p:clrMapOvr>
+    <a:masterClrMapping/>
+  </p:clrMapOvr>
+</p:sld>
+</file>
+
+<file path=ppt/slides/slide19.xml><?xml version="1.0" encoding="utf-8"?>
+<p:sld xmlns:a="http://schemas.openxmlformats.org/drawingml/2006/main" xmlns:r="http://schemas.openxmlformats.org/officeDocument/2006/relationships" xmlns:mc="http://schemas.openxmlformats.org/markup-compatibility/2006" xmlns:mv="urn:schemas-microsoft-com:mac:vml" xmlns:p="http://schemas.openxmlformats.org/presentationml/2006/main" xmlns:c="http://schemas.openxmlformats.org/drawingml/2006/chart" xmlns:dgm="http://schemas.openxmlformats.org/drawingml/2006/diagram" xmlns:o="urn:schemas-microsoft-com:office:office" xmlns:v="urn:schemas-microsoft-com:vml" xmlns:pvml="urn:schemas-microsoft-com:office:powerpoint" xmlns:com="http://schemas.openxmlformats.org/drawingml/2006/compatibility" xmlns:p14="http://schemas.microsoft.com/office/powerpoint/2010/main">
+  <p:cSld>
+    <p:spTree>
+      <p:nvGrpSpPr>
+        <p:cNvPr id="196" name="Shape 196"/>
+        <p:cNvGrpSpPr/>
+        <p:nvPr/>
+      </p:nvGrpSpPr>
+      <p:grpSpPr>
+        <a:xfrm>
+          <a:off x="0" y="0"/>
+          <a:ext cx="0" cy="0"/>
+          <a:chOff x="0" y="0"/>
+          <a:chExt cx="0" cy="0"/>
+        </a:xfrm>
+      </p:grpSpPr>
+      <p:sp>
+        <p:nvSpPr>
+          <p:cNvPr id="197" name="Shape 197"/>
+          <p:cNvSpPr txBox="1"/>
+          <p:nvPr>
+            <p:ph type="title"/>
+          </p:nvPr>
+        </p:nvSpPr>
+        <p:spPr>
+          <a:xfrm>
+            <a:off x="311700" y="410000"/>
+            <a:ext cx="8520600" cy="607800"/>
+          </a:xfrm>
+          <a:prstGeom prst="rect">
+            <a:avLst/>
+          </a:prstGeom>
+        </p:spPr>
+        <p:txBody>
+          <a:bodyPr anchorCtr="0" anchor="t" bIns="91425" lIns="91425" rIns="91425" tIns="91425">
+            <a:noAutofit/>
+          </a:bodyPr>
+          <a:lstStyle/>
+          <a:p>
+            <a:pPr lvl="0" rtl="0">
+              <a:spcBef>
+                <a:spcPts val="0"/>
+              </a:spcBef>
+              <a:buNone/>
+            </a:pPr>
+            <a:r>
+              <a:rPr lang="en"/>
+              <a:t>Sentiment Analysis(4/4)</a:t>
+            </a:r>
+          </a:p>
+        </p:txBody>
+      </p:sp>
+      <p:sp>
+        <p:nvSpPr>
+          <p:cNvPr id="198" name="Shape 198"/>
+          <p:cNvSpPr txBox="1"/>
+          <p:nvPr>
+            <p:ph idx="1" type="body"/>
+          </p:nvPr>
+        </p:nvSpPr>
+        <p:spPr>
+          <a:xfrm>
+            <a:off x="311700" y="1306075"/>
+            <a:ext cx="8520600" cy="3339000"/>
+          </a:xfrm>
+          <a:prstGeom prst="rect">
+            <a:avLst/>
+          </a:prstGeom>
+        </p:spPr>
+        <p:txBody>
+          <a:bodyPr anchorCtr="0" anchor="t" bIns="91425" lIns="91425" rIns="91425" tIns="91425">
+            <a:noAutofit/>
+          </a:bodyPr>
+          <a:lstStyle/>
+          <a:p>
+            <a:pPr indent="-228600" lvl="0" marL="457200" rtl="0">
+              <a:spcBef>
+                <a:spcPts val="0"/>
+              </a:spcBef>
+            </a:pPr>
+            <a:r>
+              <a:rPr lang="en"/>
+              <a:t>Support Vector Classifier</a:t>
+            </a:r>
+          </a:p>
+          <a:p>
+            <a:pPr indent="-228600" lvl="1" marL="914400" rtl="0">
+              <a:spcBef>
+                <a:spcPts val="0"/>
+              </a:spcBef>
+            </a:pPr>
+            <a:r>
+              <a:rPr lang="en"/>
+              <a:t>Feature = bigram</a:t>
+            </a:r>
+          </a:p>
+          <a:p>
+            <a:pPr indent="-228600" lvl="2" marL="1371600" rtl="0">
+              <a:spcBef>
+                <a:spcPts val="0"/>
+              </a:spcBef>
+            </a:pPr>
+            <a:r>
+              <a:rPr lang="en"/>
+              <a:t>Size of feature = 10863</a:t>
+            </a:r>
+          </a:p>
+          <a:p>
+            <a:pPr indent="-228600" lvl="2" marL="1371600" rtl="0">
+              <a:spcBef>
+                <a:spcPts val="0"/>
+              </a:spcBef>
+            </a:pPr>
+            <a:r>
+              <a:rPr lang="en"/>
+              <a:t>The features are vectors of vocabulary.Value is 1 If a word is present, 0 otherwise</a:t>
+            </a:r>
+          </a:p>
+          <a:p>
+            <a:pPr indent="-228600" lvl="2" marL="1371600" rtl="0">
+              <a:spcBef>
+                <a:spcPts val="0"/>
+              </a:spcBef>
+            </a:pPr>
+            <a:r>
+              <a:rPr lang="en"/>
+              <a:t>Sparse matrix representation is used to save memory and execution time </a:t>
+            </a:r>
+          </a:p>
+          <a:p>
+            <a:pPr indent="-228600" lvl="2" marL="1371600" rtl="0">
+              <a:spcBef>
+                <a:spcPts val="0"/>
+              </a:spcBef>
+            </a:pPr>
+            <a:r>
+              <a:rPr lang="en"/>
+              <a:t>Size of train Dataset = 50,000</a:t>
+            </a:r>
+          </a:p>
+          <a:p>
+            <a:pPr indent="-228600" lvl="2" marL="1371600" rtl="0">
+              <a:spcBef>
+                <a:spcPts val="0"/>
+              </a:spcBef>
+            </a:pPr>
+            <a:r>
+              <a:rPr lang="en"/>
+              <a:t>Size of test Dataset = 15,000</a:t>
+            </a:r>
+          </a:p>
+          <a:p>
+            <a:pPr indent="-228600" lvl="2" marL="1371600" rtl="0">
+              <a:spcBef>
+                <a:spcPts val="0"/>
+              </a:spcBef>
+            </a:pPr>
+            <a:r>
+              <a:rPr lang="en"/>
+              <a:t>Accuracy =  69.99%</a:t>
+            </a:r>
+          </a:p>
+          <a:p>
+            <a:pPr lvl="0" marR="0" rtl="0" algn="l">
+              <a:lnSpc>
+                <a:spcPct val="115000"/>
+              </a:lnSpc>
+              <a:spcBef>
+                <a:spcPts val="0"/>
+              </a:spcBef>
+              <a:spcAft>
+                <a:spcPts val="1600"/>
+              </a:spcAft>
+              <a:buNone/>
             </a:pPr>
             <a:r>
               <a:t/>
@@ -7954,7 +10173,7 @@
         </p:nvSpPr>
         <p:spPr>
           <a:xfrm>
-            <a:off x="311700" y="410000"/>
+            <a:off x="311700" y="86925"/>
             <a:ext cx="8520600" cy="607800"/>
           </a:xfrm>
           <a:prstGeom prst="rect">
@@ -7975,7 +10194,7 @@
             </a:pPr>
             <a:r>
               <a:rPr lang="en"/>
-              <a:t>Scrapper	</a:t>
+              <a:t>Overview</a:t>
             </a:r>
           </a:p>
         </p:txBody>
@@ -7990,8 +10209,8 @@
         </p:nvSpPr>
         <p:spPr>
           <a:xfrm>
-            <a:off x="311700" y="1229875"/>
-            <a:ext cx="8520600" cy="3339000"/>
+            <a:off x="311700" y="694725"/>
+            <a:ext cx="8520600" cy="4122900"/>
           </a:xfrm>
           <a:prstGeom prst="rect">
             <a:avLst/>
@@ -8003,6 +10222,283 @@
           </a:bodyPr>
           <a:lstStyle/>
           <a:p>
+            <a:pPr indent="-317500" lvl="0" marL="457200" rtl="0">
+              <a:lnSpc>
+                <a:spcPct val="150000"/>
+              </a:lnSpc>
+              <a:spcBef>
+                <a:spcPts val="0"/>
+              </a:spcBef>
+              <a:buSzPct val="100000"/>
+              <a:buChar char="➢"/>
+            </a:pPr>
+            <a:r>
+              <a:rPr lang="en" sz="1400"/>
+              <a:t>Introduction</a:t>
+            </a:r>
+          </a:p>
+          <a:p>
+            <a:pPr indent="-317500" lvl="0" marL="457200" rtl="0">
+              <a:lnSpc>
+                <a:spcPct val="150000"/>
+              </a:lnSpc>
+              <a:spcBef>
+                <a:spcPts val="0"/>
+              </a:spcBef>
+              <a:buSzPct val="100000"/>
+              <a:buChar char="➢"/>
+            </a:pPr>
+            <a:r>
+              <a:rPr lang="en" sz="1400"/>
+              <a:t>Motivation</a:t>
+            </a:r>
+          </a:p>
+          <a:p>
+            <a:pPr indent="-317500" lvl="0" marL="457200" rtl="0">
+              <a:lnSpc>
+                <a:spcPct val="150000"/>
+              </a:lnSpc>
+              <a:spcBef>
+                <a:spcPts val="0"/>
+              </a:spcBef>
+              <a:buSzPct val="100000"/>
+              <a:buChar char="➢"/>
+            </a:pPr>
+            <a:r>
+              <a:rPr lang="en" sz="1400"/>
+              <a:t>Literature Review</a:t>
+            </a:r>
+          </a:p>
+          <a:p>
+            <a:pPr indent="-317500" lvl="0" marL="457200" rtl="0">
+              <a:lnSpc>
+                <a:spcPct val="150000"/>
+              </a:lnSpc>
+              <a:spcBef>
+                <a:spcPts val="0"/>
+              </a:spcBef>
+              <a:buSzPct val="100000"/>
+              <a:buChar char="➢"/>
+            </a:pPr>
+            <a:r>
+              <a:rPr lang="en" sz="1400"/>
+              <a:t>Proposed Work</a:t>
+            </a:r>
+          </a:p>
+          <a:p>
+            <a:pPr indent="-317500" lvl="0" marL="457200" rtl="0">
+              <a:lnSpc>
+                <a:spcPct val="150000"/>
+              </a:lnSpc>
+              <a:spcBef>
+                <a:spcPts val="0"/>
+              </a:spcBef>
+              <a:buSzPct val="100000"/>
+              <a:buChar char="➢"/>
+            </a:pPr>
+            <a:r>
+              <a:rPr lang="en" sz="1400"/>
+              <a:t>Scraper and Aspect Extraction</a:t>
+            </a:r>
+          </a:p>
+          <a:p>
+            <a:pPr indent="-317500" lvl="0" marL="457200" rtl="0">
+              <a:lnSpc>
+                <a:spcPct val="150000"/>
+              </a:lnSpc>
+              <a:spcBef>
+                <a:spcPts val="0"/>
+              </a:spcBef>
+              <a:buSzPct val="100000"/>
+              <a:buChar char="➢"/>
+            </a:pPr>
+            <a:r>
+              <a:rPr lang="en" sz="1400"/>
+              <a:t>Dataset Preparation</a:t>
+            </a:r>
+          </a:p>
+          <a:p>
+            <a:pPr indent="-317500" lvl="0" marL="457200" rtl="0">
+              <a:lnSpc>
+                <a:spcPct val="150000"/>
+              </a:lnSpc>
+              <a:spcBef>
+                <a:spcPts val="0"/>
+              </a:spcBef>
+              <a:buSzPct val="100000"/>
+              <a:buChar char="➢"/>
+            </a:pPr>
+            <a:r>
+              <a:rPr lang="en" sz="1400"/>
+              <a:t>Sentiment Analysis</a:t>
+            </a:r>
+          </a:p>
+          <a:p>
+            <a:pPr indent="-317500" lvl="0" marL="457200" rtl="0">
+              <a:lnSpc>
+                <a:spcPct val="150000"/>
+              </a:lnSpc>
+              <a:spcBef>
+                <a:spcPts val="0"/>
+              </a:spcBef>
+              <a:buSzPct val="100000"/>
+              <a:buChar char="➢"/>
+            </a:pPr>
+            <a:r>
+              <a:rPr lang="en" sz="1400"/>
+              <a:t>Results</a:t>
+            </a:r>
+          </a:p>
+          <a:p>
+            <a:pPr indent="-317500" lvl="0" marL="457200" rtl="0">
+              <a:lnSpc>
+                <a:spcPct val="150000"/>
+              </a:lnSpc>
+              <a:spcBef>
+                <a:spcPts val="0"/>
+              </a:spcBef>
+              <a:buSzPct val="100000"/>
+              <a:buChar char="➢"/>
+            </a:pPr>
+            <a:r>
+              <a:rPr lang="en" sz="1400"/>
+              <a:t>Limitations</a:t>
+            </a:r>
+          </a:p>
+          <a:p>
+            <a:pPr indent="-317500" lvl="0" marL="457200" rtl="0">
+              <a:lnSpc>
+                <a:spcPct val="150000"/>
+              </a:lnSpc>
+              <a:spcBef>
+                <a:spcPts val="0"/>
+              </a:spcBef>
+              <a:buSzPct val="100000"/>
+              <a:buChar char="➢"/>
+            </a:pPr>
+            <a:r>
+              <a:rPr lang="en" sz="1400"/>
+              <a:t>Conclusion</a:t>
+            </a:r>
+          </a:p>
+          <a:p>
+            <a:pPr indent="-317500" lvl="0" marL="457200" rtl="0">
+              <a:lnSpc>
+                <a:spcPct val="150000"/>
+              </a:lnSpc>
+              <a:spcBef>
+                <a:spcPts val="0"/>
+              </a:spcBef>
+              <a:buSzPct val="100000"/>
+              <a:buChar char="➢"/>
+            </a:pPr>
+            <a:r>
+              <a:rPr lang="en" sz="1400"/>
+              <a:t>Future Work</a:t>
+            </a:r>
+          </a:p>
+          <a:p>
+            <a:pPr indent="-317500" lvl="0" marL="457200" rtl="0">
+              <a:lnSpc>
+                <a:spcPct val="150000"/>
+              </a:lnSpc>
+              <a:spcBef>
+                <a:spcPts val="0"/>
+              </a:spcBef>
+              <a:buSzPct val="100000"/>
+              <a:buChar char="➢"/>
+            </a:pPr>
+            <a:r>
+              <a:rPr lang="en" sz="1400"/>
+              <a:t>References</a:t>
+            </a:r>
+          </a:p>
+        </p:txBody>
+      </p:sp>
+    </p:spTree>
+  </p:cSld>
+  <p:clrMapOvr>
+    <a:masterClrMapping/>
+  </p:clrMapOvr>
+</p:sld>
+</file>
+
+<file path=ppt/slides/slide20.xml><?xml version="1.0" encoding="utf-8"?>
+<p:sld xmlns:a="http://schemas.openxmlformats.org/drawingml/2006/main" xmlns:r="http://schemas.openxmlformats.org/officeDocument/2006/relationships" xmlns:mc="http://schemas.openxmlformats.org/markup-compatibility/2006" xmlns:mv="urn:schemas-microsoft-com:mac:vml" xmlns:p="http://schemas.openxmlformats.org/presentationml/2006/main" xmlns:c="http://schemas.openxmlformats.org/drawingml/2006/chart" xmlns:dgm="http://schemas.openxmlformats.org/drawingml/2006/diagram" xmlns:o="urn:schemas-microsoft-com:office:office" xmlns:v="urn:schemas-microsoft-com:vml" xmlns:pvml="urn:schemas-microsoft-com:office:powerpoint" xmlns:com="http://schemas.openxmlformats.org/drawingml/2006/compatibility" xmlns:p14="http://schemas.microsoft.com/office/powerpoint/2010/main">
+  <p:cSld>
+    <p:spTree>
+      <p:nvGrpSpPr>
+        <p:cNvPr id="202" name="Shape 202"/>
+        <p:cNvGrpSpPr/>
+        <p:nvPr/>
+      </p:nvGrpSpPr>
+      <p:grpSpPr>
+        <a:xfrm>
+          <a:off x="0" y="0"/>
+          <a:ext cx="0" cy="0"/>
+          <a:chOff x="0" y="0"/>
+          <a:chExt cx="0" cy="0"/>
+        </a:xfrm>
+      </p:grpSpPr>
+      <p:sp>
+        <p:nvSpPr>
+          <p:cNvPr id="203" name="Shape 203"/>
+          <p:cNvSpPr txBox="1"/>
+          <p:nvPr>
+            <p:ph type="title"/>
+          </p:nvPr>
+        </p:nvSpPr>
+        <p:spPr>
+          <a:xfrm>
+            <a:off x="311700" y="410000"/>
+            <a:ext cx="8520600" cy="607800"/>
+          </a:xfrm>
+          <a:prstGeom prst="rect">
+            <a:avLst/>
+          </a:prstGeom>
+        </p:spPr>
+        <p:txBody>
+          <a:bodyPr anchorCtr="0" anchor="t" bIns="91425" lIns="91425" rIns="91425" tIns="91425">
+            <a:noAutofit/>
+          </a:bodyPr>
+          <a:lstStyle/>
+          <a:p>
+            <a:pPr lvl="0">
+              <a:spcBef>
+                <a:spcPts val="0"/>
+              </a:spcBef>
+              <a:buNone/>
+            </a:pPr>
+            <a:r>
+              <a:rPr lang="en"/>
+              <a:t>Result(1/6)	</a:t>
+            </a:r>
+          </a:p>
+        </p:txBody>
+      </p:sp>
+      <p:sp>
+        <p:nvSpPr>
+          <p:cNvPr id="204" name="Shape 204"/>
+          <p:cNvSpPr txBox="1"/>
+          <p:nvPr>
+            <p:ph idx="1" type="body"/>
+          </p:nvPr>
+        </p:nvSpPr>
+        <p:spPr>
+          <a:xfrm>
+            <a:off x="311700" y="1017800"/>
+            <a:ext cx="8520600" cy="3339000"/>
+          </a:xfrm>
+          <a:prstGeom prst="rect">
+            <a:avLst/>
+          </a:prstGeom>
+        </p:spPr>
+        <p:txBody>
+          <a:bodyPr anchorCtr="0" anchor="t" bIns="91425" lIns="91425" rIns="91425" tIns="91425">
+            <a:noAutofit/>
+          </a:bodyPr>
+          <a:lstStyle/>
+          <a:p>
             <a:pPr indent="-228600" lvl="0" marL="457200" rtl="0">
               <a:lnSpc>
                 <a:spcPct val="150000"/>
@@ -8013,7 +10509,11 @@
             </a:pPr>
             <a:r>
               <a:rPr lang="en"/>
-              <a:t>Scraped reviews from indeed.com</a:t>
+              <a:t>Required Result : A graph representing the </a:t>
+            </a:r>
+            <a:r>
+              <a:rPr lang="en"/>
+              <a:t>corresponding values of each aspect for a particular company.</a:t>
             </a:r>
           </a:p>
           <a:p>
@@ -8027,23 +10527,7 @@
             </a:pPr>
             <a:r>
               <a:rPr lang="en"/>
-              <a:t>Sample url :    </a:t>
-            </a:r>
-            <a:r>
-              <a:rPr lang="en" sz="1200">
-                <a:solidFill>
-                  <a:srgbClr val="337AB7"/>
-                </a:solidFill>
-                <a:highlight>
-                  <a:srgbClr val="FFFFFF"/>
-                </a:highlight>
-                <a:latin typeface="Arial"/>
-                <a:ea typeface="Arial"/>
-                <a:cs typeface="Arial"/>
-                <a:sym typeface="Arial"/>
-                <a:hlinkClick r:id="rId3"/>
-              </a:rPr>
-              <a:t>https://www.indeed.co.in/cmp/Samsung/reviews?fcountry=ALL&amp;start=0</a:t>
+              <a:t>Reviews of Samsung is fetched from indeed.com</a:t>
             </a:r>
           </a:p>
           <a:p>
@@ -8057,7 +10541,7 @@
             </a:pPr>
             <a:r>
               <a:rPr lang="en"/>
-              <a:t>BeautifulSoup module is used for extracting reviews from html code</a:t>
+              <a:t>The reviews are split into sentences and  preprocessed, which removes stopwords, non-english words.</a:t>
             </a:r>
           </a:p>
           <a:p>
@@ -8071,7 +10555,7 @@
             </a:pPr>
             <a:r>
               <a:rPr lang="en"/>
-              <a:t>Pagination is also implemented.The ‘start’ value in the url is incremented by 20 for each page.</a:t>
+              <a:t>Each words are stemmed</a:t>
             </a:r>
           </a:p>
           <a:p>
@@ -8085,9 +10569,113 @@
             </a:pPr>
             <a:r>
               <a:rPr lang="en"/>
-              <a:t>List of companies are stored as JSON in a file</a:t>
-            </a:r>
-          </a:p>
+              <a:t> </a:t>
+            </a:r>
+            <a:r>
+              <a:rPr lang="en"/>
+              <a:t>Aspect of each sentence is obtained using lexical approach and naivebayes approach.</a:t>
+            </a:r>
+          </a:p>
+          <a:p>
+            <a:pPr lvl="0">
+              <a:lnSpc>
+                <a:spcPct val="150000"/>
+              </a:lnSpc>
+              <a:spcBef>
+                <a:spcPts val="0"/>
+              </a:spcBef>
+              <a:buNone/>
+            </a:pPr>
+            <a:r>
+              <a:t/>
+            </a:r>
+            <a:endParaRPr/>
+          </a:p>
+        </p:txBody>
+      </p:sp>
+    </p:spTree>
+  </p:cSld>
+  <p:clrMapOvr>
+    <a:masterClrMapping/>
+  </p:clrMapOvr>
+</p:sld>
+</file>
+
+<file path=ppt/slides/slide21.xml><?xml version="1.0" encoding="utf-8"?>
+<p:sld xmlns:a="http://schemas.openxmlformats.org/drawingml/2006/main" xmlns:r="http://schemas.openxmlformats.org/officeDocument/2006/relationships" xmlns:mc="http://schemas.openxmlformats.org/markup-compatibility/2006" xmlns:mv="urn:schemas-microsoft-com:mac:vml" xmlns:p="http://schemas.openxmlformats.org/presentationml/2006/main" xmlns:c="http://schemas.openxmlformats.org/drawingml/2006/chart" xmlns:dgm="http://schemas.openxmlformats.org/drawingml/2006/diagram" xmlns:o="urn:schemas-microsoft-com:office:office" xmlns:v="urn:schemas-microsoft-com:vml" xmlns:pvml="urn:schemas-microsoft-com:office:powerpoint" xmlns:com="http://schemas.openxmlformats.org/drawingml/2006/compatibility" xmlns:p14="http://schemas.microsoft.com/office/powerpoint/2010/main">
+  <p:cSld>
+    <p:spTree>
+      <p:nvGrpSpPr>
+        <p:cNvPr id="208" name="Shape 208"/>
+        <p:cNvGrpSpPr/>
+        <p:nvPr/>
+      </p:nvGrpSpPr>
+      <p:grpSpPr>
+        <a:xfrm>
+          <a:off x="0" y="0"/>
+          <a:ext cx="0" cy="0"/>
+          <a:chOff x="0" y="0"/>
+          <a:chExt cx="0" cy="0"/>
+        </a:xfrm>
+      </p:grpSpPr>
+      <p:sp>
+        <p:nvSpPr>
+          <p:cNvPr id="209" name="Shape 209"/>
+          <p:cNvSpPr txBox="1"/>
+          <p:nvPr>
+            <p:ph type="title"/>
+          </p:nvPr>
+        </p:nvSpPr>
+        <p:spPr>
+          <a:xfrm>
+            <a:off x="311700" y="410000"/>
+            <a:ext cx="8520600" cy="607800"/>
+          </a:xfrm>
+          <a:prstGeom prst="rect">
+            <a:avLst/>
+          </a:prstGeom>
+        </p:spPr>
+        <p:txBody>
+          <a:bodyPr anchorCtr="0" anchor="t" bIns="91425" lIns="91425" rIns="91425" tIns="91425">
+            <a:noAutofit/>
+          </a:bodyPr>
+          <a:lstStyle/>
+          <a:p>
+            <a:pPr lvl="0" rtl="0">
+              <a:spcBef>
+                <a:spcPts val="0"/>
+              </a:spcBef>
+              <a:buNone/>
+            </a:pPr>
+            <a:r>
+              <a:rPr lang="en"/>
+              <a:t>Result(2/6)	</a:t>
+            </a:r>
+          </a:p>
+        </p:txBody>
+      </p:sp>
+      <p:sp>
+        <p:nvSpPr>
+          <p:cNvPr id="210" name="Shape 210"/>
+          <p:cNvSpPr txBox="1"/>
+          <p:nvPr>
+            <p:ph idx="1" type="body"/>
+          </p:nvPr>
+        </p:nvSpPr>
+        <p:spPr>
+          <a:xfrm>
+            <a:off x="311700" y="1017800"/>
+            <a:ext cx="8520600" cy="3339000"/>
+          </a:xfrm>
+          <a:prstGeom prst="rect">
+            <a:avLst/>
+          </a:prstGeom>
+        </p:spPr>
+        <p:txBody>
+          <a:bodyPr anchorCtr="0" anchor="t" bIns="91425" lIns="91425" rIns="91425" tIns="91425">
+            <a:noAutofit/>
+          </a:bodyPr>
+          <a:lstStyle/>
           <a:p>
             <a:pPr indent="-228600" lvl="0" marL="457200" rtl="0">
               <a:lnSpc>
@@ -8099,7 +10687,7 @@
             </a:pPr>
             <a:r>
               <a:rPr lang="en"/>
-              <a:t>HTML tags are removed after scraping</a:t>
+              <a:t>The polarity of each sentence is computed using different models and added to the polarity of corresponding aspect.</a:t>
             </a:r>
           </a:p>
           <a:p>
@@ -8113,23 +10701,1423 @@
             </a:pPr>
             <a:r>
               <a:rPr lang="en"/>
-              <a:t>Reviews stored in files with directory name as that of company</a:t>
-            </a:r>
-          </a:p>
-          <a:p>
-            <a:pPr lvl="0">
+              <a:t>The average polarity  of individual aspects are computed and displayed. </a:t>
+            </a:r>
+          </a:p>
+          <a:p>
+            <a:pPr indent="-228600" lvl="0" marL="457200" rtl="0">
               <a:lnSpc>
                 <a:spcPct val="150000"/>
               </a:lnSpc>
               <a:spcBef>
                 <a:spcPts val="0"/>
               </a:spcBef>
+            </a:pPr>
+            <a:r>
+              <a:rPr lang="en"/>
+              <a:t>Overall polarity is computed by taking average polarity of all the 7 aspects.</a:t>
+            </a:r>
+          </a:p>
+        </p:txBody>
+      </p:sp>
+    </p:spTree>
+  </p:cSld>
+  <p:clrMapOvr>
+    <a:masterClrMapping/>
+  </p:clrMapOvr>
+</p:sld>
+</file>
+
+<file path=ppt/slides/slide22.xml><?xml version="1.0" encoding="utf-8"?>
+<p:sld xmlns:a="http://schemas.openxmlformats.org/drawingml/2006/main" xmlns:r="http://schemas.openxmlformats.org/officeDocument/2006/relationships" xmlns:mc="http://schemas.openxmlformats.org/markup-compatibility/2006" xmlns:mv="urn:schemas-microsoft-com:mac:vml" xmlns:p="http://schemas.openxmlformats.org/presentationml/2006/main" xmlns:c="http://schemas.openxmlformats.org/drawingml/2006/chart" xmlns:dgm="http://schemas.openxmlformats.org/drawingml/2006/diagram" xmlns:o="urn:schemas-microsoft-com:office:office" xmlns:v="urn:schemas-microsoft-com:vml" xmlns:pvml="urn:schemas-microsoft-com:office:powerpoint" xmlns:com="http://schemas.openxmlformats.org/drawingml/2006/compatibility" xmlns:p14="http://schemas.microsoft.com/office/powerpoint/2010/main">
+  <p:cSld>
+    <p:spTree>
+      <p:nvGrpSpPr>
+        <p:cNvPr id="214" name="Shape 214"/>
+        <p:cNvGrpSpPr/>
+        <p:nvPr/>
+      </p:nvGrpSpPr>
+      <p:grpSpPr>
+        <a:xfrm>
+          <a:off x="0" y="0"/>
+          <a:ext cx="0" cy="0"/>
+          <a:chOff x="0" y="0"/>
+          <a:chExt cx="0" cy="0"/>
+        </a:xfrm>
+      </p:grpSpPr>
+      <p:sp>
+        <p:nvSpPr>
+          <p:cNvPr id="215" name="Shape 215"/>
+          <p:cNvSpPr txBox="1"/>
+          <p:nvPr>
+            <p:ph type="title"/>
+          </p:nvPr>
+        </p:nvSpPr>
+        <p:spPr>
+          <a:xfrm>
+            <a:off x="311700" y="114250"/>
+            <a:ext cx="8520600" cy="607800"/>
+          </a:xfrm>
+          <a:prstGeom prst="rect">
+            <a:avLst/>
+          </a:prstGeom>
+        </p:spPr>
+        <p:txBody>
+          <a:bodyPr anchorCtr="0" anchor="t" bIns="91425" lIns="91425" rIns="91425" tIns="91425">
+            <a:noAutofit/>
+          </a:bodyPr>
+          <a:lstStyle/>
+          <a:p>
+            <a:pPr lvl="0">
+              <a:spcBef>
+                <a:spcPts val="0"/>
+              </a:spcBef>
+              <a:buNone/>
+            </a:pPr>
+            <a:r>
+              <a:rPr lang="en"/>
+              <a:t>Result(3/6)</a:t>
+            </a:r>
+          </a:p>
+        </p:txBody>
+      </p:sp>
+      <p:sp>
+        <p:nvSpPr>
+          <p:cNvPr id="216" name="Shape 216"/>
+          <p:cNvSpPr txBox="1"/>
+          <p:nvPr>
+            <p:ph idx="1" type="body"/>
+          </p:nvPr>
+        </p:nvSpPr>
+        <p:spPr>
+          <a:xfrm>
+            <a:off x="311700" y="1294175"/>
+            <a:ext cx="3507300" cy="3339000"/>
+          </a:xfrm>
+          <a:prstGeom prst="rect">
+            <a:avLst/>
+          </a:prstGeom>
+        </p:spPr>
+        <p:txBody>
+          <a:bodyPr anchorCtr="0" anchor="t" bIns="91425" lIns="91425" rIns="91425" tIns="91425">
+            <a:noAutofit/>
+          </a:bodyPr>
+          <a:lstStyle/>
+          <a:p>
+            <a:pPr lvl="0">
+              <a:spcBef>
+                <a:spcPts val="0"/>
+              </a:spcBef>
               <a:buNone/>
             </a:pPr>
             <a:r>
               <a:t/>
             </a:r>
             <a:endParaRPr/>
+          </a:p>
+        </p:txBody>
+      </p:sp>
+      <p:sp>
+        <p:nvSpPr>
+          <p:cNvPr id="217" name="Shape 217"/>
+          <p:cNvSpPr txBox="1"/>
+          <p:nvPr>
+            <p:ph idx="1" type="body"/>
+          </p:nvPr>
+        </p:nvSpPr>
+        <p:spPr>
+          <a:xfrm>
+            <a:off x="4617725" y="1204150"/>
+            <a:ext cx="3661800" cy="3429000"/>
+          </a:xfrm>
+          <a:prstGeom prst="rect">
+            <a:avLst/>
+          </a:prstGeom>
+        </p:spPr>
+        <p:txBody>
+          <a:bodyPr anchorCtr="0" anchor="t" bIns="91425" lIns="91425" rIns="91425" tIns="91425">
+            <a:noAutofit/>
+          </a:bodyPr>
+          <a:lstStyle/>
+          <a:p>
+            <a:pPr lvl="0" rtl="0">
+              <a:spcBef>
+                <a:spcPts val="0"/>
+              </a:spcBef>
+              <a:buNone/>
+            </a:pPr>
+            <a:r>
+              <a:t/>
+            </a:r>
+            <a:endParaRPr/>
+          </a:p>
+        </p:txBody>
+      </p:sp>
+      <p:sp>
+        <p:nvSpPr>
+          <p:cNvPr id="218" name="Shape 218"/>
+          <p:cNvSpPr txBox="1"/>
+          <p:nvPr>
+            <p:ph type="title"/>
+          </p:nvPr>
+        </p:nvSpPr>
+        <p:spPr>
+          <a:xfrm>
+            <a:off x="311700" y="722050"/>
+            <a:ext cx="8832300" cy="482100"/>
+          </a:xfrm>
+          <a:prstGeom prst="rect">
+            <a:avLst/>
+          </a:prstGeom>
+        </p:spPr>
+        <p:txBody>
+          <a:bodyPr anchorCtr="0" anchor="t" bIns="91425" lIns="91425" rIns="91425" tIns="91425">
+            <a:noAutofit/>
+          </a:bodyPr>
+          <a:lstStyle/>
+          <a:p>
+            <a:pPr lvl="0" rtl="0">
+              <a:spcBef>
+                <a:spcPts val="0"/>
+              </a:spcBef>
+              <a:buNone/>
+            </a:pPr>
+            <a:r>
+              <a:rPr lang="en" sz="1800"/>
+              <a:t>NaiveBayes Classifier(Unigram) - </a:t>
+            </a:r>
+            <a:r>
+              <a:rPr lang="en" sz="1400"/>
+              <a:t>(Aspect Classifier Lexical Approach: Left and NaiveBayes: Right )</a:t>
+            </a:r>
+          </a:p>
+        </p:txBody>
+      </p:sp>
+      <p:pic>
+        <p:nvPicPr>
+          <p:cNvPr descr="nb_uni_lex.png" id="219" name="Shape 219"/>
+          <p:cNvPicPr preferRelativeResize="0"/>
+          <p:nvPr/>
+        </p:nvPicPr>
+        <p:blipFill>
+          <a:blip r:embed="rId3">
+            <a:alphaModFix/>
+          </a:blip>
+          <a:stretch>
+            <a:fillRect/>
+          </a:stretch>
+        </p:blipFill>
+        <p:spPr>
+          <a:xfrm>
+            <a:off x="311700" y="1204150"/>
+            <a:ext cx="3875474" cy="3500000"/>
+          </a:xfrm>
+          <a:prstGeom prst="rect">
+            <a:avLst/>
+          </a:prstGeom>
+          <a:noFill/>
+          <a:ln>
+            <a:noFill/>
+          </a:ln>
+        </p:spPr>
+      </p:pic>
+      <p:pic>
+        <p:nvPicPr>
+          <p:cNvPr descr="nb_uni_nb.png" id="220" name="Shape 220"/>
+          <p:cNvPicPr preferRelativeResize="0"/>
+          <p:nvPr/>
+        </p:nvPicPr>
+        <p:blipFill>
+          <a:blip r:embed="rId4">
+            <a:alphaModFix/>
+          </a:blip>
+          <a:stretch>
+            <a:fillRect/>
+          </a:stretch>
+        </p:blipFill>
+        <p:spPr>
+          <a:xfrm>
+            <a:off x="4617725" y="1204150"/>
+            <a:ext cx="3661800" cy="3428999"/>
+          </a:xfrm>
+          <a:prstGeom prst="rect">
+            <a:avLst/>
+          </a:prstGeom>
+          <a:noFill/>
+          <a:ln>
+            <a:noFill/>
+          </a:ln>
+        </p:spPr>
+      </p:pic>
+    </p:spTree>
+  </p:cSld>
+  <p:clrMapOvr>
+    <a:masterClrMapping/>
+  </p:clrMapOvr>
+</p:sld>
+</file>
+
+<file path=ppt/slides/slide23.xml><?xml version="1.0" encoding="utf-8"?>
+<p:sld xmlns:a="http://schemas.openxmlformats.org/drawingml/2006/main" xmlns:r="http://schemas.openxmlformats.org/officeDocument/2006/relationships" xmlns:mc="http://schemas.openxmlformats.org/markup-compatibility/2006" xmlns:mv="urn:schemas-microsoft-com:mac:vml" xmlns:p="http://schemas.openxmlformats.org/presentationml/2006/main" xmlns:c="http://schemas.openxmlformats.org/drawingml/2006/chart" xmlns:dgm="http://schemas.openxmlformats.org/drawingml/2006/diagram" xmlns:o="urn:schemas-microsoft-com:office:office" xmlns:v="urn:schemas-microsoft-com:vml" xmlns:pvml="urn:schemas-microsoft-com:office:powerpoint" xmlns:com="http://schemas.openxmlformats.org/drawingml/2006/compatibility" xmlns:p14="http://schemas.microsoft.com/office/powerpoint/2010/main">
+  <p:cSld>
+    <p:spTree>
+      <p:nvGrpSpPr>
+        <p:cNvPr id="224" name="Shape 224"/>
+        <p:cNvGrpSpPr/>
+        <p:nvPr/>
+      </p:nvGrpSpPr>
+      <p:grpSpPr>
+        <a:xfrm>
+          <a:off x="0" y="0"/>
+          <a:ext cx="0" cy="0"/>
+          <a:chOff x="0" y="0"/>
+          <a:chExt cx="0" cy="0"/>
+        </a:xfrm>
+      </p:grpSpPr>
+      <p:sp>
+        <p:nvSpPr>
+          <p:cNvPr id="225" name="Shape 225"/>
+          <p:cNvSpPr txBox="1"/>
+          <p:nvPr>
+            <p:ph type="title"/>
+          </p:nvPr>
+        </p:nvSpPr>
+        <p:spPr>
+          <a:xfrm>
+            <a:off x="311700" y="114250"/>
+            <a:ext cx="8520600" cy="607800"/>
+          </a:xfrm>
+          <a:prstGeom prst="rect">
+            <a:avLst/>
+          </a:prstGeom>
+        </p:spPr>
+        <p:txBody>
+          <a:bodyPr anchorCtr="0" anchor="t" bIns="91425" lIns="91425" rIns="91425" tIns="91425">
+            <a:noAutofit/>
+          </a:bodyPr>
+          <a:lstStyle/>
+          <a:p>
+            <a:pPr lvl="0" rtl="0">
+              <a:spcBef>
+                <a:spcPts val="0"/>
+              </a:spcBef>
+              <a:buNone/>
+            </a:pPr>
+            <a:r>
+              <a:rPr lang="en"/>
+              <a:t>Result(4/6)</a:t>
+            </a:r>
+          </a:p>
+        </p:txBody>
+      </p:sp>
+      <p:sp>
+        <p:nvSpPr>
+          <p:cNvPr id="226" name="Shape 226"/>
+          <p:cNvSpPr txBox="1"/>
+          <p:nvPr>
+            <p:ph idx="1" type="body"/>
+          </p:nvPr>
+        </p:nvSpPr>
+        <p:spPr>
+          <a:xfrm>
+            <a:off x="311700" y="1204175"/>
+            <a:ext cx="3507300" cy="3429000"/>
+          </a:xfrm>
+          <a:prstGeom prst="rect">
+            <a:avLst/>
+          </a:prstGeom>
+        </p:spPr>
+        <p:txBody>
+          <a:bodyPr anchorCtr="0" anchor="t" bIns="91425" lIns="91425" rIns="91425" tIns="91425">
+            <a:noAutofit/>
+          </a:bodyPr>
+          <a:lstStyle/>
+          <a:p>
+            <a:pPr lvl="0" rtl="0">
+              <a:spcBef>
+                <a:spcPts val="0"/>
+              </a:spcBef>
+              <a:buNone/>
+            </a:pPr>
+            <a:r>
+              <a:t/>
+            </a:r>
+            <a:endParaRPr/>
+          </a:p>
+        </p:txBody>
+      </p:sp>
+      <p:sp>
+        <p:nvSpPr>
+          <p:cNvPr id="227" name="Shape 227"/>
+          <p:cNvSpPr txBox="1"/>
+          <p:nvPr>
+            <p:ph idx="1" type="body"/>
+          </p:nvPr>
+        </p:nvSpPr>
+        <p:spPr>
+          <a:xfrm>
+            <a:off x="4617725" y="1204150"/>
+            <a:ext cx="3661800" cy="3429000"/>
+          </a:xfrm>
+          <a:prstGeom prst="rect">
+            <a:avLst/>
+          </a:prstGeom>
+        </p:spPr>
+        <p:txBody>
+          <a:bodyPr anchorCtr="0" anchor="t" bIns="91425" lIns="91425" rIns="91425" tIns="91425">
+            <a:noAutofit/>
+          </a:bodyPr>
+          <a:lstStyle/>
+          <a:p>
+            <a:pPr lvl="0" rtl="0">
+              <a:spcBef>
+                <a:spcPts val="0"/>
+              </a:spcBef>
+              <a:buNone/>
+            </a:pPr>
+            <a:r>
+              <a:t/>
+            </a:r>
+            <a:endParaRPr/>
+          </a:p>
+        </p:txBody>
+      </p:sp>
+      <p:sp>
+        <p:nvSpPr>
+          <p:cNvPr id="228" name="Shape 228"/>
+          <p:cNvSpPr txBox="1"/>
+          <p:nvPr>
+            <p:ph type="title"/>
+          </p:nvPr>
+        </p:nvSpPr>
+        <p:spPr>
+          <a:xfrm>
+            <a:off x="311700" y="722050"/>
+            <a:ext cx="8832300" cy="482100"/>
+          </a:xfrm>
+          <a:prstGeom prst="rect">
+            <a:avLst/>
+          </a:prstGeom>
+        </p:spPr>
+        <p:txBody>
+          <a:bodyPr anchorCtr="0" anchor="t" bIns="91425" lIns="91425" rIns="91425" tIns="91425">
+            <a:noAutofit/>
+          </a:bodyPr>
+          <a:lstStyle/>
+          <a:p>
+            <a:pPr lvl="0" rtl="0">
+              <a:spcBef>
+                <a:spcPts val="0"/>
+              </a:spcBef>
+              <a:buNone/>
+            </a:pPr>
+            <a:r>
+              <a:rPr lang="en" sz="1800"/>
+              <a:t>NaiveBayes Classifier(Bigram) - </a:t>
+            </a:r>
+            <a:r>
+              <a:rPr lang="en" sz="1400"/>
+              <a:t>(Aspect Classifier Lexical Approach: Left and NaiveBayes: Right )</a:t>
+            </a:r>
+          </a:p>
+        </p:txBody>
+      </p:sp>
+      <p:pic>
+        <p:nvPicPr>
+          <p:cNvPr descr="nb_bi_nb.png" id="229" name="Shape 229"/>
+          <p:cNvPicPr preferRelativeResize="0"/>
+          <p:nvPr/>
+        </p:nvPicPr>
+        <p:blipFill>
+          <a:blip r:embed="rId3">
+            <a:alphaModFix/>
+          </a:blip>
+          <a:stretch>
+            <a:fillRect/>
+          </a:stretch>
+        </p:blipFill>
+        <p:spPr>
+          <a:xfrm>
+            <a:off x="4617724" y="1204150"/>
+            <a:ext cx="3905525" cy="3428999"/>
+          </a:xfrm>
+          <a:prstGeom prst="rect">
+            <a:avLst/>
+          </a:prstGeom>
+          <a:noFill/>
+          <a:ln>
+            <a:noFill/>
+          </a:ln>
+        </p:spPr>
+      </p:pic>
+      <p:pic>
+        <p:nvPicPr>
+          <p:cNvPr descr="nb_bi_lex.png" id="230" name="Shape 230"/>
+          <p:cNvPicPr preferRelativeResize="0"/>
+          <p:nvPr/>
+        </p:nvPicPr>
+        <p:blipFill>
+          <a:blip r:embed="rId4">
+            <a:alphaModFix/>
+          </a:blip>
+          <a:stretch>
+            <a:fillRect/>
+          </a:stretch>
+        </p:blipFill>
+        <p:spPr>
+          <a:xfrm>
+            <a:off x="311700" y="1204150"/>
+            <a:ext cx="3905525" cy="3487175"/>
+          </a:xfrm>
+          <a:prstGeom prst="rect">
+            <a:avLst/>
+          </a:prstGeom>
+          <a:noFill/>
+          <a:ln>
+            <a:noFill/>
+          </a:ln>
+        </p:spPr>
+      </p:pic>
+    </p:spTree>
+  </p:cSld>
+  <p:clrMapOvr>
+    <a:masterClrMapping/>
+  </p:clrMapOvr>
+</p:sld>
+</file>
+
+<file path=ppt/slides/slide24.xml><?xml version="1.0" encoding="utf-8"?>
+<p:sld xmlns:a="http://schemas.openxmlformats.org/drawingml/2006/main" xmlns:r="http://schemas.openxmlformats.org/officeDocument/2006/relationships" xmlns:mc="http://schemas.openxmlformats.org/markup-compatibility/2006" xmlns:mv="urn:schemas-microsoft-com:mac:vml" xmlns:p="http://schemas.openxmlformats.org/presentationml/2006/main" xmlns:c="http://schemas.openxmlformats.org/drawingml/2006/chart" xmlns:dgm="http://schemas.openxmlformats.org/drawingml/2006/diagram" xmlns:o="urn:schemas-microsoft-com:office:office" xmlns:v="urn:schemas-microsoft-com:vml" xmlns:pvml="urn:schemas-microsoft-com:office:powerpoint" xmlns:com="http://schemas.openxmlformats.org/drawingml/2006/compatibility" xmlns:p14="http://schemas.microsoft.com/office/powerpoint/2010/main">
+  <p:cSld>
+    <p:spTree>
+      <p:nvGrpSpPr>
+        <p:cNvPr id="234" name="Shape 234"/>
+        <p:cNvGrpSpPr/>
+        <p:nvPr/>
+      </p:nvGrpSpPr>
+      <p:grpSpPr>
+        <a:xfrm>
+          <a:off x="0" y="0"/>
+          <a:ext cx="0" cy="0"/>
+          <a:chOff x="0" y="0"/>
+          <a:chExt cx="0" cy="0"/>
+        </a:xfrm>
+      </p:grpSpPr>
+      <p:sp>
+        <p:nvSpPr>
+          <p:cNvPr id="235" name="Shape 235"/>
+          <p:cNvSpPr txBox="1"/>
+          <p:nvPr>
+            <p:ph type="title"/>
+          </p:nvPr>
+        </p:nvSpPr>
+        <p:spPr>
+          <a:xfrm>
+            <a:off x="311700" y="114250"/>
+            <a:ext cx="8520600" cy="607800"/>
+          </a:xfrm>
+          <a:prstGeom prst="rect">
+            <a:avLst/>
+          </a:prstGeom>
+        </p:spPr>
+        <p:txBody>
+          <a:bodyPr anchorCtr="0" anchor="t" bIns="91425" lIns="91425" rIns="91425" tIns="91425">
+            <a:noAutofit/>
+          </a:bodyPr>
+          <a:lstStyle/>
+          <a:p>
+            <a:pPr lvl="0" rtl="0">
+              <a:spcBef>
+                <a:spcPts val="0"/>
+              </a:spcBef>
+              <a:buNone/>
+            </a:pPr>
+            <a:r>
+              <a:rPr lang="en"/>
+              <a:t>Result(5/6)</a:t>
+            </a:r>
+          </a:p>
+        </p:txBody>
+      </p:sp>
+      <p:sp>
+        <p:nvSpPr>
+          <p:cNvPr id="236" name="Shape 236"/>
+          <p:cNvSpPr txBox="1"/>
+          <p:nvPr>
+            <p:ph idx="1" type="body"/>
+          </p:nvPr>
+        </p:nvSpPr>
+        <p:spPr>
+          <a:xfrm>
+            <a:off x="311700" y="1204175"/>
+            <a:ext cx="3507300" cy="3429000"/>
+          </a:xfrm>
+          <a:prstGeom prst="rect">
+            <a:avLst/>
+          </a:prstGeom>
+        </p:spPr>
+        <p:txBody>
+          <a:bodyPr anchorCtr="0" anchor="t" bIns="91425" lIns="91425" rIns="91425" tIns="91425">
+            <a:noAutofit/>
+          </a:bodyPr>
+          <a:lstStyle/>
+          <a:p>
+            <a:pPr lvl="0" rtl="0">
+              <a:spcBef>
+                <a:spcPts val="0"/>
+              </a:spcBef>
+              <a:buNone/>
+            </a:pPr>
+            <a:r>
+              <a:t/>
+            </a:r>
+            <a:endParaRPr/>
+          </a:p>
+        </p:txBody>
+      </p:sp>
+      <p:sp>
+        <p:nvSpPr>
+          <p:cNvPr id="237" name="Shape 237"/>
+          <p:cNvSpPr txBox="1"/>
+          <p:nvPr>
+            <p:ph idx="1" type="body"/>
+          </p:nvPr>
+        </p:nvSpPr>
+        <p:spPr>
+          <a:xfrm>
+            <a:off x="4617725" y="1204150"/>
+            <a:ext cx="4216200" cy="3429000"/>
+          </a:xfrm>
+          <a:prstGeom prst="rect">
+            <a:avLst/>
+          </a:prstGeom>
+        </p:spPr>
+        <p:txBody>
+          <a:bodyPr anchorCtr="0" anchor="t" bIns="91425" lIns="91425" rIns="91425" tIns="91425">
+            <a:noAutofit/>
+          </a:bodyPr>
+          <a:lstStyle/>
+          <a:p>
+            <a:pPr lvl="0" rtl="0">
+              <a:spcBef>
+                <a:spcPts val="0"/>
+              </a:spcBef>
+              <a:buNone/>
+            </a:pPr>
+            <a:r>
+              <a:t/>
+            </a:r>
+            <a:endParaRPr/>
+          </a:p>
+        </p:txBody>
+      </p:sp>
+      <p:sp>
+        <p:nvSpPr>
+          <p:cNvPr id="238" name="Shape 238"/>
+          <p:cNvSpPr txBox="1"/>
+          <p:nvPr>
+            <p:ph type="title"/>
+          </p:nvPr>
+        </p:nvSpPr>
+        <p:spPr>
+          <a:xfrm>
+            <a:off x="311700" y="722050"/>
+            <a:ext cx="8832300" cy="482100"/>
+          </a:xfrm>
+          <a:prstGeom prst="rect">
+            <a:avLst/>
+          </a:prstGeom>
+        </p:spPr>
+        <p:txBody>
+          <a:bodyPr anchorCtr="0" anchor="t" bIns="91425" lIns="91425" rIns="91425" tIns="91425">
+            <a:noAutofit/>
+          </a:bodyPr>
+          <a:lstStyle/>
+          <a:p>
+            <a:pPr lvl="0" rtl="0">
+              <a:spcBef>
+                <a:spcPts val="0"/>
+              </a:spcBef>
+              <a:buNone/>
+            </a:pPr>
+            <a:r>
+              <a:rPr lang="en" sz="1800"/>
+              <a:t>SVC</a:t>
+            </a:r>
+            <a:r>
+              <a:rPr lang="en" sz="1800"/>
+              <a:t>(Unigram) - </a:t>
+            </a:r>
+            <a:r>
+              <a:rPr lang="en" sz="1400"/>
+              <a:t>(Aspect Classifier Lexical Approach: Left and NaiveBayes: Right )</a:t>
+            </a:r>
+          </a:p>
+        </p:txBody>
+      </p:sp>
+      <p:pic>
+        <p:nvPicPr>
+          <p:cNvPr descr="svc_uni_lex.png" id="239" name="Shape 239"/>
+          <p:cNvPicPr preferRelativeResize="0"/>
+          <p:nvPr/>
+        </p:nvPicPr>
+        <p:blipFill>
+          <a:blip r:embed="rId3">
+            <a:alphaModFix/>
+          </a:blip>
+          <a:stretch>
+            <a:fillRect/>
+          </a:stretch>
+        </p:blipFill>
+        <p:spPr>
+          <a:xfrm>
+            <a:off x="311700" y="1204150"/>
+            <a:ext cx="4216224" cy="3428999"/>
+          </a:xfrm>
+          <a:prstGeom prst="rect">
+            <a:avLst/>
+          </a:prstGeom>
+          <a:noFill/>
+          <a:ln>
+            <a:noFill/>
+          </a:ln>
+        </p:spPr>
+      </p:pic>
+      <p:pic>
+        <p:nvPicPr>
+          <p:cNvPr descr="svc_uni_nb.png" id="240" name="Shape 240"/>
+          <p:cNvPicPr preferRelativeResize="0"/>
+          <p:nvPr/>
+        </p:nvPicPr>
+        <p:blipFill>
+          <a:blip r:embed="rId4">
+            <a:alphaModFix/>
+          </a:blip>
+          <a:stretch>
+            <a:fillRect/>
+          </a:stretch>
+        </p:blipFill>
+        <p:spPr>
+          <a:xfrm>
+            <a:off x="4617724" y="1204175"/>
+            <a:ext cx="4214574" cy="3428999"/>
+          </a:xfrm>
+          <a:prstGeom prst="rect">
+            <a:avLst/>
+          </a:prstGeom>
+          <a:noFill/>
+          <a:ln>
+            <a:noFill/>
+          </a:ln>
+        </p:spPr>
+      </p:pic>
+    </p:spTree>
+  </p:cSld>
+  <p:clrMapOvr>
+    <a:masterClrMapping/>
+  </p:clrMapOvr>
+</p:sld>
+</file>
+
+<file path=ppt/slides/slide25.xml><?xml version="1.0" encoding="utf-8"?>
+<p:sld xmlns:a="http://schemas.openxmlformats.org/drawingml/2006/main" xmlns:r="http://schemas.openxmlformats.org/officeDocument/2006/relationships" xmlns:mc="http://schemas.openxmlformats.org/markup-compatibility/2006" xmlns:mv="urn:schemas-microsoft-com:mac:vml" xmlns:p="http://schemas.openxmlformats.org/presentationml/2006/main" xmlns:c="http://schemas.openxmlformats.org/drawingml/2006/chart" xmlns:dgm="http://schemas.openxmlformats.org/drawingml/2006/diagram" xmlns:o="urn:schemas-microsoft-com:office:office" xmlns:v="urn:schemas-microsoft-com:vml" xmlns:pvml="urn:schemas-microsoft-com:office:powerpoint" xmlns:com="http://schemas.openxmlformats.org/drawingml/2006/compatibility" xmlns:p14="http://schemas.microsoft.com/office/powerpoint/2010/main">
+  <p:cSld>
+    <p:spTree>
+      <p:nvGrpSpPr>
+        <p:cNvPr id="244" name="Shape 244"/>
+        <p:cNvGrpSpPr/>
+        <p:nvPr/>
+      </p:nvGrpSpPr>
+      <p:grpSpPr>
+        <a:xfrm>
+          <a:off x="0" y="0"/>
+          <a:ext cx="0" cy="0"/>
+          <a:chOff x="0" y="0"/>
+          <a:chExt cx="0" cy="0"/>
+        </a:xfrm>
+      </p:grpSpPr>
+      <p:sp>
+        <p:nvSpPr>
+          <p:cNvPr id="245" name="Shape 245"/>
+          <p:cNvSpPr txBox="1"/>
+          <p:nvPr>
+            <p:ph type="title"/>
+          </p:nvPr>
+        </p:nvSpPr>
+        <p:spPr>
+          <a:xfrm>
+            <a:off x="311700" y="114250"/>
+            <a:ext cx="8520600" cy="607800"/>
+          </a:xfrm>
+          <a:prstGeom prst="rect">
+            <a:avLst/>
+          </a:prstGeom>
+        </p:spPr>
+        <p:txBody>
+          <a:bodyPr anchorCtr="0" anchor="t" bIns="91425" lIns="91425" rIns="91425" tIns="91425">
+            <a:noAutofit/>
+          </a:bodyPr>
+          <a:lstStyle/>
+          <a:p>
+            <a:pPr lvl="0" rtl="0">
+              <a:spcBef>
+                <a:spcPts val="0"/>
+              </a:spcBef>
+              <a:buNone/>
+            </a:pPr>
+            <a:r>
+              <a:rPr lang="en"/>
+              <a:t>Result(6/6)</a:t>
+            </a:r>
+          </a:p>
+        </p:txBody>
+      </p:sp>
+      <p:sp>
+        <p:nvSpPr>
+          <p:cNvPr id="246" name="Shape 246"/>
+          <p:cNvSpPr txBox="1"/>
+          <p:nvPr>
+            <p:ph idx="1" type="body"/>
+          </p:nvPr>
+        </p:nvSpPr>
+        <p:spPr>
+          <a:xfrm>
+            <a:off x="311700" y="1204175"/>
+            <a:ext cx="3507300" cy="3429000"/>
+          </a:xfrm>
+          <a:prstGeom prst="rect">
+            <a:avLst/>
+          </a:prstGeom>
+        </p:spPr>
+        <p:txBody>
+          <a:bodyPr anchorCtr="0" anchor="t" bIns="91425" lIns="91425" rIns="91425" tIns="91425">
+            <a:noAutofit/>
+          </a:bodyPr>
+          <a:lstStyle/>
+          <a:p>
+            <a:pPr lvl="0" rtl="0">
+              <a:spcBef>
+                <a:spcPts val="0"/>
+              </a:spcBef>
+              <a:buNone/>
+            </a:pPr>
+            <a:r>
+              <a:t/>
+            </a:r>
+            <a:endParaRPr/>
+          </a:p>
+        </p:txBody>
+      </p:sp>
+      <p:sp>
+        <p:nvSpPr>
+          <p:cNvPr id="247" name="Shape 247"/>
+          <p:cNvSpPr txBox="1"/>
+          <p:nvPr>
+            <p:ph idx="1" type="body"/>
+          </p:nvPr>
+        </p:nvSpPr>
+        <p:spPr>
+          <a:xfrm>
+            <a:off x="4617725" y="1204150"/>
+            <a:ext cx="4216200" cy="3429000"/>
+          </a:xfrm>
+          <a:prstGeom prst="rect">
+            <a:avLst/>
+          </a:prstGeom>
+        </p:spPr>
+        <p:txBody>
+          <a:bodyPr anchorCtr="0" anchor="t" bIns="91425" lIns="91425" rIns="91425" tIns="91425">
+            <a:noAutofit/>
+          </a:bodyPr>
+          <a:lstStyle/>
+          <a:p>
+            <a:pPr lvl="0" rtl="0">
+              <a:spcBef>
+                <a:spcPts val="0"/>
+              </a:spcBef>
+              <a:buNone/>
+            </a:pPr>
+            <a:r>
+              <a:t/>
+            </a:r>
+            <a:endParaRPr/>
+          </a:p>
+        </p:txBody>
+      </p:sp>
+      <p:sp>
+        <p:nvSpPr>
+          <p:cNvPr id="248" name="Shape 248"/>
+          <p:cNvSpPr txBox="1"/>
+          <p:nvPr>
+            <p:ph type="title"/>
+          </p:nvPr>
+        </p:nvSpPr>
+        <p:spPr>
+          <a:xfrm>
+            <a:off x="311700" y="722050"/>
+            <a:ext cx="8832300" cy="482100"/>
+          </a:xfrm>
+          <a:prstGeom prst="rect">
+            <a:avLst/>
+          </a:prstGeom>
+        </p:spPr>
+        <p:txBody>
+          <a:bodyPr anchorCtr="0" anchor="t" bIns="91425" lIns="91425" rIns="91425" tIns="91425">
+            <a:noAutofit/>
+          </a:bodyPr>
+          <a:lstStyle/>
+          <a:p>
+            <a:pPr lvl="0" rtl="0">
+              <a:spcBef>
+                <a:spcPts val="0"/>
+              </a:spcBef>
+              <a:buNone/>
+            </a:pPr>
+            <a:r>
+              <a:rPr lang="en" sz="1800"/>
+              <a:t>SVC(Bigram) - </a:t>
+            </a:r>
+            <a:r>
+              <a:rPr lang="en" sz="1400"/>
+              <a:t>(Aspect Classifier Lexical Approach: Left and NaiveBayes: Right )</a:t>
+            </a:r>
+          </a:p>
+        </p:txBody>
+      </p:sp>
+      <p:pic>
+        <p:nvPicPr>
+          <p:cNvPr descr="svc_bi_lex.png" id="249" name="Shape 249"/>
+          <p:cNvPicPr preferRelativeResize="0"/>
+          <p:nvPr/>
+        </p:nvPicPr>
+        <p:blipFill>
+          <a:blip r:embed="rId3">
+            <a:alphaModFix/>
+          </a:blip>
+          <a:stretch>
+            <a:fillRect/>
+          </a:stretch>
+        </p:blipFill>
+        <p:spPr>
+          <a:xfrm>
+            <a:off x="311700" y="1204175"/>
+            <a:ext cx="3985349" cy="3512799"/>
+          </a:xfrm>
+          <a:prstGeom prst="rect">
+            <a:avLst/>
+          </a:prstGeom>
+          <a:noFill/>
+          <a:ln>
+            <a:noFill/>
+          </a:ln>
+        </p:spPr>
+      </p:pic>
+      <p:pic>
+        <p:nvPicPr>
+          <p:cNvPr descr="svc_bi_nb.png" id="250" name="Shape 250"/>
+          <p:cNvPicPr preferRelativeResize="0"/>
+          <p:nvPr/>
+        </p:nvPicPr>
+        <p:blipFill>
+          <a:blip r:embed="rId4">
+            <a:alphaModFix/>
+          </a:blip>
+          <a:stretch>
+            <a:fillRect/>
+          </a:stretch>
+        </p:blipFill>
+        <p:spPr>
+          <a:xfrm>
+            <a:off x="4616100" y="1162275"/>
+            <a:ext cx="4216200" cy="3512800"/>
+          </a:xfrm>
+          <a:prstGeom prst="rect">
+            <a:avLst/>
+          </a:prstGeom>
+          <a:noFill/>
+          <a:ln>
+            <a:noFill/>
+          </a:ln>
+        </p:spPr>
+      </p:pic>
+    </p:spTree>
+  </p:cSld>
+  <p:clrMapOvr>
+    <a:masterClrMapping/>
+  </p:clrMapOvr>
+</p:sld>
+</file>
+
+<file path=ppt/slides/slide26.xml><?xml version="1.0" encoding="utf-8"?>
+<p:sld xmlns:a="http://schemas.openxmlformats.org/drawingml/2006/main" xmlns:r="http://schemas.openxmlformats.org/officeDocument/2006/relationships" xmlns:mc="http://schemas.openxmlformats.org/markup-compatibility/2006" xmlns:mv="urn:schemas-microsoft-com:mac:vml" xmlns:p="http://schemas.openxmlformats.org/presentationml/2006/main" xmlns:c="http://schemas.openxmlformats.org/drawingml/2006/chart" xmlns:dgm="http://schemas.openxmlformats.org/drawingml/2006/diagram" xmlns:o="urn:schemas-microsoft-com:office:office" xmlns:v="urn:schemas-microsoft-com:vml" xmlns:pvml="urn:schemas-microsoft-com:office:powerpoint" xmlns:com="http://schemas.openxmlformats.org/drawingml/2006/compatibility" xmlns:p14="http://schemas.microsoft.com/office/powerpoint/2010/main">
+  <p:cSld>
+    <p:spTree>
+      <p:nvGrpSpPr>
+        <p:cNvPr id="254" name="Shape 254"/>
+        <p:cNvGrpSpPr/>
+        <p:nvPr/>
+      </p:nvGrpSpPr>
+      <p:grpSpPr>
+        <a:xfrm>
+          <a:off x="0" y="0"/>
+          <a:ext cx="0" cy="0"/>
+          <a:chOff x="0" y="0"/>
+          <a:chExt cx="0" cy="0"/>
+        </a:xfrm>
+      </p:grpSpPr>
+      <p:sp>
+        <p:nvSpPr>
+          <p:cNvPr id="255" name="Shape 255"/>
+          <p:cNvSpPr txBox="1"/>
+          <p:nvPr>
+            <p:ph type="title"/>
+          </p:nvPr>
+        </p:nvSpPr>
+        <p:spPr>
+          <a:xfrm>
+            <a:off x="311700" y="410000"/>
+            <a:ext cx="8520600" cy="607800"/>
+          </a:xfrm>
+          <a:prstGeom prst="rect">
+            <a:avLst/>
+          </a:prstGeom>
+        </p:spPr>
+        <p:txBody>
+          <a:bodyPr anchorCtr="0" anchor="t" bIns="91425" lIns="91425" rIns="91425" tIns="91425">
+            <a:noAutofit/>
+          </a:bodyPr>
+          <a:lstStyle/>
+          <a:p>
+            <a:pPr lvl="0">
+              <a:spcBef>
+                <a:spcPts val="0"/>
+              </a:spcBef>
+              <a:buNone/>
+            </a:pPr>
+            <a:r>
+              <a:rPr lang="en"/>
+              <a:t>Limitations	</a:t>
+            </a:r>
+          </a:p>
+        </p:txBody>
+      </p:sp>
+      <p:sp>
+        <p:nvSpPr>
+          <p:cNvPr id="256" name="Shape 256"/>
+          <p:cNvSpPr txBox="1"/>
+          <p:nvPr>
+            <p:ph idx="1" type="body"/>
+          </p:nvPr>
+        </p:nvSpPr>
+        <p:spPr>
+          <a:xfrm>
+            <a:off x="311700" y="1229875"/>
+            <a:ext cx="8520600" cy="3339000"/>
+          </a:xfrm>
+          <a:prstGeom prst="rect">
+            <a:avLst/>
+          </a:prstGeom>
+        </p:spPr>
+        <p:txBody>
+          <a:bodyPr anchorCtr="0" anchor="t" bIns="91425" lIns="91425" rIns="91425" tIns="91425">
+            <a:noAutofit/>
+          </a:bodyPr>
+          <a:lstStyle/>
+          <a:p>
+            <a:pPr indent="-228600" lvl="0" marL="457200" rtl="0">
+              <a:spcBef>
+                <a:spcPts val="0"/>
+              </a:spcBef>
+            </a:pPr>
+            <a:r>
+              <a:rPr lang="en"/>
+              <a:t>Since the dataset is large, training process is slow and requires more memory</a:t>
+            </a:r>
+          </a:p>
+          <a:p>
+            <a:pPr indent="-228600" lvl="0" marL="457200" rtl="0">
+              <a:spcBef>
+                <a:spcPts val="0"/>
+              </a:spcBef>
+            </a:pPr>
+            <a:r>
+              <a:rPr lang="en"/>
+              <a:t>The number of  sentences </a:t>
+            </a:r>
+            <a:r>
+              <a:rPr lang="en"/>
+              <a:t>for each labels</a:t>
+            </a:r>
+            <a:r>
+              <a:rPr lang="en"/>
+              <a:t> is non-uniform</a:t>
+            </a:r>
+          </a:p>
+          <a:p>
+            <a:pPr indent="-228600" lvl="0" marL="457200">
+              <a:spcBef>
+                <a:spcPts val="0"/>
+              </a:spcBef>
+            </a:pPr>
+            <a:r>
+              <a:rPr lang="en"/>
+              <a:t>Executing all reviews of a company for computing result is taking more time  </a:t>
+            </a:r>
+          </a:p>
+        </p:txBody>
+      </p:sp>
+    </p:spTree>
+  </p:cSld>
+  <p:clrMapOvr>
+    <a:masterClrMapping/>
+  </p:clrMapOvr>
+</p:sld>
+</file>
+
+<file path=ppt/slides/slide27.xml><?xml version="1.0" encoding="utf-8"?>
+<p:sld xmlns:a="http://schemas.openxmlformats.org/drawingml/2006/main" xmlns:r="http://schemas.openxmlformats.org/officeDocument/2006/relationships" xmlns:mc="http://schemas.openxmlformats.org/markup-compatibility/2006" xmlns:mv="urn:schemas-microsoft-com:mac:vml" xmlns:p="http://schemas.openxmlformats.org/presentationml/2006/main" xmlns:c="http://schemas.openxmlformats.org/drawingml/2006/chart" xmlns:dgm="http://schemas.openxmlformats.org/drawingml/2006/diagram" xmlns:o="urn:schemas-microsoft-com:office:office" xmlns:v="urn:schemas-microsoft-com:vml" xmlns:pvml="urn:schemas-microsoft-com:office:powerpoint" xmlns:com="http://schemas.openxmlformats.org/drawingml/2006/compatibility" xmlns:p14="http://schemas.microsoft.com/office/powerpoint/2010/main">
+  <p:cSld>
+    <p:spTree>
+      <p:nvGrpSpPr>
+        <p:cNvPr id="260" name="Shape 260"/>
+        <p:cNvGrpSpPr/>
+        <p:nvPr/>
+      </p:nvGrpSpPr>
+      <p:grpSpPr>
+        <a:xfrm>
+          <a:off x="0" y="0"/>
+          <a:ext cx="0" cy="0"/>
+          <a:chOff x="0" y="0"/>
+          <a:chExt cx="0" cy="0"/>
+        </a:xfrm>
+      </p:grpSpPr>
+      <p:sp>
+        <p:nvSpPr>
+          <p:cNvPr id="261" name="Shape 261"/>
+          <p:cNvSpPr txBox="1"/>
+          <p:nvPr>
+            <p:ph type="title"/>
+          </p:nvPr>
+        </p:nvSpPr>
+        <p:spPr>
+          <a:xfrm>
+            <a:off x="311700" y="410000"/>
+            <a:ext cx="8520600" cy="607800"/>
+          </a:xfrm>
+          <a:prstGeom prst="rect">
+            <a:avLst/>
+          </a:prstGeom>
+        </p:spPr>
+        <p:txBody>
+          <a:bodyPr anchorCtr="0" anchor="t" bIns="91425" lIns="91425" rIns="91425" tIns="91425">
+            <a:noAutofit/>
+          </a:bodyPr>
+          <a:lstStyle/>
+          <a:p>
+            <a:pPr lvl="0">
+              <a:spcBef>
+                <a:spcPts val="0"/>
+              </a:spcBef>
+              <a:buNone/>
+            </a:pPr>
+            <a:r>
+              <a:rPr lang="en"/>
+              <a:t>Conclusion</a:t>
+            </a:r>
+          </a:p>
+        </p:txBody>
+      </p:sp>
+      <p:sp>
+        <p:nvSpPr>
+          <p:cNvPr id="262" name="Shape 262"/>
+          <p:cNvSpPr txBox="1"/>
+          <p:nvPr>
+            <p:ph idx="1" type="body"/>
+          </p:nvPr>
+        </p:nvSpPr>
+        <p:spPr>
+          <a:xfrm>
+            <a:off x="311700" y="1229875"/>
+            <a:ext cx="8520600" cy="3339000"/>
+          </a:xfrm>
+          <a:prstGeom prst="rect">
+            <a:avLst/>
+          </a:prstGeom>
+        </p:spPr>
+        <p:txBody>
+          <a:bodyPr anchorCtr="0" anchor="t" bIns="91425" lIns="91425" rIns="91425" tIns="91425">
+            <a:noAutofit/>
+          </a:bodyPr>
+          <a:lstStyle/>
+          <a:p>
+            <a:pPr indent="-228600" lvl="0" marL="457200" rtl="0">
+              <a:spcBef>
+                <a:spcPts val="0"/>
+              </a:spcBef>
+            </a:pPr>
+            <a:r>
+              <a:rPr lang="en"/>
+              <a:t>This project has trained multiple models with different set of features.</a:t>
+            </a:r>
+          </a:p>
+          <a:p>
+            <a:pPr indent="-228600" lvl="0" marL="457200" rtl="0">
+              <a:spcBef>
+                <a:spcPts val="0"/>
+              </a:spcBef>
+            </a:pPr>
+            <a:r>
+              <a:rPr lang="en"/>
+              <a:t>Implemented and analysed all models based on reviews of a company.</a:t>
+            </a:r>
+          </a:p>
+          <a:p>
+            <a:pPr indent="-228600" lvl="0" marL="457200" rtl="0">
+              <a:spcBef>
+                <a:spcPts val="0"/>
+              </a:spcBef>
+            </a:pPr>
+            <a:r>
+              <a:rPr lang="en"/>
+              <a:t>Two machine learning algorithms have been implemented using unigram and bigrams as features</a:t>
+            </a:r>
+          </a:p>
+          <a:p>
+            <a:pPr indent="-228600" lvl="0" marL="457200" rtl="0">
+              <a:spcBef>
+                <a:spcPts val="0"/>
+              </a:spcBef>
+            </a:pPr>
+            <a:r>
+              <a:rPr lang="en"/>
+              <a:t>Aspects have been analysed using Naive Bayes and Lexical approach.</a:t>
+            </a:r>
+          </a:p>
+          <a:p>
+            <a:pPr lvl="0">
+              <a:spcBef>
+                <a:spcPts val="0"/>
+              </a:spcBef>
+              <a:buNone/>
+            </a:pPr>
+            <a:r>
+              <a:t/>
+            </a:r>
+            <a:endParaRPr/>
+          </a:p>
+        </p:txBody>
+      </p:sp>
+    </p:spTree>
+  </p:cSld>
+  <p:clrMapOvr>
+    <a:masterClrMapping/>
+  </p:clrMapOvr>
+</p:sld>
+</file>
+
+<file path=ppt/slides/slide28.xml><?xml version="1.0" encoding="utf-8"?>
+<p:sld xmlns:a="http://schemas.openxmlformats.org/drawingml/2006/main" xmlns:r="http://schemas.openxmlformats.org/officeDocument/2006/relationships" xmlns:mc="http://schemas.openxmlformats.org/markup-compatibility/2006" xmlns:mv="urn:schemas-microsoft-com:mac:vml" xmlns:p="http://schemas.openxmlformats.org/presentationml/2006/main" xmlns:c="http://schemas.openxmlformats.org/drawingml/2006/chart" xmlns:dgm="http://schemas.openxmlformats.org/drawingml/2006/diagram" xmlns:o="urn:schemas-microsoft-com:office:office" xmlns:v="urn:schemas-microsoft-com:vml" xmlns:pvml="urn:schemas-microsoft-com:office:powerpoint" xmlns:com="http://schemas.openxmlformats.org/drawingml/2006/compatibility" xmlns:p14="http://schemas.microsoft.com/office/powerpoint/2010/main">
+  <p:cSld>
+    <p:spTree>
+      <p:nvGrpSpPr>
+        <p:cNvPr id="266" name="Shape 266"/>
+        <p:cNvGrpSpPr/>
+        <p:nvPr/>
+      </p:nvGrpSpPr>
+      <p:grpSpPr>
+        <a:xfrm>
+          <a:off x="0" y="0"/>
+          <a:ext cx="0" cy="0"/>
+          <a:chOff x="0" y="0"/>
+          <a:chExt cx="0" cy="0"/>
+        </a:xfrm>
+      </p:grpSpPr>
+      <p:sp>
+        <p:nvSpPr>
+          <p:cNvPr id="267" name="Shape 267"/>
+          <p:cNvSpPr txBox="1"/>
+          <p:nvPr>
+            <p:ph type="title"/>
+          </p:nvPr>
+        </p:nvSpPr>
+        <p:spPr>
+          <a:xfrm>
+            <a:off x="311700" y="410000"/>
+            <a:ext cx="8520600" cy="607800"/>
+          </a:xfrm>
+          <a:prstGeom prst="rect">
+            <a:avLst/>
+          </a:prstGeom>
+        </p:spPr>
+        <p:txBody>
+          <a:bodyPr anchorCtr="0" anchor="t" bIns="91425" lIns="91425" rIns="91425" tIns="91425">
+            <a:noAutofit/>
+          </a:bodyPr>
+          <a:lstStyle/>
+          <a:p>
+            <a:pPr lvl="0">
+              <a:spcBef>
+                <a:spcPts val="0"/>
+              </a:spcBef>
+              <a:buNone/>
+            </a:pPr>
+            <a:r>
+              <a:rPr lang="en"/>
+              <a:t>Future Work</a:t>
+            </a:r>
+          </a:p>
+        </p:txBody>
+      </p:sp>
+      <p:sp>
+        <p:nvSpPr>
+          <p:cNvPr id="268" name="Shape 268"/>
+          <p:cNvSpPr txBox="1"/>
+          <p:nvPr>
+            <p:ph idx="1" type="body"/>
+          </p:nvPr>
+        </p:nvSpPr>
+        <p:spPr>
+          <a:xfrm>
+            <a:off x="311700" y="1229875"/>
+            <a:ext cx="8520600" cy="3339000"/>
+          </a:xfrm>
+          <a:prstGeom prst="rect">
+            <a:avLst/>
+          </a:prstGeom>
+        </p:spPr>
+        <p:txBody>
+          <a:bodyPr anchorCtr="0" anchor="t" bIns="91425" lIns="91425" rIns="91425" tIns="91425">
+            <a:noAutofit/>
+          </a:bodyPr>
+          <a:lstStyle/>
+          <a:p>
+            <a:pPr indent="-228600" lvl="0" marL="457200" rtl="0">
+              <a:spcBef>
+                <a:spcPts val="0"/>
+              </a:spcBef>
+            </a:pPr>
+            <a:r>
+              <a:rPr lang="en"/>
+              <a:t>To implement an algorithm which also considers the sequence of words.</a:t>
+            </a:r>
+          </a:p>
+          <a:p>
+            <a:pPr indent="-228600" lvl="0" marL="457200" rtl="0">
+              <a:spcBef>
+                <a:spcPts val="0"/>
+              </a:spcBef>
+            </a:pPr>
+            <a:r>
+              <a:rPr lang="en"/>
+              <a:t>To fetch reviews of a company and compute polarity for each aspect using a user interface.</a:t>
+            </a:r>
+          </a:p>
+          <a:p>
+            <a:pPr indent="-228600" lvl="0" marL="457200">
+              <a:spcBef>
+                <a:spcPts val="0"/>
+              </a:spcBef>
+            </a:pPr>
+            <a:r>
+              <a:rPr lang="en"/>
+              <a:t> Analysing individual sentence to make dataset more accurate</a:t>
+            </a:r>
+          </a:p>
+        </p:txBody>
+      </p:sp>
+    </p:spTree>
+  </p:cSld>
+  <p:clrMapOvr>
+    <a:masterClrMapping/>
+  </p:clrMapOvr>
+</p:sld>
+</file>
+
+<file path=ppt/slides/slide29.xml><?xml version="1.0" encoding="utf-8"?>
+<p:sld xmlns:a="http://schemas.openxmlformats.org/drawingml/2006/main" xmlns:r="http://schemas.openxmlformats.org/officeDocument/2006/relationships" xmlns:mc="http://schemas.openxmlformats.org/markup-compatibility/2006" xmlns:mv="urn:schemas-microsoft-com:mac:vml" xmlns:p="http://schemas.openxmlformats.org/presentationml/2006/main" xmlns:c="http://schemas.openxmlformats.org/drawingml/2006/chart" xmlns:dgm="http://schemas.openxmlformats.org/drawingml/2006/diagram" xmlns:o="urn:schemas-microsoft-com:office:office" xmlns:v="urn:schemas-microsoft-com:vml" xmlns:pvml="urn:schemas-microsoft-com:office:powerpoint" xmlns:com="http://schemas.openxmlformats.org/drawingml/2006/compatibility" xmlns:p14="http://schemas.microsoft.com/office/powerpoint/2010/main">
+  <p:cSld>
+    <p:spTree>
+      <p:nvGrpSpPr>
+        <p:cNvPr id="272" name="Shape 272"/>
+        <p:cNvGrpSpPr/>
+        <p:nvPr/>
+      </p:nvGrpSpPr>
+      <p:grpSpPr>
+        <a:xfrm>
+          <a:off x="0" y="0"/>
+          <a:ext cx="0" cy="0"/>
+          <a:chOff x="0" y="0"/>
+          <a:chExt cx="0" cy="0"/>
+        </a:xfrm>
+      </p:grpSpPr>
+      <p:sp>
+        <p:nvSpPr>
+          <p:cNvPr id="273" name="Shape 273"/>
+          <p:cNvSpPr txBox="1"/>
+          <p:nvPr>
+            <p:ph type="title"/>
+          </p:nvPr>
+        </p:nvSpPr>
+        <p:spPr>
+          <a:xfrm>
+            <a:off x="311700" y="410000"/>
+            <a:ext cx="8520600" cy="607800"/>
+          </a:xfrm>
+          <a:prstGeom prst="rect">
+            <a:avLst/>
+          </a:prstGeom>
+        </p:spPr>
+        <p:txBody>
+          <a:bodyPr anchorCtr="0" anchor="t" bIns="91425" lIns="91425" rIns="91425" tIns="91425">
+            <a:noAutofit/>
+          </a:bodyPr>
+          <a:lstStyle/>
+          <a:p>
+            <a:pPr lvl="0">
+              <a:spcBef>
+                <a:spcPts val="0"/>
+              </a:spcBef>
+              <a:buNone/>
+            </a:pPr>
+            <a:r>
+              <a:rPr lang="en"/>
+              <a:t>References</a:t>
+            </a:r>
+          </a:p>
+        </p:txBody>
+      </p:sp>
+      <p:sp>
+        <p:nvSpPr>
+          <p:cNvPr id="274" name="Shape 274"/>
+          <p:cNvSpPr txBox="1"/>
+          <p:nvPr>
+            <p:ph idx="1" type="body"/>
+          </p:nvPr>
+        </p:nvSpPr>
+        <p:spPr>
+          <a:xfrm>
+            <a:off x="311700" y="1229875"/>
+            <a:ext cx="8520600" cy="3339000"/>
+          </a:xfrm>
+          <a:prstGeom prst="rect">
+            <a:avLst/>
+          </a:prstGeom>
+        </p:spPr>
+        <p:txBody>
+          <a:bodyPr anchorCtr="0" anchor="t" bIns="91425" lIns="91425" rIns="91425" tIns="91425">
+            <a:noAutofit/>
+          </a:bodyPr>
+          <a:lstStyle/>
+          <a:p>
+            <a:pPr indent="-228600" lvl="0" marL="457200" rtl="0">
+              <a:spcBef>
+                <a:spcPts val="0"/>
+              </a:spcBef>
+            </a:pPr>
+            <a:r>
+              <a:rPr lang="en"/>
+              <a:t>Aspect Based Sentiment Analysis in Reviews, by Satarupa Guha Guha, Aditya Joshi, Vasudeva Varma,4th Joint Conference on Lexical and Computational Semantics,2015.</a:t>
+            </a:r>
           </a:p>
         </p:txBody>
       </p:sp>
@@ -8189,7 +12177,7 @@
             </a:pPr>
             <a:r>
               <a:rPr lang="en"/>
-              <a:t>Aspects</a:t>
+              <a:t>Introduction</a:t>
             </a:r>
           </a:p>
         </p:txBody>
@@ -8204,7 +12192,7 @@
         </p:nvSpPr>
         <p:spPr>
           <a:xfrm>
-            <a:off x="311700" y="1017800"/>
+            <a:off x="311700" y="1229875"/>
             <a:ext cx="8520600" cy="3339000"/>
           </a:xfrm>
           <a:prstGeom prst="rect">
@@ -8218,87 +12206,167 @@
           <a:lstStyle/>
           <a:p>
             <a:pPr indent="-228600" lvl="0" marL="457200" rtl="0">
-              <a:lnSpc>
-                <a:spcPct val="115000"/>
-              </a:lnSpc>
-              <a:spcBef>
-                <a:spcPts val="0"/>
-              </a:spcBef>
-            </a:pPr>
-            <a:r>
-              <a:rPr lang="en"/>
-              <a:t>There are six aspect and a general category.</a:t>
-            </a:r>
+              <a:spcBef>
+                <a:spcPts val="0"/>
+              </a:spcBef>
+              <a:buFont typeface="Arial"/>
+            </a:pPr>
+            <a:r>
+              <a:rPr lang="en">
+                <a:solidFill>
+                  <a:srgbClr val="222222"/>
+                </a:solidFill>
+                <a:highlight>
+                  <a:srgbClr val="FFFFFF"/>
+                </a:highlight>
+                <a:latin typeface="Arial"/>
+                <a:ea typeface="Arial"/>
+                <a:cs typeface="Arial"/>
+                <a:sym typeface="Arial"/>
+              </a:rPr>
+              <a:t>Sentiment Analysis computationally identifies and categorizes opinions expressed in a piece of text, in order to determine whether the writer's attitude  is positive, negative, or neutral.</a:t>
+            </a:r>
+          </a:p>
+          <a:p>
+            <a:pPr lvl="0" rtl="0">
+              <a:spcBef>
+                <a:spcPts val="0"/>
+              </a:spcBef>
+              <a:buNone/>
+            </a:pPr>
+            <a:r>
+              <a:t/>
+            </a:r>
+            <a:endParaRPr>
+              <a:solidFill>
+                <a:srgbClr val="222222"/>
+              </a:solidFill>
+              <a:highlight>
+                <a:srgbClr val="FFFFFF"/>
+              </a:highlight>
+              <a:latin typeface="Arial"/>
+              <a:ea typeface="Arial"/>
+              <a:cs typeface="Arial"/>
+              <a:sym typeface="Arial"/>
+            </a:endParaRPr>
           </a:p>
           <a:p>
             <a:pPr indent="-228600" lvl="0" marL="457200" rtl="0">
-              <a:lnSpc>
-                <a:spcPct val="115000"/>
-              </a:lnSpc>
-              <a:spcBef>
-                <a:spcPts val="0"/>
-              </a:spcBef>
-            </a:pPr>
-            <a:r>
-              <a:rPr lang="en"/>
-              <a:t>The six aspects :Learning, Salary, Management, Work-Life Balance, Culture, Infrastructure.</a:t>
-            </a:r>
-          </a:p>
-          <a:p>
-            <a:pPr indent="-228600" lvl="0" marL="457200" rtl="0">
-              <a:lnSpc>
-                <a:spcPct val="115000"/>
-              </a:lnSpc>
-              <a:spcBef>
-                <a:spcPts val="0"/>
-              </a:spcBef>
-            </a:pPr>
-            <a:r>
-              <a:rPr lang="en"/>
-              <a:t>An aspect contains a pool of words.Eg: Salary aspect includes ‘bonus’, ‘hike’, ‘promotion’, ‘incentive’, ‘compensation’, ‘rewards’</a:t>
-            </a:r>
-          </a:p>
-          <a:p>
-            <a:pPr indent="-228600" lvl="0" marL="457200" rtl="0">
-              <a:lnSpc>
-                <a:spcPct val="115000"/>
-              </a:lnSpc>
-              <a:spcBef>
-                <a:spcPts val="0"/>
-              </a:spcBef>
-            </a:pPr>
-            <a:r>
-              <a:rPr lang="en"/>
-              <a:t>To improve the model, a Word2Vec model is used which gives similar words corresponding to words in each  aspects.</a:t>
-            </a:r>
-          </a:p>
-          <a:p>
-            <a:pPr indent="-228600" lvl="0" marL="457200" rtl="0">
-              <a:lnSpc>
-                <a:spcPct val="115000"/>
-              </a:lnSpc>
-              <a:spcBef>
-                <a:spcPts val="0"/>
-              </a:spcBef>
-            </a:pPr>
-            <a:r>
-              <a:rPr lang="en"/>
-              <a:t>Word2Vec increases pool of words for each aspects</a:t>
-            </a:r>
-          </a:p>
-          <a:p>
-            <a:pPr indent="-228600" lvl="0" marL="457200" rtl="0">
-              <a:lnSpc>
-                <a:spcPct val="115000"/>
-              </a:lnSpc>
-              <a:spcBef>
-                <a:spcPts val="0"/>
-              </a:spcBef>
-            </a:pPr>
-            <a:r>
-              <a:rPr lang="en"/>
-              <a:t>If a sentence doesn’t belong to any of the above aspects, it is considered to be in general category.</a:t>
-            </a:r>
+              <a:spcBef>
+                <a:spcPts val="0"/>
+              </a:spcBef>
+              <a:buClr>
+                <a:srgbClr val="222222"/>
+              </a:buClr>
+              <a:buFont typeface="Arial"/>
+            </a:pPr>
+            <a:r>
+              <a:rPr lang="en">
+                <a:solidFill>
+                  <a:srgbClr val="222222"/>
+                </a:solidFill>
+                <a:highlight>
+                  <a:srgbClr val="FFFFFF"/>
+                </a:highlight>
+                <a:latin typeface="Arial"/>
+                <a:ea typeface="Arial"/>
+                <a:cs typeface="Arial"/>
+                <a:sym typeface="Arial"/>
+              </a:rPr>
+              <a:t>Aspect based sentiment analysis(ABSA) classifies a sentence to an aspect followed by computing its polarity. </a:t>
+            </a:r>
+          </a:p>
+          <a:p>
+            <a:pPr lvl="0" rtl="0">
+              <a:spcBef>
+                <a:spcPts val="0"/>
+              </a:spcBef>
+              <a:buNone/>
+            </a:pPr>
+            <a:r>
+              <a:t/>
+            </a:r>
+            <a:endParaRPr>
+              <a:solidFill>
+                <a:srgbClr val="222222"/>
+              </a:solidFill>
+              <a:highlight>
+                <a:srgbClr val="FFFFFF"/>
+              </a:highlight>
+              <a:latin typeface="Arial"/>
+              <a:ea typeface="Arial"/>
+              <a:cs typeface="Arial"/>
+              <a:sym typeface="Arial"/>
+            </a:endParaRPr>
+          </a:p>
+          <a:p>
+            <a:pPr lvl="0" rtl="0">
+              <a:spcBef>
+                <a:spcPts val="0"/>
+              </a:spcBef>
+              <a:buNone/>
+            </a:pPr>
+            <a:r>
+              <a:t/>
+            </a:r>
+            <a:endParaRPr>
+              <a:solidFill>
+                <a:srgbClr val="222222"/>
+              </a:solidFill>
+              <a:highlight>
+                <a:srgbClr val="FFFFFF"/>
+              </a:highlight>
+              <a:latin typeface="Arial"/>
+              <a:ea typeface="Arial"/>
+              <a:cs typeface="Arial"/>
+              <a:sym typeface="Arial"/>
+            </a:endParaRPr>
+          </a:p>
+          <a:p>
+            <a:pPr lvl="0" rtl="0">
+              <a:spcBef>
+                <a:spcPts val="0"/>
+              </a:spcBef>
+              <a:buNone/>
+            </a:pPr>
+            <a:r>
+              <a:t/>
+            </a:r>
+            <a:endParaRPr>
+              <a:solidFill>
+                <a:srgbClr val="222222"/>
+              </a:solidFill>
+              <a:highlight>
+                <a:srgbClr val="FFFFFF"/>
+              </a:highlight>
+              <a:latin typeface="Arial"/>
+              <a:ea typeface="Arial"/>
+              <a:cs typeface="Arial"/>
+              <a:sym typeface="Arial"/>
+            </a:endParaRPr>
+          </a:p>
+          <a:p>
+            <a:pPr lvl="0">
+              <a:spcBef>
+                <a:spcPts val="0"/>
+              </a:spcBef>
+              <a:buNone/>
+            </a:pPr>
+            <a:r>
+              <a:t/>
+            </a:r>
+            <a:endParaRPr>
+              <a:solidFill>
+                <a:srgbClr val="222222"/>
+              </a:solidFill>
+              <a:highlight>
+                <a:srgbClr val="FFFFFF"/>
+              </a:highlight>
+              <a:latin typeface="Arial"/>
+              <a:ea typeface="Arial"/>
+              <a:cs typeface="Arial"/>
+              <a:sym typeface="Arial"/>
+            </a:endParaRPr>
           </a:p>
         </p:txBody>
       </p:sp>
@@ -8358,7 +12426,7 @@
             </a:pPr>
             <a:r>
               <a:rPr lang="en"/>
-              <a:t>Aspect Extraction</a:t>
+              <a:t>Motivation</a:t>
             </a:r>
           </a:p>
         </p:txBody>
@@ -8388,7 +12456,7 @@
           <a:p>
             <a:pPr indent="-228600" lvl="0" marL="457200" rtl="0">
               <a:lnSpc>
-                <a:spcPct val="145000"/>
+                <a:spcPct val="150000"/>
               </a:lnSpc>
               <a:spcBef>
                 <a:spcPts val="0"/>
@@ -8396,13 +12464,13 @@
             </a:pPr>
             <a:r>
               <a:rPr lang="en"/>
-              <a:t>Reviews are tokenized to word using word_tokenizer of nltk module.</a:t>
+              <a:t>Number of Job reviews for some companies could be in thousands</a:t>
             </a:r>
           </a:p>
           <a:p>
             <a:pPr indent="-228600" lvl="0" marL="457200" rtl="0">
               <a:lnSpc>
-                <a:spcPct val="145000"/>
+                <a:spcPct val="150000"/>
               </a:lnSpc>
               <a:spcBef>
                 <a:spcPts val="0"/>
@@ -8410,41 +12478,13 @@
             </a:pPr>
             <a:r>
               <a:rPr lang="en"/>
-              <a:t>POS tagging is used  to retrieve all nouns.</a:t>
-            </a:r>
-          </a:p>
-          <a:p>
-            <a:pPr indent="-228600" lvl="0" marL="457200" rtl="0">
-              <a:lnSpc>
-                <a:spcPct val="145000"/>
-              </a:lnSpc>
-              <a:spcBef>
-                <a:spcPts val="0"/>
-              </a:spcBef>
-            </a:pPr>
-            <a:r>
-              <a:rPr lang="en"/>
-              <a:t>Count of each nouns are taken. </a:t>
-            </a:r>
-          </a:p>
-          <a:p>
-            <a:pPr indent="-228600" lvl="0" marL="457200" rtl="0">
-              <a:lnSpc>
-                <a:spcPct val="145000"/>
-              </a:lnSpc>
-              <a:spcBef>
-                <a:spcPts val="0"/>
-              </a:spcBef>
-            </a:pPr>
-            <a:r>
-              <a:rPr lang="en"/>
-              <a:t>Words having high counts are analysed and aspects are decided.</a:t>
+              <a:t>Reading all reviews for understanding the company is very difficult</a:t>
             </a:r>
           </a:p>
           <a:p>
             <a:pPr indent="-228600" lvl="0" marL="457200">
               <a:lnSpc>
-                <a:spcPct val="145000"/>
+                <a:spcPct val="150000"/>
               </a:lnSpc>
               <a:spcBef>
                 <a:spcPts val="0"/>
@@ -8452,7 +12492,7 @@
             </a:pPr>
             <a:r>
               <a:rPr lang="en"/>
-              <a:t> Aspects are stored in a file with the name of aspect as that of file name</a:t>
+              <a:t>Analysing the reviews and computing aspect wise polarity for a company will give a detailed  overview to the user, thus helping people to understand a company without reading all reviews.</a:t>
             </a:r>
           </a:p>
         </p:txBody>
@@ -8512,16 +12552,8 @@
               <a:buNone/>
             </a:pPr>
             <a:r>
-              <a:rPr lang="en" sz="1800">
-                <a:solidFill>
-                  <a:schemeClr val="dk2"/>
-                </a:solidFill>
-              </a:rPr>
-              <a:t> </a:t>
-            </a:r>
-            <a:r>
-              <a:rPr lang="en"/>
-              <a:t>Dataset Preparation(1/5)</a:t>
+              <a:rPr lang="en"/>
+              <a:t>Literature Review</a:t>
             </a:r>
           </a:p>
         </p:txBody>
@@ -8536,8 +12568,8 @@
         </p:nvSpPr>
         <p:spPr>
           <a:xfrm>
-            <a:off x="311700" y="1900800"/>
-            <a:ext cx="8520600" cy="2668200"/>
+            <a:off x="311700" y="1229875"/>
+            <a:ext cx="8520600" cy="3339000"/>
           </a:xfrm>
           <a:prstGeom prst="rect">
             <a:avLst/>
@@ -8550,131 +12582,29 @@
           <a:lstStyle/>
           <a:p>
             <a:pPr indent="-228600" lvl="0" marL="457200" rtl="0">
-              <a:lnSpc>
-                <a:spcPct val="150000"/>
-              </a:lnSpc>
-              <a:spcBef>
-                <a:spcPts val="0"/>
-              </a:spcBef>
-            </a:pPr>
-            <a:r>
-              <a:rPr lang="en"/>
-              <a:t>There are 7 directories(6 aspect + 1 general)</a:t>
+              <a:spcBef>
+                <a:spcPts val="0"/>
+              </a:spcBef>
+            </a:pPr>
+            <a:r>
+              <a:rPr lang="en"/>
+              <a:t>Hu and Liu,2012, </a:t>
+            </a:r>
+            <a:r>
+              <a:rPr lang="en"/>
+              <a:t> classified aspects using frequency counts,phrase counts, training models with labeled dataset</a:t>
             </a:r>
           </a:p>
           <a:p>
             <a:pPr indent="-228600" lvl="0" marL="457200" rtl="0">
-              <a:lnSpc>
-                <a:spcPct val="150000"/>
-              </a:lnSpc>
-              <a:spcBef>
-                <a:spcPts val="0"/>
-              </a:spcBef>
-            </a:pPr>
-            <a:r>
-              <a:rPr lang="en"/>
-              <a:t>Each aspect contains five files :neg, sli_neg, neutral, sli_pos, pos </a:t>
-            </a:r>
-          </a:p>
-          <a:p>
-            <a:pPr indent="-228600" lvl="0" marL="457200" rtl="0">
-              <a:lnSpc>
-                <a:spcPct val="150000"/>
-              </a:lnSpc>
-              <a:spcBef>
-                <a:spcPts val="0"/>
-              </a:spcBef>
-            </a:pPr>
-            <a:r>
-              <a:rPr lang="en"/>
-              <a:t>Filename indicates polarity of sentences within it.</a:t>
-            </a:r>
-          </a:p>
-          <a:p>
-            <a:pPr indent="-228600" lvl="0" marL="457200" rtl="0">
-              <a:lnSpc>
-                <a:spcPct val="150000"/>
-              </a:lnSpc>
-              <a:spcBef>
-                <a:spcPts val="0"/>
-              </a:spcBef>
-            </a:pPr>
-            <a:r>
-              <a:rPr lang="en"/>
-              <a:t>Dataset should contain only valid words</a:t>
-            </a:r>
-          </a:p>
-          <a:p>
-            <a:pPr indent="-228600" lvl="0" marL="457200">
-              <a:lnSpc>
-                <a:spcPct val="150000"/>
-              </a:lnSpc>
-              <a:spcBef>
-                <a:spcPts val="0"/>
-              </a:spcBef>
-            </a:pPr>
-            <a:r>
-              <a:rPr lang="en"/>
-              <a:t>There should not be any stopwords</a:t>
-            </a:r>
-          </a:p>
-        </p:txBody>
-      </p:sp>
-      <p:sp>
-        <p:nvSpPr>
-          <p:cNvPr id="111" name="Shape 111"/>
-          <p:cNvSpPr txBox="1"/>
-          <p:nvPr>
-            <p:ph type="title"/>
-          </p:nvPr>
-        </p:nvSpPr>
-        <p:spPr>
-          <a:xfrm>
-            <a:off x="399700" y="1155400"/>
-            <a:ext cx="8432700" cy="607800"/>
-          </a:xfrm>
-          <a:prstGeom prst="rect">
-            <a:avLst/>
-          </a:prstGeom>
-        </p:spPr>
-        <p:txBody>
-          <a:bodyPr anchorCtr="0" anchor="t" bIns="91425" lIns="91425" rIns="91425" tIns="91425">
-            <a:noAutofit/>
-          </a:bodyPr>
-          <a:lstStyle/>
-          <a:p>
-            <a:pPr lvl="0" rtl="0">
-              <a:lnSpc>
-                <a:spcPct val="150000"/>
-              </a:lnSpc>
-              <a:spcBef>
-                <a:spcPts val="0"/>
-              </a:spcBef>
-              <a:spcAft>
-                <a:spcPts val="1600"/>
-              </a:spcAft>
-              <a:buNone/>
-            </a:pPr>
-            <a:r>
-              <a:rPr lang="en" sz="2400" u="sng">
-                <a:solidFill>
-                  <a:schemeClr val="dk2"/>
-                </a:solidFill>
-              </a:rPr>
-              <a:t>Required Format</a:t>
-            </a:r>
-          </a:p>
-          <a:p>
-            <a:pPr lvl="0" rtl="0">
-              <a:spcBef>
-                <a:spcPts val="0"/>
-              </a:spcBef>
-              <a:buNone/>
-            </a:pPr>
-            <a:r>
-              <a:t/>
-            </a:r>
-            <a:endParaRPr sz="1400" u="sng"/>
+              <a:spcBef>
+                <a:spcPts val="0"/>
+              </a:spcBef>
+            </a:pPr>
+            <a:r>
+              <a:rPr lang="en"/>
+              <a:t>Polarity were analysed using machine learning algorithms like naivebayes with unigrams as features</a:t>
+            </a:r>
           </a:p>
         </p:txBody>
       </p:sp>
@@ -8691,7 +12621,7 @@
   <p:cSld>
     <p:spTree>
       <p:nvGrpSpPr>
-        <p:cNvPr id="115" name="Shape 115"/>
+        <p:cNvPr id="114" name="Shape 114"/>
         <p:cNvGrpSpPr/>
         <p:nvPr/>
       </p:nvGrpSpPr>
@@ -8705,7 +12635,7 @@
       </p:grpSpPr>
       <p:sp>
         <p:nvSpPr>
-          <p:cNvPr id="116" name="Shape 116"/>
+          <p:cNvPr id="115" name="Shape 115"/>
           <p:cNvSpPr txBox="1"/>
           <p:nvPr>
             <p:ph type="title"/>
@@ -8726,22 +12656,22 @@
           </a:bodyPr>
           <a:lstStyle/>
           <a:p>
-            <a:pPr lvl="0" rtl="0">
-              <a:spcBef>
-                <a:spcPts val="0"/>
-              </a:spcBef>
-              <a:buNone/>
-            </a:pPr>
-            <a:r>
-              <a:rPr lang="en"/>
-              <a:t>Dataset Preparation(2/5)</a:t>
+            <a:pPr lvl="0">
+              <a:spcBef>
+                <a:spcPts val="0"/>
+              </a:spcBef>
+              <a:buNone/>
+            </a:pPr>
+            <a:r>
+              <a:rPr lang="en"/>
+              <a:t>Proposed Work</a:t>
             </a:r>
           </a:p>
         </p:txBody>
       </p:sp>
       <p:sp>
         <p:nvSpPr>
-          <p:cNvPr id="117" name="Shape 117"/>
+          <p:cNvPr id="116" name="Shape 116"/>
           <p:cNvSpPr txBox="1"/>
           <p:nvPr>
             <p:ph idx="1" type="body"/>
@@ -8762,95 +12692,62 @@
           </a:bodyPr>
           <a:lstStyle/>
           <a:p>
-            <a:pPr lvl="0" rtl="0">
-              <a:lnSpc>
-                <a:spcPct val="150000"/>
-              </a:lnSpc>
-              <a:spcBef>
-                <a:spcPts val="0"/>
-              </a:spcBef>
-              <a:buNone/>
-            </a:pPr>
-            <a:r>
-              <a:rPr lang="en"/>
-              <a:t>The  steps are:</a:t>
-            </a:r>
-          </a:p>
-          <a:p>
             <a:pPr indent="-228600" lvl="0" marL="457200" rtl="0">
-              <a:lnSpc>
-                <a:spcPct val="150000"/>
-              </a:lnSpc>
-              <a:spcBef>
-                <a:spcPts val="0"/>
-              </a:spcBef>
-            </a:pPr>
-            <a:r>
-              <a:rPr lang="en"/>
-              <a:t>Preprocessing</a:t>
+              <a:spcBef>
+                <a:spcPts val="0"/>
+              </a:spcBef>
+            </a:pPr>
+            <a:r>
+              <a:rPr lang="en"/>
+              <a:t>The proposed work is to analyse all  reviews of a company  and graphically display the polarity for each aspects</a:t>
             </a:r>
           </a:p>
           <a:p>
             <a:pPr indent="-228600" lvl="0" marL="457200" rtl="0">
-              <a:lnSpc>
-                <a:spcPct val="150000"/>
-              </a:lnSpc>
-              <a:spcBef>
-                <a:spcPts val="0"/>
-              </a:spcBef>
-            </a:pPr>
-            <a:r>
-              <a:rPr lang="en"/>
-              <a:t>Aspect Sentence Classifier</a:t>
-            </a:r>
-          </a:p>
-          <a:p>
-            <a:pPr indent="-228600" lvl="1" marL="914400" rtl="0">
-              <a:lnSpc>
-                <a:spcPct val="150000"/>
-              </a:lnSpc>
-              <a:spcBef>
-                <a:spcPts val="0"/>
-              </a:spcBef>
-            </a:pPr>
-            <a:r>
-              <a:rPr lang="en"/>
-              <a:t>Lexical Model</a:t>
-            </a:r>
-          </a:p>
-          <a:p>
-            <a:pPr indent="-228600" lvl="1" marL="914400" rtl="0">
-              <a:lnSpc>
-                <a:spcPct val="150000"/>
-              </a:lnSpc>
-              <a:spcBef>
-                <a:spcPts val="0"/>
-              </a:spcBef>
-            </a:pPr>
-            <a:r>
-              <a:rPr lang="en"/>
-              <a:t>NaiveBayes Classifier</a:t>
+              <a:spcBef>
+                <a:spcPts val="0"/>
+              </a:spcBef>
+            </a:pPr>
+            <a:r>
+              <a:rPr lang="en"/>
+              <a:t>An overall polarity should also be computed</a:t>
             </a:r>
           </a:p>
           <a:p>
             <a:pPr indent="-228600" lvl="0" marL="457200" rtl="0">
-              <a:lnSpc>
-                <a:spcPct val="150000"/>
-              </a:lnSpc>
-              <a:spcBef>
-                <a:spcPts val="0"/>
-              </a:spcBef>
-            </a:pPr>
-            <a:r>
-              <a:rPr lang="en"/>
-              <a:t>Analysing polarity of each sentence and storing it in corresponding file.</a:t>
-            </a:r>
-          </a:p>
-          <a:p>
-            <a:pPr lvl="0" rtl="0">
-              <a:lnSpc>
-                <a:spcPct val="150000"/>
-              </a:lnSpc>
+              <a:spcBef>
+                <a:spcPts val="0"/>
+              </a:spcBef>
+            </a:pPr>
+            <a:r>
+              <a:rPr lang="en"/>
+              <a:t>There are two models for aspect classification :Lexical Approach and Naive Bayes model</a:t>
+            </a:r>
+          </a:p>
+          <a:p>
+            <a:pPr indent="-228600" lvl="0" marL="457200" rtl="0">
+              <a:spcBef>
+                <a:spcPts val="0"/>
+              </a:spcBef>
+            </a:pPr>
+            <a:r>
+              <a:rPr lang="en"/>
+              <a:t>There are two models for computing the polarity: Naive Bayes model and Support Vector Machine</a:t>
+            </a:r>
+          </a:p>
+          <a:p>
+            <a:pPr indent="-228600" lvl="0" marL="457200" rtl="0">
+              <a:spcBef>
+                <a:spcPts val="0"/>
+              </a:spcBef>
+            </a:pPr>
+            <a:r>
+              <a:rPr lang="en"/>
+              <a:t>The above two models use unigram and bigrams as features</a:t>
+            </a:r>
+          </a:p>
+          <a:p>
+            <a:pPr lvl="0">
               <a:spcBef>
                 <a:spcPts val="0"/>
               </a:spcBef>
@@ -8876,7 +12773,7 @@
   <p:cSld>
     <p:spTree>
       <p:nvGrpSpPr>
-        <p:cNvPr id="121" name="Shape 121"/>
+        <p:cNvPr id="120" name="Shape 120"/>
         <p:cNvGrpSpPr/>
         <p:nvPr/>
       </p:nvGrpSpPr>
@@ -8890,7 +12787,7 @@
       </p:grpSpPr>
       <p:sp>
         <p:nvSpPr>
-          <p:cNvPr id="122" name="Shape 122"/>
+          <p:cNvPr id="121" name="Shape 121"/>
           <p:cNvSpPr txBox="1"/>
           <p:nvPr>
             <p:ph type="title"/>
@@ -8898,7 +12795,7 @@
         </p:nvSpPr>
         <p:spPr>
           <a:xfrm>
-            <a:off x="311700" y="410000"/>
+            <a:off x="311700" y="0"/>
             <a:ext cx="8520600" cy="607800"/>
           </a:xfrm>
           <a:prstGeom prst="rect">
@@ -8919,14 +12816,14 @@
             </a:pPr>
             <a:r>
               <a:rPr lang="en"/>
-              <a:t>Dataset Preparation(3/5)</a:t>
+              <a:t>Flow Chart</a:t>
             </a:r>
           </a:p>
         </p:txBody>
       </p:sp>
       <p:sp>
         <p:nvSpPr>
-          <p:cNvPr id="123" name="Shape 123"/>
+          <p:cNvPr id="122" name="Shape 122"/>
           <p:cNvSpPr txBox="1"/>
           <p:nvPr>
             <p:ph idx="1" type="body"/>
@@ -8934,8 +12831,8 @@
         </p:nvSpPr>
         <p:spPr>
           <a:xfrm>
-            <a:off x="311700" y="1734475"/>
-            <a:ext cx="8520600" cy="2834400"/>
+            <a:off x="257175" y="535550"/>
+            <a:ext cx="8886900" cy="4294800"/>
           </a:xfrm>
           <a:prstGeom prst="rect">
             <a:avLst/>
@@ -8947,114 +12844,16 @@
           </a:bodyPr>
           <a:lstStyle/>
           <a:p>
-            <a:pPr indent="-228600" lvl="0" marL="457200" rtl="0">
-              <a:lnSpc>
-                <a:spcPct val="150000"/>
-              </a:lnSpc>
-              <a:spcBef>
-                <a:spcPts val="0"/>
-              </a:spcBef>
-            </a:pPr>
-            <a:r>
-              <a:rPr lang="en"/>
-              <a:t>The reviews are split into sentences based on words like ‘and’, ‘but’ and punctuation like ‘.’ . </a:t>
-            </a:r>
-          </a:p>
-          <a:p>
-            <a:pPr indent="-228600" lvl="0" marL="457200" rtl="0">
-              <a:lnSpc>
-                <a:spcPct val="150000"/>
-              </a:lnSpc>
-              <a:spcBef>
-                <a:spcPts val="0"/>
-              </a:spcBef>
-            </a:pPr>
-            <a:r>
-              <a:rPr lang="en"/>
-              <a:t>Each sentence is split into words using regular expression ([a-zA-Z]+) .</a:t>
-            </a:r>
-          </a:p>
-          <a:p>
-            <a:pPr indent="-228600" lvl="0" marL="457200" rtl="0">
-              <a:lnSpc>
-                <a:spcPct val="150000"/>
-              </a:lnSpc>
-              <a:spcBef>
-                <a:spcPts val="0"/>
-              </a:spcBef>
-            </a:pPr>
-            <a:r>
-              <a:rPr lang="en"/>
-              <a:t>Stopwords are removed</a:t>
-            </a:r>
-          </a:p>
-          <a:p>
-            <a:pPr indent="-228600" lvl="0" marL="457200" rtl="0">
-              <a:lnSpc>
-                <a:spcPct val="150000"/>
-              </a:lnSpc>
-              <a:spcBef>
-                <a:spcPts val="0"/>
-              </a:spcBef>
-            </a:pPr>
-            <a:r>
-              <a:rPr lang="en"/>
-              <a:t>Words are passed to enchant dictionary which removes all non-english words.</a:t>
-            </a:r>
-          </a:p>
-          <a:p>
-            <a:pPr indent="-228600" lvl="0" marL="457200" rtl="0">
-              <a:lnSpc>
-                <a:spcPct val="150000"/>
-              </a:lnSpc>
-              <a:spcBef>
-                <a:spcPts val="0"/>
-              </a:spcBef>
-            </a:pPr>
-            <a:r>
-              <a:rPr lang="en"/>
-              <a:t>The words are stemmed</a:t>
-            </a:r>
-          </a:p>
-        </p:txBody>
-      </p:sp>
-      <p:sp>
-        <p:nvSpPr>
-          <p:cNvPr id="124" name="Shape 124"/>
-          <p:cNvSpPr txBox="1"/>
-          <p:nvPr>
-            <p:ph type="title"/>
-          </p:nvPr>
-        </p:nvSpPr>
-        <p:spPr>
-          <a:xfrm>
-            <a:off x="377075" y="1017800"/>
-            <a:ext cx="8520600" cy="607800"/>
-          </a:xfrm>
-          <a:prstGeom prst="rect">
-            <a:avLst/>
-          </a:prstGeom>
-        </p:spPr>
-        <p:txBody>
-          <a:bodyPr anchorCtr="0" anchor="t" bIns="91425" lIns="91425" rIns="91425" tIns="91425">
-            <a:noAutofit/>
-          </a:bodyPr>
-          <a:lstStyle/>
-          <a:p>
-            <a:pPr lvl="0" rtl="0">
-              <a:spcBef>
-                <a:spcPts val="0"/>
-              </a:spcBef>
-              <a:buNone/>
-            </a:pPr>
-            <a:r>
-              <a:rPr lang="en" sz="2400" u="sng">
-                <a:solidFill>
-                  <a:srgbClr val="000000"/>
-                </a:solidFill>
-              </a:rPr>
-              <a:t>Preprocessing</a:t>
-            </a:r>
+            <a:pPr lvl="0">
+              <a:spcBef>
+                <a:spcPts val="0"/>
+              </a:spcBef>
+              <a:buNone/>
+            </a:pPr>
+            <a:r>
+              <a:t/>
+            </a:r>
+            <a:endParaRPr/>
           </a:p>
         </p:txBody>
       </p:sp>
@@ -9071,7 +12870,7 @@
   <p:cSld>
     <p:spTree>
       <p:nvGrpSpPr>
-        <p:cNvPr id="128" name="Shape 128"/>
+        <p:cNvPr id="126" name="Shape 126"/>
         <p:cNvGrpSpPr/>
         <p:nvPr/>
       </p:nvGrpSpPr>
@@ -9085,7 +12884,7 @@
       </p:grpSpPr>
       <p:sp>
         <p:nvSpPr>
-          <p:cNvPr id="129" name="Shape 129"/>
+          <p:cNvPr id="127" name="Shape 127"/>
           <p:cNvSpPr txBox="1"/>
           <p:nvPr>
             <p:ph type="title"/>
@@ -9114,26 +12913,14 @@
             </a:pPr>
             <a:r>
               <a:rPr lang="en"/>
-              <a:t>Dataset Preprocessing(4/5)</a:t>
-            </a:r>
-          </a:p>
-          <a:p>
-            <a:pPr lvl="0">
-              <a:spcBef>
-                <a:spcPts val="0"/>
-              </a:spcBef>
-              <a:buNone/>
-            </a:pPr>
-            <a:r>
-              <a:t/>
-            </a:r>
-            <a:endParaRPr/>
+              <a:t>Scrapper	</a:t>
+            </a:r>
           </a:p>
         </p:txBody>
       </p:sp>
       <p:sp>
         <p:nvSpPr>
-          <p:cNvPr id="130" name="Shape 130"/>
+          <p:cNvPr id="128" name="Shape 128"/>
           <p:cNvSpPr txBox="1"/>
           <p:nvPr>
             <p:ph idx="1" type="body"/>
@@ -9141,8 +12928,8 @@
         </p:nvSpPr>
         <p:spPr>
           <a:xfrm>
-            <a:off x="311700" y="1744250"/>
-            <a:ext cx="8520600" cy="2824500"/>
+            <a:off x="311700" y="1017800"/>
+            <a:ext cx="8520600" cy="3339000"/>
           </a:xfrm>
           <a:prstGeom prst="rect">
             <a:avLst/>
@@ -9164,7 +12951,7 @@
             </a:pPr>
             <a:r>
               <a:rPr lang="en"/>
-              <a:t>Each word in the pool of words corresponding to each aspects is compared with all words of sentence </a:t>
+              <a:t>Scraped reviews from indeed.com</a:t>
             </a:r>
           </a:p>
           <a:p>
@@ -9178,11 +12965,27 @@
             </a:pPr>
             <a:r>
               <a:rPr lang="en"/>
-              <a:t> If any word is present, the sentence belongs to the corresponding aspect.</a:t>
-            </a:r>
-          </a:p>
-          <a:p>
-            <a:pPr indent="-228600" lvl="0" marL="457200">
+              <a:t>Sample url :    </a:t>
+            </a:r>
+            <a:r>
+              <a:rPr lang="en" sz="1400">
+                <a:solidFill>
+                  <a:srgbClr val="337AB7"/>
+                </a:solidFill>
+                <a:highlight>
+                  <a:srgbClr val="FFFFFF"/>
+                </a:highlight>
+                <a:latin typeface="Arial"/>
+                <a:ea typeface="Arial"/>
+                <a:cs typeface="Arial"/>
+                <a:sym typeface="Arial"/>
+                <a:hlinkClick r:id="rId3"/>
+              </a:rPr>
+              <a:t>https://www.indeed.co.in/cmp/Samsung/reviews?fcountry=ALL&amp;start=0</a:t>
+            </a:r>
+          </a:p>
+          <a:p>
+            <a:pPr indent="-228600" lvl="0" marL="457200" rtl="0">
               <a:lnSpc>
                 <a:spcPct val="150000"/>
               </a:lnSpc>
@@ -9192,51 +12995,79 @@
             </a:pPr>
             <a:r>
               <a:rPr lang="en"/>
-              <a:t>If the word count for each sentence is greater than 1, the words are joined to form sentence which is preprocessed.</a:t>
-            </a:r>
-            <a:br>
-              <a:rPr lang="en"/>
-            </a:br>
-          </a:p>
-        </p:txBody>
-      </p:sp>
-      <p:sp>
-        <p:nvSpPr>
-          <p:cNvPr id="131" name="Shape 131"/>
-          <p:cNvSpPr txBox="1"/>
-          <p:nvPr>
-            <p:ph type="title"/>
-          </p:nvPr>
-        </p:nvSpPr>
-        <p:spPr>
-          <a:xfrm>
-            <a:off x="311700" y="961000"/>
-            <a:ext cx="8520600" cy="607800"/>
-          </a:xfrm>
-          <a:prstGeom prst="rect">
-            <a:avLst/>
-          </a:prstGeom>
-        </p:spPr>
-        <p:txBody>
-          <a:bodyPr anchorCtr="0" anchor="t" bIns="91425" lIns="91425" rIns="91425" tIns="91425">
-            <a:noAutofit/>
-          </a:bodyPr>
-          <a:lstStyle/>
-          <a:p>
-            <a:pPr lvl="0" rtl="0">
-              <a:spcBef>
-                <a:spcPts val="0"/>
-              </a:spcBef>
-              <a:buNone/>
-            </a:pPr>
-            <a:r>
-              <a:rPr lang="en" sz="2400" u="sng">
-                <a:solidFill>
-                  <a:srgbClr val="000000"/>
-                </a:solidFill>
-              </a:rPr>
-              <a:t>Aspect Sentence Classifier-Lexical Approach</a:t>
-            </a:r>
+              <a:t>BeautifulSoup module is used for extracting reviews from html code</a:t>
+            </a:r>
+          </a:p>
+          <a:p>
+            <a:pPr indent="-228600" lvl="0" marL="457200" rtl="0">
+              <a:lnSpc>
+                <a:spcPct val="150000"/>
+              </a:lnSpc>
+              <a:spcBef>
+                <a:spcPts val="0"/>
+              </a:spcBef>
+            </a:pPr>
+            <a:r>
+              <a:rPr lang="en"/>
+              <a:t>Pagination is also implemented.The ‘start’ value in the url is incremented by 20 for each page.</a:t>
+            </a:r>
+          </a:p>
+          <a:p>
+            <a:pPr indent="-228600" lvl="0" marL="457200" rtl="0">
+              <a:lnSpc>
+                <a:spcPct val="150000"/>
+              </a:lnSpc>
+              <a:spcBef>
+                <a:spcPts val="0"/>
+              </a:spcBef>
+            </a:pPr>
+            <a:r>
+              <a:rPr lang="en"/>
+              <a:t>List of companies are stored as JSON in a file</a:t>
+            </a:r>
+          </a:p>
+          <a:p>
+            <a:pPr indent="-228600" lvl="0" marL="457200" rtl="0">
+              <a:lnSpc>
+                <a:spcPct val="150000"/>
+              </a:lnSpc>
+              <a:spcBef>
+                <a:spcPts val="0"/>
+              </a:spcBef>
+            </a:pPr>
+            <a:r>
+              <a:rPr lang="en"/>
+              <a:t>HTML tags are removed after scraping</a:t>
+            </a:r>
+          </a:p>
+          <a:p>
+            <a:pPr indent="-228600" lvl="0" marL="457200" rtl="0">
+              <a:lnSpc>
+                <a:spcPct val="150000"/>
+              </a:lnSpc>
+              <a:spcBef>
+                <a:spcPts val="0"/>
+              </a:spcBef>
+            </a:pPr>
+            <a:r>
+              <a:rPr lang="en"/>
+              <a:t>Reviews stored in files with directory name as that of company</a:t>
+            </a:r>
+          </a:p>
+          <a:p>
+            <a:pPr lvl="0">
+              <a:lnSpc>
+                <a:spcPct val="150000"/>
+              </a:lnSpc>
+              <a:spcBef>
+                <a:spcPts val="0"/>
+              </a:spcBef>
+              <a:buNone/>
+            </a:pPr>
+            <a:r>
+              <a:t/>
+            </a:r>
+            <a:endParaRPr/>
           </a:p>
         </p:txBody>
       </p:sp>
@@ -9253,7 +13084,7 @@
   <p:cSld>
     <p:spTree>
       <p:nvGrpSpPr>
-        <p:cNvPr id="135" name="Shape 135"/>
+        <p:cNvPr id="132" name="Shape 132"/>
         <p:cNvGrpSpPr/>
         <p:nvPr/>
       </p:nvGrpSpPr>
@@ -9267,7 +13098,7 @@
       </p:grpSpPr>
       <p:sp>
         <p:nvSpPr>
-          <p:cNvPr id="136" name="Shape 136"/>
+          <p:cNvPr id="133" name="Shape 133"/>
           <p:cNvSpPr txBox="1"/>
           <p:nvPr>
             <p:ph type="title"/>
@@ -9288,34 +13119,22 @@
           </a:bodyPr>
           <a:lstStyle/>
           <a:p>
-            <a:pPr lvl="0" rtl="0">
-              <a:spcBef>
-                <a:spcPts val="0"/>
-              </a:spcBef>
-              <a:buNone/>
-            </a:pPr>
-            <a:r>
-              <a:rPr lang="en"/>
-              <a:t>Dataset Preprocessing(5/5)</a:t>
-            </a:r>
-          </a:p>
-          <a:p>
-            <a:pPr lvl="0" rtl="0">
-              <a:spcBef>
-                <a:spcPts val="0"/>
-              </a:spcBef>
-              <a:buNone/>
-            </a:pPr>
-            <a:r>
-              <a:t/>
-            </a:r>
-            <a:endParaRPr/>
+            <a:pPr lvl="0">
+              <a:spcBef>
+                <a:spcPts val="0"/>
+              </a:spcBef>
+              <a:buNone/>
+            </a:pPr>
+            <a:r>
+              <a:rPr lang="en"/>
+              <a:t>Aspects</a:t>
+            </a:r>
           </a:p>
         </p:txBody>
       </p:sp>
       <p:sp>
         <p:nvSpPr>
-          <p:cNvPr id="137" name="Shape 137"/>
+          <p:cNvPr id="134" name="Shape 134"/>
           <p:cNvSpPr txBox="1"/>
           <p:nvPr>
             <p:ph idx="1" type="body"/>
@@ -9323,8 +13142,8 @@
         </p:nvSpPr>
         <p:spPr>
           <a:xfrm>
-            <a:off x="311700" y="1744250"/>
-            <a:ext cx="8520600" cy="2824500"/>
+            <a:off x="311700" y="1017800"/>
+            <a:ext cx="8520600" cy="3339000"/>
           </a:xfrm>
           <a:prstGeom prst="rect">
             <a:avLst/>
@@ -9337,86 +13156,86 @@
           <a:lstStyle/>
           <a:p>
             <a:pPr indent="-228600" lvl="0" marL="457200" rtl="0">
-              <a:spcBef>
-                <a:spcPts val="0"/>
-              </a:spcBef>
-            </a:pPr>
-            <a:r>
-              <a:rPr lang="en"/>
-              <a:t>Features are unigram.</a:t>
+              <a:lnSpc>
+                <a:spcPct val="115000"/>
+              </a:lnSpc>
+              <a:spcBef>
+                <a:spcPts val="0"/>
+              </a:spcBef>
+            </a:pPr>
+            <a:r>
+              <a:rPr lang="en"/>
+              <a:t>There are six aspect and a general category.</a:t>
             </a:r>
           </a:p>
           <a:p>
             <a:pPr indent="-228600" lvl="0" marL="457200" rtl="0">
-              <a:spcBef>
-                <a:spcPts val="0"/>
-              </a:spcBef>
-            </a:pPr>
-            <a:r>
-              <a:rPr lang="en"/>
-              <a:t>60,000 reviews are preprocessed and trained.</a:t>
+              <a:lnSpc>
+                <a:spcPct val="115000"/>
+              </a:lnSpc>
+              <a:spcBef>
+                <a:spcPts val="0"/>
+              </a:spcBef>
+            </a:pPr>
+            <a:r>
+              <a:rPr lang="en"/>
+              <a:t>The six aspects :Learning, Salary, Management, Work-Life Balance, Culture, Infrastructure.</a:t>
             </a:r>
           </a:p>
           <a:p>
             <a:pPr indent="-228600" lvl="0" marL="457200" rtl="0">
-              <a:spcBef>
-                <a:spcPts val="0"/>
-              </a:spcBef>
-            </a:pPr>
-            <a:r>
-              <a:rPr lang="en"/>
-              <a:t>The trained model is saved in a file using pickle module in python.</a:t>
+              <a:lnSpc>
+                <a:spcPct val="115000"/>
+              </a:lnSpc>
+              <a:spcBef>
+                <a:spcPts val="0"/>
+              </a:spcBef>
+            </a:pPr>
+            <a:r>
+              <a:rPr lang="en"/>
+              <a:t>An aspect contains a pool of words.Eg: Salary aspect includes ‘bonus’, ‘hike’, ‘promotion’, ‘incentive’, ‘compensation’, ‘rewards’</a:t>
             </a:r>
           </a:p>
           <a:p>
             <a:pPr indent="-228600" lvl="0" marL="457200" rtl="0">
-              <a:spcBef>
-                <a:spcPts val="0"/>
-              </a:spcBef>
-            </a:pPr>
-            <a:r>
-              <a:rPr lang="en"/>
-              <a:t>accuracy-&gt; 75.16%</a:t>
-            </a:r>
-          </a:p>
-        </p:txBody>
-      </p:sp>
-      <p:sp>
-        <p:nvSpPr>
-          <p:cNvPr id="138" name="Shape 138"/>
-          <p:cNvSpPr txBox="1"/>
-          <p:nvPr>
-            <p:ph type="title"/>
-          </p:nvPr>
-        </p:nvSpPr>
-        <p:spPr>
-          <a:xfrm>
-            <a:off x="311700" y="961000"/>
-            <a:ext cx="8520600" cy="607800"/>
-          </a:xfrm>
-          <a:prstGeom prst="rect">
-            <a:avLst/>
-          </a:prstGeom>
-        </p:spPr>
-        <p:txBody>
-          <a:bodyPr anchorCtr="0" anchor="t" bIns="91425" lIns="91425" rIns="91425" tIns="91425">
-            <a:noAutofit/>
-          </a:bodyPr>
-          <a:lstStyle/>
-          <a:p>
-            <a:pPr lvl="0" rtl="0">
-              <a:spcBef>
-                <a:spcPts val="0"/>
-              </a:spcBef>
-              <a:buNone/>
-            </a:pPr>
-            <a:r>
-              <a:rPr lang="en" sz="2400" u="sng">
-                <a:solidFill>
-                  <a:srgbClr val="000000"/>
-                </a:solidFill>
-              </a:rPr>
-              <a:t>Aspect Sentence Classifier-NaiveBayes Approach</a:t>
+              <a:lnSpc>
+                <a:spcPct val="115000"/>
+              </a:lnSpc>
+              <a:spcBef>
+                <a:spcPts val="0"/>
+              </a:spcBef>
+            </a:pPr>
+            <a:r>
+              <a:rPr lang="en"/>
+              <a:t>To improve the model, a Word2Vec model is used which gives similar words corresponding to words in each  aspects.</a:t>
+            </a:r>
+          </a:p>
+          <a:p>
+            <a:pPr indent="-228600" lvl="0" marL="457200" rtl="0">
+              <a:lnSpc>
+                <a:spcPct val="115000"/>
+              </a:lnSpc>
+              <a:spcBef>
+                <a:spcPts val="0"/>
+              </a:spcBef>
+            </a:pPr>
+            <a:r>
+              <a:rPr lang="en"/>
+              <a:t>Word2Vec increases pool of words for each aspects</a:t>
+            </a:r>
+          </a:p>
+          <a:p>
+            <a:pPr indent="-228600" lvl="0" marL="457200" rtl="0">
+              <a:lnSpc>
+                <a:spcPct val="115000"/>
+              </a:lnSpc>
+              <a:spcBef>
+                <a:spcPts val="0"/>
+              </a:spcBef>
+            </a:pPr>
+            <a:r>
+              <a:rPr lang="en"/>
+              <a:t>If a sentence doesn’t belong to any of the above aspects, it is considered to be in general category.</a:t>
             </a:r>
           </a:p>
         </p:txBody>
@@ -9430,6 +13249,285 @@
 </file>
 
 <file path=ppt/theme/theme1.xml><?xml version="1.0" encoding="utf-8"?>
+<a:theme xmlns:a="http://schemas.openxmlformats.org/drawingml/2006/main" xmlns:r="http://schemas.openxmlformats.org/officeDocument/2006/relationships" name="geometric">
+  <a:themeElements>
+    <a:clrScheme name="Geometric">
+      <a:dk1>
+        <a:srgbClr val="2A3990"/>
+      </a:dk1>
+      <a:lt1>
+        <a:srgbClr val="FFFFFF"/>
+      </a:lt1>
+      <a:dk2>
+        <a:srgbClr val="434343"/>
+      </a:dk2>
+      <a:lt2>
+        <a:srgbClr val="999999"/>
+      </a:lt2>
+      <a:accent1>
+        <a:srgbClr val="212D74"/>
+      </a:accent1>
+      <a:accent2>
+        <a:srgbClr val="3949AB"/>
+      </a:accent2>
+      <a:accent3>
+        <a:srgbClr val="9C254D"/>
+      </a:accent3>
+      <a:accent4>
+        <a:srgbClr val="D23369"/>
+      </a:accent4>
+      <a:accent5>
+        <a:srgbClr val="F06292"/>
+      </a:accent5>
+      <a:accent6>
+        <a:srgbClr val="7890CD"/>
+      </a:accent6>
+      <a:hlink>
+        <a:srgbClr val="F06292"/>
+      </a:hlink>
+      <a:folHlink>
+        <a:srgbClr val="F06292"/>
+      </a:folHlink>
+    </a:clrScheme>
+    <a:fontScheme name="Office">
+      <a:majorFont>
+        <a:latin typeface="Arial"/>
+        <a:ea typeface=""/>
+        <a:cs typeface=""/>
+        <a:font script="Jpan" typeface="ＭＳ Ｐゴシック"/>
+        <a:font script="Hang" typeface="맑은 고딕"/>
+        <a:font script="Hans" typeface="宋体"/>
+        <a:font script="Hant" typeface="新細明體"/>
+        <a:font script="Arab" typeface="Times New Roman"/>
+        <a:font script="Hebr" typeface="Times New Roman"/>
+        <a:font script="Thai" typeface="Angsana New"/>
+        <a:font script="Ethi" typeface="Nyala"/>
+        <a:font script="Beng" typeface="Vrinda"/>
+        <a:font script="Gujr" typeface="Shruti"/>
+        <a:font script="Khmr" typeface="MoolBoran"/>
+        <a:font script="Knda" typeface="Tunga"/>
+        <a:font script="Guru" typeface="Raavi"/>
+        <a:font script="Cans" typeface="Euphemia"/>
+        <a:font script="Cher" typeface="Plantagenet Cherokee"/>
+        <a:font script="Yiii" typeface="Microsoft Yi Baiti"/>
+        <a:font script="Tibt" typeface="Microsoft Himalaya"/>
+        <a:font script="Thaa" typeface="MV Boli"/>
+        <a:font script="Deva" typeface="Mangal"/>
+        <a:font script="Telu" typeface="Gautami"/>
+        <a:font script="Taml" typeface="Latha"/>
+        <a:font script="Syrc" typeface="Estrangelo Edessa"/>
+        <a:font script="Orya" typeface="Kalinga"/>
+        <a:font script="Mlym" typeface="Kartika"/>
+        <a:font script="Laoo" typeface="DokChampa"/>
+        <a:font script="Sinh" typeface="Iskoola Pota"/>
+        <a:font script="Mong" typeface="Mongolian Baiti"/>
+        <a:font script="Viet" typeface="Times New Roman"/>
+        <a:font script="Uigh" typeface="Microsoft Uighur"/>
+        <a:font script="Geor" typeface="Sylfaen"/>
+      </a:majorFont>
+      <a:minorFont>
+        <a:latin typeface="Arial"/>
+        <a:ea typeface=""/>
+        <a:cs typeface=""/>
+        <a:font script="Jpan" typeface="ＭＳ Ｐゴシック"/>
+        <a:font script="Hang" typeface="맑은 고딕"/>
+        <a:font script="Hans" typeface="宋体"/>
+        <a:font script="Hant" typeface="新細明體"/>
+        <a:font script="Arab" typeface="Arial"/>
+        <a:font script="Hebr" typeface="Arial"/>
+        <a:font script="Thai" typeface="Cordia New"/>
+        <a:font script="Ethi" typeface="Nyala"/>
+        <a:font script="Beng" typeface="Vrinda"/>
+        <a:font script="Gujr" typeface="Shruti"/>
+        <a:font script="Khmr" typeface="DaunPenh"/>
+        <a:font script="Knda" typeface="Tunga"/>
+        <a:font script="Guru" typeface="Raavi"/>
+        <a:font script="Cans" typeface="Euphemia"/>
+        <a:font script="Cher" typeface="Plantagenet Cherokee"/>
+        <a:font script="Yiii" typeface="Microsoft Yi Baiti"/>
+        <a:font script="Tibt" typeface="Microsoft Himalaya"/>
+        <a:font script="Thaa" typeface="MV Boli"/>
+        <a:font script="Deva" typeface="Mangal"/>
+        <a:font script="Telu" typeface="Gautami"/>
+        <a:font script="Taml" typeface="Latha"/>
+        <a:font script="Syrc" typeface="Estrangelo Edessa"/>
+        <a:font script="Orya" typeface="Kalinga"/>
+        <a:font script="Mlym" typeface="Kartika"/>
+        <a:font script="Laoo" typeface="DokChampa"/>
+        <a:font script="Sinh" typeface="Iskoola Pota"/>
+        <a:font script="Mong" typeface="Mongolian Baiti"/>
+        <a:font script="Viet" typeface="Arial"/>
+        <a:font script="Uigh" typeface="Microsoft Uighur"/>
+        <a:font script="Geor" typeface="Sylfaen"/>
+      </a:minorFont>
+    </a:fontScheme>
+    <a:fmtScheme name="Office">
+      <a:fillStyleLst>
+        <a:solidFill>
+          <a:schemeClr val="phClr"/>
+        </a:solidFill>
+        <a:gradFill rotWithShape="1">
+          <a:gsLst>
+            <a:gs pos="0">
+              <a:schemeClr val="phClr">
+                <a:tint val="50000"/>
+                <a:satMod val="300000"/>
+              </a:schemeClr>
+            </a:gs>
+            <a:gs pos="35000">
+              <a:schemeClr val="phClr">
+                <a:tint val="37000"/>
+                <a:satMod val="300000"/>
+              </a:schemeClr>
+            </a:gs>
+            <a:gs pos="100000">
+              <a:schemeClr val="phClr">
+                <a:tint val="15000"/>
+                <a:satMod val="350000"/>
+              </a:schemeClr>
+            </a:gs>
+          </a:gsLst>
+          <a:lin ang="16200000" scaled="1"/>
+        </a:gradFill>
+        <a:gradFill rotWithShape="1">
+          <a:gsLst>
+            <a:gs pos="0">
+              <a:schemeClr val="phClr">
+                <a:tint val="100000"/>
+                <a:shade val="100000"/>
+                <a:satMod val="130000"/>
+              </a:schemeClr>
+            </a:gs>
+            <a:gs pos="100000">
+              <a:schemeClr val="phClr">
+                <a:tint val="50000"/>
+                <a:shade val="100000"/>
+                <a:satMod val="350000"/>
+              </a:schemeClr>
+            </a:gs>
+          </a:gsLst>
+          <a:lin ang="16200000" scaled="0"/>
+        </a:gradFill>
+      </a:fillStyleLst>
+      <a:lnStyleLst>
+        <a:ln w="9525" cap="flat" cmpd="sng" algn="ctr">
+          <a:solidFill>
+            <a:schemeClr val="phClr">
+              <a:shade val="95000"/>
+              <a:satMod val="105000"/>
+            </a:schemeClr>
+          </a:solidFill>
+          <a:prstDash val="solid"/>
+        </a:ln>
+        <a:ln w="25400" cap="flat" cmpd="sng" algn="ctr">
+          <a:solidFill>
+            <a:schemeClr val="phClr"/>
+          </a:solidFill>
+          <a:prstDash val="solid"/>
+        </a:ln>
+        <a:ln w="38100" cap="flat" cmpd="sng" algn="ctr">
+          <a:solidFill>
+            <a:schemeClr val="phClr"/>
+          </a:solidFill>
+          <a:prstDash val="solid"/>
+        </a:ln>
+      </a:lnStyleLst>
+      <a:effectStyleLst>
+        <a:effectStyle>
+          <a:effectLst>
+            <a:outerShdw blurRad="40000" dist="20000" dir="5400000" rotWithShape="0">
+              <a:srgbClr val="000000">
+                <a:alpha val="38000"/>
+              </a:srgbClr>
+            </a:outerShdw>
+          </a:effectLst>
+        </a:effectStyle>
+        <a:effectStyle>
+          <a:effectLst>
+            <a:outerShdw blurRad="40000" dist="23000" dir="5400000" rotWithShape="0">
+              <a:srgbClr val="000000">
+                <a:alpha val="35000"/>
+              </a:srgbClr>
+            </a:outerShdw>
+          </a:effectLst>
+        </a:effectStyle>
+        <a:effectStyle>
+          <a:effectLst>
+            <a:outerShdw blurRad="40000" dist="23000" dir="5400000" rotWithShape="0">
+              <a:srgbClr val="000000">
+                <a:alpha val="35000"/>
+              </a:srgbClr>
+            </a:outerShdw>
+          </a:effectLst>
+          <a:scene3d>
+            <a:camera prst="orthographicFront">
+              <a:rot lat="0" lon="0" rev="0"/>
+            </a:camera>
+            <a:lightRig rig="threePt" dir="t">
+              <a:rot lat="0" lon="0" rev="1200000"/>
+            </a:lightRig>
+          </a:scene3d>
+          <a:sp3d>
+            <a:bevelT w="63500" h="25400"/>
+          </a:sp3d>
+        </a:effectStyle>
+      </a:effectStyleLst>
+      <a:bgFillStyleLst>
+        <a:solidFill>
+          <a:schemeClr val="phClr"/>
+        </a:solidFill>
+        <a:gradFill rotWithShape="1">
+          <a:gsLst>
+            <a:gs pos="0">
+              <a:schemeClr val="phClr">
+                <a:tint val="40000"/>
+                <a:satMod val="350000"/>
+              </a:schemeClr>
+            </a:gs>
+            <a:gs pos="40000">
+              <a:schemeClr val="phClr">
+                <a:tint val="45000"/>
+                <a:shade val="99000"/>
+                <a:satMod val="350000"/>
+              </a:schemeClr>
+            </a:gs>
+            <a:gs pos="100000">
+              <a:schemeClr val="phClr">
+                <a:shade val="20000"/>
+                <a:satMod val="255000"/>
+              </a:schemeClr>
+            </a:gs>
+          </a:gsLst>
+          <a:path path="circle">
+            <a:fillToRect l="50000" t="-80000" r="50000" b="180000"/>
+          </a:path>
+        </a:gradFill>
+        <a:gradFill rotWithShape="1">
+          <a:gsLst>
+            <a:gs pos="0">
+              <a:schemeClr val="phClr">
+                <a:tint val="80000"/>
+                <a:satMod val="300000"/>
+              </a:schemeClr>
+            </a:gs>
+            <a:gs pos="100000">
+              <a:schemeClr val="phClr">
+                <a:shade val="30000"/>
+                <a:satMod val="200000"/>
+              </a:schemeClr>
+            </a:gs>
+          </a:gsLst>
+          <a:path path="circle">
+            <a:fillToRect l="50000" t="50000" r="50000" b="50000"/>
+          </a:path>
+        </a:gradFill>
+      </a:bgFillStyleLst>
+    </a:fmtScheme>
+  </a:themeElements>
+</a:theme>
+</file>
+
+<file path=ppt/theme/theme2.xml><?xml version="1.0" encoding="utf-8"?>
 <a:theme xmlns:a="http://schemas.openxmlformats.org/drawingml/2006/main" xmlns:r="http://schemas.openxmlformats.org/officeDocument/2006/relationships" name="Custom Theme">
   <a:themeElements>
     <a:clrScheme name="Default">
@@ -9706,283 +13804,4 @@
     </a:fmtScheme>
   </a:themeElements>
 </a:theme>
-</file>
-
-<file path=ppt/theme/theme2.xml><?xml version="1.0" encoding="utf-8"?>
-<a:theme xmlns:a="http://schemas.openxmlformats.org/drawingml/2006/main" xmlns:r="http://schemas.openxmlformats.org/officeDocument/2006/relationships" name="geometric">
-  <a:themeElements>
-    <a:clrScheme name="Geometric">
-      <a:dk1>
-        <a:srgbClr val="2A3990"/>
-      </a:dk1>
-      <a:lt1>
-        <a:srgbClr val="FFFFFF"/>
-      </a:lt1>
-      <a:dk2>
-        <a:srgbClr val="434343"/>
-      </a:dk2>
-      <a:lt2>
-        <a:srgbClr val="999999"/>
-      </a:lt2>
-      <a:accent1>
-        <a:srgbClr val="212D74"/>
-      </a:accent1>
-      <a:accent2>
-        <a:srgbClr val="3949AB"/>
-      </a:accent2>
-      <a:accent3>
-        <a:srgbClr val="9C254D"/>
-      </a:accent3>
-      <a:accent4>
-        <a:srgbClr val="D23369"/>
-      </a:accent4>
-      <a:accent5>
-        <a:srgbClr val="F06292"/>
-      </a:accent5>
-      <a:accent6>
-        <a:srgbClr val="7890CD"/>
-      </a:accent6>
-      <a:hlink>
-        <a:srgbClr val="F06292"/>
-      </a:hlink>
-      <a:folHlink>
-        <a:srgbClr val="F06292"/>
-      </a:folHlink>
-    </a:clrScheme>
-    <a:fontScheme name="Office">
-      <a:majorFont>
-        <a:latin typeface="Arial"/>
-        <a:ea typeface=""/>
-        <a:cs typeface=""/>
-        <a:font script="Jpan" typeface="ＭＳ Ｐゴシック"/>
-        <a:font script="Hang" typeface="맑은 고딕"/>
-        <a:font script="Hans" typeface="宋体"/>
-        <a:font script="Hant" typeface="新細明體"/>
-        <a:font script="Arab" typeface="Times New Roman"/>
-        <a:font script="Hebr" typeface="Times New Roman"/>
-        <a:font script="Thai" typeface="Angsana New"/>
-        <a:font script="Ethi" typeface="Nyala"/>
-        <a:font script="Beng" typeface="Vrinda"/>
-        <a:font script="Gujr" typeface="Shruti"/>
-        <a:font script="Khmr" typeface="MoolBoran"/>
-        <a:font script="Knda" typeface="Tunga"/>
-        <a:font script="Guru" typeface="Raavi"/>
-        <a:font script="Cans" typeface="Euphemia"/>
-        <a:font script="Cher" typeface="Plantagenet Cherokee"/>
-        <a:font script="Yiii" typeface="Microsoft Yi Baiti"/>
-        <a:font script="Tibt" typeface="Microsoft Himalaya"/>
-        <a:font script="Thaa" typeface="MV Boli"/>
-        <a:font script="Deva" typeface="Mangal"/>
-        <a:font script="Telu" typeface="Gautami"/>
-        <a:font script="Taml" typeface="Latha"/>
-        <a:font script="Syrc" typeface="Estrangelo Edessa"/>
-        <a:font script="Orya" typeface="Kalinga"/>
-        <a:font script="Mlym" typeface="Kartika"/>
-        <a:font script="Laoo" typeface="DokChampa"/>
-        <a:font script="Sinh" typeface="Iskoola Pota"/>
-        <a:font script="Mong" typeface="Mongolian Baiti"/>
-        <a:font script="Viet" typeface="Times New Roman"/>
-        <a:font script="Uigh" typeface="Microsoft Uighur"/>
-        <a:font script="Geor" typeface="Sylfaen"/>
-      </a:majorFont>
-      <a:minorFont>
-        <a:latin typeface="Arial"/>
-        <a:ea typeface=""/>
-        <a:cs typeface=""/>
-        <a:font script="Jpan" typeface="ＭＳ Ｐゴシック"/>
-        <a:font script="Hang" typeface="맑은 고딕"/>
-        <a:font script="Hans" typeface="宋体"/>
-        <a:font script="Hant" typeface="新細明體"/>
-        <a:font script="Arab" typeface="Arial"/>
-        <a:font script="Hebr" typeface="Arial"/>
-        <a:font script="Thai" typeface="Cordia New"/>
-        <a:font script="Ethi" typeface="Nyala"/>
-        <a:font script="Beng" typeface="Vrinda"/>
-        <a:font script="Gujr" typeface="Shruti"/>
-        <a:font script="Khmr" typeface="DaunPenh"/>
-        <a:font script="Knda" typeface="Tunga"/>
-        <a:font script="Guru" typeface="Raavi"/>
-        <a:font script="Cans" typeface="Euphemia"/>
-        <a:font script="Cher" typeface="Plantagenet Cherokee"/>
-        <a:font script="Yiii" typeface="Microsoft Yi Baiti"/>
-        <a:font script="Tibt" typeface="Microsoft Himalaya"/>
-        <a:font script="Thaa" typeface="MV Boli"/>
-        <a:font script="Deva" typeface="Mangal"/>
-        <a:font script="Telu" typeface="Gautami"/>
-        <a:font script="Taml" typeface="Latha"/>
-        <a:font script="Syrc" typeface="Estrangelo Edessa"/>
-        <a:font script="Orya" typeface="Kalinga"/>
-        <a:font script="Mlym" typeface="Kartika"/>
-        <a:font script="Laoo" typeface="DokChampa"/>
-        <a:font script="Sinh" typeface="Iskoola Pota"/>
-        <a:font script="Mong" typeface="Mongolian Baiti"/>
-        <a:font script="Viet" typeface="Arial"/>
-        <a:font script="Uigh" typeface="Microsoft Uighur"/>
-        <a:font script="Geor" typeface="Sylfaen"/>
-      </a:minorFont>
-    </a:fontScheme>
-    <a:fmtScheme name="Office">
-      <a:fillStyleLst>
-        <a:solidFill>
-          <a:schemeClr val="phClr"/>
-        </a:solidFill>
-        <a:gradFill rotWithShape="1">
-          <a:gsLst>
-            <a:gs pos="0">
-              <a:schemeClr val="phClr">
-                <a:tint val="50000"/>
-                <a:satMod val="300000"/>
-              </a:schemeClr>
-            </a:gs>
-            <a:gs pos="35000">
-              <a:schemeClr val="phClr">
-                <a:tint val="37000"/>
-                <a:satMod val="300000"/>
-              </a:schemeClr>
-            </a:gs>
-            <a:gs pos="100000">
-              <a:schemeClr val="phClr">
-                <a:tint val="15000"/>
-                <a:satMod val="350000"/>
-              </a:schemeClr>
-            </a:gs>
-          </a:gsLst>
-          <a:lin ang="16200000" scaled="1"/>
-        </a:gradFill>
-        <a:gradFill rotWithShape="1">
-          <a:gsLst>
-            <a:gs pos="0">
-              <a:schemeClr val="phClr">
-                <a:tint val="100000"/>
-                <a:shade val="100000"/>
-                <a:satMod val="130000"/>
-              </a:schemeClr>
-            </a:gs>
-            <a:gs pos="100000">
-              <a:schemeClr val="phClr">
-                <a:tint val="50000"/>
-                <a:shade val="100000"/>
-                <a:satMod val="350000"/>
-              </a:schemeClr>
-            </a:gs>
-          </a:gsLst>
-          <a:lin ang="16200000" scaled="0"/>
-        </a:gradFill>
-      </a:fillStyleLst>
-      <a:lnStyleLst>
-        <a:ln w="9525" cap="flat" cmpd="sng" algn="ctr">
-          <a:solidFill>
-            <a:schemeClr val="phClr">
-              <a:shade val="95000"/>
-              <a:satMod val="105000"/>
-            </a:schemeClr>
-          </a:solidFill>
-          <a:prstDash val="solid"/>
-        </a:ln>
-        <a:ln w="25400" cap="flat" cmpd="sng" algn="ctr">
-          <a:solidFill>
-            <a:schemeClr val="phClr"/>
-          </a:solidFill>
-          <a:prstDash val="solid"/>
-        </a:ln>
-        <a:ln w="38100" cap="flat" cmpd="sng" algn="ctr">
-          <a:solidFill>
-            <a:schemeClr val="phClr"/>
-          </a:solidFill>
-          <a:prstDash val="solid"/>
-        </a:ln>
-      </a:lnStyleLst>
-      <a:effectStyleLst>
-        <a:effectStyle>
-          <a:effectLst>
-            <a:outerShdw blurRad="40000" dist="20000" dir="5400000" rotWithShape="0">
-              <a:srgbClr val="000000">
-                <a:alpha val="38000"/>
-              </a:srgbClr>
-            </a:outerShdw>
-          </a:effectLst>
-        </a:effectStyle>
-        <a:effectStyle>
-          <a:effectLst>
-            <a:outerShdw blurRad="40000" dist="23000" dir="5400000" rotWithShape="0">
-              <a:srgbClr val="000000">
-                <a:alpha val="35000"/>
-              </a:srgbClr>
-            </a:outerShdw>
-          </a:effectLst>
-        </a:effectStyle>
-        <a:effectStyle>
-          <a:effectLst>
-            <a:outerShdw blurRad="40000" dist="23000" dir="5400000" rotWithShape="0">
-              <a:srgbClr val="000000">
-                <a:alpha val="35000"/>
-              </a:srgbClr>
-            </a:outerShdw>
-          </a:effectLst>
-          <a:scene3d>
-            <a:camera prst="orthographicFront">
-              <a:rot lat="0" lon="0" rev="0"/>
-            </a:camera>
-            <a:lightRig rig="threePt" dir="t">
-              <a:rot lat="0" lon="0" rev="1200000"/>
-            </a:lightRig>
-          </a:scene3d>
-          <a:sp3d>
-            <a:bevelT w="63500" h="25400"/>
-          </a:sp3d>
-        </a:effectStyle>
-      </a:effectStyleLst>
-      <a:bgFillStyleLst>
-        <a:solidFill>
-          <a:schemeClr val="phClr"/>
-        </a:solidFill>
-        <a:gradFill rotWithShape="1">
-          <a:gsLst>
-            <a:gs pos="0">
-              <a:schemeClr val="phClr">
-                <a:tint val="40000"/>
-                <a:satMod val="350000"/>
-              </a:schemeClr>
-            </a:gs>
-            <a:gs pos="40000">
-              <a:schemeClr val="phClr">
-                <a:tint val="45000"/>
-                <a:shade val="99000"/>
-                <a:satMod val="350000"/>
-              </a:schemeClr>
-            </a:gs>
-            <a:gs pos="100000">
-              <a:schemeClr val="phClr">
-                <a:shade val="20000"/>
-                <a:satMod val="255000"/>
-              </a:schemeClr>
-            </a:gs>
-          </a:gsLst>
-          <a:path path="circle">
-            <a:fillToRect l="50000" t="-80000" r="50000" b="180000"/>
-          </a:path>
-        </a:gradFill>
-        <a:gradFill rotWithShape="1">
-          <a:gsLst>
-            <a:gs pos="0">
-              <a:schemeClr val="phClr">
-                <a:tint val="80000"/>
-                <a:satMod val="300000"/>
-              </a:schemeClr>
-            </a:gs>
-            <a:gs pos="100000">
-              <a:schemeClr val="phClr">
-                <a:shade val="30000"/>
-                <a:satMod val="200000"/>
-              </a:schemeClr>
-            </a:gs>
-          </a:gsLst>
-          <a:path path="circle">
-            <a:fillToRect l="50000" t="50000" r="50000" b="50000"/>
-          </a:path>
-        </a:gradFill>
-      </a:bgFillStyleLst>
-    </a:fmtScheme>
-  </a:themeElements>
-</a:theme>
 </file>
--- a/Presentation/final_presentation.pptx
+++ b/Presentation/final_presentation.pptx
@@ -503,7 +503,7 @@
   <p:cSld>
     <p:spTree>
       <p:nvGrpSpPr>
-        <p:cNvPr id="135" name="Shape 135"/>
+        <p:cNvPr id="171" name="Shape 171"/>
         <p:cNvGrpSpPr/>
         <p:nvPr/>
       </p:nvGrpSpPr>
@@ -517,7 +517,7 @@
       </p:grpSpPr>
       <p:sp>
         <p:nvSpPr>
-          <p:cNvPr id="136" name="Shape 136"/>
+          <p:cNvPr id="172" name="Shape 172"/>
           <p:cNvSpPr/>
           <p:nvPr>
             <p:ph idx="2" type="sldImg"/>
@@ -551,7 +551,7 @@
       </p:sp>
       <p:sp>
         <p:nvSpPr>
-          <p:cNvPr id="137" name="Shape 137"/>
+          <p:cNvPr id="173" name="Shape 173"/>
           <p:cNvSpPr txBox="1"/>
           <p:nvPr>
             <p:ph idx="1" type="body"/>
@@ -598,7 +598,7 @@
   <p:cSld>
     <p:spTree>
       <p:nvGrpSpPr>
-        <p:cNvPr id="141" name="Shape 141"/>
+        <p:cNvPr id="178" name="Shape 178"/>
         <p:cNvGrpSpPr/>
         <p:nvPr/>
       </p:nvGrpSpPr>
@@ -612,7 +612,7 @@
       </p:grpSpPr>
       <p:sp>
         <p:nvSpPr>
-          <p:cNvPr id="142" name="Shape 142"/>
+          <p:cNvPr id="179" name="Shape 179"/>
           <p:cNvSpPr/>
           <p:nvPr>
             <p:ph idx="2" type="sldImg"/>
@@ -646,7 +646,7 @@
       </p:sp>
       <p:sp>
         <p:nvSpPr>
-          <p:cNvPr id="143" name="Shape 143"/>
+          <p:cNvPr id="180" name="Shape 180"/>
           <p:cNvSpPr txBox="1"/>
           <p:nvPr>
             <p:ph idx="1" type="body"/>
@@ -693,7 +693,7 @@
   <p:cSld>
     <p:spTree>
       <p:nvGrpSpPr>
-        <p:cNvPr id="148" name="Shape 148"/>
+        <p:cNvPr id="186" name="Shape 186"/>
         <p:cNvGrpSpPr/>
         <p:nvPr/>
       </p:nvGrpSpPr>
@@ -707,7 +707,7 @@
       </p:grpSpPr>
       <p:sp>
         <p:nvSpPr>
-          <p:cNvPr id="149" name="Shape 149"/>
+          <p:cNvPr id="187" name="Shape 187"/>
           <p:cNvSpPr/>
           <p:nvPr>
             <p:ph idx="2" type="sldImg"/>
@@ -741,7 +741,7 @@
       </p:sp>
       <p:sp>
         <p:nvSpPr>
-          <p:cNvPr id="150" name="Shape 150"/>
+          <p:cNvPr id="188" name="Shape 188"/>
           <p:cNvSpPr txBox="1"/>
           <p:nvPr>
             <p:ph idx="1" type="body"/>
@@ -800,7 +800,7 @@
   <p:cSld>
     <p:spTree>
       <p:nvGrpSpPr>
-        <p:cNvPr id="154" name="Shape 154"/>
+        <p:cNvPr id="193" name="Shape 193"/>
         <p:cNvGrpSpPr/>
         <p:nvPr/>
       </p:nvGrpSpPr>
@@ -814,7 +814,7 @@
       </p:grpSpPr>
       <p:sp>
         <p:nvSpPr>
-          <p:cNvPr id="155" name="Shape 155"/>
+          <p:cNvPr id="194" name="Shape 194"/>
           <p:cNvSpPr/>
           <p:nvPr>
             <p:ph idx="2" type="sldImg"/>
@@ -848,7 +848,7 @@
       </p:sp>
       <p:sp>
         <p:nvSpPr>
-          <p:cNvPr id="156" name="Shape 156"/>
+          <p:cNvPr id="195" name="Shape 195"/>
           <p:cNvSpPr txBox="1"/>
           <p:nvPr>
             <p:ph idx="1" type="body"/>
@@ -895,7 +895,7 @@
   <p:cSld>
     <p:spTree>
       <p:nvGrpSpPr>
-        <p:cNvPr id="161" name="Shape 161"/>
+        <p:cNvPr id="201" name="Shape 201"/>
         <p:cNvGrpSpPr/>
         <p:nvPr/>
       </p:nvGrpSpPr>
@@ -909,7 +909,7 @@
       </p:grpSpPr>
       <p:sp>
         <p:nvSpPr>
-          <p:cNvPr id="162" name="Shape 162"/>
+          <p:cNvPr id="202" name="Shape 202"/>
           <p:cNvSpPr/>
           <p:nvPr>
             <p:ph idx="2" type="sldImg"/>
@@ -943,7 +943,7 @@
       </p:sp>
       <p:sp>
         <p:nvSpPr>
-          <p:cNvPr id="163" name="Shape 163"/>
+          <p:cNvPr id="203" name="Shape 203"/>
           <p:cNvSpPr txBox="1"/>
           <p:nvPr>
             <p:ph idx="1" type="body"/>
@@ -990,7 +990,7 @@
   <p:cSld>
     <p:spTree>
       <p:nvGrpSpPr>
-        <p:cNvPr id="168" name="Shape 168"/>
+        <p:cNvPr id="209" name="Shape 209"/>
         <p:cNvGrpSpPr/>
         <p:nvPr/>
       </p:nvGrpSpPr>
@@ -1004,7 +1004,7 @@
       </p:grpSpPr>
       <p:sp>
         <p:nvSpPr>
-          <p:cNvPr id="169" name="Shape 169"/>
+          <p:cNvPr id="210" name="Shape 210"/>
           <p:cNvSpPr/>
           <p:nvPr>
             <p:ph idx="2" type="sldImg"/>
@@ -1038,7 +1038,7 @@
       </p:sp>
       <p:sp>
         <p:nvSpPr>
-          <p:cNvPr id="170" name="Shape 170"/>
+          <p:cNvPr id="211" name="Shape 211"/>
           <p:cNvSpPr txBox="1"/>
           <p:nvPr>
             <p:ph idx="1" type="body"/>
@@ -1085,7 +1085,7 @@
   <p:cSld>
     <p:spTree>
       <p:nvGrpSpPr>
-        <p:cNvPr id="175" name="Shape 175"/>
+        <p:cNvPr id="217" name="Shape 217"/>
         <p:cNvGrpSpPr/>
         <p:nvPr/>
       </p:nvGrpSpPr>
@@ -1099,7 +1099,7 @@
       </p:grpSpPr>
       <p:sp>
         <p:nvSpPr>
-          <p:cNvPr id="176" name="Shape 176"/>
+          <p:cNvPr id="218" name="Shape 218"/>
           <p:cNvSpPr/>
           <p:nvPr>
             <p:ph idx="2" type="sldImg"/>
@@ -1133,7 +1133,7 @@
       </p:sp>
       <p:sp>
         <p:nvSpPr>
-          <p:cNvPr id="177" name="Shape 177"/>
+          <p:cNvPr id="219" name="Shape 219"/>
           <p:cNvSpPr txBox="1"/>
           <p:nvPr>
             <p:ph idx="1" type="body"/>
@@ -1180,7 +1180,7 @@
   <p:cSld>
     <p:spTree>
       <p:nvGrpSpPr>
-        <p:cNvPr id="181" name="Shape 181"/>
+        <p:cNvPr id="224" name="Shape 224"/>
         <p:cNvGrpSpPr/>
         <p:nvPr/>
       </p:nvGrpSpPr>
@@ -1194,7 +1194,7 @@
       </p:grpSpPr>
       <p:sp>
         <p:nvSpPr>
-          <p:cNvPr id="182" name="Shape 182"/>
+          <p:cNvPr id="225" name="Shape 225"/>
           <p:cNvSpPr/>
           <p:nvPr>
             <p:ph idx="2" type="sldImg"/>
@@ -1228,7 +1228,7 @@
       </p:sp>
       <p:sp>
         <p:nvSpPr>
-          <p:cNvPr id="183" name="Shape 183"/>
+          <p:cNvPr id="226" name="Shape 226"/>
           <p:cNvSpPr txBox="1"/>
           <p:nvPr>
             <p:ph idx="1" type="body"/>
@@ -1275,7 +1275,7 @@
   <p:cSld>
     <p:spTree>
       <p:nvGrpSpPr>
-        <p:cNvPr id="187" name="Shape 187"/>
+        <p:cNvPr id="231" name="Shape 231"/>
         <p:cNvGrpSpPr/>
         <p:nvPr/>
       </p:nvGrpSpPr>
@@ -1289,7 +1289,7 @@
       </p:grpSpPr>
       <p:sp>
         <p:nvSpPr>
-          <p:cNvPr id="188" name="Shape 188"/>
+          <p:cNvPr id="232" name="Shape 232"/>
           <p:cNvSpPr/>
           <p:nvPr>
             <p:ph idx="2" type="sldImg"/>
@@ -1323,7 +1323,7 @@
       </p:sp>
       <p:sp>
         <p:nvSpPr>
-          <p:cNvPr id="189" name="Shape 189"/>
+          <p:cNvPr id="233" name="Shape 233"/>
           <p:cNvSpPr txBox="1"/>
           <p:nvPr>
             <p:ph idx="1" type="body"/>
@@ -1370,7 +1370,7 @@
   <p:cSld>
     <p:spTree>
       <p:nvGrpSpPr>
-        <p:cNvPr id="193" name="Shape 193"/>
+        <p:cNvPr id="238" name="Shape 238"/>
         <p:cNvGrpSpPr/>
         <p:nvPr/>
       </p:nvGrpSpPr>
@@ -1384,7 +1384,7 @@
       </p:grpSpPr>
       <p:sp>
         <p:nvSpPr>
-          <p:cNvPr id="194" name="Shape 194"/>
+          <p:cNvPr id="239" name="Shape 239"/>
           <p:cNvSpPr/>
           <p:nvPr>
             <p:ph idx="2" type="sldImg"/>
@@ -1418,7 +1418,7 @@
       </p:sp>
       <p:sp>
         <p:nvSpPr>
-          <p:cNvPr id="195" name="Shape 195"/>
+          <p:cNvPr id="240" name="Shape 240"/>
           <p:cNvSpPr txBox="1"/>
           <p:nvPr>
             <p:ph idx="1" type="body"/>
@@ -1465,7 +1465,7 @@
   <p:cSld>
     <p:spTree>
       <p:nvGrpSpPr>
-        <p:cNvPr id="87" name="Shape 87"/>
+        <p:cNvPr id="88" name="Shape 88"/>
         <p:cNvGrpSpPr/>
         <p:nvPr/>
       </p:nvGrpSpPr>
@@ -1479,7 +1479,7 @@
       </p:grpSpPr>
       <p:sp>
         <p:nvSpPr>
-          <p:cNvPr id="88" name="Shape 88"/>
+          <p:cNvPr id="89" name="Shape 89"/>
           <p:cNvSpPr/>
           <p:nvPr>
             <p:ph idx="2" type="sldImg"/>
@@ -1513,7 +1513,7 @@
       </p:sp>
       <p:sp>
         <p:nvSpPr>
-          <p:cNvPr id="89" name="Shape 89"/>
+          <p:cNvPr id="90" name="Shape 90"/>
           <p:cNvSpPr txBox="1"/>
           <p:nvPr>
             <p:ph idx="1" type="body"/>
@@ -1560,7 +1560,7 @@
   <p:cSld>
     <p:spTree>
       <p:nvGrpSpPr>
-        <p:cNvPr id="199" name="Shape 199"/>
+        <p:cNvPr id="245" name="Shape 245"/>
         <p:cNvGrpSpPr/>
         <p:nvPr/>
       </p:nvGrpSpPr>
@@ -1574,7 +1574,7 @@
       </p:grpSpPr>
       <p:sp>
         <p:nvSpPr>
-          <p:cNvPr id="200" name="Shape 200"/>
+          <p:cNvPr id="246" name="Shape 246"/>
           <p:cNvSpPr/>
           <p:nvPr>
             <p:ph idx="2" type="sldImg"/>
@@ -1608,7 +1608,7 @@
       </p:sp>
       <p:sp>
         <p:nvSpPr>
-          <p:cNvPr id="201" name="Shape 201"/>
+          <p:cNvPr id="247" name="Shape 247"/>
           <p:cNvSpPr txBox="1"/>
           <p:nvPr>
             <p:ph idx="1" type="body"/>
@@ -1655,7 +1655,7 @@
   <p:cSld>
     <p:spTree>
       <p:nvGrpSpPr>
-        <p:cNvPr id="205" name="Shape 205"/>
+        <p:cNvPr id="252" name="Shape 252"/>
         <p:cNvGrpSpPr/>
         <p:nvPr/>
       </p:nvGrpSpPr>
@@ -1669,7 +1669,7 @@
       </p:grpSpPr>
       <p:sp>
         <p:nvSpPr>
-          <p:cNvPr id="206" name="Shape 206"/>
+          <p:cNvPr id="253" name="Shape 253"/>
           <p:cNvSpPr/>
           <p:nvPr>
             <p:ph idx="2" type="sldImg"/>
@@ -1703,7 +1703,7 @@
       </p:sp>
       <p:sp>
         <p:nvSpPr>
-          <p:cNvPr id="207" name="Shape 207"/>
+          <p:cNvPr id="254" name="Shape 254"/>
           <p:cNvSpPr txBox="1"/>
           <p:nvPr>
             <p:ph idx="1" type="body"/>
@@ -1750,7 +1750,7 @@
   <p:cSld>
     <p:spTree>
       <p:nvGrpSpPr>
-        <p:cNvPr id="211" name="Shape 211"/>
+        <p:cNvPr id="259" name="Shape 259"/>
         <p:cNvGrpSpPr/>
         <p:nvPr/>
       </p:nvGrpSpPr>
@@ -1764,7 +1764,7 @@
       </p:grpSpPr>
       <p:sp>
         <p:nvSpPr>
-          <p:cNvPr id="212" name="Shape 212"/>
+          <p:cNvPr id="260" name="Shape 260"/>
           <p:cNvSpPr/>
           <p:nvPr>
             <p:ph idx="2" type="sldImg"/>
@@ -1798,7 +1798,7 @@
       </p:sp>
       <p:sp>
         <p:nvSpPr>
-          <p:cNvPr id="213" name="Shape 213"/>
+          <p:cNvPr id="261" name="Shape 261"/>
           <p:cNvSpPr txBox="1"/>
           <p:nvPr>
             <p:ph idx="1" type="body"/>
@@ -1845,7 +1845,7 @@
   <p:cSld>
     <p:spTree>
       <p:nvGrpSpPr>
-        <p:cNvPr id="221" name="Shape 221"/>
+        <p:cNvPr id="270" name="Shape 270"/>
         <p:cNvGrpSpPr/>
         <p:nvPr/>
       </p:nvGrpSpPr>
@@ -1859,7 +1859,7 @@
       </p:grpSpPr>
       <p:sp>
         <p:nvSpPr>
-          <p:cNvPr id="222" name="Shape 222"/>
+          <p:cNvPr id="271" name="Shape 271"/>
           <p:cNvSpPr/>
           <p:nvPr>
             <p:ph idx="2" type="sldImg"/>
@@ -1893,7 +1893,7 @@
       </p:sp>
       <p:sp>
         <p:nvSpPr>
-          <p:cNvPr id="223" name="Shape 223"/>
+          <p:cNvPr id="272" name="Shape 272"/>
           <p:cNvSpPr txBox="1"/>
           <p:nvPr>
             <p:ph idx="1" type="body"/>
@@ -1940,7 +1940,7 @@
   <p:cSld>
     <p:spTree>
       <p:nvGrpSpPr>
-        <p:cNvPr id="231" name="Shape 231"/>
+        <p:cNvPr id="281" name="Shape 281"/>
         <p:cNvGrpSpPr/>
         <p:nvPr/>
       </p:nvGrpSpPr>
@@ -1954,7 +1954,7 @@
       </p:grpSpPr>
       <p:sp>
         <p:nvSpPr>
-          <p:cNvPr id="232" name="Shape 232"/>
+          <p:cNvPr id="282" name="Shape 282"/>
           <p:cNvSpPr/>
           <p:nvPr>
             <p:ph idx="2" type="sldImg"/>
@@ -1988,7 +1988,7 @@
       </p:sp>
       <p:sp>
         <p:nvSpPr>
-          <p:cNvPr id="233" name="Shape 233"/>
+          <p:cNvPr id="283" name="Shape 283"/>
           <p:cNvSpPr txBox="1"/>
           <p:nvPr>
             <p:ph idx="1" type="body"/>
@@ -2035,7 +2035,7 @@
   <p:cSld>
     <p:spTree>
       <p:nvGrpSpPr>
-        <p:cNvPr id="241" name="Shape 241"/>
+        <p:cNvPr id="292" name="Shape 292"/>
         <p:cNvGrpSpPr/>
         <p:nvPr/>
       </p:nvGrpSpPr>
@@ -2049,7 +2049,7 @@
       </p:grpSpPr>
       <p:sp>
         <p:nvSpPr>
-          <p:cNvPr id="242" name="Shape 242"/>
+          <p:cNvPr id="293" name="Shape 293"/>
           <p:cNvSpPr/>
           <p:nvPr>
             <p:ph idx="2" type="sldImg"/>
@@ -2083,7 +2083,7 @@
       </p:sp>
       <p:sp>
         <p:nvSpPr>
-          <p:cNvPr id="243" name="Shape 243"/>
+          <p:cNvPr id="294" name="Shape 294"/>
           <p:cNvSpPr txBox="1"/>
           <p:nvPr>
             <p:ph idx="1" type="body"/>
@@ -2130,7 +2130,7 @@
   <p:cSld>
     <p:spTree>
       <p:nvGrpSpPr>
-        <p:cNvPr id="251" name="Shape 251"/>
+        <p:cNvPr id="303" name="Shape 303"/>
         <p:cNvGrpSpPr/>
         <p:nvPr/>
       </p:nvGrpSpPr>
@@ -2144,7 +2144,7 @@
       </p:grpSpPr>
       <p:sp>
         <p:nvSpPr>
-          <p:cNvPr id="252" name="Shape 252"/>
+          <p:cNvPr id="304" name="Shape 304"/>
           <p:cNvSpPr/>
           <p:nvPr>
             <p:ph idx="2" type="sldImg"/>
@@ -2178,7 +2178,7 @@
       </p:sp>
       <p:sp>
         <p:nvSpPr>
-          <p:cNvPr id="253" name="Shape 253"/>
+          <p:cNvPr id="305" name="Shape 305"/>
           <p:cNvSpPr txBox="1"/>
           <p:nvPr>
             <p:ph idx="1" type="body"/>
@@ -2225,7 +2225,7 @@
   <p:cSld>
     <p:spTree>
       <p:nvGrpSpPr>
-        <p:cNvPr id="257" name="Shape 257"/>
+        <p:cNvPr id="310" name="Shape 310"/>
         <p:cNvGrpSpPr/>
         <p:nvPr/>
       </p:nvGrpSpPr>
@@ -2239,7 +2239,7 @@
       </p:grpSpPr>
       <p:sp>
         <p:nvSpPr>
-          <p:cNvPr id="258" name="Shape 258"/>
+          <p:cNvPr id="311" name="Shape 311"/>
           <p:cNvSpPr/>
           <p:nvPr>
             <p:ph idx="2" type="sldImg"/>
@@ -2273,7 +2273,7 @@
       </p:sp>
       <p:sp>
         <p:nvSpPr>
-          <p:cNvPr id="259" name="Shape 259"/>
+          <p:cNvPr id="312" name="Shape 312"/>
           <p:cNvSpPr txBox="1"/>
           <p:nvPr>
             <p:ph idx="1" type="body"/>
@@ -2320,7 +2320,7 @@
   <p:cSld>
     <p:spTree>
       <p:nvGrpSpPr>
-        <p:cNvPr id="263" name="Shape 263"/>
+        <p:cNvPr id="317" name="Shape 317"/>
         <p:cNvGrpSpPr/>
         <p:nvPr/>
       </p:nvGrpSpPr>
@@ -2334,7 +2334,7 @@
       </p:grpSpPr>
       <p:sp>
         <p:nvSpPr>
-          <p:cNvPr id="264" name="Shape 264"/>
+          <p:cNvPr id="318" name="Shape 318"/>
           <p:cNvSpPr/>
           <p:nvPr>
             <p:ph idx="2" type="sldImg"/>
@@ -2368,7 +2368,7 @@
       </p:sp>
       <p:sp>
         <p:nvSpPr>
-          <p:cNvPr id="265" name="Shape 265"/>
+          <p:cNvPr id="319" name="Shape 319"/>
           <p:cNvSpPr txBox="1"/>
           <p:nvPr>
             <p:ph idx="1" type="body"/>
@@ -2415,7 +2415,7 @@
   <p:cSld>
     <p:spTree>
       <p:nvGrpSpPr>
-        <p:cNvPr id="269" name="Shape 269"/>
+        <p:cNvPr id="324" name="Shape 324"/>
         <p:cNvGrpSpPr/>
         <p:nvPr/>
       </p:nvGrpSpPr>
@@ -2429,7 +2429,7 @@
       </p:grpSpPr>
       <p:sp>
         <p:nvSpPr>
-          <p:cNvPr id="270" name="Shape 270"/>
+          <p:cNvPr id="325" name="Shape 325"/>
           <p:cNvSpPr/>
           <p:nvPr>
             <p:ph idx="2" type="sldImg"/>
@@ -2463,7 +2463,7 @@
       </p:sp>
       <p:sp>
         <p:nvSpPr>
-          <p:cNvPr id="271" name="Shape 271"/>
+          <p:cNvPr id="326" name="Shape 326"/>
           <p:cNvSpPr txBox="1"/>
           <p:nvPr>
             <p:ph idx="1" type="body"/>
@@ -2510,7 +2510,7 @@
   <p:cSld>
     <p:spTree>
       <p:nvGrpSpPr>
-        <p:cNvPr id="93" name="Shape 93"/>
+        <p:cNvPr id="95" name="Shape 95"/>
         <p:cNvGrpSpPr/>
         <p:nvPr/>
       </p:nvGrpSpPr>
@@ -2524,7 +2524,7 @@
       </p:grpSpPr>
       <p:sp>
         <p:nvSpPr>
-          <p:cNvPr id="94" name="Shape 94"/>
+          <p:cNvPr id="96" name="Shape 96"/>
           <p:cNvSpPr/>
           <p:nvPr>
             <p:ph idx="2" type="sldImg"/>
@@ -2558,7 +2558,7 @@
       </p:sp>
       <p:sp>
         <p:nvSpPr>
-          <p:cNvPr id="95" name="Shape 95"/>
+          <p:cNvPr id="97" name="Shape 97"/>
           <p:cNvSpPr txBox="1"/>
           <p:nvPr>
             <p:ph idx="1" type="body"/>
@@ -2605,7 +2605,7 @@
   <p:cSld>
     <p:spTree>
       <p:nvGrpSpPr>
-        <p:cNvPr id="99" name="Shape 99"/>
+        <p:cNvPr id="102" name="Shape 102"/>
         <p:cNvGrpSpPr/>
         <p:nvPr/>
       </p:nvGrpSpPr>
@@ -2619,7 +2619,7 @@
       </p:grpSpPr>
       <p:sp>
         <p:nvSpPr>
-          <p:cNvPr id="100" name="Shape 100"/>
+          <p:cNvPr id="103" name="Shape 103"/>
           <p:cNvSpPr/>
           <p:nvPr>
             <p:ph idx="2" type="sldImg"/>
@@ -2653,7 +2653,7 @@
       </p:sp>
       <p:sp>
         <p:nvSpPr>
-          <p:cNvPr id="101" name="Shape 101"/>
+          <p:cNvPr id="104" name="Shape 104"/>
           <p:cNvSpPr txBox="1"/>
           <p:nvPr>
             <p:ph idx="1" type="body"/>
@@ -2700,7 +2700,7 @@
   <p:cSld>
     <p:spTree>
       <p:nvGrpSpPr>
-        <p:cNvPr id="105" name="Shape 105"/>
+        <p:cNvPr id="109" name="Shape 109"/>
         <p:cNvGrpSpPr/>
         <p:nvPr/>
       </p:nvGrpSpPr>
@@ -2714,7 +2714,7 @@
       </p:grpSpPr>
       <p:sp>
         <p:nvSpPr>
-          <p:cNvPr id="106" name="Shape 106"/>
+          <p:cNvPr id="110" name="Shape 110"/>
           <p:cNvSpPr/>
           <p:nvPr>
             <p:ph idx="2" type="sldImg"/>
@@ -2748,7 +2748,7 @@
       </p:sp>
       <p:sp>
         <p:nvSpPr>
-          <p:cNvPr id="107" name="Shape 107"/>
+          <p:cNvPr id="111" name="Shape 111"/>
           <p:cNvSpPr txBox="1"/>
           <p:nvPr>
             <p:ph idx="1" type="body"/>
@@ -2795,7 +2795,7 @@
   <p:cSld>
     <p:spTree>
       <p:nvGrpSpPr>
-        <p:cNvPr id="111" name="Shape 111"/>
+        <p:cNvPr id="116" name="Shape 116"/>
         <p:cNvGrpSpPr/>
         <p:nvPr/>
       </p:nvGrpSpPr>
@@ -2809,7 +2809,7 @@
       </p:grpSpPr>
       <p:sp>
         <p:nvSpPr>
-          <p:cNvPr id="112" name="Shape 112"/>
+          <p:cNvPr id="117" name="Shape 117"/>
           <p:cNvSpPr/>
           <p:nvPr>
             <p:ph idx="2" type="sldImg"/>
@@ -2843,7 +2843,7 @@
       </p:sp>
       <p:sp>
         <p:nvSpPr>
-          <p:cNvPr id="113" name="Shape 113"/>
+          <p:cNvPr id="118" name="Shape 118"/>
           <p:cNvSpPr txBox="1"/>
           <p:nvPr>
             <p:ph idx="1" type="body"/>
@@ -2890,7 +2890,7 @@
   <p:cSld>
     <p:spTree>
       <p:nvGrpSpPr>
-        <p:cNvPr id="117" name="Shape 117"/>
+        <p:cNvPr id="123" name="Shape 123"/>
         <p:cNvGrpSpPr/>
         <p:nvPr/>
       </p:nvGrpSpPr>
@@ -2904,7 +2904,7 @@
       </p:grpSpPr>
       <p:sp>
         <p:nvSpPr>
-          <p:cNvPr id="118" name="Shape 118"/>
+          <p:cNvPr id="124" name="Shape 124"/>
           <p:cNvSpPr/>
           <p:nvPr>
             <p:ph idx="2" type="sldImg"/>
@@ -2938,7 +2938,7 @@
       </p:sp>
       <p:sp>
         <p:nvSpPr>
-          <p:cNvPr id="119" name="Shape 119"/>
+          <p:cNvPr id="125" name="Shape 125"/>
           <p:cNvSpPr txBox="1"/>
           <p:nvPr>
             <p:ph idx="1" type="body"/>
@@ -2959,7 +2959,7 @@
           </a:bodyPr>
           <a:lstStyle/>
           <a:p>
-            <a:pPr lvl="0">
+            <a:pPr lvl="0" rtl="0">
               <a:spcBef>
                 <a:spcPts val="0"/>
               </a:spcBef>
@@ -2985,7 +2985,7 @@
   <p:cSld>
     <p:spTree>
       <p:nvGrpSpPr>
-        <p:cNvPr id="123" name="Shape 123"/>
+        <p:cNvPr id="157" name="Shape 157"/>
         <p:cNvGrpSpPr/>
         <p:nvPr/>
       </p:nvGrpSpPr>
@@ -2999,7 +2999,7 @@
       </p:grpSpPr>
       <p:sp>
         <p:nvSpPr>
-          <p:cNvPr id="124" name="Shape 124"/>
+          <p:cNvPr id="158" name="Shape 158"/>
           <p:cNvSpPr/>
           <p:nvPr>
             <p:ph idx="2" type="sldImg"/>
@@ -3033,7 +3033,7 @@
       </p:sp>
       <p:sp>
         <p:nvSpPr>
-          <p:cNvPr id="125" name="Shape 125"/>
+          <p:cNvPr id="159" name="Shape 159"/>
           <p:cNvSpPr txBox="1"/>
           <p:nvPr>
             <p:ph idx="1" type="body"/>
@@ -3092,7 +3092,7 @@
   <p:cSld>
     <p:spTree>
       <p:nvGrpSpPr>
-        <p:cNvPr id="129" name="Shape 129"/>
+        <p:cNvPr id="164" name="Shape 164"/>
         <p:cNvGrpSpPr/>
         <p:nvPr/>
       </p:nvGrpSpPr>
@@ -3106,7 +3106,7 @@
       </p:grpSpPr>
       <p:sp>
         <p:nvSpPr>
-          <p:cNvPr id="130" name="Shape 130"/>
+          <p:cNvPr id="165" name="Shape 165"/>
           <p:cNvSpPr/>
           <p:nvPr>
             <p:ph idx="2" type="sldImg"/>
@@ -3140,7 +3140,7 @@
       </p:sp>
       <p:sp>
         <p:nvSpPr>
-          <p:cNvPr id="131" name="Shape 131"/>
+          <p:cNvPr id="166" name="Shape 166"/>
           <p:cNvSpPr txBox="1"/>
           <p:nvPr>
             <p:ph idx="1" type="body"/>
@@ -7612,7 +7612,7 @@
     <p:sldLayoutId id="2147483657" r:id="rId10"/>
     <p:sldLayoutId id="2147483658" r:id="rId11"/>
   </p:sldLayoutIdLst>
-  <p:hf dt="0" ftr="0" hdr="0" sldNum="0"/>
+  <p:hf dt="0" ftr="0" hdr="0"/>
   <p:txStyles>
     <p:titleStyle>
       <a:defPPr lvl="0" marR="0" rtl="0" algn="l">
@@ -8169,6 +8169,42 @@
           </a:p>
         </p:txBody>
       </p:sp>
+      <p:sp>
+        <p:nvSpPr>
+          <p:cNvPr id="87" name="Shape 87"/>
+          <p:cNvSpPr txBox="1"/>
+          <p:nvPr>
+            <p:ph idx="12" type="sldNum"/>
+          </p:nvPr>
+        </p:nvSpPr>
+        <p:spPr>
+          <a:xfrm>
+            <a:off x="8460431" y="4651190"/>
+            <a:ext cx="548700" cy="393600"/>
+          </a:xfrm>
+          <a:prstGeom prst="rect">
+            <a:avLst/>
+          </a:prstGeom>
+        </p:spPr>
+        <p:txBody>
+          <a:bodyPr anchorCtr="0" anchor="ctr" bIns="91425" lIns="91425" rIns="91425" tIns="91425">
+            <a:noAutofit/>
+          </a:bodyPr>
+          <a:lstStyle/>
+          <a:p>
+            <a:pPr lvl="0">
+              <a:spcBef>
+                <a:spcPts val="0"/>
+              </a:spcBef>
+              <a:buNone/>
+            </a:pPr>
+            <a:fld id="{00000000-1234-1234-1234-123412341234}" type="slidenum">
+              <a:rPr lang="en"/>
+              <a:t>‹#›</a:t>
+            </a:fld>
+          </a:p>
+        </p:txBody>
+      </p:sp>
     </p:spTree>
   </p:cSld>
   <p:clrMapOvr>
@@ -8182,7 +8218,7 @@
   <p:cSld>
     <p:spTree>
       <p:nvGrpSpPr>
-        <p:cNvPr id="138" name="Shape 138"/>
+        <p:cNvPr id="174" name="Shape 174"/>
         <p:cNvGrpSpPr/>
         <p:nvPr/>
       </p:nvGrpSpPr>
@@ -8196,7 +8232,7 @@
       </p:grpSpPr>
       <p:sp>
         <p:nvSpPr>
-          <p:cNvPr id="139" name="Shape 139"/>
+          <p:cNvPr id="175" name="Shape 175"/>
           <p:cNvSpPr txBox="1"/>
           <p:nvPr>
             <p:ph type="title"/>
@@ -8232,7 +8268,7 @@
       </p:sp>
       <p:sp>
         <p:nvSpPr>
-          <p:cNvPr id="140" name="Shape 140"/>
+          <p:cNvPr id="176" name="Shape 176"/>
           <p:cNvSpPr txBox="1"/>
           <p:nvPr>
             <p:ph idx="1" type="body"/>
@@ -8321,6 +8357,42 @@
               <a:rPr lang="en"/>
               <a:t> Aspects are stored in a file with the name of aspect as that of file name</a:t>
             </a:r>
+          </a:p>
+        </p:txBody>
+      </p:sp>
+      <p:sp>
+        <p:nvSpPr>
+          <p:cNvPr id="177" name="Shape 177"/>
+          <p:cNvSpPr txBox="1"/>
+          <p:nvPr>
+            <p:ph idx="12" type="sldNum"/>
+          </p:nvPr>
+        </p:nvSpPr>
+        <p:spPr>
+          <a:xfrm>
+            <a:off x="8460431" y="4651190"/>
+            <a:ext cx="548700" cy="393600"/>
+          </a:xfrm>
+          <a:prstGeom prst="rect">
+            <a:avLst/>
+          </a:prstGeom>
+        </p:spPr>
+        <p:txBody>
+          <a:bodyPr anchorCtr="0" anchor="ctr" bIns="91425" lIns="91425" rIns="91425" tIns="91425">
+            <a:noAutofit/>
+          </a:bodyPr>
+          <a:lstStyle/>
+          <a:p>
+            <a:pPr lvl="0">
+              <a:spcBef>
+                <a:spcPts val="0"/>
+              </a:spcBef>
+              <a:buNone/>
+            </a:pPr>
+            <a:fld id="{00000000-1234-1234-1234-123412341234}" type="slidenum">
+              <a:rPr lang="en"/>
+              <a:t>‹#›</a:t>
+            </a:fld>
           </a:p>
         </p:txBody>
       </p:sp>
@@ -8337,7 +8409,7 @@
   <p:cSld>
     <p:spTree>
       <p:nvGrpSpPr>
-        <p:cNvPr id="144" name="Shape 144"/>
+        <p:cNvPr id="181" name="Shape 181"/>
         <p:cNvGrpSpPr/>
         <p:nvPr/>
       </p:nvGrpSpPr>
@@ -8351,7 +8423,7 @@
       </p:grpSpPr>
       <p:sp>
         <p:nvSpPr>
-          <p:cNvPr id="145" name="Shape 145"/>
+          <p:cNvPr id="182" name="Shape 182"/>
           <p:cNvSpPr txBox="1"/>
           <p:nvPr>
             <p:ph type="title"/>
@@ -8395,7 +8467,7 @@
       </p:sp>
       <p:sp>
         <p:nvSpPr>
-          <p:cNvPr id="146" name="Shape 146"/>
+          <p:cNvPr id="183" name="Shape 183"/>
           <p:cNvSpPr txBox="1"/>
           <p:nvPr>
             <p:ph idx="1" type="body"/>
@@ -8489,7 +8561,7 @@
       </p:sp>
       <p:sp>
         <p:nvSpPr>
-          <p:cNvPr id="147" name="Shape 147"/>
+          <p:cNvPr id="184" name="Shape 184"/>
           <p:cNvSpPr txBox="1"/>
           <p:nvPr>
             <p:ph type="title"/>
@@ -8542,6 +8614,42 @@
               <a:t/>
             </a:r>
             <a:endParaRPr sz="1400" u="sng"/>
+          </a:p>
+        </p:txBody>
+      </p:sp>
+      <p:sp>
+        <p:nvSpPr>
+          <p:cNvPr id="185" name="Shape 185"/>
+          <p:cNvSpPr txBox="1"/>
+          <p:nvPr>
+            <p:ph idx="12" type="sldNum"/>
+          </p:nvPr>
+        </p:nvSpPr>
+        <p:spPr>
+          <a:xfrm>
+            <a:off x="8460431" y="4651190"/>
+            <a:ext cx="548700" cy="393600"/>
+          </a:xfrm>
+          <a:prstGeom prst="rect">
+            <a:avLst/>
+          </a:prstGeom>
+        </p:spPr>
+        <p:txBody>
+          <a:bodyPr anchorCtr="0" anchor="ctr" bIns="91425" lIns="91425" rIns="91425" tIns="91425">
+            <a:noAutofit/>
+          </a:bodyPr>
+          <a:lstStyle/>
+          <a:p>
+            <a:pPr lvl="0">
+              <a:spcBef>
+                <a:spcPts val="0"/>
+              </a:spcBef>
+              <a:buNone/>
+            </a:pPr>
+            <a:fld id="{00000000-1234-1234-1234-123412341234}" type="slidenum">
+              <a:rPr lang="en"/>
+              <a:t>‹#›</a:t>
+            </a:fld>
           </a:p>
         </p:txBody>
       </p:sp>
@@ -8558,7 +8666,7 @@
   <p:cSld>
     <p:spTree>
       <p:nvGrpSpPr>
-        <p:cNvPr id="151" name="Shape 151"/>
+        <p:cNvPr id="189" name="Shape 189"/>
         <p:cNvGrpSpPr/>
         <p:nvPr/>
       </p:nvGrpSpPr>
@@ -8572,7 +8680,7 @@
       </p:grpSpPr>
       <p:sp>
         <p:nvSpPr>
-          <p:cNvPr id="152" name="Shape 152"/>
+          <p:cNvPr id="190" name="Shape 190"/>
           <p:cNvSpPr txBox="1"/>
           <p:nvPr>
             <p:ph type="title"/>
@@ -8608,7 +8716,7 @@
       </p:sp>
       <p:sp>
         <p:nvSpPr>
-          <p:cNvPr id="153" name="Shape 153"/>
+          <p:cNvPr id="191" name="Shape 191"/>
           <p:cNvSpPr txBox="1"/>
           <p:nvPr>
             <p:ph idx="1" type="body"/>
@@ -8727,6 +8835,42 @@
               <a:t/>
             </a:r>
             <a:endParaRPr/>
+          </a:p>
+        </p:txBody>
+      </p:sp>
+      <p:sp>
+        <p:nvSpPr>
+          <p:cNvPr id="192" name="Shape 192"/>
+          <p:cNvSpPr txBox="1"/>
+          <p:nvPr>
+            <p:ph idx="12" type="sldNum"/>
+          </p:nvPr>
+        </p:nvSpPr>
+        <p:spPr>
+          <a:xfrm>
+            <a:off x="8460431" y="4651190"/>
+            <a:ext cx="548700" cy="393600"/>
+          </a:xfrm>
+          <a:prstGeom prst="rect">
+            <a:avLst/>
+          </a:prstGeom>
+        </p:spPr>
+        <p:txBody>
+          <a:bodyPr anchorCtr="0" anchor="ctr" bIns="91425" lIns="91425" rIns="91425" tIns="91425">
+            <a:noAutofit/>
+          </a:bodyPr>
+          <a:lstStyle/>
+          <a:p>
+            <a:pPr lvl="0">
+              <a:spcBef>
+                <a:spcPts val="0"/>
+              </a:spcBef>
+              <a:buNone/>
+            </a:pPr>
+            <a:fld id="{00000000-1234-1234-1234-123412341234}" type="slidenum">
+              <a:rPr lang="en"/>
+              <a:t>‹#›</a:t>
+            </a:fld>
           </a:p>
         </p:txBody>
       </p:sp>
@@ -8739,1223 +8883,6 @@
 </file>
 
 <file path=ppt/slides/slide13.xml><?xml version="1.0" encoding="utf-8"?>
-<p:sld xmlns:a="http://schemas.openxmlformats.org/drawingml/2006/main" xmlns:r="http://schemas.openxmlformats.org/officeDocument/2006/relationships" xmlns:mc="http://schemas.openxmlformats.org/markup-compatibility/2006" xmlns:mv="urn:schemas-microsoft-com:mac:vml" xmlns:p="http://schemas.openxmlformats.org/presentationml/2006/main" xmlns:c="http://schemas.openxmlformats.org/drawingml/2006/chart" xmlns:dgm="http://schemas.openxmlformats.org/drawingml/2006/diagram" xmlns:o="urn:schemas-microsoft-com:office:office" xmlns:v="urn:schemas-microsoft-com:vml" xmlns:pvml="urn:schemas-microsoft-com:office:powerpoint" xmlns:com="http://schemas.openxmlformats.org/drawingml/2006/compatibility" xmlns:p14="http://schemas.microsoft.com/office/powerpoint/2010/main">
-  <p:cSld>
-    <p:spTree>
-      <p:nvGrpSpPr>
-        <p:cNvPr id="157" name="Shape 157"/>
-        <p:cNvGrpSpPr/>
-        <p:nvPr/>
-      </p:nvGrpSpPr>
-      <p:grpSpPr>
-        <a:xfrm>
-          <a:off x="0" y="0"/>
-          <a:ext cx="0" cy="0"/>
-          <a:chOff x="0" y="0"/>
-          <a:chExt cx="0" cy="0"/>
-        </a:xfrm>
-      </p:grpSpPr>
-      <p:sp>
-        <p:nvSpPr>
-          <p:cNvPr id="158" name="Shape 158"/>
-          <p:cNvSpPr txBox="1"/>
-          <p:nvPr>
-            <p:ph type="title"/>
-          </p:nvPr>
-        </p:nvSpPr>
-        <p:spPr>
-          <a:xfrm>
-            <a:off x="311700" y="410000"/>
-            <a:ext cx="8520600" cy="607800"/>
-          </a:xfrm>
-          <a:prstGeom prst="rect">
-            <a:avLst/>
-          </a:prstGeom>
-        </p:spPr>
-        <p:txBody>
-          <a:bodyPr anchorCtr="0" anchor="t" bIns="91425" lIns="91425" rIns="91425" tIns="91425">
-            <a:noAutofit/>
-          </a:bodyPr>
-          <a:lstStyle/>
-          <a:p>
-            <a:pPr lvl="0">
-              <a:spcBef>
-                <a:spcPts val="0"/>
-              </a:spcBef>
-              <a:buNone/>
-            </a:pPr>
-            <a:r>
-              <a:rPr lang="en"/>
-              <a:t>Dataset Preparation(3/5)</a:t>
-            </a:r>
-          </a:p>
-        </p:txBody>
-      </p:sp>
-      <p:sp>
-        <p:nvSpPr>
-          <p:cNvPr id="159" name="Shape 159"/>
-          <p:cNvSpPr txBox="1"/>
-          <p:nvPr>
-            <p:ph idx="1" type="body"/>
-          </p:nvPr>
-        </p:nvSpPr>
-        <p:spPr>
-          <a:xfrm>
-            <a:off x="311700" y="1734475"/>
-            <a:ext cx="8520600" cy="2834400"/>
-          </a:xfrm>
-          <a:prstGeom prst="rect">
-            <a:avLst/>
-          </a:prstGeom>
-        </p:spPr>
-        <p:txBody>
-          <a:bodyPr anchorCtr="0" anchor="t" bIns="91425" lIns="91425" rIns="91425" tIns="91425">
-            <a:noAutofit/>
-          </a:bodyPr>
-          <a:lstStyle/>
-          <a:p>
-            <a:pPr indent="-228600" lvl="0" marL="457200" rtl="0">
-              <a:lnSpc>
-                <a:spcPct val="150000"/>
-              </a:lnSpc>
-              <a:spcBef>
-                <a:spcPts val="0"/>
-              </a:spcBef>
-            </a:pPr>
-            <a:r>
-              <a:rPr lang="en"/>
-              <a:t>The reviews are split into sentences based on words like ‘and’, ‘but’ and punctuation like ‘.’ . </a:t>
-            </a:r>
-          </a:p>
-          <a:p>
-            <a:pPr indent="-228600" lvl="0" marL="457200" rtl="0">
-              <a:lnSpc>
-                <a:spcPct val="150000"/>
-              </a:lnSpc>
-              <a:spcBef>
-                <a:spcPts val="0"/>
-              </a:spcBef>
-            </a:pPr>
-            <a:r>
-              <a:rPr lang="en"/>
-              <a:t>Each sentence is split into words using regular expression ([a-zA-Z]+) .</a:t>
-            </a:r>
-          </a:p>
-          <a:p>
-            <a:pPr indent="-228600" lvl="0" marL="457200" rtl="0">
-              <a:lnSpc>
-                <a:spcPct val="150000"/>
-              </a:lnSpc>
-              <a:spcBef>
-                <a:spcPts val="0"/>
-              </a:spcBef>
-            </a:pPr>
-            <a:r>
-              <a:rPr lang="en"/>
-              <a:t>Stopwords are removed</a:t>
-            </a:r>
-          </a:p>
-          <a:p>
-            <a:pPr indent="-228600" lvl="0" marL="457200" rtl="0">
-              <a:lnSpc>
-                <a:spcPct val="150000"/>
-              </a:lnSpc>
-              <a:spcBef>
-                <a:spcPts val="0"/>
-              </a:spcBef>
-            </a:pPr>
-            <a:r>
-              <a:rPr lang="en"/>
-              <a:t>Words are passed to enchant dictionary which removes all non-english words.</a:t>
-            </a:r>
-          </a:p>
-          <a:p>
-            <a:pPr indent="-228600" lvl="0" marL="457200" rtl="0">
-              <a:lnSpc>
-                <a:spcPct val="150000"/>
-              </a:lnSpc>
-              <a:spcBef>
-                <a:spcPts val="0"/>
-              </a:spcBef>
-            </a:pPr>
-            <a:r>
-              <a:rPr lang="en"/>
-              <a:t>The words are stemmed</a:t>
-            </a:r>
-          </a:p>
-        </p:txBody>
-      </p:sp>
-      <p:sp>
-        <p:nvSpPr>
-          <p:cNvPr id="160" name="Shape 160"/>
-          <p:cNvSpPr txBox="1"/>
-          <p:nvPr>
-            <p:ph type="title"/>
-          </p:nvPr>
-        </p:nvSpPr>
-        <p:spPr>
-          <a:xfrm>
-            <a:off x="377075" y="1017800"/>
-            <a:ext cx="8520600" cy="607800"/>
-          </a:xfrm>
-          <a:prstGeom prst="rect">
-            <a:avLst/>
-          </a:prstGeom>
-        </p:spPr>
-        <p:txBody>
-          <a:bodyPr anchorCtr="0" anchor="t" bIns="91425" lIns="91425" rIns="91425" tIns="91425">
-            <a:noAutofit/>
-          </a:bodyPr>
-          <a:lstStyle/>
-          <a:p>
-            <a:pPr lvl="0" rtl="0">
-              <a:spcBef>
-                <a:spcPts val="0"/>
-              </a:spcBef>
-              <a:buNone/>
-            </a:pPr>
-            <a:r>
-              <a:rPr lang="en" sz="2400" u="sng">
-                <a:solidFill>
-                  <a:srgbClr val="000000"/>
-                </a:solidFill>
-              </a:rPr>
-              <a:t>Preprocessing</a:t>
-            </a:r>
-          </a:p>
-        </p:txBody>
-      </p:sp>
-    </p:spTree>
-  </p:cSld>
-  <p:clrMapOvr>
-    <a:masterClrMapping/>
-  </p:clrMapOvr>
-</p:sld>
-</file>
-
-<file path=ppt/slides/slide14.xml><?xml version="1.0" encoding="utf-8"?>
-<p:sld xmlns:a="http://schemas.openxmlformats.org/drawingml/2006/main" xmlns:r="http://schemas.openxmlformats.org/officeDocument/2006/relationships" xmlns:mc="http://schemas.openxmlformats.org/markup-compatibility/2006" xmlns:mv="urn:schemas-microsoft-com:mac:vml" xmlns:p="http://schemas.openxmlformats.org/presentationml/2006/main" xmlns:c="http://schemas.openxmlformats.org/drawingml/2006/chart" xmlns:dgm="http://schemas.openxmlformats.org/drawingml/2006/diagram" xmlns:o="urn:schemas-microsoft-com:office:office" xmlns:v="urn:schemas-microsoft-com:vml" xmlns:pvml="urn:schemas-microsoft-com:office:powerpoint" xmlns:com="http://schemas.openxmlformats.org/drawingml/2006/compatibility" xmlns:p14="http://schemas.microsoft.com/office/powerpoint/2010/main">
-  <p:cSld>
-    <p:spTree>
-      <p:nvGrpSpPr>
-        <p:cNvPr id="164" name="Shape 164"/>
-        <p:cNvGrpSpPr/>
-        <p:nvPr/>
-      </p:nvGrpSpPr>
-      <p:grpSpPr>
-        <a:xfrm>
-          <a:off x="0" y="0"/>
-          <a:ext cx="0" cy="0"/>
-          <a:chOff x="0" y="0"/>
-          <a:chExt cx="0" cy="0"/>
-        </a:xfrm>
-      </p:grpSpPr>
-      <p:sp>
-        <p:nvSpPr>
-          <p:cNvPr id="165" name="Shape 165"/>
-          <p:cNvSpPr txBox="1"/>
-          <p:nvPr>
-            <p:ph type="title"/>
-          </p:nvPr>
-        </p:nvSpPr>
-        <p:spPr>
-          <a:xfrm>
-            <a:off x="311700" y="410000"/>
-            <a:ext cx="8520600" cy="607800"/>
-          </a:xfrm>
-          <a:prstGeom prst="rect">
-            <a:avLst/>
-          </a:prstGeom>
-        </p:spPr>
-        <p:txBody>
-          <a:bodyPr anchorCtr="0" anchor="t" bIns="91425" lIns="91425" rIns="91425" tIns="91425">
-            <a:noAutofit/>
-          </a:bodyPr>
-          <a:lstStyle/>
-          <a:p>
-            <a:pPr lvl="0">
-              <a:spcBef>
-                <a:spcPts val="0"/>
-              </a:spcBef>
-              <a:buNone/>
-            </a:pPr>
-            <a:r>
-              <a:rPr lang="en"/>
-              <a:t>Dataset Preprocessing(4/5)</a:t>
-            </a:r>
-          </a:p>
-          <a:p>
-            <a:pPr lvl="0">
-              <a:spcBef>
-                <a:spcPts val="0"/>
-              </a:spcBef>
-              <a:buNone/>
-            </a:pPr>
-            <a:r>
-              <a:t/>
-            </a:r>
-            <a:endParaRPr/>
-          </a:p>
-        </p:txBody>
-      </p:sp>
-      <p:sp>
-        <p:nvSpPr>
-          <p:cNvPr id="166" name="Shape 166"/>
-          <p:cNvSpPr txBox="1"/>
-          <p:nvPr>
-            <p:ph idx="1" type="body"/>
-          </p:nvPr>
-        </p:nvSpPr>
-        <p:spPr>
-          <a:xfrm>
-            <a:off x="311700" y="1744250"/>
-            <a:ext cx="8520600" cy="2824500"/>
-          </a:xfrm>
-          <a:prstGeom prst="rect">
-            <a:avLst/>
-          </a:prstGeom>
-        </p:spPr>
-        <p:txBody>
-          <a:bodyPr anchorCtr="0" anchor="t" bIns="91425" lIns="91425" rIns="91425" tIns="91425">
-            <a:noAutofit/>
-          </a:bodyPr>
-          <a:lstStyle/>
-          <a:p>
-            <a:pPr indent="-228600" lvl="0" marL="457200" rtl="0">
-              <a:lnSpc>
-                <a:spcPct val="150000"/>
-              </a:lnSpc>
-              <a:spcBef>
-                <a:spcPts val="0"/>
-              </a:spcBef>
-            </a:pPr>
-            <a:r>
-              <a:rPr lang="en"/>
-              <a:t>Each word in the pool of words corresponding to each aspects is compared with all words of sentence </a:t>
-            </a:r>
-          </a:p>
-          <a:p>
-            <a:pPr indent="-228600" lvl="0" marL="457200" rtl="0">
-              <a:lnSpc>
-                <a:spcPct val="150000"/>
-              </a:lnSpc>
-              <a:spcBef>
-                <a:spcPts val="0"/>
-              </a:spcBef>
-            </a:pPr>
-            <a:r>
-              <a:rPr lang="en"/>
-              <a:t> If any word is present, the sentence belongs to the corresponding aspect.</a:t>
-            </a:r>
-          </a:p>
-          <a:p>
-            <a:pPr indent="-228600" lvl="0" marL="457200">
-              <a:lnSpc>
-                <a:spcPct val="150000"/>
-              </a:lnSpc>
-              <a:spcBef>
-                <a:spcPts val="0"/>
-              </a:spcBef>
-            </a:pPr>
-            <a:r>
-              <a:rPr lang="en"/>
-              <a:t>If the word count for each sentence is greater than 1, the words are joined to form sentence which is preprocessed.</a:t>
-            </a:r>
-            <a:br>
-              <a:rPr lang="en"/>
-            </a:br>
-          </a:p>
-        </p:txBody>
-      </p:sp>
-      <p:sp>
-        <p:nvSpPr>
-          <p:cNvPr id="167" name="Shape 167"/>
-          <p:cNvSpPr txBox="1"/>
-          <p:nvPr>
-            <p:ph type="title"/>
-          </p:nvPr>
-        </p:nvSpPr>
-        <p:spPr>
-          <a:xfrm>
-            <a:off x="311700" y="961000"/>
-            <a:ext cx="8520600" cy="607800"/>
-          </a:xfrm>
-          <a:prstGeom prst="rect">
-            <a:avLst/>
-          </a:prstGeom>
-        </p:spPr>
-        <p:txBody>
-          <a:bodyPr anchorCtr="0" anchor="t" bIns="91425" lIns="91425" rIns="91425" tIns="91425">
-            <a:noAutofit/>
-          </a:bodyPr>
-          <a:lstStyle/>
-          <a:p>
-            <a:pPr lvl="0" rtl="0">
-              <a:spcBef>
-                <a:spcPts val="0"/>
-              </a:spcBef>
-              <a:buNone/>
-            </a:pPr>
-            <a:r>
-              <a:rPr lang="en" sz="2400" u="sng">
-                <a:solidFill>
-                  <a:srgbClr val="000000"/>
-                </a:solidFill>
-              </a:rPr>
-              <a:t>Aspect Sentence Classifier-Lexical Approach</a:t>
-            </a:r>
-          </a:p>
-        </p:txBody>
-      </p:sp>
-    </p:spTree>
-  </p:cSld>
-  <p:clrMapOvr>
-    <a:masterClrMapping/>
-  </p:clrMapOvr>
-</p:sld>
-</file>
-
-<file path=ppt/slides/slide15.xml><?xml version="1.0" encoding="utf-8"?>
-<p:sld xmlns:a="http://schemas.openxmlformats.org/drawingml/2006/main" xmlns:r="http://schemas.openxmlformats.org/officeDocument/2006/relationships" xmlns:mc="http://schemas.openxmlformats.org/markup-compatibility/2006" xmlns:mv="urn:schemas-microsoft-com:mac:vml" xmlns:p="http://schemas.openxmlformats.org/presentationml/2006/main" xmlns:c="http://schemas.openxmlformats.org/drawingml/2006/chart" xmlns:dgm="http://schemas.openxmlformats.org/drawingml/2006/diagram" xmlns:o="urn:schemas-microsoft-com:office:office" xmlns:v="urn:schemas-microsoft-com:vml" xmlns:pvml="urn:schemas-microsoft-com:office:powerpoint" xmlns:com="http://schemas.openxmlformats.org/drawingml/2006/compatibility" xmlns:p14="http://schemas.microsoft.com/office/powerpoint/2010/main">
-  <p:cSld>
-    <p:spTree>
-      <p:nvGrpSpPr>
-        <p:cNvPr id="171" name="Shape 171"/>
-        <p:cNvGrpSpPr/>
-        <p:nvPr/>
-      </p:nvGrpSpPr>
-      <p:grpSpPr>
-        <a:xfrm>
-          <a:off x="0" y="0"/>
-          <a:ext cx="0" cy="0"/>
-          <a:chOff x="0" y="0"/>
-          <a:chExt cx="0" cy="0"/>
-        </a:xfrm>
-      </p:grpSpPr>
-      <p:sp>
-        <p:nvSpPr>
-          <p:cNvPr id="172" name="Shape 172"/>
-          <p:cNvSpPr txBox="1"/>
-          <p:nvPr>
-            <p:ph type="title"/>
-          </p:nvPr>
-        </p:nvSpPr>
-        <p:spPr>
-          <a:xfrm>
-            <a:off x="311700" y="410000"/>
-            <a:ext cx="8520600" cy="607800"/>
-          </a:xfrm>
-          <a:prstGeom prst="rect">
-            <a:avLst/>
-          </a:prstGeom>
-        </p:spPr>
-        <p:txBody>
-          <a:bodyPr anchorCtr="0" anchor="t" bIns="91425" lIns="91425" rIns="91425" tIns="91425">
-            <a:noAutofit/>
-          </a:bodyPr>
-          <a:lstStyle/>
-          <a:p>
-            <a:pPr lvl="0" rtl="0">
-              <a:spcBef>
-                <a:spcPts val="0"/>
-              </a:spcBef>
-              <a:buNone/>
-            </a:pPr>
-            <a:r>
-              <a:rPr lang="en"/>
-              <a:t>Dataset Preprocessing(5/5)</a:t>
-            </a:r>
-          </a:p>
-          <a:p>
-            <a:pPr lvl="0" rtl="0">
-              <a:spcBef>
-                <a:spcPts val="0"/>
-              </a:spcBef>
-              <a:buNone/>
-            </a:pPr>
-            <a:r>
-              <a:t/>
-            </a:r>
-            <a:endParaRPr/>
-          </a:p>
-        </p:txBody>
-      </p:sp>
-      <p:sp>
-        <p:nvSpPr>
-          <p:cNvPr id="173" name="Shape 173"/>
-          <p:cNvSpPr txBox="1"/>
-          <p:nvPr>
-            <p:ph idx="1" type="body"/>
-          </p:nvPr>
-        </p:nvSpPr>
-        <p:spPr>
-          <a:xfrm>
-            <a:off x="311700" y="1744250"/>
-            <a:ext cx="8520600" cy="2824500"/>
-          </a:xfrm>
-          <a:prstGeom prst="rect">
-            <a:avLst/>
-          </a:prstGeom>
-        </p:spPr>
-        <p:txBody>
-          <a:bodyPr anchorCtr="0" anchor="t" bIns="91425" lIns="91425" rIns="91425" tIns="91425">
-            <a:noAutofit/>
-          </a:bodyPr>
-          <a:lstStyle/>
-          <a:p>
-            <a:pPr indent="-228600" lvl="0" marL="457200" rtl="0">
-              <a:spcBef>
-                <a:spcPts val="0"/>
-              </a:spcBef>
-            </a:pPr>
-            <a:r>
-              <a:rPr lang="en"/>
-              <a:t>Features are unigram.</a:t>
-            </a:r>
-          </a:p>
-          <a:p>
-            <a:pPr indent="-228600" lvl="0" marL="457200" rtl="0">
-              <a:spcBef>
-                <a:spcPts val="0"/>
-              </a:spcBef>
-            </a:pPr>
-            <a:r>
-              <a:rPr lang="en"/>
-              <a:t>60,000 reviews are preprocessed and trained.</a:t>
-            </a:r>
-          </a:p>
-          <a:p>
-            <a:pPr indent="-228600" lvl="0" marL="457200" rtl="0">
-              <a:spcBef>
-                <a:spcPts val="0"/>
-              </a:spcBef>
-            </a:pPr>
-            <a:r>
-              <a:rPr lang="en"/>
-              <a:t>The trained model is saved in a file using pickle module in python.</a:t>
-            </a:r>
-          </a:p>
-          <a:p>
-            <a:pPr indent="-228600" lvl="0" marL="457200" rtl="0">
-              <a:spcBef>
-                <a:spcPts val="0"/>
-              </a:spcBef>
-            </a:pPr>
-            <a:r>
-              <a:rPr lang="en"/>
-              <a:t>The test set =10,000</a:t>
-            </a:r>
-          </a:p>
-          <a:p>
-            <a:pPr indent="-228600" lvl="0" marL="457200" rtl="0">
-              <a:spcBef>
-                <a:spcPts val="0"/>
-              </a:spcBef>
-            </a:pPr>
-            <a:r>
-              <a:rPr lang="en"/>
-              <a:t>accuracy-&gt; 75.16%</a:t>
-            </a:r>
-          </a:p>
-        </p:txBody>
-      </p:sp>
-      <p:sp>
-        <p:nvSpPr>
-          <p:cNvPr id="174" name="Shape 174"/>
-          <p:cNvSpPr txBox="1"/>
-          <p:nvPr>
-            <p:ph type="title"/>
-          </p:nvPr>
-        </p:nvSpPr>
-        <p:spPr>
-          <a:xfrm>
-            <a:off x="311700" y="961000"/>
-            <a:ext cx="8520600" cy="607800"/>
-          </a:xfrm>
-          <a:prstGeom prst="rect">
-            <a:avLst/>
-          </a:prstGeom>
-        </p:spPr>
-        <p:txBody>
-          <a:bodyPr anchorCtr="0" anchor="t" bIns="91425" lIns="91425" rIns="91425" tIns="91425">
-            <a:noAutofit/>
-          </a:bodyPr>
-          <a:lstStyle/>
-          <a:p>
-            <a:pPr lvl="0" rtl="0">
-              <a:spcBef>
-                <a:spcPts val="0"/>
-              </a:spcBef>
-              <a:buNone/>
-            </a:pPr>
-            <a:r>
-              <a:rPr lang="en" sz="2400" u="sng">
-                <a:solidFill>
-                  <a:srgbClr val="000000"/>
-                </a:solidFill>
-              </a:rPr>
-              <a:t>Aspect Sentence Classifier-NaiveBayes Approach</a:t>
-            </a:r>
-          </a:p>
-        </p:txBody>
-      </p:sp>
-    </p:spTree>
-  </p:cSld>
-  <p:clrMapOvr>
-    <a:masterClrMapping/>
-  </p:clrMapOvr>
-</p:sld>
-</file>
-
-<file path=ppt/slides/slide16.xml><?xml version="1.0" encoding="utf-8"?>
-<p:sld xmlns:a="http://schemas.openxmlformats.org/drawingml/2006/main" xmlns:r="http://schemas.openxmlformats.org/officeDocument/2006/relationships" xmlns:mc="http://schemas.openxmlformats.org/markup-compatibility/2006" xmlns:mv="urn:schemas-microsoft-com:mac:vml" xmlns:p="http://schemas.openxmlformats.org/presentationml/2006/main" xmlns:c="http://schemas.openxmlformats.org/drawingml/2006/chart" xmlns:dgm="http://schemas.openxmlformats.org/drawingml/2006/diagram" xmlns:o="urn:schemas-microsoft-com:office:office" xmlns:v="urn:schemas-microsoft-com:vml" xmlns:pvml="urn:schemas-microsoft-com:office:powerpoint" xmlns:com="http://schemas.openxmlformats.org/drawingml/2006/compatibility" xmlns:p14="http://schemas.microsoft.com/office/powerpoint/2010/main">
-  <p:cSld>
-    <p:spTree>
-      <p:nvGrpSpPr>
-        <p:cNvPr id="178" name="Shape 178"/>
-        <p:cNvGrpSpPr/>
-        <p:nvPr/>
-      </p:nvGrpSpPr>
-      <p:grpSpPr>
-        <a:xfrm>
-          <a:off x="0" y="0"/>
-          <a:ext cx="0" cy="0"/>
-          <a:chOff x="0" y="0"/>
-          <a:chExt cx="0" cy="0"/>
-        </a:xfrm>
-      </p:grpSpPr>
-      <p:sp>
-        <p:nvSpPr>
-          <p:cNvPr id="179" name="Shape 179"/>
-          <p:cNvSpPr txBox="1"/>
-          <p:nvPr>
-            <p:ph type="title"/>
-          </p:nvPr>
-        </p:nvSpPr>
-        <p:spPr>
-          <a:xfrm>
-            <a:off x="311700" y="410000"/>
-            <a:ext cx="8520600" cy="607800"/>
-          </a:xfrm>
-          <a:prstGeom prst="rect">
-            <a:avLst/>
-          </a:prstGeom>
-        </p:spPr>
-        <p:txBody>
-          <a:bodyPr anchorCtr="0" anchor="t" bIns="91425" lIns="91425" rIns="91425" tIns="91425">
-            <a:noAutofit/>
-          </a:bodyPr>
-          <a:lstStyle/>
-          <a:p>
-            <a:pPr lvl="0">
-              <a:spcBef>
-                <a:spcPts val="0"/>
-              </a:spcBef>
-              <a:buNone/>
-            </a:pPr>
-            <a:r>
-              <a:rPr lang="en"/>
-              <a:t>Sentiment Analysis(1/4)</a:t>
-            </a:r>
-          </a:p>
-        </p:txBody>
-      </p:sp>
-      <p:sp>
-        <p:nvSpPr>
-          <p:cNvPr id="180" name="Shape 180"/>
-          <p:cNvSpPr txBox="1"/>
-          <p:nvPr>
-            <p:ph idx="1" type="body"/>
-          </p:nvPr>
-        </p:nvSpPr>
-        <p:spPr>
-          <a:xfrm>
-            <a:off x="311700" y="947025"/>
-            <a:ext cx="8520600" cy="3698100"/>
-          </a:xfrm>
-          <a:prstGeom prst="rect">
-            <a:avLst/>
-          </a:prstGeom>
-        </p:spPr>
-        <p:txBody>
-          <a:bodyPr anchorCtr="0" anchor="t" bIns="91425" lIns="91425" rIns="91425" tIns="91425">
-            <a:noAutofit/>
-          </a:bodyPr>
-          <a:lstStyle/>
-          <a:p>
-            <a:pPr lvl="0">
-              <a:spcBef>
-                <a:spcPts val="0"/>
-              </a:spcBef>
-              <a:buNone/>
-            </a:pPr>
-            <a:r>
-              <a:rPr lang="en"/>
-              <a:t>Five classes are there for classifying: neg, sli_neg, neutral, sli_pos, pos</a:t>
-            </a:r>
-          </a:p>
-          <a:p>
-            <a:pPr lvl="0" rtl="0">
-              <a:spcBef>
-                <a:spcPts val="0"/>
-              </a:spcBef>
-              <a:buNone/>
-            </a:pPr>
-            <a:r>
-              <a:rPr lang="en"/>
-              <a:t>There are two models</a:t>
-            </a:r>
-          </a:p>
-          <a:p>
-            <a:pPr indent="-228600" lvl="0" marL="457200" rtl="0">
-              <a:spcBef>
-                <a:spcPts val="0"/>
-              </a:spcBef>
-            </a:pPr>
-            <a:r>
-              <a:rPr lang="en"/>
-              <a:t>NaiveBayes Classifier</a:t>
-            </a:r>
-          </a:p>
-          <a:p>
-            <a:pPr indent="-228600" lvl="1" marL="914400" rtl="0">
-              <a:spcBef>
-                <a:spcPts val="0"/>
-              </a:spcBef>
-            </a:pPr>
-            <a:r>
-              <a:rPr lang="en"/>
-              <a:t>Feature = Unigram</a:t>
-            </a:r>
-          </a:p>
-          <a:p>
-            <a:pPr indent="-228600" lvl="2" marL="1371600" rtl="0">
-              <a:spcBef>
-                <a:spcPts val="0"/>
-              </a:spcBef>
-            </a:pPr>
-            <a:r>
-              <a:rPr lang="en"/>
-              <a:t>Size of feature = 6544</a:t>
-            </a:r>
-          </a:p>
-          <a:p>
-            <a:pPr indent="-228600" lvl="2" marL="1371600" rtl="0">
-              <a:spcBef>
-                <a:spcPts val="0"/>
-              </a:spcBef>
-            </a:pPr>
-            <a:r>
-              <a:rPr lang="en"/>
-              <a:t>Entire vocabulary has been used as feature</a:t>
-            </a:r>
-          </a:p>
-          <a:p>
-            <a:pPr indent="-228600" lvl="2" marL="1371600" rtl="0">
-              <a:spcBef>
-                <a:spcPts val="0"/>
-              </a:spcBef>
-            </a:pPr>
-            <a:r>
-              <a:rPr lang="en"/>
-              <a:t>Size of train Dataset = 1,91,378</a:t>
-            </a:r>
-          </a:p>
-          <a:p>
-            <a:pPr indent="-228600" lvl="2" marL="1371600" rtl="0">
-              <a:spcBef>
-                <a:spcPts val="0"/>
-              </a:spcBef>
-            </a:pPr>
-            <a:r>
-              <a:rPr lang="en"/>
-              <a:t>Size of test Dataset = 10,000</a:t>
-            </a:r>
-          </a:p>
-          <a:p>
-            <a:pPr indent="-228600" lvl="2" marL="1371600" rtl="0">
-              <a:spcBef>
-                <a:spcPts val="0"/>
-              </a:spcBef>
-            </a:pPr>
-            <a:r>
-              <a:rPr lang="en"/>
-              <a:t>Most Informative Feature :horribl, terribl, good, best</a:t>
-            </a:r>
-          </a:p>
-          <a:p>
-            <a:pPr indent="-228600" lvl="2" marL="1371600" rtl="0">
-              <a:spcBef>
-                <a:spcPts val="0"/>
-              </a:spcBef>
-            </a:pPr>
-            <a:r>
-              <a:rPr lang="en"/>
-              <a:t>Accuracy =  73.91%</a:t>
-            </a:r>
-          </a:p>
-          <a:p>
-            <a:pPr indent="0" lvl="0" marL="457200" marR="0" rtl="0" algn="l">
-              <a:lnSpc>
-                <a:spcPct val="115000"/>
-              </a:lnSpc>
-              <a:spcBef>
-                <a:spcPts val="0"/>
-              </a:spcBef>
-              <a:spcAft>
-                <a:spcPts val="1600"/>
-              </a:spcAft>
-              <a:buNone/>
-            </a:pPr>
-            <a:r>
-              <a:t/>
-            </a:r>
-            <a:endParaRPr/>
-          </a:p>
-          <a:p>
-            <a:pPr lvl="0" marR="0" rtl="0" algn="l">
-              <a:lnSpc>
-                <a:spcPct val="115000"/>
-              </a:lnSpc>
-              <a:spcBef>
-                <a:spcPts val="0"/>
-              </a:spcBef>
-              <a:spcAft>
-                <a:spcPts val="1600"/>
-              </a:spcAft>
-              <a:buNone/>
-            </a:pPr>
-            <a:r>
-              <a:t/>
-            </a:r>
-            <a:endParaRPr/>
-          </a:p>
-        </p:txBody>
-      </p:sp>
-    </p:spTree>
-  </p:cSld>
-  <p:clrMapOvr>
-    <a:masterClrMapping/>
-  </p:clrMapOvr>
-</p:sld>
-</file>
-
-<file path=ppt/slides/slide17.xml><?xml version="1.0" encoding="utf-8"?>
-<p:sld xmlns:a="http://schemas.openxmlformats.org/drawingml/2006/main" xmlns:r="http://schemas.openxmlformats.org/officeDocument/2006/relationships" xmlns:mc="http://schemas.openxmlformats.org/markup-compatibility/2006" xmlns:mv="urn:schemas-microsoft-com:mac:vml" xmlns:p="http://schemas.openxmlformats.org/presentationml/2006/main" xmlns:c="http://schemas.openxmlformats.org/drawingml/2006/chart" xmlns:dgm="http://schemas.openxmlformats.org/drawingml/2006/diagram" xmlns:o="urn:schemas-microsoft-com:office:office" xmlns:v="urn:schemas-microsoft-com:vml" xmlns:pvml="urn:schemas-microsoft-com:office:powerpoint" xmlns:com="http://schemas.openxmlformats.org/drawingml/2006/compatibility" xmlns:p14="http://schemas.microsoft.com/office/powerpoint/2010/main">
-  <p:cSld>
-    <p:spTree>
-      <p:nvGrpSpPr>
-        <p:cNvPr id="184" name="Shape 184"/>
-        <p:cNvGrpSpPr/>
-        <p:nvPr/>
-      </p:nvGrpSpPr>
-      <p:grpSpPr>
-        <a:xfrm>
-          <a:off x="0" y="0"/>
-          <a:ext cx="0" cy="0"/>
-          <a:chOff x="0" y="0"/>
-          <a:chExt cx="0" cy="0"/>
-        </a:xfrm>
-      </p:grpSpPr>
-      <p:sp>
-        <p:nvSpPr>
-          <p:cNvPr id="185" name="Shape 185"/>
-          <p:cNvSpPr txBox="1"/>
-          <p:nvPr>
-            <p:ph type="title"/>
-          </p:nvPr>
-        </p:nvSpPr>
-        <p:spPr>
-          <a:xfrm>
-            <a:off x="311700" y="410000"/>
-            <a:ext cx="8520600" cy="607800"/>
-          </a:xfrm>
-          <a:prstGeom prst="rect">
-            <a:avLst/>
-          </a:prstGeom>
-        </p:spPr>
-        <p:txBody>
-          <a:bodyPr anchorCtr="0" anchor="t" bIns="91425" lIns="91425" rIns="91425" tIns="91425">
-            <a:noAutofit/>
-          </a:bodyPr>
-          <a:lstStyle/>
-          <a:p>
-            <a:pPr lvl="0" rtl="0">
-              <a:spcBef>
-                <a:spcPts val="0"/>
-              </a:spcBef>
-              <a:buNone/>
-            </a:pPr>
-            <a:r>
-              <a:rPr lang="en"/>
-              <a:t>Sentiment Analysis(2/4)</a:t>
-            </a:r>
-          </a:p>
-        </p:txBody>
-      </p:sp>
-      <p:sp>
-        <p:nvSpPr>
-          <p:cNvPr id="186" name="Shape 186"/>
-          <p:cNvSpPr txBox="1"/>
-          <p:nvPr>
-            <p:ph idx="1" type="body"/>
-          </p:nvPr>
-        </p:nvSpPr>
-        <p:spPr>
-          <a:xfrm>
-            <a:off x="311700" y="1306075"/>
-            <a:ext cx="8520600" cy="3339000"/>
-          </a:xfrm>
-          <a:prstGeom prst="rect">
-            <a:avLst/>
-          </a:prstGeom>
-        </p:spPr>
-        <p:txBody>
-          <a:bodyPr anchorCtr="0" anchor="t" bIns="91425" lIns="91425" rIns="91425" tIns="91425">
-            <a:noAutofit/>
-          </a:bodyPr>
-          <a:lstStyle/>
-          <a:p>
-            <a:pPr indent="-228600" lvl="0" marL="457200" rtl="0">
-              <a:spcBef>
-                <a:spcPts val="0"/>
-              </a:spcBef>
-            </a:pPr>
-            <a:r>
-              <a:rPr lang="en"/>
-              <a:t>NaiveBayes Classifier</a:t>
-            </a:r>
-          </a:p>
-          <a:p>
-            <a:pPr indent="-228600" lvl="1" marL="914400" rtl="0">
-              <a:spcBef>
-                <a:spcPts val="0"/>
-              </a:spcBef>
-            </a:pPr>
-            <a:r>
-              <a:rPr lang="en"/>
-              <a:t>Feature = Bigram</a:t>
-            </a:r>
-          </a:p>
-          <a:p>
-            <a:pPr indent="-228600" lvl="2" marL="1371600" rtl="0">
-              <a:spcBef>
-                <a:spcPts val="0"/>
-              </a:spcBef>
-            </a:pPr>
-            <a:r>
-              <a:rPr lang="en"/>
-              <a:t>Bigram counts are analysed and a threshold is fixed.threshold count= 10</a:t>
-            </a:r>
-          </a:p>
-          <a:p>
-            <a:pPr indent="-228600" lvl="2" marL="1371600" rtl="0">
-              <a:spcBef>
-                <a:spcPts val="0"/>
-              </a:spcBef>
-            </a:pPr>
-            <a:r>
-              <a:rPr lang="en"/>
-              <a:t>Size of feature = 10863</a:t>
-            </a:r>
-          </a:p>
-          <a:p>
-            <a:pPr indent="-228600" lvl="2" marL="1371600" rtl="0">
-              <a:spcBef>
-                <a:spcPts val="0"/>
-              </a:spcBef>
-            </a:pPr>
-            <a:r>
-              <a:rPr lang="en"/>
-              <a:t>Two stemmed words are combined</a:t>
-            </a:r>
-          </a:p>
-          <a:p>
-            <a:pPr indent="-228600" lvl="2" marL="1371600" rtl="0">
-              <a:spcBef>
-                <a:spcPts val="0"/>
-              </a:spcBef>
-            </a:pPr>
-            <a:r>
-              <a:rPr lang="en"/>
-              <a:t>Size of train Dataset = 1,91,378</a:t>
-            </a:r>
-          </a:p>
-          <a:p>
-            <a:pPr indent="-228600" lvl="2" marL="1371600" rtl="0">
-              <a:spcBef>
-                <a:spcPts val="0"/>
-              </a:spcBef>
-            </a:pPr>
-            <a:r>
-              <a:rPr lang="en"/>
-              <a:t>Size of test Dataset = 10,000</a:t>
-            </a:r>
-          </a:p>
-          <a:p>
-            <a:pPr indent="-228600" lvl="2" marL="1371600" rtl="0">
-              <a:spcBef>
-                <a:spcPts val="0"/>
-              </a:spcBef>
-            </a:pPr>
-            <a:r>
-              <a:rPr lang="en"/>
-              <a:t>Most Informative Feature :(great place),(experi good)....</a:t>
-            </a:r>
-          </a:p>
-          <a:p>
-            <a:pPr indent="-228600" lvl="2" marL="1371600" rtl="0">
-              <a:spcBef>
-                <a:spcPts val="0"/>
-              </a:spcBef>
-            </a:pPr>
-            <a:r>
-              <a:rPr lang="en"/>
-              <a:t>Accuracy =  76.15%</a:t>
-            </a:r>
-          </a:p>
-          <a:p>
-            <a:pPr indent="0" lvl="0" marL="457200" marR="0" rtl="0" algn="l">
-              <a:lnSpc>
-                <a:spcPct val="115000"/>
-              </a:lnSpc>
-              <a:spcBef>
-                <a:spcPts val="0"/>
-              </a:spcBef>
-              <a:spcAft>
-                <a:spcPts val="1600"/>
-              </a:spcAft>
-              <a:buNone/>
-            </a:pPr>
-            <a:r>
-              <a:t/>
-            </a:r>
-            <a:endParaRPr/>
-          </a:p>
-          <a:p>
-            <a:pPr lvl="0" marR="0" rtl="0" algn="l">
-              <a:lnSpc>
-                <a:spcPct val="115000"/>
-              </a:lnSpc>
-              <a:spcBef>
-                <a:spcPts val="0"/>
-              </a:spcBef>
-              <a:spcAft>
-                <a:spcPts val="1600"/>
-              </a:spcAft>
-              <a:buNone/>
-            </a:pPr>
-            <a:r>
-              <a:rPr lang="en"/>
-              <a:t> </a:t>
-            </a:r>
-          </a:p>
-        </p:txBody>
-      </p:sp>
-    </p:spTree>
-  </p:cSld>
-  <p:clrMapOvr>
-    <a:masterClrMapping/>
-  </p:clrMapOvr>
-</p:sld>
-</file>
-
-<file path=ppt/slides/slide18.xml><?xml version="1.0" encoding="utf-8"?>
-<p:sld xmlns:a="http://schemas.openxmlformats.org/drawingml/2006/main" xmlns:r="http://schemas.openxmlformats.org/officeDocument/2006/relationships" xmlns:mc="http://schemas.openxmlformats.org/markup-compatibility/2006" xmlns:mv="urn:schemas-microsoft-com:mac:vml" xmlns:p="http://schemas.openxmlformats.org/presentationml/2006/main" xmlns:c="http://schemas.openxmlformats.org/drawingml/2006/chart" xmlns:dgm="http://schemas.openxmlformats.org/drawingml/2006/diagram" xmlns:o="urn:schemas-microsoft-com:office:office" xmlns:v="urn:schemas-microsoft-com:vml" xmlns:pvml="urn:schemas-microsoft-com:office:powerpoint" xmlns:com="http://schemas.openxmlformats.org/drawingml/2006/compatibility" xmlns:p14="http://schemas.microsoft.com/office/powerpoint/2010/main">
-  <p:cSld>
-    <p:spTree>
-      <p:nvGrpSpPr>
-        <p:cNvPr id="190" name="Shape 190"/>
-        <p:cNvGrpSpPr/>
-        <p:nvPr/>
-      </p:nvGrpSpPr>
-      <p:grpSpPr>
-        <a:xfrm>
-          <a:off x="0" y="0"/>
-          <a:ext cx="0" cy="0"/>
-          <a:chOff x="0" y="0"/>
-          <a:chExt cx="0" cy="0"/>
-        </a:xfrm>
-      </p:grpSpPr>
-      <p:sp>
-        <p:nvSpPr>
-          <p:cNvPr id="191" name="Shape 191"/>
-          <p:cNvSpPr txBox="1"/>
-          <p:nvPr>
-            <p:ph type="title"/>
-          </p:nvPr>
-        </p:nvSpPr>
-        <p:spPr>
-          <a:xfrm>
-            <a:off x="311700" y="410000"/>
-            <a:ext cx="8520600" cy="607800"/>
-          </a:xfrm>
-          <a:prstGeom prst="rect">
-            <a:avLst/>
-          </a:prstGeom>
-        </p:spPr>
-        <p:txBody>
-          <a:bodyPr anchorCtr="0" anchor="t" bIns="91425" lIns="91425" rIns="91425" tIns="91425">
-            <a:noAutofit/>
-          </a:bodyPr>
-          <a:lstStyle/>
-          <a:p>
-            <a:pPr lvl="0" rtl="0">
-              <a:spcBef>
-                <a:spcPts val="0"/>
-              </a:spcBef>
-              <a:buNone/>
-            </a:pPr>
-            <a:r>
-              <a:rPr lang="en"/>
-              <a:t>Sentiment Analysis(3/4)</a:t>
-            </a:r>
-          </a:p>
-        </p:txBody>
-      </p:sp>
-      <p:sp>
-        <p:nvSpPr>
-          <p:cNvPr id="192" name="Shape 192"/>
-          <p:cNvSpPr txBox="1"/>
-          <p:nvPr>
-            <p:ph idx="1" type="body"/>
-          </p:nvPr>
-        </p:nvSpPr>
-        <p:spPr>
-          <a:xfrm>
-            <a:off x="311700" y="1306075"/>
-            <a:ext cx="8520600" cy="3339000"/>
-          </a:xfrm>
-          <a:prstGeom prst="rect">
-            <a:avLst/>
-          </a:prstGeom>
-        </p:spPr>
-        <p:txBody>
-          <a:bodyPr anchorCtr="0" anchor="t" bIns="91425" lIns="91425" rIns="91425" tIns="91425">
-            <a:noAutofit/>
-          </a:bodyPr>
-          <a:lstStyle/>
-          <a:p>
-            <a:pPr indent="-228600" lvl="0" marL="457200" rtl="0">
-              <a:spcBef>
-                <a:spcPts val="0"/>
-              </a:spcBef>
-            </a:pPr>
-            <a:r>
-              <a:rPr lang="en"/>
-              <a:t>Support Vector </a:t>
-            </a:r>
-            <a:r>
-              <a:rPr lang="en"/>
-              <a:t>Classifier</a:t>
-            </a:r>
-          </a:p>
-          <a:p>
-            <a:pPr indent="-228600" lvl="1" marL="914400" rtl="0">
-              <a:spcBef>
-                <a:spcPts val="0"/>
-              </a:spcBef>
-            </a:pPr>
-            <a:r>
-              <a:rPr lang="en"/>
-              <a:t>Feature = unigram</a:t>
-            </a:r>
-          </a:p>
-          <a:p>
-            <a:pPr indent="-228600" lvl="2" marL="1371600" rtl="0">
-              <a:spcBef>
-                <a:spcPts val="0"/>
-              </a:spcBef>
-            </a:pPr>
-            <a:r>
-              <a:rPr lang="en"/>
-              <a:t>Size of feature = 6544</a:t>
-            </a:r>
-          </a:p>
-          <a:p>
-            <a:pPr indent="-228600" lvl="2" marL="1371600" rtl="0">
-              <a:spcBef>
-                <a:spcPts val="0"/>
-              </a:spcBef>
-            </a:pPr>
-            <a:r>
-              <a:rPr lang="en"/>
-              <a:t>The features are vectors of vocabulary.Value is 1 If a word is present, 0 otherwise</a:t>
-            </a:r>
-          </a:p>
-          <a:p>
-            <a:pPr indent="-228600" lvl="2" marL="1371600" rtl="0">
-              <a:spcBef>
-                <a:spcPts val="0"/>
-              </a:spcBef>
-            </a:pPr>
-            <a:r>
-              <a:rPr lang="en"/>
-              <a:t>Sparse matrix representation is used to save memory and execution time </a:t>
-            </a:r>
-          </a:p>
-          <a:p>
-            <a:pPr indent="-228600" lvl="2" marL="1371600" rtl="0">
-              <a:spcBef>
-                <a:spcPts val="0"/>
-              </a:spcBef>
-            </a:pPr>
-            <a:r>
-              <a:rPr lang="en"/>
-              <a:t>Size of train Dataset = 50,000</a:t>
-            </a:r>
-          </a:p>
-          <a:p>
-            <a:pPr indent="-228600" lvl="2" marL="1371600" rtl="0">
-              <a:spcBef>
-                <a:spcPts val="0"/>
-              </a:spcBef>
-            </a:pPr>
-            <a:r>
-              <a:rPr lang="en"/>
-              <a:t>Size of test Dataset = 15,000</a:t>
-            </a:r>
-          </a:p>
-          <a:p>
-            <a:pPr indent="-228600" lvl="2" marL="1371600" rtl="0">
-              <a:spcBef>
-                <a:spcPts val="0"/>
-              </a:spcBef>
-            </a:pPr>
-            <a:r>
-              <a:rPr lang="en"/>
-              <a:t>Accuracy =  87.44%</a:t>
-            </a:r>
-          </a:p>
-          <a:p>
-            <a:pPr lvl="0" marR="0" rtl="0" algn="l">
-              <a:lnSpc>
-                <a:spcPct val="115000"/>
-              </a:lnSpc>
-              <a:spcBef>
-                <a:spcPts val="0"/>
-              </a:spcBef>
-              <a:spcAft>
-                <a:spcPts val="1600"/>
-              </a:spcAft>
-              <a:buNone/>
-            </a:pPr>
-            <a:r>
-              <a:t/>
-            </a:r>
-            <a:endParaRPr/>
-          </a:p>
-        </p:txBody>
-      </p:sp>
-    </p:spTree>
-  </p:cSld>
-  <p:clrMapOvr>
-    <a:masterClrMapping/>
-  </p:clrMapOvr>
-</p:sld>
-</file>
-
-<file path=ppt/slides/slide19.xml><?xml version="1.0" encoding="utf-8"?>
 <p:sld xmlns:a="http://schemas.openxmlformats.org/drawingml/2006/main" xmlns:r="http://schemas.openxmlformats.org/officeDocument/2006/relationships" xmlns:mc="http://schemas.openxmlformats.org/markup-compatibility/2006" xmlns:mv="urn:schemas-microsoft-com:mac:vml" xmlns:p="http://schemas.openxmlformats.org/presentationml/2006/main" xmlns:c="http://schemas.openxmlformats.org/drawingml/2006/chart" xmlns:dgm="http://schemas.openxmlformats.org/drawingml/2006/diagram" xmlns:o="urn:schemas-microsoft-com:office:office" xmlns:v="urn:schemas-microsoft-com:vml" xmlns:pvml="urn:schemas-microsoft-com:office:powerpoint" xmlns:com="http://schemas.openxmlformats.org/drawingml/2006/compatibility" xmlns:p14="http://schemas.microsoft.com/office/powerpoint/2010/main">
   <p:cSld>
     <p:spTree>
@@ -9995,15 +8922,15 @@
           </a:bodyPr>
           <a:lstStyle/>
           <a:p>
-            <a:pPr lvl="0" rtl="0">
-              <a:spcBef>
-                <a:spcPts val="0"/>
-              </a:spcBef>
-              <a:buNone/>
-            </a:pPr>
-            <a:r>
-              <a:rPr lang="en"/>
-              <a:t>Sentiment Analysis(4/4)</a:t>
+            <a:pPr lvl="0">
+              <a:spcBef>
+                <a:spcPts val="0"/>
+              </a:spcBef>
+              <a:buNone/>
+            </a:pPr>
+            <a:r>
+              <a:rPr lang="en"/>
+              <a:t>Dataset Preparation(3/5)</a:t>
             </a:r>
           </a:p>
         </p:txBody>
@@ -10018,8 +8945,8 @@
         </p:nvSpPr>
         <p:spPr>
           <a:xfrm>
-            <a:off x="311700" y="1306075"/>
-            <a:ext cx="8520600" cy="3339000"/>
+            <a:off x="311700" y="1734475"/>
+            <a:ext cx="8520600" cy="2834400"/>
           </a:xfrm>
           <a:prstGeom prst="rect">
             <a:avLst/>
@@ -10032,109 +8959,149 @@
           <a:lstStyle/>
           <a:p>
             <a:pPr indent="-228600" lvl="0" marL="457200" rtl="0">
-              <a:spcBef>
-                <a:spcPts val="0"/>
-              </a:spcBef>
-            </a:pPr>
-            <a:r>
-              <a:rPr lang="en"/>
-              <a:t>Support Vector Classifier</a:t>
-            </a:r>
-          </a:p>
-          <a:p>
-            <a:pPr indent="-228600" lvl="1" marL="914400" rtl="0">
-              <a:spcBef>
-                <a:spcPts val="0"/>
-              </a:spcBef>
-            </a:pPr>
-            <a:r>
-              <a:rPr lang="en"/>
-              <a:t>Feature = bigram</a:t>
-            </a:r>
-          </a:p>
-          <a:p>
-            <a:pPr indent="-228600" lvl="2" marL="1371600" rtl="0">
-              <a:spcBef>
-                <a:spcPts val="0"/>
-              </a:spcBef>
-            </a:pPr>
-            <a:r>
-              <a:rPr lang="en"/>
-              <a:t>Size of feature = 10863</a:t>
-            </a:r>
-          </a:p>
-          <a:p>
-            <a:pPr indent="-228600" lvl="2" marL="1371600" rtl="0">
-              <a:spcBef>
-                <a:spcPts val="0"/>
-              </a:spcBef>
-            </a:pPr>
-            <a:r>
-              <a:rPr lang="en"/>
-              <a:t>The features are vectors of vocabulary.Value is 1 If a word is present, 0 otherwise</a:t>
-            </a:r>
-          </a:p>
-          <a:p>
-            <a:pPr indent="-228600" lvl="2" marL="1371600" rtl="0">
-              <a:spcBef>
-                <a:spcPts val="0"/>
-              </a:spcBef>
-            </a:pPr>
-            <a:r>
-              <a:rPr lang="en"/>
-              <a:t>Sparse matrix representation is used to save memory and execution time </a:t>
-            </a:r>
-          </a:p>
-          <a:p>
-            <a:pPr indent="-228600" lvl="2" marL="1371600" rtl="0">
-              <a:spcBef>
-                <a:spcPts val="0"/>
-              </a:spcBef>
-            </a:pPr>
-            <a:r>
-              <a:rPr lang="en"/>
-              <a:t>Size of train Dataset = 50,000</a:t>
-            </a:r>
-          </a:p>
-          <a:p>
-            <a:pPr indent="-228600" lvl="2" marL="1371600" rtl="0">
-              <a:spcBef>
-                <a:spcPts val="0"/>
-              </a:spcBef>
-            </a:pPr>
-            <a:r>
-              <a:rPr lang="en"/>
-              <a:t>Size of test Dataset = 15,000</a:t>
-            </a:r>
-          </a:p>
-          <a:p>
-            <a:pPr indent="-228600" lvl="2" marL="1371600" rtl="0">
-              <a:spcBef>
-                <a:spcPts val="0"/>
-              </a:spcBef>
-            </a:pPr>
-            <a:r>
-              <a:rPr lang="en"/>
-              <a:t>Accuracy =  69.99%</a:t>
-            </a:r>
-          </a:p>
-          <a:p>
-            <a:pPr lvl="0" marR="0" rtl="0" algn="l">
               <a:lnSpc>
-                <a:spcPct val="115000"/>
+                <a:spcPct val="150000"/>
               </a:lnSpc>
               <a:spcBef>
                 <a:spcPts val="0"/>
               </a:spcBef>
-              <a:spcAft>
-                <a:spcPts val="1600"/>
-              </a:spcAft>
-              <a:buNone/>
-            </a:pPr>
-            <a:r>
-              <a:t/>
-            </a:r>
-            <a:endParaRPr/>
+            </a:pPr>
+            <a:r>
+              <a:rPr lang="en"/>
+              <a:t>The reviews are split into sentences based on words like ‘and’, ‘but’ and punctuation like ‘.’ . </a:t>
+            </a:r>
+          </a:p>
+          <a:p>
+            <a:pPr indent="-228600" lvl="0" marL="457200" rtl="0">
+              <a:lnSpc>
+                <a:spcPct val="150000"/>
+              </a:lnSpc>
+              <a:spcBef>
+                <a:spcPts val="0"/>
+              </a:spcBef>
+            </a:pPr>
+            <a:r>
+              <a:rPr lang="en"/>
+              <a:t>Each sentence is split into words using regular expression ([a-zA-Z]+) .</a:t>
+            </a:r>
+          </a:p>
+          <a:p>
+            <a:pPr indent="-228600" lvl="0" marL="457200" rtl="0">
+              <a:lnSpc>
+                <a:spcPct val="150000"/>
+              </a:lnSpc>
+              <a:spcBef>
+                <a:spcPts val="0"/>
+              </a:spcBef>
+            </a:pPr>
+            <a:r>
+              <a:rPr lang="en"/>
+              <a:t>Stopwords are removed</a:t>
+            </a:r>
+          </a:p>
+          <a:p>
+            <a:pPr indent="-228600" lvl="0" marL="457200" rtl="0">
+              <a:lnSpc>
+                <a:spcPct val="150000"/>
+              </a:lnSpc>
+              <a:spcBef>
+                <a:spcPts val="0"/>
+              </a:spcBef>
+            </a:pPr>
+            <a:r>
+              <a:rPr lang="en"/>
+              <a:t>Words are passed to enchant dictionary which removes all non-english words.</a:t>
+            </a:r>
+          </a:p>
+          <a:p>
+            <a:pPr indent="-228600" lvl="0" marL="457200" rtl="0">
+              <a:lnSpc>
+                <a:spcPct val="150000"/>
+              </a:lnSpc>
+              <a:spcBef>
+                <a:spcPts val="0"/>
+              </a:spcBef>
+            </a:pPr>
+            <a:r>
+              <a:rPr lang="en"/>
+              <a:t>The words are stemmed</a:t>
+            </a:r>
+          </a:p>
+        </p:txBody>
+      </p:sp>
+      <p:sp>
+        <p:nvSpPr>
+          <p:cNvPr id="199" name="Shape 199"/>
+          <p:cNvSpPr txBox="1"/>
+          <p:nvPr>
+            <p:ph type="title"/>
+          </p:nvPr>
+        </p:nvSpPr>
+        <p:spPr>
+          <a:xfrm>
+            <a:off x="377075" y="1017800"/>
+            <a:ext cx="8520600" cy="607800"/>
+          </a:xfrm>
+          <a:prstGeom prst="rect">
+            <a:avLst/>
+          </a:prstGeom>
+        </p:spPr>
+        <p:txBody>
+          <a:bodyPr anchorCtr="0" anchor="t" bIns="91425" lIns="91425" rIns="91425" tIns="91425">
+            <a:noAutofit/>
+          </a:bodyPr>
+          <a:lstStyle/>
+          <a:p>
+            <a:pPr lvl="0" rtl="0">
+              <a:spcBef>
+                <a:spcPts val="0"/>
+              </a:spcBef>
+              <a:buNone/>
+            </a:pPr>
+            <a:r>
+              <a:rPr lang="en" sz="2400" u="sng">
+                <a:solidFill>
+                  <a:srgbClr val="000000"/>
+                </a:solidFill>
+              </a:rPr>
+              <a:t>Preprocessing</a:t>
+            </a:r>
+          </a:p>
+        </p:txBody>
+      </p:sp>
+      <p:sp>
+        <p:nvSpPr>
+          <p:cNvPr id="200" name="Shape 200"/>
+          <p:cNvSpPr txBox="1"/>
+          <p:nvPr>
+            <p:ph idx="12" type="sldNum"/>
+          </p:nvPr>
+        </p:nvSpPr>
+        <p:spPr>
+          <a:xfrm>
+            <a:off x="8460431" y="4651190"/>
+            <a:ext cx="548700" cy="393600"/>
+          </a:xfrm>
+          <a:prstGeom prst="rect">
+            <a:avLst/>
+          </a:prstGeom>
+        </p:spPr>
+        <p:txBody>
+          <a:bodyPr anchorCtr="0" anchor="ctr" bIns="91425" lIns="91425" rIns="91425" tIns="91425">
+            <a:noAutofit/>
+          </a:bodyPr>
+          <a:lstStyle/>
+          <a:p>
+            <a:pPr lvl="0">
+              <a:spcBef>
+                <a:spcPts val="0"/>
+              </a:spcBef>
+              <a:buNone/>
+            </a:pPr>
+            <a:fld id="{00000000-1234-1234-1234-123412341234}" type="slidenum">
+              <a:rPr lang="en"/>
+              <a:t>‹#›</a:t>
+            </a:fld>
           </a:p>
         </p:txBody>
       </p:sp>
@@ -10146,12 +9113,12 @@
 </p:sld>
 </file>
 
-<file path=ppt/slides/slide2.xml><?xml version="1.0" encoding="utf-8"?>
+<file path=ppt/slides/slide14.xml><?xml version="1.0" encoding="utf-8"?>
 <p:sld xmlns:a="http://schemas.openxmlformats.org/drawingml/2006/main" xmlns:r="http://schemas.openxmlformats.org/officeDocument/2006/relationships" xmlns:mc="http://schemas.openxmlformats.org/markup-compatibility/2006" xmlns:mv="urn:schemas-microsoft-com:mac:vml" xmlns:p="http://schemas.openxmlformats.org/presentationml/2006/main" xmlns:c="http://schemas.openxmlformats.org/drawingml/2006/chart" xmlns:dgm="http://schemas.openxmlformats.org/drawingml/2006/diagram" xmlns:o="urn:schemas-microsoft-com:office:office" xmlns:v="urn:schemas-microsoft-com:vml" xmlns:pvml="urn:schemas-microsoft-com:office:powerpoint" xmlns:com="http://schemas.openxmlformats.org/drawingml/2006/compatibility" xmlns:p14="http://schemas.microsoft.com/office/powerpoint/2010/main">
   <p:cSld>
     <p:spTree>
       <p:nvGrpSpPr>
-        <p:cNvPr id="90" name="Shape 90"/>
+        <p:cNvPr id="204" name="Shape 204"/>
         <p:cNvGrpSpPr/>
         <p:nvPr/>
       </p:nvGrpSpPr>
@@ -10165,7 +9132,7 @@
       </p:grpSpPr>
       <p:sp>
         <p:nvSpPr>
-          <p:cNvPr id="91" name="Shape 91"/>
+          <p:cNvPr id="205" name="Shape 205"/>
           <p:cNvSpPr txBox="1"/>
           <p:nvPr>
             <p:ph type="title"/>
@@ -10173,7 +9140,7 @@
         </p:nvSpPr>
         <p:spPr>
           <a:xfrm>
-            <a:off x="311700" y="86925"/>
+            <a:off x="311700" y="410000"/>
             <a:ext cx="8520600" cy="607800"/>
           </a:xfrm>
           <a:prstGeom prst="rect">
@@ -10194,14 +9161,26 @@
             </a:pPr>
             <a:r>
               <a:rPr lang="en"/>
-              <a:t>Overview</a:t>
-            </a:r>
-          </a:p>
-        </p:txBody>
-      </p:sp>
-      <p:sp>
-        <p:nvSpPr>
-          <p:cNvPr id="92" name="Shape 92"/>
+              <a:t>Dataset Preprocessing(4/5)</a:t>
+            </a:r>
+          </a:p>
+          <a:p>
+            <a:pPr lvl="0">
+              <a:spcBef>
+                <a:spcPts val="0"/>
+              </a:spcBef>
+              <a:buNone/>
+            </a:pPr>
+            <a:r>
+              <a:t/>
+            </a:r>
+            <a:endParaRPr/>
+          </a:p>
+        </p:txBody>
+      </p:sp>
+      <p:sp>
+        <p:nvSpPr>
+          <p:cNvPr id="206" name="Shape 206"/>
           <p:cNvSpPr txBox="1"/>
           <p:nvPr>
             <p:ph idx="1" type="body"/>
@@ -10209,8 +9188,8 @@
         </p:nvSpPr>
         <p:spPr>
           <a:xfrm>
-            <a:off x="311700" y="694725"/>
-            <a:ext cx="8520600" cy="4122900"/>
+            <a:off x="311700" y="1744250"/>
+            <a:ext cx="8520600" cy="2824500"/>
           </a:xfrm>
           <a:prstGeom prst="rect">
             <a:avLst/>
@@ -10222,196 +9201,125 @@
           </a:bodyPr>
           <a:lstStyle/>
           <a:p>
-            <a:pPr indent="-317500" lvl="0" marL="457200" rtl="0">
+            <a:pPr indent="-228600" lvl="0" marL="457200" rtl="0">
               <a:lnSpc>
                 <a:spcPct val="150000"/>
               </a:lnSpc>
               <a:spcBef>
                 <a:spcPts val="0"/>
               </a:spcBef>
-              <a:buSzPct val="100000"/>
-              <a:buChar char="➢"/>
-            </a:pPr>
-            <a:r>
-              <a:rPr lang="en" sz="1400"/>
-              <a:t>Introduction</a:t>
-            </a:r>
-          </a:p>
-          <a:p>
-            <a:pPr indent="-317500" lvl="0" marL="457200" rtl="0">
+            </a:pPr>
+            <a:r>
+              <a:rPr lang="en"/>
+              <a:t>Each word in the pool of words corresponding to each aspects is compared with all words of sentence </a:t>
+            </a:r>
+          </a:p>
+          <a:p>
+            <a:pPr indent="-228600" lvl="0" marL="457200" rtl="0">
               <a:lnSpc>
                 <a:spcPct val="150000"/>
               </a:lnSpc>
               <a:spcBef>
                 <a:spcPts val="0"/>
               </a:spcBef>
-              <a:buSzPct val="100000"/>
-              <a:buChar char="➢"/>
-            </a:pPr>
-            <a:r>
-              <a:rPr lang="en" sz="1400"/>
-              <a:t>Motivation</a:t>
-            </a:r>
-          </a:p>
-          <a:p>
-            <a:pPr indent="-317500" lvl="0" marL="457200" rtl="0">
+            </a:pPr>
+            <a:r>
+              <a:rPr lang="en"/>
+              <a:t> If any word is present, the sentence belongs to the corresponding aspect.</a:t>
+            </a:r>
+          </a:p>
+          <a:p>
+            <a:pPr indent="-228600" lvl="0" marL="457200">
               <a:lnSpc>
                 <a:spcPct val="150000"/>
               </a:lnSpc>
               <a:spcBef>
                 <a:spcPts val="0"/>
               </a:spcBef>
-              <a:buSzPct val="100000"/>
-              <a:buChar char="➢"/>
-            </a:pPr>
-            <a:r>
-              <a:rPr lang="en" sz="1400"/>
-              <a:t>Literature Review</a:t>
-            </a:r>
-          </a:p>
-          <a:p>
-            <a:pPr indent="-317500" lvl="0" marL="457200" rtl="0">
-              <a:lnSpc>
-                <a:spcPct val="150000"/>
-              </a:lnSpc>
-              <a:spcBef>
-                <a:spcPts val="0"/>
-              </a:spcBef>
-              <a:buSzPct val="100000"/>
-              <a:buChar char="➢"/>
-            </a:pPr>
-            <a:r>
-              <a:rPr lang="en" sz="1400"/>
-              <a:t>Proposed Work</a:t>
-            </a:r>
-          </a:p>
-          <a:p>
-            <a:pPr indent="-317500" lvl="0" marL="457200" rtl="0">
-              <a:lnSpc>
-                <a:spcPct val="150000"/>
-              </a:lnSpc>
-              <a:spcBef>
-                <a:spcPts val="0"/>
-              </a:spcBef>
-              <a:buSzPct val="100000"/>
-              <a:buChar char="➢"/>
-            </a:pPr>
-            <a:r>
-              <a:rPr lang="en" sz="1400"/>
-              <a:t>Scraper and Aspect Extraction</a:t>
-            </a:r>
-          </a:p>
-          <a:p>
-            <a:pPr indent="-317500" lvl="0" marL="457200" rtl="0">
-              <a:lnSpc>
-                <a:spcPct val="150000"/>
-              </a:lnSpc>
-              <a:spcBef>
-                <a:spcPts val="0"/>
-              </a:spcBef>
-              <a:buSzPct val="100000"/>
-              <a:buChar char="➢"/>
-            </a:pPr>
-            <a:r>
-              <a:rPr lang="en" sz="1400"/>
-              <a:t>Dataset Preparation</a:t>
-            </a:r>
-          </a:p>
-          <a:p>
-            <a:pPr indent="-317500" lvl="0" marL="457200" rtl="0">
-              <a:lnSpc>
-                <a:spcPct val="150000"/>
-              </a:lnSpc>
-              <a:spcBef>
-                <a:spcPts val="0"/>
-              </a:spcBef>
-              <a:buSzPct val="100000"/>
-              <a:buChar char="➢"/>
-            </a:pPr>
-            <a:r>
-              <a:rPr lang="en" sz="1400"/>
-              <a:t>Sentiment Analysis</a:t>
-            </a:r>
-          </a:p>
-          <a:p>
-            <a:pPr indent="-317500" lvl="0" marL="457200" rtl="0">
-              <a:lnSpc>
-                <a:spcPct val="150000"/>
-              </a:lnSpc>
-              <a:spcBef>
-                <a:spcPts val="0"/>
-              </a:spcBef>
-              <a:buSzPct val="100000"/>
-              <a:buChar char="➢"/>
-            </a:pPr>
-            <a:r>
-              <a:rPr lang="en" sz="1400"/>
-              <a:t>Results</a:t>
-            </a:r>
-          </a:p>
-          <a:p>
-            <a:pPr indent="-317500" lvl="0" marL="457200" rtl="0">
-              <a:lnSpc>
-                <a:spcPct val="150000"/>
-              </a:lnSpc>
-              <a:spcBef>
-                <a:spcPts val="0"/>
-              </a:spcBef>
-              <a:buSzPct val="100000"/>
-              <a:buChar char="➢"/>
-            </a:pPr>
-            <a:r>
-              <a:rPr lang="en" sz="1400"/>
-              <a:t>Limitations</a:t>
-            </a:r>
-          </a:p>
-          <a:p>
-            <a:pPr indent="-317500" lvl="0" marL="457200" rtl="0">
-              <a:lnSpc>
-                <a:spcPct val="150000"/>
-              </a:lnSpc>
-              <a:spcBef>
-                <a:spcPts val="0"/>
-              </a:spcBef>
-              <a:buSzPct val="100000"/>
-              <a:buChar char="➢"/>
-            </a:pPr>
-            <a:r>
-              <a:rPr lang="en" sz="1400"/>
-              <a:t>Conclusion</a:t>
-            </a:r>
-          </a:p>
-          <a:p>
-            <a:pPr indent="-317500" lvl="0" marL="457200" rtl="0">
-              <a:lnSpc>
-                <a:spcPct val="150000"/>
-              </a:lnSpc>
-              <a:spcBef>
-                <a:spcPts val="0"/>
-              </a:spcBef>
-              <a:buSzPct val="100000"/>
-              <a:buChar char="➢"/>
-            </a:pPr>
-            <a:r>
-              <a:rPr lang="en" sz="1400"/>
-              <a:t>Future Work</a:t>
-            </a:r>
-          </a:p>
-          <a:p>
-            <a:pPr indent="-317500" lvl="0" marL="457200" rtl="0">
-              <a:lnSpc>
-                <a:spcPct val="150000"/>
-              </a:lnSpc>
-              <a:spcBef>
-                <a:spcPts val="0"/>
-              </a:spcBef>
-              <a:buSzPct val="100000"/>
-              <a:buChar char="➢"/>
-            </a:pPr>
-            <a:r>
-              <a:rPr lang="en" sz="1400"/>
-              <a:t>References</a:t>
-            </a:r>
+            </a:pPr>
+            <a:r>
+              <a:rPr lang="en"/>
+              <a:t>If the word count for each sentence is greater than 1, the words are joined to form sentence which is preprocessed.</a:t>
+            </a:r>
+            <a:br>
+              <a:rPr lang="en"/>
+            </a:br>
+          </a:p>
+        </p:txBody>
+      </p:sp>
+      <p:sp>
+        <p:nvSpPr>
+          <p:cNvPr id="207" name="Shape 207"/>
+          <p:cNvSpPr txBox="1"/>
+          <p:nvPr>
+            <p:ph type="title"/>
+          </p:nvPr>
+        </p:nvSpPr>
+        <p:spPr>
+          <a:xfrm>
+            <a:off x="311700" y="961000"/>
+            <a:ext cx="8520600" cy="607800"/>
+          </a:xfrm>
+          <a:prstGeom prst="rect">
+            <a:avLst/>
+          </a:prstGeom>
+        </p:spPr>
+        <p:txBody>
+          <a:bodyPr anchorCtr="0" anchor="t" bIns="91425" lIns="91425" rIns="91425" tIns="91425">
+            <a:noAutofit/>
+          </a:bodyPr>
+          <a:lstStyle/>
+          <a:p>
+            <a:pPr lvl="0" rtl="0">
+              <a:spcBef>
+                <a:spcPts val="0"/>
+              </a:spcBef>
+              <a:buNone/>
+            </a:pPr>
+            <a:r>
+              <a:rPr lang="en" sz="2400" u="sng">
+                <a:solidFill>
+                  <a:srgbClr val="000000"/>
+                </a:solidFill>
+              </a:rPr>
+              <a:t>Aspect Sentence Classifier-Lexical Approach</a:t>
+            </a:r>
+          </a:p>
+        </p:txBody>
+      </p:sp>
+      <p:sp>
+        <p:nvSpPr>
+          <p:cNvPr id="208" name="Shape 208"/>
+          <p:cNvSpPr txBox="1"/>
+          <p:nvPr>
+            <p:ph idx="12" type="sldNum"/>
+          </p:nvPr>
+        </p:nvSpPr>
+        <p:spPr>
+          <a:xfrm>
+            <a:off x="8460431" y="4651190"/>
+            <a:ext cx="548700" cy="393600"/>
+          </a:xfrm>
+          <a:prstGeom prst="rect">
+            <a:avLst/>
+          </a:prstGeom>
+        </p:spPr>
+        <p:txBody>
+          <a:bodyPr anchorCtr="0" anchor="ctr" bIns="91425" lIns="91425" rIns="91425" tIns="91425">
+            <a:noAutofit/>
+          </a:bodyPr>
+          <a:lstStyle/>
+          <a:p>
+            <a:pPr lvl="0">
+              <a:spcBef>
+                <a:spcPts val="0"/>
+              </a:spcBef>
+              <a:buNone/>
+            </a:pPr>
+            <a:fld id="{00000000-1234-1234-1234-123412341234}" type="slidenum">
+              <a:rPr lang="en"/>
+              <a:t>‹#›</a:t>
+            </a:fld>
           </a:p>
         </p:txBody>
       </p:sp>
@@ -10423,12 +9331,12 @@
 </p:sld>
 </file>
 
-<file path=ppt/slides/slide20.xml><?xml version="1.0" encoding="utf-8"?>
+<file path=ppt/slides/slide15.xml><?xml version="1.0" encoding="utf-8"?>
 <p:sld xmlns:a="http://schemas.openxmlformats.org/drawingml/2006/main" xmlns:r="http://schemas.openxmlformats.org/officeDocument/2006/relationships" xmlns:mc="http://schemas.openxmlformats.org/markup-compatibility/2006" xmlns:mv="urn:schemas-microsoft-com:mac:vml" xmlns:p="http://schemas.openxmlformats.org/presentationml/2006/main" xmlns:c="http://schemas.openxmlformats.org/drawingml/2006/chart" xmlns:dgm="http://schemas.openxmlformats.org/drawingml/2006/diagram" xmlns:o="urn:schemas-microsoft-com:office:office" xmlns:v="urn:schemas-microsoft-com:vml" xmlns:pvml="urn:schemas-microsoft-com:office:powerpoint" xmlns:com="http://schemas.openxmlformats.org/drawingml/2006/compatibility" xmlns:p14="http://schemas.microsoft.com/office/powerpoint/2010/main">
   <p:cSld>
     <p:spTree>
       <p:nvGrpSpPr>
-        <p:cNvPr id="202" name="Shape 202"/>
+        <p:cNvPr id="212" name="Shape 212"/>
         <p:cNvGrpSpPr/>
         <p:nvPr/>
       </p:nvGrpSpPr>
@@ -10442,7 +9350,7 @@
       </p:grpSpPr>
       <p:sp>
         <p:nvSpPr>
-          <p:cNvPr id="203" name="Shape 203"/>
+          <p:cNvPr id="213" name="Shape 213"/>
           <p:cNvSpPr txBox="1"/>
           <p:nvPr>
             <p:ph type="title"/>
@@ -10463,22 +9371,34 @@
           </a:bodyPr>
           <a:lstStyle/>
           <a:p>
-            <a:pPr lvl="0">
-              <a:spcBef>
-                <a:spcPts val="0"/>
-              </a:spcBef>
-              <a:buNone/>
-            </a:pPr>
-            <a:r>
-              <a:rPr lang="en"/>
-              <a:t>Result(1/6)	</a:t>
-            </a:r>
-          </a:p>
-        </p:txBody>
-      </p:sp>
-      <p:sp>
-        <p:nvSpPr>
-          <p:cNvPr id="204" name="Shape 204"/>
+            <a:pPr lvl="0" rtl="0">
+              <a:spcBef>
+                <a:spcPts val="0"/>
+              </a:spcBef>
+              <a:buNone/>
+            </a:pPr>
+            <a:r>
+              <a:rPr lang="en"/>
+              <a:t>Dataset Preprocessing(5/5)</a:t>
+            </a:r>
+          </a:p>
+          <a:p>
+            <a:pPr lvl="0" rtl="0">
+              <a:spcBef>
+                <a:spcPts val="0"/>
+              </a:spcBef>
+              <a:buNone/>
+            </a:pPr>
+            <a:r>
+              <a:t/>
+            </a:r>
+            <a:endParaRPr/>
+          </a:p>
+        </p:txBody>
+      </p:sp>
+      <p:sp>
+        <p:nvSpPr>
+          <p:cNvPr id="214" name="Shape 214"/>
           <p:cNvSpPr txBox="1"/>
           <p:nvPr>
             <p:ph idx="1" type="body"/>
@@ -10486,8 +9406,8 @@
         </p:nvSpPr>
         <p:spPr>
           <a:xfrm>
-            <a:off x="311700" y="1017800"/>
-            <a:ext cx="8520600" cy="3339000"/>
+            <a:off x="311700" y="1744250"/>
+            <a:ext cx="8520600" cy="2824500"/>
           </a:xfrm>
           <a:prstGeom prst="rect">
             <a:avLst/>
@@ -10500,96 +9420,134 @@
           <a:lstStyle/>
           <a:p>
             <a:pPr indent="-228600" lvl="0" marL="457200" rtl="0">
-              <a:lnSpc>
-                <a:spcPct val="150000"/>
-              </a:lnSpc>
-              <a:spcBef>
-                <a:spcPts val="0"/>
-              </a:spcBef>
-            </a:pPr>
-            <a:r>
-              <a:rPr lang="en"/>
-              <a:t>Required Result : A graph representing the </a:t>
-            </a:r>
-            <a:r>
-              <a:rPr lang="en"/>
-              <a:t>corresponding values of each aspect for a particular company.</a:t>
+              <a:spcBef>
+                <a:spcPts val="0"/>
+              </a:spcBef>
+            </a:pPr>
+            <a:r>
+              <a:rPr lang="en"/>
+              <a:t>Features are unigram.</a:t>
             </a:r>
           </a:p>
           <a:p>
             <a:pPr indent="-228600" lvl="0" marL="457200" rtl="0">
-              <a:lnSpc>
-                <a:spcPct val="150000"/>
-              </a:lnSpc>
-              <a:spcBef>
-                <a:spcPts val="0"/>
-              </a:spcBef>
-            </a:pPr>
-            <a:r>
-              <a:rPr lang="en"/>
-              <a:t>Reviews of Samsung is fetched from indeed.com</a:t>
+              <a:spcBef>
+                <a:spcPts val="0"/>
+              </a:spcBef>
+            </a:pPr>
+            <a:r>
+              <a:rPr lang="en"/>
+              <a:t>60,000 reviews are preprocessed and trained.</a:t>
             </a:r>
           </a:p>
           <a:p>
             <a:pPr indent="-228600" lvl="0" marL="457200" rtl="0">
-              <a:lnSpc>
-                <a:spcPct val="150000"/>
-              </a:lnSpc>
-              <a:spcBef>
-                <a:spcPts val="0"/>
-              </a:spcBef>
-            </a:pPr>
-            <a:r>
-              <a:rPr lang="en"/>
-              <a:t>The reviews are split into sentences and  preprocessed, which removes stopwords, non-english words.</a:t>
+              <a:spcBef>
+                <a:spcPts val="0"/>
+              </a:spcBef>
+            </a:pPr>
+            <a:r>
+              <a:rPr lang="en"/>
+              <a:t>The trained model is saved in a file using pickle module in python.</a:t>
             </a:r>
           </a:p>
           <a:p>
             <a:pPr indent="-228600" lvl="0" marL="457200" rtl="0">
-              <a:lnSpc>
-                <a:spcPct val="150000"/>
-              </a:lnSpc>
-              <a:spcBef>
-                <a:spcPts val="0"/>
-              </a:spcBef>
-            </a:pPr>
-            <a:r>
-              <a:rPr lang="en"/>
-              <a:t>Each words are stemmed</a:t>
+              <a:spcBef>
+                <a:spcPts val="0"/>
+              </a:spcBef>
+            </a:pPr>
+            <a:r>
+              <a:rPr lang="en"/>
+              <a:t>The test set =10,000</a:t>
             </a:r>
           </a:p>
           <a:p>
             <a:pPr indent="-228600" lvl="0" marL="457200" rtl="0">
-              <a:lnSpc>
-                <a:spcPct val="150000"/>
-              </a:lnSpc>
-              <a:spcBef>
-                <a:spcPts val="0"/>
-              </a:spcBef>
-            </a:pPr>
-            <a:r>
-              <a:rPr lang="en"/>
-              <a:t> </a:t>
-            </a:r>
-            <a:r>
-              <a:rPr lang="en"/>
-              <a:t>Aspect of each sentence is obtained using lexical approach and naivebayes approach.</a:t>
-            </a:r>
-          </a:p>
+              <a:spcBef>
+                <a:spcPts val="0"/>
+              </a:spcBef>
+            </a:pPr>
+            <a:r>
+              <a:rPr lang="en"/>
+              <a:t>accuracy-&gt; 75.16%</a:t>
+            </a:r>
+          </a:p>
+        </p:txBody>
+      </p:sp>
+      <p:sp>
+        <p:nvSpPr>
+          <p:cNvPr id="215" name="Shape 215"/>
+          <p:cNvSpPr txBox="1"/>
+          <p:nvPr>
+            <p:ph type="title"/>
+          </p:nvPr>
+        </p:nvSpPr>
+        <p:spPr>
+          <a:xfrm>
+            <a:off x="311700" y="961000"/>
+            <a:ext cx="8520600" cy="607800"/>
+          </a:xfrm>
+          <a:prstGeom prst="rect">
+            <a:avLst/>
+          </a:prstGeom>
+        </p:spPr>
+        <p:txBody>
+          <a:bodyPr anchorCtr="0" anchor="t" bIns="91425" lIns="91425" rIns="91425" tIns="91425">
+            <a:noAutofit/>
+          </a:bodyPr>
+          <a:lstStyle/>
+          <a:p>
+            <a:pPr lvl="0" rtl="0">
+              <a:spcBef>
+                <a:spcPts val="0"/>
+              </a:spcBef>
+              <a:buNone/>
+            </a:pPr>
+            <a:r>
+              <a:rPr lang="en" sz="2400" u="sng">
+                <a:solidFill>
+                  <a:srgbClr val="000000"/>
+                </a:solidFill>
+              </a:rPr>
+              <a:t>Aspect Sentence Classifier-NaiveBayes Approach</a:t>
+            </a:r>
+          </a:p>
+        </p:txBody>
+      </p:sp>
+      <p:sp>
+        <p:nvSpPr>
+          <p:cNvPr id="216" name="Shape 216"/>
+          <p:cNvSpPr txBox="1"/>
+          <p:nvPr>
+            <p:ph idx="12" type="sldNum"/>
+          </p:nvPr>
+        </p:nvSpPr>
+        <p:spPr>
+          <a:xfrm>
+            <a:off x="8460431" y="4651190"/>
+            <a:ext cx="548700" cy="393600"/>
+          </a:xfrm>
+          <a:prstGeom prst="rect">
+            <a:avLst/>
+          </a:prstGeom>
+        </p:spPr>
+        <p:txBody>
+          <a:bodyPr anchorCtr="0" anchor="ctr" bIns="91425" lIns="91425" rIns="91425" tIns="91425">
+            <a:noAutofit/>
+          </a:bodyPr>
+          <a:lstStyle/>
           <a:p>
             <a:pPr lvl="0">
-              <a:lnSpc>
-                <a:spcPct val="150000"/>
-              </a:lnSpc>
-              <a:spcBef>
-                <a:spcPts val="0"/>
-              </a:spcBef>
-              <a:buNone/>
-            </a:pPr>
-            <a:r>
-              <a:t/>
-            </a:r>
-            <a:endParaRPr/>
+              <a:spcBef>
+                <a:spcPts val="0"/>
+              </a:spcBef>
+              <a:buNone/>
+            </a:pPr>
+            <a:fld id="{00000000-1234-1234-1234-123412341234}" type="slidenum">
+              <a:rPr lang="en"/>
+              <a:t>‹#›</a:t>
+            </a:fld>
           </a:p>
         </p:txBody>
       </p:sp>
@@ -10601,12 +9559,12 @@
 </p:sld>
 </file>
 
-<file path=ppt/slides/slide21.xml><?xml version="1.0" encoding="utf-8"?>
+<file path=ppt/slides/slide16.xml><?xml version="1.0" encoding="utf-8"?>
 <p:sld xmlns:a="http://schemas.openxmlformats.org/drawingml/2006/main" xmlns:r="http://schemas.openxmlformats.org/officeDocument/2006/relationships" xmlns:mc="http://schemas.openxmlformats.org/markup-compatibility/2006" xmlns:mv="urn:schemas-microsoft-com:mac:vml" xmlns:p="http://schemas.openxmlformats.org/presentationml/2006/main" xmlns:c="http://schemas.openxmlformats.org/drawingml/2006/chart" xmlns:dgm="http://schemas.openxmlformats.org/drawingml/2006/diagram" xmlns:o="urn:schemas-microsoft-com:office:office" xmlns:v="urn:schemas-microsoft-com:vml" xmlns:pvml="urn:schemas-microsoft-com:office:powerpoint" xmlns:com="http://schemas.openxmlformats.org/drawingml/2006/compatibility" xmlns:p14="http://schemas.microsoft.com/office/powerpoint/2010/main">
   <p:cSld>
     <p:spTree>
       <p:nvGrpSpPr>
-        <p:cNvPr id="208" name="Shape 208"/>
+        <p:cNvPr id="220" name="Shape 220"/>
         <p:cNvGrpSpPr/>
         <p:nvPr/>
       </p:nvGrpSpPr>
@@ -10620,7 +9578,7 @@
       </p:grpSpPr>
       <p:sp>
         <p:nvSpPr>
-          <p:cNvPr id="209" name="Shape 209"/>
+          <p:cNvPr id="221" name="Shape 221"/>
           <p:cNvSpPr txBox="1"/>
           <p:nvPr>
             <p:ph type="title"/>
@@ -10641,22 +9599,22 @@
           </a:bodyPr>
           <a:lstStyle/>
           <a:p>
-            <a:pPr lvl="0" rtl="0">
-              <a:spcBef>
-                <a:spcPts val="0"/>
-              </a:spcBef>
-              <a:buNone/>
-            </a:pPr>
-            <a:r>
-              <a:rPr lang="en"/>
-              <a:t>Result(2/6)	</a:t>
-            </a:r>
-          </a:p>
-        </p:txBody>
-      </p:sp>
-      <p:sp>
-        <p:nvSpPr>
-          <p:cNvPr id="210" name="Shape 210"/>
+            <a:pPr lvl="0">
+              <a:spcBef>
+                <a:spcPts val="0"/>
+              </a:spcBef>
+              <a:buNone/>
+            </a:pPr>
+            <a:r>
+              <a:rPr lang="en"/>
+              <a:t>Sentiment Analysis(1/4)</a:t>
+            </a:r>
+          </a:p>
+        </p:txBody>
+      </p:sp>
+      <p:sp>
+        <p:nvSpPr>
+          <p:cNvPr id="222" name="Shape 222"/>
           <p:cNvSpPr txBox="1"/>
           <p:nvPr>
             <p:ph idx="1" type="body"/>
@@ -10664,8 +9622,8 @@
         </p:nvSpPr>
         <p:spPr>
           <a:xfrm>
-            <a:off x="311700" y="1017800"/>
-            <a:ext cx="8520600" cy="3339000"/>
+            <a:off x="311700" y="947025"/>
+            <a:ext cx="8520600" cy="3698100"/>
           </a:xfrm>
           <a:prstGeom prst="rect">
             <a:avLst/>
@@ -10677,46 +9635,188 @@
           </a:bodyPr>
           <a:lstStyle/>
           <a:p>
+            <a:pPr lvl="0">
+              <a:spcBef>
+                <a:spcPts val="0"/>
+              </a:spcBef>
+              <a:buNone/>
+            </a:pPr>
+            <a:r>
+              <a:rPr lang="en"/>
+              <a:t>Five classes are there for classifying: neg, sli_neg, neutral, sli_pos, pos</a:t>
+            </a:r>
+          </a:p>
+          <a:p>
+            <a:pPr lvl="0" rtl="0">
+              <a:spcBef>
+                <a:spcPts val="0"/>
+              </a:spcBef>
+              <a:buNone/>
+            </a:pPr>
+            <a:r>
+              <a:rPr lang="en"/>
+              <a:t>There are two models</a:t>
+            </a:r>
+          </a:p>
+          <a:p>
             <a:pPr indent="-228600" lvl="0" marL="457200" rtl="0">
+              <a:spcBef>
+                <a:spcPts val="0"/>
+              </a:spcBef>
+            </a:pPr>
+            <a:r>
+              <a:rPr lang="en"/>
+              <a:t>NaiveBayes Classifier</a:t>
+            </a:r>
+          </a:p>
+          <a:p>
+            <a:pPr indent="-228600" lvl="1" marL="914400" rtl="0">
+              <a:spcBef>
+                <a:spcPts val="0"/>
+              </a:spcBef>
+            </a:pPr>
+            <a:r>
+              <a:rPr lang="en"/>
+              <a:t>Feature = Unigram</a:t>
+            </a:r>
+          </a:p>
+          <a:p>
+            <a:pPr indent="-228600" lvl="2" marL="1371600" rtl="0">
+              <a:spcBef>
+                <a:spcPts val="0"/>
+              </a:spcBef>
+            </a:pPr>
+            <a:r>
+              <a:rPr lang="en"/>
+              <a:t>Size of feature = 6544</a:t>
+            </a:r>
+          </a:p>
+          <a:p>
+            <a:pPr indent="-228600" lvl="2" marL="1371600" rtl="0">
+              <a:spcBef>
+                <a:spcPts val="0"/>
+              </a:spcBef>
+            </a:pPr>
+            <a:r>
+              <a:rPr lang="en"/>
+              <a:t>Entire vocabulary has been used as feature</a:t>
+            </a:r>
+          </a:p>
+          <a:p>
+            <a:pPr indent="-228600" lvl="2" marL="1371600" rtl="0">
+              <a:spcBef>
+                <a:spcPts val="0"/>
+              </a:spcBef>
+            </a:pPr>
+            <a:r>
+              <a:rPr lang="en"/>
+              <a:t>Size of train Dataset = 1,91,378</a:t>
+            </a:r>
+          </a:p>
+          <a:p>
+            <a:pPr indent="-228600" lvl="2" marL="1371600" rtl="0">
+              <a:spcBef>
+                <a:spcPts val="0"/>
+              </a:spcBef>
+            </a:pPr>
+            <a:r>
+              <a:rPr lang="en"/>
+              <a:t>Size of test Dataset = 10,000</a:t>
+            </a:r>
+          </a:p>
+          <a:p>
+            <a:pPr indent="-228600" lvl="2" marL="1371600" rtl="0">
+              <a:spcBef>
+                <a:spcPts val="0"/>
+              </a:spcBef>
+            </a:pPr>
+            <a:r>
+              <a:rPr lang="en"/>
+              <a:t>Most Informative Feature :horribl, terribl, good, best</a:t>
+            </a:r>
+          </a:p>
+          <a:p>
+            <a:pPr indent="-228600" lvl="2" marL="1371600" rtl="0">
+              <a:spcBef>
+                <a:spcPts val="0"/>
+              </a:spcBef>
+            </a:pPr>
+            <a:r>
+              <a:rPr lang="en"/>
+              <a:t>Accuracy =  73.91%</a:t>
+            </a:r>
+          </a:p>
+          <a:p>
+            <a:pPr indent="0" lvl="0" marL="457200" marR="0" rtl="0" algn="l">
               <a:lnSpc>
-                <a:spcPct val="150000"/>
+                <a:spcPct val="115000"/>
               </a:lnSpc>
               <a:spcBef>
                 <a:spcPts val="0"/>
               </a:spcBef>
-            </a:pPr>
-            <a:r>
-              <a:rPr lang="en"/>
-              <a:t>The polarity of each sentence is computed using different models and added to the polarity of corresponding aspect.</a:t>
-            </a:r>
-          </a:p>
-          <a:p>
-            <a:pPr indent="-228600" lvl="0" marL="457200" rtl="0">
+              <a:spcAft>
+                <a:spcPts val="1600"/>
+              </a:spcAft>
+              <a:buNone/>
+            </a:pPr>
+            <a:r>
+              <a:t/>
+            </a:r>
+            <a:endParaRPr/>
+          </a:p>
+          <a:p>
+            <a:pPr lvl="0" marR="0" rtl="0" algn="l">
               <a:lnSpc>
-                <a:spcPct val="150000"/>
+                <a:spcPct val="115000"/>
               </a:lnSpc>
               <a:spcBef>
                 <a:spcPts val="0"/>
               </a:spcBef>
-            </a:pPr>
-            <a:r>
-              <a:rPr lang="en"/>
-              <a:t>The average polarity  of individual aspects are computed and displayed. </a:t>
-            </a:r>
-          </a:p>
-          <a:p>
-            <a:pPr indent="-228600" lvl="0" marL="457200" rtl="0">
-              <a:lnSpc>
-                <a:spcPct val="150000"/>
-              </a:lnSpc>
-              <a:spcBef>
-                <a:spcPts val="0"/>
-              </a:spcBef>
-            </a:pPr>
-            <a:r>
-              <a:rPr lang="en"/>
-              <a:t>Overall polarity is computed by taking average polarity of all the 7 aspects.</a:t>
-            </a:r>
+              <a:spcAft>
+                <a:spcPts val="1600"/>
+              </a:spcAft>
+              <a:buNone/>
+            </a:pPr>
+            <a:r>
+              <a:t/>
+            </a:r>
+            <a:endParaRPr/>
+          </a:p>
+        </p:txBody>
+      </p:sp>
+      <p:sp>
+        <p:nvSpPr>
+          <p:cNvPr id="223" name="Shape 223"/>
+          <p:cNvSpPr txBox="1"/>
+          <p:nvPr>
+            <p:ph idx="12" type="sldNum"/>
+          </p:nvPr>
+        </p:nvSpPr>
+        <p:spPr>
+          <a:xfrm>
+            <a:off x="8460431" y="4651190"/>
+            <a:ext cx="548700" cy="393600"/>
+          </a:xfrm>
+          <a:prstGeom prst="rect">
+            <a:avLst/>
+          </a:prstGeom>
+        </p:spPr>
+        <p:txBody>
+          <a:bodyPr anchorCtr="0" anchor="ctr" bIns="91425" lIns="91425" rIns="91425" tIns="91425">
+            <a:noAutofit/>
+          </a:bodyPr>
+          <a:lstStyle/>
+          <a:p>
+            <a:pPr lvl="0">
+              <a:spcBef>
+                <a:spcPts val="0"/>
+              </a:spcBef>
+              <a:buNone/>
+            </a:pPr>
+            <a:fld id="{00000000-1234-1234-1234-123412341234}" type="slidenum">
+              <a:rPr lang="en"/>
+              <a:t>‹#›</a:t>
+            </a:fld>
           </a:p>
         </p:txBody>
       </p:sp>
@@ -10728,12 +9828,12 @@
 </p:sld>
 </file>
 
-<file path=ppt/slides/slide22.xml><?xml version="1.0" encoding="utf-8"?>
+<file path=ppt/slides/slide17.xml><?xml version="1.0" encoding="utf-8"?>
 <p:sld xmlns:a="http://schemas.openxmlformats.org/drawingml/2006/main" xmlns:r="http://schemas.openxmlformats.org/officeDocument/2006/relationships" xmlns:mc="http://schemas.openxmlformats.org/markup-compatibility/2006" xmlns:mv="urn:schemas-microsoft-com:mac:vml" xmlns:p="http://schemas.openxmlformats.org/presentationml/2006/main" xmlns:c="http://schemas.openxmlformats.org/drawingml/2006/chart" xmlns:dgm="http://schemas.openxmlformats.org/drawingml/2006/diagram" xmlns:o="urn:schemas-microsoft-com:office:office" xmlns:v="urn:schemas-microsoft-com:vml" xmlns:pvml="urn:schemas-microsoft-com:office:powerpoint" xmlns:com="http://schemas.openxmlformats.org/drawingml/2006/compatibility" xmlns:p14="http://schemas.microsoft.com/office/powerpoint/2010/main">
   <p:cSld>
     <p:spTree>
       <p:nvGrpSpPr>
-        <p:cNvPr id="214" name="Shape 214"/>
+        <p:cNvPr id="227" name="Shape 227"/>
         <p:cNvGrpSpPr/>
         <p:nvPr/>
       </p:nvGrpSpPr>
@@ -10747,7 +9847,7 @@
       </p:grpSpPr>
       <p:sp>
         <p:nvSpPr>
-          <p:cNvPr id="215" name="Shape 215"/>
+          <p:cNvPr id="228" name="Shape 228"/>
           <p:cNvSpPr txBox="1"/>
           <p:nvPr>
             <p:ph type="title"/>
@@ -10755,7 +9855,7 @@
         </p:nvSpPr>
         <p:spPr>
           <a:xfrm>
-            <a:off x="311700" y="114250"/>
+            <a:off x="311700" y="410000"/>
             <a:ext cx="8520600" cy="607800"/>
           </a:xfrm>
           <a:prstGeom prst="rect">
@@ -10768,22 +9868,22 @@
           </a:bodyPr>
           <a:lstStyle/>
           <a:p>
-            <a:pPr lvl="0">
-              <a:spcBef>
-                <a:spcPts val="0"/>
-              </a:spcBef>
-              <a:buNone/>
-            </a:pPr>
-            <a:r>
-              <a:rPr lang="en"/>
-              <a:t>Result(3/6)</a:t>
-            </a:r>
-          </a:p>
-        </p:txBody>
-      </p:sp>
-      <p:sp>
-        <p:nvSpPr>
-          <p:cNvPr id="216" name="Shape 216"/>
+            <a:pPr lvl="0" rtl="0">
+              <a:spcBef>
+                <a:spcPts val="0"/>
+              </a:spcBef>
+              <a:buNone/>
+            </a:pPr>
+            <a:r>
+              <a:rPr lang="en"/>
+              <a:t>Sentiment Analysis(2/4)</a:t>
+            </a:r>
+          </a:p>
+        </p:txBody>
+      </p:sp>
+      <p:sp>
+        <p:nvSpPr>
+          <p:cNvPr id="229" name="Shape 229"/>
           <p:cNvSpPr txBox="1"/>
           <p:nvPr>
             <p:ph idx="1" type="body"/>
@@ -10791,8 +9891,8 @@
         </p:nvSpPr>
         <p:spPr>
           <a:xfrm>
-            <a:off x="311700" y="1294175"/>
-            <a:ext cx="3507300" cy="3339000"/>
+            <a:off x="311700" y="1306075"/>
+            <a:ext cx="8520600" cy="3339000"/>
           </a:xfrm>
           <a:prstGeom prst="rect">
             <a:avLst/>
@@ -10804,10 +9904,115 @@
           </a:bodyPr>
           <a:lstStyle/>
           <a:p>
-            <a:pPr lvl="0">
-              <a:spcBef>
-                <a:spcPts val="0"/>
-              </a:spcBef>
+            <a:pPr indent="-228600" lvl="0" marL="457200" rtl="0">
+              <a:spcBef>
+                <a:spcPts val="0"/>
+              </a:spcBef>
+            </a:pPr>
+            <a:r>
+              <a:rPr lang="en"/>
+              <a:t>NaiveBayes Classifier</a:t>
+            </a:r>
+          </a:p>
+          <a:p>
+            <a:pPr indent="-228600" lvl="1" marL="914400" rtl="0">
+              <a:spcBef>
+                <a:spcPts val="0"/>
+              </a:spcBef>
+            </a:pPr>
+            <a:r>
+              <a:rPr lang="en"/>
+              <a:t>Feature = Bigram</a:t>
+            </a:r>
+          </a:p>
+          <a:p>
+            <a:pPr indent="-228600" lvl="2" marL="1371600" rtl="0">
+              <a:spcBef>
+                <a:spcPts val="0"/>
+              </a:spcBef>
+            </a:pPr>
+            <a:r>
+              <a:rPr lang="en"/>
+              <a:t>Bigram counts are analysed and a threshold is fixed.threshold count= 10</a:t>
+            </a:r>
+          </a:p>
+          <a:p>
+            <a:pPr indent="-228600" lvl="2" marL="1371600" rtl="0">
+              <a:spcBef>
+                <a:spcPts val="0"/>
+              </a:spcBef>
+            </a:pPr>
+            <a:r>
+              <a:rPr lang="en"/>
+              <a:t>Size of feature = 10863</a:t>
+            </a:r>
+          </a:p>
+          <a:p>
+            <a:pPr indent="-228600" lvl="2" marL="1371600" rtl="0">
+              <a:spcBef>
+                <a:spcPts val="0"/>
+              </a:spcBef>
+            </a:pPr>
+            <a:r>
+              <a:rPr lang="en"/>
+              <a:t>Two stemmed words are combined</a:t>
+            </a:r>
+          </a:p>
+          <a:p>
+            <a:pPr indent="-228600" lvl="2" marL="1371600" rtl="0">
+              <a:spcBef>
+                <a:spcPts val="0"/>
+              </a:spcBef>
+            </a:pPr>
+            <a:r>
+              <a:rPr lang="en"/>
+              <a:t>Size of train Dataset = 1,91,378</a:t>
+            </a:r>
+          </a:p>
+          <a:p>
+            <a:pPr indent="-228600" lvl="2" marL="1371600" rtl="0">
+              <a:spcBef>
+                <a:spcPts val="0"/>
+              </a:spcBef>
+            </a:pPr>
+            <a:r>
+              <a:rPr lang="en"/>
+              <a:t>Size of test Dataset = 10,000</a:t>
+            </a:r>
+          </a:p>
+          <a:p>
+            <a:pPr indent="-228600" lvl="2" marL="1371600" rtl="0">
+              <a:spcBef>
+                <a:spcPts val="0"/>
+              </a:spcBef>
+            </a:pPr>
+            <a:r>
+              <a:rPr lang="en"/>
+              <a:t>Most Informative Feature :(great place),(experi good)....</a:t>
+            </a:r>
+          </a:p>
+          <a:p>
+            <a:pPr indent="-228600" lvl="2" marL="1371600" rtl="0">
+              <a:spcBef>
+                <a:spcPts val="0"/>
+              </a:spcBef>
+            </a:pPr>
+            <a:r>
+              <a:rPr lang="en"/>
+              <a:t>Accuracy =  76.15%</a:t>
+            </a:r>
+          </a:p>
+          <a:p>
+            <a:pPr indent="0" lvl="0" marL="457200" marR="0" rtl="0" algn="l">
+              <a:lnSpc>
+                <a:spcPct val="115000"/>
+              </a:lnSpc>
+              <a:spcBef>
+                <a:spcPts val="0"/>
+              </a:spcBef>
+              <a:spcAft>
+                <a:spcPts val="1600"/>
+              </a:spcAft>
               <a:buNone/>
             </a:pPr>
             <a:r>
@@ -10815,140 +10020,62 @@
             </a:r>
             <a:endParaRPr/>
           </a:p>
-        </p:txBody>
-      </p:sp>
-      <p:sp>
-        <p:nvSpPr>
-          <p:cNvPr id="217" name="Shape 217"/>
-          <p:cNvSpPr txBox="1"/>
-          <p:nvPr>
-            <p:ph idx="1" type="body"/>
-          </p:nvPr>
-        </p:nvSpPr>
-        <p:spPr>
-          <a:xfrm>
-            <a:off x="4617725" y="1204150"/>
-            <a:ext cx="3661800" cy="3429000"/>
-          </a:xfrm>
-          <a:prstGeom prst="rect">
-            <a:avLst/>
-          </a:prstGeom>
-        </p:spPr>
-        <p:txBody>
-          <a:bodyPr anchorCtr="0" anchor="t" bIns="91425" lIns="91425" rIns="91425" tIns="91425">
+          <a:p>
+            <a:pPr lvl="0" marR="0" rtl="0" algn="l">
+              <a:lnSpc>
+                <a:spcPct val="115000"/>
+              </a:lnSpc>
+              <a:spcBef>
+                <a:spcPts val="0"/>
+              </a:spcBef>
+              <a:spcAft>
+                <a:spcPts val="1600"/>
+              </a:spcAft>
+              <a:buNone/>
+            </a:pPr>
+            <a:r>
+              <a:rPr lang="en"/>
+              <a:t> </a:t>
+            </a:r>
+          </a:p>
+        </p:txBody>
+      </p:sp>
+      <p:sp>
+        <p:nvSpPr>
+          <p:cNvPr id="230" name="Shape 230"/>
+          <p:cNvSpPr txBox="1"/>
+          <p:nvPr>
+            <p:ph idx="12" type="sldNum"/>
+          </p:nvPr>
+        </p:nvSpPr>
+        <p:spPr>
+          <a:xfrm>
+            <a:off x="8460431" y="4651190"/>
+            <a:ext cx="548700" cy="393600"/>
+          </a:xfrm>
+          <a:prstGeom prst="rect">
+            <a:avLst/>
+          </a:prstGeom>
+        </p:spPr>
+        <p:txBody>
+          <a:bodyPr anchorCtr="0" anchor="ctr" bIns="91425" lIns="91425" rIns="91425" tIns="91425">
             <a:noAutofit/>
           </a:bodyPr>
           <a:lstStyle/>
           <a:p>
-            <a:pPr lvl="0" rtl="0">
-              <a:spcBef>
-                <a:spcPts val="0"/>
-              </a:spcBef>
-              <a:buNone/>
-            </a:pPr>
-            <a:r>
-              <a:t/>
-            </a:r>
-            <a:endParaRPr/>
-          </a:p>
-        </p:txBody>
-      </p:sp>
-      <p:sp>
-        <p:nvSpPr>
-          <p:cNvPr id="218" name="Shape 218"/>
-          <p:cNvSpPr txBox="1"/>
-          <p:nvPr>
-            <p:ph type="title"/>
-          </p:nvPr>
-        </p:nvSpPr>
-        <p:spPr>
-          <a:xfrm>
-            <a:off x="311700" y="722050"/>
-            <a:ext cx="8832300" cy="482100"/>
-          </a:xfrm>
-          <a:prstGeom prst="rect">
-            <a:avLst/>
-          </a:prstGeom>
-        </p:spPr>
-        <p:txBody>
-          <a:bodyPr anchorCtr="0" anchor="t" bIns="91425" lIns="91425" rIns="91425" tIns="91425">
-            <a:noAutofit/>
-          </a:bodyPr>
-          <a:lstStyle/>
-          <a:p>
-            <a:pPr lvl="0" rtl="0">
-              <a:spcBef>
-                <a:spcPts val="0"/>
-              </a:spcBef>
-              <a:buNone/>
-            </a:pPr>
-            <a:r>
-              <a:rPr lang="en" sz="1800"/>
-              <a:t>NaiveBayes Classifier(Unigram) - </a:t>
-            </a:r>
-            <a:r>
-              <a:rPr lang="en" sz="1400"/>
-              <a:t>(Aspect Classifier Lexical Approach: Left and NaiveBayes: Right )</a:t>
-            </a:r>
-          </a:p>
-        </p:txBody>
-      </p:sp>
-      <p:pic>
-        <p:nvPicPr>
-          <p:cNvPr descr="nb_uni_lex.png" id="219" name="Shape 219"/>
-          <p:cNvPicPr preferRelativeResize="0"/>
-          <p:nvPr/>
-        </p:nvPicPr>
-        <p:blipFill>
-          <a:blip r:embed="rId3">
-            <a:alphaModFix/>
-          </a:blip>
-          <a:stretch>
-            <a:fillRect/>
-          </a:stretch>
-        </p:blipFill>
-        <p:spPr>
-          <a:xfrm>
-            <a:off x="311700" y="1204150"/>
-            <a:ext cx="3875474" cy="3500000"/>
-          </a:xfrm>
-          <a:prstGeom prst="rect">
-            <a:avLst/>
-          </a:prstGeom>
-          <a:noFill/>
-          <a:ln>
-            <a:noFill/>
-          </a:ln>
-        </p:spPr>
-      </p:pic>
-      <p:pic>
-        <p:nvPicPr>
-          <p:cNvPr descr="nb_uni_nb.png" id="220" name="Shape 220"/>
-          <p:cNvPicPr preferRelativeResize="0"/>
-          <p:nvPr/>
-        </p:nvPicPr>
-        <p:blipFill>
-          <a:blip r:embed="rId4">
-            <a:alphaModFix/>
-          </a:blip>
-          <a:stretch>
-            <a:fillRect/>
-          </a:stretch>
-        </p:blipFill>
-        <p:spPr>
-          <a:xfrm>
-            <a:off x="4617725" y="1204150"/>
-            <a:ext cx="3661800" cy="3428999"/>
-          </a:xfrm>
-          <a:prstGeom prst="rect">
-            <a:avLst/>
-          </a:prstGeom>
-          <a:noFill/>
-          <a:ln>
-            <a:noFill/>
-          </a:ln>
-        </p:spPr>
-      </p:pic>
+            <a:pPr lvl="0">
+              <a:spcBef>
+                <a:spcPts val="0"/>
+              </a:spcBef>
+              <a:buNone/>
+            </a:pPr>
+            <a:fld id="{00000000-1234-1234-1234-123412341234}" type="slidenum">
+              <a:rPr lang="en"/>
+              <a:t>‹#›</a:t>
+            </a:fld>
+          </a:p>
+        </p:txBody>
+      </p:sp>
     </p:spTree>
   </p:cSld>
   <p:clrMapOvr>
@@ -10957,236 +10084,7 @@
 </p:sld>
 </file>
 
-<file path=ppt/slides/slide23.xml><?xml version="1.0" encoding="utf-8"?>
-<p:sld xmlns:a="http://schemas.openxmlformats.org/drawingml/2006/main" xmlns:r="http://schemas.openxmlformats.org/officeDocument/2006/relationships" xmlns:mc="http://schemas.openxmlformats.org/markup-compatibility/2006" xmlns:mv="urn:schemas-microsoft-com:mac:vml" xmlns:p="http://schemas.openxmlformats.org/presentationml/2006/main" xmlns:c="http://schemas.openxmlformats.org/drawingml/2006/chart" xmlns:dgm="http://schemas.openxmlformats.org/drawingml/2006/diagram" xmlns:o="urn:schemas-microsoft-com:office:office" xmlns:v="urn:schemas-microsoft-com:vml" xmlns:pvml="urn:schemas-microsoft-com:office:powerpoint" xmlns:com="http://schemas.openxmlformats.org/drawingml/2006/compatibility" xmlns:p14="http://schemas.microsoft.com/office/powerpoint/2010/main">
-  <p:cSld>
-    <p:spTree>
-      <p:nvGrpSpPr>
-        <p:cNvPr id="224" name="Shape 224"/>
-        <p:cNvGrpSpPr/>
-        <p:nvPr/>
-      </p:nvGrpSpPr>
-      <p:grpSpPr>
-        <a:xfrm>
-          <a:off x="0" y="0"/>
-          <a:ext cx="0" cy="0"/>
-          <a:chOff x="0" y="0"/>
-          <a:chExt cx="0" cy="0"/>
-        </a:xfrm>
-      </p:grpSpPr>
-      <p:sp>
-        <p:nvSpPr>
-          <p:cNvPr id="225" name="Shape 225"/>
-          <p:cNvSpPr txBox="1"/>
-          <p:nvPr>
-            <p:ph type="title"/>
-          </p:nvPr>
-        </p:nvSpPr>
-        <p:spPr>
-          <a:xfrm>
-            <a:off x="311700" y="114250"/>
-            <a:ext cx="8520600" cy="607800"/>
-          </a:xfrm>
-          <a:prstGeom prst="rect">
-            <a:avLst/>
-          </a:prstGeom>
-        </p:spPr>
-        <p:txBody>
-          <a:bodyPr anchorCtr="0" anchor="t" bIns="91425" lIns="91425" rIns="91425" tIns="91425">
-            <a:noAutofit/>
-          </a:bodyPr>
-          <a:lstStyle/>
-          <a:p>
-            <a:pPr lvl="0" rtl="0">
-              <a:spcBef>
-                <a:spcPts val="0"/>
-              </a:spcBef>
-              <a:buNone/>
-            </a:pPr>
-            <a:r>
-              <a:rPr lang="en"/>
-              <a:t>Result(4/6)</a:t>
-            </a:r>
-          </a:p>
-        </p:txBody>
-      </p:sp>
-      <p:sp>
-        <p:nvSpPr>
-          <p:cNvPr id="226" name="Shape 226"/>
-          <p:cNvSpPr txBox="1"/>
-          <p:nvPr>
-            <p:ph idx="1" type="body"/>
-          </p:nvPr>
-        </p:nvSpPr>
-        <p:spPr>
-          <a:xfrm>
-            <a:off x="311700" y="1204175"/>
-            <a:ext cx="3507300" cy="3429000"/>
-          </a:xfrm>
-          <a:prstGeom prst="rect">
-            <a:avLst/>
-          </a:prstGeom>
-        </p:spPr>
-        <p:txBody>
-          <a:bodyPr anchorCtr="0" anchor="t" bIns="91425" lIns="91425" rIns="91425" tIns="91425">
-            <a:noAutofit/>
-          </a:bodyPr>
-          <a:lstStyle/>
-          <a:p>
-            <a:pPr lvl="0" rtl="0">
-              <a:spcBef>
-                <a:spcPts val="0"/>
-              </a:spcBef>
-              <a:buNone/>
-            </a:pPr>
-            <a:r>
-              <a:t/>
-            </a:r>
-            <a:endParaRPr/>
-          </a:p>
-        </p:txBody>
-      </p:sp>
-      <p:sp>
-        <p:nvSpPr>
-          <p:cNvPr id="227" name="Shape 227"/>
-          <p:cNvSpPr txBox="1"/>
-          <p:nvPr>
-            <p:ph idx="1" type="body"/>
-          </p:nvPr>
-        </p:nvSpPr>
-        <p:spPr>
-          <a:xfrm>
-            <a:off x="4617725" y="1204150"/>
-            <a:ext cx="3661800" cy="3429000"/>
-          </a:xfrm>
-          <a:prstGeom prst="rect">
-            <a:avLst/>
-          </a:prstGeom>
-        </p:spPr>
-        <p:txBody>
-          <a:bodyPr anchorCtr="0" anchor="t" bIns="91425" lIns="91425" rIns="91425" tIns="91425">
-            <a:noAutofit/>
-          </a:bodyPr>
-          <a:lstStyle/>
-          <a:p>
-            <a:pPr lvl="0" rtl="0">
-              <a:spcBef>
-                <a:spcPts val="0"/>
-              </a:spcBef>
-              <a:buNone/>
-            </a:pPr>
-            <a:r>
-              <a:t/>
-            </a:r>
-            <a:endParaRPr/>
-          </a:p>
-        </p:txBody>
-      </p:sp>
-      <p:sp>
-        <p:nvSpPr>
-          <p:cNvPr id="228" name="Shape 228"/>
-          <p:cNvSpPr txBox="1"/>
-          <p:nvPr>
-            <p:ph type="title"/>
-          </p:nvPr>
-        </p:nvSpPr>
-        <p:spPr>
-          <a:xfrm>
-            <a:off x="311700" y="722050"/>
-            <a:ext cx="8832300" cy="482100"/>
-          </a:xfrm>
-          <a:prstGeom prst="rect">
-            <a:avLst/>
-          </a:prstGeom>
-        </p:spPr>
-        <p:txBody>
-          <a:bodyPr anchorCtr="0" anchor="t" bIns="91425" lIns="91425" rIns="91425" tIns="91425">
-            <a:noAutofit/>
-          </a:bodyPr>
-          <a:lstStyle/>
-          <a:p>
-            <a:pPr lvl="0" rtl="0">
-              <a:spcBef>
-                <a:spcPts val="0"/>
-              </a:spcBef>
-              <a:buNone/>
-            </a:pPr>
-            <a:r>
-              <a:rPr lang="en" sz="1800"/>
-              <a:t>NaiveBayes Classifier(Bigram) - </a:t>
-            </a:r>
-            <a:r>
-              <a:rPr lang="en" sz="1400"/>
-              <a:t>(Aspect Classifier Lexical Approach: Left and NaiveBayes: Right )</a:t>
-            </a:r>
-          </a:p>
-        </p:txBody>
-      </p:sp>
-      <p:pic>
-        <p:nvPicPr>
-          <p:cNvPr descr="nb_bi_nb.png" id="229" name="Shape 229"/>
-          <p:cNvPicPr preferRelativeResize="0"/>
-          <p:nvPr/>
-        </p:nvPicPr>
-        <p:blipFill>
-          <a:blip r:embed="rId3">
-            <a:alphaModFix/>
-          </a:blip>
-          <a:stretch>
-            <a:fillRect/>
-          </a:stretch>
-        </p:blipFill>
-        <p:spPr>
-          <a:xfrm>
-            <a:off x="4617724" y="1204150"/>
-            <a:ext cx="3905525" cy="3428999"/>
-          </a:xfrm>
-          <a:prstGeom prst="rect">
-            <a:avLst/>
-          </a:prstGeom>
-          <a:noFill/>
-          <a:ln>
-            <a:noFill/>
-          </a:ln>
-        </p:spPr>
-      </p:pic>
-      <p:pic>
-        <p:nvPicPr>
-          <p:cNvPr descr="nb_bi_lex.png" id="230" name="Shape 230"/>
-          <p:cNvPicPr preferRelativeResize="0"/>
-          <p:nvPr/>
-        </p:nvPicPr>
-        <p:blipFill>
-          <a:blip r:embed="rId4">
-            <a:alphaModFix/>
-          </a:blip>
-          <a:stretch>
-            <a:fillRect/>
-          </a:stretch>
-        </p:blipFill>
-        <p:spPr>
-          <a:xfrm>
-            <a:off x="311700" y="1204150"/>
-            <a:ext cx="3905525" cy="3487175"/>
-          </a:xfrm>
-          <a:prstGeom prst="rect">
-            <a:avLst/>
-          </a:prstGeom>
-          <a:noFill/>
-          <a:ln>
-            <a:noFill/>
-          </a:ln>
-        </p:spPr>
-      </p:pic>
-    </p:spTree>
-  </p:cSld>
-  <p:clrMapOvr>
-    <a:masterClrMapping/>
-  </p:clrMapOvr>
-</p:sld>
-</file>
-
-<file path=ppt/slides/slide24.xml><?xml version="1.0" encoding="utf-8"?>
+<file path=ppt/slides/slide18.xml><?xml version="1.0" encoding="utf-8"?>
 <p:sld xmlns:a="http://schemas.openxmlformats.org/drawingml/2006/main" xmlns:r="http://schemas.openxmlformats.org/officeDocument/2006/relationships" xmlns:mc="http://schemas.openxmlformats.org/markup-compatibility/2006" xmlns:mv="urn:schemas-microsoft-com:mac:vml" xmlns:p="http://schemas.openxmlformats.org/presentationml/2006/main" xmlns:c="http://schemas.openxmlformats.org/drawingml/2006/chart" xmlns:dgm="http://schemas.openxmlformats.org/drawingml/2006/diagram" xmlns:o="urn:schemas-microsoft-com:office:office" xmlns:v="urn:schemas-microsoft-com:vml" xmlns:pvml="urn:schemas-microsoft-com:office:powerpoint" xmlns:com="http://schemas.openxmlformats.org/drawingml/2006/compatibility" xmlns:p14="http://schemas.microsoft.com/office/powerpoint/2010/main">
   <p:cSld>
     <p:spTree>
@@ -11213,7 +10111,7 @@
         </p:nvSpPr>
         <p:spPr>
           <a:xfrm>
-            <a:off x="311700" y="114250"/>
+            <a:off x="311700" y="410000"/>
             <a:ext cx="8520600" cy="607800"/>
           </a:xfrm>
           <a:prstGeom prst="rect">
@@ -11234,7 +10132,7 @@
             </a:pPr>
             <a:r>
               <a:rPr lang="en"/>
-              <a:t>Result(5/6)</a:t>
+              <a:t>Sentiment Analysis(3/4)</a:t>
             </a:r>
           </a:p>
         </p:txBody>
@@ -11249,8 +10147,8 @@
         </p:nvSpPr>
         <p:spPr>
           <a:xfrm>
-            <a:off x="311700" y="1204175"/>
-            <a:ext cx="3507300" cy="3429000"/>
+            <a:off x="311700" y="1306075"/>
+            <a:ext cx="8520600" cy="3339000"/>
           </a:xfrm>
           <a:prstGeom prst="rect">
             <a:avLst/>
@@ -11262,10 +10160,108 @@
           </a:bodyPr>
           <a:lstStyle/>
           <a:p>
-            <a:pPr lvl="0" rtl="0">
-              <a:spcBef>
-                <a:spcPts val="0"/>
-              </a:spcBef>
+            <a:pPr indent="-228600" lvl="0" marL="457200" rtl="0">
+              <a:spcBef>
+                <a:spcPts val="0"/>
+              </a:spcBef>
+            </a:pPr>
+            <a:r>
+              <a:rPr lang="en"/>
+              <a:t>Support Vector </a:t>
+            </a:r>
+            <a:r>
+              <a:rPr lang="en"/>
+              <a:t>Classifier</a:t>
+            </a:r>
+          </a:p>
+          <a:p>
+            <a:pPr indent="-228600" lvl="1" marL="914400" rtl="0">
+              <a:spcBef>
+                <a:spcPts val="0"/>
+              </a:spcBef>
+            </a:pPr>
+            <a:r>
+              <a:rPr lang="en"/>
+              <a:t>Feature = unigram</a:t>
+            </a:r>
+          </a:p>
+          <a:p>
+            <a:pPr indent="-228600" lvl="2" marL="1371600" rtl="0">
+              <a:spcBef>
+                <a:spcPts val="0"/>
+              </a:spcBef>
+            </a:pPr>
+            <a:r>
+              <a:rPr lang="en"/>
+              <a:t>Size of feature = 6544</a:t>
+            </a:r>
+          </a:p>
+          <a:p>
+            <a:pPr indent="-228600" lvl="2" marL="1371600" rtl="0">
+              <a:spcBef>
+                <a:spcPts val="0"/>
+              </a:spcBef>
+            </a:pPr>
+            <a:r>
+              <a:rPr lang="en"/>
+              <a:t>The features are vectors of vocabulary.Value is 1 If a word is present, 0 otherwise</a:t>
+            </a:r>
+          </a:p>
+          <a:p>
+            <a:pPr indent="-228600" lvl="2" marL="1371600" rtl="0">
+              <a:spcBef>
+                <a:spcPts val="0"/>
+              </a:spcBef>
+            </a:pPr>
+            <a:r>
+              <a:rPr lang="en"/>
+              <a:t>Sparse matrix representation is used to save memory and execution time </a:t>
+            </a:r>
+          </a:p>
+          <a:p>
+            <a:pPr indent="-228600" lvl="2" marL="1371600" rtl="0">
+              <a:spcBef>
+                <a:spcPts val="0"/>
+              </a:spcBef>
+            </a:pPr>
+            <a:r>
+              <a:rPr lang="en"/>
+              <a:t>Size of train Dataset = 50,000</a:t>
+            </a:r>
+          </a:p>
+          <a:p>
+            <a:pPr indent="-228600" lvl="2" marL="1371600" rtl="0">
+              <a:spcBef>
+                <a:spcPts val="0"/>
+              </a:spcBef>
+            </a:pPr>
+            <a:r>
+              <a:rPr lang="en"/>
+              <a:t>Size of test Dataset = 15,000</a:t>
+            </a:r>
+          </a:p>
+          <a:p>
+            <a:pPr indent="-228600" lvl="2" marL="1371600" rtl="0">
+              <a:spcBef>
+                <a:spcPts val="0"/>
+              </a:spcBef>
+            </a:pPr>
+            <a:r>
+              <a:rPr lang="en"/>
+              <a:t>Accuracy =  87.44%</a:t>
+            </a:r>
+          </a:p>
+          <a:p>
+            <a:pPr lvl="0" marR="0" rtl="0" algn="l">
+              <a:lnSpc>
+                <a:spcPct val="115000"/>
+              </a:lnSpc>
+              <a:spcBef>
+                <a:spcPts val="0"/>
+              </a:spcBef>
+              <a:spcAft>
+                <a:spcPts val="1600"/>
+              </a:spcAft>
               <a:buNone/>
             </a:pPr>
             <a:r>
@@ -11280,13 +10276,74 @@
           <p:cNvPr id="237" name="Shape 237"/>
           <p:cNvSpPr txBox="1"/>
           <p:nvPr>
-            <p:ph idx="1" type="body"/>
-          </p:nvPr>
-        </p:nvSpPr>
-        <p:spPr>
-          <a:xfrm>
-            <a:off x="4617725" y="1204150"/>
-            <a:ext cx="4216200" cy="3429000"/>
+            <p:ph idx="12" type="sldNum"/>
+          </p:nvPr>
+        </p:nvSpPr>
+        <p:spPr>
+          <a:xfrm>
+            <a:off x="8460431" y="4651190"/>
+            <a:ext cx="548700" cy="393600"/>
+          </a:xfrm>
+          <a:prstGeom prst="rect">
+            <a:avLst/>
+          </a:prstGeom>
+        </p:spPr>
+        <p:txBody>
+          <a:bodyPr anchorCtr="0" anchor="ctr" bIns="91425" lIns="91425" rIns="91425" tIns="91425">
+            <a:noAutofit/>
+          </a:bodyPr>
+          <a:lstStyle/>
+          <a:p>
+            <a:pPr lvl="0">
+              <a:spcBef>
+                <a:spcPts val="0"/>
+              </a:spcBef>
+              <a:buNone/>
+            </a:pPr>
+            <a:fld id="{00000000-1234-1234-1234-123412341234}" type="slidenum">
+              <a:rPr lang="en"/>
+              <a:t>‹#›</a:t>
+            </a:fld>
+          </a:p>
+        </p:txBody>
+      </p:sp>
+    </p:spTree>
+  </p:cSld>
+  <p:clrMapOvr>
+    <a:masterClrMapping/>
+  </p:clrMapOvr>
+</p:sld>
+</file>
+
+<file path=ppt/slides/slide19.xml><?xml version="1.0" encoding="utf-8"?>
+<p:sld xmlns:a="http://schemas.openxmlformats.org/drawingml/2006/main" xmlns:r="http://schemas.openxmlformats.org/officeDocument/2006/relationships" xmlns:mc="http://schemas.openxmlformats.org/markup-compatibility/2006" xmlns:mv="urn:schemas-microsoft-com:mac:vml" xmlns:p="http://schemas.openxmlformats.org/presentationml/2006/main" xmlns:c="http://schemas.openxmlformats.org/drawingml/2006/chart" xmlns:dgm="http://schemas.openxmlformats.org/drawingml/2006/diagram" xmlns:o="urn:schemas-microsoft-com:office:office" xmlns:v="urn:schemas-microsoft-com:vml" xmlns:pvml="urn:schemas-microsoft-com:office:powerpoint" xmlns:com="http://schemas.openxmlformats.org/drawingml/2006/compatibility" xmlns:p14="http://schemas.microsoft.com/office/powerpoint/2010/main">
+  <p:cSld>
+    <p:spTree>
+      <p:nvGrpSpPr>
+        <p:cNvPr id="241" name="Shape 241"/>
+        <p:cNvGrpSpPr/>
+        <p:nvPr/>
+      </p:nvGrpSpPr>
+      <p:grpSpPr>
+        <a:xfrm>
+          <a:off x="0" y="0"/>
+          <a:ext cx="0" cy="0"/>
+          <a:chOff x="0" y="0"/>
+          <a:chExt cx="0" cy="0"/>
+        </a:xfrm>
+      </p:grpSpPr>
+      <p:sp>
+        <p:nvSpPr>
+          <p:cNvPr id="242" name="Shape 242"/>
+          <p:cNvSpPr txBox="1"/>
+          <p:nvPr>
+            <p:ph type="title"/>
+          </p:nvPr>
+        </p:nvSpPr>
+        <p:spPr>
+          <a:xfrm>
+            <a:off x="311700" y="410000"/>
+            <a:ext cx="8520600" cy="607800"/>
           </a:xfrm>
           <a:prstGeom prst="rect">
             <a:avLst/>
@@ -11305,24 +10362,24 @@
               <a:buNone/>
             </a:pPr>
             <a:r>
-              <a:t/>
-            </a:r>
-            <a:endParaRPr/>
-          </a:p>
-        </p:txBody>
-      </p:sp>
-      <p:sp>
-        <p:nvSpPr>
-          <p:cNvPr id="238" name="Shape 238"/>
-          <p:cNvSpPr txBox="1"/>
-          <p:nvPr>
-            <p:ph type="title"/>
-          </p:nvPr>
-        </p:nvSpPr>
-        <p:spPr>
-          <a:xfrm>
-            <a:off x="311700" y="722050"/>
-            <a:ext cx="8832300" cy="482100"/>
+              <a:rPr lang="en"/>
+              <a:t>Sentiment Analysis(4/4)</a:t>
+            </a:r>
+          </a:p>
+        </p:txBody>
+      </p:sp>
+      <p:sp>
+        <p:nvSpPr>
+          <p:cNvPr id="243" name="Shape 243"/>
+          <p:cNvSpPr txBox="1"/>
+          <p:nvPr>
+            <p:ph idx="1" type="body"/>
+          </p:nvPr>
+        </p:nvSpPr>
+        <p:spPr>
+          <a:xfrm>
+            <a:off x="311700" y="1306075"/>
+            <a:ext cx="8520600" cy="3339000"/>
           </a:xfrm>
           <a:prstGeom prst="rect">
             <a:avLst/>
@@ -11334,6 +10391,724 @@
           </a:bodyPr>
           <a:lstStyle/>
           <a:p>
+            <a:pPr indent="-228600" lvl="0" marL="457200" rtl="0">
+              <a:spcBef>
+                <a:spcPts val="0"/>
+              </a:spcBef>
+            </a:pPr>
+            <a:r>
+              <a:rPr lang="en"/>
+              <a:t>Support Vector Classifier</a:t>
+            </a:r>
+          </a:p>
+          <a:p>
+            <a:pPr indent="-228600" lvl="1" marL="914400" rtl="0">
+              <a:spcBef>
+                <a:spcPts val="0"/>
+              </a:spcBef>
+            </a:pPr>
+            <a:r>
+              <a:rPr lang="en"/>
+              <a:t>Feature = bigram</a:t>
+            </a:r>
+          </a:p>
+          <a:p>
+            <a:pPr indent="-228600" lvl="2" marL="1371600" rtl="0">
+              <a:spcBef>
+                <a:spcPts val="0"/>
+              </a:spcBef>
+            </a:pPr>
+            <a:r>
+              <a:rPr lang="en"/>
+              <a:t>Size of feature = 10863</a:t>
+            </a:r>
+          </a:p>
+          <a:p>
+            <a:pPr indent="-228600" lvl="2" marL="1371600" rtl="0">
+              <a:spcBef>
+                <a:spcPts val="0"/>
+              </a:spcBef>
+            </a:pPr>
+            <a:r>
+              <a:rPr lang="en"/>
+              <a:t>The features are vectors of vocabulary.Value is 1 If a word is present, 0 otherwise</a:t>
+            </a:r>
+          </a:p>
+          <a:p>
+            <a:pPr indent="-228600" lvl="2" marL="1371600" rtl="0">
+              <a:spcBef>
+                <a:spcPts val="0"/>
+              </a:spcBef>
+            </a:pPr>
+            <a:r>
+              <a:rPr lang="en"/>
+              <a:t>Sparse matrix representation is used to save memory and execution time </a:t>
+            </a:r>
+          </a:p>
+          <a:p>
+            <a:pPr indent="-228600" lvl="2" marL="1371600" rtl="0">
+              <a:spcBef>
+                <a:spcPts val="0"/>
+              </a:spcBef>
+            </a:pPr>
+            <a:r>
+              <a:rPr lang="en"/>
+              <a:t>Size of train Dataset = 50,000</a:t>
+            </a:r>
+          </a:p>
+          <a:p>
+            <a:pPr indent="-228600" lvl="2" marL="1371600" rtl="0">
+              <a:spcBef>
+                <a:spcPts val="0"/>
+              </a:spcBef>
+            </a:pPr>
+            <a:r>
+              <a:rPr lang="en"/>
+              <a:t>Size of test Dataset = 15,000</a:t>
+            </a:r>
+          </a:p>
+          <a:p>
+            <a:pPr indent="-228600" lvl="2" marL="1371600" rtl="0">
+              <a:spcBef>
+                <a:spcPts val="0"/>
+              </a:spcBef>
+            </a:pPr>
+            <a:r>
+              <a:rPr lang="en"/>
+              <a:t>Accuracy =  69.99%</a:t>
+            </a:r>
+          </a:p>
+          <a:p>
+            <a:pPr lvl="0" marR="0" rtl="0" algn="l">
+              <a:lnSpc>
+                <a:spcPct val="115000"/>
+              </a:lnSpc>
+              <a:spcBef>
+                <a:spcPts val="0"/>
+              </a:spcBef>
+              <a:spcAft>
+                <a:spcPts val="1600"/>
+              </a:spcAft>
+              <a:buNone/>
+            </a:pPr>
+            <a:r>
+              <a:t/>
+            </a:r>
+            <a:endParaRPr/>
+          </a:p>
+        </p:txBody>
+      </p:sp>
+      <p:sp>
+        <p:nvSpPr>
+          <p:cNvPr id="244" name="Shape 244"/>
+          <p:cNvSpPr txBox="1"/>
+          <p:nvPr>
+            <p:ph idx="12" type="sldNum"/>
+          </p:nvPr>
+        </p:nvSpPr>
+        <p:spPr>
+          <a:xfrm>
+            <a:off x="8460431" y="4651190"/>
+            <a:ext cx="548700" cy="393600"/>
+          </a:xfrm>
+          <a:prstGeom prst="rect">
+            <a:avLst/>
+          </a:prstGeom>
+        </p:spPr>
+        <p:txBody>
+          <a:bodyPr anchorCtr="0" anchor="ctr" bIns="91425" lIns="91425" rIns="91425" tIns="91425">
+            <a:noAutofit/>
+          </a:bodyPr>
+          <a:lstStyle/>
+          <a:p>
+            <a:pPr lvl="0">
+              <a:spcBef>
+                <a:spcPts val="0"/>
+              </a:spcBef>
+              <a:buNone/>
+            </a:pPr>
+            <a:fld id="{00000000-1234-1234-1234-123412341234}" type="slidenum">
+              <a:rPr lang="en"/>
+              <a:t>‹#›</a:t>
+            </a:fld>
+          </a:p>
+        </p:txBody>
+      </p:sp>
+    </p:spTree>
+  </p:cSld>
+  <p:clrMapOvr>
+    <a:masterClrMapping/>
+  </p:clrMapOvr>
+</p:sld>
+</file>
+
+<file path=ppt/slides/slide2.xml><?xml version="1.0" encoding="utf-8"?>
+<p:sld xmlns:a="http://schemas.openxmlformats.org/drawingml/2006/main" xmlns:r="http://schemas.openxmlformats.org/officeDocument/2006/relationships" xmlns:mc="http://schemas.openxmlformats.org/markup-compatibility/2006" xmlns:mv="urn:schemas-microsoft-com:mac:vml" xmlns:p="http://schemas.openxmlformats.org/presentationml/2006/main" xmlns:c="http://schemas.openxmlformats.org/drawingml/2006/chart" xmlns:dgm="http://schemas.openxmlformats.org/drawingml/2006/diagram" xmlns:o="urn:schemas-microsoft-com:office:office" xmlns:v="urn:schemas-microsoft-com:vml" xmlns:pvml="urn:schemas-microsoft-com:office:powerpoint" xmlns:com="http://schemas.openxmlformats.org/drawingml/2006/compatibility" xmlns:p14="http://schemas.microsoft.com/office/powerpoint/2010/main">
+  <p:cSld>
+    <p:spTree>
+      <p:nvGrpSpPr>
+        <p:cNvPr id="91" name="Shape 91"/>
+        <p:cNvGrpSpPr/>
+        <p:nvPr/>
+      </p:nvGrpSpPr>
+      <p:grpSpPr>
+        <a:xfrm>
+          <a:off x="0" y="0"/>
+          <a:ext cx="0" cy="0"/>
+          <a:chOff x="0" y="0"/>
+          <a:chExt cx="0" cy="0"/>
+        </a:xfrm>
+      </p:grpSpPr>
+      <p:sp>
+        <p:nvSpPr>
+          <p:cNvPr id="92" name="Shape 92"/>
+          <p:cNvSpPr txBox="1"/>
+          <p:nvPr>
+            <p:ph type="title"/>
+          </p:nvPr>
+        </p:nvSpPr>
+        <p:spPr>
+          <a:xfrm>
+            <a:off x="311700" y="86925"/>
+            <a:ext cx="8520600" cy="607800"/>
+          </a:xfrm>
+          <a:prstGeom prst="rect">
+            <a:avLst/>
+          </a:prstGeom>
+        </p:spPr>
+        <p:txBody>
+          <a:bodyPr anchorCtr="0" anchor="t" bIns="91425" lIns="91425" rIns="91425" tIns="91425">
+            <a:noAutofit/>
+          </a:bodyPr>
+          <a:lstStyle/>
+          <a:p>
+            <a:pPr lvl="0">
+              <a:spcBef>
+                <a:spcPts val="0"/>
+              </a:spcBef>
+              <a:buNone/>
+            </a:pPr>
+            <a:r>
+              <a:rPr lang="en"/>
+              <a:t>Overview</a:t>
+            </a:r>
+          </a:p>
+        </p:txBody>
+      </p:sp>
+      <p:sp>
+        <p:nvSpPr>
+          <p:cNvPr id="93" name="Shape 93"/>
+          <p:cNvSpPr txBox="1"/>
+          <p:nvPr>
+            <p:ph idx="1" type="body"/>
+          </p:nvPr>
+        </p:nvSpPr>
+        <p:spPr>
+          <a:xfrm>
+            <a:off x="311700" y="694725"/>
+            <a:ext cx="8520600" cy="4122900"/>
+          </a:xfrm>
+          <a:prstGeom prst="rect">
+            <a:avLst/>
+          </a:prstGeom>
+        </p:spPr>
+        <p:txBody>
+          <a:bodyPr anchorCtr="0" anchor="t" bIns="91425" lIns="91425" rIns="91425" tIns="91425">
+            <a:noAutofit/>
+          </a:bodyPr>
+          <a:lstStyle/>
+          <a:p>
+            <a:pPr indent="-317500" lvl="0" marL="457200" rtl="0">
+              <a:lnSpc>
+                <a:spcPct val="150000"/>
+              </a:lnSpc>
+              <a:spcBef>
+                <a:spcPts val="0"/>
+              </a:spcBef>
+              <a:buSzPct val="100000"/>
+              <a:buChar char="➢"/>
+            </a:pPr>
+            <a:r>
+              <a:rPr lang="en" sz="1400"/>
+              <a:t>Introduction</a:t>
+            </a:r>
+          </a:p>
+          <a:p>
+            <a:pPr indent="-317500" lvl="0" marL="457200" rtl="0">
+              <a:lnSpc>
+                <a:spcPct val="150000"/>
+              </a:lnSpc>
+              <a:spcBef>
+                <a:spcPts val="0"/>
+              </a:spcBef>
+              <a:buSzPct val="100000"/>
+              <a:buChar char="➢"/>
+            </a:pPr>
+            <a:r>
+              <a:rPr lang="en" sz="1400"/>
+              <a:t>Motivation</a:t>
+            </a:r>
+          </a:p>
+          <a:p>
+            <a:pPr indent="-317500" lvl="0" marL="457200" rtl="0">
+              <a:lnSpc>
+                <a:spcPct val="150000"/>
+              </a:lnSpc>
+              <a:spcBef>
+                <a:spcPts val="0"/>
+              </a:spcBef>
+              <a:buSzPct val="100000"/>
+              <a:buChar char="➢"/>
+            </a:pPr>
+            <a:r>
+              <a:rPr lang="en" sz="1400"/>
+              <a:t>Literature Review</a:t>
+            </a:r>
+          </a:p>
+          <a:p>
+            <a:pPr indent="-317500" lvl="0" marL="457200" rtl="0">
+              <a:lnSpc>
+                <a:spcPct val="150000"/>
+              </a:lnSpc>
+              <a:spcBef>
+                <a:spcPts val="0"/>
+              </a:spcBef>
+              <a:buSzPct val="100000"/>
+              <a:buChar char="➢"/>
+            </a:pPr>
+            <a:r>
+              <a:rPr lang="en" sz="1400"/>
+              <a:t>Proposed Work</a:t>
+            </a:r>
+          </a:p>
+          <a:p>
+            <a:pPr indent="-317500" lvl="0" marL="457200" rtl="0">
+              <a:lnSpc>
+                <a:spcPct val="150000"/>
+              </a:lnSpc>
+              <a:spcBef>
+                <a:spcPts val="0"/>
+              </a:spcBef>
+              <a:buSzPct val="100000"/>
+              <a:buChar char="➢"/>
+            </a:pPr>
+            <a:r>
+              <a:rPr lang="en" sz="1400"/>
+              <a:t>Scraper and Aspect Extraction</a:t>
+            </a:r>
+          </a:p>
+          <a:p>
+            <a:pPr indent="-317500" lvl="0" marL="457200" rtl="0">
+              <a:lnSpc>
+                <a:spcPct val="150000"/>
+              </a:lnSpc>
+              <a:spcBef>
+                <a:spcPts val="0"/>
+              </a:spcBef>
+              <a:buSzPct val="100000"/>
+              <a:buChar char="➢"/>
+            </a:pPr>
+            <a:r>
+              <a:rPr lang="en" sz="1400"/>
+              <a:t>Dataset Preparation</a:t>
+            </a:r>
+          </a:p>
+          <a:p>
+            <a:pPr indent="-317500" lvl="0" marL="457200" rtl="0">
+              <a:lnSpc>
+                <a:spcPct val="150000"/>
+              </a:lnSpc>
+              <a:spcBef>
+                <a:spcPts val="0"/>
+              </a:spcBef>
+              <a:buSzPct val="100000"/>
+              <a:buChar char="➢"/>
+            </a:pPr>
+            <a:r>
+              <a:rPr lang="en" sz="1400"/>
+              <a:t>Sentiment Analysis</a:t>
+            </a:r>
+          </a:p>
+          <a:p>
+            <a:pPr indent="-317500" lvl="0" marL="457200" rtl="0">
+              <a:lnSpc>
+                <a:spcPct val="150000"/>
+              </a:lnSpc>
+              <a:spcBef>
+                <a:spcPts val="0"/>
+              </a:spcBef>
+              <a:buSzPct val="100000"/>
+              <a:buChar char="➢"/>
+            </a:pPr>
+            <a:r>
+              <a:rPr lang="en" sz="1400"/>
+              <a:t>Results</a:t>
+            </a:r>
+          </a:p>
+          <a:p>
+            <a:pPr indent="-317500" lvl="0" marL="457200" rtl="0">
+              <a:lnSpc>
+                <a:spcPct val="150000"/>
+              </a:lnSpc>
+              <a:spcBef>
+                <a:spcPts val="0"/>
+              </a:spcBef>
+              <a:buSzPct val="100000"/>
+              <a:buChar char="➢"/>
+            </a:pPr>
+            <a:r>
+              <a:rPr lang="en" sz="1400"/>
+              <a:t>Limitations</a:t>
+            </a:r>
+          </a:p>
+          <a:p>
+            <a:pPr indent="-317500" lvl="0" marL="457200" rtl="0">
+              <a:lnSpc>
+                <a:spcPct val="150000"/>
+              </a:lnSpc>
+              <a:spcBef>
+                <a:spcPts val="0"/>
+              </a:spcBef>
+              <a:buSzPct val="100000"/>
+              <a:buChar char="➢"/>
+            </a:pPr>
+            <a:r>
+              <a:rPr lang="en" sz="1400"/>
+              <a:t>Conclusion</a:t>
+            </a:r>
+          </a:p>
+          <a:p>
+            <a:pPr indent="-317500" lvl="0" marL="457200" rtl="0">
+              <a:lnSpc>
+                <a:spcPct val="150000"/>
+              </a:lnSpc>
+              <a:spcBef>
+                <a:spcPts val="0"/>
+              </a:spcBef>
+              <a:buSzPct val="100000"/>
+              <a:buChar char="➢"/>
+            </a:pPr>
+            <a:r>
+              <a:rPr lang="en" sz="1400"/>
+              <a:t>Future Work</a:t>
+            </a:r>
+          </a:p>
+          <a:p>
+            <a:pPr indent="-317500" lvl="0" marL="457200" rtl="0">
+              <a:lnSpc>
+                <a:spcPct val="150000"/>
+              </a:lnSpc>
+              <a:spcBef>
+                <a:spcPts val="0"/>
+              </a:spcBef>
+              <a:buSzPct val="100000"/>
+              <a:buChar char="➢"/>
+            </a:pPr>
+            <a:r>
+              <a:rPr lang="en" sz="1400"/>
+              <a:t>References</a:t>
+            </a:r>
+          </a:p>
+        </p:txBody>
+      </p:sp>
+      <p:sp>
+        <p:nvSpPr>
+          <p:cNvPr id="94" name="Shape 94"/>
+          <p:cNvSpPr txBox="1"/>
+          <p:nvPr>
+            <p:ph idx="12" type="sldNum"/>
+          </p:nvPr>
+        </p:nvSpPr>
+        <p:spPr>
+          <a:xfrm>
+            <a:off x="8460431" y="4651190"/>
+            <a:ext cx="548700" cy="393600"/>
+          </a:xfrm>
+          <a:prstGeom prst="rect">
+            <a:avLst/>
+          </a:prstGeom>
+        </p:spPr>
+        <p:txBody>
+          <a:bodyPr anchorCtr="0" anchor="ctr" bIns="91425" lIns="91425" rIns="91425" tIns="91425">
+            <a:noAutofit/>
+          </a:bodyPr>
+          <a:lstStyle/>
+          <a:p>
+            <a:pPr lvl="0">
+              <a:spcBef>
+                <a:spcPts val="0"/>
+              </a:spcBef>
+              <a:buNone/>
+            </a:pPr>
+            <a:fld id="{00000000-1234-1234-1234-123412341234}" type="slidenum">
+              <a:rPr lang="en"/>
+              <a:t>‹#›</a:t>
+            </a:fld>
+          </a:p>
+        </p:txBody>
+      </p:sp>
+    </p:spTree>
+  </p:cSld>
+  <p:clrMapOvr>
+    <a:masterClrMapping/>
+  </p:clrMapOvr>
+</p:sld>
+</file>
+
+<file path=ppt/slides/slide20.xml><?xml version="1.0" encoding="utf-8"?>
+<p:sld xmlns:a="http://schemas.openxmlformats.org/drawingml/2006/main" xmlns:r="http://schemas.openxmlformats.org/officeDocument/2006/relationships" xmlns:mc="http://schemas.openxmlformats.org/markup-compatibility/2006" xmlns:mv="urn:schemas-microsoft-com:mac:vml" xmlns:p="http://schemas.openxmlformats.org/presentationml/2006/main" xmlns:c="http://schemas.openxmlformats.org/drawingml/2006/chart" xmlns:dgm="http://schemas.openxmlformats.org/drawingml/2006/diagram" xmlns:o="urn:schemas-microsoft-com:office:office" xmlns:v="urn:schemas-microsoft-com:vml" xmlns:pvml="urn:schemas-microsoft-com:office:powerpoint" xmlns:com="http://schemas.openxmlformats.org/drawingml/2006/compatibility" xmlns:p14="http://schemas.microsoft.com/office/powerpoint/2010/main">
+  <p:cSld>
+    <p:spTree>
+      <p:nvGrpSpPr>
+        <p:cNvPr id="248" name="Shape 248"/>
+        <p:cNvGrpSpPr/>
+        <p:nvPr/>
+      </p:nvGrpSpPr>
+      <p:grpSpPr>
+        <a:xfrm>
+          <a:off x="0" y="0"/>
+          <a:ext cx="0" cy="0"/>
+          <a:chOff x="0" y="0"/>
+          <a:chExt cx="0" cy="0"/>
+        </a:xfrm>
+      </p:grpSpPr>
+      <p:sp>
+        <p:nvSpPr>
+          <p:cNvPr id="249" name="Shape 249"/>
+          <p:cNvSpPr txBox="1"/>
+          <p:nvPr>
+            <p:ph type="title"/>
+          </p:nvPr>
+        </p:nvSpPr>
+        <p:spPr>
+          <a:xfrm>
+            <a:off x="311700" y="410000"/>
+            <a:ext cx="8520600" cy="607800"/>
+          </a:xfrm>
+          <a:prstGeom prst="rect">
+            <a:avLst/>
+          </a:prstGeom>
+        </p:spPr>
+        <p:txBody>
+          <a:bodyPr anchorCtr="0" anchor="t" bIns="91425" lIns="91425" rIns="91425" tIns="91425">
+            <a:noAutofit/>
+          </a:bodyPr>
+          <a:lstStyle/>
+          <a:p>
+            <a:pPr lvl="0">
+              <a:spcBef>
+                <a:spcPts val="0"/>
+              </a:spcBef>
+              <a:buNone/>
+            </a:pPr>
+            <a:r>
+              <a:rPr lang="en"/>
+              <a:t>Result(1/6)	</a:t>
+            </a:r>
+          </a:p>
+        </p:txBody>
+      </p:sp>
+      <p:sp>
+        <p:nvSpPr>
+          <p:cNvPr id="250" name="Shape 250"/>
+          <p:cNvSpPr txBox="1"/>
+          <p:nvPr>
+            <p:ph idx="1" type="body"/>
+          </p:nvPr>
+        </p:nvSpPr>
+        <p:spPr>
+          <a:xfrm>
+            <a:off x="311700" y="1017800"/>
+            <a:ext cx="8520600" cy="3339000"/>
+          </a:xfrm>
+          <a:prstGeom prst="rect">
+            <a:avLst/>
+          </a:prstGeom>
+        </p:spPr>
+        <p:txBody>
+          <a:bodyPr anchorCtr="0" anchor="t" bIns="91425" lIns="91425" rIns="91425" tIns="91425">
+            <a:noAutofit/>
+          </a:bodyPr>
+          <a:lstStyle/>
+          <a:p>
+            <a:pPr indent="-228600" lvl="0" marL="457200" rtl="0">
+              <a:lnSpc>
+                <a:spcPct val="150000"/>
+              </a:lnSpc>
+              <a:spcBef>
+                <a:spcPts val="0"/>
+              </a:spcBef>
+            </a:pPr>
+            <a:r>
+              <a:rPr lang="en"/>
+              <a:t>Required Result : A graph representing the </a:t>
+            </a:r>
+            <a:r>
+              <a:rPr lang="en"/>
+              <a:t>corresponding values of each aspect for a particular company.</a:t>
+            </a:r>
+          </a:p>
+          <a:p>
+            <a:pPr indent="-228600" lvl="0" marL="457200" rtl="0">
+              <a:lnSpc>
+                <a:spcPct val="150000"/>
+              </a:lnSpc>
+              <a:spcBef>
+                <a:spcPts val="0"/>
+              </a:spcBef>
+            </a:pPr>
+            <a:r>
+              <a:rPr lang="en"/>
+              <a:t>Reviews of Samsung is fetched from indeed.com</a:t>
+            </a:r>
+          </a:p>
+          <a:p>
+            <a:pPr indent="-228600" lvl="0" marL="457200" rtl="0">
+              <a:lnSpc>
+                <a:spcPct val="150000"/>
+              </a:lnSpc>
+              <a:spcBef>
+                <a:spcPts val="0"/>
+              </a:spcBef>
+            </a:pPr>
+            <a:r>
+              <a:rPr lang="en"/>
+              <a:t>The reviews are split into sentences and  preprocessed, which removes stopwords, non-english words.</a:t>
+            </a:r>
+          </a:p>
+          <a:p>
+            <a:pPr indent="-228600" lvl="0" marL="457200" rtl="0">
+              <a:lnSpc>
+                <a:spcPct val="150000"/>
+              </a:lnSpc>
+              <a:spcBef>
+                <a:spcPts val="0"/>
+              </a:spcBef>
+            </a:pPr>
+            <a:r>
+              <a:rPr lang="en"/>
+              <a:t>Each words are stemmed</a:t>
+            </a:r>
+          </a:p>
+          <a:p>
+            <a:pPr indent="-228600" lvl="0" marL="457200" rtl="0">
+              <a:lnSpc>
+                <a:spcPct val="150000"/>
+              </a:lnSpc>
+              <a:spcBef>
+                <a:spcPts val="0"/>
+              </a:spcBef>
+            </a:pPr>
+            <a:r>
+              <a:rPr lang="en"/>
+              <a:t> </a:t>
+            </a:r>
+            <a:r>
+              <a:rPr lang="en"/>
+              <a:t>Aspect of each sentence is obtained using lexical approach and naivebayes approach.</a:t>
+            </a:r>
+          </a:p>
+          <a:p>
+            <a:pPr lvl="0">
+              <a:lnSpc>
+                <a:spcPct val="150000"/>
+              </a:lnSpc>
+              <a:spcBef>
+                <a:spcPts val="0"/>
+              </a:spcBef>
+              <a:buNone/>
+            </a:pPr>
+            <a:r>
+              <a:t/>
+            </a:r>
+            <a:endParaRPr/>
+          </a:p>
+        </p:txBody>
+      </p:sp>
+      <p:sp>
+        <p:nvSpPr>
+          <p:cNvPr id="251" name="Shape 251"/>
+          <p:cNvSpPr txBox="1"/>
+          <p:nvPr>
+            <p:ph idx="12" type="sldNum"/>
+          </p:nvPr>
+        </p:nvSpPr>
+        <p:spPr>
+          <a:xfrm>
+            <a:off x="8460431" y="4651190"/>
+            <a:ext cx="548700" cy="393600"/>
+          </a:xfrm>
+          <a:prstGeom prst="rect">
+            <a:avLst/>
+          </a:prstGeom>
+        </p:spPr>
+        <p:txBody>
+          <a:bodyPr anchorCtr="0" anchor="ctr" bIns="91425" lIns="91425" rIns="91425" tIns="91425">
+            <a:noAutofit/>
+          </a:bodyPr>
+          <a:lstStyle/>
+          <a:p>
+            <a:pPr lvl="0">
+              <a:spcBef>
+                <a:spcPts val="0"/>
+              </a:spcBef>
+              <a:buNone/>
+            </a:pPr>
+            <a:fld id="{00000000-1234-1234-1234-123412341234}" type="slidenum">
+              <a:rPr lang="en"/>
+              <a:t>‹#›</a:t>
+            </a:fld>
+          </a:p>
+        </p:txBody>
+      </p:sp>
+    </p:spTree>
+  </p:cSld>
+  <p:clrMapOvr>
+    <a:masterClrMapping/>
+  </p:clrMapOvr>
+</p:sld>
+</file>
+
+<file path=ppt/slides/slide21.xml><?xml version="1.0" encoding="utf-8"?>
+<p:sld xmlns:a="http://schemas.openxmlformats.org/drawingml/2006/main" xmlns:r="http://schemas.openxmlformats.org/officeDocument/2006/relationships" xmlns:mc="http://schemas.openxmlformats.org/markup-compatibility/2006" xmlns:mv="urn:schemas-microsoft-com:mac:vml" xmlns:p="http://schemas.openxmlformats.org/presentationml/2006/main" xmlns:c="http://schemas.openxmlformats.org/drawingml/2006/chart" xmlns:dgm="http://schemas.openxmlformats.org/drawingml/2006/diagram" xmlns:o="urn:schemas-microsoft-com:office:office" xmlns:v="urn:schemas-microsoft-com:vml" xmlns:pvml="urn:schemas-microsoft-com:office:powerpoint" xmlns:com="http://schemas.openxmlformats.org/drawingml/2006/compatibility" xmlns:p14="http://schemas.microsoft.com/office/powerpoint/2010/main">
+  <p:cSld>
+    <p:spTree>
+      <p:nvGrpSpPr>
+        <p:cNvPr id="255" name="Shape 255"/>
+        <p:cNvGrpSpPr/>
+        <p:nvPr/>
+      </p:nvGrpSpPr>
+      <p:grpSpPr>
+        <a:xfrm>
+          <a:off x="0" y="0"/>
+          <a:ext cx="0" cy="0"/>
+          <a:chOff x="0" y="0"/>
+          <a:chExt cx="0" cy="0"/>
+        </a:xfrm>
+      </p:grpSpPr>
+      <p:sp>
+        <p:nvSpPr>
+          <p:cNvPr id="256" name="Shape 256"/>
+          <p:cNvSpPr txBox="1"/>
+          <p:nvPr>
+            <p:ph type="title"/>
+          </p:nvPr>
+        </p:nvSpPr>
+        <p:spPr>
+          <a:xfrm>
+            <a:off x="311700" y="410000"/>
+            <a:ext cx="8520600" cy="607800"/>
+          </a:xfrm>
+          <a:prstGeom prst="rect">
+            <a:avLst/>
+          </a:prstGeom>
+        </p:spPr>
+        <p:txBody>
+          <a:bodyPr anchorCtr="0" anchor="t" bIns="91425" lIns="91425" rIns="91425" tIns="91425">
+            <a:noAutofit/>
+          </a:bodyPr>
+          <a:lstStyle/>
+          <a:p>
             <a:pPr lvl="0" rtl="0">
               <a:spcBef>
                 <a:spcPts val="0"/>
@@ -11341,12 +11116,279 @@
               <a:buNone/>
             </a:pPr>
             <a:r>
+              <a:rPr lang="en"/>
+              <a:t>Result(2/6)	</a:t>
+            </a:r>
+          </a:p>
+        </p:txBody>
+      </p:sp>
+      <p:sp>
+        <p:nvSpPr>
+          <p:cNvPr id="257" name="Shape 257"/>
+          <p:cNvSpPr txBox="1"/>
+          <p:nvPr>
+            <p:ph idx="1" type="body"/>
+          </p:nvPr>
+        </p:nvSpPr>
+        <p:spPr>
+          <a:xfrm>
+            <a:off x="311700" y="1017800"/>
+            <a:ext cx="8520600" cy="3339000"/>
+          </a:xfrm>
+          <a:prstGeom prst="rect">
+            <a:avLst/>
+          </a:prstGeom>
+        </p:spPr>
+        <p:txBody>
+          <a:bodyPr anchorCtr="0" anchor="t" bIns="91425" lIns="91425" rIns="91425" tIns="91425">
+            <a:noAutofit/>
+          </a:bodyPr>
+          <a:lstStyle/>
+          <a:p>
+            <a:pPr indent="-228600" lvl="0" marL="457200" rtl="0">
+              <a:lnSpc>
+                <a:spcPct val="150000"/>
+              </a:lnSpc>
+              <a:spcBef>
+                <a:spcPts val="0"/>
+              </a:spcBef>
+            </a:pPr>
+            <a:r>
+              <a:rPr lang="en"/>
+              <a:t>The polarity of each sentence is computed using different models and added to the polarity of corresponding aspect.</a:t>
+            </a:r>
+          </a:p>
+          <a:p>
+            <a:pPr indent="-228600" lvl="0" marL="457200" rtl="0">
+              <a:lnSpc>
+                <a:spcPct val="150000"/>
+              </a:lnSpc>
+              <a:spcBef>
+                <a:spcPts val="0"/>
+              </a:spcBef>
+            </a:pPr>
+            <a:r>
+              <a:rPr lang="en"/>
+              <a:t>The average polarity  of individual aspects are computed and displayed. </a:t>
+            </a:r>
+          </a:p>
+          <a:p>
+            <a:pPr indent="-228600" lvl="0" marL="457200" rtl="0">
+              <a:lnSpc>
+                <a:spcPct val="150000"/>
+              </a:lnSpc>
+              <a:spcBef>
+                <a:spcPts val="0"/>
+              </a:spcBef>
+            </a:pPr>
+            <a:r>
+              <a:rPr lang="en"/>
+              <a:t>Overall polarity is computed by taking average polarity of all the 7 aspects.</a:t>
+            </a:r>
+          </a:p>
+        </p:txBody>
+      </p:sp>
+      <p:sp>
+        <p:nvSpPr>
+          <p:cNvPr id="258" name="Shape 258"/>
+          <p:cNvSpPr txBox="1"/>
+          <p:nvPr>
+            <p:ph idx="12" type="sldNum"/>
+          </p:nvPr>
+        </p:nvSpPr>
+        <p:spPr>
+          <a:xfrm>
+            <a:off x="8460431" y="4651190"/>
+            <a:ext cx="548700" cy="393600"/>
+          </a:xfrm>
+          <a:prstGeom prst="rect">
+            <a:avLst/>
+          </a:prstGeom>
+        </p:spPr>
+        <p:txBody>
+          <a:bodyPr anchorCtr="0" anchor="ctr" bIns="91425" lIns="91425" rIns="91425" tIns="91425">
+            <a:noAutofit/>
+          </a:bodyPr>
+          <a:lstStyle/>
+          <a:p>
+            <a:pPr lvl="0">
+              <a:spcBef>
+                <a:spcPts val="0"/>
+              </a:spcBef>
+              <a:buNone/>
+            </a:pPr>
+            <a:fld id="{00000000-1234-1234-1234-123412341234}" type="slidenum">
+              <a:rPr lang="en"/>
+              <a:t>‹#›</a:t>
+            </a:fld>
+          </a:p>
+        </p:txBody>
+      </p:sp>
+    </p:spTree>
+  </p:cSld>
+  <p:clrMapOvr>
+    <a:masterClrMapping/>
+  </p:clrMapOvr>
+</p:sld>
+</file>
+
+<file path=ppt/slides/slide22.xml><?xml version="1.0" encoding="utf-8"?>
+<p:sld xmlns:a="http://schemas.openxmlformats.org/drawingml/2006/main" xmlns:r="http://schemas.openxmlformats.org/officeDocument/2006/relationships" xmlns:mc="http://schemas.openxmlformats.org/markup-compatibility/2006" xmlns:mv="urn:schemas-microsoft-com:mac:vml" xmlns:p="http://schemas.openxmlformats.org/presentationml/2006/main" xmlns:c="http://schemas.openxmlformats.org/drawingml/2006/chart" xmlns:dgm="http://schemas.openxmlformats.org/drawingml/2006/diagram" xmlns:o="urn:schemas-microsoft-com:office:office" xmlns:v="urn:schemas-microsoft-com:vml" xmlns:pvml="urn:schemas-microsoft-com:office:powerpoint" xmlns:com="http://schemas.openxmlformats.org/drawingml/2006/compatibility" xmlns:p14="http://schemas.microsoft.com/office/powerpoint/2010/main">
+  <p:cSld>
+    <p:spTree>
+      <p:nvGrpSpPr>
+        <p:cNvPr id="262" name="Shape 262"/>
+        <p:cNvGrpSpPr/>
+        <p:nvPr/>
+      </p:nvGrpSpPr>
+      <p:grpSpPr>
+        <a:xfrm>
+          <a:off x="0" y="0"/>
+          <a:ext cx="0" cy="0"/>
+          <a:chOff x="0" y="0"/>
+          <a:chExt cx="0" cy="0"/>
+        </a:xfrm>
+      </p:grpSpPr>
+      <p:sp>
+        <p:nvSpPr>
+          <p:cNvPr id="263" name="Shape 263"/>
+          <p:cNvSpPr txBox="1"/>
+          <p:nvPr>
+            <p:ph type="title"/>
+          </p:nvPr>
+        </p:nvSpPr>
+        <p:spPr>
+          <a:xfrm>
+            <a:off x="311700" y="114250"/>
+            <a:ext cx="8520600" cy="607800"/>
+          </a:xfrm>
+          <a:prstGeom prst="rect">
+            <a:avLst/>
+          </a:prstGeom>
+        </p:spPr>
+        <p:txBody>
+          <a:bodyPr anchorCtr="0" anchor="t" bIns="91425" lIns="91425" rIns="91425" tIns="91425">
+            <a:noAutofit/>
+          </a:bodyPr>
+          <a:lstStyle/>
+          <a:p>
+            <a:pPr lvl="0">
+              <a:spcBef>
+                <a:spcPts val="0"/>
+              </a:spcBef>
+              <a:buNone/>
+            </a:pPr>
+            <a:r>
+              <a:rPr lang="en"/>
+              <a:t>Result(3/6)</a:t>
+            </a:r>
+          </a:p>
+        </p:txBody>
+      </p:sp>
+      <p:sp>
+        <p:nvSpPr>
+          <p:cNvPr id="264" name="Shape 264"/>
+          <p:cNvSpPr txBox="1"/>
+          <p:nvPr>
+            <p:ph idx="1" type="body"/>
+          </p:nvPr>
+        </p:nvSpPr>
+        <p:spPr>
+          <a:xfrm>
+            <a:off x="311700" y="1294175"/>
+            <a:ext cx="3507300" cy="3339000"/>
+          </a:xfrm>
+          <a:prstGeom prst="rect">
+            <a:avLst/>
+          </a:prstGeom>
+        </p:spPr>
+        <p:txBody>
+          <a:bodyPr anchorCtr="0" anchor="t" bIns="91425" lIns="91425" rIns="91425" tIns="91425">
+            <a:noAutofit/>
+          </a:bodyPr>
+          <a:lstStyle/>
+          <a:p>
+            <a:pPr lvl="0">
+              <a:spcBef>
+                <a:spcPts val="0"/>
+              </a:spcBef>
+              <a:buNone/>
+            </a:pPr>
+            <a:r>
+              <a:t/>
+            </a:r>
+            <a:endParaRPr/>
+          </a:p>
+        </p:txBody>
+      </p:sp>
+      <p:sp>
+        <p:nvSpPr>
+          <p:cNvPr id="265" name="Shape 265"/>
+          <p:cNvSpPr txBox="1"/>
+          <p:nvPr>
+            <p:ph idx="1" type="body"/>
+          </p:nvPr>
+        </p:nvSpPr>
+        <p:spPr>
+          <a:xfrm>
+            <a:off x="4617725" y="1204150"/>
+            <a:ext cx="3661800" cy="3429000"/>
+          </a:xfrm>
+          <a:prstGeom prst="rect">
+            <a:avLst/>
+          </a:prstGeom>
+        </p:spPr>
+        <p:txBody>
+          <a:bodyPr anchorCtr="0" anchor="t" bIns="91425" lIns="91425" rIns="91425" tIns="91425">
+            <a:noAutofit/>
+          </a:bodyPr>
+          <a:lstStyle/>
+          <a:p>
+            <a:pPr lvl="0" rtl="0">
+              <a:spcBef>
+                <a:spcPts val="0"/>
+              </a:spcBef>
+              <a:buNone/>
+            </a:pPr>
+            <a:r>
+              <a:t/>
+            </a:r>
+            <a:endParaRPr/>
+          </a:p>
+        </p:txBody>
+      </p:sp>
+      <p:sp>
+        <p:nvSpPr>
+          <p:cNvPr id="266" name="Shape 266"/>
+          <p:cNvSpPr txBox="1"/>
+          <p:nvPr>
+            <p:ph type="title"/>
+          </p:nvPr>
+        </p:nvSpPr>
+        <p:spPr>
+          <a:xfrm>
+            <a:off x="311700" y="722050"/>
+            <a:ext cx="8832300" cy="482100"/>
+          </a:xfrm>
+          <a:prstGeom prst="rect">
+            <a:avLst/>
+          </a:prstGeom>
+        </p:spPr>
+        <p:txBody>
+          <a:bodyPr anchorCtr="0" anchor="t" bIns="91425" lIns="91425" rIns="91425" tIns="91425">
+            <a:noAutofit/>
+          </a:bodyPr>
+          <a:lstStyle/>
+          <a:p>
+            <a:pPr lvl="0" rtl="0">
+              <a:spcBef>
+                <a:spcPts val="0"/>
+              </a:spcBef>
+              <a:buNone/>
+            </a:pPr>
+            <a:r>
               <a:rPr lang="en" sz="1800"/>
-              <a:t>SVC</a:t>
-            </a:r>
-            <a:r>
-              <a:rPr lang="en" sz="1800"/>
-              <a:t>(Unigram) - </a:t>
+              <a:t>NaiveBayes Classifier(Unigram) - </a:t>
             </a:r>
             <a:r>
               <a:rPr lang="en" sz="1400"/>
@@ -11357,7 +11399,7 @@
       </p:sp>
       <p:pic>
         <p:nvPicPr>
-          <p:cNvPr descr="svc_uni_lex.png" id="239" name="Shape 239"/>
+          <p:cNvPr descr="nb_uni_lex.png" id="267" name="Shape 267"/>
           <p:cNvPicPr preferRelativeResize="0"/>
           <p:nvPr/>
         </p:nvPicPr>
@@ -11372,7 +11414,7 @@
         <p:spPr>
           <a:xfrm>
             <a:off x="311700" y="1204150"/>
-            <a:ext cx="4216224" cy="3428999"/>
+            <a:ext cx="3875474" cy="3500000"/>
           </a:xfrm>
           <a:prstGeom prst="rect">
             <a:avLst/>
@@ -11385,7 +11427,7 @@
       </p:pic>
       <p:pic>
         <p:nvPicPr>
-          <p:cNvPr descr="svc_uni_nb.png" id="240" name="Shape 240"/>
+          <p:cNvPr descr="nb_uni_nb.png" id="268" name="Shape 268"/>
           <p:cNvPicPr preferRelativeResize="0"/>
           <p:nvPr/>
         </p:nvPicPr>
@@ -11399,8 +11441,8 @@
         </p:blipFill>
         <p:spPr>
           <a:xfrm>
-            <a:off x="4617724" y="1204175"/>
-            <a:ext cx="4214574" cy="3428999"/>
+            <a:off x="4617725" y="1204150"/>
+            <a:ext cx="3661800" cy="3428999"/>
           </a:xfrm>
           <a:prstGeom prst="rect">
             <a:avLst/>
@@ -11411,6 +11453,576 @@
           </a:ln>
         </p:spPr>
       </p:pic>
+      <p:sp>
+        <p:nvSpPr>
+          <p:cNvPr id="269" name="Shape 269"/>
+          <p:cNvSpPr txBox="1"/>
+          <p:nvPr>
+            <p:ph idx="12" type="sldNum"/>
+          </p:nvPr>
+        </p:nvSpPr>
+        <p:spPr>
+          <a:xfrm>
+            <a:off x="8460431" y="4651190"/>
+            <a:ext cx="548700" cy="393600"/>
+          </a:xfrm>
+          <a:prstGeom prst="rect">
+            <a:avLst/>
+          </a:prstGeom>
+        </p:spPr>
+        <p:txBody>
+          <a:bodyPr anchorCtr="0" anchor="ctr" bIns="91425" lIns="91425" rIns="91425" tIns="91425">
+            <a:noAutofit/>
+          </a:bodyPr>
+          <a:lstStyle/>
+          <a:p>
+            <a:pPr lvl="0">
+              <a:spcBef>
+                <a:spcPts val="0"/>
+              </a:spcBef>
+              <a:buNone/>
+            </a:pPr>
+            <a:fld id="{00000000-1234-1234-1234-123412341234}" type="slidenum">
+              <a:rPr lang="en"/>
+              <a:t>‹#›</a:t>
+            </a:fld>
+          </a:p>
+        </p:txBody>
+      </p:sp>
+    </p:spTree>
+  </p:cSld>
+  <p:clrMapOvr>
+    <a:masterClrMapping/>
+  </p:clrMapOvr>
+</p:sld>
+</file>
+
+<file path=ppt/slides/slide23.xml><?xml version="1.0" encoding="utf-8"?>
+<p:sld xmlns:a="http://schemas.openxmlformats.org/drawingml/2006/main" xmlns:r="http://schemas.openxmlformats.org/officeDocument/2006/relationships" xmlns:mc="http://schemas.openxmlformats.org/markup-compatibility/2006" xmlns:mv="urn:schemas-microsoft-com:mac:vml" xmlns:p="http://schemas.openxmlformats.org/presentationml/2006/main" xmlns:c="http://schemas.openxmlformats.org/drawingml/2006/chart" xmlns:dgm="http://schemas.openxmlformats.org/drawingml/2006/diagram" xmlns:o="urn:schemas-microsoft-com:office:office" xmlns:v="urn:schemas-microsoft-com:vml" xmlns:pvml="urn:schemas-microsoft-com:office:powerpoint" xmlns:com="http://schemas.openxmlformats.org/drawingml/2006/compatibility" xmlns:p14="http://schemas.microsoft.com/office/powerpoint/2010/main">
+  <p:cSld>
+    <p:spTree>
+      <p:nvGrpSpPr>
+        <p:cNvPr id="273" name="Shape 273"/>
+        <p:cNvGrpSpPr/>
+        <p:nvPr/>
+      </p:nvGrpSpPr>
+      <p:grpSpPr>
+        <a:xfrm>
+          <a:off x="0" y="0"/>
+          <a:ext cx="0" cy="0"/>
+          <a:chOff x="0" y="0"/>
+          <a:chExt cx="0" cy="0"/>
+        </a:xfrm>
+      </p:grpSpPr>
+      <p:sp>
+        <p:nvSpPr>
+          <p:cNvPr id="274" name="Shape 274"/>
+          <p:cNvSpPr txBox="1"/>
+          <p:nvPr>
+            <p:ph type="title"/>
+          </p:nvPr>
+        </p:nvSpPr>
+        <p:spPr>
+          <a:xfrm>
+            <a:off x="311700" y="114250"/>
+            <a:ext cx="8520600" cy="607800"/>
+          </a:xfrm>
+          <a:prstGeom prst="rect">
+            <a:avLst/>
+          </a:prstGeom>
+        </p:spPr>
+        <p:txBody>
+          <a:bodyPr anchorCtr="0" anchor="t" bIns="91425" lIns="91425" rIns="91425" tIns="91425">
+            <a:noAutofit/>
+          </a:bodyPr>
+          <a:lstStyle/>
+          <a:p>
+            <a:pPr lvl="0" rtl="0">
+              <a:spcBef>
+                <a:spcPts val="0"/>
+              </a:spcBef>
+              <a:buNone/>
+            </a:pPr>
+            <a:r>
+              <a:rPr lang="en"/>
+              <a:t>Result(4/6)</a:t>
+            </a:r>
+          </a:p>
+        </p:txBody>
+      </p:sp>
+      <p:sp>
+        <p:nvSpPr>
+          <p:cNvPr id="275" name="Shape 275"/>
+          <p:cNvSpPr txBox="1"/>
+          <p:nvPr>
+            <p:ph idx="1" type="body"/>
+          </p:nvPr>
+        </p:nvSpPr>
+        <p:spPr>
+          <a:xfrm>
+            <a:off x="311700" y="1204175"/>
+            <a:ext cx="3507300" cy="3429000"/>
+          </a:xfrm>
+          <a:prstGeom prst="rect">
+            <a:avLst/>
+          </a:prstGeom>
+        </p:spPr>
+        <p:txBody>
+          <a:bodyPr anchorCtr="0" anchor="t" bIns="91425" lIns="91425" rIns="91425" tIns="91425">
+            <a:noAutofit/>
+          </a:bodyPr>
+          <a:lstStyle/>
+          <a:p>
+            <a:pPr lvl="0" rtl="0">
+              <a:spcBef>
+                <a:spcPts val="0"/>
+              </a:spcBef>
+              <a:buNone/>
+            </a:pPr>
+            <a:r>
+              <a:t/>
+            </a:r>
+            <a:endParaRPr/>
+          </a:p>
+        </p:txBody>
+      </p:sp>
+      <p:sp>
+        <p:nvSpPr>
+          <p:cNvPr id="276" name="Shape 276"/>
+          <p:cNvSpPr txBox="1"/>
+          <p:nvPr>
+            <p:ph idx="1" type="body"/>
+          </p:nvPr>
+        </p:nvSpPr>
+        <p:spPr>
+          <a:xfrm>
+            <a:off x="4617725" y="1204150"/>
+            <a:ext cx="3661800" cy="3429000"/>
+          </a:xfrm>
+          <a:prstGeom prst="rect">
+            <a:avLst/>
+          </a:prstGeom>
+        </p:spPr>
+        <p:txBody>
+          <a:bodyPr anchorCtr="0" anchor="t" bIns="91425" lIns="91425" rIns="91425" tIns="91425">
+            <a:noAutofit/>
+          </a:bodyPr>
+          <a:lstStyle/>
+          <a:p>
+            <a:pPr lvl="0" rtl="0">
+              <a:spcBef>
+                <a:spcPts val="0"/>
+              </a:spcBef>
+              <a:buNone/>
+            </a:pPr>
+            <a:r>
+              <a:t/>
+            </a:r>
+            <a:endParaRPr/>
+          </a:p>
+        </p:txBody>
+      </p:sp>
+      <p:sp>
+        <p:nvSpPr>
+          <p:cNvPr id="277" name="Shape 277"/>
+          <p:cNvSpPr txBox="1"/>
+          <p:nvPr>
+            <p:ph type="title"/>
+          </p:nvPr>
+        </p:nvSpPr>
+        <p:spPr>
+          <a:xfrm>
+            <a:off x="311700" y="722050"/>
+            <a:ext cx="8832300" cy="482100"/>
+          </a:xfrm>
+          <a:prstGeom prst="rect">
+            <a:avLst/>
+          </a:prstGeom>
+        </p:spPr>
+        <p:txBody>
+          <a:bodyPr anchorCtr="0" anchor="t" bIns="91425" lIns="91425" rIns="91425" tIns="91425">
+            <a:noAutofit/>
+          </a:bodyPr>
+          <a:lstStyle/>
+          <a:p>
+            <a:pPr lvl="0" rtl="0">
+              <a:spcBef>
+                <a:spcPts val="0"/>
+              </a:spcBef>
+              <a:buNone/>
+            </a:pPr>
+            <a:r>
+              <a:rPr lang="en" sz="1800"/>
+              <a:t>NaiveBayes Classifier(Bigram) - </a:t>
+            </a:r>
+            <a:r>
+              <a:rPr lang="en" sz="1400"/>
+              <a:t>(Aspect Classifier Lexical Approach: Left and NaiveBayes: Right )</a:t>
+            </a:r>
+          </a:p>
+        </p:txBody>
+      </p:sp>
+      <p:pic>
+        <p:nvPicPr>
+          <p:cNvPr descr="nb_bi_nb.png" id="278" name="Shape 278"/>
+          <p:cNvPicPr preferRelativeResize="0"/>
+          <p:nvPr/>
+        </p:nvPicPr>
+        <p:blipFill>
+          <a:blip r:embed="rId3">
+            <a:alphaModFix/>
+          </a:blip>
+          <a:stretch>
+            <a:fillRect/>
+          </a:stretch>
+        </p:blipFill>
+        <p:spPr>
+          <a:xfrm>
+            <a:off x="4617724" y="1204150"/>
+            <a:ext cx="3905525" cy="3428999"/>
+          </a:xfrm>
+          <a:prstGeom prst="rect">
+            <a:avLst/>
+          </a:prstGeom>
+          <a:noFill/>
+          <a:ln>
+            <a:noFill/>
+          </a:ln>
+        </p:spPr>
+      </p:pic>
+      <p:pic>
+        <p:nvPicPr>
+          <p:cNvPr descr="nb_bi_lex.png" id="279" name="Shape 279"/>
+          <p:cNvPicPr preferRelativeResize="0"/>
+          <p:nvPr/>
+        </p:nvPicPr>
+        <p:blipFill>
+          <a:blip r:embed="rId4">
+            <a:alphaModFix/>
+          </a:blip>
+          <a:stretch>
+            <a:fillRect/>
+          </a:stretch>
+        </p:blipFill>
+        <p:spPr>
+          <a:xfrm>
+            <a:off x="311700" y="1204150"/>
+            <a:ext cx="3905525" cy="3487175"/>
+          </a:xfrm>
+          <a:prstGeom prst="rect">
+            <a:avLst/>
+          </a:prstGeom>
+          <a:noFill/>
+          <a:ln>
+            <a:noFill/>
+          </a:ln>
+        </p:spPr>
+      </p:pic>
+      <p:sp>
+        <p:nvSpPr>
+          <p:cNvPr id="280" name="Shape 280"/>
+          <p:cNvSpPr txBox="1"/>
+          <p:nvPr>
+            <p:ph idx="12" type="sldNum"/>
+          </p:nvPr>
+        </p:nvSpPr>
+        <p:spPr>
+          <a:xfrm>
+            <a:off x="8460431" y="4651190"/>
+            <a:ext cx="548700" cy="393600"/>
+          </a:xfrm>
+          <a:prstGeom prst="rect">
+            <a:avLst/>
+          </a:prstGeom>
+        </p:spPr>
+        <p:txBody>
+          <a:bodyPr anchorCtr="0" anchor="ctr" bIns="91425" lIns="91425" rIns="91425" tIns="91425">
+            <a:noAutofit/>
+          </a:bodyPr>
+          <a:lstStyle/>
+          <a:p>
+            <a:pPr lvl="0">
+              <a:spcBef>
+                <a:spcPts val="0"/>
+              </a:spcBef>
+              <a:buNone/>
+            </a:pPr>
+            <a:fld id="{00000000-1234-1234-1234-123412341234}" type="slidenum">
+              <a:rPr lang="en"/>
+              <a:t>‹#›</a:t>
+            </a:fld>
+          </a:p>
+        </p:txBody>
+      </p:sp>
+    </p:spTree>
+  </p:cSld>
+  <p:clrMapOvr>
+    <a:masterClrMapping/>
+  </p:clrMapOvr>
+</p:sld>
+</file>
+
+<file path=ppt/slides/slide24.xml><?xml version="1.0" encoding="utf-8"?>
+<p:sld xmlns:a="http://schemas.openxmlformats.org/drawingml/2006/main" xmlns:r="http://schemas.openxmlformats.org/officeDocument/2006/relationships" xmlns:mc="http://schemas.openxmlformats.org/markup-compatibility/2006" xmlns:mv="urn:schemas-microsoft-com:mac:vml" xmlns:p="http://schemas.openxmlformats.org/presentationml/2006/main" xmlns:c="http://schemas.openxmlformats.org/drawingml/2006/chart" xmlns:dgm="http://schemas.openxmlformats.org/drawingml/2006/diagram" xmlns:o="urn:schemas-microsoft-com:office:office" xmlns:v="urn:schemas-microsoft-com:vml" xmlns:pvml="urn:schemas-microsoft-com:office:powerpoint" xmlns:com="http://schemas.openxmlformats.org/drawingml/2006/compatibility" xmlns:p14="http://schemas.microsoft.com/office/powerpoint/2010/main">
+  <p:cSld>
+    <p:spTree>
+      <p:nvGrpSpPr>
+        <p:cNvPr id="284" name="Shape 284"/>
+        <p:cNvGrpSpPr/>
+        <p:nvPr/>
+      </p:nvGrpSpPr>
+      <p:grpSpPr>
+        <a:xfrm>
+          <a:off x="0" y="0"/>
+          <a:ext cx="0" cy="0"/>
+          <a:chOff x="0" y="0"/>
+          <a:chExt cx="0" cy="0"/>
+        </a:xfrm>
+      </p:grpSpPr>
+      <p:sp>
+        <p:nvSpPr>
+          <p:cNvPr id="285" name="Shape 285"/>
+          <p:cNvSpPr txBox="1"/>
+          <p:nvPr>
+            <p:ph type="title"/>
+          </p:nvPr>
+        </p:nvSpPr>
+        <p:spPr>
+          <a:xfrm>
+            <a:off x="311700" y="114250"/>
+            <a:ext cx="8520600" cy="607800"/>
+          </a:xfrm>
+          <a:prstGeom prst="rect">
+            <a:avLst/>
+          </a:prstGeom>
+        </p:spPr>
+        <p:txBody>
+          <a:bodyPr anchorCtr="0" anchor="t" bIns="91425" lIns="91425" rIns="91425" tIns="91425">
+            <a:noAutofit/>
+          </a:bodyPr>
+          <a:lstStyle/>
+          <a:p>
+            <a:pPr lvl="0" rtl="0">
+              <a:spcBef>
+                <a:spcPts val="0"/>
+              </a:spcBef>
+              <a:buNone/>
+            </a:pPr>
+            <a:r>
+              <a:rPr lang="en"/>
+              <a:t>Result(5/6)</a:t>
+            </a:r>
+          </a:p>
+        </p:txBody>
+      </p:sp>
+      <p:sp>
+        <p:nvSpPr>
+          <p:cNvPr id="286" name="Shape 286"/>
+          <p:cNvSpPr txBox="1"/>
+          <p:nvPr>
+            <p:ph idx="1" type="body"/>
+          </p:nvPr>
+        </p:nvSpPr>
+        <p:spPr>
+          <a:xfrm>
+            <a:off x="311700" y="1204175"/>
+            <a:ext cx="3507300" cy="3429000"/>
+          </a:xfrm>
+          <a:prstGeom prst="rect">
+            <a:avLst/>
+          </a:prstGeom>
+        </p:spPr>
+        <p:txBody>
+          <a:bodyPr anchorCtr="0" anchor="t" bIns="91425" lIns="91425" rIns="91425" tIns="91425">
+            <a:noAutofit/>
+          </a:bodyPr>
+          <a:lstStyle/>
+          <a:p>
+            <a:pPr lvl="0" rtl="0">
+              <a:spcBef>
+                <a:spcPts val="0"/>
+              </a:spcBef>
+              <a:buNone/>
+            </a:pPr>
+            <a:r>
+              <a:t/>
+            </a:r>
+            <a:endParaRPr/>
+          </a:p>
+        </p:txBody>
+      </p:sp>
+      <p:sp>
+        <p:nvSpPr>
+          <p:cNvPr id="287" name="Shape 287"/>
+          <p:cNvSpPr txBox="1"/>
+          <p:nvPr>
+            <p:ph idx="1" type="body"/>
+          </p:nvPr>
+        </p:nvSpPr>
+        <p:spPr>
+          <a:xfrm>
+            <a:off x="4617725" y="1204150"/>
+            <a:ext cx="4216200" cy="3429000"/>
+          </a:xfrm>
+          <a:prstGeom prst="rect">
+            <a:avLst/>
+          </a:prstGeom>
+        </p:spPr>
+        <p:txBody>
+          <a:bodyPr anchorCtr="0" anchor="t" bIns="91425" lIns="91425" rIns="91425" tIns="91425">
+            <a:noAutofit/>
+          </a:bodyPr>
+          <a:lstStyle/>
+          <a:p>
+            <a:pPr lvl="0" rtl="0">
+              <a:spcBef>
+                <a:spcPts val="0"/>
+              </a:spcBef>
+              <a:buNone/>
+            </a:pPr>
+            <a:r>
+              <a:t/>
+            </a:r>
+            <a:endParaRPr/>
+          </a:p>
+        </p:txBody>
+      </p:sp>
+      <p:sp>
+        <p:nvSpPr>
+          <p:cNvPr id="288" name="Shape 288"/>
+          <p:cNvSpPr txBox="1"/>
+          <p:nvPr>
+            <p:ph type="title"/>
+          </p:nvPr>
+        </p:nvSpPr>
+        <p:spPr>
+          <a:xfrm>
+            <a:off x="311700" y="722050"/>
+            <a:ext cx="8832300" cy="482100"/>
+          </a:xfrm>
+          <a:prstGeom prst="rect">
+            <a:avLst/>
+          </a:prstGeom>
+        </p:spPr>
+        <p:txBody>
+          <a:bodyPr anchorCtr="0" anchor="t" bIns="91425" lIns="91425" rIns="91425" tIns="91425">
+            <a:noAutofit/>
+          </a:bodyPr>
+          <a:lstStyle/>
+          <a:p>
+            <a:pPr lvl="0" rtl="0">
+              <a:spcBef>
+                <a:spcPts val="0"/>
+              </a:spcBef>
+              <a:buNone/>
+            </a:pPr>
+            <a:r>
+              <a:rPr lang="en" sz="1800"/>
+              <a:t>SVC</a:t>
+            </a:r>
+            <a:r>
+              <a:rPr lang="en" sz="1800"/>
+              <a:t>(Unigram) - </a:t>
+            </a:r>
+            <a:r>
+              <a:rPr lang="en" sz="1400"/>
+              <a:t>(Aspect Classifier Lexical Approach: Left and NaiveBayes: Right )</a:t>
+            </a:r>
+          </a:p>
+        </p:txBody>
+      </p:sp>
+      <p:pic>
+        <p:nvPicPr>
+          <p:cNvPr descr="svc_uni_lex.png" id="289" name="Shape 289"/>
+          <p:cNvPicPr preferRelativeResize="0"/>
+          <p:nvPr/>
+        </p:nvPicPr>
+        <p:blipFill>
+          <a:blip r:embed="rId3">
+            <a:alphaModFix/>
+          </a:blip>
+          <a:stretch>
+            <a:fillRect/>
+          </a:stretch>
+        </p:blipFill>
+        <p:spPr>
+          <a:xfrm>
+            <a:off x="311700" y="1204150"/>
+            <a:ext cx="4216224" cy="3428999"/>
+          </a:xfrm>
+          <a:prstGeom prst="rect">
+            <a:avLst/>
+          </a:prstGeom>
+          <a:noFill/>
+          <a:ln>
+            <a:noFill/>
+          </a:ln>
+        </p:spPr>
+      </p:pic>
+      <p:pic>
+        <p:nvPicPr>
+          <p:cNvPr descr="svc_uni_nb.png" id="290" name="Shape 290"/>
+          <p:cNvPicPr preferRelativeResize="0"/>
+          <p:nvPr/>
+        </p:nvPicPr>
+        <p:blipFill>
+          <a:blip r:embed="rId4">
+            <a:alphaModFix/>
+          </a:blip>
+          <a:stretch>
+            <a:fillRect/>
+          </a:stretch>
+        </p:blipFill>
+        <p:spPr>
+          <a:xfrm>
+            <a:off x="4617724" y="1204175"/>
+            <a:ext cx="4214574" cy="3428999"/>
+          </a:xfrm>
+          <a:prstGeom prst="rect">
+            <a:avLst/>
+          </a:prstGeom>
+          <a:noFill/>
+          <a:ln>
+            <a:noFill/>
+          </a:ln>
+        </p:spPr>
+      </p:pic>
+      <p:sp>
+        <p:nvSpPr>
+          <p:cNvPr id="291" name="Shape 291"/>
+          <p:cNvSpPr txBox="1"/>
+          <p:nvPr>
+            <p:ph idx="12" type="sldNum"/>
+          </p:nvPr>
+        </p:nvSpPr>
+        <p:spPr>
+          <a:xfrm>
+            <a:off x="8460431" y="4651190"/>
+            <a:ext cx="548700" cy="393600"/>
+          </a:xfrm>
+          <a:prstGeom prst="rect">
+            <a:avLst/>
+          </a:prstGeom>
+        </p:spPr>
+        <p:txBody>
+          <a:bodyPr anchorCtr="0" anchor="ctr" bIns="91425" lIns="91425" rIns="91425" tIns="91425">
+            <a:noAutofit/>
+          </a:bodyPr>
+          <a:lstStyle/>
+          <a:p>
+            <a:pPr lvl="0">
+              <a:spcBef>
+                <a:spcPts val="0"/>
+              </a:spcBef>
+              <a:buNone/>
+            </a:pPr>
+            <a:fld id="{00000000-1234-1234-1234-123412341234}" type="slidenum">
+              <a:rPr lang="en"/>
+              <a:t>‹#›</a:t>
+            </a:fld>
+          </a:p>
+        </p:txBody>
+      </p:sp>
     </p:spTree>
   </p:cSld>
   <p:clrMapOvr>
@@ -11424,7 +12036,7 @@
   <p:cSld>
     <p:spTree>
       <p:nvGrpSpPr>
-        <p:cNvPr id="244" name="Shape 244"/>
+        <p:cNvPr id="295" name="Shape 295"/>
         <p:cNvGrpSpPr/>
         <p:nvPr/>
       </p:nvGrpSpPr>
@@ -11438,7 +12050,7 @@
       </p:grpSpPr>
       <p:sp>
         <p:nvSpPr>
-          <p:cNvPr id="245" name="Shape 245"/>
+          <p:cNvPr id="296" name="Shape 296"/>
           <p:cNvSpPr txBox="1"/>
           <p:nvPr>
             <p:ph type="title"/>
@@ -11474,7 +12086,7 @@
       </p:sp>
       <p:sp>
         <p:nvSpPr>
-          <p:cNvPr id="246" name="Shape 246"/>
+          <p:cNvPr id="297" name="Shape 297"/>
           <p:cNvSpPr txBox="1"/>
           <p:nvPr>
             <p:ph idx="1" type="body"/>
@@ -11510,7 +12122,7 @@
       </p:sp>
       <p:sp>
         <p:nvSpPr>
-          <p:cNvPr id="247" name="Shape 247"/>
+          <p:cNvPr id="298" name="Shape 298"/>
           <p:cNvSpPr txBox="1"/>
           <p:nvPr>
             <p:ph idx="1" type="body"/>
@@ -11546,7 +12158,7 @@
       </p:sp>
       <p:sp>
         <p:nvSpPr>
-          <p:cNvPr id="248" name="Shape 248"/>
+          <p:cNvPr id="299" name="Shape 299"/>
           <p:cNvSpPr txBox="1"/>
           <p:nvPr>
             <p:ph type="title"/>
@@ -11586,7 +12198,7 @@
       </p:sp>
       <p:pic>
         <p:nvPicPr>
-          <p:cNvPr descr="svc_bi_lex.png" id="249" name="Shape 249"/>
+          <p:cNvPr descr="svc_bi_lex.png" id="300" name="Shape 300"/>
           <p:cNvPicPr preferRelativeResize="0"/>
           <p:nvPr/>
         </p:nvPicPr>
@@ -11614,7 +12226,7 @@
       </p:pic>
       <p:pic>
         <p:nvPicPr>
-          <p:cNvPr descr="svc_bi_nb.png" id="250" name="Shape 250"/>
+          <p:cNvPr descr="svc_bi_nb.png" id="301" name="Shape 301"/>
           <p:cNvPicPr preferRelativeResize="0"/>
           <p:nvPr/>
         </p:nvPicPr>
@@ -11640,6 +12252,42 @@
           </a:ln>
         </p:spPr>
       </p:pic>
+      <p:sp>
+        <p:nvSpPr>
+          <p:cNvPr id="302" name="Shape 302"/>
+          <p:cNvSpPr txBox="1"/>
+          <p:nvPr>
+            <p:ph idx="12" type="sldNum"/>
+          </p:nvPr>
+        </p:nvSpPr>
+        <p:spPr>
+          <a:xfrm>
+            <a:off x="8460431" y="4651190"/>
+            <a:ext cx="548700" cy="393600"/>
+          </a:xfrm>
+          <a:prstGeom prst="rect">
+            <a:avLst/>
+          </a:prstGeom>
+        </p:spPr>
+        <p:txBody>
+          <a:bodyPr anchorCtr="0" anchor="ctr" bIns="91425" lIns="91425" rIns="91425" tIns="91425">
+            <a:noAutofit/>
+          </a:bodyPr>
+          <a:lstStyle/>
+          <a:p>
+            <a:pPr lvl="0">
+              <a:spcBef>
+                <a:spcPts val="0"/>
+              </a:spcBef>
+              <a:buNone/>
+            </a:pPr>
+            <a:fld id="{00000000-1234-1234-1234-123412341234}" type="slidenum">
+              <a:rPr lang="en"/>
+              <a:t>‹#›</a:t>
+            </a:fld>
+          </a:p>
+        </p:txBody>
+      </p:sp>
     </p:spTree>
   </p:cSld>
   <p:clrMapOvr>
@@ -11653,7 +12301,7 @@
   <p:cSld>
     <p:spTree>
       <p:nvGrpSpPr>
-        <p:cNvPr id="254" name="Shape 254"/>
+        <p:cNvPr id="306" name="Shape 306"/>
         <p:cNvGrpSpPr/>
         <p:nvPr/>
       </p:nvGrpSpPr>
@@ -11667,7 +12315,7 @@
       </p:grpSpPr>
       <p:sp>
         <p:nvSpPr>
-          <p:cNvPr id="255" name="Shape 255"/>
+          <p:cNvPr id="307" name="Shape 307"/>
           <p:cNvSpPr txBox="1"/>
           <p:nvPr>
             <p:ph type="title"/>
@@ -11703,7 +12351,7 @@
       </p:sp>
       <p:sp>
         <p:nvSpPr>
-          <p:cNvPr id="256" name="Shape 256"/>
+          <p:cNvPr id="308" name="Shape 308"/>
           <p:cNvSpPr txBox="1"/>
           <p:nvPr>
             <p:ph idx="1" type="body"/>
@@ -11763,6 +12411,42 @@
               <a:rPr lang="en"/>
               <a:t>Executing all reviews of a company for computing result is taking more time  </a:t>
             </a:r>
+          </a:p>
+        </p:txBody>
+      </p:sp>
+      <p:sp>
+        <p:nvSpPr>
+          <p:cNvPr id="309" name="Shape 309"/>
+          <p:cNvSpPr txBox="1"/>
+          <p:nvPr>
+            <p:ph idx="12" type="sldNum"/>
+          </p:nvPr>
+        </p:nvSpPr>
+        <p:spPr>
+          <a:xfrm>
+            <a:off x="8460431" y="4651190"/>
+            <a:ext cx="548700" cy="393600"/>
+          </a:xfrm>
+          <a:prstGeom prst="rect">
+            <a:avLst/>
+          </a:prstGeom>
+        </p:spPr>
+        <p:txBody>
+          <a:bodyPr anchorCtr="0" anchor="ctr" bIns="91425" lIns="91425" rIns="91425" tIns="91425">
+            <a:noAutofit/>
+          </a:bodyPr>
+          <a:lstStyle/>
+          <a:p>
+            <a:pPr lvl="0">
+              <a:spcBef>
+                <a:spcPts val="0"/>
+              </a:spcBef>
+              <a:buNone/>
+            </a:pPr>
+            <a:fld id="{00000000-1234-1234-1234-123412341234}" type="slidenum">
+              <a:rPr lang="en"/>
+              <a:t>‹#›</a:t>
+            </a:fld>
           </a:p>
         </p:txBody>
       </p:sp>
@@ -11779,7 +12463,7 @@
   <p:cSld>
     <p:spTree>
       <p:nvGrpSpPr>
-        <p:cNvPr id="260" name="Shape 260"/>
+        <p:cNvPr id="313" name="Shape 313"/>
         <p:cNvGrpSpPr/>
         <p:nvPr/>
       </p:nvGrpSpPr>
@@ -11793,7 +12477,7 @@
       </p:grpSpPr>
       <p:sp>
         <p:nvSpPr>
-          <p:cNvPr id="261" name="Shape 261"/>
+          <p:cNvPr id="314" name="Shape 314"/>
           <p:cNvSpPr txBox="1"/>
           <p:nvPr>
             <p:ph type="title"/>
@@ -11829,7 +12513,7 @@
       </p:sp>
       <p:sp>
         <p:nvSpPr>
-          <p:cNvPr id="262" name="Shape 262"/>
+          <p:cNvPr id="315" name="Shape 315"/>
           <p:cNvSpPr txBox="1"/>
           <p:nvPr>
             <p:ph idx="1" type="body"/>
@@ -11904,6 +12588,42 @@
               <a:t/>
             </a:r>
             <a:endParaRPr/>
+          </a:p>
+        </p:txBody>
+      </p:sp>
+      <p:sp>
+        <p:nvSpPr>
+          <p:cNvPr id="316" name="Shape 316"/>
+          <p:cNvSpPr txBox="1"/>
+          <p:nvPr>
+            <p:ph idx="12" type="sldNum"/>
+          </p:nvPr>
+        </p:nvSpPr>
+        <p:spPr>
+          <a:xfrm>
+            <a:off x="8460431" y="4651190"/>
+            <a:ext cx="548700" cy="393600"/>
+          </a:xfrm>
+          <a:prstGeom prst="rect">
+            <a:avLst/>
+          </a:prstGeom>
+        </p:spPr>
+        <p:txBody>
+          <a:bodyPr anchorCtr="0" anchor="ctr" bIns="91425" lIns="91425" rIns="91425" tIns="91425">
+            <a:noAutofit/>
+          </a:bodyPr>
+          <a:lstStyle/>
+          <a:p>
+            <a:pPr lvl="0">
+              <a:spcBef>
+                <a:spcPts val="0"/>
+              </a:spcBef>
+              <a:buNone/>
+            </a:pPr>
+            <a:fld id="{00000000-1234-1234-1234-123412341234}" type="slidenum">
+              <a:rPr lang="en"/>
+              <a:t>‹#›</a:t>
+            </a:fld>
           </a:p>
         </p:txBody>
       </p:sp>
@@ -11920,7 +12640,7 @@
   <p:cSld>
     <p:spTree>
       <p:nvGrpSpPr>
-        <p:cNvPr id="266" name="Shape 266"/>
+        <p:cNvPr id="320" name="Shape 320"/>
         <p:cNvGrpSpPr/>
         <p:nvPr/>
       </p:nvGrpSpPr>
@@ -11934,7 +12654,7 @@
       </p:grpSpPr>
       <p:sp>
         <p:nvSpPr>
-          <p:cNvPr id="267" name="Shape 267"/>
+          <p:cNvPr id="321" name="Shape 321"/>
           <p:cNvSpPr txBox="1"/>
           <p:nvPr>
             <p:ph type="title"/>
@@ -11970,7 +12690,7 @@
       </p:sp>
       <p:sp>
         <p:nvSpPr>
-          <p:cNvPr id="268" name="Shape 268"/>
+          <p:cNvPr id="322" name="Shape 322"/>
           <p:cNvSpPr txBox="1"/>
           <p:nvPr>
             <p:ph idx="1" type="body"/>
@@ -12022,6 +12742,42 @@
               <a:rPr lang="en"/>
               <a:t> Analysing individual sentence to make dataset more accurate</a:t>
             </a:r>
+          </a:p>
+        </p:txBody>
+      </p:sp>
+      <p:sp>
+        <p:nvSpPr>
+          <p:cNvPr id="323" name="Shape 323"/>
+          <p:cNvSpPr txBox="1"/>
+          <p:nvPr>
+            <p:ph idx="12" type="sldNum"/>
+          </p:nvPr>
+        </p:nvSpPr>
+        <p:spPr>
+          <a:xfrm>
+            <a:off x="8460431" y="4651190"/>
+            <a:ext cx="548700" cy="393600"/>
+          </a:xfrm>
+          <a:prstGeom prst="rect">
+            <a:avLst/>
+          </a:prstGeom>
+        </p:spPr>
+        <p:txBody>
+          <a:bodyPr anchorCtr="0" anchor="ctr" bIns="91425" lIns="91425" rIns="91425" tIns="91425">
+            <a:noAutofit/>
+          </a:bodyPr>
+          <a:lstStyle/>
+          <a:p>
+            <a:pPr lvl="0">
+              <a:spcBef>
+                <a:spcPts val="0"/>
+              </a:spcBef>
+              <a:buNone/>
+            </a:pPr>
+            <a:fld id="{00000000-1234-1234-1234-123412341234}" type="slidenum">
+              <a:rPr lang="en"/>
+              <a:t>‹#›</a:t>
+            </a:fld>
           </a:p>
         </p:txBody>
       </p:sp>
@@ -12038,7 +12794,7 @@
   <p:cSld>
     <p:spTree>
       <p:nvGrpSpPr>
-        <p:cNvPr id="272" name="Shape 272"/>
+        <p:cNvPr id="327" name="Shape 327"/>
         <p:cNvGrpSpPr/>
         <p:nvPr/>
       </p:nvGrpSpPr>
@@ -12052,7 +12808,7 @@
       </p:grpSpPr>
       <p:sp>
         <p:nvSpPr>
-          <p:cNvPr id="273" name="Shape 273"/>
+          <p:cNvPr id="328" name="Shape 328"/>
           <p:cNvSpPr txBox="1"/>
           <p:nvPr>
             <p:ph type="title"/>
@@ -12088,7 +12844,7 @@
       </p:sp>
       <p:sp>
         <p:nvSpPr>
-          <p:cNvPr id="274" name="Shape 274"/>
+          <p:cNvPr id="329" name="Shape 329"/>
           <p:cNvSpPr txBox="1"/>
           <p:nvPr>
             <p:ph idx="1" type="body"/>
@@ -12118,6 +12874,42 @@
               <a:rPr lang="en"/>
               <a:t>Aspect Based Sentiment Analysis in Reviews, by Satarupa Guha Guha, Aditya Joshi, Vasudeva Varma,4th Joint Conference on Lexical and Computational Semantics,2015.</a:t>
             </a:r>
+          </a:p>
+        </p:txBody>
+      </p:sp>
+      <p:sp>
+        <p:nvSpPr>
+          <p:cNvPr id="330" name="Shape 330"/>
+          <p:cNvSpPr txBox="1"/>
+          <p:nvPr>
+            <p:ph idx="12" type="sldNum"/>
+          </p:nvPr>
+        </p:nvSpPr>
+        <p:spPr>
+          <a:xfrm>
+            <a:off x="8460431" y="4651190"/>
+            <a:ext cx="548700" cy="393600"/>
+          </a:xfrm>
+          <a:prstGeom prst="rect">
+            <a:avLst/>
+          </a:prstGeom>
+        </p:spPr>
+        <p:txBody>
+          <a:bodyPr anchorCtr="0" anchor="ctr" bIns="91425" lIns="91425" rIns="91425" tIns="91425">
+            <a:noAutofit/>
+          </a:bodyPr>
+          <a:lstStyle/>
+          <a:p>
+            <a:pPr lvl="0">
+              <a:spcBef>
+                <a:spcPts val="0"/>
+              </a:spcBef>
+              <a:buNone/>
+            </a:pPr>
+            <a:fld id="{00000000-1234-1234-1234-123412341234}" type="slidenum">
+              <a:rPr lang="en"/>
+              <a:t>‹#›</a:t>
+            </a:fld>
           </a:p>
         </p:txBody>
       </p:sp>
@@ -12134,7 +12926,7 @@
   <p:cSld>
     <p:spTree>
       <p:nvGrpSpPr>
-        <p:cNvPr id="96" name="Shape 96"/>
+        <p:cNvPr id="98" name="Shape 98"/>
         <p:cNvGrpSpPr/>
         <p:nvPr/>
       </p:nvGrpSpPr>
@@ -12148,7 +12940,7 @@
       </p:grpSpPr>
       <p:sp>
         <p:nvSpPr>
-          <p:cNvPr id="97" name="Shape 97"/>
+          <p:cNvPr id="99" name="Shape 99"/>
           <p:cNvSpPr txBox="1"/>
           <p:nvPr>
             <p:ph type="title"/>
@@ -12184,7 +12976,7 @@
       </p:sp>
       <p:sp>
         <p:nvSpPr>
-          <p:cNvPr id="98" name="Shape 98"/>
+          <p:cNvPr id="100" name="Shape 100"/>
           <p:cNvSpPr txBox="1"/>
           <p:nvPr>
             <p:ph idx="1" type="body"/>
@@ -12370,6 +13162,42 @@
           </a:p>
         </p:txBody>
       </p:sp>
+      <p:sp>
+        <p:nvSpPr>
+          <p:cNvPr id="101" name="Shape 101"/>
+          <p:cNvSpPr txBox="1"/>
+          <p:nvPr>
+            <p:ph idx="12" type="sldNum"/>
+          </p:nvPr>
+        </p:nvSpPr>
+        <p:spPr>
+          <a:xfrm>
+            <a:off x="8460431" y="4651190"/>
+            <a:ext cx="548700" cy="393600"/>
+          </a:xfrm>
+          <a:prstGeom prst="rect">
+            <a:avLst/>
+          </a:prstGeom>
+        </p:spPr>
+        <p:txBody>
+          <a:bodyPr anchorCtr="0" anchor="ctr" bIns="91425" lIns="91425" rIns="91425" tIns="91425">
+            <a:noAutofit/>
+          </a:bodyPr>
+          <a:lstStyle/>
+          <a:p>
+            <a:pPr lvl="0">
+              <a:spcBef>
+                <a:spcPts val="0"/>
+              </a:spcBef>
+              <a:buNone/>
+            </a:pPr>
+            <a:fld id="{00000000-1234-1234-1234-123412341234}" type="slidenum">
+              <a:rPr lang="en"/>
+              <a:t>‹#›</a:t>
+            </a:fld>
+          </a:p>
+        </p:txBody>
+      </p:sp>
     </p:spTree>
   </p:cSld>
   <p:clrMapOvr>
@@ -12383,7 +13211,7 @@
   <p:cSld>
     <p:spTree>
       <p:nvGrpSpPr>
-        <p:cNvPr id="102" name="Shape 102"/>
+        <p:cNvPr id="105" name="Shape 105"/>
         <p:cNvGrpSpPr/>
         <p:nvPr/>
       </p:nvGrpSpPr>
@@ -12397,7 +13225,7 @@
       </p:grpSpPr>
       <p:sp>
         <p:nvSpPr>
-          <p:cNvPr id="103" name="Shape 103"/>
+          <p:cNvPr id="106" name="Shape 106"/>
           <p:cNvSpPr txBox="1"/>
           <p:nvPr>
             <p:ph type="title"/>
@@ -12433,7 +13261,7 @@
       </p:sp>
       <p:sp>
         <p:nvSpPr>
-          <p:cNvPr id="104" name="Shape 104"/>
+          <p:cNvPr id="107" name="Shape 107"/>
           <p:cNvSpPr txBox="1"/>
           <p:nvPr>
             <p:ph idx="1" type="body"/>
@@ -12494,6 +13322,42 @@
               <a:rPr lang="en"/>
               <a:t>Analysing the reviews and computing aspect wise polarity for a company will give a detailed  overview to the user, thus helping people to understand a company without reading all reviews.</a:t>
             </a:r>
+          </a:p>
+        </p:txBody>
+      </p:sp>
+      <p:sp>
+        <p:nvSpPr>
+          <p:cNvPr id="108" name="Shape 108"/>
+          <p:cNvSpPr txBox="1"/>
+          <p:nvPr>
+            <p:ph idx="12" type="sldNum"/>
+          </p:nvPr>
+        </p:nvSpPr>
+        <p:spPr>
+          <a:xfrm>
+            <a:off x="8460431" y="4651190"/>
+            <a:ext cx="548700" cy="393600"/>
+          </a:xfrm>
+          <a:prstGeom prst="rect">
+            <a:avLst/>
+          </a:prstGeom>
+        </p:spPr>
+        <p:txBody>
+          <a:bodyPr anchorCtr="0" anchor="ctr" bIns="91425" lIns="91425" rIns="91425" tIns="91425">
+            <a:noAutofit/>
+          </a:bodyPr>
+          <a:lstStyle/>
+          <a:p>
+            <a:pPr lvl="0">
+              <a:spcBef>
+                <a:spcPts val="0"/>
+              </a:spcBef>
+              <a:buNone/>
+            </a:pPr>
+            <a:fld id="{00000000-1234-1234-1234-123412341234}" type="slidenum">
+              <a:rPr lang="en"/>
+              <a:t>‹#›</a:t>
+            </a:fld>
           </a:p>
         </p:txBody>
       </p:sp>
@@ -12510,7 +13374,7 @@
   <p:cSld>
     <p:spTree>
       <p:nvGrpSpPr>
-        <p:cNvPr id="108" name="Shape 108"/>
+        <p:cNvPr id="112" name="Shape 112"/>
         <p:cNvGrpSpPr/>
         <p:nvPr/>
       </p:nvGrpSpPr>
@@ -12524,7 +13388,7 @@
       </p:grpSpPr>
       <p:sp>
         <p:nvSpPr>
-          <p:cNvPr id="109" name="Shape 109"/>
+          <p:cNvPr id="113" name="Shape 113"/>
           <p:cNvSpPr txBox="1"/>
           <p:nvPr>
             <p:ph type="title"/>
@@ -12560,7 +13424,7 @@
       </p:sp>
       <p:sp>
         <p:nvSpPr>
-          <p:cNvPr id="110" name="Shape 110"/>
+          <p:cNvPr id="114" name="Shape 114"/>
           <p:cNvSpPr txBox="1"/>
           <p:nvPr>
             <p:ph idx="1" type="body"/>
@@ -12605,6 +13469,42 @@
               <a:rPr lang="en"/>
               <a:t>Polarity were analysed using machine learning algorithms like naivebayes with unigrams as features</a:t>
             </a:r>
+          </a:p>
+        </p:txBody>
+      </p:sp>
+      <p:sp>
+        <p:nvSpPr>
+          <p:cNvPr id="115" name="Shape 115"/>
+          <p:cNvSpPr txBox="1"/>
+          <p:nvPr>
+            <p:ph idx="12" type="sldNum"/>
+          </p:nvPr>
+        </p:nvSpPr>
+        <p:spPr>
+          <a:xfrm>
+            <a:off x="8460431" y="4651190"/>
+            <a:ext cx="548700" cy="393600"/>
+          </a:xfrm>
+          <a:prstGeom prst="rect">
+            <a:avLst/>
+          </a:prstGeom>
+        </p:spPr>
+        <p:txBody>
+          <a:bodyPr anchorCtr="0" anchor="ctr" bIns="91425" lIns="91425" rIns="91425" tIns="91425">
+            <a:noAutofit/>
+          </a:bodyPr>
+          <a:lstStyle/>
+          <a:p>
+            <a:pPr lvl="0">
+              <a:spcBef>
+                <a:spcPts val="0"/>
+              </a:spcBef>
+              <a:buNone/>
+            </a:pPr>
+            <a:fld id="{00000000-1234-1234-1234-123412341234}" type="slidenum">
+              <a:rPr lang="en"/>
+              <a:t>‹#›</a:t>
+            </a:fld>
           </a:p>
         </p:txBody>
       </p:sp>
@@ -12621,7 +13521,7 @@
   <p:cSld>
     <p:spTree>
       <p:nvGrpSpPr>
-        <p:cNvPr id="114" name="Shape 114"/>
+        <p:cNvPr id="119" name="Shape 119"/>
         <p:cNvGrpSpPr/>
         <p:nvPr/>
       </p:nvGrpSpPr>
@@ -12635,7 +13535,7 @@
       </p:grpSpPr>
       <p:sp>
         <p:nvSpPr>
-          <p:cNvPr id="115" name="Shape 115"/>
+          <p:cNvPr id="120" name="Shape 120"/>
           <p:cNvSpPr txBox="1"/>
           <p:nvPr>
             <p:ph type="title"/>
@@ -12671,7 +13571,7 @@
       </p:sp>
       <p:sp>
         <p:nvSpPr>
-          <p:cNvPr id="116" name="Shape 116"/>
+          <p:cNvPr id="121" name="Shape 121"/>
           <p:cNvSpPr txBox="1"/>
           <p:nvPr>
             <p:ph idx="1" type="body"/>
@@ -12757,6 +13657,42 @@
               <a:t/>
             </a:r>
             <a:endParaRPr/>
+          </a:p>
+        </p:txBody>
+      </p:sp>
+      <p:sp>
+        <p:nvSpPr>
+          <p:cNvPr id="122" name="Shape 122"/>
+          <p:cNvSpPr txBox="1"/>
+          <p:nvPr>
+            <p:ph idx="12" type="sldNum"/>
+          </p:nvPr>
+        </p:nvSpPr>
+        <p:spPr>
+          <a:xfrm>
+            <a:off x="8460431" y="4651190"/>
+            <a:ext cx="548700" cy="393600"/>
+          </a:xfrm>
+          <a:prstGeom prst="rect">
+            <a:avLst/>
+          </a:prstGeom>
+        </p:spPr>
+        <p:txBody>
+          <a:bodyPr anchorCtr="0" anchor="ctr" bIns="91425" lIns="91425" rIns="91425" tIns="91425">
+            <a:noAutofit/>
+          </a:bodyPr>
+          <a:lstStyle/>
+          <a:p>
+            <a:pPr lvl="0">
+              <a:spcBef>
+                <a:spcPts val="0"/>
+              </a:spcBef>
+              <a:buNone/>
+            </a:pPr>
+            <a:fld id="{00000000-1234-1234-1234-123412341234}" type="slidenum">
+              <a:rPr lang="en"/>
+              <a:t>‹#›</a:t>
+            </a:fld>
           </a:p>
         </p:txBody>
       </p:sp>
@@ -12769,103 +13705,6 @@
 </file>
 
 <file path=ppt/slides/slide7.xml><?xml version="1.0" encoding="utf-8"?>
-<p:sld xmlns:a="http://schemas.openxmlformats.org/drawingml/2006/main" xmlns:r="http://schemas.openxmlformats.org/officeDocument/2006/relationships" xmlns:mc="http://schemas.openxmlformats.org/markup-compatibility/2006" xmlns:mv="urn:schemas-microsoft-com:mac:vml" xmlns:p="http://schemas.openxmlformats.org/presentationml/2006/main" xmlns:c="http://schemas.openxmlformats.org/drawingml/2006/chart" xmlns:dgm="http://schemas.openxmlformats.org/drawingml/2006/diagram" xmlns:o="urn:schemas-microsoft-com:office:office" xmlns:v="urn:schemas-microsoft-com:vml" xmlns:pvml="urn:schemas-microsoft-com:office:powerpoint" xmlns:com="http://schemas.openxmlformats.org/drawingml/2006/compatibility" xmlns:p14="http://schemas.microsoft.com/office/powerpoint/2010/main">
-  <p:cSld>
-    <p:spTree>
-      <p:nvGrpSpPr>
-        <p:cNvPr id="120" name="Shape 120"/>
-        <p:cNvGrpSpPr/>
-        <p:nvPr/>
-      </p:nvGrpSpPr>
-      <p:grpSpPr>
-        <a:xfrm>
-          <a:off x="0" y="0"/>
-          <a:ext cx="0" cy="0"/>
-          <a:chOff x="0" y="0"/>
-          <a:chExt cx="0" cy="0"/>
-        </a:xfrm>
-      </p:grpSpPr>
-      <p:sp>
-        <p:nvSpPr>
-          <p:cNvPr id="121" name="Shape 121"/>
-          <p:cNvSpPr txBox="1"/>
-          <p:nvPr>
-            <p:ph type="title"/>
-          </p:nvPr>
-        </p:nvSpPr>
-        <p:spPr>
-          <a:xfrm>
-            <a:off x="311700" y="0"/>
-            <a:ext cx="8520600" cy="607800"/>
-          </a:xfrm>
-          <a:prstGeom prst="rect">
-            <a:avLst/>
-          </a:prstGeom>
-        </p:spPr>
-        <p:txBody>
-          <a:bodyPr anchorCtr="0" anchor="t" bIns="91425" lIns="91425" rIns="91425" tIns="91425">
-            <a:noAutofit/>
-          </a:bodyPr>
-          <a:lstStyle/>
-          <a:p>
-            <a:pPr lvl="0">
-              <a:spcBef>
-                <a:spcPts val="0"/>
-              </a:spcBef>
-              <a:buNone/>
-            </a:pPr>
-            <a:r>
-              <a:rPr lang="en"/>
-              <a:t>Flow Chart</a:t>
-            </a:r>
-          </a:p>
-        </p:txBody>
-      </p:sp>
-      <p:sp>
-        <p:nvSpPr>
-          <p:cNvPr id="122" name="Shape 122"/>
-          <p:cNvSpPr txBox="1"/>
-          <p:nvPr>
-            <p:ph idx="1" type="body"/>
-          </p:nvPr>
-        </p:nvSpPr>
-        <p:spPr>
-          <a:xfrm>
-            <a:off x="257175" y="535550"/>
-            <a:ext cx="8886900" cy="4294800"/>
-          </a:xfrm>
-          <a:prstGeom prst="rect">
-            <a:avLst/>
-          </a:prstGeom>
-        </p:spPr>
-        <p:txBody>
-          <a:bodyPr anchorCtr="0" anchor="t" bIns="91425" lIns="91425" rIns="91425" tIns="91425">
-            <a:noAutofit/>
-          </a:bodyPr>
-          <a:lstStyle/>
-          <a:p>
-            <a:pPr lvl="0">
-              <a:spcBef>
-                <a:spcPts val="0"/>
-              </a:spcBef>
-              <a:buNone/>
-            </a:pPr>
-            <a:r>
-              <a:t/>
-            </a:r>
-            <a:endParaRPr/>
-          </a:p>
-        </p:txBody>
-      </p:sp>
-    </p:spTree>
-  </p:cSld>
-  <p:clrMapOvr>
-    <a:masterClrMapping/>
-  </p:clrMapOvr>
-</p:sld>
-</file>
-
-<file path=ppt/slides/slide8.xml><?xml version="1.0" encoding="utf-8"?>
 <p:sld xmlns:a="http://schemas.openxmlformats.org/drawingml/2006/main" xmlns:r="http://schemas.openxmlformats.org/officeDocument/2006/relationships" xmlns:mc="http://schemas.openxmlformats.org/markup-compatibility/2006" xmlns:mv="urn:schemas-microsoft-com:mac:vml" xmlns:p="http://schemas.openxmlformats.org/presentationml/2006/main" xmlns:c="http://schemas.openxmlformats.org/drawingml/2006/chart" xmlns:dgm="http://schemas.openxmlformats.org/drawingml/2006/diagram" xmlns:o="urn:schemas-microsoft-com:office:office" xmlns:v="urn:schemas-microsoft-com:vml" xmlns:pvml="urn:schemas-microsoft-com:office:powerpoint" xmlns:com="http://schemas.openxmlformats.org/drawingml/2006/compatibility" xmlns:p14="http://schemas.microsoft.com/office/powerpoint/2010/main">
   <p:cSld>
     <p:spTree>
@@ -12892,7 +13731,7 @@
         </p:nvSpPr>
         <p:spPr>
           <a:xfrm>
-            <a:off x="311700" y="410000"/>
+            <a:off x="311700" y="0"/>
             <a:ext cx="8520600" cy="607800"/>
           </a:xfrm>
           <a:prstGeom prst="rect">
@@ -12905,6 +13744,88 @@
           </a:bodyPr>
           <a:lstStyle/>
           <a:p>
+            <a:pPr lvl="0" rtl="0">
+              <a:spcBef>
+                <a:spcPts val="0"/>
+              </a:spcBef>
+              <a:buNone/>
+            </a:pPr>
+            <a:r>
+              <a:rPr lang="en"/>
+              <a:t>Flow Chart</a:t>
+            </a:r>
+          </a:p>
+        </p:txBody>
+      </p:sp>
+      <p:sp>
+        <p:nvSpPr>
+          <p:cNvPr id="128" name="Shape 128"/>
+          <p:cNvSpPr txBox="1"/>
+          <p:nvPr>
+            <p:ph idx="1" type="body"/>
+          </p:nvPr>
+        </p:nvSpPr>
+        <p:spPr>
+          <a:xfrm>
+            <a:off x="257175" y="535550"/>
+            <a:ext cx="8886900" cy="4294800"/>
+          </a:xfrm>
+          <a:prstGeom prst="rect">
+            <a:avLst/>
+          </a:prstGeom>
+        </p:spPr>
+        <p:txBody>
+          <a:bodyPr anchorCtr="0" anchor="t" bIns="91425" lIns="91425" rIns="91425" tIns="91425">
+            <a:noAutofit/>
+          </a:bodyPr>
+          <a:lstStyle/>
+          <a:p>
+            <a:pPr lvl="0" rtl="0">
+              <a:spcBef>
+                <a:spcPts val="0"/>
+              </a:spcBef>
+              <a:buNone/>
+            </a:pPr>
+            <a:r>
+              <a:t/>
+            </a:r>
+            <a:endParaRPr/>
+          </a:p>
+        </p:txBody>
+      </p:sp>
+      <p:sp>
+        <p:nvSpPr>
+          <p:cNvPr id="129" name="Shape 129"/>
+          <p:cNvSpPr/>
+          <p:nvPr/>
+        </p:nvSpPr>
+        <p:spPr>
+          <a:xfrm>
+            <a:off x="3329975" y="607800"/>
+            <a:ext cx="2157900" cy="263400"/>
+          </a:xfrm>
+          <a:prstGeom prst="rect">
+            <a:avLst/>
+          </a:prstGeom>
+          <a:solidFill>
+            <a:srgbClr val="FFF2CC"/>
+          </a:solidFill>
+          <a:ln cap="flat" cmpd="sng" w="9525">
+            <a:solidFill>
+              <a:schemeClr val="dk2"/>
+            </a:solidFill>
+            <a:prstDash val="solid"/>
+            <a:round/>
+            <a:headEnd len="med" w="med" type="none"/>
+            <a:tailEnd len="med" w="med" type="none"/>
+          </a:ln>
+        </p:spPr>
+        <p:txBody>
+          <a:bodyPr anchorCtr="0" anchor="ctr" bIns="91425" lIns="91425" rIns="91425" tIns="91425">
+            <a:noAutofit/>
+          </a:bodyPr>
+          <a:lstStyle/>
+          <a:p>
             <a:pPr lvl="0">
               <a:spcBef>
                 <a:spcPts val="0"/>
@@ -12913,6 +13834,1161 @@
             </a:pPr>
             <a:r>
               <a:rPr lang="en"/>
+              <a:t>	    Scraper</a:t>
+            </a:r>
+          </a:p>
+        </p:txBody>
+      </p:sp>
+      <p:sp>
+        <p:nvSpPr>
+          <p:cNvPr id="130" name="Shape 130"/>
+          <p:cNvSpPr/>
+          <p:nvPr/>
+        </p:nvSpPr>
+        <p:spPr>
+          <a:xfrm>
+            <a:off x="3329975" y="1186725"/>
+            <a:ext cx="2157900" cy="263400"/>
+          </a:xfrm>
+          <a:prstGeom prst="rect">
+            <a:avLst/>
+          </a:prstGeom>
+          <a:solidFill>
+            <a:srgbClr val="FFF2CC"/>
+          </a:solidFill>
+          <a:ln cap="flat" cmpd="sng" w="9525">
+            <a:solidFill>
+              <a:schemeClr val="dk2"/>
+            </a:solidFill>
+            <a:prstDash val="solid"/>
+            <a:round/>
+            <a:headEnd len="med" w="med" type="none"/>
+            <a:tailEnd len="med" w="med" type="none"/>
+          </a:ln>
+        </p:spPr>
+        <p:txBody>
+          <a:bodyPr anchorCtr="0" anchor="ctr" bIns="91425" lIns="91425" rIns="91425" tIns="91425">
+            <a:noAutofit/>
+          </a:bodyPr>
+          <a:lstStyle/>
+          <a:p>
+            <a:pPr lvl="0" algn="ctr">
+              <a:spcBef>
+                <a:spcPts val="0"/>
+              </a:spcBef>
+              <a:buNone/>
+            </a:pPr>
+            <a:r>
+              <a:rPr lang="en"/>
+              <a:t>   Aspect Extraction	   </a:t>
+            </a:r>
+          </a:p>
+        </p:txBody>
+      </p:sp>
+      <p:sp>
+        <p:nvSpPr>
+          <p:cNvPr id="131" name="Shape 131"/>
+          <p:cNvSpPr/>
+          <p:nvPr/>
+        </p:nvSpPr>
+        <p:spPr>
+          <a:xfrm>
+            <a:off x="3329975" y="1765650"/>
+            <a:ext cx="2157900" cy="263400"/>
+          </a:xfrm>
+          <a:prstGeom prst="rect">
+            <a:avLst/>
+          </a:prstGeom>
+          <a:solidFill>
+            <a:srgbClr val="FFF2CC"/>
+          </a:solidFill>
+          <a:ln cap="flat" cmpd="sng" w="9525">
+            <a:solidFill>
+              <a:schemeClr val="dk2"/>
+            </a:solidFill>
+            <a:prstDash val="solid"/>
+            <a:round/>
+            <a:headEnd len="med" w="med" type="none"/>
+            <a:tailEnd len="med" w="med" type="none"/>
+          </a:ln>
+        </p:spPr>
+        <p:txBody>
+          <a:bodyPr anchorCtr="0" anchor="ctr" bIns="91425" lIns="91425" rIns="91425" tIns="91425">
+            <a:noAutofit/>
+          </a:bodyPr>
+          <a:lstStyle/>
+          <a:p>
+            <a:pPr lvl="0" algn="ctr">
+              <a:spcBef>
+                <a:spcPts val="0"/>
+              </a:spcBef>
+              <a:buNone/>
+            </a:pPr>
+            <a:r>
+              <a:rPr lang="en"/>
+              <a:t>Preprocessing</a:t>
+            </a:r>
+          </a:p>
+        </p:txBody>
+      </p:sp>
+      <p:sp>
+        <p:nvSpPr>
+          <p:cNvPr id="132" name="Shape 132"/>
+          <p:cNvSpPr/>
+          <p:nvPr/>
+        </p:nvSpPr>
+        <p:spPr>
+          <a:xfrm>
+            <a:off x="582200" y="2440050"/>
+            <a:ext cx="2157900" cy="263400"/>
+          </a:xfrm>
+          <a:prstGeom prst="rect">
+            <a:avLst/>
+          </a:prstGeom>
+          <a:solidFill>
+            <a:srgbClr val="FFF2CC"/>
+          </a:solidFill>
+          <a:ln cap="flat" cmpd="sng" w="9525">
+            <a:solidFill>
+              <a:schemeClr val="dk2"/>
+            </a:solidFill>
+            <a:prstDash val="solid"/>
+            <a:round/>
+            <a:headEnd len="med" w="med" type="none"/>
+            <a:tailEnd len="med" w="med" type="none"/>
+          </a:ln>
+        </p:spPr>
+        <p:txBody>
+          <a:bodyPr anchorCtr="0" anchor="ctr" bIns="91425" lIns="91425" rIns="91425" tIns="91425">
+            <a:noAutofit/>
+          </a:bodyPr>
+          <a:lstStyle/>
+          <a:p>
+            <a:pPr lvl="0" algn="ctr">
+              <a:spcBef>
+                <a:spcPts val="0"/>
+              </a:spcBef>
+              <a:buNone/>
+            </a:pPr>
+            <a:r>
+              <a:rPr lang="en"/>
+              <a:t>Lexical Approach</a:t>
+            </a:r>
+          </a:p>
+        </p:txBody>
+      </p:sp>
+      <p:sp>
+        <p:nvSpPr>
+          <p:cNvPr id="133" name="Shape 133"/>
+          <p:cNvSpPr/>
+          <p:nvPr/>
+        </p:nvSpPr>
+        <p:spPr>
+          <a:xfrm>
+            <a:off x="6091900" y="2440050"/>
+            <a:ext cx="2157900" cy="263400"/>
+          </a:xfrm>
+          <a:prstGeom prst="rect">
+            <a:avLst/>
+          </a:prstGeom>
+          <a:solidFill>
+            <a:srgbClr val="FFF2CC"/>
+          </a:solidFill>
+          <a:ln cap="flat" cmpd="sng" w="9525">
+            <a:solidFill>
+              <a:schemeClr val="dk2"/>
+            </a:solidFill>
+            <a:prstDash val="solid"/>
+            <a:round/>
+            <a:headEnd len="med" w="med" type="none"/>
+            <a:tailEnd len="med" w="med" type="none"/>
+          </a:ln>
+        </p:spPr>
+        <p:txBody>
+          <a:bodyPr anchorCtr="0" anchor="ctr" bIns="91425" lIns="91425" rIns="91425" tIns="91425">
+            <a:noAutofit/>
+          </a:bodyPr>
+          <a:lstStyle/>
+          <a:p>
+            <a:pPr lvl="0" algn="ctr">
+              <a:spcBef>
+                <a:spcPts val="0"/>
+              </a:spcBef>
+              <a:buNone/>
+            </a:pPr>
+            <a:r>
+              <a:rPr lang="en"/>
+              <a:t>Naive Bayes Approach</a:t>
+            </a:r>
+          </a:p>
+        </p:txBody>
+      </p:sp>
+      <p:sp>
+        <p:nvSpPr>
+          <p:cNvPr id="134" name="Shape 134"/>
+          <p:cNvSpPr/>
+          <p:nvPr/>
+        </p:nvSpPr>
+        <p:spPr>
+          <a:xfrm>
+            <a:off x="3588000" y="2395200"/>
+            <a:ext cx="1656000" cy="353100"/>
+          </a:xfrm>
+          <a:prstGeom prst="roundRect">
+            <a:avLst>
+              <a:gd fmla="val 16667" name="adj"/>
+            </a:avLst>
+          </a:prstGeom>
+          <a:solidFill>
+            <a:srgbClr val="FFF2CC"/>
+          </a:solidFill>
+          <a:ln cap="flat" cmpd="sng" w="9525">
+            <a:solidFill>
+              <a:schemeClr val="dk2"/>
+            </a:solidFill>
+            <a:prstDash val="solid"/>
+            <a:round/>
+            <a:headEnd len="med" w="med" type="none"/>
+            <a:tailEnd len="med" w="med" type="none"/>
+          </a:ln>
+        </p:spPr>
+        <p:txBody>
+          <a:bodyPr anchorCtr="0" anchor="ctr" bIns="91425" lIns="91425" rIns="91425" tIns="91425">
+            <a:noAutofit/>
+          </a:bodyPr>
+          <a:lstStyle/>
+          <a:p>
+            <a:pPr lvl="0">
+              <a:spcBef>
+                <a:spcPts val="0"/>
+              </a:spcBef>
+              <a:buNone/>
+            </a:pPr>
+            <a:r>
+              <a:rPr lang="en"/>
+              <a:t>Aspect Classifier</a:t>
+            </a:r>
+          </a:p>
+        </p:txBody>
+      </p:sp>
+      <p:sp>
+        <p:nvSpPr>
+          <p:cNvPr id="135" name="Shape 135"/>
+          <p:cNvSpPr/>
+          <p:nvPr/>
+        </p:nvSpPr>
+        <p:spPr>
+          <a:xfrm>
+            <a:off x="5281550" y="2517300"/>
+            <a:ext cx="772800" cy="153900"/>
+          </a:xfrm>
+          <a:prstGeom prst="rightArrow">
+            <a:avLst>
+              <a:gd fmla="val 50000" name="adj1"/>
+              <a:gd fmla="val 50000" name="adj2"/>
+            </a:avLst>
+          </a:prstGeom>
+          <a:solidFill>
+            <a:schemeClr val="lt2"/>
+          </a:solidFill>
+          <a:ln cap="flat" cmpd="sng" w="9525">
+            <a:solidFill>
+              <a:schemeClr val="dk2"/>
+            </a:solidFill>
+            <a:prstDash val="solid"/>
+            <a:round/>
+            <a:headEnd len="med" w="med" type="none"/>
+            <a:tailEnd len="med" w="med" type="none"/>
+          </a:ln>
+        </p:spPr>
+        <p:txBody>
+          <a:bodyPr anchorCtr="0" anchor="ctr" bIns="91425" lIns="91425" rIns="91425" tIns="91425">
+            <a:noAutofit/>
+          </a:bodyPr>
+          <a:lstStyle/>
+          <a:p>
+            <a:pPr lvl="0">
+              <a:spcBef>
+                <a:spcPts val="0"/>
+              </a:spcBef>
+              <a:buNone/>
+            </a:pPr>
+            <a:r>
+              <a:t/>
+            </a:r>
+            <a:endParaRPr/>
+          </a:p>
+        </p:txBody>
+      </p:sp>
+      <p:sp>
+        <p:nvSpPr>
+          <p:cNvPr id="136" name="Shape 136"/>
+          <p:cNvSpPr/>
+          <p:nvPr/>
+        </p:nvSpPr>
+        <p:spPr>
+          <a:xfrm>
+            <a:off x="2796850" y="2494800"/>
+            <a:ext cx="734400" cy="153900"/>
+          </a:xfrm>
+          <a:prstGeom prst="leftArrow">
+            <a:avLst>
+              <a:gd fmla="val 50000" name="adj1"/>
+              <a:gd fmla="val 50000" name="adj2"/>
+            </a:avLst>
+          </a:prstGeom>
+          <a:solidFill>
+            <a:schemeClr val="lt2"/>
+          </a:solidFill>
+          <a:ln cap="flat" cmpd="sng" w="9525">
+            <a:solidFill>
+              <a:schemeClr val="dk2"/>
+            </a:solidFill>
+            <a:prstDash val="solid"/>
+            <a:round/>
+            <a:headEnd len="med" w="med" type="none"/>
+            <a:tailEnd len="med" w="med" type="none"/>
+          </a:ln>
+        </p:spPr>
+        <p:txBody>
+          <a:bodyPr anchorCtr="0" anchor="ctr" bIns="91425" lIns="91425" rIns="91425" tIns="91425">
+            <a:noAutofit/>
+          </a:bodyPr>
+          <a:lstStyle/>
+          <a:p>
+            <a:pPr lvl="0">
+              <a:spcBef>
+                <a:spcPts val="0"/>
+              </a:spcBef>
+              <a:buNone/>
+            </a:pPr>
+            <a:r>
+              <a:t/>
+            </a:r>
+            <a:endParaRPr/>
+          </a:p>
+        </p:txBody>
+      </p:sp>
+      <p:sp>
+        <p:nvSpPr>
+          <p:cNvPr id="137" name="Shape 137"/>
+          <p:cNvSpPr/>
+          <p:nvPr/>
+        </p:nvSpPr>
+        <p:spPr>
+          <a:xfrm>
+            <a:off x="62775" y="3967350"/>
+            <a:ext cx="734400" cy="607800"/>
+          </a:xfrm>
+          <a:prstGeom prst="rect">
+            <a:avLst/>
+          </a:prstGeom>
+          <a:solidFill>
+            <a:srgbClr val="FFF2CC"/>
+          </a:solidFill>
+          <a:ln cap="flat" cmpd="sng" w="9525">
+            <a:solidFill>
+              <a:schemeClr val="dk2"/>
+            </a:solidFill>
+            <a:prstDash val="solid"/>
+            <a:round/>
+            <a:headEnd len="med" w="med" type="none"/>
+            <a:tailEnd len="med" w="med" type="none"/>
+          </a:ln>
+        </p:spPr>
+        <p:txBody>
+          <a:bodyPr anchorCtr="0" anchor="ctr" bIns="91425" lIns="91425" rIns="91425" tIns="91425">
+            <a:noAutofit/>
+          </a:bodyPr>
+          <a:lstStyle/>
+          <a:p>
+            <a:pPr lvl="0">
+              <a:spcBef>
+                <a:spcPts val="0"/>
+              </a:spcBef>
+              <a:buNone/>
+            </a:pPr>
+            <a:r>
+              <a:rPr lang="en"/>
+              <a:t>  NB (UG)</a:t>
+            </a:r>
+          </a:p>
+        </p:txBody>
+      </p:sp>
+      <p:sp>
+        <p:nvSpPr>
+          <p:cNvPr id="138" name="Shape 138"/>
+          <p:cNvSpPr/>
+          <p:nvPr/>
+        </p:nvSpPr>
+        <p:spPr>
+          <a:xfrm>
+            <a:off x="756750" y="3031500"/>
+            <a:ext cx="734400" cy="607800"/>
+          </a:xfrm>
+          <a:prstGeom prst="rect">
+            <a:avLst/>
+          </a:prstGeom>
+          <a:solidFill>
+            <a:srgbClr val="FFF2CC"/>
+          </a:solidFill>
+          <a:ln cap="flat" cmpd="sng" w="9525">
+            <a:solidFill>
+              <a:schemeClr val="dk2"/>
+            </a:solidFill>
+            <a:prstDash val="solid"/>
+            <a:round/>
+            <a:headEnd len="med" w="med" type="none"/>
+            <a:tailEnd len="med" w="med" type="none"/>
+          </a:ln>
+        </p:spPr>
+        <p:txBody>
+          <a:bodyPr anchorCtr="0" anchor="ctr" bIns="91425" lIns="91425" rIns="91425" tIns="91425">
+            <a:noAutofit/>
+          </a:bodyPr>
+          <a:lstStyle/>
+          <a:p>
+            <a:pPr lvl="0">
+              <a:spcBef>
+                <a:spcPts val="0"/>
+              </a:spcBef>
+              <a:buNone/>
+            </a:pPr>
+            <a:r>
+              <a:rPr lang="en"/>
+              <a:t>  NB    (BG)</a:t>
+            </a:r>
+          </a:p>
+        </p:txBody>
+      </p:sp>
+      <p:sp>
+        <p:nvSpPr>
+          <p:cNvPr id="139" name="Shape 139"/>
+          <p:cNvSpPr/>
+          <p:nvPr/>
+        </p:nvSpPr>
+        <p:spPr>
+          <a:xfrm>
+            <a:off x="1491150" y="3967350"/>
+            <a:ext cx="734400" cy="607800"/>
+          </a:xfrm>
+          <a:prstGeom prst="rect">
+            <a:avLst/>
+          </a:prstGeom>
+          <a:solidFill>
+            <a:srgbClr val="FFF2CC"/>
+          </a:solidFill>
+          <a:ln cap="flat" cmpd="sng" w="9525">
+            <a:solidFill>
+              <a:schemeClr val="dk2"/>
+            </a:solidFill>
+            <a:prstDash val="solid"/>
+            <a:round/>
+            <a:headEnd len="med" w="med" type="none"/>
+            <a:tailEnd len="med" w="med" type="none"/>
+          </a:ln>
+        </p:spPr>
+        <p:txBody>
+          <a:bodyPr anchorCtr="0" anchor="ctr" bIns="91425" lIns="91425" rIns="91425" tIns="91425">
+            <a:noAutofit/>
+          </a:bodyPr>
+          <a:lstStyle/>
+          <a:p>
+            <a:pPr indent="0" lvl="0" marL="0">
+              <a:spcBef>
+                <a:spcPts val="0"/>
+              </a:spcBef>
+              <a:buNone/>
+            </a:pPr>
+            <a:r>
+              <a:rPr lang="en"/>
+              <a:t> SVC</a:t>
+            </a:r>
+            <a:r>
+              <a:rPr lang="en"/>
+              <a:t> </a:t>
+            </a:r>
+          </a:p>
+          <a:p>
+            <a:pPr lvl="0">
+              <a:spcBef>
+                <a:spcPts val="0"/>
+              </a:spcBef>
+              <a:buNone/>
+            </a:pPr>
+            <a:r>
+              <a:rPr lang="en"/>
+              <a:t> (UG)</a:t>
+            </a:r>
+          </a:p>
+        </p:txBody>
+      </p:sp>
+      <p:sp>
+        <p:nvSpPr>
+          <p:cNvPr id="140" name="Shape 140"/>
+          <p:cNvSpPr/>
+          <p:nvPr/>
+        </p:nvSpPr>
+        <p:spPr>
+          <a:xfrm>
+            <a:off x="2225550" y="3031500"/>
+            <a:ext cx="734400" cy="607800"/>
+          </a:xfrm>
+          <a:prstGeom prst="rect">
+            <a:avLst/>
+          </a:prstGeom>
+          <a:solidFill>
+            <a:srgbClr val="FFF2CC"/>
+          </a:solidFill>
+          <a:ln cap="flat" cmpd="sng" w="9525">
+            <a:solidFill>
+              <a:schemeClr val="dk2"/>
+            </a:solidFill>
+            <a:prstDash val="solid"/>
+            <a:round/>
+            <a:headEnd len="med" w="med" type="none"/>
+            <a:tailEnd len="med" w="med" type="none"/>
+          </a:ln>
+        </p:spPr>
+        <p:txBody>
+          <a:bodyPr anchorCtr="0" anchor="ctr" bIns="91425" lIns="91425" rIns="91425" tIns="91425">
+            <a:noAutofit/>
+          </a:bodyPr>
+          <a:lstStyle/>
+          <a:p>
+            <a:pPr lvl="0">
+              <a:spcBef>
+                <a:spcPts val="0"/>
+              </a:spcBef>
+              <a:buNone/>
+            </a:pPr>
+            <a:r>
+              <a:rPr lang="en"/>
+              <a:t> SVC </a:t>
+            </a:r>
+          </a:p>
+          <a:p>
+            <a:pPr lvl="0">
+              <a:spcBef>
+                <a:spcPts val="0"/>
+              </a:spcBef>
+              <a:buNone/>
+            </a:pPr>
+            <a:r>
+              <a:rPr lang="en"/>
+              <a:t> (BG)</a:t>
+            </a:r>
+          </a:p>
+        </p:txBody>
+      </p:sp>
+      <p:sp>
+        <p:nvSpPr>
+          <p:cNvPr id="141" name="Shape 141"/>
+          <p:cNvSpPr/>
+          <p:nvPr/>
+        </p:nvSpPr>
+        <p:spPr>
+          <a:xfrm>
+            <a:off x="6091900" y="2956225"/>
+            <a:ext cx="734400" cy="607800"/>
+          </a:xfrm>
+          <a:prstGeom prst="rect">
+            <a:avLst/>
+          </a:prstGeom>
+          <a:solidFill>
+            <a:srgbClr val="FFF2CC"/>
+          </a:solidFill>
+          <a:ln cap="flat" cmpd="sng" w="9525">
+            <a:solidFill>
+              <a:schemeClr val="dk2"/>
+            </a:solidFill>
+            <a:prstDash val="solid"/>
+            <a:round/>
+            <a:headEnd len="med" w="med" type="none"/>
+            <a:tailEnd len="med" w="med" type="none"/>
+          </a:ln>
+        </p:spPr>
+        <p:txBody>
+          <a:bodyPr anchorCtr="0" anchor="ctr" bIns="91425" lIns="91425" rIns="91425" tIns="91425">
+            <a:noAutofit/>
+          </a:bodyPr>
+          <a:lstStyle/>
+          <a:p>
+            <a:pPr lvl="0">
+              <a:spcBef>
+                <a:spcPts val="0"/>
+              </a:spcBef>
+              <a:buNone/>
+            </a:pPr>
+            <a:r>
+              <a:rPr lang="en"/>
+              <a:t>  NB  (UG)</a:t>
+            </a:r>
+          </a:p>
+        </p:txBody>
+      </p:sp>
+      <p:sp>
+        <p:nvSpPr>
+          <p:cNvPr id="142" name="Shape 142"/>
+          <p:cNvSpPr/>
+          <p:nvPr/>
+        </p:nvSpPr>
+        <p:spPr>
+          <a:xfrm>
+            <a:off x="6803650" y="3816800"/>
+            <a:ext cx="734400" cy="607800"/>
+          </a:xfrm>
+          <a:prstGeom prst="rect">
+            <a:avLst/>
+          </a:prstGeom>
+          <a:solidFill>
+            <a:srgbClr val="FFF2CC"/>
+          </a:solidFill>
+          <a:ln cap="flat" cmpd="sng" w="9525">
+            <a:solidFill>
+              <a:schemeClr val="dk2"/>
+            </a:solidFill>
+            <a:prstDash val="solid"/>
+            <a:round/>
+            <a:headEnd len="med" w="med" type="none"/>
+            <a:tailEnd len="med" w="med" type="none"/>
+          </a:ln>
+        </p:spPr>
+        <p:txBody>
+          <a:bodyPr anchorCtr="0" anchor="ctr" bIns="91425" lIns="91425" rIns="91425" tIns="91425">
+            <a:noAutofit/>
+          </a:bodyPr>
+          <a:lstStyle/>
+          <a:p>
+            <a:pPr lvl="0">
+              <a:spcBef>
+                <a:spcPts val="0"/>
+              </a:spcBef>
+              <a:buNone/>
+            </a:pPr>
+            <a:r>
+              <a:rPr lang="en"/>
+              <a:t>  NB    (BG)</a:t>
+            </a:r>
+          </a:p>
+        </p:txBody>
+      </p:sp>
+      <p:sp>
+        <p:nvSpPr>
+          <p:cNvPr id="143" name="Shape 143"/>
+          <p:cNvSpPr/>
+          <p:nvPr/>
+        </p:nvSpPr>
+        <p:spPr>
+          <a:xfrm>
+            <a:off x="7560700" y="2946200"/>
+            <a:ext cx="734400" cy="607800"/>
+          </a:xfrm>
+          <a:prstGeom prst="rect">
+            <a:avLst/>
+          </a:prstGeom>
+          <a:solidFill>
+            <a:srgbClr val="FFF2CC"/>
+          </a:solidFill>
+          <a:ln cap="flat" cmpd="sng" w="9525">
+            <a:solidFill>
+              <a:schemeClr val="dk2"/>
+            </a:solidFill>
+            <a:prstDash val="solid"/>
+            <a:round/>
+            <a:headEnd len="med" w="med" type="none"/>
+            <a:tailEnd len="med" w="med" type="none"/>
+          </a:ln>
+        </p:spPr>
+        <p:txBody>
+          <a:bodyPr anchorCtr="0" anchor="ctr" bIns="91425" lIns="91425" rIns="91425" tIns="91425">
+            <a:noAutofit/>
+          </a:bodyPr>
+          <a:lstStyle/>
+          <a:p>
+            <a:pPr lvl="0">
+              <a:spcBef>
+                <a:spcPts val="0"/>
+              </a:spcBef>
+              <a:buNone/>
+            </a:pPr>
+            <a:r>
+              <a:rPr lang="en"/>
+              <a:t> SVC </a:t>
+            </a:r>
+          </a:p>
+          <a:p>
+            <a:pPr lvl="0">
+              <a:spcBef>
+                <a:spcPts val="0"/>
+              </a:spcBef>
+              <a:buNone/>
+            </a:pPr>
+            <a:r>
+              <a:rPr lang="en"/>
+              <a:t> (UG)</a:t>
+            </a:r>
+          </a:p>
+        </p:txBody>
+      </p:sp>
+      <p:sp>
+        <p:nvSpPr>
+          <p:cNvPr id="144" name="Shape 144"/>
+          <p:cNvSpPr/>
+          <p:nvPr/>
+        </p:nvSpPr>
+        <p:spPr>
+          <a:xfrm>
+            <a:off x="8249800" y="3796750"/>
+            <a:ext cx="734400" cy="607800"/>
+          </a:xfrm>
+          <a:prstGeom prst="rect">
+            <a:avLst/>
+          </a:prstGeom>
+          <a:solidFill>
+            <a:srgbClr val="FFF2CC"/>
+          </a:solidFill>
+          <a:ln cap="flat" cmpd="sng" w="9525">
+            <a:solidFill>
+              <a:schemeClr val="dk2"/>
+            </a:solidFill>
+            <a:prstDash val="solid"/>
+            <a:round/>
+            <a:headEnd len="med" w="med" type="none"/>
+            <a:tailEnd len="med" w="med" type="none"/>
+          </a:ln>
+        </p:spPr>
+        <p:txBody>
+          <a:bodyPr anchorCtr="0" anchor="ctr" bIns="91425" lIns="91425" rIns="91425" tIns="91425">
+            <a:noAutofit/>
+          </a:bodyPr>
+          <a:lstStyle/>
+          <a:p>
+            <a:pPr lvl="0">
+              <a:spcBef>
+                <a:spcPts val="0"/>
+              </a:spcBef>
+              <a:buNone/>
+            </a:pPr>
+            <a:r>
+              <a:rPr lang="en"/>
+              <a:t> SVC </a:t>
+            </a:r>
+          </a:p>
+          <a:p>
+            <a:pPr lvl="0">
+              <a:spcBef>
+                <a:spcPts val="0"/>
+              </a:spcBef>
+              <a:buNone/>
+            </a:pPr>
+            <a:r>
+              <a:rPr lang="en"/>
+              <a:t> (BG)</a:t>
+            </a:r>
+          </a:p>
+        </p:txBody>
+      </p:sp>
+      <p:cxnSp>
+        <p:nvCxnSpPr>
+          <p:cNvPr id="145" name="Shape 145"/>
+          <p:cNvCxnSpPr>
+            <a:stCxn id="129" idx="2"/>
+            <a:endCxn id="130" idx="0"/>
+          </p:cNvCxnSpPr>
+          <p:nvPr/>
+        </p:nvCxnSpPr>
+        <p:spPr>
+          <a:xfrm>
+            <a:off x="4408925" y="871200"/>
+            <a:ext cx="0" cy="315600"/>
+          </a:xfrm>
+          <a:prstGeom prst="straightConnector1">
+            <a:avLst/>
+          </a:prstGeom>
+          <a:noFill/>
+          <a:ln cap="flat" cmpd="sng" w="9525">
+            <a:solidFill>
+              <a:schemeClr val="dk2"/>
+            </a:solidFill>
+            <a:prstDash val="solid"/>
+            <a:round/>
+            <a:headEnd len="lg" w="lg" type="none"/>
+            <a:tailEnd len="lg" w="lg" type="triangle"/>
+          </a:ln>
+        </p:spPr>
+      </p:cxnSp>
+      <p:cxnSp>
+        <p:nvCxnSpPr>
+          <p:cNvPr id="146" name="Shape 146"/>
+          <p:cNvCxnSpPr>
+            <a:stCxn id="130" idx="2"/>
+            <a:endCxn id="131" idx="0"/>
+          </p:cNvCxnSpPr>
+          <p:nvPr/>
+        </p:nvCxnSpPr>
+        <p:spPr>
+          <a:xfrm>
+            <a:off x="4408925" y="1450125"/>
+            <a:ext cx="0" cy="315600"/>
+          </a:xfrm>
+          <a:prstGeom prst="straightConnector1">
+            <a:avLst/>
+          </a:prstGeom>
+          <a:noFill/>
+          <a:ln cap="flat" cmpd="sng" w="9525">
+            <a:solidFill>
+              <a:schemeClr val="dk2"/>
+            </a:solidFill>
+            <a:prstDash val="solid"/>
+            <a:round/>
+            <a:headEnd len="lg" w="lg" type="none"/>
+            <a:tailEnd len="lg" w="lg" type="triangle"/>
+          </a:ln>
+        </p:spPr>
+      </p:cxnSp>
+      <p:cxnSp>
+        <p:nvCxnSpPr>
+          <p:cNvPr id="147" name="Shape 147"/>
+          <p:cNvCxnSpPr/>
+          <p:nvPr/>
+        </p:nvCxnSpPr>
+        <p:spPr>
+          <a:xfrm>
+            <a:off x="4408925" y="2054325"/>
+            <a:ext cx="0" cy="315600"/>
+          </a:xfrm>
+          <a:prstGeom prst="straightConnector1">
+            <a:avLst/>
+          </a:prstGeom>
+          <a:noFill/>
+          <a:ln cap="flat" cmpd="sng" w="9525">
+            <a:solidFill>
+              <a:schemeClr val="dk2"/>
+            </a:solidFill>
+            <a:prstDash val="solid"/>
+            <a:round/>
+            <a:headEnd len="lg" w="lg" type="none"/>
+            <a:tailEnd len="lg" w="lg" type="triangle"/>
+          </a:ln>
+        </p:spPr>
+      </p:cxnSp>
+      <p:cxnSp>
+        <p:nvCxnSpPr>
+          <p:cNvPr id="148" name="Shape 148"/>
+          <p:cNvCxnSpPr/>
+          <p:nvPr/>
+        </p:nvCxnSpPr>
+        <p:spPr>
+          <a:xfrm>
+            <a:off x="1048700" y="2709675"/>
+            <a:ext cx="0" cy="315600"/>
+          </a:xfrm>
+          <a:prstGeom prst="straightConnector1">
+            <a:avLst/>
+          </a:prstGeom>
+          <a:noFill/>
+          <a:ln cap="flat" cmpd="sng" w="9525">
+            <a:solidFill>
+              <a:schemeClr val="dk2"/>
+            </a:solidFill>
+            <a:prstDash val="solid"/>
+            <a:round/>
+            <a:headEnd len="lg" w="lg" type="none"/>
+            <a:tailEnd len="lg" w="lg" type="triangle"/>
+          </a:ln>
+        </p:spPr>
+      </p:cxnSp>
+      <p:cxnSp>
+        <p:nvCxnSpPr>
+          <p:cNvPr id="149" name="Shape 149"/>
+          <p:cNvCxnSpPr/>
+          <p:nvPr/>
+        </p:nvCxnSpPr>
+        <p:spPr>
+          <a:xfrm>
+            <a:off x="2592750" y="2709675"/>
+            <a:ext cx="0" cy="315600"/>
+          </a:xfrm>
+          <a:prstGeom prst="straightConnector1">
+            <a:avLst/>
+          </a:prstGeom>
+          <a:noFill/>
+          <a:ln cap="flat" cmpd="sng" w="9525">
+            <a:solidFill>
+              <a:schemeClr val="dk2"/>
+            </a:solidFill>
+            <a:prstDash val="solid"/>
+            <a:round/>
+            <a:headEnd len="lg" w="lg" type="none"/>
+            <a:tailEnd len="lg" w="lg" type="triangle"/>
+          </a:ln>
+        </p:spPr>
+      </p:cxnSp>
+      <p:cxnSp>
+        <p:nvCxnSpPr>
+          <p:cNvPr id="150" name="Shape 150"/>
+          <p:cNvCxnSpPr>
+            <a:stCxn id="132" idx="2"/>
+            <a:endCxn id="139" idx="0"/>
+          </p:cNvCxnSpPr>
+          <p:nvPr/>
+        </p:nvCxnSpPr>
+        <p:spPr>
+          <a:xfrm flipH="1" rot="-5400000">
+            <a:off x="1127750" y="3236850"/>
+            <a:ext cx="1263900" cy="197100"/>
+          </a:xfrm>
+          <a:prstGeom prst="bentConnector3">
+            <a:avLst>
+              <a:gd fmla="val 50000" name="adj1"/>
+            </a:avLst>
+          </a:prstGeom>
+          <a:noFill/>
+          <a:ln cap="flat" cmpd="sng" w="9525">
+            <a:solidFill>
+              <a:schemeClr val="dk2"/>
+            </a:solidFill>
+            <a:prstDash val="solid"/>
+            <a:round/>
+            <a:headEnd len="lg" w="lg" type="none"/>
+            <a:tailEnd len="lg" w="lg" type="none"/>
+          </a:ln>
+        </p:spPr>
+      </p:cxnSp>
+      <p:cxnSp>
+        <p:nvCxnSpPr>
+          <p:cNvPr id="151" name="Shape 151"/>
+          <p:cNvCxnSpPr>
+            <a:stCxn id="132" idx="1"/>
+            <a:endCxn id="137" idx="0"/>
+          </p:cNvCxnSpPr>
+          <p:nvPr/>
+        </p:nvCxnSpPr>
+        <p:spPr>
+          <a:xfrm flipH="1">
+            <a:off x="430100" y="2571750"/>
+            <a:ext cx="152100" cy="1395600"/>
+          </a:xfrm>
+          <a:prstGeom prst="bentConnector2">
+            <a:avLst/>
+          </a:prstGeom>
+          <a:noFill/>
+          <a:ln cap="flat" cmpd="sng" w="9525">
+            <a:solidFill>
+              <a:schemeClr val="dk2"/>
+            </a:solidFill>
+            <a:prstDash val="solid"/>
+            <a:round/>
+            <a:headEnd len="lg" w="lg" type="none"/>
+            <a:tailEnd len="lg" w="lg" type="none"/>
+          </a:ln>
+        </p:spPr>
+      </p:cxnSp>
+      <p:cxnSp>
+        <p:nvCxnSpPr>
+          <p:cNvPr id="152" name="Shape 152"/>
+          <p:cNvCxnSpPr>
+            <a:stCxn id="133" idx="3"/>
+            <a:endCxn id="144" idx="0"/>
+          </p:cNvCxnSpPr>
+          <p:nvPr/>
+        </p:nvCxnSpPr>
+        <p:spPr>
+          <a:xfrm>
+            <a:off x="8249800" y="2571750"/>
+            <a:ext cx="367200" cy="1224900"/>
+          </a:xfrm>
+          <a:prstGeom prst="bentConnector2">
+            <a:avLst/>
+          </a:prstGeom>
+          <a:noFill/>
+          <a:ln cap="flat" cmpd="sng" w="9525">
+            <a:solidFill>
+              <a:schemeClr val="dk2"/>
+            </a:solidFill>
+            <a:prstDash val="solid"/>
+            <a:round/>
+            <a:headEnd len="lg" w="lg" type="none"/>
+            <a:tailEnd len="lg" w="lg" type="none"/>
+          </a:ln>
+        </p:spPr>
+      </p:cxnSp>
+      <p:cxnSp>
+        <p:nvCxnSpPr>
+          <p:cNvPr id="153" name="Shape 153"/>
+          <p:cNvCxnSpPr>
+            <a:endCxn id="141" idx="0"/>
+          </p:cNvCxnSpPr>
+          <p:nvPr/>
+        </p:nvCxnSpPr>
+        <p:spPr>
+          <a:xfrm>
+            <a:off x="6456400" y="2728225"/>
+            <a:ext cx="2700" cy="228000"/>
+          </a:xfrm>
+          <a:prstGeom prst="straightConnector1">
+            <a:avLst/>
+          </a:prstGeom>
+          <a:noFill/>
+          <a:ln cap="flat" cmpd="sng" w="9525">
+            <a:solidFill>
+              <a:schemeClr val="dk2"/>
+            </a:solidFill>
+            <a:prstDash val="solid"/>
+            <a:round/>
+            <a:headEnd len="lg" w="lg" type="none"/>
+            <a:tailEnd len="lg" w="lg" type="triangle"/>
+          </a:ln>
+        </p:spPr>
+      </p:cxnSp>
+      <p:cxnSp>
+        <p:nvCxnSpPr>
+          <p:cNvPr id="154" name="Shape 154"/>
+          <p:cNvCxnSpPr/>
+          <p:nvPr/>
+        </p:nvCxnSpPr>
+        <p:spPr>
+          <a:xfrm>
+            <a:off x="7926550" y="2710825"/>
+            <a:ext cx="2700" cy="228000"/>
+          </a:xfrm>
+          <a:prstGeom prst="straightConnector1">
+            <a:avLst/>
+          </a:prstGeom>
+          <a:noFill/>
+          <a:ln cap="flat" cmpd="sng" w="9525">
+            <a:solidFill>
+              <a:schemeClr val="dk2"/>
+            </a:solidFill>
+            <a:prstDash val="solid"/>
+            <a:round/>
+            <a:headEnd len="lg" w="lg" type="none"/>
+            <a:tailEnd len="lg" w="lg" type="triangle"/>
+          </a:ln>
+        </p:spPr>
+      </p:cxnSp>
+      <p:cxnSp>
+        <p:nvCxnSpPr>
+          <p:cNvPr id="155" name="Shape 155"/>
+          <p:cNvCxnSpPr>
+            <a:stCxn id="133" idx="2"/>
+            <a:endCxn id="142" idx="0"/>
+          </p:cNvCxnSpPr>
+          <p:nvPr/>
+        </p:nvCxnSpPr>
+        <p:spPr>
+          <a:xfrm>
+            <a:off x="7170850" y="2703450"/>
+            <a:ext cx="0" cy="1113300"/>
+          </a:xfrm>
+          <a:prstGeom prst="straightConnector1">
+            <a:avLst/>
+          </a:prstGeom>
+          <a:noFill/>
+          <a:ln cap="flat" cmpd="sng" w="9525">
+            <a:solidFill>
+              <a:schemeClr val="dk2"/>
+            </a:solidFill>
+            <a:prstDash val="solid"/>
+            <a:round/>
+            <a:headEnd len="lg" w="lg" type="none"/>
+            <a:tailEnd len="lg" w="lg" type="triangle"/>
+          </a:ln>
+        </p:spPr>
+      </p:cxnSp>
+      <p:sp>
+        <p:nvSpPr>
+          <p:cNvPr id="156" name="Shape 156"/>
+          <p:cNvSpPr txBox="1"/>
+          <p:nvPr>
+            <p:ph idx="12" type="sldNum"/>
+          </p:nvPr>
+        </p:nvSpPr>
+        <p:spPr>
+          <a:xfrm>
+            <a:off x="8460431" y="4651190"/>
+            <a:ext cx="548700" cy="393600"/>
+          </a:xfrm>
+          <a:prstGeom prst="rect">
+            <a:avLst/>
+          </a:prstGeom>
+        </p:spPr>
+        <p:txBody>
+          <a:bodyPr anchorCtr="0" anchor="ctr" bIns="91425" lIns="91425" rIns="91425" tIns="91425">
+            <a:noAutofit/>
+          </a:bodyPr>
+          <a:lstStyle/>
+          <a:p>
+            <a:pPr lvl="0">
+              <a:spcBef>
+                <a:spcPts val="0"/>
+              </a:spcBef>
+              <a:buNone/>
+            </a:pPr>
+            <a:fld id="{00000000-1234-1234-1234-123412341234}" type="slidenum">
+              <a:rPr lang="en"/>
+              <a:t>‹#›</a:t>
+            </a:fld>
+          </a:p>
+        </p:txBody>
+      </p:sp>
+    </p:spTree>
+  </p:cSld>
+  <p:clrMapOvr>
+    <a:masterClrMapping/>
+  </p:clrMapOvr>
+</p:sld>
+</file>
+
+<file path=ppt/slides/slide8.xml><?xml version="1.0" encoding="utf-8"?>
+<p:sld xmlns:a="http://schemas.openxmlformats.org/drawingml/2006/main" xmlns:r="http://schemas.openxmlformats.org/officeDocument/2006/relationships" xmlns:mc="http://schemas.openxmlformats.org/markup-compatibility/2006" xmlns:mv="urn:schemas-microsoft-com:mac:vml" xmlns:p="http://schemas.openxmlformats.org/presentationml/2006/main" xmlns:c="http://schemas.openxmlformats.org/drawingml/2006/chart" xmlns:dgm="http://schemas.openxmlformats.org/drawingml/2006/diagram" xmlns:o="urn:schemas-microsoft-com:office:office" xmlns:v="urn:schemas-microsoft-com:vml" xmlns:pvml="urn:schemas-microsoft-com:office:powerpoint" xmlns:com="http://schemas.openxmlformats.org/drawingml/2006/compatibility" xmlns:p14="http://schemas.microsoft.com/office/powerpoint/2010/main">
+  <p:cSld>
+    <p:spTree>
+      <p:nvGrpSpPr>
+        <p:cNvPr id="160" name="Shape 160"/>
+        <p:cNvGrpSpPr/>
+        <p:nvPr/>
+      </p:nvGrpSpPr>
+      <p:grpSpPr>
+        <a:xfrm>
+          <a:off x="0" y="0"/>
+          <a:ext cx="0" cy="0"/>
+          <a:chOff x="0" y="0"/>
+          <a:chExt cx="0" cy="0"/>
+        </a:xfrm>
+      </p:grpSpPr>
+      <p:sp>
+        <p:nvSpPr>
+          <p:cNvPr id="161" name="Shape 161"/>
+          <p:cNvSpPr txBox="1"/>
+          <p:nvPr>
+            <p:ph type="title"/>
+          </p:nvPr>
+        </p:nvSpPr>
+        <p:spPr>
+          <a:xfrm>
+            <a:off x="311700" y="410000"/>
+            <a:ext cx="8520600" cy="607800"/>
+          </a:xfrm>
+          <a:prstGeom prst="rect">
+            <a:avLst/>
+          </a:prstGeom>
+        </p:spPr>
+        <p:txBody>
+          <a:bodyPr anchorCtr="0" anchor="t" bIns="91425" lIns="91425" rIns="91425" tIns="91425">
+            <a:noAutofit/>
+          </a:bodyPr>
+          <a:lstStyle/>
+          <a:p>
+            <a:pPr lvl="0">
+              <a:spcBef>
+                <a:spcPts val="0"/>
+              </a:spcBef>
+              <a:buNone/>
+            </a:pPr>
+            <a:r>
+              <a:rPr lang="en"/>
               <a:t>Scrapper	</a:t>
             </a:r>
           </a:p>
@@ -12920,7 +14996,7 @@
       </p:sp>
       <p:sp>
         <p:nvSpPr>
-          <p:cNvPr id="128" name="Shape 128"/>
+          <p:cNvPr id="162" name="Shape 162"/>
           <p:cNvSpPr txBox="1"/>
           <p:nvPr>
             <p:ph idx="1" type="body"/>
@@ -13071,6 +15147,42 @@
           </a:p>
         </p:txBody>
       </p:sp>
+      <p:sp>
+        <p:nvSpPr>
+          <p:cNvPr id="163" name="Shape 163"/>
+          <p:cNvSpPr txBox="1"/>
+          <p:nvPr>
+            <p:ph idx="12" type="sldNum"/>
+          </p:nvPr>
+        </p:nvSpPr>
+        <p:spPr>
+          <a:xfrm>
+            <a:off x="8460431" y="4651190"/>
+            <a:ext cx="548700" cy="393600"/>
+          </a:xfrm>
+          <a:prstGeom prst="rect">
+            <a:avLst/>
+          </a:prstGeom>
+        </p:spPr>
+        <p:txBody>
+          <a:bodyPr anchorCtr="0" anchor="ctr" bIns="91425" lIns="91425" rIns="91425" tIns="91425">
+            <a:noAutofit/>
+          </a:bodyPr>
+          <a:lstStyle/>
+          <a:p>
+            <a:pPr lvl="0">
+              <a:spcBef>
+                <a:spcPts val="0"/>
+              </a:spcBef>
+              <a:buNone/>
+            </a:pPr>
+            <a:fld id="{00000000-1234-1234-1234-123412341234}" type="slidenum">
+              <a:rPr lang="en"/>
+              <a:t>‹#›</a:t>
+            </a:fld>
+          </a:p>
+        </p:txBody>
+      </p:sp>
     </p:spTree>
   </p:cSld>
   <p:clrMapOvr>
@@ -13084,7 +15196,7 @@
   <p:cSld>
     <p:spTree>
       <p:nvGrpSpPr>
-        <p:cNvPr id="132" name="Shape 132"/>
+        <p:cNvPr id="167" name="Shape 167"/>
         <p:cNvGrpSpPr/>
         <p:nvPr/>
       </p:nvGrpSpPr>
@@ -13098,7 +15210,7 @@
       </p:grpSpPr>
       <p:sp>
         <p:nvSpPr>
-          <p:cNvPr id="133" name="Shape 133"/>
+          <p:cNvPr id="168" name="Shape 168"/>
           <p:cNvSpPr txBox="1"/>
           <p:nvPr>
             <p:ph type="title"/>
@@ -13134,7 +15246,7 @@
       </p:sp>
       <p:sp>
         <p:nvSpPr>
-          <p:cNvPr id="134" name="Shape 134"/>
+          <p:cNvPr id="169" name="Shape 169"/>
           <p:cNvSpPr txBox="1"/>
           <p:nvPr>
             <p:ph idx="1" type="body"/>
@@ -13237,6 +15349,42 @@
               <a:rPr lang="en"/>
               <a:t>If a sentence doesn’t belong to any of the above aspects, it is considered to be in general category.</a:t>
             </a:r>
+          </a:p>
+        </p:txBody>
+      </p:sp>
+      <p:sp>
+        <p:nvSpPr>
+          <p:cNvPr id="170" name="Shape 170"/>
+          <p:cNvSpPr txBox="1"/>
+          <p:nvPr>
+            <p:ph idx="12" type="sldNum"/>
+          </p:nvPr>
+        </p:nvSpPr>
+        <p:spPr>
+          <a:xfrm>
+            <a:off x="8460431" y="4651190"/>
+            <a:ext cx="548700" cy="393600"/>
+          </a:xfrm>
+          <a:prstGeom prst="rect">
+            <a:avLst/>
+          </a:prstGeom>
+        </p:spPr>
+        <p:txBody>
+          <a:bodyPr anchorCtr="0" anchor="ctr" bIns="91425" lIns="91425" rIns="91425" tIns="91425">
+            <a:noAutofit/>
+          </a:bodyPr>
+          <a:lstStyle/>
+          <a:p>
+            <a:pPr lvl="0">
+              <a:spcBef>
+                <a:spcPts val="0"/>
+              </a:spcBef>
+              <a:buNone/>
+            </a:pPr>
+            <a:fld id="{00000000-1234-1234-1234-123412341234}" type="slidenum">
+              <a:rPr lang="en"/>
+              <a:t>‹#›</a:t>
+            </a:fld>
           </a:p>
         </p:txBody>
       </p:sp>

--- a/Presentation/final_presentation.pptx
+++ b/Presentation/final_presentation.pptx
@@ -37,16 +37,17 @@
     <p:sldId id="282" r:id="rId31"/>
     <p:sldId id="283" r:id="rId32"/>
     <p:sldId id="284" r:id="rId33"/>
+    <p:sldId id="285" r:id="rId34"/>
   </p:sldIdLst>
   <p:sldSz cy="5143500" cx="9144000"/>
   <p:notesSz cx="6858000" cy="9144000"/>
   <p:embeddedFontLst>
     <p:embeddedFont>
       <p:font typeface="Roboto"/>
-      <p:regular r:id="rId34"/>
-      <p:bold r:id="rId35"/>
-      <p:italic r:id="rId36"/>
-      <p:boldItalic r:id="rId37"/>
+      <p:regular r:id="rId35"/>
+      <p:bold r:id="rId36"/>
+      <p:italic r:id="rId37"/>
+      <p:boldItalic r:id="rId38"/>
     </p:embeddedFont>
   </p:embeddedFontLst>
   <p:defaultTextStyle>
@@ -503,7 +504,7 @@
   <p:cSld>
     <p:spTree>
       <p:nvGrpSpPr>
-        <p:cNvPr id="171" name="Shape 171"/>
+        <p:cNvPr id="172" name="Shape 172"/>
         <p:cNvGrpSpPr/>
         <p:nvPr/>
       </p:nvGrpSpPr>
@@ -517,7 +518,7 @@
       </p:grpSpPr>
       <p:sp>
         <p:nvSpPr>
-          <p:cNvPr id="172" name="Shape 172"/>
+          <p:cNvPr id="173" name="Shape 173"/>
           <p:cNvSpPr/>
           <p:nvPr>
             <p:ph idx="2" type="sldImg"/>
@@ -551,7 +552,7 @@
       </p:sp>
       <p:sp>
         <p:nvSpPr>
-          <p:cNvPr id="173" name="Shape 173"/>
+          <p:cNvPr id="174" name="Shape 174"/>
           <p:cNvSpPr txBox="1"/>
           <p:nvPr>
             <p:ph idx="1" type="body"/>
@@ -598,7 +599,7 @@
   <p:cSld>
     <p:spTree>
       <p:nvGrpSpPr>
-        <p:cNvPr id="178" name="Shape 178"/>
+        <p:cNvPr id="179" name="Shape 179"/>
         <p:cNvGrpSpPr/>
         <p:nvPr/>
       </p:nvGrpSpPr>
@@ -612,7 +613,7 @@
       </p:grpSpPr>
       <p:sp>
         <p:nvSpPr>
-          <p:cNvPr id="179" name="Shape 179"/>
+          <p:cNvPr id="180" name="Shape 180"/>
           <p:cNvSpPr/>
           <p:nvPr>
             <p:ph idx="2" type="sldImg"/>
@@ -646,7 +647,7 @@
       </p:sp>
       <p:sp>
         <p:nvSpPr>
-          <p:cNvPr id="180" name="Shape 180"/>
+          <p:cNvPr id="181" name="Shape 181"/>
           <p:cNvSpPr txBox="1"/>
           <p:nvPr>
             <p:ph idx="1" type="body"/>
@@ -693,7 +694,7 @@
   <p:cSld>
     <p:spTree>
       <p:nvGrpSpPr>
-        <p:cNvPr id="186" name="Shape 186"/>
+        <p:cNvPr id="187" name="Shape 187"/>
         <p:cNvGrpSpPr/>
         <p:nvPr/>
       </p:nvGrpSpPr>
@@ -707,7 +708,7 @@
       </p:grpSpPr>
       <p:sp>
         <p:nvSpPr>
-          <p:cNvPr id="187" name="Shape 187"/>
+          <p:cNvPr id="188" name="Shape 188"/>
           <p:cNvSpPr/>
           <p:nvPr>
             <p:ph idx="2" type="sldImg"/>
@@ -741,7 +742,7 @@
       </p:sp>
       <p:sp>
         <p:nvSpPr>
-          <p:cNvPr id="188" name="Shape 188"/>
+          <p:cNvPr id="189" name="Shape 189"/>
           <p:cNvSpPr txBox="1"/>
           <p:nvPr>
             <p:ph idx="1" type="body"/>
@@ -800,7 +801,7 @@
   <p:cSld>
     <p:spTree>
       <p:nvGrpSpPr>
-        <p:cNvPr id="193" name="Shape 193"/>
+        <p:cNvPr id="194" name="Shape 194"/>
         <p:cNvGrpSpPr/>
         <p:nvPr/>
       </p:nvGrpSpPr>
@@ -814,7 +815,7 @@
       </p:grpSpPr>
       <p:sp>
         <p:nvSpPr>
-          <p:cNvPr id="194" name="Shape 194"/>
+          <p:cNvPr id="195" name="Shape 195"/>
           <p:cNvSpPr/>
           <p:nvPr>
             <p:ph idx="2" type="sldImg"/>
@@ -848,7 +849,7 @@
       </p:sp>
       <p:sp>
         <p:nvSpPr>
-          <p:cNvPr id="195" name="Shape 195"/>
+          <p:cNvPr id="196" name="Shape 196"/>
           <p:cNvSpPr txBox="1"/>
           <p:nvPr>
             <p:ph idx="1" type="body"/>
@@ -895,7 +896,7 @@
   <p:cSld>
     <p:spTree>
       <p:nvGrpSpPr>
-        <p:cNvPr id="201" name="Shape 201"/>
+        <p:cNvPr id="202" name="Shape 202"/>
         <p:cNvGrpSpPr/>
         <p:nvPr/>
       </p:nvGrpSpPr>
@@ -909,7 +910,7 @@
       </p:grpSpPr>
       <p:sp>
         <p:nvSpPr>
-          <p:cNvPr id="202" name="Shape 202"/>
+          <p:cNvPr id="203" name="Shape 203"/>
           <p:cNvSpPr/>
           <p:nvPr>
             <p:ph idx="2" type="sldImg"/>
@@ -943,7 +944,7 @@
       </p:sp>
       <p:sp>
         <p:nvSpPr>
-          <p:cNvPr id="203" name="Shape 203"/>
+          <p:cNvPr id="204" name="Shape 204"/>
           <p:cNvSpPr txBox="1"/>
           <p:nvPr>
             <p:ph idx="1" type="body"/>
@@ -990,7 +991,7 @@
   <p:cSld>
     <p:spTree>
       <p:nvGrpSpPr>
-        <p:cNvPr id="209" name="Shape 209"/>
+        <p:cNvPr id="210" name="Shape 210"/>
         <p:cNvGrpSpPr/>
         <p:nvPr/>
       </p:nvGrpSpPr>
@@ -1004,7 +1005,7 @@
       </p:grpSpPr>
       <p:sp>
         <p:nvSpPr>
-          <p:cNvPr id="210" name="Shape 210"/>
+          <p:cNvPr id="211" name="Shape 211"/>
           <p:cNvSpPr/>
           <p:nvPr>
             <p:ph idx="2" type="sldImg"/>
@@ -1038,7 +1039,7 @@
       </p:sp>
       <p:sp>
         <p:nvSpPr>
-          <p:cNvPr id="211" name="Shape 211"/>
+          <p:cNvPr id="212" name="Shape 212"/>
           <p:cNvSpPr txBox="1"/>
           <p:nvPr>
             <p:ph idx="1" type="body"/>
@@ -1085,7 +1086,7 @@
   <p:cSld>
     <p:spTree>
       <p:nvGrpSpPr>
-        <p:cNvPr id="217" name="Shape 217"/>
+        <p:cNvPr id="218" name="Shape 218"/>
         <p:cNvGrpSpPr/>
         <p:nvPr/>
       </p:nvGrpSpPr>
@@ -1099,7 +1100,7 @@
       </p:grpSpPr>
       <p:sp>
         <p:nvSpPr>
-          <p:cNvPr id="218" name="Shape 218"/>
+          <p:cNvPr id="219" name="Shape 219"/>
           <p:cNvSpPr/>
           <p:nvPr>
             <p:ph idx="2" type="sldImg"/>
@@ -1133,7 +1134,7 @@
       </p:sp>
       <p:sp>
         <p:nvSpPr>
-          <p:cNvPr id="219" name="Shape 219"/>
+          <p:cNvPr id="220" name="Shape 220"/>
           <p:cNvSpPr txBox="1"/>
           <p:nvPr>
             <p:ph idx="1" type="body"/>
@@ -1180,7 +1181,7 @@
   <p:cSld>
     <p:spTree>
       <p:nvGrpSpPr>
-        <p:cNvPr id="224" name="Shape 224"/>
+        <p:cNvPr id="225" name="Shape 225"/>
         <p:cNvGrpSpPr/>
         <p:nvPr/>
       </p:nvGrpSpPr>
@@ -1194,7 +1195,7 @@
       </p:grpSpPr>
       <p:sp>
         <p:nvSpPr>
-          <p:cNvPr id="225" name="Shape 225"/>
+          <p:cNvPr id="226" name="Shape 226"/>
           <p:cNvSpPr/>
           <p:nvPr>
             <p:ph idx="2" type="sldImg"/>
@@ -1228,7 +1229,7 @@
       </p:sp>
       <p:sp>
         <p:nvSpPr>
-          <p:cNvPr id="226" name="Shape 226"/>
+          <p:cNvPr id="227" name="Shape 227"/>
           <p:cNvSpPr txBox="1"/>
           <p:nvPr>
             <p:ph idx="1" type="body"/>
@@ -1275,7 +1276,7 @@
   <p:cSld>
     <p:spTree>
       <p:nvGrpSpPr>
-        <p:cNvPr id="231" name="Shape 231"/>
+        <p:cNvPr id="232" name="Shape 232"/>
         <p:cNvGrpSpPr/>
         <p:nvPr/>
       </p:nvGrpSpPr>
@@ -1289,7 +1290,7 @@
       </p:grpSpPr>
       <p:sp>
         <p:nvSpPr>
-          <p:cNvPr id="232" name="Shape 232"/>
+          <p:cNvPr id="233" name="Shape 233"/>
           <p:cNvSpPr/>
           <p:nvPr>
             <p:ph idx="2" type="sldImg"/>
@@ -1323,7 +1324,7 @@
       </p:sp>
       <p:sp>
         <p:nvSpPr>
-          <p:cNvPr id="233" name="Shape 233"/>
+          <p:cNvPr id="234" name="Shape 234"/>
           <p:cNvSpPr txBox="1"/>
           <p:nvPr>
             <p:ph idx="1" type="body"/>
@@ -1370,7 +1371,7 @@
   <p:cSld>
     <p:spTree>
       <p:nvGrpSpPr>
-        <p:cNvPr id="238" name="Shape 238"/>
+        <p:cNvPr id="239" name="Shape 239"/>
         <p:cNvGrpSpPr/>
         <p:nvPr/>
       </p:nvGrpSpPr>
@@ -1384,7 +1385,7 @@
       </p:grpSpPr>
       <p:sp>
         <p:nvSpPr>
-          <p:cNvPr id="239" name="Shape 239"/>
+          <p:cNvPr id="240" name="Shape 240"/>
           <p:cNvSpPr/>
           <p:nvPr>
             <p:ph idx="2" type="sldImg"/>
@@ -1418,7 +1419,7 @@
       </p:sp>
       <p:sp>
         <p:nvSpPr>
-          <p:cNvPr id="240" name="Shape 240"/>
+          <p:cNvPr id="241" name="Shape 241"/>
           <p:cNvSpPr txBox="1"/>
           <p:nvPr>
             <p:ph idx="1" type="body"/>
@@ -1465,7 +1466,7 @@
   <p:cSld>
     <p:spTree>
       <p:nvGrpSpPr>
-        <p:cNvPr id="88" name="Shape 88"/>
+        <p:cNvPr id="89" name="Shape 89"/>
         <p:cNvGrpSpPr/>
         <p:nvPr/>
       </p:nvGrpSpPr>
@@ -1479,7 +1480,7 @@
       </p:grpSpPr>
       <p:sp>
         <p:nvSpPr>
-          <p:cNvPr id="89" name="Shape 89"/>
+          <p:cNvPr id="90" name="Shape 90"/>
           <p:cNvSpPr/>
           <p:nvPr>
             <p:ph idx="2" type="sldImg"/>
@@ -1513,7 +1514,7 @@
       </p:sp>
       <p:sp>
         <p:nvSpPr>
-          <p:cNvPr id="90" name="Shape 90"/>
+          <p:cNvPr id="91" name="Shape 91"/>
           <p:cNvSpPr txBox="1"/>
           <p:nvPr>
             <p:ph idx="1" type="body"/>
@@ -1560,7 +1561,7 @@
   <p:cSld>
     <p:spTree>
       <p:nvGrpSpPr>
-        <p:cNvPr id="245" name="Shape 245"/>
+        <p:cNvPr id="246" name="Shape 246"/>
         <p:cNvGrpSpPr/>
         <p:nvPr/>
       </p:nvGrpSpPr>
@@ -1574,7 +1575,7 @@
       </p:grpSpPr>
       <p:sp>
         <p:nvSpPr>
-          <p:cNvPr id="246" name="Shape 246"/>
+          <p:cNvPr id="247" name="Shape 247"/>
           <p:cNvSpPr/>
           <p:nvPr>
             <p:ph idx="2" type="sldImg"/>
@@ -1608,7 +1609,7 @@
       </p:sp>
       <p:sp>
         <p:nvSpPr>
-          <p:cNvPr id="247" name="Shape 247"/>
+          <p:cNvPr id="248" name="Shape 248"/>
           <p:cNvSpPr txBox="1"/>
           <p:nvPr>
             <p:ph idx="1" type="body"/>
@@ -1655,7 +1656,7 @@
   <p:cSld>
     <p:spTree>
       <p:nvGrpSpPr>
-        <p:cNvPr id="252" name="Shape 252"/>
+        <p:cNvPr id="253" name="Shape 253"/>
         <p:cNvGrpSpPr/>
         <p:nvPr/>
       </p:nvGrpSpPr>
@@ -1669,7 +1670,7 @@
       </p:grpSpPr>
       <p:sp>
         <p:nvSpPr>
-          <p:cNvPr id="253" name="Shape 253"/>
+          <p:cNvPr id="254" name="Shape 254"/>
           <p:cNvSpPr/>
           <p:nvPr>
             <p:ph idx="2" type="sldImg"/>
@@ -1703,7 +1704,7 @@
       </p:sp>
       <p:sp>
         <p:nvSpPr>
-          <p:cNvPr id="254" name="Shape 254"/>
+          <p:cNvPr id="255" name="Shape 255"/>
           <p:cNvSpPr txBox="1"/>
           <p:nvPr>
             <p:ph idx="1" type="body"/>
@@ -1750,7 +1751,7 @@
   <p:cSld>
     <p:spTree>
       <p:nvGrpSpPr>
-        <p:cNvPr id="259" name="Shape 259"/>
+        <p:cNvPr id="260" name="Shape 260"/>
         <p:cNvGrpSpPr/>
         <p:nvPr/>
       </p:nvGrpSpPr>
@@ -1764,7 +1765,7 @@
       </p:grpSpPr>
       <p:sp>
         <p:nvSpPr>
-          <p:cNvPr id="260" name="Shape 260"/>
+          <p:cNvPr id="261" name="Shape 261"/>
           <p:cNvSpPr/>
           <p:nvPr>
             <p:ph idx="2" type="sldImg"/>
@@ -1798,7 +1799,7 @@
       </p:sp>
       <p:sp>
         <p:nvSpPr>
-          <p:cNvPr id="261" name="Shape 261"/>
+          <p:cNvPr id="262" name="Shape 262"/>
           <p:cNvSpPr txBox="1"/>
           <p:nvPr>
             <p:ph idx="1" type="body"/>
@@ -1845,7 +1846,7 @@
   <p:cSld>
     <p:spTree>
       <p:nvGrpSpPr>
-        <p:cNvPr id="270" name="Shape 270"/>
+        <p:cNvPr id="271" name="Shape 271"/>
         <p:cNvGrpSpPr/>
         <p:nvPr/>
       </p:nvGrpSpPr>
@@ -1859,7 +1860,7 @@
       </p:grpSpPr>
       <p:sp>
         <p:nvSpPr>
-          <p:cNvPr id="271" name="Shape 271"/>
+          <p:cNvPr id="272" name="Shape 272"/>
           <p:cNvSpPr/>
           <p:nvPr>
             <p:ph idx="2" type="sldImg"/>
@@ -1893,7 +1894,7 @@
       </p:sp>
       <p:sp>
         <p:nvSpPr>
-          <p:cNvPr id="272" name="Shape 272"/>
+          <p:cNvPr id="273" name="Shape 273"/>
           <p:cNvSpPr txBox="1"/>
           <p:nvPr>
             <p:ph idx="1" type="body"/>
@@ -1940,7 +1941,7 @@
   <p:cSld>
     <p:spTree>
       <p:nvGrpSpPr>
-        <p:cNvPr id="281" name="Shape 281"/>
+        <p:cNvPr id="282" name="Shape 282"/>
         <p:cNvGrpSpPr/>
         <p:nvPr/>
       </p:nvGrpSpPr>
@@ -1954,7 +1955,7 @@
       </p:grpSpPr>
       <p:sp>
         <p:nvSpPr>
-          <p:cNvPr id="282" name="Shape 282"/>
+          <p:cNvPr id="283" name="Shape 283"/>
           <p:cNvSpPr/>
           <p:nvPr>
             <p:ph idx="2" type="sldImg"/>
@@ -1988,7 +1989,7 @@
       </p:sp>
       <p:sp>
         <p:nvSpPr>
-          <p:cNvPr id="283" name="Shape 283"/>
+          <p:cNvPr id="284" name="Shape 284"/>
           <p:cNvSpPr txBox="1"/>
           <p:nvPr>
             <p:ph idx="1" type="body"/>
@@ -2035,7 +2036,7 @@
   <p:cSld>
     <p:spTree>
       <p:nvGrpSpPr>
-        <p:cNvPr id="292" name="Shape 292"/>
+        <p:cNvPr id="293" name="Shape 293"/>
         <p:cNvGrpSpPr/>
         <p:nvPr/>
       </p:nvGrpSpPr>
@@ -2049,7 +2050,7 @@
       </p:grpSpPr>
       <p:sp>
         <p:nvSpPr>
-          <p:cNvPr id="293" name="Shape 293"/>
+          <p:cNvPr id="294" name="Shape 294"/>
           <p:cNvSpPr/>
           <p:nvPr>
             <p:ph idx="2" type="sldImg"/>
@@ -2083,7 +2084,7 @@
       </p:sp>
       <p:sp>
         <p:nvSpPr>
-          <p:cNvPr id="294" name="Shape 294"/>
+          <p:cNvPr id="295" name="Shape 295"/>
           <p:cNvSpPr txBox="1"/>
           <p:nvPr>
             <p:ph idx="1" type="body"/>
@@ -2130,7 +2131,7 @@
   <p:cSld>
     <p:spTree>
       <p:nvGrpSpPr>
-        <p:cNvPr id="303" name="Shape 303"/>
+        <p:cNvPr id="304" name="Shape 304"/>
         <p:cNvGrpSpPr/>
         <p:nvPr/>
       </p:nvGrpSpPr>
@@ -2144,7 +2145,7 @@
       </p:grpSpPr>
       <p:sp>
         <p:nvSpPr>
-          <p:cNvPr id="304" name="Shape 304"/>
+          <p:cNvPr id="305" name="Shape 305"/>
           <p:cNvSpPr/>
           <p:nvPr>
             <p:ph idx="2" type="sldImg"/>
@@ -2178,7 +2179,7 @@
       </p:sp>
       <p:sp>
         <p:nvSpPr>
-          <p:cNvPr id="305" name="Shape 305"/>
+          <p:cNvPr id="306" name="Shape 306"/>
           <p:cNvSpPr txBox="1"/>
           <p:nvPr>
             <p:ph idx="1" type="body"/>
@@ -2225,7 +2226,7 @@
   <p:cSld>
     <p:spTree>
       <p:nvGrpSpPr>
-        <p:cNvPr id="310" name="Shape 310"/>
+        <p:cNvPr id="311" name="Shape 311"/>
         <p:cNvGrpSpPr/>
         <p:nvPr/>
       </p:nvGrpSpPr>
@@ -2239,7 +2240,7 @@
       </p:grpSpPr>
       <p:sp>
         <p:nvSpPr>
-          <p:cNvPr id="311" name="Shape 311"/>
+          <p:cNvPr id="312" name="Shape 312"/>
           <p:cNvSpPr/>
           <p:nvPr>
             <p:ph idx="2" type="sldImg"/>
@@ -2273,7 +2274,7 @@
       </p:sp>
       <p:sp>
         <p:nvSpPr>
-          <p:cNvPr id="312" name="Shape 312"/>
+          <p:cNvPr id="313" name="Shape 313"/>
           <p:cNvSpPr txBox="1"/>
           <p:nvPr>
             <p:ph idx="1" type="body"/>
@@ -2320,7 +2321,7 @@
   <p:cSld>
     <p:spTree>
       <p:nvGrpSpPr>
-        <p:cNvPr id="317" name="Shape 317"/>
+        <p:cNvPr id="318" name="Shape 318"/>
         <p:cNvGrpSpPr/>
         <p:nvPr/>
       </p:nvGrpSpPr>
@@ -2334,7 +2335,7 @@
       </p:grpSpPr>
       <p:sp>
         <p:nvSpPr>
-          <p:cNvPr id="318" name="Shape 318"/>
+          <p:cNvPr id="319" name="Shape 319"/>
           <p:cNvSpPr/>
           <p:nvPr>
             <p:ph idx="2" type="sldImg"/>
@@ -2368,7 +2369,7 @@
       </p:sp>
       <p:sp>
         <p:nvSpPr>
-          <p:cNvPr id="319" name="Shape 319"/>
+          <p:cNvPr id="320" name="Shape 320"/>
           <p:cNvSpPr txBox="1"/>
           <p:nvPr>
             <p:ph idx="1" type="body"/>
@@ -2415,7 +2416,7 @@
   <p:cSld>
     <p:spTree>
       <p:nvGrpSpPr>
-        <p:cNvPr id="324" name="Shape 324"/>
+        <p:cNvPr id="325" name="Shape 325"/>
         <p:cNvGrpSpPr/>
         <p:nvPr/>
       </p:nvGrpSpPr>
@@ -2429,7 +2430,7 @@
       </p:grpSpPr>
       <p:sp>
         <p:nvSpPr>
-          <p:cNvPr id="325" name="Shape 325"/>
+          <p:cNvPr id="326" name="Shape 326"/>
           <p:cNvSpPr/>
           <p:nvPr>
             <p:ph idx="2" type="sldImg"/>
@@ -2463,7 +2464,7 @@
       </p:sp>
       <p:sp>
         <p:nvSpPr>
-          <p:cNvPr id="326" name="Shape 326"/>
+          <p:cNvPr id="327" name="Shape 327"/>
           <p:cNvSpPr txBox="1"/>
           <p:nvPr>
             <p:ph idx="1" type="body"/>
@@ -2510,7 +2511,7 @@
   <p:cSld>
     <p:spTree>
       <p:nvGrpSpPr>
-        <p:cNvPr id="95" name="Shape 95"/>
+        <p:cNvPr id="96" name="Shape 96"/>
         <p:cNvGrpSpPr/>
         <p:nvPr/>
       </p:nvGrpSpPr>
@@ -2524,7 +2525,7 @@
       </p:grpSpPr>
       <p:sp>
         <p:nvSpPr>
-          <p:cNvPr id="96" name="Shape 96"/>
+          <p:cNvPr id="97" name="Shape 97"/>
           <p:cNvSpPr/>
           <p:nvPr>
             <p:ph idx="2" type="sldImg"/>
@@ -2558,7 +2559,7 @@
       </p:sp>
       <p:sp>
         <p:nvSpPr>
-          <p:cNvPr id="97" name="Shape 97"/>
+          <p:cNvPr id="98" name="Shape 98"/>
           <p:cNvSpPr txBox="1"/>
           <p:nvPr>
             <p:ph idx="1" type="body"/>
@@ -2600,12 +2601,12 @@
 </p:notes>
 </file>
 
-<file path=ppt/notesSlides/notesSlide4.xml><?xml version="1.0" encoding="utf-8"?>
+<file path=ppt/notesSlides/notesSlide30.xml><?xml version="1.0" encoding="utf-8"?>
 <p:notes xmlns:a="http://schemas.openxmlformats.org/drawingml/2006/main" xmlns:r="http://schemas.openxmlformats.org/officeDocument/2006/relationships" xmlns:mc="http://schemas.openxmlformats.org/markup-compatibility/2006" xmlns:mv="urn:schemas-microsoft-com:mac:vml" xmlns:p="http://schemas.openxmlformats.org/presentationml/2006/main" xmlns:c="http://schemas.openxmlformats.org/drawingml/2006/chart" xmlns:dgm="http://schemas.openxmlformats.org/drawingml/2006/diagram" xmlns:o="urn:schemas-microsoft-com:office:office" xmlns:v="urn:schemas-microsoft-com:vml" xmlns:pvml="urn:schemas-microsoft-com:office:powerpoint" xmlns:com="http://schemas.openxmlformats.org/drawingml/2006/compatibility" xmlns:p14="http://schemas.microsoft.com/office/powerpoint/2010/main" showMasterPhAnim="0" showMasterSp="0">
   <p:cSld>
     <p:spTree>
       <p:nvGrpSpPr>
-        <p:cNvPr id="102" name="Shape 102"/>
+        <p:cNvPr id="332" name="Shape 332"/>
         <p:cNvGrpSpPr/>
         <p:nvPr/>
       </p:nvGrpSpPr>
@@ -2619,7 +2620,7 @@
       </p:grpSpPr>
       <p:sp>
         <p:nvSpPr>
-          <p:cNvPr id="103" name="Shape 103"/>
+          <p:cNvPr id="333" name="Shape 333"/>
           <p:cNvSpPr/>
           <p:nvPr>
             <p:ph idx="2" type="sldImg"/>
@@ -2653,7 +2654,7 @@
       </p:sp>
       <p:sp>
         <p:nvSpPr>
-          <p:cNvPr id="104" name="Shape 104"/>
+          <p:cNvPr id="334" name="Shape 334"/>
           <p:cNvSpPr txBox="1"/>
           <p:nvPr>
             <p:ph idx="1" type="body"/>
@@ -2695,12 +2696,12 @@
 </p:notes>
 </file>
 
-<file path=ppt/notesSlides/notesSlide5.xml><?xml version="1.0" encoding="utf-8"?>
+<file path=ppt/notesSlides/notesSlide4.xml><?xml version="1.0" encoding="utf-8"?>
 <p:notes xmlns:a="http://schemas.openxmlformats.org/drawingml/2006/main" xmlns:r="http://schemas.openxmlformats.org/officeDocument/2006/relationships" xmlns:mc="http://schemas.openxmlformats.org/markup-compatibility/2006" xmlns:mv="urn:schemas-microsoft-com:mac:vml" xmlns:p="http://schemas.openxmlformats.org/presentationml/2006/main" xmlns:c="http://schemas.openxmlformats.org/drawingml/2006/chart" xmlns:dgm="http://schemas.openxmlformats.org/drawingml/2006/diagram" xmlns:o="urn:schemas-microsoft-com:office:office" xmlns:v="urn:schemas-microsoft-com:vml" xmlns:pvml="urn:schemas-microsoft-com:office:powerpoint" xmlns:com="http://schemas.openxmlformats.org/drawingml/2006/compatibility" xmlns:p14="http://schemas.microsoft.com/office/powerpoint/2010/main" showMasterPhAnim="0" showMasterSp="0">
   <p:cSld>
     <p:spTree>
       <p:nvGrpSpPr>
-        <p:cNvPr id="109" name="Shape 109"/>
+        <p:cNvPr id="103" name="Shape 103"/>
         <p:cNvGrpSpPr/>
         <p:nvPr/>
       </p:nvGrpSpPr>
@@ -2714,7 +2715,7 @@
       </p:grpSpPr>
       <p:sp>
         <p:nvSpPr>
-          <p:cNvPr id="110" name="Shape 110"/>
+          <p:cNvPr id="104" name="Shape 104"/>
           <p:cNvSpPr/>
           <p:nvPr>
             <p:ph idx="2" type="sldImg"/>
@@ -2748,7 +2749,7 @@
       </p:sp>
       <p:sp>
         <p:nvSpPr>
-          <p:cNvPr id="111" name="Shape 111"/>
+          <p:cNvPr id="105" name="Shape 105"/>
           <p:cNvSpPr txBox="1"/>
           <p:nvPr>
             <p:ph idx="1" type="body"/>
@@ -2790,12 +2791,12 @@
 </p:notes>
 </file>
 
-<file path=ppt/notesSlides/notesSlide6.xml><?xml version="1.0" encoding="utf-8"?>
+<file path=ppt/notesSlides/notesSlide5.xml><?xml version="1.0" encoding="utf-8"?>
 <p:notes xmlns:a="http://schemas.openxmlformats.org/drawingml/2006/main" xmlns:r="http://schemas.openxmlformats.org/officeDocument/2006/relationships" xmlns:mc="http://schemas.openxmlformats.org/markup-compatibility/2006" xmlns:mv="urn:schemas-microsoft-com:mac:vml" xmlns:p="http://schemas.openxmlformats.org/presentationml/2006/main" xmlns:c="http://schemas.openxmlformats.org/drawingml/2006/chart" xmlns:dgm="http://schemas.openxmlformats.org/drawingml/2006/diagram" xmlns:o="urn:schemas-microsoft-com:office:office" xmlns:v="urn:schemas-microsoft-com:vml" xmlns:pvml="urn:schemas-microsoft-com:office:powerpoint" xmlns:com="http://schemas.openxmlformats.org/drawingml/2006/compatibility" xmlns:p14="http://schemas.microsoft.com/office/powerpoint/2010/main" showMasterPhAnim="0" showMasterSp="0">
   <p:cSld>
     <p:spTree>
       <p:nvGrpSpPr>
-        <p:cNvPr id="116" name="Shape 116"/>
+        <p:cNvPr id="110" name="Shape 110"/>
         <p:cNvGrpSpPr/>
         <p:nvPr/>
       </p:nvGrpSpPr>
@@ -2809,7 +2810,7 @@
       </p:grpSpPr>
       <p:sp>
         <p:nvSpPr>
-          <p:cNvPr id="117" name="Shape 117"/>
+          <p:cNvPr id="111" name="Shape 111"/>
           <p:cNvSpPr/>
           <p:nvPr>
             <p:ph idx="2" type="sldImg"/>
@@ -2843,7 +2844,7 @@
       </p:sp>
       <p:sp>
         <p:nvSpPr>
-          <p:cNvPr id="118" name="Shape 118"/>
+          <p:cNvPr id="112" name="Shape 112"/>
           <p:cNvSpPr txBox="1"/>
           <p:nvPr>
             <p:ph idx="1" type="body"/>
@@ -2885,12 +2886,12 @@
 </p:notes>
 </file>
 
-<file path=ppt/notesSlides/notesSlide7.xml><?xml version="1.0" encoding="utf-8"?>
+<file path=ppt/notesSlides/notesSlide6.xml><?xml version="1.0" encoding="utf-8"?>
 <p:notes xmlns:a="http://schemas.openxmlformats.org/drawingml/2006/main" xmlns:r="http://schemas.openxmlformats.org/officeDocument/2006/relationships" xmlns:mc="http://schemas.openxmlformats.org/markup-compatibility/2006" xmlns:mv="urn:schemas-microsoft-com:mac:vml" xmlns:p="http://schemas.openxmlformats.org/presentationml/2006/main" xmlns:c="http://schemas.openxmlformats.org/drawingml/2006/chart" xmlns:dgm="http://schemas.openxmlformats.org/drawingml/2006/diagram" xmlns:o="urn:schemas-microsoft-com:office:office" xmlns:v="urn:schemas-microsoft-com:vml" xmlns:pvml="urn:schemas-microsoft-com:office:powerpoint" xmlns:com="http://schemas.openxmlformats.org/drawingml/2006/compatibility" xmlns:p14="http://schemas.microsoft.com/office/powerpoint/2010/main" showMasterPhAnim="0" showMasterSp="0">
   <p:cSld>
     <p:spTree>
       <p:nvGrpSpPr>
-        <p:cNvPr id="123" name="Shape 123"/>
+        <p:cNvPr id="117" name="Shape 117"/>
         <p:cNvGrpSpPr/>
         <p:nvPr/>
       </p:nvGrpSpPr>
@@ -2904,7 +2905,7 @@
       </p:grpSpPr>
       <p:sp>
         <p:nvSpPr>
-          <p:cNvPr id="124" name="Shape 124"/>
+          <p:cNvPr id="118" name="Shape 118"/>
           <p:cNvSpPr/>
           <p:nvPr>
             <p:ph idx="2" type="sldImg"/>
@@ -2938,7 +2939,7 @@
       </p:sp>
       <p:sp>
         <p:nvSpPr>
-          <p:cNvPr id="125" name="Shape 125"/>
+          <p:cNvPr id="119" name="Shape 119"/>
           <p:cNvSpPr txBox="1"/>
           <p:nvPr>
             <p:ph idx="1" type="body"/>
@@ -2959,7 +2960,7 @@
           </a:bodyPr>
           <a:lstStyle/>
           <a:p>
-            <a:pPr lvl="0" rtl="0">
+            <a:pPr lvl="0">
               <a:spcBef>
                 <a:spcPts val="0"/>
               </a:spcBef>
@@ -2980,12 +2981,12 @@
 </p:notes>
 </file>
 
-<file path=ppt/notesSlides/notesSlide8.xml><?xml version="1.0" encoding="utf-8"?>
+<file path=ppt/notesSlides/notesSlide7.xml><?xml version="1.0" encoding="utf-8"?>
 <p:notes xmlns:a="http://schemas.openxmlformats.org/drawingml/2006/main" xmlns:r="http://schemas.openxmlformats.org/officeDocument/2006/relationships" xmlns:mc="http://schemas.openxmlformats.org/markup-compatibility/2006" xmlns:mv="urn:schemas-microsoft-com:mac:vml" xmlns:p="http://schemas.openxmlformats.org/presentationml/2006/main" xmlns:c="http://schemas.openxmlformats.org/drawingml/2006/chart" xmlns:dgm="http://schemas.openxmlformats.org/drawingml/2006/diagram" xmlns:o="urn:schemas-microsoft-com:office:office" xmlns:v="urn:schemas-microsoft-com:vml" xmlns:pvml="urn:schemas-microsoft-com:office:powerpoint" xmlns:com="http://schemas.openxmlformats.org/drawingml/2006/compatibility" xmlns:p14="http://schemas.microsoft.com/office/powerpoint/2010/main" showMasterPhAnim="0" showMasterSp="0">
   <p:cSld>
     <p:spTree>
       <p:nvGrpSpPr>
-        <p:cNvPr id="157" name="Shape 157"/>
+        <p:cNvPr id="124" name="Shape 124"/>
         <p:cNvGrpSpPr/>
         <p:nvPr/>
       </p:nvGrpSpPr>
@@ -2999,7 +3000,7 @@
       </p:grpSpPr>
       <p:sp>
         <p:nvSpPr>
-          <p:cNvPr id="158" name="Shape 158"/>
+          <p:cNvPr id="125" name="Shape 125"/>
           <p:cNvSpPr/>
           <p:nvPr>
             <p:ph idx="2" type="sldImg"/>
@@ -3033,7 +3034,7 @@
       </p:sp>
       <p:sp>
         <p:nvSpPr>
-          <p:cNvPr id="159" name="Shape 159"/>
+          <p:cNvPr id="126" name="Shape 126"/>
           <p:cNvSpPr txBox="1"/>
           <p:nvPr>
             <p:ph idx="1" type="body"/>
@@ -3054,19 +3055,7 @@
           </a:bodyPr>
           <a:lstStyle/>
           <a:p>
-            <a:pPr lvl="0">
-              <a:spcBef>
-                <a:spcPts val="0"/>
-              </a:spcBef>
-              <a:buNone/>
-            </a:pPr>
-            <a:r>
-              <a:rPr lang="en"/>
-              <a:t>Initially page  count are accessed</a:t>
-            </a:r>
-          </a:p>
-          <a:p>
-            <a:pPr lvl="0">
+            <a:pPr lvl="0" rtl="0">
               <a:spcBef>
                 <a:spcPts val="0"/>
               </a:spcBef>
@@ -3087,12 +3076,12 @@
 </p:notes>
 </file>
 
-<file path=ppt/notesSlides/notesSlide9.xml><?xml version="1.0" encoding="utf-8"?>
+<file path=ppt/notesSlides/notesSlide8.xml><?xml version="1.0" encoding="utf-8"?>
 <p:notes xmlns:a="http://schemas.openxmlformats.org/drawingml/2006/main" xmlns:r="http://schemas.openxmlformats.org/officeDocument/2006/relationships" xmlns:mc="http://schemas.openxmlformats.org/markup-compatibility/2006" xmlns:mv="urn:schemas-microsoft-com:mac:vml" xmlns:p="http://schemas.openxmlformats.org/presentationml/2006/main" xmlns:c="http://schemas.openxmlformats.org/drawingml/2006/chart" xmlns:dgm="http://schemas.openxmlformats.org/drawingml/2006/diagram" xmlns:o="urn:schemas-microsoft-com:office:office" xmlns:v="urn:schemas-microsoft-com:vml" xmlns:pvml="urn:schemas-microsoft-com:office:powerpoint" xmlns:com="http://schemas.openxmlformats.org/drawingml/2006/compatibility" xmlns:p14="http://schemas.microsoft.com/office/powerpoint/2010/main" showMasterPhAnim="0" showMasterSp="0">
   <p:cSld>
     <p:spTree>
       <p:nvGrpSpPr>
-        <p:cNvPr id="164" name="Shape 164"/>
+        <p:cNvPr id="158" name="Shape 158"/>
         <p:cNvGrpSpPr/>
         <p:nvPr/>
       </p:nvGrpSpPr>
@@ -3106,7 +3095,7 @@
       </p:grpSpPr>
       <p:sp>
         <p:nvSpPr>
-          <p:cNvPr id="165" name="Shape 165"/>
+          <p:cNvPr id="159" name="Shape 159"/>
           <p:cNvSpPr/>
           <p:nvPr>
             <p:ph idx="2" type="sldImg"/>
@@ -3140,7 +3129,114 @@
       </p:sp>
       <p:sp>
         <p:nvSpPr>
+          <p:cNvPr id="160" name="Shape 160"/>
+          <p:cNvSpPr txBox="1"/>
+          <p:nvPr>
+            <p:ph idx="1" type="body"/>
+          </p:nvPr>
+        </p:nvSpPr>
+        <p:spPr>
+          <a:xfrm>
+            <a:off x="685800" y="4343400"/>
+            <a:ext cx="5486400" cy="4114800"/>
+          </a:xfrm>
+          <a:prstGeom prst="rect">
+            <a:avLst/>
+          </a:prstGeom>
+        </p:spPr>
+        <p:txBody>
+          <a:bodyPr anchorCtr="0" anchor="t" bIns="91425" lIns="91425" rIns="91425" tIns="91425">
+            <a:noAutofit/>
+          </a:bodyPr>
+          <a:lstStyle/>
+          <a:p>
+            <a:pPr lvl="0">
+              <a:spcBef>
+                <a:spcPts val="0"/>
+              </a:spcBef>
+              <a:buNone/>
+            </a:pPr>
+            <a:r>
+              <a:rPr lang="en"/>
+              <a:t>Initially page  count are accessed</a:t>
+            </a:r>
+          </a:p>
+          <a:p>
+            <a:pPr lvl="0">
+              <a:spcBef>
+                <a:spcPts val="0"/>
+              </a:spcBef>
+              <a:buNone/>
+            </a:pPr>
+            <a:r>
+              <a:t/>
+            </a:r>
+            <a:endParaRPr/>
+          </a:p>
+        </p:txBody>
+      </p:sp>
+    </p:spTree>
+  </p:cSld>
+  <p:clrMapOvr>
+    <a:masterClrMapping/>
+  </p:clrMapOvr>
+</p:notes>
+</file>
+
+<file path=ppt/notesSlides/notesSlide9.xml><?xml version="1.0" encoding="utf-8"?>
+<p:notes xmlns:a="http://schemas.openxmlformats.org/drawingml/2006/main" xmlns:r="http://schemas.openxmlformats.org/officeDocument/2006/relationships" xmlns:mc="http://schemas.openxmlformats.org/markup-compatibility/2006" xmlns:mv="urn:schemas-microsoft-com:mac:vml" xmlns:p="http://schemas.openxmlformats.org/presentationml/2006/main" xmlns:c="http://schemas.openxmlformats.org/drawingml/2006/chart" xmlns:dgm="http://schemas.openxmlformats.org/drawingml/2006/diagram" xmlns:o="urn:schemas-microsoft-com:office:office" xmlns:v="urn:schemas-microsoft-com:vml" xmlns:pvml="urn:schemas-microsoft-com:office:powerpoint" xmlns:com="http://schemas.openxmlformats.org/drawingml/2006/compatibility" xmlns:p14="http://schemas.microsoft.com/office/powerpoint/2010/main" showMasterPhAnim="0" showMasterSp="0">
+  <p:cSld>
+    <p:spTree>
+      <p:nvGrpSpPr>
+        <p:cNvPr id="165" name="Shape 165"/>
+        <p:cNvGrpSpPr/>
+        <p:nvPr/>
+      </p:nvGrpSpPr>
+      <p:grpSpPr>
+        <a:xfrm>
+          <a:off x="0" y="0"/>
+          <a:ext cx="0" cy="0"/>
+          <a:chOff x="0" y="0"/>
+          <a:chExt cx="0" cy="0"/>
+        </a:xfrm>
+      </p:grpSpPr>
+      <p:sp>
+        <p:nvSpPr>
           <p:cNvPr id="166" name="Shape 166"/>
+          <p:cNvSpPr/>
+          <p:nvPr>
+            <p:ph idx="2" type="sldImg"/>
+          </p:nvPr>
+        </p:nvSpPr>
+        <p:spPr>
+          <a:xfrm>
+            <a:off x="381300" y="685800"/>
+            <a:ext cx="6096000" cy="3429000"/>
+          </a:xfrm>
+          <a:custGeom>
+            <a:pathLst>
+              <a:path extrusionOk="0" h="120000" w="120000">
+                <a:moveTo>
+                  <a:pt x="0" y="0"/>
+                </a:moveTo>
+                <a:lnTo>
+                  <a:pt x="120000" y="0"/>
+                </a:lnTo>
+                <a:lnTo>
+                  <a:pt x="120000" y="120000"/>
+                </a:lnTo>
+                <a:lnTo>
+                  <a:pt x="0" y="120000"/>
+                </a:lnTo>
+                <a:close/>
+              </a:path>
+            </a:pathLst>
+          </a:custGeom>
+        </p:spPr>
+      </p:sp>
+      <p:sp>
+        <p:nvSpPr>
+          <p:cNvPr id="167" name="Shape 167"/>
           <p:cNvSpPr txBox="1"/>
           <p:nvPr>
             <p:ph idx="1" type="body"/>
@@ -8119,8 +8215,8 @@
         </p:nvSpPr>
         <p:spPr>
           <a:xfrm>
-            <a:off x="5078673" y="2715925"/>
-            <a:ext cx="3741600" cy="432900"/>
+            <a:off x="5078675" y="2715925"/>
+            <a:ext cx="3741600" cy="1189200"/>
           </a:xfrm>
           <a:prstGeom prst="rect">
             <a:avLst/>
@@ -8139,6 +8235,18 @@
               <a:buNone/>
             </a:pPr>
             <a:r>
+              <a:rPr lang="en" u="sng"/>
+              <a:t>Submitted By</a:t>
+            </a:r>
+          </a:p>
+          <a:p>
+            <a:pPr lvl="0">
+              <a:spcBef>
+                <a:spcPts val="0"/>
+              </a:spcBef>
+              <a:buNone/>
+            </a:pPr>
+            <a:r>
               <a:rPr lang="en"/>
               <a:t>Muhammed Huvais</a:t>
             </a:r>
@@ -8164,7 +8272,7 @@
             </a:pPr>
             <a:r>
               <a:rPr lang="en"/>
-              <a:t>Vyshak V</a:t>
+              <a:t>Vysakh V</a:t>
             </a:r>
           </a:p>
         </p:txBody>
@@ -8202,6 +8310,66 @@
               <a:rPr lang="en"/>
               <a:t>‹#›</a:t>
             </a:fld>
+          </a:p>
+        </p:txBody>
+      </p:sp>
+      <p:sp>
+        <p:nvSpPr>
+          <p:cNvPr id="88" name="Shape 88"/>
+          <p:cNvSpPr txBox="1"/>
+          <p:nvPr>
+            <p:ph idx="1" type="subTitle"/>
+          </p:nvPr>
+        </p:nvSpPr>
+        <p:spPr>
+          <a:xfrm>
+            <a:off x="399300" y="2715925"/>
+            <a:ext cx="3741600" cy="1189200"/>
+          </a:xfrm>
+          <a:prstGeom prst="rect">
+            <a:avLst/>
+          </a:prstGeom>
+        </p:spPr>
+        <p:txBody>
+          <a:bodyPr anchorCtr="0" anchor="t" bIns="91425" lIns="91425" rIns="91425" tIns="91425">
+            <a:noAutofit/>
+          </a:bodyPr>
+          <a:lstStyle/>
+          <a:p>
+            <a:pPr lvl="0">
+              <a:spcBef>
+                <a:spcPts val="0"/>
+              </a:spcBef>
+              <a:buNone/>
+            </a:pPr>
+            <a:r>
+              <a:rPr lang="en" u="sng"/>
+              <a:t>Guided By</a:t>
+            </a:r>
+          </a:p>
+          <a:p>
+            <a:pPr lvl="0">
+              <a:spcBef>
+                <a:spcPts val="0"/>
+              </a:spcBef>
+              <a:buNone/>
+            </a:pPr>
+            <a:r>
+              <a:rPr lang="en"/>
+              <a:t>Prof. Ansamma John</a:t>
+            </a:r>
+          </a:p>
+          <a:p>
+            <a:pPr lvl="0" rtl="0">
+              <a:spcBef>
+                <a:spcPts val="0"/>
+              </a:spcBef>
+              <a:buNone/>
+            </a:pPr>
+            <a:r>
+              <a:rPr lang="en"/>
+              <a:t>Prof. H A RahulNath</a:t>
+            </a:r>
           </a:p>
         </p:txBody>
       </p:sp>
@@ -8218,7 +8386,7 @@
   <p:cSld>
     <p:spTree>
       <p:nvGrpSpPr>
-        <p:cNvPr id="174" name="Shape 174"/>
+        <p:cNvPr id="175" name="Shape 175"/>
         <p:cNvGrpSpPr/>
         <p:nvPr/>
       </p:nvGrpSpPr>
@@ -8232,7 +8400,7 @@
       </p:grpSpPr>
       <p:sp>
         <p:nvSpPr>
-          <p:cNvPr id="175" name="Shape 175"/>
+          <p:cNvPr id="176" name="Shape 176"/>
           <p:cNvSpPr txBox="1"/>
           <p:nvPr>
             <p:ph type="title"/>
@@ -8268,7 +8436,7 @@
       </p:sp>
       <p:sp>
         <p:nvSpPr>
-          <p:cNvPr id="176" name="Shape 176"/>
+          <p:cNvPr id="177" name="Shape 177"/>
           <p:cNvSpPr txBox="1"/>
           <p:nvPr>
             <p:ph idx="1" type="body"/>
@@ -8362,7 +8530,7 @@
       </p:sp>
       <p:sp>
         <p:nvSpPr>
-          <p:cNvPr id="177" name="Shape 177"/>
+          <p:cNvPr id="178" name="Shape 178"/>
           <p:cNvSpPr txBox="1"/>
           <p:nvPr>
             <p:ph idx="12" type="sldNum"/>
@@ -8409,7 +8577,7 @@
   <p:cSld>
     <p:spTree>
       <p:nvGrpSpPr>
-        <p:cNvPr id="181" name="Shape 181"/>
+        <p:cNvPr id="182" name="Shape 182"/>
         <p:cNvGrpSpPr/>
         <p:nvPr/>
       </p:nvGrpSpPr>
@@ -8423,7 +8591,7 @@
       </p:grpSpPr>
       <p:sp>
         <p:nvSpPr>
-          <p:cNvPr id="182" name="Shape 182"/>
+          <p:cNvPr id="183" name="Shape 183"/>
           <p:cNvSpPr txBox="1"/>
           <p:nvPr>
             <p:ph type="title"/>
@@ -8467,7 +8635,7 @@
       </p:sp>
       <p:sp>
         <p:nvSpPr>
-          <p:cNvPr id="183" name="Shape 183"/>
+          <p:cNvPr id="184" name="Shape 184"/>
           <p:cNvSpPr txBox="1"/>
           <p:nvPr>
             <p:ph idx="1" type="body"/>
@@ -8561,7 +8729,7 @@
       </p:sp>
       <p:sp>
         <p:nvSpPr>
-          <p:cNvPr id="184" name="Shape 184"/>
+          <p:cNvPr id="185" name="Shape 185"/>
           <p:cNvSpPr txBox="1"/>
           <p:nvPr>
             <p:ph type="title"/>
@@ -8619,7 +8787,7 @@
       </p:sp>
       <p:sp>
         <p:nvSpPr>
-          <p:cNvPr id="185" name="Shape 185"/>
+          <p:cNvPr id="186" name="Shape 186"/>
           <p:cNvSpPr txBox="1"/>
           <p:nvPr>
             <p:ph idx="12" type="sldNum"/>
@@ -8666,7 +8834,7 @@
   <p:cSld>
     <p:spTree>
       <p:nvGrpSpPr>
-        <p:cNvPr id="189" name="Shape 189"/>
+        <p:cNvPr id="190" name="Shape 190"/>
         <p:cNvGrpSpPr/>
         <p:nvPr/>
       </p:nvGrpSpPr>
@@ -8680,7 +8848,7 @@
       </p:grpSpPr>
       <p:sp>
         <p:nvSpPr>
-          <p:cNvPr id="190" name="Shape 190"/>
+          <p:cNvPr id="191" name="Shape 191"/>
           <p:cNvSpPr txBox="1"/>
           <p:nvPr>
             <p:ph type="title"/>
@@ -8716,7 +8884,7 @@
       </p:sp>
       <p:sp>
         <p:nvSpPr>
-          <p:cNvPr id="191" name="Shape 191"/>
+          <p:cNvPr id="192" name="Shape 192"/>
           <p:cNvSpPr txBox="1"/>
           <p:nvPr>
             <p:ph idx="1" type="body"/>
@@ -8840,7 +9008,7 @@
       </p:sp>
       <p:sp>
         <p:nvSpPr>
-          <p:cNvPr id="192" name="Shape 192"/>
+          <p:cNvPr id="193" name="Shape 193"/>
           <p:cNvSpPr txBox="1"/>
           <p:nvPr>
             <p:ph idx="12" type="sldNum"/>
@@ -8887,7 +9055,7 @@
   <p:cSld>
     <p:spTree>
       <p:nvGrpSpPr>
-        <p:cNvPr id="196" name="Shape 196"/>
+        <p:cNvPr id="197" name="Shape 197"/>
         <p:cNvGrpSpPr/>
         <p:nvPr/>
       </p:nvGrpSpPr>
@@ -8901,7 +9069,7 @@
       </p:grpSpPr>
       <p:sp>
         <p:nvSpPr>
-          <p:cNvPr id="197" name="Shape 197"/>
+          <p:cNvPr id="198" name="Shape 198"/>
           <p:cNvSpPr txBox="1"/>
           <p:nvPr>
             <p:ph type="title"/>
@@ -8937,7 +9105,7 @@
       </p:sp>
       <p:sp>
         <p:nvSpPr>
-          <p:cNvPr id="198" name="Shape 198"/>
+          <p:cNvPr id="199" name="Shape 199"/>
           <p:cNvSpPr txBox="1"/>
           <p:nvPr>
             <p:ph idx="1" type="body"/>
@@ -9031,7 +9199,7 @@
       </p:sp>
       <p:sp>
         <p:nvSpPr>
-          <p:cNvPr id="199" name="Shape 199"/>
+          <p:cNvPr id="200" name="Shape 200"/>
           <p:cNvSpPr txBox="1"/>
           <p:nvPr>
             <p:ph type="title"/>
@@ -9071,7 +9239,7 @@
       </p:sp>
       <p:sp>
         <p:nvSpPr>
-          <p:cNvPr id="200" name="Shape 200"/>
+          <p:cNvPr id="201" name="Shape 201"/>
           <p:cNvSpPr txBox="1"/>
           <p:nvPr>
             <p:ph idx="12" type="sldNum"/>
@@ -9118,7 +9286,7 @@
   <p:cSld>
     <p:spTree>
       <p:nvGrpSpPr>
-        <p:cNvPr id="204" name="Shape 204"/>
+        <p:cNvPr id="205" name="Shape 205"/>
         <p:cNvGrpSpPr/>
         <p:nvPr/>
       </p:nvGrpSpPr>
@@ -9132,7 +9300,7 @@
       </p:grpSpPr>
       <p:sp>
         <p:nvSpPr>
-          <p:cNvPr id="205" name="Shape 205"/>
+          <p:cNvPr id="206" name="Shape 206"/>
           <p:cNvSpPr txBox="1"/>
           <p:nvPr>
             <p:ph type="title"/>
@@ -9180,7 +9348,7 @@
       </p:sp>
       <p:sp>
         <p:nvSpPr>
-          <p:cNvPr id="206" name="Shape 206"/>
+          <p:cNvPr id="207" name="Shape 207"/>
           <p:cNvSpPr txBox="1"/>
           <p:nvPr>
             <p:ph idx="1" type="body"/>
@@ -9249,7 +9417,7 @@
       </p:sp>
       <p:sp>
         <p:nvSpPr>
-          <p:cNvPr id="207" name="Shape 207"/>
+          <p:cNvPr id="208" name="Shape 208"/>
           <p:cNvSpPr txBox="1"/>
           <p:nvPr>
             <p:ph type="title"/>
@@ -9289,7 +9457,7 @@
       </p:sp>
       <p:sp>
         <p:nvSpPr>
-          <p:cNvPr id="208" name="Shape 208"/>
+          <p:cNvPr id="209" name="Shape 209"/>
           <p:cNvSpPr txBox="1"/>
           <p:nvPr>
             <p:ph idx="12" type="sldNum"/>
@@ -9336,7 +9504,7 @@
   <p:cSld>
     <p:spTree>
       <p:nvGrpSpPr>
-        <p:cNvPr id="212" name="Shape 212"/>
+        <p:cNvPr id="213" name="Shape 213"/>
         <p:cNvGrpSpPr/>
         <p:nvPr/>
       </p:nvGrpSpPr>
@@ -9350,7 +9518,7 @@
       </p:grpSpPr>
       <p:sp>
         <p:nvSpPr>
-          <p:cNvPr id="213" name="Shape 213"/>
+          <p:cNvPr id="214" name="Shape 214"/>
           <p:cNvSpPr txBox="1"/>
           <p:nvPr>
             <p:ph type="title"/>
@@ -9398,7 +9566,7 @@
       </p:sp>
       <p:sp>
         <p:nvSpPr>
-          <p:cNvPr id="214" name="Shape 214"/>
+          <p:cNvPr id="215" name="Shape 215"/>
           <p:cNvSpPr txBox="1"/>
           <p:nvPr>
             <p:ph idx="1" type="body"/>
@@ -9477,7 +9645,7 @@
       </p:sp>
       <p:sp>
         <p:nvSpPr>
-          <p:cNvPr id="215" name="Shape 215"/>
+          <p:cNvPr id="216" name="Shape 216"/>
           <p:cNvSpPr txBox="1"/>
           <p:nvPr>
             <p:ph type="title"/>
@@ -9517,7 +9685,7 @@
       </p:sp>
       <p:sp>
         <p:nvSpPr>
-          <p:cNvPr id="216" name="Shape 216"/>
+          <p:cNvPr id="217" name="Shape 217"/>
           <p:cNvSpPr txBox="1"/>
           <p:nvPr>
             <p:ph idx="12" type="sldNum"/>
@@ -9564,7 +9732,7 @@
   <p:cSld>
     <p:spTree>
       <p:nvGrpSpPr>
-        <p:cNvPr id="220" name="Shape 220"/>
+        <p:cNvPr id="221" name="Shape 221"/>
         <p:cNvGrpSpPr/>
         <p:nvPr/>
       </p:nvGrpSpPr>
@@ -9578,7 +9746,7 @@
       </p:grpSpPr>
       <p:sp>
         <p:nvSpPr>
-          <p:cNvPr id="221" name="Shape 221"/>
+          <p:cNvPr id="222" name="Shape 222"/>
           <p:cNvSpPr txBox="1"/>
           <p:nvPr>
             <p:ph type="title"/>
@@ -9614,7 +9782,7 @@
       </p:sp>
       <p:sp>
         <p:nvSpPr>
-          <p:cNvPr id="222" name="Shape 222"/>
+          <p:cNvPr id="223" name="Shape 223"/>
           <p:cNvSpPr txBox="1"/>
           <p:nvPr>
             <p:ph idx="1" type="body"/>
@@ -9786,7 +9954,7 @@
       </p:sp>
       <p:sp>
         <p:nvSpPr>
-          <p:cNvPr id="223" name="Shape 223"/>
+          <p:cNvPr id="224" name="Shape 224"/>
           <p:cNvSpPr txBox="1"/>
           <p:nvPr>
             <p:ph idx="12" type="sldNum"/>
@@ -9833,7 +10001,7 @@
   <p:cSld>
     <p:spTree>
       <p:nvGrpSpPr>
-        <p:cNvPr id="227" name="Shape 227"/>
+        <p:cNvPr id="228" name="Shape 228"/>
         <p:cNvGrpSpPr/>
         <p:nvPr/>
       </p:nvGrpSpPr>
@@ -9847,7 +10015,7 @@
       </p:grpSpPr>
       <p:sp>
         <p:nvSpPr>
-          <p:cNvPr id="228" name="Shape 228"/>
+          <p:cNvPr id="229" name="Shape 229"/>
           <p:cNvSpPr txBox="1"/>
           <p:nvPr>
             <p:ph type="title"/>
@@ -9883,7 +10051,7 @@
       </p:sp>
       <p:sp>
         <p:nvSpPr>
-          <p:cNvPr id="229" name="Shape 229"/>
+          <p:cNvPr id="230" name="Shape 230"/>
           <p:cNvSpPr txBox="1"/>
           <p:nvPr>
             <p:ph idx="1" type="body"/>
@@ -10042,7 +10210,7 @@
       </p:sp>
       <p:sp>
         <p:nvSpPr>
-          <p:cNvPr id="230" name="Shape 230"/>
+          <p:cNvPr id="231" name="Shape 231"/>
           <p:cNvSpPr txBox="1"/>
           <p:nvPr>
             <p:ph idx="12" type="sldNum"/>
@@ -10089,7 +10257,7 @@
   <p:cSld>
     <p:spTree>
       <p:nvGrpSpPr>
-        <p:cNvPr id="234" name="Shape 234"/>
+        <p:cNvPr id="235" name="Shape 235"/>
         <p:cNvGrpSpPr/>
         <p:nvPr/>
       </p:nvGrpSpPr>
@@ -10103,7 +10271,7 @@
       </p:grpSpPr>
       <p:sp>
         <p:nvSpPr>
-          <p:cNvPr id="235" name="Shape 235"/>
+          <p:cNvPr id="236" name="Shape 236"/>
           <p:cNvSpPr txBox="1"/>
           <p:nvPr>
             <p:ph type="title"/>
@@ -10139,7 +10307,7 @@
       </p:sp>
       <p:sp>
         <p:nvSpPr>
-          <p:cNvPr id="236" name="Shape 236"/>
+          <p:cNvPr id="237" name="Shape 237"/>
           <p:cNvSpPr txBox="1"/>
           <p:nvPr>
             <p:ph idx="1" type="body"/>
@@ -10273,7 +10441,7 @@
       </p:sp>
       <p:sp>
         <p:nvSpPr>
-          <p:cNvPr id="237" name="Shape 237"/>
+          <p:cNvPr id="238" name="Shape 238"/>
           <p:cNvSpPr txBox="1"/>
           <p:nvPr>
             <p:ph idx="12" type="sldNum"/>
@@ -10320,7 +10488,7 @@
   <p:cSld>
     <p:spTree>
       <p:nvGrpSpPr>
-        <p:cNvPr id="241" name="Shape 241"/>
+        <p:cNvPr id="242" name="Shape 242"/>
         <p:cNvGrpSpPr/>
         <p:nvPr/>
       </p:nvGrpSpPr>
@@ -10334,7 +10502,7 @@
       </p:grpSpPr>
       <p:sp>
         <p:nvSpPr>
-          <p:cNvPr id="242" name="Shape 242"/>
+          <p:cNvPr id="243" name="Shape 243"/>
           <p:cNvSpPr txBox="1"/>
           <p:nvPr>
             <p:ph type="title"/>
@@ -10370,7 +10538,7 @@
       </p:sp>
       <p:sp>
         <p:nvSpPr>
-          <p:cNvPr id="243" name="Shape 243"/>
+          <p:cNvPr id="244" name="Shape 244"/>
           <p:cNvSpPr txBox="1"/>
           <p:nvPr>
             <p:ph idx="1" type="body"/>
@@ -10500,7 +10668,7 @@
       </p:sp>
       <p:sp>
         <p:nvSpPr>
-          <p:cNvPr id="244" name="Shape 244"/>
+          <p:cNvPr id="245" name="Shape 245"/>
           <p:cNvSpPr txBox="1"/>
           <p:nvPr>
             <p:ph idx="12" type="sldNum"/>
@@ -10547,7 +10715,7 @@
   <p:cSld>
     <p:spTree>
       <p:nvGrpSpPr>
-        <p:cNvPr id="91" name="Shape 91"/>
+        <p:cNvPr id="92" name="Shape 92"/>
         <p:cNvGrpSpPr/>
         <p:nvPr/>
       </p:nvGrpSpPr>
@@ -10561,7 +10729,7 @@
       </p:grpSpPr>
       <p:sp>
         <p:nvSpPr>
-          <p:cNvPr id="92" name="Shape 92"/>
+          <p:cNvPr id="93" name="Shape 93"/>
           <p:cNvSpPr txBox="1"/>
           <p:nvPr>
             <p:ph type="title"/>
@@ -10597,7 +10765,7 @@
       </p:sp>
       <p:sp>
         <p:nvSpPr>
-          <p:cNvPr id="93" name="Shape 93"/>
+          <p:cNvPr id="94" name="Shape 94"/>
           <p:cNvSpPr txBox="1"/>
           <p:nvPr>
             <p:ph idx="1" type="body"/>
@@ -10606,7 +10774,7 @@
         <p:spPr>
           <a:xfrm>
             <a:off x="311700" y="694725"/>
-            <a:ext cx="8520600" cy="4122900"/>
+            <a:ext cx="8520600" cy="4350000"/>
           </a:xfrm>
           <a:prstGeom prst="rect">
             <a:avLst/>
@@ -10758,7 +10926,7 @@
             </a:pPr>
             <a:r>
               <a:rPr lang="en" sz="1400"/>
-              <a:t>Limitations</a:t>
+              <a:t>Objective Achieved</a:t>
             </a:r>
           </a:p>
           <a:p>
@@ -10774,7 +10942,7 @@
             </a:pPr>
             <a:r>
               <a:rPr lang="en" sz="1400"/>
-              <a:t>Conclusion</a:t>
+              <a:t>Limitations</a:t>
             </a:r>
           </a:p>
           <a:p>
@@ -10790,7 +10958,7 @@
             </a:pPr>
             <a:r>
               <a:rPr lang="en" sz="1400"/>
-              <a:t>Future Work</a:t>
+              <a:t>Conclusion</a:t>
             </a:r>
           </a:p>
           <a:p>
@@ -10806,6 +10974,22 @@
             </a:pPr>
             <a:r>
               <a:rPr lang="en" sz="1400"/>
+              <a:t>Future Work</a:t>
+            </a:r>
+          </a:p>
+          <a:p>
+            <a:pPr indent="-317500" lvl="0" marL="457200" rtl="0">
+              <a:lnSpc>
+                <a:spcPct val="150000"/>
+              </a:lnSpc>
+              <a:spcBef>
+                <a:spcPts val="0"/>
+              </a:spcBef>
+              <a:buSzPct val="100000"/>
+              <a:buChar char="➢"/>
+            </a:pPr>
+            <a:r>
+              <a:rPr lang="en" sz="1400"/>
               <a:t>References</a:t>
             </a:r>
           </a:p>
@@ -10813,7 +10997,7 @@
       </p:sp>
       <p:sp>
         <p:nvSpPr>
-          <p:cNvPr id="94" name="Shape 94"/>
+          <p:cNvPr id="95" name="Shape 95"/>
           <p:cNvSpPr txBox="1"/>
           <p:nvPr>
             <p:ph idx="12" type="sldNum"/>
@@ -10860,7 +11044,7 @@
   <p:cSld>
     <p:spTree>
       <p:nvGrpSpPr>
-        <p:cNvPr id="248" name="Shape 248"/>
+        <p:cNvPr id="249" name="Shape 249"/>
         <p:cNvGrpSpPr/>
         <p:nvPr/>
       </p:nvGrpSpPr>
@@ -10874,7 +11058,7 @@
       </p:grpSpPr>
       <p:sp>
         <p:nvSpPr>
-          <p:cNvPr id="249" name="Shape 249"/>
+          <p:cNvPr id="250" name="Shape 250"/>
           <p:cNvSpPr txBox="1"/>
           <p:nvPr>
             <p:ph type="title"/>
@@ -10910,7 +11094,7 @@
       </p:sp>
       <p:sp>
         <p:nvSpPr>
-          <p:cNvPr id="250" name="Shape 250"/>
+          <p:cNvPr id="251" name="Shape 251"/>
           <p:cNvSpPr txBox="1"/>
           <p:nvPr>
             <p:ph idx="1" type="body"/>
@@ -11027,7 +11211,7 @@
       </p:sp>
       <p:sp>
         <p:nvSpPr>
-          <p:cNvPr id="251" name="Shape 251"/>
+          <p:cNvPr id="252" name="Shape 252"/>
           <p:cNvSpPr txBox="1"/>
           <p:nvPr>
             <p:ph idx="12" type="sldNum"/>
@@ -11074,7 +11258,7 @@
   <p:cSld>
     <p:spTree>
       <p:nvGrpSpPr>
-        <p:cNvPr id="255" name="Shape 255"/>
+        <p:cNvPr id="256" name="Shape 256"/>
         <p:cNvGrpSpPr/>
         <p:nvPr/>
       </p:nvGrpSpPr>
@@ -11088,7 +11272,7 @@
       </p:grpSpPr>
       <p:sp>
         <p:nvSpPr>
-          <p:cNvPr id="256" name="Shape 256"/>
+          <p:cNvPr id="257" name="Shape 257"/>
           <p:cNvSpPr txBox="1"/>
           <p:nvPr>
             <p:ph type="title"/>
@@ -11124,7 +11308,7 @@
       </p:sp>
       <p:sp>
         <p:nvSpPr>
-          <p:cNvPr id="257" name="Shape 257"/>
+          <p:cNvPr id="258" name="Shape 258"/>
           <p:cNvSpPr txBox="1"/>
           <p:nvPr>
             <p:ph idx="1" type="body"/>
@@ -11190,7 +11374,7 @@
       </p:sp>
       <p:sp>
         <p:nvSpPr>
-          <p:cNvPr id="258" name="Shape 258"/>
+          <p:cNvPr id="259" name="Shape 259"/>
           <p:cNvSpPr txBox="1"/>
           <p:nvPr>
             <p:ph idx="12" type="sldNum"/>
@@ -11237,7 +11421,7 @@
   <p:cSld>
     <p:spTree>
       <p:nvGrpSpPr>
-        <p:cNvPr id="262" name="Shape 262"/>
+        <p:cNvPr id="263" name="Shape 263"/>
         <p:cNvGrpSpPr/>
         <p:nvPr/>
       </p:nvGrpSpPr>
@@ -11251,7 +11435,7 @@
       </p:grpSpPr>
       <p:sp>
         <p:nvSpPr>
-          <p:cNvPr id="263" name="Shape 263"/>
+          <p:cNvPr id="264" name="Shape 264"/>
           <p:cNvSpPr txBox="1"/>
           <p:nvPr>
             <p:ph type="title"/>
@@ -11287,7 +11471,7 @@
       </p:sp>
       <p:sp>
         <p:nvSpPr>
-          <p:cNvPr id="264" name="Shape 264"/>
+          <p:cNvPr id="265" name="Shape 265"/>
           <p:cNvSpPr txBox="1"/>
           <p:nvPr>
             <p:ph idx="1" type="body"/>
@@ -11323,7 +11507,7 @@
       </p:sp>
       <p:sp>
         <p:nvSpPr>
-          <p:cNvPr id="265" name="Shape 265"/>
+          <p:cNvPr id="266" name="Shape 266"/>
           <p:cNvSpPr txBox="1"/>
           <p:nvPr>
             <p:ph idx="1" type="body"/>
@@ -11359,7 +11543,7 @@
       </p:sp>
       <p:sp>
         <p:nvSpPr>
-          <p:cNvPr id="266" name="Shape 266"/>
+          <p:cNvPr id="267" name="Shape 267"/>
           <p:cNvSpPr txBox="1"/>
           <p:nvPr>
             <p:ph type="title"/>
@@ -11399,7 +11583,7 @@
       </p:sp>
       <p:pic>
         <p:nvPicPr>
-          <p:cNvPr descr="nb_uni_lex.png" id="267" name="Shape 267"/>
+          <p:cNvPr descr="nb_uni_lex.png" id="268" name="Shape 268"/>
           <p:cNvPicPr preferRelativeResize="0"/>
           <p:nvPr/>
         </p:nvPicPr>
@@ -11427,7 +11611,7 @@
       </p:pic>
       <p:pic>
         <p:nvPicPr>
-          <p:cNvPr descr="nb_uni_nb.png" id="268" name="Shape 268"/>
+          <p:cNvPr descr="nb_uni_nb.png" id="269" name="Shape 269"/>
           <p:cNvPicPr preferRelativeResize="0"/>
           <p:nvPr/>
         </p:nvPicPr>
@@ -11455,7 +11639,7 @@
       </p:pic>
       <p:sp>
         <p:nvSpPr>
-          <p:cNvPr id="269" name="Shape 269"/>
+          <p:cNvPr id="270" name="Shape 270"/>
           <p:cNvSpPr txBox="1"/>
           <p:nvPr>
             <p:ph idx="12" type="sldNum"/>
@@ -11502,7 +11686,7 @@
   <p:cSld>
     <p:spTree>
       <p:nvGrpSpPr>
-        <p:cNvPr id="273" name="Shape 273"/>
+        <p:cNvPr id="274" name="Shape 274"/>
         <p:cNvGrpSpPr/>
         <p:nvPr/>
       </p:nvGrpSpPr>
@@ -11516,7 +11700,7 @@
       </p:grpSpPr>
       <p:sp>
         <p:nvSpPr>
-          <p:cNvPr id="274" name="Shape 274"/>
+          <p:cNvPr id="275" name="Shape 275"/>
           <p:cNvSpPr txBox="1"/>
           <p:nvPr>
             <p:ph type="title"/>
@@ -11552,7 +11736,7 @@
       </p:sp>
       <p:sp>
         <p:nvSpPr>
-          <p:cNvPr id="275" name="Shape 275"/>
+          <p:cNvPr id="276" name="Shape 276"/>
           <p:cNvSpPr txBox="1"/>
           <p:nvPr>
             <p:ph idx="1" type="body"/>
@@ -11588,7 +11772,7 @@
       </p:sp>
       <p:sp>
         <p:nvSpPr>
-          <p:cNvPr id="276" name="Shape 276"/>
+          <p:cNvPr id="277" name="Shape 277"/>
           <p:cNvSpPr txBox="1"/>
           <p:nvPr>
             <p:ph idx="1" type="body"/>
@@ -11624,7 +11808,7 @@
       </p:sp>
       <p:sp>
         <p:nvSpPr>
-          <p:cNvPr id="277" name="Shape 277"/>
+          <p:cNvPr id="278" name="Shape 278"/>
           <p:cNvSpPr txBox="1"/>
           <p:nvPr>
             <p:ph type="title"/>
@@ -11664,7 +11848,7 @@
       </p:sp>
       <p:pic>
         <p:nvPicPr>
-          <p:cNvPr descr="nb_bi_nb.png" id="278" name="Shape 278"/>
+          <p:cNvPr descr="nb_bi_nb.png" id="279" name="Shape 279"/>
           <p:cNvPicPr preferRelativeResize="0"/>
           <p:nvPr/>
         </p:nvPicPr>
@@ -11692,7 +11876,7 @@
       </p:pic>
       <p:pic>
         <p:nvPicPr>
-          <p:cNvPr descr="nb_bi_lex.png" id="279" name="Shape 279"/>
+          <p:cNvPr descr="nb_bi_lex.png" id="280" name="Shape 280"/>
           <p:cNvPicPr preferRelativeResize="0"/>
           <p:nvPr/>
         </p:nvPicPr>
@@ -11720,7 +11904,7 @@
       </p:pic>
       <p:sp>
         <p:nvSpPr>
-          <p:cNvPr id="280" name="Shape 280"/>
+          <p:cNvPr id="281" name="Shape 281"/>
           <p:cNvSpPr txBox="1"/>
           <p:nvPr>
             <p:ph idx="12" type="sldNum"/>
@@ -11767,7 +11951,7 @@
   <p:cSld>
     <p:spTree>
       <p:nvGrpSpPr>
-        <p:cNvPr id="284" name="Shape 284"/>
+        <p:cNvPr id="285" name="Shape 285"/>
         <p:cNvGrpSpPr/>
         <p:nvPr/>
       </p:nvGrpSpPr>
@@ -11781,7 +11965,7 @@
       </p:grpSpPr>
       <p:sp>
         <p:nvSpPr>
-          <p:cNvPr id="285" name="Shape 285"/>
+          <p:cNvPr id="286" name="Shape 286"/>
           <p:cNvSpPr txBox="1"/>
           <p:nvPr>
             <p:ph type="title"/>
@@ -11817,7 +12001,7 @@
       </p:sp>
       <p:sp>
         <p:nvSpPr>
-          <p:cNvPr id="286" name="Shape 286"/>
+          <p:cNvPr id="287" name="Shape 287"/>
           <p:cNvSpPr txBox="1"/>
           <p:nvPr>
             <p:ph idx="1" type="body"/>
@@ -11853,7 +12037,7 @@
       </p:sp>
       <p:sp>
         <p:nvSpPr>
-          <p:cNvPr id="287" name="Shape 287"/>
+          <p:cNvPr id="288" name="Shape 288"/>
           <p:cNvSpPr txBox="1"/>
           <p:nvPr>
             <p:ph idx="1" type="body"/>
@@ -11889,7 +12073,7 @@
       </p:sp>
       <p:sp>
         <p:nvSpPr>
-          <p:cNvPr id="288" name="Shape 288"/>
+          <p:cNvPr id="289" name="Shape 289"/>
           <p:cNvSpPr txBox="1"/>
           <p:nvPr>
             <p:ph type="title"/>
@@ -11933,7 +12117,7 @@
       </p:sp>
       <p:pic>
         <p:nvPicPr>
-          <p:cNvPr descr="svc_uni_lex.png" id="289" name="Shape 289"/>
+          <p:cNvPr descr="svc_uni_lex.png" id="290" name="Shape 290"/>
           <p:cNvPicPr preferRelativeResize="0"/>
           <p:nvPr/>
         </p:nvPicPr>
@@ -11961,7 +12145,7 @@
       </p:pic>
       <p:pic>
         <p:nvPicPr>
-          <p:cNvPr descr="svc_uni_nb.png" id="290" name="Shape 290"/>
+          <p:cNvPr descr="svc_uni_nb.png" id="291" name="Shape 291"/>
           <p:cNvPicPr preferRelativeResize="0"/>
           <p:nvPr/>
         </p:nvPicPr>
@@ -11989,7 +12173,7 @@
       </p:pic>
       <p:sp>
         <p:nvSpPr>
-          <p:cNvPr id="291" name="Shape 291"/>
+          <p:cNvPr id="292" name="Shape 292"/>
           <p:cNvSpPr txBox="1"/>
           <p:nvPr>
             <p:ph idx="12" type="sldNum"/>
@@ -12036,7 +12220,7 @@
   <p:cSld>
     <p:spTree>
       <p:nvGrpSpPr>
-        <p:cNvPr id="295" name="Shape 295"/>
+        <p:cNvPr id="296" name="Shape 296"/>
         <p:cNvGrpSpPr/>
         <p:nvPr/>
       </p:nvGrpSpPr>
@@ -12050,7 +12234,7 @@
       </p:grpSpPr>
       <p:sp>
         <p:nvSpPr>
-          <p:cNvPr id="296" name="Shape 296"/>
+          <p:cNvPr id="297" name="Shape 297"/>
           <p:cNvSpPr txBox="1"/>
           <p:nvPr>
             <p:ph type="title"/>
@@ -12086,7 +12270,7 @@
       </p:sp>
       <p:sp>
         <p:nvSpPr>
-          <p:cNvPr id="297" name="Shape 297"/>
+          <p:cNvPr id="298" name="Shape 298"/>
           <p:cNvSpPr txBox="1"/>
           <p:nvPr>
             <p:ph idx="1" type="body"/>
@@ -12122,7 +12306,7 @@
       </p:sp>
       <p:sp>
         <p:nvSpPr>
-          <p:cNvPr id="298" name="Shape 298"/>
+          <p:cNvPr id="299" name="Shape 299"/>
           <p:cNvSpPr txBox="1"/>
           <p:nvPr>
             <p:ph idx="1" type="body"/>
@@ -12158,7 +12342,7 @@
       </p:sp>
       <p:sp>
         <p:nvSpPr>
-          <p:cNvPr id="299" name="Shape 299"/>
+          <p:cNvPr id="300" name="Shape 300"/>
           <p:cNvSpPr txBox="1"/>
           <p:nvPr>
             <p:ph type="title"/>
@@ -12198,7 +12382,7 @@
       </p:sp>
       <p:pic>
         <p:nvPicPr>
-          <p:cNvPr descr="svc_bi_lex.png" id="300" name="Shape 300"/>
+          <p:cNvPr descr="svc_bi_lex.png" id="301" name="Shape 301"/>
           <p:cNvPicPr preferRelativeResize="0"/>
           <p:nvPr/>
         </p:nvPicPr>
@@ -12226,7 +12410,7 @@
       </p:pic>
       <p:pic>
         <p:nvPicPr>
-          <p:cNvPr descr="svc_bi_nb.png" id="301" name="Shape 301"/>
+          <p:cNvPr descr="svc_bi_nb.png" id="302" name="Shape 302"/>
           <p:cNvPicPr preferRelativeResize="0"/>
           <p:nvPr/>
         </p:nvPicPr>
@@ -12254,7 +12438,7 @@
       </p:pic>
       <p:sp>
         <p:nvSpPr>
-          <p:cNvPr id="302" name="Shape 302"/>
+          <p:cNvPr id="303" name="Shape 303"/>
           <p:cNvSpPr txBox="1"/>
           <p:nvPr>
             <p:ph idx="12" type="sldNum"/>
@@ -12301,7 +12485,7 @@
   <p:cSld>
     <p:spTree>
       <p:nvGrpSpPr>
-        <p:cNvPr id="306" name="Shape 306"/>
+        <p:cNvPr id="307" name="Shape 307"/>
         <p:cNvGrpSpPr/>
         <p:nvPr/>
       </p:nvGrpSpPr>
@@ -12315,7 +12499,7 @@
       </p:grpSpPr>
       <p:sp>
         <p:nvSpPr>
-          <p:cNvPr id="307" name="Shape 307"/>
+          <p:cNvPr id="308" name="Shape 308"/>
           <p:cNvSpPr txBox="1"/>
           <p:nvPr>
             <p:ph type="title"/>
@@ -12344,14 +12528,26 @@
             </a:pPr>
             <a:r>
               <a:rPr lang="en"/>
-              <a:t>Limitations	</a:t>
-            </a:r>
-          </a:p>
-        </p:txBody>
-      </p:sp>
-      <p:sp>
-        <p:nvSpPr>
-          <p:cNvPr id="308" name="Shape 308"/>
+              <a:t>Objective Achieved </a:t>
+            </a:r>
+          </a:p>
+          <a:p>
+            <a:pPr lvl="0">
+              <a:spcBef>
+                <a:spcPts val="0"/>
+              </a:spcBef>
+              <a:buNone/>
+            </a:pPr>
+            <a:r>
+              <a:t/>
+            </a:r>
+            <a:endParaRPr/>
+          </a:p>
+        </p:txBody>
+      </p:sp>
+      <p:sp>
+        <p:nvSpPr>
+          <p:cNvPr id="309" name="Shape 309"/>
           <p:cNvSpPr txBox="1"/>
           <p:nvPr>
             <p:ph idx="1" type="body"/>
@@ -12379,7 +12575,7 @@
             </a:pPr>
             <a:r>
               <a:rPr lang="en"/>
-              <a:t>Since the dataset is large, training process is slow and requires more memory</a:t>
+              <a:t>Implemented aspect classification using Lexical and NaiveBayes approach.</a:t>
             </a:r>
           </a:p>
           <a:p>
@@ -12390,33 +12586,26 @@
             </a:pPr>
             <a:r>
               <a:rPr lang="en"/>
-              <a:t>The number of  sentences </a:t>
-            </a:r>
-            <a:r>
-              <a:rPr lang="en"/>
-              <a:t>for each labels</a:t>
-            </a:r>
-            <a:r>
-              <a:rPr lang="en"/>
-              <a:t> is non-uniform</a:t>
-            </a:r>
-          </a:p>
-          <a:p>
-            <a:pPr indent="-228600" lvl="0" marL="457200">
-              <a:spcBef>
-                <a:spcPts val="0"/>
-              </a:spcBef>
-            </a:pPr>
-            <a:r>
-              <a:rPr lang="en"/>
-              <a:t>Executing all reviews of a company for computing result is taking more time  </a:t>
-            </a:r>
-          </a:p>
-        </p:txBody>
-      </p:sp>
-      <p:sp>
-        <p:nvSpPr>
-          <p:cNvPr id="309" name="Shape 309"/>
+              <a:t>Implemented sentiment classification using NaiveBayes and SVC.</a:t>
+            </a:r>
+          </a:p>
+          <a:p>
+            <a:pPr lvl="0">
+              <a:spcBef>
+                <a:spcPts val="0"/>
+              </a:spcBef>
+              <a:buNone/>
+            </a:pPr>
+            <a:r>
+              <a:t/>
+            </a:r>
+            <a:endParaRPr/>
+          </a:p>
+        </p:txBody>
+      </p:sp>
+      <p:sp>
+        <p:nvSpPr>
+          <p:cNvPr id="310" name="Shape 310"/>
           <p:cNvSpPr txBox="1"/>
           <p:nvPr>
             <p:ph idx="12" type="sldNum"/>
@@ -12463,7 +12652,7 @@
   <p:cSld>
     <p:spTree>
       <p:nvGrpSpPr>
-        <p:cNvPr id="313" name="Shape 313"/>
+        <p:cNvPr id="314" name="Shape 314"/>
         <p:cNvGrpSpPr/>
         <p:nvPr/>
       </p:nvGrpSpPr>
@@ -12477,7 +12666,7 @@
       </p:grpSpPr>
       <p:sp>
         <p:nvSpPr>
-          <p:cNvPr id="314" name="Shape 314"/>
+          <p:cNvPr id="315" name="Shape 315"/>
           <p:cNvSpPr txBox="1"/>
           <p:nvPr>
             <p:ph type="title"/>
@@ -12506,14 +12695,14 @@
             </a:pPr>
             <a:r>
               <a:rPr lang="en"/>
-              <a:t>Conclusion</a:t>
-            </a:r>
-          </a:p>
-        </p:txBody>
-      </p:sp>
-      <p:sp>
-        <p:nvSpPr>
-          <p:cNvPr id="315" name="Shape 315"/>
+              <a:t>Limitations	</a:t>
+            </a:r>
+          </a:p>
+        </p:txBody>
+      </p:sp>
+      <p:sp>
+        <p:nvSpPr>
+          <p:cNvPr id="316" name="Shape 316"/>
           <p:cNvSpPr txBox="1"/>
           <p:nvPr>
             <p:ph idx="1" type="body"/>
@@ -12541,7 +12730,7 @@
             </a:pPr>
             <a:r>
               <a:rPr lang="en"/>
-              <a:t>This project has trained multiple models with different set of features.</a:t>
+              <a:t>Since the dataset is large, training process is slow and requires more memory</a:t>
             </a:r>
           </a:p>
           <a:p>
@@ -12552,48 +12741,33 @@
             </a:pPr>
             <a:r>
               <a:rPr lang="en"/>
-              <a:t>Implemented and analysed all models based on reviews of a company.</a:t>
-            </a:r>
-          </a:p>
-          <a:p>
-            <a:pPr indent="-228600" lvl="0" marL="457200" rtl="0">
-              <a:spcBef>
-                <a:spcPts val="0"/>
-              </a:spcBef>
-            </a:pPr>
-            <a:r>
-              <a:rPr lang="en"/>
-              <a:t>Two machine learning algorithms have been implemented using unigram and bigrams as features</a:t>
-            </a:r>
-          </a:p>
-          <a:p>
-            <a:pPr indent="-228600" lvl="0" marL="457200" rtl="0">
-              <a:spcBef>
-                <a:spcPts val="0"/>
-              </a:spcBef>
-            </a:pPr>
-            <a:r>
-              <a:rPr lang="en"/>
-              <a:t>Aspects have been analysed using Naive Bayes and Lexical approach.</a:t>
-            </a:r>
-          </a:p>
-          <a:p>
-            <a:pPr lvl="0">
-              <a:spcBef>
-                <a:spcPts val="0"/>
-              </a:spcBef>
-              <a:buNone/>
-            </a:pPr>
-            <a:r>
-              <a:t/>
-            </a:r>
-            <a:endParaRPr/>
-          </a:p>
-        </p:txBody>
-      </p:sp>
-      <p:sp>
-        <p:nvSpPr>
-          <p:cNvPr id="316" name="Shape 316"/>
+              <a:t>The number of  sentences </a:t>
+            </a:r>
+            <a:r>
+              <a:rPr lang="en"/>
+              <a:t>for each labels</a:t>
+            </a:r>
+            <a:r>
+              <a:rPr lang="en"/>
+              <a:t> is non-uniform</a:t>
+            </a:r>
+          </a:p>
+          <a:p>
+            <a:pPr indent="-228600" lvl="0" marL="457200">
+              <a:spcBef>
+                <a:spcPts val="0"/>
+              </a:spcBef>
+            </a:pPr>
+            <a:r>
+              <a:rPr lang="en"/>
+              <a:t>Executing all reviews of a company for computing result is taking more time  </a:t>
+            </a:r>
+          </a:p>
+        </p:txBody>
+      </p:sp>
+      <p:sp>
+        <p:nvSpPr>
+          <p:cNvPr id="317" name="Shape 317"/>
           <p:cNvSpPr txBox="1"/>
           <p:nvPr>
             <p:ph idx="12" type="sldNum"/>
@@ -12640,7 +12814,7 @@
   <p:cSld>
     <p:spTree>
       <p:nvGrpSpPr>
-        <p:cNvPr id="320" name="Shape 320"/>
+        <p:cNvPr id="321" name="Shape 321"/>
         <p:cNvGrpSpPr/>
         <p:nvPr/>
       </p:nvGrpSpPr>
@@ -12654,7 +12828,7 @@
       </p:grpSpPr>
       <p:sp>
         <p:nvSpPr>
-          <p:cNvPr id="321" name="Shape 321"/>
+          <p:cNvPr id="322" name="Shape 322"/>
           <p:cNvSpPr txBox="1"/>
           <p:nvPr>
             <p:ph type="title"/>
@@ -12683,14 +12857,14 @@
             </a:pPr>
             <a:r>
               <a:rPr lang="en"/>
-              <a:t>Future Work</a:t>
-            </a:r>
-          </a:p>
-        </p:txBody>
-      </p:sp>
-      <p:sp>
-        <p:nvSpPr>
-          <p:cNvPr id="322" name="Shape 322"/>
+              <a:t>Conclusion</a:t>
+            </a:r>
+          </a:p>
+        </p:txBody>
+      </p:sp>
+      <p:sp>
+        <p:nvSpPr>
+          <p:cNvPr id="323" name="Shape 323"/>
           <p:cNvSpPr txBox="1"/>
           <p:nvPr>
             <p:ph idx="1" type="body"/>
@@ -12718,7 +12892,7 @@
             </a:pPr>
             <a:r>
               <a:rPr lang="en"/>
-              <a:t>To implement an algorithm which also considers the sequence of words.</a:t>
+              <a:t>This project has trained multiple models with different set of features.</a:t>
             </a:r>
           </a:p>
           <a:p>
@@ -12729,25 +12903,48 @@
             </a:pPr>
             <a:r>
               <a:rPr lang="en"/>
-              <a:t>To fetch reviews of a company and compute polarity for each aspect using a user interface.</a:t>
-            </a:r>
-          </a:p>
-          <a:p>
-            <a:pPr indent="-228600" lvl="0" marL="457200">
-              <a:spcBef>
-                <a:spcPts val="0"/>
-              </a:spcBef>
-            </a:pPr>
-            <a:r>
-              <a:rPr lang="en"/>
-              <a:t> Analysing individual sentence to make dataset more accurate</a:t>
-            </a:r>
-          </a:p>
-        </p:txBody>
-      </p:sp>
-      <p:sp>
-        <p:nvSpPr>
-          <p:cNvPr id="323" name="Shape 323"/>
+              <a:t>Implemented and analysed all models based on reviews of a company.</a:t>
+            </a:r>
+          </a:p>
+          <a:p>
+            <a:pPr indent="-228600" lvl="0" marL="457200" rtl="0">
+              <a:spcBef>
+                <a:spcPts val="0"/>
+              </a:spcBef>
+            </a:pPr>
+            <a:r>
+              <a:rPr lang="en"/>
+              <a:t>Two machine learning algorithms have been implemented using unigram and bigrams as features</a:t>
+            </a:r>
+          </a:p>
+          <a:p>
+            <a:pPr indent="-228600" lvl="0" marL="457200" rtl="0">
+              <a:spcBef>
+                <a:spcPts val="0"/>
+              </a:spcBef>
+            </a:pPr>
+            <a:r>
+              <a:rPr lang="en"/>
+              <a:t>Aspects have been analysed using Naive Bayes and Lexical approach.</a:t>
+            </a:r>
+          </a:p>
+          <a:p>
+            <a:pPr lvl="0">
+              <a:spcBef>
+                <a:spcPts val="0"/>
+              </a:spcBef>
+              <a:buNone/>
+            </a:pPr>
+            <a:r>
+              <a:t/>
+            </a:r>
+            <a:endParaRPr/>
+          </a:p>
+        </p:txBody>
+      </p:sp>
+      <p:sp>
+        <p:nvSpPr>
+          <p:cNvPr id="324" name="Shape 324"/>
           <p:cNvSpPr txBox="1"/>
           <p:nvPr>
             <p:ph idx="12" type="sldNum"/>
@@ -12794,7 +12991,7 @@
   <p:cSld>
     <p:spTree>
       <p:nvGrpSpPr>
-        <p:cNvPr id="327" name="Shape 327"/>
+        <p:cNvPr id="328" name="Shape 328"/>
         <p:cNvGrpSpPr/>
         <p:nvPr/>
       </p:nvGrpSpPr>
@@ -12808,7 +13005,7 @@
       </p:grpSpPr>
       <p:sp>
         <p:nvSpPr>
-          <p:cNvPr id="328" name="Shape 328"/>
+          <p:cNvPr id="329" name="Shape 329"/>
           <p:cNvSpPr txBox="1"/>
           <p:nvPr>
             <p:ph type="title"/>
@@ -12837,14 +13034,14 @@
             </a:pPr>
             <a:r>
               <a:rPr lang="en"/>
-              <a:t>References</a:t>
-            </a:r>
-          </a:p>
-        </p:txBody>
-      </p:sp>
-      <p:sp>
-        <p:nvSpPr>
-          <p:cNvPr id="329" name="Shape 329"/>
+              <a:t>Future Work</a:t>
+            </a:r>
+          </a:p>
+        </p:txBody>
+      </p:sp>
+      <p:sp>
+        <p:nvSpPr>
+          <p:cNvPr id="330" name="Shape 330"/>
           <p:cNvSpPr txBox="1"/>
           <p:nvPr>
             <p:ph idx="1" type="body"/>
@@ -12872,14 +13069,36 @@
             </a:pPr>
             <a:r>
               <a:rPr lang="en"/>
-              <a:t>Aspect Based Sentiment Analysis in Reviews, by Satarupa Guha Guha, Aditya Joshi, Vasudeva Varma,4th Joint Conference on Lexical and Computational Semantics,2015.</a:t>
-            </a:r>
-          </a:p>
-        </p:txBody>
-      </p:sp>
-      <p:sp>
-        <p:nvSpPr>
-          <p:cNvPr id="330" name="Shape 330"/>
+              <a:t>To implement an algorithm which also considers the sequence of words.</a:t>
+            </a:r>
+          </a:p>
+          <a:p>
+            <a:pPr indent="-228600" lvl="0" marL="457200" rtl="0">
+              <a:spcBef>
+                <a:spcPts val="0"/>
+              </a:spcBef>
+            </a:pPr>
+            <a:r>
+              <a:rPr lang="en"/>
+              <a:t>To fetch reviews of a company and compute polarity for each aspect using a user interface.</a:t>
+            </a:r>
+          </a:p>
+          <a:p>
+            <a:pPr indent="-228600" lvl="0" marL="457200">
+              <a:spcBef>
+                <a:spcPts val="0"/>
+              </a:spcBef>
+            </a:pPr>
+            <a:r>
+              <a:rPr lang="en"/>
+              <a:t> Analysing individual sentence to make dataset more accurate</a:t>
+            </a:r>
+          </a:p>
+        </p:txBody>
+      </p:sp>
+      <p:sp>
+        <p:nvSpPr>
+          <p:cNvPr id="331" name="Shape 331"/>
           <p:cNvSpPr txBox="1"/>
           <p:nvPr>
             <p:ph idx="12" type="sldNum"/>
@@ -12926,7 +13145,7 @@
   <p:cSld>
     <p:spTree>
       <p:nvGrpSpPr>
-        <p:cNvPr id="98" name="Shape 98"/>
+        <p:cNvPr id="99" name="Shape 99"/>
         <p:cNvGrpSpPr/>
         <p:nvPr/>
       </p:nvGrpSpPr>
@@ -12940,7 +13159,7 @@
       </p:grpSpPr>
       <p:sp>
         <p:nvSpPr>
-          <p:cNvPr id="99" name="Shape 99"/>
+          <p:cNvPr id="100" name="Shape 100"/>
           <p:cNvSpPr txBox="1"/>
           <p:nvPr>
             <p:ph type="title"/>
@@ -12976,7 +13195,7 @@
       </p:sp>
       <p:sp>
         <p:nvSpPr>
-          <p:cNvPr id="100" name="Shape 100"/>
+          <p:cNvPr id="101" name="Shape 101"/>
           <p:cNvSpPr txBox="1"/>
           <p:nvPr>
             <p:ph idx="1" type="body"/>
@@ -13164,7 +13383,139 @@
       </p:sp>
       <p:sp>
         <p:nvSpPr>
-          <p:cNvPr id="101" name="Shape 101"/>
+          <p:cNvPr id="102" name="Shape 102"/>
+          <p:cNvSpPr txBox="1"/>
+          <p:nvPr>
+            <p:ph idx="12" type="sldNum"/>
+          </p:nvPr>
+        </p:nvSpPr>
+        <p:spPr>
+          <a:xfrm>
+            <a:off x="8460431" y="4651190"/>
+            <a:ext cx="548700" cy="393600"/>
+          </a:xfrm>
+          <a:prstGeom prst="rect">
+            <a:avLst/>
+          </a:prstGeom>
+        </p:spPr>
+        <p:txBody>
+          <a:bodyPr anchorCtr="0" anchor="ctr" bIns="91425" lIns="91425" rIns="91425" tIns="91425">
+            <a:noAutofit/>
+          </a:bodyPr>
+          <a:lstStyle/>
+          <a:p>
+            <a:pPr lvl="0">
+              <a:spcBef>
+                <a:spcPts val="0"/>
+              </a:spcBef>
+              <a:buNone/>
+            </a:pPr>
+            <a:fld id="{00000000-1234-1234-1234-123412341234}" type="slidenum">
+              <a:rPr lang="en"/>
+              <a:t>‹#›</a:t>
+            </a:fld>
+          </a:p>
+        </p:txBody>
+      </p:sp>
+    </p:spTree>
+  </p:cSld>
+  <p:clrMapOvr>
+    <a:masterClrMapping/>
+  </p:clrMapOvr>
+</p:sld>
+</file>
+
+<file path=ppt/slides/slide30.xml><?xml version="1.0" encoding="utf-8"?>
+<p:sld xmlns:a="http://schemas.openxmlformats.org/drawingml/2006/main" xmlns:r="http://schemas.openxmlformats.org/officeDocument/2006/relationships" xmlns:mc="http://schemas.openxmlformats.org/markup-compatibility/2006" xmlns:mv="urn:schemas-microsoft-com:mac:vml" xmlns:p="http://schemas.openxmlformats.org/presentationml/2006/main" xmlns:c="http://schemas.openxmlformats.org/drawingml/2006/chart" xmlns:dgm="http://schemas.openxmlformats.org/drawingml/2006/diagram" xmlns:o="urn:schemas-microsoft-com:office:office" xmlns:v="urn:schemas-microsoft-com:vml" xmlns:pvml="urn:schemas-microsoft-com:office:powerpoint" xmlns:com="http://schemas.openxmlformats.org/drawingml/2006/compatibility" xmlns:p14="http://schemas.microsoft.com/office/powerpoint/2010/main">
+  <p:cSld>
+    <p:spTree>
+      <p:nvGrpSpPr>
+        <p:cNvPr id="335" name="Shape 335"/>
+        <p:cNvGrpSpPr/>
+        <p:nvPr/>
+      </p:nvGrpSpPr>
+      <p:grpSpPr>
+        <a:xfrm>
+          <a:off x="0" y="0"/>
+          <a:ext cx="0" cy="0"/>
+          <a:chOff x="0" y="0"/>
+          <a:chExt cx="0" cy="0"/>
+        </a:xfrm>
+      </p:grpSpPr>
+      <p:sp>
+        <p:nvSpPr>
+          <p:cNvPr id="336" name="Shape 336"/>
+          <p:cNvSpPr txBox="1"/>
+          <p:nvPr>
+            <p:ph type="title"/>
+          </p:nvPr>
+        </p:nvSpPr>
+        <p:spPr>
+          <a:xfrm>
+            <a:off x="311700" y="410000"/>
+            <a:ext cx="8520600" cy="607800"/>
+          </a:xfrm>
+          <a:prstGeom prst="rect">
+            <a:avLst/>
+          </a:prstGeom>
+        </p:spPr>
+        <p:txBody>
+          <a:bodyPr anchorCtr="0" anchor="t" bIns="91425" lIns="91425" rIns="91425" tIns="91425">
+            <a:noAutofit/>
+          </a:bodyPr>
+          <a:lstStyle/>
+          <a:p>
+            <a:pPr lvl="0">
+              <a:spcBef>
+                <a:spcPts val="0"/>
+              </a:spcBef>
+              <a:buNone/>
+            </a:pPr>
+            <a:r>
+              <a:rPr lang="en"/>
+              <a:t>References</a:t>
+            </a:r>
+          </a:p>
+        </p:txBody>
+      </p:sp>
+      <p:sp>
+        <p:nvSpPr>
+          <p:cNvPr id="337" name="Shape 337"/>
+          <p:cNvSpPr txBox="1"/>
+          <p:nvPr>
+            <p:ph idx="1" type="body"/>
+          </p:nvPr>
+        </p:nvSpPr>
+        <p:spPr>
+          <a:xfrm>
+            <a:off x="311700" y="1229875"/>
+            <a:ext cx="8520600" cy="3339000"/>
+          </a:xfrm>
+          <a:prstGeom prst="rect">
+            <a:avLst/>
+          </a:prstGeom>
+        </p:spPr>
+        <p:txBody>
+          <a:bodyPr anchorCtr="0" anchor="t" bIns="91425" lIns="91425" rIns="91425" tIns="91425">
+            <a:noAutofit/>
+          </a:bodyPr>
+          <a:lstStyle/>
+          <a:p>
+            <a:pPr indent="-228600" lvl="0" marL="457200" rtl="0">
+              <a:spcBef>
+                <a:spcPts val="0"/>
+              </a:spcBef>
+            </a:pPr>
+            <a:r>
+              <a:rPr lang="en"/>
+              <a:t>Aspect Based Sentiment Analysis in Reviews, by Satarupa Guha Guha, Aditya Joshi, Vasudeva Varma,4th Joint Conference on Lexical and Computational Semantics,2015.</a:t>
+            </a:r>
+          </a:p>
+        </p:txBody>
+      </p:sp>
+      <p:sp>
+        <p:nvSpPr>
+          <p:cNvPr id="338" name="Shape 338"/>
           <p:cNvSpPr txBox="1"/>
           <p:nvPr>
             <p:ph idx="12" type="sldNum"/>
@@ -13211,7 +13562,7 @@
   <p:cSld>
     <p:spTree>
       <p:nvGrpSpPr>
-        <p:cNvPr id="105" name="Shape 105"/>
+        <p:cNvPr id="106" name="Shape 106"/>
         <p:cNvGrpSpPr/>
         <p:nvPr/>
       </p:nvGrpSpPr>
@@ -13225,7 +13576,7 @@
       </p:grpSpPr>
       <p:sp>
         <p:nvSpPr>
-          <p:cNvPr id="106" name="Shape 106"/>
+          <p:cNvPr id="107" name="Shape 107"/>
           <p:cNvSpPr txBox="1"/>
           <p:nvPr>
             <p:ph type="title"/>
@@ -13261,7 +13612,7 @@
       </p:sp>
       <p:sp>
         <p:nvSpPr>
-          <p:cNvPr id="107" name="Shape 107"/>
+          <p:cNvPr id="108" name="Shape 108"/>
           <p:cNvSpPr txBox="1"/>
           <p:nvPr>
             <p:ph idx="1" type="body"/>
@@ -13327,7 +13678,7 @@
       </p:sp>
       <p:sp>
         <p:nvSpPr>
-          <p:cNvPr id="108" name="Shape 108"/>
+          <p:cNvPr id="109" name="Shape 109"/>
           <p:cNvSpPr txBox="1"/>
           <p:nvPr>
             <p:ph idx="12" type="sldNum"/>
@@ -13374,7 +13725,7 @@
   <p:cSld>
     <p:spTree>
       <p:nvGrpSpPr>
-        <p:cNvPr id="112" name="Shape 112"/>
+        <p:cNvPr id="113" name="Shape 113"/>
         <p:cNvGrpSpPr/>
         <p:nvPr/>
       </p:nvGrpSpPr>
@@ -13388,7 +13739,7 @@
       </p:grpSpPr>
       <p:sp>
         <p:nvSpPr>
-          <p:cNvPr id="113" name="Shape 113"/>
+          <p:cNvPr id="114" name="Shape 114"/>
           <p:cNvSpPr txBox="1"/>
           <p:nvPr>
             <p:ph type="title"/>
@@ -13424,7 +13775,7 @@
       </p:sp>
       <p:sp>
         <p:nvSpPr>
-          <p:cNvPr id="114" name="Shape 114"/>
+          <p:cNvPr id="115" name="Shape 115"/>
           <p:cNvSpPr txBox="1"/>
           <p:nvPr>
             <p:ph idx="1" type="body"/>
@@ -13474,7 +13825,7 @@
       </p:sp>
       <p:sp>
         <p:nvSpPr>
-          <p:cNvPr id="115" name="Shape 115"/>
+          <p:cNvPr id="116" name="Shape 116"/>
           <p:cNvSpPr txBox="1"/>
           <p:nvPr>
             <p:ph idx="12" type="sldNum"/>
@@ -13521,7 +13872,7 @@
   <p:cSld>
     <p:spTree>
       <p:nvGrpSpPr>
-        <p:cNvPr id="119" name="Shape 119"/>
+        <p:cNvPr id="120" name="Shape 120"/>
         <p:cNvGrpSpPr/>
         <p:nvPr/>
       </p:nvGrpSpPr>
@@ -13535,7 +13886,7 @@
       </p:grpSpPr>
       <p:sp>
         <p:nvSpPr>
-          <p:cNvPr id="120" name="Shape 120"/>
+          <p:cNvPr id="121" name="Shape 121"/>
           <p:cNvSpPr txBox="1"/>
           <p:nvPr>
             <p:ph type="title"/>
@@ -13571,7 +13922,7 @@
       </p:sp>
       <p:sp>
         <p:nvSpPr>
-          <p:cNvPr id="121" name="Shape 121"/>
+          <p:cNvPr id="122" name="Shape 122"/>
           <p:cNvSpPr txBox="1"/>
           <p:nvPr>
             <p:ph idx="1" type="body"/>
@@ -13662,7 +14013,7 @@
       </p:sp>
       <p:sp>
         <p:nvSpPr>
-          <p:cNvPr id="122" name="Shape 122"/>
+          <p:cNvPr id="123" name="Shape 123"/>
           <p:cNvSpPr txBox="1"/>
           <p:nvPr>
             <p:ph idx="12" type="sldNum"/>
@@ -13709,7 +14060,7 @@
   <p:cSld>
     <p:spTree>
       <p:nvGrpSpPr>
-        <p:cNvPr id="126" name="Shape 126"/>
+        <p:cNvPr id="127" name="Shape 127"/>
         <p:cNvGrpSpPr/>
         <p:nvPr/>
       </p:nvGrpSpPr>
@@ -13723,7 +14074,7 @@
       </p:grpSpPr>
       <p:sp>
         <p:nvSpPr>
-          <p:cNvPr id="127" name="Shape 127"/>
+          <p:cNvPr id="128" name="Shape 128"/>
           <p:cNvSpPr txBox="1"/>
           <p:nvPr>
             <p:ph type="title"/>
@@ -13759,7 +14110,7 @@
       </p:sp>
       <p:sp>
         <p:nvSpPr>
-          <p:cNvPr id="128" name="Shape 128"/>
+          <p:cNvPr id="129" name="Shape 129"/>
           <p:cNvSpPr txBox="1"/>
           <p:nvPr>
             <p:ph idx="1" type="body"/>
@@ -13795,7 +14146,7 @@
       </p:sp>
       <p:sp>
         <p:nvSpPr>
-          <p:cNvPr id="129" name="Shape 129"/>
+          <p:cNvPr id="130" name="Shape 130"/>
           <p:cNvSpPr/>
           <p:nvPr/>
         </p:nvSpPr>
@@ -13841,7 +14192,7 @@
       </p:sp>
       <p:sp>
         <p:nvSpPr>
-          <p:cNvPr id="130" name="Shape 130"/>
+          <p:cNvPr id="131" name="Shape 131"/>
           <p:cNvSpPr/>
           <p:nvPr/>
         </p:nvSpPr>
@@ -13887,7 +14238,7 @@
       </p:sp>
       <p:sp>
         <p:nvSpPr>
-          <p:cNvPr id="131" name="Shape 131"/>
+          <p:cNvPr id="132" name="Shape 132"/>
           <p:cNvSpPr/>
           <p:nvPr/>
         </p:nvSpPr>
@@ -13933,7 +14284,7 @@
       </p:sp>
       <p:sp>
         <p:nvSpPr>
-          <p:cNvPr id="132" name="Shape 132"/>
+          <p:cNvPr id="133" name="Shape 133"/>
           <p:cNvSpPr/>
           <p:nvPr/>
         </p:nvSpPr>
@@ -13979,7 +14330,7 @@
       </p:sp>
       <p:sp>
         <p:nvSpPr>
-          <p:cNvPr id="133" name="Shape 133"/>
+          <p:cNvPr id="134" name="Shape 134"/>
           <p:cNvSpPr/>
           <p:nvPr/>
         </p:nvSpPr>
@@ -14025,7 +14376,7 @@
       </p:sp>
       <p:sp>
         <p:nvSpPr>
-          <p:cNvPr id="134" name="Shape 134"/>
+          <p:cNvPr id="135" name="Shape 135"/>
           <p:cNvSpPr/>
           <p:nvPr/>
         </p:nvSpPr>
@@ -14073,7 +14424,7 @@
       </p:sp>
       <p:sp>
         <p:nvSpPr>
-          <p:cNvPr id="135" name="Shape 135"/>
+          <p:cNvPr id="136" name="Shape 136"/>
           <p:cNvSpPr/>
           <p:nvPr/>
         </p:nvSpPr>
@@ -14122,7 +14473,7 @@
       </p:sp>
       <p:sp>
         <p:nvSpPr>
-          <p:cNvPr id="136" name="Shape 136"/>
+          <p:cNvPr id="137" name="Shape 137"/>
           <p:cNvSpPr/>
           <p:nvPr/>
         </p:nvSpPr>
@@ -14171,7 +14522,7 @@
       </p:sp>
       <p:sp>
         <p:nvSpPr>
-          <p:cNvPr id="137" name="Shape 137"/>
+          <p:cNvPr id="138" name="Shape 138"/>
           <p:cNvSpPr/>
           <p:nvPr/>
         </p:nvSpPr>
@@ -14217,7 +14568,7 @@
       </p:sp>
       <p:sp>
         <p:nvSpPr>
-          <p:cNvPr id="138" name="Shape 138"/>
+          <p:cNvPr id="139" name="Shape 139"/>
           <p:cNvSpPr/>
           <p:nvPr/>
         </p:nvSpPr>
@@ -14263,7 +14614,7 @@
       </p:sp>
       <p:sp>
         <p:nvSpPr>
-          <p:cNvPr id="139" name="Shape 139"/>
+          <p:cNvPr id="140" name="Shape 140"/>
           <p:cNvSpPr/>
           <p:nvPr/>
         </p:nvSpPr>
@@ -14325,7 +14676,7 @@
       </p:sp>
       <p:sp>
         <p:nvSpPr>
-          <p:cNvPr id="140" name="Shape 140"/>
+          <p:cNvPr id="141" name="Shape 141"/>
           <p:cNvSpPr/>
           <p:nvPr/>
         </p:nvSpPr>
@@ -14383,7 +14734,7 @@
       </p:sp>
       <p:sp>
         <p:nvSpPr>
-          <p:cNvPr id="141" name="Shape 141"/>
+          <p:cNvPr id="142" name="Shape 142"/>
           <p:cNvSpPr/>
           <p:nvPr/>
         </p:nvSpPr>
@@ -14429,7 +14780,7 @@
       </p:sp>
       <p:sp>
         <p:nvSpPr>
-          <p:cNvPr id="142" name="Shape 142"/>
+          <p:cNvPr id="143" name="Shape 143"/>
           <p:cNvSpPr/>
           <p:nvPr/>
         </p:nvSpPr>
@@ -14475,7 +14826,7 @@
       </p:sp>
       <p:sp>
         <p:nvSpPr>
-          <p:cNvPr id="143" name="Shape 143"/>
+          <p:cNvPr id="144" name="Shape 144"/>
           <p:cNvSpPr/>
           <p:nvPr/>
         </p:nvSpPr>
@@ -14533,7 +14884,7 @@
       </p:sp>
       <p:sp>
         <p:nvSpPr>
-          <p:cNvPr id="144" name="Shape 144"/>
+          <p:cNvPr id="145" name="Shape 145"/>
           <p:cNvSpPr/>
           <p:nvPr/>
         </p:nvSpPr>
@@ -14591,10 +14942,10 @@
       </p:sp>
       <p:cxnSp>
         <p:nvCxnSpPr>
-          <p:cNvPr id="145" name="Shape 145"/>
+          <p:cNvPr id="146" name="Shape 146"/>
           <p:cNvCxnSpPr>
-            <a:stCxn id="129" idx="2"/>
-            <a:endCxn id="130" idx="0"/>
+            <a:stCxn id="130" idx="2"/>
+            <a:endCxn id="131" idx="0"/>
           </p:cNvCxnSpPr>
           <p:nvPr/>
         </p:nvCxnSpPr>
@@ -14620,10 +14971,10 @@
       </p:cxnSp>
       <p:cxnSp>
         <p:nvCxnSpPr>
-          <p:cNvPr id="146" name="Shape 146"/>
+          <p:cNvPr id="147" name="Shape 147"/>
           <p:cNvCxnSpPr>
-            <a:stCxn id="130" idx="2"/>
-            <a:endCxn id="131" idx="0"/>
+            <a:stCxn id="131" idx="2"/>
+            <a:endCxn id="132" idx="0"/>
           </p:cNvCxnSpPr>
           <p:nvPr/>
         </p:nvCxnSpPr>
@@ -14649,7 +15000,7 @@
       </p:cxnSp>
       <p:cxnSp>
         <p:nvCxnSpPr>
-          <p:cNvPr id="147" name="Shape 147"/>
+          <p:cNvPr id="148" name="Shape 148"/>
           <p:cNvCxnSpPr/>
           <p:nvPr/>
         </p:nvCxnSpPr>
@@ -14675,7 +15026,7 @@
       </p:cxnSp>
       <p:cxnSp>
         <p:nvCxnSpPr>
-          <p:cNvPr id="148" name="Shape 148"/>
+          <p:cNvPr id="149" name="Shape 149"/>
           <p:cNvCxnSpPr/>
           <p:nvPr/>
         </p:nvCxnSpPr>
@@ -14701,7 +15052,7 @@
       </p:cxnSp>
       <p:cxnSp>
         <p:nvCxnSpPr>
-          <p:cNvPr id="149" name="Shape 149"/>
+          <p:cNvPr id="150" name="Shape 150"/>
           <p:cNvCxnSpPr/>
           <p:nvPr/>
         </p:nvCxnSpPr>
@@ -14727,10 +15078,10 @@
       </p:cxnSp>
       <p:cxnSp>
         <p:nvCxnSpPr>
-          <p:cNvPr id="150" name="Shape 150"/>
+          <p:cNvPr id="151" name="Shape 151"/>
           <p:cNvCxnSpPr>
-            <a:stCxn id="132" idx="2"/>
-            <a:endCxn id="139" idx="0"/>
+            <a:stCxn id="133" idx="2"/>
+            <a:endCxn id="140" idx="0"/>
           </p:cNvCxnSpPr>
           <p:nvPr/>
         </p:nvCxnSpPr>
@@ -14758,10 +15109,10 @@
       </p:cxnSp>
       <p:cxnSp>
         <p:nvCxnSpPr>
-          <p:cNvPr id="151" name="Shape 151"/>
+          <p:cNvPr id="152" name="Shape 152"/>
           <p:cNvCxnSpPr>
-            <a:stCxn id="132" idx="1"/>
-            <a:endCxn id="137" idx="0"/>
+            <a:stCxn id="133" idx="1"/>
+            <a:endCxn id="138" idx="0"/>
           </p:cNvCxnSpPr>
           <p:nvPr/>
         </p:nvCxnSpPr>
@@ -14787,10 +15138,10 @@
       </p:cxnSp>
       <p:cxnSp>
         <p:nvCxnSpPr>
-          <p:cNvPr id="152" name="Shape 152"/>
+          <p:cNvPr id="153" name="Shape 153"/>
           <p:cNvCxnSpPr>
-            <a:stCxn id="133" idx="3"/>
-            <a:endCxn id="144" idx="0"/>
+            <a:stCxn id="134" idx="3"/>
+            <a:endCxn id="145" idx="0"/>
           </p:cNvCxnSpPr>
           <p:nvPr/>
         </p:nvCxnSpPr>
@@ -14816,9 +15167,9 @@
       </p:cxnSp>
       <p:cxnSp>
         <p:nvCxnSpPr>
-          <p:cNvPr id="153" name="Shape 153"/>
+          <p:cNvPr id="154" name="Shape 154"/>
           <p:cNvCxnSpPr>
-            <a:endCxn id="141" idx="0"/>
+            <a:endCxn id="142" idx="0"/>
           </p:cNvCxnSpPr>
           <p:nvPr/>
         </p:nvCxnSpPr>
@@ -14844,7 +15195,7 @@
       </p:cxnSp>
       <p:cxnSp>
         <p:nvCxnSpPr>
-          <p:cNvPr id="154" name="Shape 154"/>
+          <p:cNvPr id="155" name="Shape 155"/>
           <p:cNvCxnSpPr/>
           <p:nvPr/>
         </p:nvCxnSpPr>
@@ -14870,10 +15221,10 @@
       </p:cxnSp>
       <p:cxnSp>
         <p:nvCxnSpPr>
-          <p:cNvPr id="155" name="Shape 155"/>
+          <p:cNvPr id="156" name="Shape 156"/>
           <p:cNvCxnSpPr>
-            <a:stCxn id="133" idx="2"/>
-            <a:endCxn id="142" idx="0"/>
+            <a:stCxn id="134" idx="2"/>
+            <a:endCxn id="143" idx="0"/>
           </p:cNvCxnSpPr>
           <p:nvPr/>
         </p:nvCxnSpPr>
@@ -14899,7 +15250,7 @@
       </p:cxnSp>
       <p:sp>
         <p:nvSpPr>
-          <p:cNvPr id="156" name="Shape 156"/>
+          <p:cNvPr id="157" name="Shape 157"/>
           <p:cNvSpPr txBox="1"/>
           <p:nvPr>
             <p:ph idx="12" type="sldNum"/>
@@ -14946,7 +15297,7 @@
   <p:cSld>
     <p:spTree>
       <p:nvGrpSpPr>
-        <p:cNvPr id="160" name="Shape 160"/>
+        <p:cNvPr id="161" name="Shape 161"/>
         <p:cNvGrpSpPr/>
         <p:nvPr/>
       </p:nvGrpSpPr>
@@ -14960,7 +15311,7 @@
       </p:grpSpPr>
       <p:sp>
         <p:nvSpPr>
-          <p:cNvPr id="161" name="Shape 161"/>
+          <p:cNvPr id="162" name="Shape 162"/>
           <p:cNvSpPr txBox="1"/>
           <p:nvPr>
             <p:ph type="title"/>
@@ -14996,7 +15347,7 @@
       </p:sp>
       <p:sp>
         <p:nvSpPr>
-          <p:cNvPr id="162" name="Shape 162"/>
+          <p:cNvPr id="163" name="Shape 163"/>
           <p:cNvSpPr txBox="1"/>
           <p:nvPr>
             <p:ph idx="1" type="body"/>
@@ -15149,7 +15500,7 @@
       </p:sp>
       <p:sp>
         <p:nvSpPr>
-          <p:cNvPr id="163" name="Shape 163"/>
+          <p:cNvPr id="164" name="Shape 164"/>
           <p:cNvSpPr txBox="1"/>
           <p:nvPr>
             <p:ph idx="12" type="sldNum"/>
@@ -15196,7 +15547,7 @@
   <p:cSld>
     <p:spTree>
       <p:nvGrpSpPr>
-        <p:cNvPr id="167" name="Shape 167"/>
+        <p:cNvPr id="168" name="Shape 168"/>
         <p:cNvGrpSpPr/>
         <p:nvPr/>
       </p:nvGrpSpPr>
@@ -15210,7 +15561,7 @@
       </p:grpSpPr>
       <p:sp>
         <p:nvSpPr>
-          <p:cNvPr id="168" name="Shape 168"/>
+          <p:cNvPr id="169" name="Shape 169"/>
           <p:cNvSpPr txBox="1"/>
           <p:nvPr>
             <p:ph type="title"/>
@@ -15246,7 +15597,7 @@
       </p:sp>
       <p:sp>
         <p:nvSpPr>
-          <p:cNvPr id="169" name="Shape 169"/>
+          <p:cNvPr id="170" name="Shape 170"/>
           <p:cNvSpPr txBox="1"/>
           <p:nvPr>
             <p:ph idx="1" type="body"/>
@@ -15354,7 +15705,7 @@
       </p:sp>
       <p:sp>
         <p:nvSpPr>
-          <p:cNvPr id="170" name="Shape 170"/>
+          <p:cNvPr id="171" name="Shape 171"/>
           <p:cNvSpPr txBox="1"/>
           <p:nvPr>
             <p:ph idx="12" type="sldNum"/>
@@ -15397,6 +15748,285 @@
 </file>
 
 <file path=ppt/theme/theme1.xml><?xml version="1.0" encoding="utf-8"?>
+<a:theme xmlns:a="http://schemas.openxmlformats.org/drawingml/2006/main" xmlns:r="http://schemas.openxmlformats.org/officeDocument/2006/relationships" name="Custom Theme">
+  <a:themeElements>
+    <a:clrScheme name="Default">
+      <a:dk1>
+        <a:srgbClr val="000000"/>
+      </a:dk1>
+      <a:lt1>
+        <a:srgbClr val="FFFFFF"/>
+      </a:lt1>
+      <a:dk2>
+        <a:srgbClr val="158158"/>
+      </a:dk2>
+      <a:lt2>
+        <a:srgbClr val="F3F3F3"/>
+      </a:lt2>
+      <a:accent1>
+        <a:srgbClr val="058DC7"/>
+      </a:accent1>
+      <a:accent2>
+        <a:srgbClr val="50B432"/>
+      </a:accent2>
+      <a:accent3>
+        <a:srgbClr val="ED561B"/>
+      </a:accent3>
+      <a:accent4>
+        <a:srgbClr val="EDEF00"/>
+      </a:accent4>
+      <a:accent5>
+        <a:srgbClr val="24CBE5"/>
+      </a:accent5>
+      <a:accent6>
+        <a:srgbClr val="64E572"/>
+      </a:accent6>
+      <a:hlink>
+        <a:srgbClr val="2200CC"/>
+      </a:hlink>
+      <a:folHlink>
+        <a:srgbClr val="551A8B"/>
+      </a:folHlink>
+    </a:clrScheme>
+    <a:fontScheme name="Office">
+      <a:majorFont>
+        <a:latin typeface="Arial"/>
+        <a:ea typeface=""/>
+        <a:cs typeface=""/>
+        <a:font script="Jpan" typeface="ＭＳ Ｐゴシック"/>
+        <a:font script="Hang" typeface="맑은 고딕"/>
+        <a:font script="Hans" typeface="宋体"/>
+        <a:font script="Hant" typeface="新細明體"/>
+        <a:font script="Arab" typeface="Times New Roman"/>
+        <a:font script="Hebr" typeface="Times New Roman"/>
+        <a:font script="Thai" typeface="Angsana New"/>
+        <a:font script="Ethi" typeface="Nyala"/>
+        <a:font script="Beng" typeface="Vrinda"/>
+        <a:font script="Gujr" typeface="Shruti"/>
+        <a:font script="Khmr" typeface="MoolBoran"/>
+        <a:font script="Knda" typeface="Tunga"/>
+        <a:font script="Guru" typeface="Raavi"/>
+        <a:font script="Cans" typeface="Euphemia"/>
+        <a:font script="Cher" typeface="Plantagenet Cherokee"/>
+        <a:font script="Yiii" typeface="Microsoft Yi Baiti"/>
+        <a:font script="Tibt" typeface="Microsoft Himalaya"/>
+        <a:font script="Thaa" typeface="MV Boli"/>
+        <a:font script="Deva" typeface="Mangal"/>
+        <a:font script="Telu" typeface="Gautami"/>
+        <a:font script="Taml" typeface="Latha"/>
+        <a:font script="Syrc" typeface="Estrangelo Edessa"/>
+        <a:font script="Orya" typeface="Kalinga"/>
+        <a:font script="Mlym" typeface="Kartika"/>
+        <a:font script="Laoo" typeface="DokChampa"/>
+        <a:font script="Sinh" typeface="Iskoola Pota"/>
+        <a:font script="Mong" typeface="Mongolian Baiti"/>
+        <a:font script="Viet" typeface="Times New Roman"/>
+        <a:font script="Uigh" typeface="Microsoft Uighur"/>
+        <a:font script="Geor" typeface="Sylfaen"/>
+      </a:majorFont>
+      <a:minorFont>
+        <a:latin typeface="Arial"/>
+        <a:ea typeface=""/>
+        <a:cs typeface=""/>
+        <a:font script="Jpan" typeface="ＭＳ Ｐゴシック"/>
+        <a:font script="Hang" typeface="맑은 고딕"/>
+        <a:font script="Hans" typeface="宋体"/>
+        <a:font script="Hant" typeface="新細明體"/>
+        <a:font script="Arab" typeface="Arial"/>
+        <a:font script="Hebr" typeface="Arial"/>
+        <a:font script="Thai" typeface="Cordia New"/>
+        <a:font script="Ethi" typeface="Nyala"/>
+        <a:font script="Beng" typeface="Vrinda"/>
+        <a:font script="Gujr" typeface="Shruti"/>
+        <a:font script="Khmr" typeface="DaunPenh"/>
+        <a:font script="Knda" typeface="Tunga"/>
+        <a:font script="Guru" typeface="Raavi"/>
+        <a:font script="Cans" typeface="Euphemia"/>
+        <a:font script="Cher" typeface="Plantagenet Cherokee"/>
+        <a:font script="Yiii" typeface="Microsoft Yi Baiti"/>
+        <a:font script="Tibt" typeface="Microsoft Himalaya"/>
+        <a:font script="Thaa" typeface="MV Boli"/>
+        <a:font script="Deva" typeface="Mangal"/>
+        <a:font script="Telu" typeface="Gautami"/>
+        <a:font script="Taml" typeface="Latha"/>
+        <a:font script="Syrc" typeface="Estrangelo Edessa"/>
+        <a:font script="Orya" typeface="Kalinga"/>
+        <a:font script="Mlym" typeface="Kartika"/>
+        <a:font script="Laoo" typeface="DokChampa"/>
+        <a:font script="Sinh" typeface="Iskoola Pota"/>
+        <a:font script="Mong" typeface="Mongolian Baiti"/>
+        <a:font script="Viet" typeface="Arial"/>
+        <a:font script="Uigh" typeface="Microsoft Uighur"/>
+        <a:font script="Geor" typeface="Sylfaen"/>
+      </a:minorFont>
+    </a:fontScheme>
+    <a:fmtScheme name="Office">
+      <a:fillStyleLst>
+        <a:solidFill>
+          <a:schemeClr val="phClr"/>
+        </a:solidFill>
+        <a:gradFill rotWithShape="1">
+          <a:gsLst>
+            <a:gs pos="0">
+              <a:schemeClr val="phClr">
+                <a:tint val="50000"/>
+                <a:satMod val="300000"/>
+              </a:schemeClr>
+            </a:gs>
+            <a:gs pos="35000">
+              <a:schemeClr val="phClr">
+                <a:tint val="37000"/>
+                <a:satMod val="300000"/>
+              </a:schemeClr>
+            </a:gs>
+            <a:gs pos="100000">
+              <a:schemeClr val="phClr">
+                <a:tint val="15000"/>
+                <a:satMod val="350000"/>
+              </a:schemeClr>
+            </a:gs>
+          </a:gsLst>
+          <a:lin ang="16200000" scaled="1"/>
+        </a:gradFill>
+        <a:gradFill rotWithShape="1">
+          <a:gsLst>
+            <a:gs pos="0">
+              <a:schemeClr val="phClr">
+                <a:tint val="100000"/>
+                <a:shade val="100000"/>
+                <a:satMod val="130000"/>
+              </a:schemeClr>
+            </a:gs>
+            <a:gs pos="100000">
+              <a:schemeClr val="phClr">
+                <a:tint val="50000"/>
+                <a:shade val="100000"/>
+                <a:satMod val="350000"/>
+              </a:schemeClr>
+            </a:gs>
+          </a:gsLst>
+          <a:lin ang="16200000" scaled="0"/>
+        </a:gradFill>
+      </a:fillStyleLst>
+      <a:lnStyleLst>
+        <a:ln w="9525" cap="flat" cmpd="sng" algn="ctr">
+          <a:solidFill>
+            <a:schemeClr val="phClr">
+              <a:shade val="95000"/>
+              <a:satMod val="105000"/>
+            </a:schemeClr>
+          </a:solidFill>
+          <a:prstDash val="solid"/>
+        </a:ln>
+        <a:ln w="25400" cap="flat" cmpd="sng" algn="ctr">
+          <a:solidFill>
+            <a:schemeClr val="phClr"/>
+          </a:solidFill>
+          <a:prstDash val="solid"/>
+        </a:ln>
+        <a:ln w="38100" cap="flat" cmpd="sng" algn="ctr">
+          <a:solidFill>
+            <a:schemeClr val="phClr"/>
+          </a:solidFill>
+          <a:prstDash val="solid"/>
+        </a:ln>
+      </a:lnStyleLst>
+      <a:effectStyleLst>
+        <a:effectStyle>
+          <a:effectLst>
+            <a:outerShdw blurRad="40000" dist="20000" dir="5400000" rotWithShape="0">
+              <a:srgbClr val="000000">
+                <a:alpha val="38000"/>
+              </a:srgbClr>
+            </a:outerShdw>
+          </a:effectLst>
+        </a:effectStyle>
+        <a:effectStyle>
+          <a:effectLst>
+            <a:outerShdw blurRad="40000" dist="23000" dir="5400000" rotWithShape="0">
+              <a:srgbClr val="000000">
+                <a:alpha val="35000"/>
+              </a:srgbClr>
+            </a:outerShdw>
+          </a:effectLst>
+        </a:effectStyle>
+        <a:effectStyle>
+          <a:effectLst>
+            <a:outerShdw blurRad="40000" dist="23000" dir="5400000" rotWithShape="0">
+              <a:srgbClr val="000000">
+                <a:alpha val="35000"/>
+              </a:srgbClr>
+            </a:outerShdw>
+          </a:effectLst>
+          <a:scene3d>
+            <a:camera prst="orthographicFront">
+              <a:rot lat="0" lon="0" rev="0"/>
+            </a:camera>
+            <a:lightRig rig="threePt" dir="t">
+              <a:rot lat="0" lon="0" rev="1200000"/>
+            </a:lightRig>
+          </a:scene3d>
+          <a:sp3d>
+            <a:bevelT w="63500" h="25400"/>
+          </a:sp3d>
+        </a:effectStyle>
+      </a:effectStyleLst>
+      <a:bgFillStyleLst>
+        <a:solidFill>
+          <a:schemeClr val="phClr"/>
+        </a:solidFill>
+        <a:gradFill rotWithShape="1">
+          <a:gsLst>
+            <a:gs pos="0">
+              <a:schemeClr val="phClr">
+                <a:tint val="40000"/>
+                <a:satMod val="350000"/>
+              </a:schemeClr>
+            </a:gs>
+            <a:gs pos="40000">
+              <a:schemeClr val="phClr">
+                <a:tint val="45000"/>
+                <a:shade val="99000"/>
+                <a:satMod val="350000"/>
+              </a:schemeClr>
+            </a:gs>
+            <a:gs pos="100000">
+              <a:schemeClr val="phClr">
+                <a:shade val="20000"/>
+                <a:satMod val="255000"/>
+              </a:schemeClr>
+            </a:gs>
+          </a:gsLst>
+          <a:path path="circle">
+            <a:fillToRect l="50000" t="-80000" r="50000" b="180000"/>
+          </a:path>
+        </a:gradFill>
+        <a:gradFill rotWithShape="1">
+          <a:gsLst>
+            <a:gs pos="0">
+              <a:schemeClr val="phClr">
+                <a:tint val="80000"/>
+                <a:satMod val="300000"/>
+              </a:schemeClr>
+            </a:gs>
+            <a:gs pos="100000">
+              <a:schemeClr val="phClr">
+                <a:shade val="30000"/>
+                <a:satMod val="200000"/>
+              </a:schemeClr>
+            </a:gs>
+          </a:gsLst>
+          <a:path path="circle">
+            <a:fillToRect l="50000" t="50000" r="50000" b="50000"/>
+          </a:path>
+        </a:gradFill>
+      </a:bgFillStyleLst>
+    </a:fmtScheme>
+  </a:themeElements>
+</a:theme>
+</file>
+
+<file path=ppt/theme/theme2.xml><?xml version="1.0" encoding="utf-8"?>
 <a:theme xmlns:a="http://schemas.openxmlformats.org/drawingml/2006/main" xmlns:r="http://schemas.openxmlformats.org/officeDocument/2006/relationships" name="geometric">
   <a:themeElements>
     <a:clrScheme name="Geometric">
@@ -15673,283 +16303,4 @@
     </a:fmtScheme>
   </a:themeElements>
 </a:theme>
-</file>
-
-<file path=ppt/theme/theme2.xml><?xml version="1.0" encoding="utf-8"?>
-<a:theme xmlns:a="http://schemas.openxmlformats.org/drawingml/2006/main" xmlns:r="http://schemas.openxmlformats.org/officeDocument/2006/relationships" name="Custom Theme">
-  <a:themeElements>
-    <a:clrScheme name="Default">
-      <a:dk1>
-        <a:srgbClr val="000000"/>
-      </a:dk1>
-      <a:lt1>
-        <a:srgbClr val="FFFFFF"/>
-      </a:lt1>
-      <a:dk2>
-        <a:srgbClr val="158158"/>
-      </a:dk2>
-      <a:lt2>
-        <a:srgbClr val="F3F3F3"/>
-      </a:lt2>
-      <a:accent1>
-        <a:srgbClr val="058DC7"/>
-      </a:accent1>
-      <a:accent2>
-        <a:srgbClr val="50B432"/>
-      </a:accent2>
-      <a:accent3>
-        <a:srgbClr val="ED561B"/>
-      </a:accent3>
-      <a:accent4>
-        <a:srgbClr val="EDEF00"/>
-      </a:accent4>
-      <a:accent5>
-        <a:srgbClr val="24CBE5"/>
-      </a:accent5>
-      <a:accent6>
-        <a:srgbClr val="64E572"/>
-      </a:accent6>
-      <a:hlink>
-        <a:srgbClr val="2200CC"/>
-      </a:hlink>
-      <a:folHlink>
-        <a:srgbClr val="551A8B"/>
-      </a:folHlink>
-    </a:clrScheme>
-    <a:fontScheme name="Office">
-      <a:majorFont>
-        <a:latin typeface="Arial"/>
-        <a:ea typeface=""/>
-        <a:cs typeface=""/>
-        <a:font script="Jpan" typeface="ＭＳ Ｐゴシック"/>
-        <a:font script="Hang" typeface="맑은 고딕"/>
-        <a:font script="Hans" typeface="宋体"/>
-        <a:font script="Hant" typeface="新細明體"/>
-        <a:font script="Arab" typeface="Times New Roman"/>
-        <a:font script="Hebr" typeface="Times New Roman"/>
-        <a:font script="Thai" typeface="Angsana New"/>
-        <a:font script="Ethi" typeface="Nyala"/>
-        <a:font script="Beng" typeface="Vrinda"/>
-        <a:font script="Gujr" typeface="Shruti"/>
-        <a:font script="Khmr" typeface="MoolBoran"/>
-        <a:font script="Knda" typeface="Tunga"/>
-        <a:font script="Guru" typeface="Raavi"/>
-        <a:font script="Cans" typeface="Euphemia"/>
-        <a:font script="Cher" typeface="Plantagenet Cherokee"/>
-        <a:font script="Yiii" typeface="Microsoft Yi Baiti"/>
-        <a:font script="Tibt" typeface="Microsoft Himalaya"/>
-        <a:font script="Thaa" typeface="MV Boli"/>
-        <a:font script="Deva" typeface="Mangal"/>
-        <a:font script="Telu" typeface="Gautami"/>
-        <a:font script="Taml" typeface="Latha"/>
-        <a:font script="Syrc" typeface="Estrangelo Edessa"/>
-        <a:font script="Orya" typeface="Kalinga"/>
-        <a:font script="Mlym" typeface="Kartika"/>
-        <a:font script="Laoo" typeface="DokChampa"/>
-        <a:font script="Sinh" typeface="Iskoola Pota"/>
-        <a:font script="Mong" typeface="Mongolian Baiti"/>
-        <a:font script="Viet" typeface="Times New Roman"/>
-        <a:font script="Uigh" typeface="Microsoft Uighur"/>
-        <a:font script="Geor" typeface="Sylfaen"/>
-      </a:majorFont>
-      <a:minorFont>
-        <a:latin typeface="Arial"/>
-        <a:ea typeface=""/>
-        <a:cs typeface=""/>
-        <a:font script="Jpan" typeface="ＭＳ Ｐゴシック"/>
-        <a:font script="Hang" typeface="맑은 고딕"/>
-        <a:font script="Hans" typeface="宋体"/>
-        <a:font script="Hant" typeface="新細明體"/>
-        <a:font script="Arab" typeface="Arial"/>
-        <a:font script="Hebr" typeface="Arial"/>
-        <a:font script="Thai" typeface="Cordia New"/>
-        <a:font script="Ethi" typeface="Nyala"/>
-        <a:font script="Beng" typeface="Vrinda"/>
-        <a:font script="Gujr" typeface="Shruti"/>
-        <a:font script="Khmr" typeface="DaunPenh"/>
-        <a:font script="Knda" typeface="Tunga"/>
-        <a:font script="Guru" typeface="Raavi"/>
-        <a:font script="Cans" typeface="Euphemia"/>
-        <a:font script="Cher" typeface="Plantagenet Cherokee"/>
-        <a:font script="Yiii" typeface="Microsoft Yi Baiti"/>
-        <a:font script="Tibt" typeface="Microsoft Himalaya"/>
-        <a:font script="Thaa" typeface="MV Boli"/>
-        <a:font script="Deva" typeface="Mangal"/>
-        <a:font script="Telu" typeface="Gautami"/>
-        <a:font script="Taml" typeface="Latha"/>
-        <a:font script="Syrc" typeface="Estrangelo Edessa"/>
-        <a:font script="Orya" typeface="Kalinga"/>
-        <a:font script="Mlym" typeface="Kartika"/>
-        <a:font script="Laoo" typeface="DokChampa"/>
-        <a:font script="Sinh" typeface="Iskoola Pota"/>
-        <a:font script="Mong" typeface="Mongolian Baiti"/>
-        <a:font script="Viet" typeface="Arial"/>
-        <a:font script="Uigh" typeface="Microsoft Uighur"/>
-        <a:font script="Geor" typeface="Sylfaen"/>
-      </a:minorFont>
-    </a:fontScheme>
-    <a:fmtScheme name="Office">
-      <a:fillStyleLst>
-        <a:solidFill>
-          <a:schemeClr val="phClr"/>
-        </a:solidFill>
-        <a:gradFill rotWithShape="1">
-          <a:gsLst>
-            <a:gs pos="0">
-              <a:schemeClr val="phClr">
-                <a:tint val="50000"/>
-                <a:satMod val="300000"/>
-              </a:schemeClr>
-            </a:gs>
-            <a:gs pos="35000">
-              <a:schemeClr val="phClr">
-                <a:tint val="37000"/>
-                <a:satMod val="300000"/>
-              </a:schemeClr>
-            </a:gs>
-            <a:gs pos="100000">
-              <a:schemeClr val="phClr">
-                <a:tint val="15000"/>
-                <a:satMod val="350000"/>
-              </a:schemeClr>
-            </a:gs>
-          </a:gsLst>
-          <a:lin ang="16200000" scaled="1"/>
-        </a:gradFill>
-        <a:gradFill rotWithShape="1">
-          <a:gsLst>
-            <a:gs pos="0">
-              <a:schemeClr val="phClr">
-                <a:tint val="100000"/>
-                <a:shade val="100000"/>
-                <a:satMod val="130000"/>
-              </a:schemeClr>
-            </a:gs>
-            <a:gs pos="100000">
-              <a:schemeClr val="phClr">
-                <a:tint val="50000"/>
-                <a:shade val="100000"/>
-                <a:satMod val="350000"/>
-              </a:schemeClr>
-            </a:gs>
-          </a:gsLst>
-          <a:lin ang="16200000" scaled="0"/>
-        </a:gradFill>
-      </a:fillStyleLst>
-      <a:lnStyleLst>
-        <a:ln w="9525" cap="flat" cmpd="sng" algn="ctr">
-          <a:solidFill>
-            <a:schemeClr val="phClr">
-              <a:shade val="95000"/>
-              <a:satMod val="105000"/>
-            </a:schemeClr>
-          </a:solidFill>
-          <a:prstDash val="solid"/>
-        </a:ln>
-        <a:ln w="25400" cap="flat" cmpd="sng" algn="ctr">
-          <a:solidFill>
-            <a:schemeClr val="phClr"/>
-          </a:solidFill>
-          <a:prstDash val="solid"/>
-        </a:ln>
-        <a:ln w="38100" cap="flat" cmpd="sng" algn="ctr">
-          <a:solidFill>
-            <a:schemeClr val="phClr"/>
-          </a:solidFill>
-          <a:prstDash val="solid"/>
-        </a:ln>
-      </a:lnStyleLst>
-      <a:effectStyleLst>
-        <a:effectStyle>
-          <a:effectLst>
-            <a:outerShdw blurRad="40000" dist="20000" dir="5400000" rotWithShape="0">
-              <a:srgbClr val="000000">
-                <a:alpha val="38000"/>
-              </a:srgbClr>
-            </a:outerShdw>
-          </a:effectLst>
-        </a:effectStyle>
-        <a:effectStyle>
-          <a:effectLst>
-            <a:outerShdw blurRad="40000" dist="23000" dir="5400000" rotWithShape="0">
-              <a:srgbClr val="000000">
-                <a:alpha val="35000"/>
-              </a:srgbClr>
-            </a:outerShdw>
-          </a:effectLst>
-        </a:effectStyle>
-        <a:effectStyle>
-          <a:effectLst>
-            <a:outerShdw blurRad="40000" dist="23000" dir="5400000" rotWithShape="0">
-              <a:srgbClr val="000000">
-                <a:alpha val="35000"/>
-              </a:srgbClr>
-            </a:outerShdw>
-          </a:effectLst>
-          <a:scene3d>
-            <a:camera prst="orthographicFront">
-              <a:rot lat="0" lon="0" rev="0"/>
-            </a:camera>
-            <a:lightRig rig="threePt" dir="t">
-              <a:rot lat="0" lon="0" rev="1200000"/>
-            </a:lightRig>
-          </a:scene3d>
-          <a:sp3d>
-            <a:bevelT w="63500" h="25400"/>
-          </a:sp3d>
-        </a:effectStyle>
-      </a:effectStyleLst>
-      <a:bgFillStyleLst>
-        <a:solidFill>
-          <a:schemeClr val="phClr"/>
-        </a:solidFill>
-        <a:gradFill rotWithShape="1">
-          <a:gsLst>
-            <a:gs pos="0">
-              <a:schemeClr val="phClr">
-                <a:tint val="40000"/>
-                <a:satMod val="350000"/>
-              </a:schemeClr>
-            </a:gs>
-            <a:gs pos="40000">
-              <a:schemeClr val="phClr">
-                <a:tint val="45000"/>
-                <a:shade val="99000"/>
-                <a:satMod val="350000"/>
-              </a:schemeClr>
-            </a:gs>
-            <a:gs pos="100000">
-              <a:schemeClr val="phClr">
-                <a:shade val="20000"/>
-                <a:satMod val="255000"/>
-              </a:schemeClr>
-            </a:gs>
-          </a:gsLst>
-          <a:path path="circle">
-            <a:fillToRect l="50000" t="-80000" r="50000" b="180000"/>
-          </a:path>
-        </a:gradFill>
-        <a:gradFill rotWithShape="1">
-          <a:gsLst>
-            <a:gs pos="0">
-              <a:schemeClr val="phClr">
-                <a:tint val="80000"/>
-                <a:satMod val="300000"/>
-              </a:schemeClr>
-            </a:gs>
-            <a:gs pos="100000">
-              <a:schemeClr val="phClr">
-                <a:shade val="30000"/>
-                <a:satMod val="200000"/>
-              </a:schemeClr>
-            </a:gs>
-          </a:gsLst>
-          <a:path path="circle">
-            <a:fillToRect l="50000" t="50000" r="50000" b="50000"/>
-          </a:path>
-        </a:gradFill>
-      </a:bgFillStyleLst>
-    </a:fmtScheme>
-  </a:themeElements>
-</a:theme>
 </file>
--- a/Presentation/final_presentation.pptx
+++ b/Presentation/final_presentation.pptx
@@ -37,17 +37,16 @@
     <p:sldId id="282" r:id="rId31"/>
     <p:sldId id="283" r:id="rId32"/>
     <p:sldId id="284" r:id="rId33"/>
-    <p:sldId id="285" r:id="rId34"/>
   </p:sldIdLst>
   <p:sldSz cy="5143500" cx="9144000"/>
   <p:notesSz cx="6858000" cy="9144000"/>
   <p:embeddedFontLst>
     <p:embeddedFont>
       <p:font typeface="Roboto"/>
-      <p:regular r:id="rId35"/>
-      <p:bold r:id="rId36"/>
-      <p:italic r:id="rId37"/>
-      <p:boldItalic r:id="rId38"/>
+      <p:regular r:id="rId34"/>
+      <p:bold r:id="rId35"/>
+      <p:italic r:id="rId36"/>
+      <p:boldItalic r:id="rId37"/>
     </p:embeddedFont>
   </p:embeddedFontLst>
   <p:defaultTextStyle>
@@ -504,7 +503,7 @@
   <p:cSld>
     <p:spTree>
       <p:nvGrpSpPr>
-        <p:cNvPr id="172" name="Shape 172"/>
+        <p:cNvPr id="164" name="Shape 164"/>
         <p:cNvGrpSpPr/>
         <p:nvPr/>
       </p:nvGrpSpPr>
@@ -518,7 +517,7 @@
       </p:grpSpPr>
       <p:sp>
         <p:nvSpPr>
-          <p:cNvPr id="173" name="Shape 173"/>
+          <p:cNvPr id="165" name="Shape 165"/>
           <p:cNvSpPr/>
           <p:nvPr>
             <p:ph idx="2" type="sldImg"/>
@@ -552,7 +551,7 @@
       </p:sp>
       <p:sp>
         <p:nvSpPr>
-          <p:cNvPr id="174" name="Shape 174"/>
+          <p:cNvPr id="166" name="Shape 166"/>
           <p:cNvSpPr txBox="1"/>
           <p:nvPr>
             <p:ph idx="1" type="body"/>
@@ -599,7 +598,7 @@
   <p:cSld>
     <p:spTree>
       <p:nvGrpSpPr>
-        <p:cNvPr id="179" name="Shape 179"/>
+        <p:cNvPr id="172" name="Shape 172"/>
         <p:cNvGrpSpPr/>
         <p:nvPr/>
       </p:nvGrpSpPr>
@@ -613,7 +612,7 @@
       </p:grpSpPr>
       <p:sp>
         <p:nvSpPr>
-          <p:cNvPr id="180" name="Shape 180"/>
+          <p:cNvPr id="173" name="Shape 173"/>
           <p:cNvSpPr/>
           <p:nvPr>
             <p:ph idx="2" type="sldImg"/>
@@ -647,7 +646,7 @@
       </p:sp>
       <p:sp>
         <p:nvSpPr>
-          <p:cNvPr id="181" name="Shape 181"/>
+          <p:cNvPr id="174" name="Shape 174"/>
           <p:cNvSpPr txBox="1"/>
           <p:nvPr>
             <p:ph idx="1" type="body"/>
@@ -675,9 +674,21 @@
               <a:buNone/>
             </a:pPr>
             <a:r>
-              <a:t/>
-            </a:r>
-            <a:endParaRPr/>
+              <a:rPr lang="en"/>
+              <a:t>If we had preprocessed before classification, we would have lost punctuations ….</a:t>
+            </a:r>
+          </a:p>
+          <a:p>
+            <a:pPr lvl="0" rtl="0">
+              <a:spcBef>
+                <a:spcPts val="0"/>
+              </a:spcBef>
+              <a:buNone/>
+            </a:pPr>
+            <a:r>
+              <a:rPr lang="en"/>
+              <a:t>dictionary was used before, stemmed words  cannot be stored </a:t>
+            </a:r>
           </a:p>
         </p:txBody>
       </p:sp>
@@ -694,7 +705,7 @@
   <p:cSld>
     <p:spTree>
       <p:nvGrpSpPr>
-        <p:cNvPr id="187" name="Shape 187"/>
+        <p:cNvPr id="179" name="Shape 179"/>
         <p:cNvGrpSpPr/>
         <p:nvPr/>
       </p:nvGrpSpPr>
@@ -708,7 +719,7 @@
       </p:grpSpPr>
       <p:sp>
         <p:nvSpPr>
-          <p:cNvPr id="188" name="Shape 188"/>
+          <p:cNvPr id="180" name="Shape 180"/>
           <p:cNvSpPr/>
           <p:nvPr>
             <p:ph idx="2" type="sldImg"/>
@@ -742,7 +753,7 @@
       </p:sp>
       <p:sp>
         <p:nvSpPr>
-          <p:cNvPr id="189" name="Shape 189"/>
+          <p:cNvPr id="181" name="Shape 181"/>
           <p:cNvSpPr txBox="1"/>
           <p:nvPr>
             <p:ph idx="1" type="body"/>
@@ -770,21 +781,9 @@
               <a:buNone/>
             </a:pPr>
             <a:r>
-              <a:rPr lang="en"/>
-              <a:t>If we had preprocessed before classification, we would have lost punctuations ….</a:t>
-            </a:r>
-          </a:p>
-          <a:p>
-            <a:pPr lvl="0" rtl="0">
-              <a:spcBef>
-                <a:spcPts val="0"/>
-              </a:spcBef>
-              <a:buNone/>
-            </a:pPr>
-            <a:r>
-              <a:rPr lang="en"/>
-              <a:t>dictionary was used before, stemmed words  cannot be stored </a:t>
-            </a:r>
+              <a:t/>
+            </a:r>
+            <a:endParaRPr/>
           </a:p>
         </p:txBody>
       </p:sp>
@@ -801,7 +800,7 @@
   <p:cSld>
     <p:spTree>
       <p:nvGrpSpPr>
-        <p:cNvPr id="194" name="Shape 194"/>
+        <p:cNvPr id="187" name="Shape 187"/>
         <p:cNvGrpSpPr/>
         <p:nvPr/>
       </p:nvGrpSpPr>
@@ -815,7 +814,7 @@
       </p:grpSpPr>
       <p:sp>
         <p:nvSpPr>
-          <p:cNvPr id="195" name="Shape 195"/>
+          <p:cNvPr id="188" name="Shape 188"/>
           <p:cNvSpPr/>
           <p:nvPr>
             <p:ph idx="2" type="sldImg"/>
@@ -849,7 +848,7 @@
       </p:sp>
       <p:sp>
         <p:nvSpPr>
-          <p:cNvPr id="196" name="Shape 196"/>
+          <p:cNvPr id="189" name="Shape 189"/>
           <p:cNvSpPr txBox="1"/>
           <p:nvPr>
             <p:ph idx="1" type="body"/>
@@ -896,7 +895,7 @@
   <p:cSld>
     <p:spTree>
       <p:nvGrpSpPr>
-        <p:cNvPr id="202" name="Shape 202"/>
+        <p:cNvPr id="195" name="Shape 195"/>
         <p:cNvGrpSpPr/>
         <p:nvPr/>
       </p:nvGrpSpPr>
@@ -910,7 +909,7 @@
       </p:grpSpPr>
       <p:sp>
         <p:nvSpPr>
-          <p:cNvPr id="203" name="Shape 203"/>
+          <p:cNvPr id="196" name="Shape 196"/>
           <p:cNvSpPr/>
           <p:nvPr>
             <p:ph idx="2" type="sldImg"/>
@@ -944,7 +943,7 @@
       </p:sp>
       <p:sp>
         <p:nvSpPr>
-          <p:cNvPr id="204" name="Shape 204"/>
+          <p:cNvPr id="197" name="Shape 197"/>
           <p:cNvSpPr txBox="1"/>
           <p:nvPr>
             <p:ph idx="1" type="body"/>
@@ -965,7 +964,7 @@
           </a:bodyPr>
           <a:lstStyle/>
           <a:p>
-            <a:pPr lvl="0">
+            <a:pPr lvl="0" rtl="0">
               <a:spcBef>
                 <a:spcPts val="0"/>
               </a:spcBef>
@@ -991,7 +990,7 @@
   <p:cSld>
     <p:spTree>
       <p:nvGrpSpPr>
-        <p:cNvPr id="210" name="Shape 210"/>
+        <p:cNvPr id="203" name="Shape 203"/>
         <p:cNvGrpSpPr/>
         <p:nvPr/>
       </p:nvGrpSpPr>
@@ -1005,7 +1004,7 @@
       </p:grpSpPr>
       <p:sp>
         <p:nvSpPr>
-          <p:cNvPr id="211" name="Shape 211"/>
+          <p:cNvPr id="204" name="Shape 204"/>
           <p:cNvSpPr/>
           <p:nvPr>
             <p:ph idx="2" type="sldImg"/>
@@ -1039,7 +1038,7 @@
       </p:sp>
       <p:sp>
         <p:nvSpPr>
-          <p:cNvPr id="212" name="Shape 212"/>
+          <p:cNvPr id="205" name="Shape 205"/>
           <p:cNvSpPr txBox="1"/>
           <p:nvPr>
             <p:ph idx="1" type="body"/>
@@ -1060,7 +1059,7 @@
           </a:bodyPr>
           <a:lstStyle/>
           <a:p>
-            <a:pPr lvl="0" rtl="0">
+            <a:pPr lvl="0">
               <a:spcBef>
                 <a:spcPts val="0"/>
               </a:spcBef>
@@ -1086,7 +1085,7 @@
   <p:cSld>
     <p:spTree>
       <p:nvGrpSpPr>
-        <p:cNvPr id="218" name="Shape 218"/>
+        <p:cNvPr id="210" name="Shape 210"/>
         <p:cNvGrpSpPr/>
         <p:nvPr/>
       </p:nvGrpSpPr>
@@ -1100,7 +1099,7 @@
       </p:grpSpPr>
       <p:sp>
         <p:nvSpPr>
-          <p:cNvPr id="219" name="Shape 219"/>
+          <p:cNvPr id="211" name="Shape 211"/>
           <p:cNvSpPr/>
           <p:nvPr>
             <p:ph idx="2" type="sldImg"/>
@@ -1134,7 +1133,7 @@
       </p:sp>
       <p:sp>
         <p:nvSpPr>
-          <p:cNvPr id="220" name="Shape 220"/>
+          <p:cNvPr id="212" name="Shape 212"/>
           <p:cNvSpPr txBox="1"/>
           <p:nvPr>
             <p:ph idx="1" type="body"/>
@@ -1155,7 +1154,7 @@
           </a:bodyPr>
           <a:lstStyle/>
           <a:p>
-            <a:pPr lvl="0">
+            <a:pPr lvl="0" rtl="0">
               <a:spcBef>
                 <a:spcPts val="0"/>
               </a:spcBef>
@@ -1181,7 +1180,7 @@
   <p:cSld>
     <p:spTree>
       <p:nvGrpSpPr>
-        <p:cNvPr id="225" name="Shape 225"/>
+        <p:cNvPr id="217" name="Shape 217"/>
         <p:cNvGrpSpPr/>
         <p:nvPr/>
       </p:nvGrpSpPr>
@@ -1195,7 +1194,7 @@
       </p:grpSpPr>
       <p:sp>
         <p:nvSpPr>
-          <p:cNvPr id="226" name="Shape 226"/>
+          <p:cNvPr id="218" name="Shape 218"/>
           <p:cNvSpPr/>
           <p:nvPr>
             <p:ph idx="2" type="sldImg"/>
@@ -1229,7 +1228,7 @@
       </p:sp>
       <p:sp>
         <p:nvSpPr>
-          <p:cNvPr id="227" name="Shape 227"/>
+          <p:cNvPr id="219" name="Shape 219"/>
           <p:cNvSpPr txBox="1"/>
           <p:nvPr>
             <p:ph idx="1" type="body"/>
@@ -1276,7 +1275,7 @@
   <p:cSld>
     <p:spTree>
       <p:nvGrpSpPr>
-        <p:cNvPr id="232" name="Shape 232"/>
+        <p:cNvPr id="224" name="Shape 224"/>
         <p:cNvGrpSpPr/>
         <p:nvPr/>
       </p:nvGrpSpPr>
@@ -1290,7 +1289,7 @@
       </p:grpSpPr>
       <p:sp>
         <p:nvSpPr>
-          <p:cNvPr id="233" name="Shape 233"/>
+          <p:cNvPr id="225" name="Shape 225"/>
           <p:cNvSpPr/>
           <p:nvPr>
             <p:ph idx="2" type="sldImg"/>
@@ -1324,7 +1323,7 @@
       </p:sp>
       <p:sp>
         <p:nvSpPr>
-          <p:cNvPr id="234" name="Shape 234"/>
+          <p:cNvPr id="226" name="Shape 226"/>
           <p:cNvSpPr txBox="1"/>
           <p:nvPr>
             <p:ph idx="1" type="body"/>
@@ -1371,7 +1370,7 @@
   <p:cSld>
     <p:spTree>
       <p:nvGrpSpPr>
-        <p:cNvPr id="239" name="Shape 239"/>
+        <p:cNvPr id="231" name="Shape 231"/>
         <p:cNvGrpSpPr/>
         <p:nvPr/>
       </p:nvGrpSpPr>
@@ -1385,7 +1384,7 @@
       </p:grpSpPr>
       <p:sp>
         <p:nvSpPr>
-          <p:cNvPr id="240" name="Shape 240"/>
+          <p:cNvPr id="232" name="Shape 232"/>
           <p:cNvSpPr/>
           <p:nvPr>
             <p:ph idx="2" type="sldImg"/>
@@ -1419,7 +1418,7 @@
       </p:sp>
       <p:sp>
         <p:nvSpPr>
-          <p:cNvPr id="241" name="Shape 241"/>
+          <p:cNvPr id="233" name="Shape 233"/>
           <p:cNvSpPr txBox="1"/>
           <p:nvPr>
             <p:ph idx="1" type="body"/>
@@ -1561,7 +1560,7 @@
   <p:cSld>
     <p:spTree>
       <p:nvGrpSpPr>
-        <p:cNvPr id="246" name="Shape 246"/>
+        <p:cNvPr id="238" name="Shape 238"/>
         <p:cNvGrpSpPr/>
         <p:nvPr/>
       </p:nvGrpSpPr>
@@ -1575,7 +1574,7 @@
       </p:grpSpPr>
       <p:sp>
         <p:nvSpPr>
-          <p:cNvPr id="247" name="Shape 247"/>
+          <p:cNvPr id="239" name="Shape 239"/>
           <p:cNvSpPr/>
           <p:nvPr>
             <p:ph idx="2" type="sldImg"/>
@@ -1609,7 +1608,7 @@
       </p:sp>
       <p:sp>
         <p:nvSpPr>
-          <p:cNvPr id="248" name="Shape 248"/>
+          <p:cNvPr id="240" name="Shape 240"/>
           <p:cNvSpPr txBox="1"/>
           <p:nvPr>
             <p:ph idx="1" type="body"/>
@@ -1656,7 +1655,7 @@
   <p:cSld>
     <p:spTree>
       <p:nvGrpSpPr>
-        <p:cNvPr id="253" name="Shape 253"/>
+        <p:cNvPr id="247" name="Shape 247"/>
         <p:cNvGrpSpPr/>
         <p:nvPr/>
       </p:nvGrpSpPr>
@@ -1670,7 +1669,7 @@
       </p:grpSpPr>
       <p:sp>
         <p:nvSpPr>
-          <p:cNvPr id="254" name="Shape 254"/>
+          <p:cNvPr id="248" name="Shape 248"/>
           <p:cNvSpPr/>
           <p:nvPr>
             <p:ph idx="2" type="sldImg"/>
@@ -1704,7 +1703,7 @@
       </p:sp>
       <p:sp>
         <p:nvSpPr>
-          <p:cNvPr id="255" name="Shape 255"/>
+          <p:cNvPr id="249" name="Shape 249"/>
           <p:cNvSpPr txBox="1"/>
           <p:nvPr>
             <p:ph idx="1" type="body"/>
@@ -1725,7 +1724,7 @@
           </a:bodyPr>
           <a:lstStyle/>
           <a:p>
-            <a:pPr lvl="0" rtl="0">
+            <a:pPr lvl="0">
               <a:spcBef>
                 <a:spcPts val="0"/>
               </a:spcBef>
@@ -1751,7 +1750,7 @@
   <p:cSld>
     <p:spTree>
       <p:nvGrpSpPr>
-        <p:cNvPr id="260" name="Shape 260"/>
+        <p:cNvPr id="254" name="Shape 254"/>
         <p:cNvGrpSpPr/>
         <p:nvPr/>
       </p:nvGrpSpPr>
@@ -1765,7 +1764,7 @@
       </p:grpSpPr>
       <p:sp>
         <p:nvSpPr>
-          <p:cNvPr id="261" name="Shape 261"/>
+          <p:cNvPr id="255" name="Shape 255"/>
           <p:cNvSpPr/>
           <p:nvPr>
             <p:ph idx="2" type="sldImg"/>
@@ -1799,7 +1798,7 @@
       </p:sp>
       <p:sp>
         <p:nvSpPr>
-          <p:cNvPr id="262" name="Shape 262"/>
+          <p:cNvPr id="256" name="Shape 256"/>
           <p:cNvSpPr txBox="1"/>
           <p:nvPr>
             <p:ph idx="1" type="body"/>
@@ -1846,7 +1845,7 @@
   <p:cSld>
     <p:spTree>
       <p:nvGrpSpPr>
-        <p:cNvPr id="271" name="Shape 271"/>
+        <p:cNvPr id="261" name="Shape 261"/>
         <p:cNvGrpSpPr/>
         <p:nvPr/>
       </p:nvGrpSpPr>
@@ -1860,7 +1859,7 @@
       </p:grpSpPr>
       <p:sp>
         <p:nvSpPr>
-          <p:cNvPr id="272" name="Shape 272"/>
+          <p:cNvPr id="262" name="Shape 262"/>
           <p:cNvSpPr/>
           <p:nvPr>
             <p:ph idx="2" type="sldImg"/>
@@ -1894,7 +1893,7 @@
       </p:sp>
       <p:sp>
         <p:nvSpPr>
-          <p:cNvPr id="273" name="Shape 273"/>
+          <p:cNvPr id="263" name="Shape 263"/>
           <p:cNvSpPr txBox="1"/>
           <p:nvPr>
             <p:ph idx="1" type="body"/>
@@ -1915,7 +1914,7 @@
           </a:bodyPr>
           <a:lstStyle/>
           <a:p>
-            <a:pPr lvl="0" rtl="0">
+            <a:pPr lvl="0">
               <a:spcBef>
                 <a:spcPts val="0"/>
               </a:spcBef>
@@ -1941,7 +1940,7 @@
   <p:cSld>
     <p:spTree>
       <p:nvGrpSpPr>
-        <p:cNvPr id="282" name="Shape 282"/>
+        <p:cNvPr id="268" name="Shape 268"/>
         <p:cNvGrpSpPr/>
         <p:nvPr/>
       </p:nvGrpSpPr>
@@ -1955,7 +1954,7 @@
       </p:grpSpPr>
       <p:sp>
         <p:nvSpPr>
-          <p:cNvPr id="283" name="Shape 283"/>
+          <p:cNvPr id="269" name="Shape 269"/>
           <p:cNvSpPr/>
           <p:nvPr>
             <p:ph idx="2" type="sldImg"/>
@@ -1989,7 +1988,7 @@
       </p:sp>
       <p:sp>
         <p:nvSpPr>
-          <p:cNvPr id="284" name="Shape 284"/>
+          <p:cNvPr id="270" name="Shape 270"/>
           <p:cNvSpPr txBox="1"/>
           <p:nvPr>
             <p:ph idx="1" type="body"/>
@@ -2010,7 +2009,7 @@
           </a:bodyPr>
           <a:lstStyle/>
           <a:p>
-            <a:pPr lvl="0" rtl="0">
+            <a:pPr lvl="0">
               <a:spcBef>
                 <a:spcPts val="0"/>
               </a:spcBef>
@@ -2036,7 +2035,7 @@
   <p:cSld>
     <p:spTree>
       <p:nvGrpSpPr>
-        <p:cNvPr id="293" name="Shape 293"/>
+        <p:cNvPr id="275" name="Shape 275"/>
         <p:cNvGrpSpPr/>
         <p:nvPr/>
       </p:nvGrpSpPr>
@@ -2050,7 +2049,7 @@
       </p:grpSpPr>
       <p:sp>
         <p:nvSpPr>
-          <p:cNvPr id="294" name="Shape 294"/>
+          <p:cNvPr id="276" name="Shape 276"/>
           <p:cNvSpPr/>
           <p:nvPr>
             <p:ph idx="2" type="sldImg"/>
@@ -2084,7 +2083,7 @@
       </p:sp>
       <p:sp>
         <p:nvSpPr>
-          <p:cNvPr id="295" name="Shape 295"/>
+          <p:cNvPr id="277" name="Shape 277"/>
           <p:cNvSpPr txBox="1"/>
           <p:nvPr>
             <p:ph idx="1" type="body"/>
@@ -2131,7 +2130,7 @@
   <p:cSld>
     <p:spTree>
       <p:nvGrpSpPr>
-        <p:cNvPr id="304" name="Shape 304"/>
+        <p:cNvPr id="284" name="Shape 284"/>
         <p:cNvGrpSpPr/>
         <p:nvPr/>
       </p:nvGrpSpPr>
@@ -2145,7 +2144,7 @@
       </p:grpSpPr>
       <p:sp>
         <p:nvSpPr>
-          <p:cNvPr id="305" name="Shape 305"/>
+          <p:cNvPr id="285" name="Shape 285"/>
           <p:cNvSpPr/>
           <p:nvPr>
             <p:ph idx="2" type="sldImg"/>
@@ -2179,7 +2178,7 @@
       </p:sp>
       <p:sp>
         <p:nvSpPr>
-          <p:cNvPr id="306" name="Shape 306"/>
+          <p:cNvPr id="286" name="Shape 286"/>
           <p:cNvSpPr txBox="1"/>
           <p:nvPr>
             <p:ph idx="1" type="body"/>
@@ -2226,7 +2225,7 @@
   <p:cSld>
     <p:spTree>
       <p:nvGrpSpPr>
-        <p:cNvPr id="311" name="Shape 311"/>
+        <p:cNvPr id="291" name="Shape 291"/>
         <p:cNvGrpSpPr/>
         <p:nvPr/>
       </p:nvGrpSpPr>
@@ -2240,7 +2239,7 @@
       </p:grpSpPr>
       <p:sp>
         <p:nvSpPr>
-          <p:cNvPr id="312" name="Shape 312"/>
+          <p:cNvPr id="292" name="Shape 292"/>
           <p:cNvSpPr/>
           <p:nvPr>
             <p:ph idx="2" type="sldImg"/>
@@ -2274,7 +2273,7 @@
       </p:sp>
       <p:sp>
         <p:nvSpPr>
-          <p:cNvPr id="313" name="Shape 313"/>
+          <p:cNvPr id="293" name="Shape 293"/>
           <p:cNvSpPr txBox="1"/>
           <p:nvPr>
             <p:ph idx="1" type="body"/>
@@ -2321,7 +2320,7 @@
   <p:cSld>
     <p:spTree>
       <p:nvGrpSpPr>
-        <p:cNvPr id="318" name="Shape 318"/>
+        <p:cNvPr id="298" name="Shape 298"/>
         <p:cNvGrpSpPr/>
         <p:nvPr/>
       </p:nvGrpSpPr>
@@ -2335,7 +2334,7 @@
       </p:grpSpPr>
       <p:sp>
         <p:nvSpPr>
-          <p:cNvPr id="319" name="Shape 319"/>
+          <p:cNvPr id="299" name="Shape 299"/>
           <p:cNvSpPr/>
           <p:nvPr>
             <p:ph idx="2" type="sldImg"/>
@@ -2369,7 +2368,7 @@
       </p:sp>
       <p:sp>
         <p:nvSpPr>
-          <p:cNvPr id="320" name="Shape 320"/>
+          <p:cNvPr id="300" name="Shape 300"/>
           <p:cNvSpPr txBox="1"/>
           <p:nvPr>
             <p:ph idx="1" type="body"/>
@@ -2416,7 +2415,7 @@
   <p:cSld>
     <p:spTree>
       <p:nvGrpSpPr>
-        <p:cNvPr id="325" name="Shape 325"/>
+        <p:cNvPr id="305" name="Shape 305"/>
         <p:cNvGrpSpPr/>
         <p:nvPr/>
       </p:nvGrpSpPr>
@@ -2430,7 +2429,7 @@
       </p:grpSpPr>
       <p:sp>
         <p:nvSpPr>
-          <p:cNvPr id="326" name="Shape 326"/>
+          <p:cNvPr id="306" name="Shape 306"/>
           <p:cNvSpPr/>
           <p:nvPr>
             <p:ph idx="2" type="sldImg"/>
@@ -2464,7 +2463,7 @@
       </p:sp>
       <p:sp>
         <p:nvSpPr>
-          <p:cNvPr id="327" name="Shape 327"/>
+          <p:cNvPr id="307" name="Shape 307"/>
           <p:cNvSpPr txBox="1"/>
           <p:nvPr>
             <p:ph idx="1" type="body"/>
@@ -2601,101 +2600,6 @@
 </p:notes>
 </file>
 
-<file path=ppt/notesSlides/notesSlide30.xml><?xml version="1.0" encoding="utf-8"?>
-<p:notes xmlns:a="http://schemas.openxmlformats.org/drawingml/2006/main" xmlns:r="http://schemas.openxmlformats.org/officeDocument/2006/relationships" xmlns:mc="http://schemas.openxmlformats.org/markup-compatibility/2006" xmlns:mv="urn:schemas-microsoft-com:mac:vml" xmlns:p="http://schemas.openxmlformats.org/presentationml/2006/main" xmlns:c="http://schemas.openxmlformats.org/drawingml/2006/chart" xmlns:dgm="http://schemas.openxmlformats.org/drawingml/2006/diagram" xmlns:o="urn:schemas-microsoft-com:office:office" xmlns:v="urn:schemas-microsoft-com:vml" xmlns:pvml="urn:schemas-microsoft-com:office:powerpoint" xmlns:com="http://schemas.openxmlformats.org/drawingml/2006/compatibility" xmlns:p14="http://schemas.microsoft.com/office/powerpoint/2010/main" showMasterPhAnim="0" showMasterSp="0">
-  <p:cSld>
-    <p:spTree>
-      <p:nvGrpSpPr>
-        <p:cNvPr id="332" name="Shape 332"/>
-        <p:cNvGrpSpPr/>
-        <p:nvPr/>
-      </p:nvGrpSpPr>
-      <p:grpSpPr>
-        <a:xfrm>
-          <a:off x="0" y="0"/>
-          <a:ext cx="0" cy="0"/>
-          <a:chOff x="0" y="0"/>
-          <a:chExt cx="0" cy="0"/>
-        </a:xfrm>
-      </p:grpSpPr>
-      <p:sp>
-        <p:nvSpPr>
-          <p:cNvPr id="333" name="Shape 333"/>
-          <p:cNvSpPr/>
-          <p:nvPr>
-            <p:ph idx="2" type="sldImg"/>
-          </p:nvPr>
-        </p:nvSpPr>
-        <p:spPr>
-          <a:xfrm>
-            <a:off x="381300" y="685800"/>
-            <a:ext cx="6096000" cy="3429000"/>
-          </a:xfrm>
-          <a:custGeom>
-            <a:pathLst>
-              <a:path extrusionOk="0" h="120000" w="120000">
-                <a:moveTo>
-                  <a:pt x="0" y="0"/>
-                </a:moveTo>
-                <a:lnTo>
-                  <a:pt x="120000" y="0"/>
-                </a:lnTo>
-                <a:lnTo>
-                  <a:pt x="120000" y="120000"/>
-                </a:lnTo>
-                <a:lnTo>
-                  <a:pt x="0" y="120000"/>
-                </a:lnTo>
-                <a:close/>
-              </a:path>
-            </a:pathLst>
-          </a:custGeom>
-        </p:spPr>
-      </p:sp>
-      <p:sp>
-        <p:nvSpPr>
-          <p:cNvPr id="334" name="Shape 334"/>
-          <p:cNvSpPr txBox="1"/>
-          <p:nvPr>
-            <p:ph idx="1" type="body"/>
-          </p:nvPr>
-        </p:nvSpPr>
-        <p:spPr>
-          <a:xfrm>
-            <a:off x="685800" y="4343400"/>
-            <a:ext cx="5486400" cy="4114800"/>
-          </a:xfrm>
-          <a:prstGeom prst="rect">
-            <a:avLst/>
-          </a:prstGeom>
-        </p:spPr>
-        <p:txBody>
-          <a:bodyPr anchorCtr="0" anchor="t" bIns="91425" lIns="91425" rIns="91425" tIns="91425">
-            <a:noAutofit/>
-          </a:bodyPr>
-          <a:lstStyle/>
-          <a:p>
-            <a:pPr lvl="0">
-              <a:spcBef>
-                <a:spcPts val="0"/>
-              </a:spcBef>
-              <a:buNone/>
-            </a:pPr>
-            <a:r>
-              <a:t/>
-            </a:r>
-            <a:endParaRPr/>
-          </a:p>
-        </p:txBody>
-      </p:sp>
-    </p:spTree>
-  </p:cSld>
-  <p:clrMapOvr>
-    <a:masterClrMapping/>
-  </p:clrMapOvr>
-</p:notes>
-</file>
-
 <file path=ppt/notesSlides/notesSlide4.xml><?xml version="1.0" encoding="utf-8"?>
 <p:notes xmlns:a="http://schemas.openxmlformats.org/drawingml/2006/main" xmlns:r="http://schemas.openxmlformats.org/officeDocument/2006/relationships" xmlns:mc="http://schemas.openxmlformats.org/markup-compatibility/2006" xmlns:mv="urn:schemas-microsoft-com:mac:vml" xmlns:p="http://schemas.openxmlformats.org/presentationml/2006/main" xmlns:c="http://schemas.openxmlformats.org/drawingml/2006/chart" xmlns:dgm="http://schemas.openxmlformats.org/drawingml/2006/diagram" xmlns:o="urn:schemas-microsoft-com:office:office" xmlns:v="urn:schemas-microsoft-com:vml" xmlns:pvml="urn:schemas-microsoft-com:office:powerpoint" xmlns:com="http://schemas.openxmlformats.org/drawingml/2006/compatibility" xmlns:p14="http://schemas.microsoft.com/office/powerpoint/2010/main" showMasterPhAnim="0" showMasterSp="0">
   <p:cSld>
@@ -2960,7 +2864,7 @@
           </a:bodyPr>
           <a:lstStyle/>
           <a:p>
-            <a:pPr lvl="0">
+            <a:pPr lvl="0" rtl="0">
               <a:spcBef>
                 <a:spcPts val="0"/>
               </a:spcBef>
@@ -2986,7 +2890,7 @@
   <p:cSld>
     <p:spTree>
       <p:nvGrpSpPr>
-        <p:cNvPr id="124" name="Shape 124"/>
+        <p:cNvPr id="143" name="Shape 143"/>
         <p:cNvGrpSpPr/>
         <p:nvPr/>
       </p:nvGrpSpPr>
@@ -3000,7 +2904,7 @@
       </p:grpSpPr>
       <p:sp>
         <p:nvSpPr>
-          <p:cNvPr id="125" name="Shape 125"/>
+          <p:cNvPr id="144" name="Shape 144"/>
           <p:cNvSpPr/>
           <p:nvPr>
             <p:ph idx="2" type="sldImg"/>
@@ -3034,7 +2938,7 @@
       </p:sp>
       <p:sp>
         <p:nvSpPr>
-          <p:cNvPr id="126" name="Shape 126"/>
+          <p:cNvPr id="145" name="Shape 145"/>
           <p:cNvSpPr txBox="1"/>
           <p:nvPr>
             <p:ph idx="1" type="body"/>
@@ -3055,7 +2959,19 @@
           </a:bodyPr>
           <a:lstStyle/>
           <a:p>
-            <a:pPr lvl="0" rtl="0">
+            <a:pPr lvl="0">
+              <a:spcBef>
+                <a:spcPts val="0"/>
+              </a:spcBef>
+              <a:buNone/>
+            </a:pPr>
+            <a:r>
+              <a:rPr lang="en"/>
+              <a:t>Initially page  count are accessed</a:t>
+            </a:r>
+          </a:p>
+          <a:p>
+            <a:pPr lvl="0">
               <a:spcBef>
                 <a:spcPts val="0"/>
               </a:spcBef>
@@ -3081,7 +2997,7 @@
   <p:cSld>
     <p:spTree>
       <p:nvGrpSpPr>
-        <p:cNvPr id="158" name="Shape 158"/>
+        <p:cNvPr id="150" name="Shape 150"/>
         <p:cNvGrpSpPr/>
         <p:nvPr/>
       </p:nvGrpSpPr>
@@ -3095,7 +3011,7 @@
       </p:grpSpPr>
       <p:sp>
         <p:nvSpPr>
-          <p:cNvPr id="159" name="Shape 159"/>
+          <p:cNvPr id="151" name="Shape 151"/>
           <p:cNvSpPr/>
           <p:nvPr>
             <p:ph idx="2" type="sldImg"/>
@@ -3129,7 +3045,7 @@
       </p:sp>
       <p:sp>
         <p:nvSpPr>
-          <p:cNvPr id="160" name="Shape 160"/>
+          <p:cNvPr id="152" name="Shape 152"/>
           <p:cNvSpPr txBox="1"/>
           <p:nvPr>
             <p:ph idx="1" type="body"/>
@@ -3149,18 +3065,6 @@
             <a:noAutofit/>
           </a:bodyPr>
           <a:lstStyle/>
-          <a:p>
-            <a:pPr lvl="0">
-              <a:spcBef>
-                <a:spcPts val="0"/>
-              </a:spcBef>
-              <a:buNone/>
-            </a:pPr>
-            <a:r>
-              <a:rPr lang="en"/>
-              <a:t>Initially page  count are accessed</a:t>
-            </a:r>
-          </a:p>
           <a:p>
             <a:pPr lvl="0">
               <a:spcBef>
@@ -3188,7 +3092,7 @@
   <p:cSld>
     <p:spTree>
       <p:nvGrpSpPr>
-        <p:cNvPr id="165" name="Shape 165"/>
+        <p:cNvPr id="157" name="Shape 157"/>
         <p:cNvGrpSpPr/>
         <p:nvPr/>
       </p:nvGrpSpPr>
@@ -3202,7 +3106,7 @@
       </p:grpSpPr>
       <p:sp>
         <p:nvSpPr>
-          <p:cNvPr id="166" name="Shape 166"/>
+          <p:cNvPr id="158" name="Shape 158"/>
           <p:cNvSpPr/>
           <p:nvPr>
             <p:ph idx="2" type="sldImg"/>
@@ -3236,7 +3140,7 @@
       </p:sp>
       <p:sp>
         <p:nvSpPr>
-          <p:cNvPr id="167" name="Shape 167"/>
+          <p:cNvPr id="159" name="Shape 159"/>
           <p:cNvSpPr txBox="1"/>
           <p:nvPr>
             <p:ph idx="1" type="body"/>
@@ -8248,7 +8152,7 @@
             </a:pPr>
             <a:r>
               <a:rPr lang="en"/>
-              <a:t>Muhammed Huvais</a:t>
+              <a:t>Mohammed Huvais</a:t>
             </a:r>
           </a:p>
           <a:p>
@@ -8382,6 +8286,263 @@
 </file>
 
 <file path=ppt/slides/slide10.xml><?xml version="1.0" encoding="utf-8"?>
+<p:sld xmlns:a="http://schemas.openxmlformats.org/drawingml/2006/main" xmlns:r="http://schemas.openxmlformats.org/officeDocument/2006/relationships" xmlns:mc="http://schemas.openxmlformats.org/markup-compatibility/2006" xmlns:mv="urn:schemas-microsoft-com:mac:vml" xmlns:p="http://schemas.openxmlformats.org/presentationml/2006/main" xmlns:c="http://schemas.openxmlformats.org/drawingml/2006/chart" xmlns:dgm="http://schemas.openxmlformats.org/drawingml/2006/diagram" xmlns:o="urn:schemas-microsoft-com:office:office" xmlns:v="urn:schemas-microsoft-com:vml" xmlns:pvml="urn:schemas-microsoft-com:office:powerpoint" xmlns:com="http://schemas.openxmlformats.org/drawingml/2006/compatibility" xmlns:p14="http://schemas.microsoft.com/office/powerpoint/2010/main">
+  <p:cSld>
+    <p:spTree>
+      <p:nvGrpSpPr>
+        <p:cNvPr id="167" name="Shape 167"/>
+        <p:cNvGrpSpPr/>
+        <p:nvPr/>
+      </p:nvGrpSpPr>
+      <p:grpSpPr>
+        <a:xfrm>
+          <a:off x="0" y="0"/>
+          <a:ext cx="0" cy="0"/>
+          <a:chOff x="0" y="0"/>
+          <a:chExt cx="0" cy="0"/>
+        </a:xfrm>
+      </p:grpSpPr>
+      <p:sp>
+        <p:nvSpPr>
+          <p:cNvPr id="168" name="Shape 168"/>
+          <p:cNvSpPr txBox="1"/>
+          <p:nvPr>
+            <p:ph type="title"/>
+          </p:nvPr>
+        </p:nvSpPr>
+        <p:spPr>
+          <a:xfrm>
+            <a:off x="311700" y="410000"/>
+            <a:ext cx="8520600" cy="607800"/>
+          </a:xfrm>
+          <a:prstGeom prst="rect">
+            <a:avLst/>
+          </a:prstGeom>
+        </p:spPr>
+        <p:txBody>
+          <a:bodyPr anchorCtr="0" anchor="t" bIns="91425" lIns="91425" rIns="91425" tIns="91425">
+            <a:noAutofit/>
+          </a:bodyPr>
+          <a:lstStyle/>
+          <a:p>
+            <a:pPr lvl="0">
+              <a:spcBef>
+                <a:spcPts val="0"/>
+              </a:spcBef>
+              <a:buNone/>
+            </a:pPr>
+            <a:r>
+              <a:rPr lang="en" sz="1800">
+                <a:solidFill>
+                  <a:schemeClr val="dk2"/>
+                </a:solidFill>
+              </a:rPr>
+              <a:t> </a:t>
+            </a:r>
+            <a:r>
+              <a:rPr lang="en"/>
+              <a:t>Dataset Preparation(1/5)</a:t>
+            </a:r>
+          </a:p>
+        </p:txBody>
+      </p:sp>
+      <p:sp>
+        <p:nvSpPr>
+          <p:cNvPr id="169" name="Shape 169"/>
+          <p:cNvSpPr txBox="1"/>
+          <p:nvPr>
+            <p:ph idx="1" type="body"/>
+          </p:nvPr>
+        </p:nvSpPr>
+        <p:spPr>
+          <a:xfrm>
+            <a:off x="311700" y="1900800"/>
+            <a:ext cx="8520600" cy="2668200"/>
+          </a:xfrm>
+          <a:prstGeom prst="rect">
+            <a:avLst/>
+          </a:prstGeom>
+        </p:spPr>
+        <p:txBody>
+          <a:bodyPr anchorCtr="0" anchor="t" bIns="91425" lIns="91425" rIns="91425" tIns="91425">
+            <a:noAutofit/>
+          </a:bodyPr>
+          <a:lstStyle/>
+          <a:p>
+            <a:pPr indent="-228600" lvl="0" marL="457200" rtl="0">
+              <a:lnSpc>
+                <a:spcPct val="150000"/>
+              </a:lnSpc>
+              <a:spcBef>
+                <a:spcPts val="0"/>
+              </a:spcBef>
+            </a:pPr>
+            <a:r>
+              <a:rPr lang="en"/>
+              <a:t>There are 7 directories(6 aspect + 1 general)</a:t>
+            </a:r>
+          </a:p>
+          <a:p>
+            <a:pPr indent="-228600" lvl="0" marL="457200" rtl="0">
+              <a:lnSpc>
+                <a:spcPct val="150000"/>
+              </a:lnSpc>
+              <a:spcBef>
+                <a:spcPts val="0"/>
+              </a:spcBef>
+            </a:pPr>
+            <a:r>
+              <a:rPr lang="en"/>
+              <a:t>Each aspect contains five files :neg, sli_neg, neutral, sli_pos, pos </a:t>
+            </a:r>
+          </a:p>
+          <a:p>
+            <a:pPr indent="-228600" lvl="0" marL="457200" rtl="0">
+              <a:lnSpc>
+                <a:spcPct val="150000"/>
+              </a:lnSpc>
+              <a:spcBef>
+                <a:spcPts val="0"/>
+              </a:spcBef>
+            </a:pPr>
+            <a:r>
+              <a:rPr lang="en"/>
+              <a:t>Filename indicates polarity of sentences within it.</a:t>
+            </a:r>
+          </a:p>
+          <a:p>
+            <a:pPr indent="-228600" lvl="0" marL="457200" rtl="0">
+              <a:lnSpc>
+                <a:spcPct val="150000"/>
+              </a:lnSpc>
+              <a:spcBef>
+                <a:spcPts val="0"/>
+              </a:spcBef>
+            </a:pPr>
+            <a:r>
+              <a:rPr lang="en"/>
+              <a:t>Dataset should contain only valid words</a:t>
+            </a:r>
+          </a:p>
+          <a:p>
+            <a:pPr indent="-228600" lvl="0" marL="457200">
+              <a:lnSpc>
+                <a:spcPct val="150000"/>
+              </a:lnSpc>
+              <a:spcBef>
+                <a:spcPts val="0"/>
+              </a:spcBef>
+            </a:pPr>
+            <a:r>
+              <a:rPr lang="en"/>
+              <a:t>There should not be any stopwords</a:t>
+            </a:r>
+          </a:p>
+        </p:txBody>
+      </p:sp>
+      <p:sp>
+        <p:nvSpPr>
+          <p:cNvPr id="170" name="Shape 170"/>
+          <p:cNvSpPr txBox="1"/>
+          <p:nvPr>
+            <p:ph type="title"/>
+          </p:nvPr>
+        </p:nvSpPr>
+        <p:spPr>
+          <a:xfrm>
+            <a:off x="399700" y="1155400"/>
+            <a:ext cx="8432700" cy="607800"/>
+          </a:xfrm>
+          <a:prstGeom prst="rect">
+            <a:avLst/>
+          </a:prstGeom>
+        </p:spPr>
+        <p:txBody>
+          <a:bodyPr anchorCtr="0" anchor="t" bIns="91425" lIns="91425" rIns="91425" tIns="91425">
+            <a:noAutofit/>
+          </a:bodyPr>
+          <a:lstStyle/>
+          <a:p>
+            <a:pPr lvl="0" rtl="0">
+              <a:lnSpc>
+                <a:spcPct val="150000"/>
+              </a:lnSpc>
+              <a:spcBef>
+                <a:spcPts val="0"/>
+              </a:spcBef>
+              <a:spcAft>
+                <a:spcPts val="1600"/>
+              </a:spcAft>
+              <a:buNone/>
+            </a:pPr>
+            <a:r>
+              <a:rPr lang="en" sz="2400" u="sng">
+                <a:solidFill>
+                  <a:schemeClr val="dk2"/>
+                </a:solidFill>
+              </a:rPr>
+              <a:t>Required Format</a:t>
+            </a:r>
+          </a:p>
+          <a:p>
+            <a:pPr lvl="0" rtl="0">
+              <a:spcBef>
+                <a:spcPts val="0"/>
+              </a:spcBef>
+              <a:buNone/>
+            </a:pPr>
+            <a:r>
+              <a:t/>
+            </a:r>
+            <a:endParaRPr sz="1400" u="sng"/>
+          </a:p>
+        </p:txBody>
+      </p:sp>
+      <p:sp>
+        <p:nvSpPr>
+          <p:cNvPr id="171" name="Shape 171"/>
+          <p:cNvSpPr txBox="1"/>
+          <p:nvPr>
+            <p:ph idx="12" type="sldNum"/>
+          </p:nvPr>
+        </p:nvSpPr>
+        <p:spPr>
+          <a:xfrm>
+            <a:off x="8460431" y="4651190"/>
+            <a:ext cx="548700" cy="393600"/>
+          </a:xfrm>
+          <a:prstGeom prst="rect">
+            <a:avLst/>
+          </a:prstGeom>
+        </p:spPr>
+        <p:txBody>
+          <a:bodyPr anchorCtr="0" anchor="ctr" bIns="91425" lIns="91425" rIns="91425" tIns="91425">
+            <a:noAutofit/>
+          </a:bodyPr>
+          <a:lstStyle/>
+          <a:p>
+            <a:pPr lvl="0">
+              <a:spcBef>
+                <a:spcPts val="0"/>
+              </a:spcBef>
+              <a:buNone/>
+            </a:pPr>
+            <a:fld id="{00000000-1234-1234-1234-123412341234}" type="slidenum">
+              <a:rPr lang="en"/>
+              <a:t>‹#›</a:t>
+            </a:fld>
+          </a:p>
+        </p:txBody>
+      </p:sp>
+    </p:spTree>
+  </p:cSld>
+  <p:clrMapOvr>
+    <a:masterClrMapping/>
+  </p:clrMapOvr>
+</p:sld>
+</file>
+
+<file path=ppt/slides/slide11.xml><?xml version="1.0" encoding="utf-8"?>
 <p:sld xmlns:a="http://schemas.openxmlformats.org/drawingml/2006/main" xmlns:r="http://schemas.openxmlformats.org/officeDocument/2006/relationships" xmlns:mc="http://schemas.openxmlformats.org/markup-compatibility/2006" xmlns:mv="urn:schemas-microsoft-com:mac:vml" xmlns:p="http://schemas.openxmlformats.org/presentationml/2006/main" xmlns:c="http://schemas.openxmlformats.org/drawingml/2006/chart" xmlns:dgm="http://schemas.openxmlformats.org/drawingml/2006/diagram" xmlns:o="urn:schemas-microsoft-com:office:office" xmlns:v="urn:schemas-microsoft-com:vml" xmlns:pvml="urn:schemas-microsoft-com:office:powerpoint" xmlns:com="http://schemas.openxmlformats.org/drawingml/2006/compatibility" xmlns:p14="http://schemas.microsoft.com/office/powerpoint/2010/main">
   <p:cSld>
     <p:spTree>
@@ -8421,15 +8582,15 @@
           </a:bodyPr>
           <a:lstStyle/>
           <a:p>
-            <a:pPr lvl="0">
-              <a:spcBef>
-                <a:spcPts val="0"/>
-              </a:spcBef>
-              <a:buNone/>
-            </a:pPr>
-            <a:r>
-              <a:rPr lang="en"/>
-              <a:t>Aspect Extraction</a:t>
+            <a:pPr lvl="0" rtl="0">
+              <a:spcBef>
+                <a:spcPts val="0"/>
+              </a:spcBef>
+              <a:buNone/>
+            </a:pPr>
+            <a:r>
+              <a:rPr lang="en"/>
+              <a:t>Dataset Preparation(2/5)</a:t>
             </a:r>
           </a:p>
         </p:txBody>
@@ -8457,9 +8618,24 @@
           </a:bodyPr>
           <a:lstStyle/>
           <a:p>
+            <a:pPr lvl="0" rtl="0">
+              <a:lnSpc>
+                <a:spcPct val="150000"/>
+              </a:lnSpc>
+              <a:spcBef>
+                <a:spcPts val="0"/>
+              </a:spcBef>
+              <a:buNone/>
+            </a:pPr>
+            <a:r>
+              <a:rPr lang="en"/>
+              <a:t>The  steps are:</a:t>
+            </a:r>
+          </a:p>
+          <a:p>
             <a:pPr indent="-228600" lvl="0" marL="457200" rtl="0">
               <a:lnSpc>
-                <a:spcPct val="145000"/>
+                <a:spcPct val="150000"/>
               </a:lnSpc>
               <a:spcBef>
                 <a:spcPts val="0"/>
@@ -8467,13 +8643,13 @@
             </a:pPr>
             <a:r>
               <a:rPr lang="en"/>
-              <a:t>Reviews are tokenized to word using word_tokenizer of nltk module.</a:t>
+              <a:t>Preprocessing</a:t>
             </a:r>
           </a:p>
           <a:p>
             <a:pPr indent="-228600" lvl="0" marL="457200" rtl="0">
               <a:lnSpc>
-                <a:spcPct val="145000"/>
+                <a:spcPct val="150000"/>
               </a:lnSpc>
               <a:spcBef>
                 <a:spcPts val="0"/>
@@ -8481,13 +8657,41 @@
             </a:pPr>
             <a:r>
               <a:rPr lang="en"/>
-              <a:t>POS tagging is used  to retrieve all nouns.</a:t>
+              <a:t>Aspect Sentence Classifier</a:t>
+            </a:r>
+          </a:p>
+          <a:p>
+            <a:pPr indent="-228600" lvl="1" marL="914400" rtl="0">
+              <a:lnSpc>
+                <a:spcPct val="150000"/>
+              </a:lnSpc>
+              <a:spcBef>
+                <a:spcPts val="0"/>
+              </a:spcBef>
+            </a:pPr>
+            <a:r>
+              <a:rPr lang="en"/>
+              <a:t>Lexical Model</a:t>
+            </a:r>
+          </a:p>
+          <a:p>
+            <a:pPr indent="-228600" lvl="1" marL="914400" rtl="0">
+              <a:lnSpc>
+                <a:spcPct val="150000"/>
+              </a:lnSpc>
+              <a:spcBef>
+                <a:spcPts val="0"/>
+              </a:spcBef>
+            </a:pPr>
+            <a:r>
+              <a:rPr lang="en"/>
+              <a:t>NaiveBayes Classifier</a:t>
             </a:r>
           </a:p>
           <a:p>
             <a:pPr indent="-228600" lvl="0" marL="457200" rtl="0">
               <a:lnSpc>
-                <a:spcPct val="145000"/>
+                <a:spcPct val="150000"/>
               </a:lnSpc>
               <a:spcBef>
                 <a:spcPts val="0"/>
@@ -8495,36 +8699,23 @@
             </a:pPr>
             <a:r>
               <a:rPr lang="en"/>
-              <a:t>Count of each nouns are taken. </a:t>
-            </a:r>
-          </a:p>
-          <a:p>
-            <a:pPr indent="-228600" lvl="0" marL="457200" rtl="0">
+              <a:t>Analysing polarity of each sentence using Textblob() and storing it in corresponding file.</a:t>
+            </a:r>
+          </a:p>
+          <a:p>
+            <a:pPr lvl="0" rtl="0">
               <a:lnSpc>
-                <a:spcPct val="145000"/>
+                <a:spcPct val="150000"/>
               </a:lnSpc>
               <a:spcBef>
                 <a:spcPts val="0"/>
               </a:spcBef>
-            </a:pPr>
-            <a:r>
-              <a:rPr lang="en"/>
-              <a:t>Words having high counts are analysed and aspects are decided.</a:t>
-            </a:r>
-          </a:p>
-          <a:p>
-            <a:pPr indent="-228600" lvl="0" marL="457200">
-              <a:lnSpc>
-                <a:spcPct val="145000"/>
-              </a:lnSpc>
-              <a:spcBef>
-                <a:spcPts val="0"/>
-              </a:spcBef>
-            </a:pPr>
-            <a:r>
-              <a:rPr lang="en"/>
-              <a:t> Aspects are stored in a file with the name of aspect as that of file name</a:t>
-            </a:r>
+              <a:buNone/>
+            </a:pPr>
+            <a:r>
+              <a:t/>
+            </a:r>
+            <a:endParaRPr/>
           </a:p>
         </p:txBody>
       </p:sp>
@@ -8572,7 +8763,7 @@
 </p:sld>
 </file>
 
-<file path=ppt/slides/slide11.xml><?xml version="1.0" encoding="utf-8"?>
+<file path=ppt/slides/slide12.xml><?xml version="1.0" encoding="utf-8"?>
 <p:sld xmlns:a="http://schemas.openxmlformats.org/drawingml/2006/main" xmlns:r="http://schemas.openxmlformats.org/officeDocument/2006/relationships" xmlns:mc="http://schemas.openxmlformats.org/markup-compatibility/2006" xmlns:mv="urn:schemas-microsoft-com:mac:vml" xmlns:p="http://schemas.openxmlformats.org/presentationml/2006/main" xmlns:c="http://schemas.openxmlformats.org/drawingml/2006/chart" xmlns:dgm="http://schemas.openxmlformats.org/drawingml/2006/diagram" xmlns:o="urn:schemas-microsoft-com:office:office" xmlns:v="urn:schemas-microsoft-com:vml" xmlns:pvml="urn:schemas-microsoft-com:office:powerpoint" xmlns:com="http://schemas.openxmlformats.org/drawingml/2006/compatibility" xmlns:p14="http://schemas.microsoft.com/office/powerpoint/2010/main">
   <p:cSld>
     <p:spTree>
@@ -8619,16 +8810,8 @@
               <a:buNone/>
             </a:pPr>
             <a:r>
-              <a:rPr lang="en" sz="1800">
-                <a:solidFill>
-                  <a:schemeClr val="dk2"/>
-                </a:solidFill>
-              </a:rPr>
-              <a:t> </a:t>
-            </a:r>
-            <a:r>
-              <a:rPr lang="en"/>
-              <a:t>Dataset Preparation(1/5)</a:t>
+              <a:rPr lang="en"/>
+              <a:t>Dataset Preparation(3/5)</a:t>
             </a:r>
           </a:p>
         </p:txBody>
@@ -8643,8 +8826,8 @@
         </p:nvSpPr>
         <p:spPr>
           <a:xfrm>
-            <a:off x="311700" y="1900800"/>
-            <a:ext cx="8520600" cy="2668200"/>
+            <a:off x="311700" y="1734475"/>
+            <a:ext cx="8520600" cy="2834400"/>
           </a:xfrm>
           <a:prstGeom prst="rect">
             <a:avLst/>
@@ -8666,7 +8849,7 @@
             </a:pPr>
             <a:r>
               <a:rPr lang="en"/>
-              <a:t>There are 7 directories(6 aspect + 1 general)</a:t>
+              <a:t>The reviews are split into sentences based on words like ‘and’, ‘but’ and punctuation like ‘.’ . </a:t>
             </a:r>
           </a:p>
           <a:p>
@@ -8680,7 +8863,7 @@
             </a:pPr>
             <a:r>
               <a:rPr lang="en"/>
-              <a:t>Each aspect contains five files :neg, sli_neg, neutral, sli_pos, pos </a:t>
+              <a:t>Each sentence is split into words using regular expression ([a-zA-Z]+) .</a:t>
             </a:r>
           </a:p>
           <a:p>
@@ -8694,7 +8877,7 @@
             </a:pPr>
             <a:r>
               <a:rPr lang="en"/>
-              <a:t>Filename indicates polarity of sentences within it.</a:t>
+              <a:t>Stopwords are removed</a:t>
             </a:r>
           </a:p>
           <a:p>
@@ -8708,11 +8891,11 @@
             </a:pPr>
             <a:r>
               <a:rPr lang="en"/>
-              <a:t>Dataset should contain only valid words</a:t>
-            </a:r>
-          </a:p>
-          <a:p>
-            <a:pPr indent="-228600" lvl="0" marL="457200">
+              <a:t>Words are passed to enchant dictionary which removes all non-english words.</a:t>
+            </a:r>
+          </a:p>
+          <a:p>
+            <a:pPr indent="-228600" lvl="0" marL="457200" rtl="0">
               <a:lnSpc>
                 <a:spcPct val="150000"/>
               </a:lnSpc>
@@ -8722,7 +8905,7 @@
             </a:pPr>
             <a:r>
               <a:rPr lang="en"/>
-              <a:t>There should not be any stopwords</a:t>
+              <a:t>The words are stemmed</a:t>
             </a:r>
           </a:p>
         </p:txBody>
@@ -8737,8 +8920,8 @@
         </p:nvSpPr>
         <p:spPr>
           <a:xfrm>
-            <a:off x="399700" y="1155400"/>
-            <a:ext cx="8432700" cy="607800"/>
+            <a:off x="377075" y="1017800"/>
+            <a:ext cx="8520600" cy="607800"/>
           </a:xfrm>
           <a:prstGeom prst="rect">
             <a:avLst/>
@@ -8751,37 +8934,19 @@
           <a:lstStyle/>
           <a:p>
             <a:pPr lvl="0" rtl="0">
-              <a:lnSpc>
-                <a:spcPct val="150000"/>
-              </a:lnSpc>
-              <a:spcBef>
-                <a:spcPts val="0"/>
-              </a:spcBef>
-              <a:spcAft>
-                <a:spcPts val="1600"/>
-              </a:spcAft>
+              <a:spcBef>
+                <a:spcPts val="0"/>
+              </a:spcBef>
               <a:buNone/>
             </a:pPr>
             <a:r>
               <a:rPr lang="en" sz="2400" u="sng">
                 <a:solidFill>
-                  <a:schemeClr val="dk2"/>
+                  <a:srgbClr val="000000"/>
                 </a:solidFill>
               </a:rPr>
-              <a:t>Required Format</a:t>
-            </a:r>
-          </a:p>
-          <a:p>
-            <a:pPr lvl="0" rtl="0">
-              <a:spcBef>
-                <a:spcPts val="0"/>
-              </a:spcBef>
-              <a:buNone/>
-            </a:pPr>
-            <a:r>
-              <a:t/>
-            </a:r>
-            <a:endParaRPr sz="1400" u="sng"/>
+              <a:t>Preprocessing</a:t>
+            </a:r>
           </a:p>
         </p:txBody>
       </p:sp>
@@ -8829,7 +8994,7 @@
 </p:sld>
 </file>
 
-<file path=ppt/slides/slide12.xml><?xml version="1.0" encoding="utf-8"?>
+<file path=ppt/slides/slide13.xml><?xml version="1.0" encoding="utf-8"?>
 <p:sld xmlns:a="http://schemas.openxmlformats.org/drawingml/2006/main" xmlns:r="http://schemas.openxmlformats.org/officeDocument/2006/relationships" xmlns:mc="http://schemas.openxmlformats.org/markup-compatibility/2006" xmlns:mv="urn:schemas-microsoft-com:mac:vml" xmlns:p="http://schemas.openxmlformats.org/presentationml/2006/main" xmlns:c="http://schemas.openxmlformats.org/drawingml/2006/chart" xmlns:dgm="http://schemas.openxmlformats.org/drawingml/2006/diagram" xmlns:o="urn:schemas-microsoft-com:office:office" xmlns:v="urn:schemas-microsoft-com:vml" xmlns:pvml="urn:schemas-microsoft-com:office:powerpoint" xmlns:com="http://schemas.openxmlformats.org/drawingml/2006/compatibility" xmlns:p14="http://schemas.microsoft.com/office/powerpoint/2010/main">
   <p:cSld>
     <p:spTree>
@@ -8869,16 +9034,28 @@
           </a:bodyPr>
           <a:lstStyle/>
           <a:p>
-            <a:pPr lvl="0" rtl="0">
-              <a:spcBef>
-                <a:spcPts val="0"/>
-              </a:spcBef>
-              <a:buNone/>
-            </a:pPr>
-            <a:r>
-              <a:rPr lang="en"/>
-              <a:t>Dataset Preparation(2/5)</a:t>
-            </a:r>
+            <a:pPr lvl="0">
+              <a:spcBef>
+                <a:spcPts val="0"/>
+              </a:spcBef>
+              <a:buNone/>
+            </a:pPr>
+            <a:r>
+              <a:rPr lang="en"/>
+              <a:t>Dataset Preprocessing(4/5)</a:t>
+            </a:r>
+          </a:p>
+          <a:p>
+            <a:pPr lvl="0">
+              <a:spcBef>
+                <a:spcPts val="0"/>
+              </a:spcBef>
+              <a:buNone/>
+            </a:pPr>
+            <a:r>
+              <a:t/>
+            </a:r>
+            <a:endParaRPr/>
           </a:p>
         </p:txBody>
       </p:sp>
@@ -8892,8 +9069,8 @@
         </p:nvSpPr>
         <p:spPr>
           <a:xfrm>
-            <a:off x="311700" y="1229875"/>
-            <a:ext cx="8520600" cy="3339000"/>
+            <a:off x="311700" y="1744250"/>
+            <a:ext cx="8520600" cy="2824500"/>
           </a:xfrm>
           <a:prstGeom prst="rect">
             <a:avLst/>
@@ -8905,21 +9082,6 @@
           </a:bodyPr>
           <a:lstStyle/>
           <a:p>
-            <a:pPr lvl="0" rtl="0">
-              <a:lnSpc>
-                <a:spcPct val="150000"/>
-              </a:lnSpc>
-              <a:spcBef>
-                <a:spcPts val="0"/>
-              </a:spcBef>
-              <a:buNone/>
-            </a:pPr>
-            <a:r>
-              <a:rPr lang="en"/>
-              <a:t>The  steps are:</a:t>
-            </a:r>
-          </a:p>
-          <a:p>
             <a:pPr indent="-228600" lvl="0" marL="457200" rtl="0">
               <a:lnSpc>
                 <a:spcPct val="150000"/>
@@ -8930,7 +9092,7 @@
             </a:pPr>
             <a:r>
               <a:rPr lang="en"/>
-              <a:t>Preprocessing</a:t>
+              <a:t>Each word in the pool of words corresponding to each aspects is compared with all words of sentence </a:t>
             </a:r>
           </a:p>
           <a:p>
@@ -8944,11 +9106,11 @@
             </a:pPr>
             <a:r>
               <a:rPr lang="en"/>
-              <a:t>Aspect Sentence Classifier</a:t>
-            </a:r>
-          </a:p>
-          <a:p>
-            <a:pPr indent="-228600" lvl="1" marL="914400" rtl="0">
+              <a:t> If any word is present, the sentence belongs to the corresponding aspect.</a:t>
+            </a:r>
+          </a:p>
+          <a:p>
+            <a:pPr indent="-228600" lvl="0" marL="457200">
               <a:lnSpc>
                 <a:spcPct val="150000"/>
               </a:lnSpc>
@@ -8958,51 +9120,11 @@
             </a:pPr>
             <a:r>
               <a:rPr lang="en"/>
-              <a:t>Lexical Model</a:t>
-            </a:r>
-          </a:p>
-          <a:p>
-            <a:pPr indent="-228600" lvl="1" marL="914400" rtl="0">
-              <a:lnSpc>
-                <a:spcPct val="150000"/>
-              </a:lnSpc>
-              <a:spcBef>
-                <a:spcPts val="0"/>
-              </a:spcBef>
-            </a:pPr>
-            <a:r>
-              <a:rPr lang="en"/>
-              <a:t>NaiveBayes Classifier</a:t>
-            </a:r>
-          </a:p>
-          <a:p>
-            <a:pPr indent="-228600" lvl="0" marL="457200" rtl="0">
-              <a:lnSpc>
-                <a:spcPct val="150000"/>
-              </a:lnSpc>
-              <a:spcBef>
-                <a:spcPts val="0"/>
-              </a:spcBef>
-            </a:pPr>
-            <a:r>
-              <a:rPr lang="en"/>
-              <a:t>Analysing polarity of each sentence and storing it in corresponding file.</a:t>
-            </a:r>
-          </a:p>
-          <a:p>
-            <a:pPr lvl="0" rtl="0">
-              <a:lnSpc>
-                <a:spcPct val="150000"/>
-              </a:lnSpc>
-              <a:spcBef>
-                <a:spcPts val="0"/>
-              </a:spcBef>
-              <a:buNone/>
-            </a:pPr>
-            <a:r>
-              <a:t/>
-            </a:r>
-            <a:endParaRPr/>
+              <a:t>If the word count for each sentence is greater than 1, the words are joined to form sentence which is preprocessed.</a:t>
+            </a:r>
+            <a:br>
+              <a:rPr lang="en"/>
+            </a:br>
           </a:p>
         </p:txBody>
       </p:sp>
@@ -9011,203 +9133,12 @@
           <p:cNvPr id="193" name="Shape 193"/>
           <p:cNvSpPr txBox="1"/>
           <p:nvPr>
-            <p:ph idx="12" type="sldNum"/>
-          </p:nvPr>
-        </p:nvSpPr>
-        <p:spPr>
-          <a:xfrm>
-            <a:off x="8460431" y="4651190"/>
-            <a:ext cx="548700" cy="393600"/>
-          </a:xfrm>
-          <a:prstGeom prst="rect">
-            <a:avLst/>
-          </a:prstGeom>
-        </p:spPr>
-        <p:txBody>
-          <a:bodyPr anchorCtr="0" anchor="ctr" bIns="91425" lIns="91425" rIns="91425" tIns="91425">
-            <a:noAutofit/>
-          </a:bodyPr>
-          <a:lstStyle/>
-          <a:p>
-            <a:pPr lvl="0">
-              <a:spcBef>
-                <a:spcPts val="0"/>
-              </a:spcBef>
-              <a:buNone/>
-            </a:pPr>
-            <a:fld id="{00000000-1234-1234-1234-123412341234}" type="slidenum">
-              <a:rPr lang="en"/>
-              <a:t>‹#›</a:t>
-            </a:fld>
-          </a:p>
-        </p:txBody>
-      </p:sp>
-    </p:spTree>
-  </p:cSld>
-  <p:clrMapOvr>
-    <a:masterClrMapping/>
-  </p:clrMapOvr>
-</p:sld>
-</file>
-
-<file path=ppt/slides/slide13.xml><?xml version="1.0" encoding="utf-8"?>
-<p:sld xmlns:a="http://schemas.openxmlformats.org/drawingml/2006/main" xmlns:r="http://schemas.openxmlformats.org/officeDocument/2006/relationships" xmlns:mc="http://schemas.openxmlformats.org/markup-compatibility/2006" xmlns:mv="urn:schemas-microsoft-com:mac:vml" xmlns:p="http://schemas.openxmlformats.org/presentationml/2006/main" xmlns:c="http://schemas.openxmlformats.org/drawingml/2006/chart" xmlns:dgm="http://schemas.openxmlformats.org/drawingml/2006/diagram" xmlns:o="urn:schemas-microsoft-com:office:office" xmlns:v="urn:schemas-microsoft-com:vml" xmlns:pvml="urn:schemas-microsoft-com:office:powerpoint" xmlns:com="http://schemas.openxmlformats.org/drawingml/2006/compatibility" xmlns:p14="http://schemas.microsoft.com/office/powerpoint/2010/main">
-  <p:cSld>
-    <p:spTree>
-      <p:nvGrpSpPr>
-        <p:cNvPr id="197" name="Shape 197"/>
-        <p:cNvGrpSpPr/>
-        <p:nvPr/>
-      </p:nvGrpSpPr>
-      <p:grpSpPr>
-        <a:xfrm>
-          <a:off x="0" y="0"/>
-          <a:ext cx="0" cy="0"/>
-          <a:chOff x="0" y="0"/>
-          <a:chExt cx="0" cy="0"/>
-        </a:xfrm>
-      </p:grpSpPr>
-      <p:sp>
-        <p:nvSpPr>
-          <p:cNvPr id="198" name="Shape 198"/>
-          <p:cNvSpPr txBox="1"/>
-          <p:nvPr>
             <p:ph type="title"/>
           </p:nvPr>
         </p:nvSpPr>
         <p:spPr>
           <a:xfrm>
-            <a:off x="311700" y="410000"/>
-            <a:ext cx="8520600" cy="607800"/>
-          </a:xfrm>
-          <a:prstGeom prst="rect">
-            <a:avLst/>
-          </a:prstGeom>
-        </p:spPr>
-        <p:txBody>
-          <a:bodyPr anchorCtr="0" anchor="t" bIns="91425" lIns="91425" rIns="91425" tIns="91425">
-            <a:noAutofit/>
-          </a:bodyPr>
-          <a:lstStyle/>
-          <a:p>
-            <a:pPr lvl="0">
-              <a:spcBef>
-                <a:spcPts val="0"/>
-              </a:spcBef>
-              <a:buNone/>
-            </a:pPr>
-            <a:r>
-              <a:rPr lang="en"/>
-              <a:t>Dataset Preparation(3/5)</a:t>
-            </a:r>
-          </a:p>
-        </p:txBody>
-      </p:sp>
-      <p:sp>
-        <p:nvSpPr>
-          <p:cNvPr id="199" name="Shape 199"/>
-          <p:cNvSpPr txBox="1"/>
-          <p:nvPr>
-            <p:ph idx="1" type="body"/>
-          </p:nvPr>
-        </p:nvSpPr>
-        <p:spPr>
-          <a:xfrm>
-            <a:off x="311700" y="1734475"/>
-            <a:ext cx="8520600" cy="2834400"/>
-          </a:xfrm>
-          <a:prstGeom prst="rect">
-            <a:avLst/>
-          </a:prstGeom>
-        </p:spPr>
-        <p:txBody>
-          <a:bodyPr anchorCtr="0" anchor="t" bIns="91425" lIns="91425" rIns="91425" tIns="91425">
-            <a:noAutofit/>
-          </a:bodyPr>
-          <a:lstStyle/>
-          <a:p>
-            <a:pPr indent="-228600" lvl="0" marL="457200" rtl="0">
-              <a:lnSpc>
-                <a:spcPct val="150000"/>
-              </a:lnSpc>
-              <a:spcBef>
-                <a:spcPts val="0"/>
-              </a:spcBef>
-            </a:pPr>
-            <a:r>
-              <a:rPr lang="en"/>
-              <a:t>The reviews are split into sentences based on words like ‘and’, ‘but’ and punctuation like ‘.’ . </a:t>
-            </a:r>
-          </a:p>
-          <a:p>
-            <a:pPr indent="-228600" lvl="0" marL="457200" rtl="0">
-              <a:lnSpc>
-                <a:spcPct val="150000"/>
-              </a:lnSpc>
-              <a:spcBef>
-                <a:spcPts val="0"/>
-              </a:spcBef>
-            </a:pPr>
-            <a:r>
-              <a:rPr lang="en"/>
-              <a:t>Each sentence is split into words using regular expression ([a-zA-Z]+) .</a:t>
-            </a:r>
-          </a:p>
-          <a:p>
-            <a:pPr indent="-228600" lvl="0" marL="457200" rtl="0">
-              <a:lnSpc>
-                <a:spcPct val="150000"/>
-              </a:lnSpc>
-              <a:spcBef>
-                <a:spcPts val="0"/>
-              </a:spcBef>
-            </a:pPr>
-            <a:r>
-              <a:rPr lang="en"/>
-              <a:t>Stopwords are removed</a:t>
-            </a:r>
-          </a:p>
-          <a:p>
-            <a:pPr indent="-228600" lvl="0" marL="457200" rtl="0">
-              <a:lnSpc>
-                <a:spcPct val="150000"/>
-              </a:lnSpc>
-              <a:spcBef>
-                <a:spcPts val="0"/>
-              </a:spcBef>
-            </a:pPr>
-            <a:r>
-              <a:rPr lang="en"/>
-              <a:t>Words are passed to enchant dictionary which removes all non-english words.</a:t>
-            </a:r>
-          </a:p>
-          <a:p>
-            <a:pPr indent="-228600" lvl="0" marL="457200" rtl="0">
-              <a:lnSpc>
-                <a:spcPct val="150000"/>
-              </a:lnSpc>
-              <a:spcBef>
-                <a:spcPts val="0"/>
-              </a:spcBef>
-            </a:pPr>
-            <a:r>
-              <a:rPr lang="en"/>
-              <a:t>The words are stemmed</a:t>
-            </a:r>
-          </a:p>
-        </p:txBody>
-      </p:sp>
-      <p:sp>
-        <p:nvSpPr>
-          <p:cNvPr id="200" name="Shape 200"/>
-          <p:cNvSpPr txBox="1"/>
-          <p:nvPr>
-            <p:ph type="title"/>
-          </p:nvPr>
-        </p:nvSpPr>
-        <p:spPr>
-          <a:xfrm>
-            <a:off x="377075" y="1017800"/>
+            <a:off x="311700" y="961000"/>
             <a:ext cx="8520600" cy="607800"/>
           </a:xfrm>
           <a:prstGeom prst="rect">
@@ -9232,14 +9163,14 @@
                   <a:srgbClr val="000000"/>
                 </a:solidFill>
               </a:rPr>
-              <a:t>Preprocessing</a:t>
-            </a:r>
-          </a:p>
-        </p:txBody>
-      </p:sp>
-      <p:sp>
-        <p:nvSpPr>
-          <p:cNvPr id="201" name="Shape 201"/>
+              <a:t>Aspect Sentence Classifier-Lexical Approach</a:t>
+            </a:r>
+          </a:p>
+        </p:txBody>
+      </p:sp>
+      <p:sp>
+        <p:nvSpPr>
+          <p:cNvPr id="194" name="Shape 194"/>
           <p:cNvSpPr txBox="1"/>
           <p:nvPr>
             <p:ph idx="12" type="sldNum"/>
@@ -9286,7 +9217,7 @@
   <p:cSld>
     <p:spTree>
       <p:nvGrpSpPr>
-        <p:cNvPr id="205" name="Shape 205"/>
+        <p:cNvPr id="198" name="Shape 198"/>
         <p:cNvGrpSpPr/>
         <p:nvPr/>
       </p:nvGrpSpPr>
@@ -9300,7 +9231,7 @@
       </p:grpSpPr>
       <p:sp>
         <p:nvSpPr>
-          <p:cNvPr id="206" name="Shape 206"/>
+          <p:cNvPr id="199" name="Shape 199"/>
           <p:cNvSpPr txBox="1"/>
           <p:nvPr>
             <p:ph type="title"/>
@@ -9321,19 +9252,19 @@
           </a:bodyPr>
           <a:lstStyle/>
           <a:p>
-            <a:pPr lvl="0">
-              <a:spcBef>
-                <a:spcPts val="0"/>
-              </a:spcBef>
-              <a:buNone/>
-            </a:pPr>
-            <a:r>
-              <a:rPr lang="en"/>
-              <a:t>Dataset Preprocessing(4/5)</a:t>
-            </a:r>
-          </a:p>
-          <a:p>
-            <a:pPr lvl="0">
+            <a:pPr lvl="0" rtl="0">
+              <a:spcBef>
+                <a:spcPts val="0"/>
+              </a:spcBef>
+              <a:buNone/>
+            </a:pPr>
+            <a:r>
+              <a:rPr lang="en"/>
+              <a:t>Dataset Preprocessing(5/5)</a:t>
+            </a:r>
+          </a:p>
+          <a:p>
+            <a:pPr lvl="0" rtl="0">
               <a:spcBef>
                 <a:spcPts val="0"/>
               </a:spcBef>
@@ -9348,7 +9279,7 @@
       </p:sp>
       <p:sp>
         <p:nvSpPr>
-          <p:cNvPr id="207" name="Shape 207"/>
+          <p:cNvPr id="200" name="Shape 200"/>
           <p:cNvSpPr txBox="1"/>
           <p:nvPr>
             <p:ph idx="1" type="body"/>
@@ -9370,54 +9301,64 @@
           <a:lstStyle/>
           <a:p>
             <a:pPr indent="-228600" lvl="0" marL="457200" rtl="0">
-              <a:lnSpc>
-                <a:spcPct val="150000"/>
-              </a:lnSpc>
-              <a:spcBef>
-                <a:spcPts val="0"/>
-              </a:spcBef>
-            </a:pPr>
-            <a:r>
-              <a:rPr lang="en"/>
-              <a:t>Each word in the pool of words corresponding to each aspects is compared with all words of sentence </a:t>
+              <a:spcBef>
+                <a:spcPts val="0"/>
+              </a:spcBef>
+            </a:pPr>
+            <a:r>
+              <a:rPr lang="en"/>
+              <a:t>Features are unigram.</a:t>
             </a:r>
           </a:p>
           <a:p>
             <a:pPr indent="-228600" lvl="0" marL="457200" rtl="0">
-              <a:lnSpc>
-                <a:spcPct val="150000"/>
-              </a:lnSpc>
-              <a:spcBef>
-                <a:spcPts val="0"/>
-              </a:spcBef>
-            </a:pPr>
-            <a:r>
-              <a:rPr lang="en"/>
-              <a:t> If any word is present, the sentence belongs to the corresponding aspect.</a:t>
-            </a:r>
-          </a:p>
-          <a:p>
-            <a:pPr indent="-228600" lvl="0" marL="457200">
-              <a:lnSpc>
-                <a:spcPct val="150000"/>
-              </a:lnSpc>
-              <a:spcBef>
-                <a:spcPts val="0"/>
-              </a:spcBef>
-            </a:pPr>
-            <a:r>
-              <a:rPr lang="en"/>
-              <a:t>If the word count for each sentence is greater than 1, the words are joined to form sentence which is preprocessed.</a:t>
-            </a:r>
-            <a:br>
-              <a:rPr lang="en"/>
-            </a:br>
-          </a:p>
-        </p:txBody>
-      </p:sp>
-      <p:sp>
-        <p:nvSpPr>
-          <p:cNvPr id="208" name="Shape 208"/>
+              <a:spcBef>
+                <a:spcPts val="0"/>
+              </a:spcBef>
+            </a:pPr>
+            <a:r>
+              <a:rPr lang="en"/>
+              <a:t>1,91,378 reviews are preprocessed and trained.</a:t>
+            </a:r>
+          </a:p>
+          <a:p>
+            <a:pPr indent="-228600" lvl="0" marL="457200" rtl="0">
+              <a:spcBef>
+                <a:spcPts val="0"/>
+              </a:spcBef>
+            </a:pPr>
+            <a:r>
+              <a:rPr lang="en"/>
+              <a:t>The trained model is saved in a file using pickle module in python.</a:t>
+            </a:r>
+          </a:p>
+          <a:p>
+            <a:pPr indent="-228600" lvl="0" marL="457200" rtl="0">
+              <a:spcBef>
+                <a:spcPts val="0"/>
+              </a:spcBef>
+            </a:pPr>
+            <a:r>
+              <a:rPr lang="en"/>
+              <a:t>The test set =10,000</a:t>
+            </a:r>
+          </a:p>
+          <a:p>
+            <a:pPr indent="-228600" lvl="0" marL="457200" rtl="0">
+              <a:spcBef>
+                <a:spcPts val="0"/>
+              </a:spcBef>
+            </a:pPr>
+            <a:r>
+              <a:rPr lang="en"/>
+              <a:t>Accuracy = 67.85%</a:t>
+            </a:r>
+          </a:p>
+        </p:txBody>
+      </p:sp>
+      <p:sp>
+        <p:nvSpPr>
+          <p:cNvPr id="201" name="Shape 201"/>
           <p:cNvSpPr txBox="1"/>
           <p:nvPr>
             <p:ph type="title"/>
@@ -9450,14 +9391,14 @@
                   <a:srgbClr val="000000"/>
                 </a:solidFill>
               </a:rPr>
-              <a:t>Aspect Sentence Classifier-Lexical Approach</a:t>
-            </a:r>
-          </a:p>
-        </p:txBody>
-      </p:sp>
-      <p:sp>
-        <p:nvSpPr>
-          <p:cNvPr id="209" name="Shape 209"/>
+              <a:t>Aspect Sentence Classifier-NaiveBayes Approach</a:t>
+            </a:r>
+          </a:p>
+        </p:txBody>
+      </p:sp>
+      <p:sp>
+        <p:nvSpPr>
+          <p:cNvPr id="202" name="Shape 202"/>
           <p:cNvSpPr txBox="1"/>
           <p:nvPr>
             <p:ph idx="12" type="sldNum"/>
@@ -9500,6 +9441,275 @@
 </file>
 
 <file path=ppt/slides/slide15.xml><?xml version="1.0" encoding="utf-8"?>
+<p:sld xmlns:a="http://schemas.openxmlformats.org/drawingml/2006/main" xmlns:r="http://schemas.openxmlformats.org/officeDocument/2006/relationships" xmlns:mc="http://schemas.openxmlformats.org/markup-compatibility/2006" xmlns:mv="urn:schemas-microsoft-com:mac:vml" xmlns:p="http://schemas.openxmlformats.org/presentationml/2006/main" xmlns:c="http://schemas.openxmlformats.org/drawingml/2006/chart" xmlns:dgm="http://schemas.openxmlformats.org/drawingml/2006/diagram" xmlns:o="urn:schemas-microsoft-com:office:office" xmlns:v="urn:schemas-microsoft-com:vml" xmlns:pvml="urn:schemas-microsoft-com:office:powerpoint" xmlns:com="http://schemas.openxmlformats.org/drawingml/2006/compatibility" xmlns:p14="http://schemas.microsoft.com/office/powerpoint/2010/main">
+  <p:cSld>
+    <p:spTree>
+      <p:nvGrpSpPr>
+        <p:cNvPr id="206" name="Shape 206"/>
+        <p:cNvGrpSpPr/>
+        <p:nvPr/>
+      </p:nvGrpSpPr>
+      <p:grpSpPr>
+        <a:xfrm>
+          <a:off x="0" y="0"/>
+          <a:ext cx="0" cy="0"/>
+          <a:chOff x="0" y="0"/>
+          <a:chExt cx="0" cy="0"/>
+        </a:xfrm>
+      </p:grpSpPr>
+      <p:sp>
+        <p:nvSpPr>
+          <p:cNvPr id="207" name="Shape 207"/>
+          <p:cNvSpPr txBox="1"/>
+          <p:nvPr>
+            <p:ph type="title"/>
+          </p:nvPr>
+        </p:nvSpPr>
+        <p:spPr>
+          <a:xfrm>
+            <a:off x="311700" y="410000"/>
+            <a:ext cx="8520600" cy="607800"/>
+          </a:xfrm>
+          <a:prstGeom prst="rect">
+            <a:avLst/>
+          </a:prstGeom>
+        </p:spPr>
+        <p:txBody>
+          <a:bodyPr anchorCtr="0" anchor="t" bIns="91425" lIns="91425" rIns="91425" tIns="91425">
+            <a:noAutofit/>
+          </a:bodyPr>
+          <a:lstStyle/>
+          <a:p>
+            <a:pPr lvl="0">
+              <a:spcBef>
+                <a:spcPts val="0"/>
+              </a:spcBef>
+              <a:buNone/>
+            </a:pPr>
+            <a:r>
+              <a:rPr lang="en"/>
+              <a:t>Sentiment Analysis(1/3)</a:t>
+            </a:r>
+          </a:p>
+        </p:txBody>
+      </p:sp>
+      <p:sp>
+        <p:nvSpPr>
+          <p:cNvPr id="208" name="Shape 208"/>
+          <p:cNvSpPr txBox="1"/>
+          <p:nvPr>
+            <p:ph idx="1" type="body"/>
+          </p:nvPr>
+        </p:nvSpPr>
+        <p:spPr>
+          <a:xfrm>
+            <a:off x="311700" y="947025"/>
+            <a:ext cx="8520600" cy="3698100"/>
+          </a:xfrm>
+          <a:prstGeom prst="rect">
+            <a:avLst/>
+          </a:prstGeom>
+        </p:spPr>
+        <p:txBody>
+          <a:bodyPr anchorCtr="0" anchor="t" bIns="91425" lIns="91425" rIns="91425" tIns="91425">
+            <a:noAutofit/>
+          </a:bodyPr>
+          <a:lstStyle/>
+          <a:p>
+            <a:pPr lvl="0">
+              <a:spcBef>
+                <a:spcPts val="0"/>
+              </a:spcBef>
+              <a:buNone/>
+            </a:pPr>
+            <a:r>
+              <a:rPr lang="en"/>
+              <a:t>Five classes are there for classifying: neg,  neutral,  pos</a:t>
+            </a:r>
+          </a:p>
+          <a:p>
+            <a:pPr lvl="0" rtl="0">
+              <a:spcBef>
+                <a:spcPts val="0"/>
+              </a:spcBef>
+              <a:buNone/>
+            </a:pPr>
+            <a:r>
+              <a:rPr lang="en"/>
+              <a:t>There are two models</a:t>
+            </a:r>
+          </a:p>
+          <a:p>
+            <a:pPr indent="-228600" lvl="0" marL="457200" rtl="0">
+              <a:spcBef>
+                <a:spcPts val="0"/>
+              </a:spcBef>
+            </a:pPr>
+            <a:r>
+              <a:rPr lang="en"/>
+              <a:t>NaiveBayes Classifier</a:t>
+            </a:r>
+          </a:p>
+          <a:p>
+            <a:pPr indent="-228600" lvl="1" marL="914400" rtl="0">
+              <a:spcBef>
+                <a:spcPts val="0"/>
+              </a:spcBef>
+            </a:pPr>
+            <a:r>
+              <a:rPr lang="en"/>
+              <a:t>Features = vocab</a:t>
+            </a:r>
+          </a:p>
+          <a:p>
+            <a:pPr indent="-228600" lvl="1" marL="914400" rtl="0">
+              <a:spcBef>
+                <a:spcPts val="0"/>
+              </a:spcBef>
+            </a:pPr>
+            <a:r>
+              <a:rPr lang="en"/>
+              <a:t>Size of feature = 307</a:t>
+            </a:r>
+          </a:p>
+          <a:p>
+            <a:pPr indent="-228600" lvl="1" marL="914400" rtl="0">
+              <a:spcBef>
+                <a:spcPts val="0"/>
+              </a:spcBef>
+            </a:pPr>
+            <a:r>
+              <a:rPr lang="en"/>
+              <a:t>Entire vocabulary has been used as feature</a:t>
+            </a:r>
+          </a:p>
+          <a:p>
+            <a:pPr indent="-228600" lvl="1" marL="914400" rtl="0">
+              <a:spcBef>
+                <a:spcPts val="0"/>
+              </a:spcBef>
+            </a:pPr>
+            <a:r>
+              <a:rPr lang="en"/>
+              <a:t>Size of train Dataset = 1,91,378</a:t>
+            </a:r>
+          </a:p>
+          <a:p>
+            <a:pPr indent="-228600" lvl="1" marL="914400" rtl="0">
+              <a:spcBef>
+                <a:spcPts val="0"/>
+              </a:spcBef>
+            </a:pPr>
+            <a:r>
+              <a:rPr lang="en"/>
+              <a:t>Size of test Dataset = 10,000</a:t>
+            </a:r>
+          </a:p>
+          <a:p>
+            <a:pPr indent="-228600" lvl="1" marL="914400" rtl="0">
+              <a:spcBef>
+                <a:spcPts val="0"/>
+              </a:spcBef>
+            </a:pPr>
+            <a:r>
+              <a:rPr lang="en"/>
+              <a:t>Most Informative Feature :horribl, terribl, good, best</a:t>
+            </a:r>
+          </a:p>
+          <a:p>
+            <a:pPr indent="-228600" lvl="1" marL="914400" rtl="0">
+              <a:spcBef>
+                <a:spcPts val="0"/>
+              </a:spcBef>
+            </a:pPr>
+            <a:r>
+              <a:rPr lang="en"/>
+              <a:t>Accuracy =  83.3%</a:t>
+            </a:r>
+          </a:p>
+          <a:p>
+            <a:pPr indent="0" lvl="0" marL="457200" marR="0" rtl="0" algn="l">
+              <a:lnSpc>
+                <a:spcPct val="115000"/>
+              </a:lnSpc>
+              <a:spcBef>
+                <a:spcPts val="0"/>
+              </a:spcBef>
+              <a:spcAft>
+                <a:spcPts val="1600"/>
+              </a:spcAft>
+              <a:buNone/>
+            </a:pPr>
+            <a:r>
+              <a:t/>
+            </a:r>
+            <a:endParaRPr/>
+          </a:p>
+          <a:p>
+            <a:pPr lvl="0" marR="0" rtl="0" algn="l">
+              <a:lnSpc>
+                <a:spcPct val="115000"/>
+              </a:lnSpc>
+              <a:spcBef>
+                <a:spcPts val="0"/>
+              </a:spcBef>
+              <a:spcAft>
+                <a:spcPts val="1600"/>
+              </a:spcAft>
+              <a:buNone/>
+            </a:pPr>
+            <a:r>
+              <a:t/>
+            </a:r>
+            <a:endParaRPr/>
+          </a:p>
+        </p:txBody>
+      </p:sp>
+      <p:sp>
+        <p:nvSpPr>
+          <p:cNvPr id="209" name="Shape 209"/>
+          <p:cNvSpPr txBox="1"/>
+          <p:nvPr>
+            <p:ph idx="12" type="sldNum"/>
+          </p:nvPr>
+        </p:nvSpPr>
+        <p:spPr>
+          <a:xfrm>
+            <a:off x="8460431" y="4651190"/>
+            <a:ext cx="548700" cy="393600"/>
+          </a:xfrm>
+          <a:prstGeom prst="rect">
+            <a:avLst/>
+          </a:prstGeom>
+        </p:spPr>
+        <p:txBody>
+          <a:bodyPr anchorCtr="0" anchor="ctr" bIns="91425" lIns="91425" rIns="91425" tIns="91425">
+            <a:noAutofit/>
+          </a:bodyPr>
+          <a:lstStyle/>
+          <a:p>
+            <a:pPr lvl="0">
+              <a:spcBef>
+                <a:spcPts val="0"/>
+              </a:spcBef>
+              <a:buNone/>
+            </a:pPr>
+            <a:fld id="{00000000-1234-1234-1234-123412341234}" type="slidenum">
+              <a:rPr lang="en"/>
+              <a:t>‹#›</a:t>
+            </a:fld>
+          </a:p>
+        </p:txBody>
+      </p:sp>
+    </p:spTree>
+  </p:cSld>
+  <p:clrMapOvr>
+    <a:masterClrMapping/>
+  </p:clrMapOvr>
+</p:sld>
+</file>
+
+<file path=ppt/slides/slide16.xml><?xml version="1.0" encoding="utf-8"?>
 <p:sld xmlns:a="http://schemas.openxmlformats.org/drawingml/2006/main" xmlns:r="http://schemas.openxmlformats.org/officeDocument/2006/relationships" xmlns:mc="http://schemas.openxmlformats.org/markup-compatibility/2006" xmlns:mv="urn:schemas-microsoft-com:mac:vml" xmlns:p="http://schemas.openxmlformats.org/presentationml/2006/main" xmlns:c="http://schemas.openxmlformats.org/drawingml/2006/chart" xmlns:dgm="http://schemas.openxmlformats.org/drawingml/2006/diagram" xmlns:o="urn:schemas-microsoft-com:office:office" xmlns:v="urn:schemas-microsoft-com:vml" xmlns:pvml="urn:schemas-microsoft-com:office:powerpoint" xmlns:com="http://schemas.openxmlformats.org/drawingml/2006/compatibility" xmlns:p14="http://schemas.microsoft.com/office/powerpoint/2010/main">
   <p:cSld>
     <p:spTree>
@@ -9547,20 +9757,8 @@
             </a:pPr>
             <a:r>
               <a:rPr lang="en"/>
-              <a:t>Dataset Preprocessing(5/5)</a:t>
-            </a:r>
-          </a:p>
-          <a:p>
-            <a:pPr lvl="0" rtl="0">
-              <a:spcBef>
-                <a:spcPts val="0"/>
-              </a:spcBef>
-              <a:buNone/>
-            </a:pPr>
-            <a:r>
-              <a:t/>
-            </a:r>
-            <a:endParaRPr/>
+              <a:t>Sentiment Analysis(2/3)</a:t>
+            </a:r>
           </a:p>
         </p:txBody>
       </p:sp>
@@ -9574,8 +9772,8 @@
         </p:nvSpPr>
         <p:spPr>
           <a:xfrm>
-            <a:off x="311700" y="1744250"/>
-            <a:ext cx="8520600" cy="2824500"/>
+            <a:off x="311700" y="947025"/>
+            <a:ext cx="8520600" cy="3698100"/>
           </a:xfrm>
           <a:prstGeom prst="rect">
             <a:avLst/>
@@ -9594,98 +9792,127 @@
             </a:pPr>
             <a:r>
               <a:rPr lang="en"/>
-              <a:t>Features are unigram.</a:t>
-            </a:r>
-          </a:p>
-          <a:p>
-            <a:pPr indent="-228600" lvl="0" marL="457200" rtl="0">
-              <a:spcBef>
-                <a:spcPts val="0"/>
-              </a:spcBef>
-            </a:pPr>
-            <a:r>
-              <a:rPr lang="en"/>
-              <a:t>60,000 reviews are preprocessed and trained.</a:t>
-            </a:r>
-          </a:p>
-          <a:p>
-            <a:pPr indent="-228600" lvl="0" marL="457200" rtl="0">
-              <a:spcBef>
-                <a:spcPts val="0"/>
-              </a:spcBef>
-            </a:pPr>
-            <a:r>
-              <a:rPr lang="en"/>
-              <a:t>The trained model is saved in a file using pickle module in python.</a:t>
-            </a:r>
-          </a:p>
-          <a:p>
-            <a:pPr indent="-228600" lvl="0" marL="457200" rtl="0">
-              <a:spcBef>
-                <a:spcPts val="0"/>
-              </a:spcBef>
-            </a:pPr>
-            <a:r>
-              <a:rPr lang="en"/>
-              <a:t>The test set =10,000</a:t>
-            </a:r>
-          </a:p>
-          <a:p>
-            <a:pPr indent="-228600" lvl="0" marL="457200" rtl="0">
-              <a:spcBef>
-                <a:spcPts val="0"/>
-              </a:spcBef>
-            </a:pPr>
-            <a:r>
-              <a:rPr lang="en"/>
-              <a:t>accuracy-&gt; 75.16%</a:t>
-            </a:r>
+              <a:t>NaiveBayes Classifier</a:t>
+            </a:r>
+          </a:p>
+          <a:p>
+            <a:pPr indent="-228600" lvl="1" marL="914400" rtl="0">
+              <a:spcBef>
+                <a:spcPts val="0"/>
+              </a:spcBef>
+            </a:pPr>
+            <a:r>
+              <a:rPr lang="en"/>
+              <a:t>Features = word count in a range of polarity</a:t>
+            </a:r>
+          </a:p>
+          <a:p>
+            <a:pPr indent="-228600" lvl="1" marL="914400" rtl="0">
+              <a:spcBef>
+                <a:spcPts val="0"/>
+              </a:spcBef>
+            </a:pPr>
+            <a:r>
+              <a:rPr lang="en"/>
+              <a:t>Size of feature = 20</a:t>
+            </a:r>
+          </a:p>
+          <a:p>
+            <a:pPr indent="-228600" lvl="1" marL="914400" rtl="0">
+              <a:spcBef>
+                <a:spcPts val="0"/>
+              </a:spcBef>
+            </a:pPr>
+            <a:r>
+              <a:rPr lang="en"/>
+              <a:t>The polarity of a word is obtained from sentiwordnet.</a:t>
+            </a:r>
+          </a:p>
+          <a:p>
+            <a:pPr indent="-228600" lvl="1" marL="914400" rtl="0">
+              <a:spcBef>
+                <a:spcPts val="0"/>
+              </a:spcBef>
+            </a:pPr>
+            <a:r>
+              <a:rPr lang="en"/>
+              <a:t>It is rounded to two decimal places.</a:t>
+            </a:r>
+          </a:p>
+          <a:p>
+            <a:pPr indent="-228600" lvl="1" marL="914400" rtl="0">
+              <a:spcBef>
+                <a:spcPts val="0"/>
+              </a:spcBef>
+            </a:pPr>
+            <a:r>
+              <a:rPr lang="en"/>
+              <a:t>Size of train Dataset = 1,91,378</a:t>
+            </a:r>
+          </a:p>
+          <a:p>
+            <a:pPr indent="-228600" lvl="1" marL="914400" rtl="0">
+              <a:spcBef>
+                <a:spcPts val="0"/>
+              </a:spcBef>
+            </a:pPr>
+            <a:r>
+              <a:rPr lang="en"/>
+              <a:t>Size of test Dataset = 10,000</a:t>
+            </a:r>
+          </a:p>
+          <a:p>
+            <a:pPr indent="-228600" lvl="1" marL="914400" rtl="0">
+              <a:spcBef>
+                <a:spcPts val="0"/>
+              </a:spcBef>
+            </a:pPr>
+            <a:r>
+              <a:rPr lang="en"/>
+              <a:t>Accuracy = 60.52%</a:t>
+            </a:r>
+          </a:p>
+          <a:p>
+            <a:pPr indent="0" lvl="0" marL="457200" marR="0" rtl="0" algn="l">
+              <a:lnSpc>
+                <a:spcPct val="115000"/>
+              </a:lnSpc>
+              <a:spcBef>
+                <a:spcPts val="0"/>
+              </a:spcBef>
+              <a:spcAft>
+                <a:spcPts val="1600"/>
+              </a:spcAft>
+              <a:buNone/>
+            </a:pPr>
+            <a:r>
+              <a:t/>
+            </a:r>
+            <a:endParaRPr/>
+          </a:p>
+          <a:p>
+            <a:pPr lvl="0" marR="0" rtl="0" algn="l">
+              <a:lnSpc>
+                <a:spcPct val="115000"/>
+              </a:lnSpc>
+              <a:spcBef>
+                <a:spcPts val="0"/>
+              </a:spcBef>
+              <a:spcAft>
+                <a:spcPts val="1600"/>
+              </a:spcAft>
+              <a:buNone/>
+            </a:pPr>
+            <a:r>
+              <a:t/>
+            </a:r>
+            <a:endParaRPr/>
           </a:p>
         </p:txBody>
       </p:sp>
       <p:sp>
         <p:nvSpPr>
           <p:cNvPr id="216" name="Shape 216"/>
-          <p:cNvSpPr txBox="1"/>
-          <p:nvPr>
-            <p:ph type="title"/>
-          </p:nvPr>
-        </p:nvSpPr>
-        <p:spPr>
-          <a:xfrm>
-            <a:off x="311700" y="961000"/>
-            <a:ext cx="8520600" cy="607800"/>
-          </a:xfrm>
-          <a:prstGeom prst="rect">
-            <a:avLst/>
-          </a:prstGeom>
-        </p:spPr>
-        <p:txBody>
-          <a:bodyPr anchorCtr="0" anchor="t" bIns="91425" lIns="91425" rIns="91425" tIns="91425">
-            <a:noAutofit/>
-          </a:bodyPr>
-          <a:lstStyle/>
-          <a:p>
-            <a:pPr lvl="0" rtl="0">
-              <a:spcBef>
-                <a:spcPts val="0"/>
-              </a:spcBef>
-              <a:buNone/>
-            </a:pPr>
-            <a:r>
-              <a:rPr lang="en" sz="2400" u="sng">
-                <a:solidFill>
-                  <a:srgbClr val="000000"/>
-                </a:solidFill>
-              </a:rPr>
-              <a:t>Aspect Sentence Classifier-NaiveBayes Approach</a:t>
-            </a:r>
-          </a:p>
-        </p:txBody>
-      </p:sp>
-      <p:sp>
-        <p:nvSpPr>
-          <p:cNvPr id="217" name="Shape 217"/>
           <p:cNvSpPr txBox="1"/>
           <p:nvPr>
             <p:ph idx="12" type="sldNum"/>
@@ -9706,276 +9933,7 @@
           </a:bodyPr>
           <a:lstStyle/>
           <a:p>
-            <a:pPr lvl="0">
-              <a:spcBef>
-                <a:spcPts val="0"/>
-              </a:spcBef>
-              <a:buNone/>
-            </a:pPr>
-            <a:fld id="{00000000-1234-1234-1234-123412341234}" type="slidenum">
-              <a:rPr lang="en"/>
-              <a:t>‹#›</a:t>
-            </a:fld>
-          </a:p>
-        </p:txBody>
-      </p:sp>
-    </p:spTree>
-  </p:cSld>
-  <p:clrMapOvr>
-    <a:masterClrMapping/>
-  </p:clrMapOvr>
-</p:sld>
-</file>
-
-<file path=ppt/slides/slide16.xml><?xml version="1.0" encoding="utf-8"?>
-<p:sld xmlns:a="http://schemas.openxmlformats.org/drawingml/2006/main" xmlns:r="http://schemas.openxmlformats.org/officeDocument/2006/relationships" xmlns:mc="http://schemas.openxmlformats.org/markup-compatibility/2006" xmlns:mv="urn:schemas-microsoft-com:mac:vml" xmlns:p="http://schemas.openxmlformats.org/presentationml/2006/main" xmlns:c="http://schemas.openxmlformats.org/drawingml/2006/chart" xmlns:dgm="http://schemas.openxmlformats.org/drawingml/2006/diagram" xmlns:o="urn:schemas-microsoft-com:office:office" xmlns:v="urn:schemas-microsoft-com:vml" xmlns:pvml="urn:schemas-microsoft-com:office:powerpoint" xmlns:com="http://schemas.openxmlformats.org/drawingml/2006/compatibility" xmlns:p14="http://schemas.microsoft.com/office/powerpoint/2010/main">
-  <p:cSld>
-    <p:spTree>
-      <p:nvGrpSpPr>
-        <p:cNvPr id="221" name="Shape 221"/>
-        <p:cNvGrpSpPr/>
-        <p:nvPr/>
-      </p:nvGrpSpPr>
-      <p:grpSpPr>
-        <a:xfrm>
-          <a:off x="0" y="0"/>
-          <a:ext cx="0" cy="0"/>
-          <a:chOff x="0" y="0"/>
-          <a:chExt cx="0" cy="0"/>
-        </a:xfrm>
-      </p:grpSpPr>
-      <p:sp>
-        <p:nvSpPr>
-          <p:cNvPr id="222" name="Shape 222"/>
-          <p:cNvSpPr txBox="1"/>
-          <p:nvPr>
-            <p:ph type="title"/>
-          </p:nvPr>
-        </p:nvSpPr>
-        <p:spPr>
-          <a:xfrm>
-            <a:off x="311700" y="410000"/>
-            <a:ext cx="8520600" cy="607800"/>
-          </a:xfrm>
-          <a:prstGeom prst="rect">
-            <a:avLst/>
-          </a:prstGeom>
-        </p:spPr>
-        <p:txBody>
-          <a:bodyPr anchorCtr="0" anchor="t" bIns="91425" lIns="91425" rIns="91425" tIns="91425">
-            <a:noAutofit/>
-          </a:bodyPr>
-          <a:lstStyle/>
-          <a:p>
-            <a:pPr lvl="0">
-              <a:spcBef>
-                <a:spcPts val="0"/>
-              </a:spcBef>
-              <a:buNone/>
-            </a:pPr>
-            <a:r>
-              <a:rPr lang="en"/>
-              <a:t>Sentiment Analysis(1/4)</a:t>
-            </a:r>
-          </a:p>
-        </p:txBody>
-      </p:sp>
-      <p:sp>
-        <p:nvSpPr>
-          <p:cNvPr id="223" name="Shape 223"/>
-          <p:cNvSpPr txBox="1"/>
-          <p:nvPr>
-            <p:ph idx="1" type="body"/>
-          </p:nvPr>
-        </p:nvSpPr>
-        <p:spPr>
-          <a:xfrm>
-            <a:off x="311700" y="947025"/>
-            <a:ext cx="8520600" cy="3698100"/>
-          </a:xfrm>
-          <a:prstGeom prst="rect">
-            <a:avLst/>
-          </a:prstGeom>
-        </p:spPr>
-        <p:txBody>
-          <a:bodyPr anchorCtr="0" anchor="t" bIns="91425" lIns="91425" rIns="91425" tIns="91425">
-            <a:noAutofit/>
-          </a:bodyPr>
-          <a:lstStyle/>
-          <a:p>
-            <a:pPr lvl="0">
-              <a:spcBef>
-                <a:spcPts val="0"/>
-              </a:spcBef>
-              <a:buNone/>
-            </a:pPr>
-            <a:r>
-              <a:rPr lang="en"/>
-              <a:t>Five classes are there for classifying: neg, sli_neg, neutral, sli_pos, pos</a:t>
-            </a:r>
-          </a:p>
-          <a:p>
             <a:pPr lvl="0" rtl="0">
-              <a:spcBef>
-                <a:spcPts val="0"/>
-              </a:spcBef>
-              <a:buNone/>
-            </a:pPr>
-            <a:r>
-              <a:rPr lang="en"/>
-              <a:t>There are two models</a:t>
-            </a:r>
-          </a:p>
-          <a:p>
-            <a:pPr indent="-228600" lvl="0" marL="457200" rtl="0">
-              <a:spcBef>
-                <a:spcPts val="0"/>
-              </a:spcBef>
-            </a:pPr>
-            <a:r>
-              <a:rPr lang="en"/>
-              <a:t>NaiveBayes Classifier</a:t>
-            </a:r>
-          </a:p>
-          <a:p>
-            <a:pPr indent="-228600" lvl="1" marL="914400" rtl="0">
-              <a:spcBef>
-                <a:spcPts val="0"/>
-              </a:spcBef>
-            </a:pPr>
-            <a:r>
-              <a:rPr lang="en"/>
-              <a:t>Feature = Unigram</a:t>
-            </a:r>
-          </a:p>
-          <a:p>
-            <a:pPr indent="-228600" lvl="2" marL="1371600" rtl="0">
-              <a:spcBef>
-                <a:spcPts val="0"/>
-              </a:spcBef>
-            </a:pPr>
-            <a:r>
-              <a:rPr lang="en"/>
-              <a:t>Size of feature = 6544</a:t>
-            </a:r>
-          </a:p>
-          <a:p>
-            <a:pPr indent="-228600" lvl="2" marL="1371600" rtl="0">
-              <a:spcBef>
-                <a:spcPts val="0"/>
-              </a:spcBef>
-            </a:pPr>
-            <a:r>
-              <a:rPr lang="en"/>
-              <a:t>Entire vocabulary has been used as feature</a:t>
-            </a:r>
-          </a:p>
-          <a:p>
-            <a:pPr indent="-228600" lvl="2" marL="1371600" rtl="0">
-              <a:spcBef>
-                <a:spcPts val="0"/>
-              </a:spcBef>
-            </a:pPr>
-            <a:r>
-              <a:rPr lang="en"/>
-              <a:t>Size of train Dataset = 1,91,378</a:t>
-            </a:r>
-          </a:p>
-          <a:p>
-            <a:pPr indent="-228600" lvl="2" marL="1371600" rtl="0">
-              <a:spcBef>
-                <a:spcPts val="0"/>
-              </a:spcBef>
-            </a:pPr>
-            <a:r>
-              <a:rPr lang="en"/>
-              <a:t>Size of test Dataset = 10,000</a:t>
-            </a:r>
-          </a:p>
-          <a:p>
-            <a:pPr indent="-228600" lvl="2" marL="1371600" rtl="0">
-              <a:spcBef>
-                <a:spcPts val="0"/>
-              </a:spcBef>
-            </a:pPr>
-            <a:r>
-              <a:rPr lang="en"/>
-              <a:t>Most Informative Feature :horribl, terribl, good, best</a:t>
-            </a:r>
-          </a:p>
-          <a:p>
-            <a:pPr indent="-228600" lvl="2" marL="1371600" rtl="0">
-              <a:spcBef>
-                <a:spcPts val="0"/>
-              </a:spcBef>
-            </a:pPr>
-            <a:r>
-              <a:rPr lang="en"/>
-              <a:t>Accuracy =  73.91%</a:t>
-            </a:r>
-          </a:p>
-          <a:p>
-            <a:pPr indent="0" lvl="0" marL="457200" marR="0" rtl="0" algn="l">
-              <a:lnSpc>
-                <a:spcPct val="115000"/>
-              </a:lnSpc>
-              <a:spcBef>
-                <a:spcPts val="0"/>
-              </a:spcBef>
-              <a:spcAft>
-                <a:spcPts val="1600"/>
-              </a:spcAft>
-              <a:buNone/>
-            </a:pPr>
-            <a:r>
-              <a:t/>
-            </a:r>
-            <a:endParaRPr/>
-          </a:p>
-          <a:p>
-            <a:pPr lvl="0" marR="0" rtl="0" algn="l">
-              <a:lnSpc>
-                <a:spcPct val="115000"/>
-              </a:lnSpc>
-              <a:spcBef>
-                <a:spcPts val="0"/>
-              </a:spcBef>
-              <a:spcAft>
-                <a:spcPts val="1600"/>
-              </a:spcAft>
-              <a:buNone/>
-            </a:pPr>
-            <a:r>
-              <a:t/>
-            </a:r>
-            <a:endParaRPr/>
-          </a:p>
-        </p:txBody>
-      </p:sp>
-      <p:sp>
-        <p:nvSpPr>
-          <p:cNvPr id="224" name="Shape 224"/>
-          <p:cNvSpPr txBox="1"/>
-          <p:nvPr>
-            <p:ph idx="12" type="sldNum"/>
-          </p:nvPr>
-        </p:nvSpPr>
-        <p:spPr>
-          <a:xfrm>
-            <a:off x="8460431" y="4651190"/>
-            <a:ext cx="548700" cy="393600"/>
-          </a:xfrm>
-          <a:prstGeom prst="rect">
-            <a:avLst/>
-          </a:prstGeom>
-        </p:spPr>
-        <p:txBody>
-          <a:bodyPr anchorCtr="0" anchor="ctr" bIns="91425" lIns="91425" rIns="91425" tIns="91425">
-            <a:noAutofit/>
-          </a:bodyPr>
-          <a:lstStyle/>
-          <a:p>
-            <a:pPr lvl="0">
               <a:spcBef>
                 <a:spcPts val="0"/>
               </a:spcBef>
@@ -10001,7 +9959,7 @@
   <p:cSld>
     <p:spTree>
       <p:nvGrpSpPr>
-        <p:cNvPr id="228" name="Shape 228"/>
+        <p:cNvPr id="220" name="Shape 220"/>
         <p:cNvGrpSpPr/>
         <p:nvPr/>
       </p:nvGrpSpPr>
@@ -10015,7 +9973,7 @@
       </p:grpSpPr>
       <p:sp>
         <p:nvSpPr>
-          <p:cNvPr id="229" name="Shape 229"/>
+          <p:cNvPr id="221" name="Shape 221"/>
           <p:cNvSpPr txBox="1"/>
           <p:nvPr>
             <p:ph type="title"/>
@@ -10044,14 +10002,14 @@
             </a:pPr>
             <a:r>
               <a:rPr lang="en"/>
-              <a:t>Sentiment Analysis(2/4)</a:t>
-            </a:r>
-          </a:p>
-        </p:txBody>
-      </p:sp>
-      <p:sp>
-        <p:nvSpPr>
-          <p:cNvPr id="230" name="Shape 230"/>
+              <a:t>Sentiment Analysis(3/3)</a:t>
+            </a:r>
+          </a:p>
+        </p:txBody>
+      </p:sp>
+      <p:sp>
+        <p:nvSpPr>
+          <p:cNvPr id="222" name="Shape 222"/>
           <p:cNvSpPr txBox="1"/>
           <p:nvPr>
             <p:ph idx="1" type="body"/>
@@ -10079,7 +10037,11 @@
             </a:pPr>
             <a:r>
               <a:rPr lang="en"/>
-              <a:t>NaiveBayes Classifier</a:t>
+              <a:t>Support Vector </a:t>
+            </a:r>
+            <a:r>
+              <a:rPr lang="en"/>
+              <a:t>Classifier</a:t>
             </a:r>
           </a:p>
           <a:p>
@@ -10090,44 +10052,44 @@
             </a:pPr>
             <a:r>
               <a:rPr lang="en"/>
-              <a:t>Feature = Bigram</a:t>
-            </a:r>
-          </a:p>
-          <a:p>
-            <a:pPr indent="-228600" lvl="2" marL="1371600" rtl="0">
-              <a:spcBef>
-                <a:spcPts val="0"/>
-              </a:spcBef>
-            </a:pPr>
-            <a:r>
-              <a:rPr lang="en"/>
-              <a:t>Bigram counts are analysed and a threshold is fixed.threshold count= 10</a:t>
-            </a:r>
-          </a:p>
-          <a:p>
-            <a:pPr indent="-228600" lvl="2" marL="1371600" rtl="0">
-              <a:spcBef>
-                <a:spcPts val="0"/>
-              </a:spcBef>
-            </a:pPr>
-            <a:r>
-              <a:rPr lang="en"/>
-              <a:t>Size of feature = 10863</a:t>
-            </a:r>
-          </a:p>
-          <a:p>
-            <a:pPr indent="-228600" lvl="2" marL="1371600" rtl="0">
-              <a:spcBef>
-                <a:spcPts val="0"/>
-              </a:spcBef>
-            </a:pPr>
-            <a:r>
-              <a:rPr lang="en"/>
-              <a:t>Two stemmed words are combined</a:t>
-            </a:r>
-          </a:p>
-          <a:p>
-            <a:pPr indent="-228600" lvl="2" marL="1371600" rtl="0">
+              <a:t>Size of feature = 307</a:t>
+            </a:r>
+          </a:p>
+          <a:p>
+            <a:pPr indent="-228600" lvl="1" marL="914400" rtl="0">
+              <a:spcBef>
+                <a:spcPts val="0"/>
+              </a:spcBef>
+            </a:pPr>
+            <a:r>
+              <a:rPr lang="en"/>
+              <a:t>Kernel =linear</a:t>
+            </a:r>
+          </a:p>
+          <a:p>
+            <a:pPr indent="-228600" lvl="1" marL="914400" rtl="0">
+              <a:spcBef>
+                <a:spcPts val="0"/>
+              </a:spcBef>
+            </a:pPr>
+            <a:r>
+              <a:rPr lang="en"/>
+              <a:t>The features are vectors of vocabulary.Value is 1 If a word is present, 0 otherwise</a:t>
+            </a:r>
+          </a:p>
+          <a:p>
+            <a:pPr indent="-228600" lvl="1" marL="914400" rtl="0">
+              <a:spcBef>
+                <a:spcPts val="0"/>
+              </a:spcBef>
+            </a:pPr>
+            <a:r>
+              <a:rPr lang="en"/>
+              <a:t>Sparse matrix representation is used to save memory and execution time </a:t>
+            </a:r>
+          </a:p>
+          <a:p>
+            <a:pPr indent="-228600" lvl="1" marL="914400" rtl="0">
               <a:spcBef>
                 <a:spcPts val="0"/>
               </a:spcBef>
@@ -10138,7 +10100,7 @@
             </a:r>
           </a:p>
           <a:p>
-            <a:pPr indent="-228600" lvl="2" marL="1371600" rtl="0">
+            <a:pPr indent="-228600" lvl="1" marL="914400" rtl="0">
               <a:spcBef>
                 <a:spcPts val="0"/>
               </a:spcBef>
@@ -10149,44 +10111,15 @@
             </a:r>
           </a:p>
           <a:p>
-            <a:pPr indent="-228600" lvl="2" marL="1371600" rtl="0">
-              <a:spcBef>
-                <a:spcPts val="0"/>
-              </a:spcBef>
-            </a:pPr>
-            <a:r>
-              <a:rPr lang="en"/>
-              <a:t>Most Informative Feature :(great place),(experi good)....</a:t>
-            </a:r>
-          </a:p>
-          <a:p>
-            <a:pPr indent="-228600" lvl="2" marL="1371600" rtl="0">
-              <a:spcBef>
-                <a:spcPts val="0"/>
-              </a:spcBef>
-            </a:pPr>
-            <a:r>
-              <a:rPr lang="en"/>
-              <a:t>Accuracy =  76.15%</a:t>
-            </a:r>
-          </a:p>
-          <a:p>
-            <a:pPr indent="0" lvl="0" marL="457200" marR="0" rtl="0" algn="l">
-              <a:lnSpc>
-                <a:spcPct val="115000"/>
-              </a:lnSpc>
-              <a:spcBef>
-                <a:spcPts val="0"/>
-              </a:spcBef>
-              <a:spcAft>
-                <a:spcPts val="1600"/>
-              </a:spcAft>
-              <a:buNone/>
-            </a:pPr>
-            <a:r>
-              <a:t/>
-            </a:r>
-            <a:endParaRPr/>
+            <a:pPr indent="-228600" lvl="1" marL="914400" rtl="0">
+              <a:spcBef>
+                <a:spcPts val="0"/>
+              </a:spcBef>
+            </a:pPr>
+            <a:r>
+              <a:rPr lang="en"/>
+              <a:t>Accuracy =  79.13%</a:t>
+            </a:r>
           </a:p>
           <a:p>
             <a:pPr lvl="0" marR="0" rtl="0" algn="l">
@@ -10202,15 +10135,15 @@
               <a:buNone/>
             </a:pPr>
             <a:r>
-              <a:rPr lang="en"/>
-              <a:t> </a:t>
-            </a:r>
-          </a:p>
-        </p:txBody>
-      </p:sp>
-      <p:sp>
-        <p:nvSpPr>
-          <p:cNvPr id="231" name="Shape 231"/>
+              <a:t/>
+            </a:r>
+            <a:endParaRPr/>
+          </a:p>
+        </p:txBody>
+      </p:sp>
+      <p:sp>
+        <p:nvSpPr>
+          <p:cNvPr id="223" name="Shape 223"/>
           <p:cNvSpPr txBox="1"/>
           <p:nvPr>
             <p:ph idx="12" type="sldNum"/>
@@ -10257,7 +10190,7 @@
   <p:cSld>
     <p:spTree>
       <p:nvGrpSpPr>
-        <p:cNvPr id="235" name="Shape 235"/>
+        <p:cNvPr id="227" name="Shape 227"/>
         <p:cNvGrpSpPr/>
         <p:nvPr/>
       </p:nvGrpSpPr>
@@ -10271,7 +10204,7 @@
       </p:grpSpPr>
       <p:sp>
         <p:nvSpPr>
-          <p:cNvPr id="236" name="Shape 236"/>
+          <p:cNvPr id="228" name="Shape 228"/>
           <p:cNvSpPr txBox="1"/>
           <p:nvPr>
             <p:ph type="title"/>
@@ -10300,14 +10233,14 @@
             </a:pPr>
             <a:r>
               <a:rPr lang="en"/>
-              <a:t>Sentiment Analysis(3/4)</a:t>
-            </a:r>
-          </a:p>
-        </p:txBody>
-      </p:sp>
-      <p:sp>
-        <p:nvSpPr>
-          <p:cNvPr id="237" name="Shape 237"/>
+              <a:t>Result(1/3)	</a:t>
+            </a:r>
+          </a:p>
+        </p:txBody>
+      </p:sp>
+      <p:sp>
+        <p:nvSpPr>
+          <p:cNvPr id="229" name="Shape 229"/>
           <p:cNvSpPr txBox="1"/>
           <p:nvPr>
             <p:ph idx="1" type="body"/>
@@ -10315,7 +10248,7 @@
         </p:nvSpPr>
         <p:spPr>
           <a:xfrm>
-            <a:off x="311700" y="1306075"/>
+            <a:off x="311700" y="1017800"/>
             <a:ext cx="8520600" cy="3339000"/>
           </a:xfrm>
           <a:prstGeom prst="rect">
@@ -10329,107 +10262,82 @@
           <a:lstStyle/>
           <a:p>
             <a:pPr indent="-228600" lvl="0" marL="457200" rtl="0">
-              <a:spcBef>
-                <a:spcPts val="0"/>
-              </a:spcBef>
-            </a:pPr>
-            <a:r>
-              <a:rPr lang="en"/>
-              <a:t>Support Vector </a:t>
-            </a:r>
-            <a:r>
-              <a:rPr lang="en"/>
-              <a:t>Classifier</a:t>
-            </a:r>
-          </a:p>
-          <a:p>
-            <a:pPr indent="-228600" lvl="1" marL="914400" rtl="0">
-              <a:spcBef>
-                <a:spcPts val="0"/>
-              </a:spcBef>
-            </a:pPr>
-            <a:r>
-              <a:rPr lang="en"/>
-              <a:t>Feature = unigram</a:t>
-            </a:r>
-          </a:p>
-          <a:p>
-            <a:pPr indent="-228600" lvl="2" marL="1371600" rtl="0">
-              <a:spcBef>
-                <a:spcPts val="0"/>
-              </a:spcBef>
-            </a:pPr>
-            <a:r>
-              <a:rPr lang="en"/>
-              <a:t>Size of feature = 6544</a:t>
-            </a:r>
-          </a:p>
-          <a:p>
-            <a:pPr indent="-228600" lvl="2" marL="1371600" rtl="0">
-              <a:spcBef>
-                <a:spcPts val="0"/>
-              </a:spcBef>
-            </a:pPr>
-            <a:r>
-              <a:rPr lang="en"/>
-              <a:t>The features are vectors of vocabulary.Value is 1 If a word is present, 0 otherwise</a:t>
-            </a:r>
-          </a:p>
-          <a:p>
-            <a:pPr indent="-228600" lvl="2" marL="1371600" rtl="0">
-              <a:spcBef>
-                <a:spcPts val="0"/>
-              </a:spcBef>
-            </a:pPr>
-            <a:r>
-              <a:rPr lang="en"/>
-              <a:t>Sparse matrix representation is used to save memory and execution time </a:t>
-            </a:r>
-          </a:p>
-          <a:p>
-            <a:pPr indent="-228600" lvl="2" marL="1371600" rtl="0">
-              <a:spcBef>
-                <a:spcPts val="0"/>
-              </a:spcBef>
-            </a:pPr>
-            <a:r>
-              <a:rPr lang="en"/>
-              <a:t>Size of train Dataset = 50,000</a:t>
-            </a:r>
-          </a:p>
-          <a:p>
-            <a:pPr indent="-228600" lvl="2" marL="1371600" rtl="0">
-              <a:spcBef>
-                <a:spcPts val="0"/>
-              </a:spcBef>
-            </a:pPr>
-            <a:r>
-              <a:rPr lang="en"/>
-              <a:t>Size of test Dataset = 15,000</a:t>
-            </a:r>
-          </a:p>
-          <a:p>
-            <a:pPr indent="-228600" lvl="2" marL="1371600" rtl="0">
-              <a:spcBef>
-                <a:spcPts val="0"/>
-              </a:spcBef>
-            </a:pPr>
-            <a:r>
-              <a:rPr lang="en"/>
-              <a:t>Accuracy =  87.44%</a:t>
-            </a:r>
-          </a:p>
-          <a:p>
-            <a:pPr lvl="0" marR="0" rtl="0" algn="l">
               <a:lnSpc>
-                <a:spcPct val="115000"/>
+                <a:spcPct val="150000"/>
               </a:lnSpc>
               <a:spcBef>
                 <a:spcPts val="0"/>
               </a:spcBef>
-              <a:spcAft>
-                <a:spcPts val="1600"/>
-              </a:spcAft>
+            </a:pPr>
+            <a:r>
+              <a:rPr lang="en"/>
+              <a:t>Required Result : A graph representing the corresponding values of each aspect for a particular company.</a:t>
+            </a:r>
+          </a:p>
+          <a:p>
+            <a:pPr indent="-228600" lvl="0" marL="457200" rtl="0">
+              <a:lnSpc>
+                <a:spcPct val="150000"/>
+              </a:lnSpc>
+              <a:spcBef>
+                <a:spcPts val="0"/>
+              </a:spcBef>
+            </a:pPr>
+            <a:r>
+              <a:rPr lang="en"/>
+              <a:t>Reviews of Samsung is fetched from indeed.com</a:t>
+            </a:r>
+          </a:p>
+          <a:p>
+            <a:pPr indent="-228600" lvl="0" marL="457200" rtl="0">
+              <a:lnSpc>
+                <a:spcPct val="150000"/>
+              </a:lnSpc>
+              <a:spcBef>
+                <a:spcPts val="0"/>
+              </a:spcBef>
+            </a:pPr>
+            <a:r>
+              <a:rPr lang="en"/>
+              <a:t>The reviews are split into sentences and  preprocessed, which removes stopwords, non-english words.</a:t>
+            </a:r>
+          </a:p>
+          <a:p>
+            <a:pPr indent="-228600" lvl="0" marL="457200" rtl="0">
+              <a:lnSpc>
+                <a:spcPct val="150000"/>
+              </a:lnSpc>
+              <a:spcBef>
+                <a:spcPts val="0"/>
+              </a:spcBef>
+            </a:pPr>
+            <a:r>
+              <a:rPr lang="en"/>
+              <a:t>Each words are stemmed</a:t>
+            </a:r>
+          </a:p>
+          <a:p>
+            <a:pPr indent="-228600" lvl="0" marL="457200" rtl="0">
+              <a:lnSpc>
+                <a:spcPct val="150000"/>
+              </a:lnSpc>
+              <a:spcBef>
+                <a:spcPts val="0"/>
+              </a:spcBef>
+            </a:pPr>
+            <a:r>
+              <a:rPr lang="en"/>
+              <a:t> Aspect of each sentence is obtained using lexical approach.</a:t>
+            </a:r>
+          </a:p>
+          <a:p>
+            <a:pPr lvl="0" rtl="0">
+              <a:lnSpc>
+                <a:spcPct val="150000"/>
+              </a:lnSpc>
+              <a:spcBef>
+                <a:spcPts val="0"/>
+              </a:spcBef>
               <a:buNone/>
             </a:pPr>
             <a:r>
@@ -10441,7 +10349,7 @@
       </p:sp>
       <p:sp>
         <p:nvSpPr>
-          <p:cNvPr id="238" name="Shape 238"/>
+          <p:cNvPr id="230" name="Shape 230"/>
           <p:cNvSpPr txBox="1"/>
           <p:nvPr>
             <p:ph idx="12" type="sldNum"/>
@@ -10462,7 +10370,7 @@
           </a:bodyPr>
           <a:lstStyle/>
           <a:p>
-            <a:pPr lvl="0">
+            <a:pPr lvl="0" rtl="0">
               <a:spcBef>
                 <a:spcPts val="0"/>
               </a:spcBef>
@@ -10488,7 +10396,7 @@
   <p:cSld>
     <p:spTree>
       <p:nvGrpSpPr>
-        <p:cNvPr id="242" name="Shape 242"/>
+        <p:cNvPr id="234" name="Shape 234"/>
         <p:cNvGrpSpPr/>
         <p:nvPr/>
       </p:nvGrpSpPr>
@@ -10502,7 +10410,7 @@
       </p:grpSpPr>
       <p:sp>
         <p:nvSpPr>
-          <p:cNvPr id="243" name="Shape 243"/>
+          <p:cNvPr id="235" name="Shape 235"/>
           <p:cNvSpPr txBox="1"/>
           <p:nvPr>
             <p:ph type="title"/>
@@ -10531,14 +10439,14 @@
             </a:pPr>
             <a:r>
               <a:rPr lang="en"/>
-              <a:t>Sentiment Analysis(4/4)</a:t>
-            </a:r>
-          </a:p>
-        </p:txBody>
-      </p:sp>
-      <p:sp>
-        <p:nvSpPr>
-          <p:cNvPr id="244" name="Shape 244"/>
+              <a:t>Result(2/3)	</a:t>
+            </a:r>
+          </a:p>
+        </p:txBody>
+      </p:sp>
+      <p:sp>
+        <p:nvSpPr>
+          <p:cNvPr id="236" name="Shape 236"/>
           <p:cNvSpPr txBox="1"/>
           <p:nvPr>
             <p:ph idx="1" type="body"/>
@@ -10546,7 +10454,7 @@
         </p:nvSpPr>
         <p:spPr>
           <a:xfrm>
-            <a:off x="311700" y="1306075"/>
+            <a:off x="311700" y="1017800"/>
             <a:ext cx="8520600" cy="3339000"/>
           </a:xfrm>
           <a:prstGeom prst="rect">
@@ -10560,115 +10468,51 @@
           <a:lstStyle/>
           <a:p>
             <a:pPr indent="-228600" lvl="0" marL="457200" rtl="0">
-              <a:spcBef>
-                <a:spcPts val="0"/>
-              </a:spcBef>
-            </a:pPr>
-            <a:r>
-              <a:rPr lang="en"/>
-              <a:t>Support Vector Classifier</a:t>
-            </a:r>
-          </a:p>
-          <a:p>
-            <a:pPr indent="-228600" lvl="1" marL="914400" rtl="0">
-              <a:spcBef>
-                <a:spcPts val="0"/>
-              </a:spcBef>
-            </a:pPr>
-            <a:r>
-              <a:rPr lang="en"/>
-              <a:t>Feature = bigram</a:t>
-            </a:r>
-          </a:p>
-          <a:p>
-            <a:pPr indent="-228600" lvl="2" marL="1371600" rtl="0">
-              <a:spcBef>
-                <a:spcPts val="0"/>
-              </a:spcBef>
-            </a:pPr>
-            <a:r>
-              <a:rPr lang="en"/>
-              <a:t>Size of feature = 10863</a:t>
-            </a:r>
-          </a:p>
-          <a:p>
-            <a:pPr indent="-228600" lvl="2" marL="1371600" rtl="0">
-              <a:spcBef>
-                <a:spcPts val="0"/>
-              </a:spcBef>
-            </a:pPr>
-            <a:r>
-              <a:rPr lang="en"/>
-              <a:t>The features are vectors of vocabulary.Value is 1 If a word is present, 0 otherwise</a:t>
-            </a:r>
-          </a:p>
-          <a:p>
-            <a:pPr indent="-228600" lvl="2" marL="1371600" rtl="0">
-              <a:spcBef>
-                <a:spcPts val="0"/>
-              </a:spcBef>
-            </a:pPr>
-            <a:r>
-              <a:rPr lang="en"/>
-              <a:t>Sparse matrix representation is used to save memory and execution time </a:t>
-            </a:r>
-          </a:p>
-          <a:p>
-            <a:pPr indent="-228600" lvl="2" marL="1371600" rtl="0">
-              <a:spcBef>
-                <a:spcPts val="0"/>
-              </a:spcBef>
-            </a:pPr>
-            <a:r>
-              <a:rPr lang="en"/>
-              <a:t>Size of train Dataset = 50,000</a:t>
-            </a:r>
-          </a:p>
-          <a:p>
-            <a:pPr indent="-228600" lvl="2" marL="1371600" rtl="0">
-              <a:spcBef>
-                <a:spcPts val="0"/>
-              </a:spcBef>
-            </a:pPr>
-            <a:r>
-              <a:rPr lang="en"/>
-              <a:t>Size of test Dataset = 15,000</a:t>
-            </a:r>
-          </a:p>
-          <a:p>
-            <a:pPr indent="-228600" lvl="2" marL="1371600" rtl="0">
-              <a:spcBef>
-                <a:spcPts val="0"/>
-              </a:spcBef>
-            </a:pPr>
-            <a:r>
-              <a:rPr lang="en"/>
-              <a:t>Accuracy =  69.99%</a:t>
-            </a:r>
-          </a:p>
-          <a:p>
-            <a:pPr lvl="0" marR="0" rtl="0" algn="l">
               <a:lnSpc>
-                <a:spcPct val="115000"/>
+                <a:spcPct val="150000"/>
               </a:lnSpc>
               <a:spcBef>
                 <a:spcPts val="0"/>
               </a:spcBef>
-              <a:spcAft>
-                <a:spcPts val="1600"/>
-              </a:spcAft>
-              <a:buNone/>
-            </a:pPr>
-            <a:r>
-              <a:t/>
-            </a:r>
-            <a:endParaRPr/>
-          </a:p>
-        </p:txBody>
-      </p:sp>
-      <p:sp>
-        <p:nvSpPr>
-          <p:cNvPr id="245" name="Shape 245"/>
+            </a:pPr>
+            <a:r>
+              <a:rPr lang="en"/>
+              <a:t>The polarity of each sentence is computed using different models and added to the polarity of corresponding aspect.</a:t>
+            </a:r>
+          </a:p>
+          <a:p>
+            <a:pPr indent="-228600" lvl="0" marL="457200" rtl="0">
+              <a:lnSpc>
+                <a:spcPct val="150000"/>
+              </a:lnSpc>
+              <a:spcBef>
+                <a:spcPts val="0"/>
+              </a:spcBef>
+            </a:pPr>
+            <a:r>
+              <a:rPr lang="en"/>
+              <a:t>The average polarity  of individual aspects are computed and displayed. </a:t>
+            </a:r>
+          </a:p>
+          <a:p>
+            <a:pPr indent="-228600" lvl="0" marL="457200" rtl="0">
+              <a:lnSpc>
+                <a:spcPct val="150000"/>
+              </a:lnSpc>
+              <a:spcBef>
+                <a:spcPts val="0"/>
+              </a:spcBef>
+            </a:pPr>
+            <a:r>
+              <a:rPr lang="en"/>
+              <a:t>Overall polarity is computed by taking average polarity of all the 7 aspects.</a:t>
+            </a:r>
+          </a:p>
+        </p:txBody>
+      </p:sp>
+      <p:sp>
+        <p:nvSpPr>
+          <p:cNvPr id="237" name="Shape 237"/>
           <p:cNvSpPr txBox="1"/>
           <p:nvPr>
             <p:ph idx="12" type="sldNum"/>
@@ -10786,7 +10630,7 @@
           </a:bodyPr>
           <a:lstStyle/>
           <a:p>
-            <a:pPr indent="-317500" lvl="0" marL="457200" rtl="0">
+            <a:pPr indent="-304800" lvl="0" marL="457200" rtl="0">
               <a:lnSpc>
                 <a:spcPct val="150000"/>
               </a:lnSpc>
@@ -10797,12 +10641,12 @@
               <a:buChar char="➢"/>
             </a:pPr>
             <a:r>
-              <a:rPr lang="en" sz="1400"/>
+              <a:rPr lang="en" sz="1200"/>
               <a:t>Introduction</a:t>
             </a:r>
           </a:p>
           <a:p>
-            <a:pPr indent="-317500" lvl="0" marL="457200" rtl="0">
+            <a:pPr indent="-304800" lvl="0" marL="457200" rtl="0">
               <a:lnSpc>
                 <a:spcPct val="150000"/>
               </a:lnSpc>
@@ -10813,12 +10657,12 @@
               <a:buChar char="➢"/>
             </a:pPr>
             <a:r>
-              <a:rPr lang="en" sz="1400"/>
+              <a:rPr lang="en" sz="1200"/>
               <a:t>Motivation</a:t>
             </a:r>
           </a:p>
           <a:p>
-            <a:pPr indent="-317500" lvl="0" marL="457200" rtl="0">
+            <a:pPr indent="-304800" lvl="0" marL="457200" rtl="0">
               <a:lnSpc>
                 <a:spcPct val="150000"/>
               </a:lnSpc>
@@ -10829,12 +10673,12 @@
               <a:buChar char="➢"/>
             </a:pPr>
             <a:r>
-              <a:rPr lang="en" sz="1400"/>
-              <a:t>Literature Review</a:t>
-            </a:r>
-          </a:p>
-          <a:p>
-            <a:pPr indent="-317500" lvl="0" marL="457200" rtl="0">
+              <a:rPr lang="en" sz="1200"/>
+              <a:t>Proposed Work</a:t>
+            </a:r>
+          </a:p>
+          <a:p>
+            <a:pPr indent="-304800" lvl="0" marL="457200" rtl="0">
               <a:lnSpc>
                 <a:spcPct val="150000"/>
               </a:lnSpc>
@@ -10845,12 +10689,12 @@
               <a:buChar char="➢"/>
             </a:pPr>
             <a:r>
-              <a:rPr lang="en" sz="1400"/>
-              <a:t>Proposed Work</a:t>
-            </a:r>
-          </a:p>
-          <a:p>
-            <a:pPr indent="-317500" lvl="0" marL="457200" rtl="0">
+              <a:rPr lang="en" sz="1200"/>
+              <a:t>Scraper and Aspect Extraction</a:t>
+            </a:r>
+          </a:p>
+          <a:p>
+            <a:pPr indent="-304800" lvl="0" marL="457200" rtl="0">
               <a:lnSpc>
                 <a:spcPct val="150000"/>
               </a:lnSpc>
@@ -10861,12 +10705,12 @@
               <a:buChar char="➢"/>
             </a:pPr>
             <a:r>
-              <a:rPr lang="en" sz="1400"/>
-              <a:t>Scraper and Aspect Extraction</a:t>
-            </a:r>
-          </a:p>
-          <a:p>
-            <a:pPr indent="-317500" lvl="0" marL="457200" rtl="0">
+              <a:rPr lang="en" sz="1200"/>
+              <a:t>Dataset Preparation</a:t>
+            </a:r>
+          </a:p>
+          <a:p>
+            <a:pPr indent="-304800" lvl="0" marL="457200" rtl="0">
               <a:lnSpc>
                 <a:spcPct val="150000"/>
               </a:lnSpc>
@@ -10877,12 +10721,12 @@
               <a:buChar char="➢"/>
             </a:pPr>
             <a:r>
-              <a:rPr lang="en" sz="1400"/>
-              <a:t>Dataset Preparation</a:t>
-            </a:r>
-          </a:p>
-          <a:p>
-            <a:pPr indent="-317500" lvl="0" marL="457200" rtl="0">
+              <a:rPr lang="en" sz="1200"/>
+              <a:t>Sentiment Analysis</a:t>
+            </a:r>
+          </a:p>
+          <a:p>
+            <a:pPr indent="-304800" lvl="0" marL="457200" rtl="0">
               <a:lnSpc>
                 <a:spcPct val="150000"/>
               </a:lnSpc>
@@ -10893,12 +10737,12 @@
               <a:buChar char="➢"/>
             </a:pPr>
             <a:r>
-              <a:rPr lang="en" sz="1400"/>
-              <a:t>Sentiment Analysis</a:t>
-            </a:r>
-          </a:p>
-          <a:p>
-            <a:pPr indent="-317500" lvl="0" marL="457200" rtl="0">
+              <a:rPr lang="en" sz="1200"/>
+              <a:t>Results</a:t>
+            </a:r>
+          </a:p>
+          <a:p>
+            <a:pPr indent="-304800" lvl="0" marL="457200" rtl="0">
               <a:lnSpc>
                 <a:spcPct val="150000"/>
               </a:lnSpc>
@@ -10909,12 +10753,12 @@
               <a:buChar char="➢"/>
             </a:pPr>
             <a:r>
-              <a:rPr lang="en" sz="1400"/>
-              <a:t>Results</a:t>
-            </a:r>
-          </a:p>
-          <a:p>
-            <a:pPr indent="-317500" lvl="0" marL="457200" rtl="0">
+              <a:rPr lang="en" sz="1200"/>
+              <a:t>Limitations</a:t>
+            </a:r>
+          </a:p>
+          <a:p>
+            <a:pPr indent="-304800" lvl="0" marL="457200" rtl="0">
               <a:lnSpc>
                 <a:spcPct val="150000"/>
               </a:lnSpc>
@@ -10925,12 +10769,12 @@
               <a:buChar char="➢"/>
             </a:pPr>
             <a:r>
-              <a:rPr lang="en" sz="1400"/>
-              <a:t>Objective Achieved</a:t>
-            </a:r>
-          </a:p>
-          <a:p>
-            <a:pPr indent="-317500" lvl="0" marL="457200" rtl="0">
+              <a:rPr lang="en" sz="1200"/>
+              <a:t>Conclusion</a:t>
+            </a:r>
+          </a:p>
+          <a:p>
+            <a:pPr indent="-304800" lvl="0" marL="457200" rtl="0">
               <a:lnSpc>
                 <a:spcPct val="150000"/>
               </a:lnSpc>
@@ -10941,12 +10785,12 @@
               <a:buChar char="➢"/>
             </a:pPr>
             <a:r>
-              <a:rPr lang="en" sz="1400"/>
-              <a:t>Limitations</a:t>
-            </a:r>
-          </a:p>
-          <a:p>
-            <a:pPr indent="-317500" lvl="0" marL="457200" rtl="0">
+              <a:rPr lang="en" sz="1200"/>
+              <a:t>Future Work</a:t>
+            </a:r>
+          </a:p>
+          <a:p>
+            <a:pPr indent="-304800" lvl="0" marL="457200" rtl="0">
               <a:lnSpc>
                 <a:spcPct val="150000"/>
               </a:lnSpc>
@@ -10957,12 +10801,12 @@
               <a:buChar char="➢"/>
             </a:pPr>
             <a:r>
-              <a:rPr lang="en" sz="1400"/>
-              <a:t>Conclusion</a:t>
-            </a:r>
-          </a:p>
-          <a:p>
-            <a:pPr indent="-317500" lvl="0" marL="457200" rtl="0">
+              <a:rPr lang="en" sz="1200"/>
+              <a:t>References</a:t>
+            </a:r>
+          </a:p>
+          <a:p>
+            <a:pPr indent="-304800" lvl="0" marL="457200" rtl="0">
               <a:lnSpc>
                 <a:spcPct val="150000"/>
               </a:lnSpc>
@@ -10973,12 +10817,12 @@
               <a:buChar char="➢"/>
             </a:pPr>
             <a:r>
-              <a:rPr lang="en" sz="1400"/>
-              <a:t>Future Work</a:t>
-            </a:r>
-          </a:p>
-          <a:p>
-            <a:pPr indent="-317500" lvl="0" marL="457200" rtl="0">
+              <a:rPr lang="en" sz="1200"/>
+              <a:t>Objectives</a:t>
+            </a:r>
+          </a:p>
+          <a:p>
+            <a:pPr indent="-304800" lvl="0" marL="457200" rtl="0">
               <a:lnSpc>
                 <a:spcPct val="150000"/>
               </a:lnSpc>
@@ -10989,8 +10833,40 @@
               <a:buChar char="➢"/>
             </a:pPr>
             <a:r>
-              <a:rPr lang="en" sz="1400"/>
-              <a:t>References</a:t>
+              <a:rPr lang="en" sz="1200"/>
+              <a:t>Program Outcomes</a:t>
+            </a:r>
+          </a:p>
+          <a:p>
+            <a:pPr indent="-304800" lvl="0" marL="457200" rtl="0">
+              <a:lnSpc>
+                <a:spcPct val="150000"/>
+              </a:lnSpc>
+              <a:spcBef>
+                <a:spcPts val="0"/>
+              </a:spcBef>
+              <a:buSzPct val="100000"/>
+              <a:buChar char="➢"/>
+            </a:pPr>
+            <a:r>
+              <a:rPr lang="en" sz="1200"/>
+              <a:t>Social Outcome</a:t>
+            </a:r>
+          </a:p>
+          <a:p>
+            <a:pPr indent="-304800" lvl="0" marL="457200" rtl="0">
+              <a:lnSpc>
+                <a:spcPct val="150000"/>
+              </a:lnSpc>
+              <a:spcBef>
+                <a:spcPts val="0"/>
+              </a:spcBef>
+              <a:buSzPct val="100000"/>
+              <a:buChar char="➢"/>
+            </a:pPr>
+            <a:r>
+              <a:rPr lang="en" sz="1200"/>
+              <a:t>Tools Used</a:t>
             </a:r>
           </a:p>
         </p:txBody>
@@ -11044,7 +10920,7 @@
   <p:cSld>
     <p:spTree>
       <p:nvGrpSpPr>
-        <p:cNvPr id="249" name="Shape 249"/>
+        <p:cNvPr id="241" name="Shape 241"/>
         <p:cNvGrpSpPr/>
         <p:nvPr/>
       </p:nvGrpSpPr>
@@ -11058,7 +10934,7 @@
       </p:grpSpPr>
       <p:sp>
         <p:nvSpPr>
-          <p:cNvPr id="250" name="Shape 250"/>
+          <p:cNvPr id="242" name="Shape 242"/>
           <p:cNvSpPr txBox="1"/>
           <p:nvPr>
             <p:ph type="title"/>
@@ -11066,7 +10942,7 @@
         </p:nvSpPr>
         <p:spPr>
           <a:xfrm>
-            <a:off x="311700" y="410000"/>
+            <a:off x="311700" y="114250"/>
             <a:ext cx="8520600" cy="607800"/>
           </a:xfrm>
           <a:prstGeom prst="rect">
@@ -11087,14 +10963,14 @@
             </a:pPr>
             <a:r>
               <a:rPr lang="en"/>
-              <a:t>Result(1/6)	</a:t>
-            </a:r>
-          </a:p>
-        </p:txBody>
-      </p:sp>
-      <p:sp>
-        <p:nvSpPr>
-          <p:cNvPr id="251" name="Shape 251"/>
+              <a:t>Result(3/3)</a:t>
+            </a:r>
+          </a:p>
+        </p:txBody>
+      </p:sp>
+      <p:sp>
+        <p:nvSpPr>
+          <p:cNvPr id="243" name="Shape 243"/>
           <p:cNvSpPr txBox="1"/>
           <p:nvPr>
             <p:ph idx="1" type="body"/>
@@ -11102,8 +10978,8 @@
         </p:nvSpPr>
         <p:spPr>
           <a:xfrm>
-            <a:off x="311700" y="1017800"/>
-            <a:ext cx="8520600" cy="3339000"/>
+            <a:off x="311700" y="1204150"/>
+            <a:ext cx="8520600" cy="3429000"/>
           </a:xfrm>
           <a:prstGeom prst="rect">
             <a:avLst/>
@@ -11115,88 +10991,7 @@
           </a:bodyPr>
           <a:lstStyle/>
           <a:p>
-            <a:pPr indent="-228600" lvl="0" marL="457200" rtl="0">
-              <a:lnSpc>
-                <a:spcPct val="150000"/>
-              </a:lnSpc>
-              <a:spcBef>
-                <a:spcPts val="0"/>
-              </a:spcBef>
-            </a:pPr>
-            <a:r>
-              <a:rPr lang="en"/>
-              <a:t>Required Result : A graph representing the </a:t>
-            </a:r>
-            <a:r>
-              <a:rPr lang="en"/>
-              <a:t>corresponding values of each aspect for a particular company.</a:t>
-            </a:r>
-          </a:p>
-          <a:p>
-            <a:pPr indent="-228600" lvl="0" marL="457200" rtl="0">
-              <a:lnSpc>
-                <a:spcPct val="150000"/>
-              </a:lnSpc>
-              <a:spcBef>
-                <a:spcPts val="0"/>
-              </a:spcBef>
-            </a:pPr>
-            <a:r>
-              <a:rPr lang="en"/>
-              <a:t>Reviews of Samsung is fetched from indeed.com</a:t>
-            </a:r>
-          </a:p>
-          <a:p>
-            <a:pPr indent="-228600" lvl="0" marL="457200" rtl="0">
-              <a:lnSpc>
-                <a:spcPct val="150000"/>
-              </a:lnSpc>
-              <a:spcBef>
-                <a:spcPts val="0"/>
-              </a:spcBef>
-            </a:pPr>
-            <a:r>
-              <a:rPr lang="en"/>
-              <a:t>The reviews are split into sentences and  preprocessed, which removes stopwords, non-english words.</a:t>
-            </a:r>
-          </a:p>
-          <a:p>
-            <a:pPr indent="-228600" lvl="0" marL="457200" rtl="0">
-              <a:lnSpc>
-                <a:spcPct val="150000"/>
-              </a:lnSpc>
-              <a:spcBef>
-                <a:spcPts val="0"/>
-              </a:spcBef>
-            </a:pPr>
-            <a:r>
-              <a:rPr lang="en"/>
-              <a:t>Each words are stemmed</a:t>
-            </a:r>
-          </a:p>
-          <a:p>
-            <a:pPr indent="-228600" lvl="0" marL="457200" rtl="0">
-              <a:lnSpc>
-                <a:spcPct val="150000"/>
-              </a:lnSpc>
-              <a:spcBef>
-                <a:spcPts val="0"/>
-              </a:spcBef>
-            </a:pPr>
-            <a:r>
-              <a:rPr lang="en"/>
-              <a:t> </a:t>
-            </a:r>
-            <a:r>
-              <a:rPr lang="en"/>
-              <a:t>Aspect of each sentence is obtained using lexical approach and naivebayes approach.</a:t>
-            </a:r>
-          </a:p>
-          <a:p>
-            <a:pPr lvl="0">
-              <a:lnSpc>
-                <a:spcPct val="150000"/>
-              </a:lnSpc>
+            <a:pPr lvl="0" rtl="0">
               <a:spcBef>
                 <a:spcPts val="0"/>
               </a:spcBef>
@@ -11211,7 +11006,43 @@
       </p:sp>
       <p:sp>
         <p:nvSpPr>
-          <p:cNvPr id="252" name="Shape 252"/>
+          <p:cNvPr id="244" name="Shape 244"/>
+          <p:cNvSpPr txBox="1"/>
+          <p:nvPr>
+            <p:ph type="title"/>
+          </p:nvPr>
+        </p:nvSpPr>
+        <p:spPr>
+          <a:xfrm>
+            <a:off x="311700" y="722050"/>
+            <a:ext cx="8832300" cy="482100"/>
+          </a:xfrm>
+          <a:prstGeom prst="rect">
+            <a:avLst/>
+          </a:prstGeom>
+        </p:spPr>
+        <p:txBody>
+          <a:bodyPr anchorCtr="0" anchor="t" bIns="91425" lIns="91425" rIns="91425" tIns="91425">
+            <a:noAutofit/>
+          </a:bodyPr>
+          <a:lstStyle/>
+          <a:p>
+            <a:pPr lvl="0" rtl="0">
+              <a:spcBef>
+                <a:spcPts val="0"/>
+              </a:spcBef>
+              <a:buNone/>
+            </a:pPr>
+            <a:r>
+              <a:rPr lang="en" sz="1800"/>
+              <a:t>Passed 1000 reviews and the result is graphically plotted</a:t>
+            </a:r>
+          </a:p>
+        </p:txBody>
+      </p:sp>
+      <p:sp>
+        <p:nvSpPr>
+          <p:cNvPr id="245" name="Shape 245"/>
           <p:cNvSpPr txBox="1"/>
           <p:nvPr>
             <p:ph idx="12" type="sldNum"/>
@@ -11245,6 +11076,34 @@
           </a:p>
         </p:txBody>
       </p:sp>
+      <p:pic>
+        <p:nvPicPr>
+          <p:cNvPr descr="new_nb_uni.png" id="246" name="Shape 246"/>
+          <p:cNvPicPr preferRelativeResize="0"/>
+          <p:nvPr/>
+        </p:nvPicPr>
+        <p:blipFill>
+          <a:blip r:embed="rId3">
+            <a:alphaModFix/>
+          </a:blip>
+          <a:stretch>
+            <a:fillRect/>
+          </a:stretch>
+        </p:blipFill>
+        <p:spPr>
+          <a:xfrm>
+            <a:off x="1228725" y="1222198"/>
+            <a:ext cx="6076950" cy="3428999"/>
+          </a:xfrm>
+          <a:prstGeom prst="rect">
+            <a:avLst/>
+          </a:prstGeom>
+          <a:noFill/>
+          <a:ln>
+            <a:noFill/>
+          </a:ln>
+        </p:spPr>
+      </p:pic>
     </p:spTree>
   </p:cSld>
   <p:clrMapOvr>
@@ -11258,7 +11117,7 @@
   <p:cSld>
     <p:spTree>
       <p:nvGrpSpPr>
-        <p:cNvPr id="256" name="Shape 256"/>
+        <p:cNvPr id="250" name="Shape 250"/>
         <p:cNvGrpSpPr/>
         <p:nvPr/>
       </p:nvGrpSpPr>
@@ -11272,7 +11131,7 @@
       </p:grpSpPr>
       <p:sp>
         <p:nvSpPr>
-          <p:cNvPr id="257" name="Shape 257"/>
+          <p:cNvPr id="251" name="Shape 251"/>
           <p:cNvSpPr txBox="1"/>
           <p:nvPr>
             <p:ph type="title"/>
@@ -11293,22 +11152,22 @@
           </a:bodyPr>
           <a:lstStyle/>
           <a:p>
-            <a:pPr lvl="0" rtl="0">
-              <a:spcBef>
-                <a:spcPts val="0"/>
-              </a:spcBef>
-              <a:buNone/>
-            </a:pPr>
-            <a:r>
-              <a:rPr lang="en"/>
-              <a:t>Result(2/6)	</a:t>
-            </a:r>
-          </a:p>
-        </p:txBody>
-      </p:sp>
-      <p:sp>
-        <p:nvSpPr>
-          <p:cNvPr id="258" name="Shape 258"/>
+            <a:pPr lvl="0">
+              <a:spcBef>
+                <a:spcPts val="0"/>
+              </a:spcBef>
+              <a:buNone/>
+            </a:pPr>
+            <a:r>
+              <a:rPr lang="en"/>
+              <a:t>Limitations	</a:t>
+            </a:r>
+          </a:p>
+        </p:txBody>
+      </p:sp>
+      <p:sp>
+        <p:nvSpPr>
+          <p:cNvPr id="252" name="Shape 252"/>
           <p:cNvSpPr txBox="1"/>
           <p:nvPr>
             <p:ph idx="1" type="body"/>
@@ -11316,7 +11175,7 @@
         </p:nvSpPr>
         <p:spPr>
           <a:xfrm>
-            <a:off x="311700" y="1017800"/>
+            <a:off x="311700" y="1229875"/>
             <a:ext cx="8520600" cy="3339000"/>
           </a:xfrm>
           <a:prstGeom prst="rect">
@@ -11330,51 +11189,50 @@
           <a:lstStyle/>
           <a:p>
             <a:pPr indent="-228600" lvl="0" marL="457200" rtl="0">
-              <a:lnSpc>
-                <a:spcPct val="150000"/>
-              </a:lnSpc>
-              <a:spcBef>
-                <a:spcPts val="0"/>
-              </a:spcBef>
-            </a:pPr>
-            <a:r>
-              <a:rPr lang="en"/>
-              <a:t>The polarity of each sentence is computed using different models and added to the polarity of corresponding aspect.</a:t>
+              <a:spcBef>
+                <a:spcPts val="0"/>
+              </a:spcBef>
+            </a:pPr>
+            <a:r>
+              <a:rPr lang="en"/>
+              <a:t>Since the dataset is large, training process is slow and requires more memory</a:t>
             </a:r>
           </a:p>
           <a:p>
             <a:pPr indent="-228600" lvl="0" marL="457200" rtl="0">
-              <a:lnSpc>
-                <a:spcPct val="150000"/>
-              </a:lnSpc>
-              <a:spcBef>
-                <a:spcPts val="0"/>
-              </a:spcBef>
-            </a:pPr>
-            <a:r>
-              <a:rPr lang="en"/>
-              <a:t>The average polarity  of individual aspects are computed and displayed. </a:t>
-            </a:r>
-          </a:p>
-          <a:p>
-            <a:pPr indent="-228600" lvl="0" marL="457200" rtl="0">
-              <a:lnSpc>
-                <a:spcPct val="150000"/>
-              </a:lnSpc>
-              <a:spcBef>
-                <a:spcPts val="0"/>
-              </a:spcBef>
-            </a:pPr>
-            <a:r>
-              <a:rPr lang="en"/>
-              <a:t>Overall polarity is computed by taking average polarity of all the 7 aspects.</a:t>
-            </a:r>
-          </a:p>
-        </p:txBody>
-      </p:sp>
-      <p:sp>
-        <p:nvSpPr>
-          <p:cNvPr id="259" name="Shape 259"/>
+              <a:spcBef>
+                <a:spcPts val="0"/>
+              </a:spcBef>
+            </a:pPr>
+            <a:r>
+              <a:rPr lang="en"/>
+              <a:t>The number of  sentences </a:t>
+            </a:r>
+            <a:r>
+              <a:rPr lang="en"/>
+              <a:t>for each labels</a:t>
+            </a:r>
+            <a:r>
+              <a:rPr lang="en"/>
+              <a:t> is non-uniform</a:t>
+            </a:r>
+          </a:p>
+          <a:p>
+            <a:pPr indent="-228600" lvl="0" marL="457200">
+              <a:spcBef>
+                <a:spcPts val="0"/>
+              </a:spcBef>
+            </a:pPr>
+            <a:r>
+              <a:rPr lang="en"/>
+              <a:t>Executing all reviews of a company for computing result is taking more time  </a:t>
+            </a:r>
+          </a:p>
+        </p:txBody>
+      </p:sp>
+      <p:sp>
+        <p:nvSpPr>
+          <p:cNvPr id="253" name="Shape 253"/>
           <p:cNvSpPr txBox="1"/>
           <p:nvPr>
             <p:ph idx="12" type="sldNum"/>
@@ -11421,7 +11279,7 @@
   <p:cSld>
     <p:spTree>
       <p:nvGrpSpPr>
-        <p:cNvPr id="263" name="Shape 263"/>
+        <p:cNvPr id="257" name="Shape 257"/>
         <p:cNvGrpSpPr/>
         <p:nvPr/>
       </p:nvGrpSpPr>
@@ -11435,7 +11293,7 @@
       </p:grpSpPr>
       <p:sp>
         <p:nvSpPr>
-          <p:cNvPr id="264" name="Shape 264"/>
+          <p:cNvPr id="258" name="Shape 258"/>
           <p:cNvSpPr txBox="1"/>
           <p:nvPr>
             <p:ph type="title"/>
@@ -11443,7 +11301,7 @@
         </p:nvSpPr>
         <p:spPr>
           <a:xfrm>
-            <a:off x="311700" y="114250"/>
+            <a:off x="311700" y="410000"/>
             <a:ext cx="8520600" cy="607800"/>
           </a:xfrm>
           <a:prstGeom prst="rect">
@@ -11464,14 +11322,14 @@
             </a:pPr>
             <a:r>
               <a:rPr lang="en"/>
-              <a:t>Result(3/6)</a:t>
-            </a:r>
-          </a:p>
-        </p:txBody>
-      </p:sp>
-      <p:sp>
-        <p:nvSpPr>
-          <p:cNvPr id="265" name="Shape 265"/>
+              <a:t>Conclusion</a:t>
+            </a:r>
+          </a:p>
+        </p:txBody>
+      </p:sp>
+      <p:sp>
+        <p:nvSpPr>
+          <p:cNvPr id="259" name="Shape 259"/>
           <p:cNvSpPr txBox="1"/>
           <p:nvPr>
             <p:ph idx="1" type="body"/>
@@ -11479,8 +11337,8 @@
         </p:nvSpPr>
         <p:spPr>
           <a:xfrm>
-            <a:off x="311700" y="1294175"/>
-            <a:ext cx="3507300" cy="3339000"/>
+            <a:off x="311700" y="1229875"/>
+            <a:ext cx="8520600" cy="3339000"/>
           </a:xfrm>
           <a:prstGeom prst="rect">
             <a:avLst/>
@@ -11492,6 +11350,58 @@
           </a:bodyPr>
           <a:lstStyle/>
           <a:p>
+            <a:pPr indent="-228600" lvl="0" marL="457200" rtl="0">
+              <a:spcBef>
+                <a:spcPts val="0"/>
+              </a:spcBef>
+            </a:pPr>
+            <a:r>
+              <a:rPr lang="en"/>
+              <a:t>This project has trained multiple models.</a:t>
+            </a:r>
+          </a:p>
+          <a:p>
+            <a:pPr indent="-228600" lvl="0" marL="457200" rtl="0">
+              <a:spcBef>
+                <a:spcPts val="0"/>
+              </a:spcBef>
+            </a:pPr>
+            <a:r>
+              <a:rPr lang="en"/>
+              <a:t>Implemented and analysed all models based on reviews of a company.</a:t>
+            </a:r>
+          </a:p>
+          <a:p>
+            <a:pPr indent="-228600" lvl="0" marL="457200" rtl="0">
+              <a:spcBef>
+                <a:spcPts val="0"/>
+              </a:spcBef>
+            </a:pPr>
+            <a:r>
+              <a:rPr lang="en"/>
+              <a:t>Two machine learning algorithms have been implemented.</a:t>
+            </a:r>
+          </a:p>
+          <a:p>
+            <a:pPr indent="-228600" lvl="0" marL="457200" rtl="0">
+              <a:spcBef>
+                <a:spcPts val="0"/>
+              </a:spcBef>
+            </a:pPr>
+            <a:r>
+              <a:rPr lang="en"/>
+              <a:t>Aspects have been analysed using</a:t>
+            </a:r>
+            <a:r>
+              <a:rPr lang="en"/>
+              <a:t> Naive Bayes and</a:t>
+            </a:r>
+            <a:r>
+              <a:rPr lang="en"/>
+              <a:t> Lexical approach.</a:t>
+            </a:r>
+          </a:p>
+          <a:p>
             <a:pPr lvl="0">
               <a:spcBef>
                 <a:spcPts val="0"/>
@@ -11507,139 +11417,7 @@
       </p:sp>
       <p:sp>
         <p:nvSpPr>
-          <p:cNvPr id="266" name="Shape 266"/>
-          <p:cNvSpPr txBox="1"/>
-          <p:nvPr>
-            <p:ph idx="1" type="body"/>
-          </p:nvPr>
-        </p:nvSpPr>
-        <p:spPr>
-          <a:xfrm>
-            <a:off x="4617725" y="1204150"/>
-            <a:ext cx="3661800" cy="3429000"/>
-          </a:xfrm>
-          <a:prstGeom prst="rect">
-            <a:avLst/>
-          </a:prstGeom>
-        </p:spPr>
-        <p:txBody>
-          <a:bodyPr anchorCtr="0" anchor="t" bIns="91425" lIns="91425" rIns="91425" tIns="91425">
-            <a:noAutofit/>
-          </a:bodyPr>
-          <a:lstStyle/>
-          <a:p>
-            <a:pPr lvl="0" rtl="0">
-              <a:spcBef>
-                <a:spcPts val="0"/>
-              </a:spcBef>
-              <a:buNone/>
-            </a:pPr>
-            <a:r>
-              <a:t/>
-            </a:r>
-            <a:endParaRPr/>
-          </a:p>
-        </p:txBody>
-      </p:sp>
-      <p:sp>
-        <p:nvSpPr>
-          <p:cNvPr id="267" name="Shape 267"/>
-          <p:cNvSpPr txBox="1"/>
-          <p:nvPr>
-            <p:ph type="title"/>
-          </p:nvPr>
-        </p:nvSpPr>
-        <p:spPr>
-          <a:xfrm>
-            <a:off x="311700" y="722050"/>
-            <a:ext cx="8832300" cy="482100"/>
-          </a:xfrm>
-          <a:prstGeom prst="rect">
-            <a:avLst/>
-          </a:prstGeom>
-        </p:spPr>
-        <p:txBody>
-          <a:bodyPr anchorCtr="0" anchor="t" bIns="91425" lIns="91425" rIns="91425" tIns="91425">
-            <a:noAutofit/>
-          </a:bodyPr>
-          <a:lstStyle/>
-          <a:p>
-            <a:pPr lvl="0" rtl="0">
-              <a:spcBef>
-                <a:spcPts val="0"/>
-              </a:spcBef>
-              <a:buNone/>
-            </a:pPr>
-            <a:r>
-              <a:rPr lang="en" sz="1800"/>
-              <a:t>NaiveBayes Classifier(Unigram) - </a:t>
-            </a:r>
-            <a:r>
-              <a:rPr lang="en" sz="1400"/>
-              <a:t>(Aspect Classifier Lexical Approach: Left and NaiveBayes: Right )</a:t>
-            </a:r>
-          </a:p>
-        </p:txBody>
-      </p:sp>
-      <p:pic>
-        <p:nvPicPr>
-          <p:cNvPr descr="nb_uni_lex.png" id="268" name="Shape 268"/>
-          <p:cNvPicPr preferRelativeResize="0"/>
-          <p:nvPr/>
-        </p:nvPicPr>
-        <p:blipFill>
-          <a:blip r:embed="rId3">
-            <a:alphaModFix/>
-          </a:blip>
-          <a:stretch>
-            <a:fillRect/>
-          </a:stretch>
-        </p:blipFill>
-        <p:spPr>
-          <a:xfrm>
-            <a:off x="311700" y="1204150"/>
-            <a:ext cx="3875474" cy="3500000"/>
-          </a:xfrm>
-          <a:prstGeom prst="rect">
-            <a:avLst/>
-          </a:prstGeom>
-          <a:noFill/>
-          <a:ln>
-            <a:noFill/>
-          </a:ln>
-        </p:spPr>
-      </p:pic>
-      <p:pic>
-        <p:nvPicPr>
-          <p:cNvPr descr="nb_uni_nb.png" id="269" name="Shape 269"/>
-          <p:cNvPicPr preferRelativeResize="0"/>
-          <p:nvPr/>
-        </p:nvPicPr>
-        <p:blipFill>
-          <a:blip r:embed="rId4">
-            <a:alphaModFix/>
-          </a:blip>
-          <a:stretch>
-            <a:fillRect/>
-          </a:stretch>
-        </p:blipFill>
-        <p:spPr>
-          <a:xfrm>
-            <a:off x="4617725" y="1204150"/>
-            <a:ext cx="3661800" cy="3428999"/>
-          </a:xfrm>
-          <a:prstGeom prst="rect">
-            <a:avLst/>
-          </a:prstGeom>
-          <a:noFill/>
-          <a:ln>
-            <a:noFill/>
-          </a:ln>
-        </p:spPr>
-      </p:pic>
-      <p:sp>
-        <p:nvSpPr>
-          <p:cNvPr id="270" name="Shape 270"/>
+          <p:cNvPr id="260" name="Shape 260"/>
           <p:cNvSpPr txBox="1"/>
           <p:nvPr>
             <p:ph idx="12" type="sldNum"/>
@@ -11686,7 +11464,7 @@
   <p:cSld>
     <p:spTree>
       <p:nvGrpSpPr>
-        <p:cNvPr id="274" name="Shape 274"/>
+        <p:cNvPr id="264" name="Shape 264"/>
         <p:cNvGrpSpPr/>
         <p:nvPr/>
       </p:nvGrpSpPr>
@@ -11700,7 +11478,7 @@
       </p:grpSpPr>
       <p:sp>
         <p:nvSpPr>
-          <p:cNvPr id="275" name="Shape 275"/>
+          <p:cNvPr id="265" name="Shape 265"/>
           <p:cNvSpPr txBox="1"/>
           <p:nvPr>
             <p:ph type="title"/>
@@ -11708,7 +11486,7 @@
         </p:nvSpPr>
         <p:spPr>
           <a:xfrm>
-            <a:off x="311700" y="114250"/>
+            <a:off x="311700" y="410000"/>
             <a:ext cx="8520600" cy="607800"/>
           </a:xfrm>
           <a:prstGeom prst="rect">
@@ -11721,22 +11499,22 @@
           </a:bodyPr>
           <a:lstStyle/>
           <a:p>
-            <a:pPr lvl="0" rtl="0">
-              <a:spcBef>
-                <a:spcPts val="0"/>
-              </a:spcBef>
-              <a:buNone/>
-            </a:pPr>
-            <a:r>
-              <a:rPr lang="en"/>
-              <a:t>Result(4/6)</a:t>
-            </a:r>
-          </a:p>
-        </p:txBody>
-      </p:sp>
-      <p:sp>
-        <p:nvSpPr>
-          <p:cNvPr id="276" name="Shape 276"/>
+            <a:pPr lvl="0">
+              <a:spcBef>
+                <a:spcPts val="0"/>
+              </a:spcBef>
+              <a:buNone/>
+            </a:pPr>
+            <a:r>
+              <a:rPr lang="en"/>
+              <a:t>Future Work</a:t>
+            </a:r>
+          </a:p>
+        </p:txBody>
+      </p:sp>
+      <p:sp>
+        <p:nvSpPr>
+          <p:cNvPr id="266" name="Shape 266"/>
           <p:cNvSpPr txBox="1"/>
           <p:nvPr>
             <p:ph idx="1" type="body"/>
@@ -11744,8 +11522,8 @@
         </p:nvSpPr>
         <p:spPr>
           <a:xfrm>
-            <a:off x="311700" y="1204175"/>
-            <a:ext cx="3507300" cy="3429000"/>
+            <a:off x="311700" y="1229875"/>
+            <a:ext cx="8520600" cy="3339000"/>
           </a:xfrm>
           <a:prstGeom prst="rect">
             <a:avLst/>
@@ -11757,154 +11535,43 @@
           </a:bodyPr>
           <a:lstStyle/>
           <a:p>
-            <a:pPr lvl="0" rtl="0">
-              <a:spcBef>
-                <a:spcPts val="0"/>
-              </a:spcBef>
-              <a:buNone/>
-            </a:pPr>
-            <a:r>
-              <a:t/>
-            </a:r>
-            <a:endParaRPr/>
-          </a:p>
-        </p:txBody>
-      </p:sp>
-      <p:sp>
-        <p:nvSpPr>
-          <p:cNvPr id="277" name="Shape 277"/>
-          <p:cNvSpPr txBox="1"/>
-          <p:nvPr>
-            <p:ph idx="1" type="body"/>
-          </p:nvPr>
-        </p:nvSpPr>
-        <p:spPr>
-          <a:xfrm>
-            <a:off x="4617725" y="1204150"/>
-            <a:ext cx="3661800" cy="3429000"/>
-          </a:xfrm>
-          <a:prstGeom prst="rect">
-            <a:avLst/>
-          </a:prstGeom>
-        </p:spPr>
-        <p:txBody>
-          <a:bodyPr anchorCtr="0" anchor="t" bIns="91425" lIns="91425" rIns="91425" tIns="91425">
-            <a:noAutofit/>
-          </a:bodyPr>
-          <a:lstStyle/>
-          <a:p>
-            <a:pPr lvl="0" rtl="0">
-              <a:spcBef>
-                <a:spcPts val="0"/>
-              </a:spcBef>
-              <a:buNone/>
-            </a:pPr>
-            <a:r>
-              <a:t/>
-            </a:r>
-            <a:endParaRPr/>
-          </a:p>
-        </p:txBody>
-      </p:sp>
-      <p:sp>
-        <p:nvSpPr>
-          <p:cNvPr id="278" name="Shape 278"/>
-          <p:cNvSpPr txBox="1"/>
-          <p:nvPr>
-            <p:ph type="title"/>
-          </p:nvPr>
-        </p:nvSpPr>
-        <p:spPr>
-          <a:xfrm>
-            <a:off x="311700" y="722050"/>
-            <a:ext cx="8832300" cy="482100"/>
-          </a:xfrm>
-          <a:prstGeom prst="rect">
-            <a:avLst/>
-          </a:prstGeom>
-        </p:spPr>
-        <p:txBody>
-          <a:bodyPr anchorCtr="0" anchor="t" bIns="91425" lIns="91425" rIns="91425" tIns="91425">
-            <a:noAutofit/>
-          </a:bodyPr>
-          <a:lstStyle/>
-          <a:p>
-            <a:pPr lvl="0" rtl="0">
-              <a:spcBef>
-                <a:spcPts val="0"/>
-              </a:spcBef>
-              <a:buNone/>
-            </a:pPr>
-            <a:r>
-              <a:rPr lang="en" sz="1800"/>
-              <a:t>NaiveBayes Classifier(Bigram) - </a:t>
-            </a:r>
-            <a:r>
-              <a:rPr lang="en" sz="1400"/>
-              <a:t>(Aspect Classifier Lexical Approach: Left and NaiveBayes: Right )</a:t>
-            </a:r>
-          </a:p>
-        </p:txBody>
-      </p:sp>
-      <p:pic>
-        <p:nvPicPr>
-          <p:cNvPr descr="nb_bi_nb.png" id="279" name="Shape 279"/>
-          <p:cNvPicPr preferRelativeResize="0"/>
-          <p:nvPr/>
-        </p:nvPicPr>
-        <p:blipFill>
-          <a:blip r:embed="rId3">
-            <a:alphaModFix/>
-          </a:blip>
-          <a:stretch>
-            <a:fillRect/>
-          </a:stretch>
-        </p:blipFill>
-        <p:spPr>
-          <a:xfrm>
-            <a:off x="4617724" y="1204150"/>
-            <a:ext cx="3905525" cy="3428999"/>
-          </a:xfrm>
-          <a:prstGeom prst="rect">
-            <a:avLst/>
-          </a:prstGeom>
-          <a:noFill/>
-          <a:ln>
-            <a:noFill/>
-          </a:ln>
-        </p:spPr>
-      </p:pic>
-      <p:pic>
-        <p:nvPicPr>
-          <p:cNvPr descr="nb_bi_lex.png" id="280" name="Shape 280"/>
-          <p:cNvPicPr preferRelativeResize="0"/>
-          <p:nvPr/>
-        </p:nvPicPr>
-        <p:blipFill>
-          <a:blip r:embed="rId4">
-            <a:alphaModFix/>
-          </a:blip>
-          <a:stretch>
-            <a:fillRect/>
-          </a:stretch>
-        </p:blipFill>
-        <p:spPr>
-          <a:xfrm>
-            <a:off x="311700" y="1204150"/>
-            <a:ext cx="3905525" cy="3487175"/>
-          </a:xfrm>
-          <a:prstGeom prst="rect">
-            <a:avLst/>
-          </a:prstGeom>
-          <a:noFill/>
-          <a:ln>
-            <a:noFill/>
-          </a:ln>
-        </p:spPr>
-      </p:pic>
-      <p:sp>
-        <p:nvSpPr>
-          <p:cNvPr id="281" name="Shape 281"/>
+            <a:pPr indent="-228600" lvl="0" marL="457200" rtl="0">
+              <a:spcBef>
+                <a:spcPts val="0"/>
+              </a:spcBef>
+            </a:pPr>
+            <a:r>
+              <a:rPr lang="en"/>
+              <a:t>To implement an algorithm which also considers the sequence of words.</a:t>
+            </a:r>
+          </a:p>
+          <a:p>
+            <a:pPr indent="-228600" lvl="0" marL="457200" rtl="0">
+              <a:spcBef>
+                <a:spcPts val="0"/>
+              </a:spcBef>
+            </a:pPr>
+            <a:r>
+              <a:rPr lang="en"/>
+              <a:t>To fetch reviews of a company and compute polarity for each aspect using a user interface.</a:t>
+            </a:r>
+          </a:p>
+          <a:p>
+            <a:pPr indent="-228600" lvl="0" marL="457200">
+              <a:spcBef>
+                <a:spcPts val="0"/>
+              </a:spcBef>
+            </a:pPr>
+            <a:r>
+              <a:rPr lang="en"/>
+              <a:t> Analysing individual sentence to make dataset more accurate</a:t>
+            </a:r>
+          </a:p>
+        </p:txBody>
+      </p:sp>
+      <p:sp>
+        <p:nvSpPr>
+          <p:cNvPr id="267" name="Shape 267"/>
           <p:cNvSpPr txBox="1"/>
           <p:nvPr>
             <p:ph idx="12" type="sldNum"/>
@@ -11951,7 +11618,7 @@
   <p:cSld>
     <p:spTree>
       <p:nvGrpSpPr>
-        <p:cNvPr id="285" name="Shape 285"/>
+        <p:cNvPr id="271" name="Shape 271"/>
         <p:cNvGrpSpPr/>
         <p:nvPr/>
       </p:nvGrpSpPr>
@@ -11965,7 +11632,7 @@
       </p:grpSpPr>
       <p:sp>
         <p:nvSpPr>
-          <p:cNvPr id="286" name="Shape 286"/>
+          <p:cNvPr id="272" name="Shape 272"/>
           <p:cNvSpPr txBox="1"/>
           <p:nvPr>
             <p:ph type="title"/>
@@ -11973,7 +11640,7 @@
         </p:nvSpPr>
         <p:spPr>
           <a:xfrm>
-            <a:off x="311700" y="114250"/>
+            <a:off x="311700" y="410000"/>
             <a:ext cx="8520600" cy="607800"/>
           </a:xfrm>
           <a:prstGeom prst="rect">
@@ -11986,22 +11653,22 @@
           </a:bodyPr>
           <a:lstStyle/>
           <a:p>
-            <a:pPr lvl="0" rtl="0">
-              <a:spcBef>
-                <a:spcPts val="0"/>
-              </a:spcBef>
-              <a:buNone/>
-            </a:pPr>
-            <a:r>
-              <a:rPr lang="en"/>
-              <a:t>Result(5/6)</a:t>
-            </a:r>
-          </a:p>
-        </p:txBody>
-      </p:sp>
-      <p:sp>
-        <p:nvSpPr>
-          <p:cNvPr id="287" name="Shape 287"/>
+            <a:pPr lvl="0">
+              <a:spcBef>
+                <a:spcPts val="0"/>
+              </a:spcBef>
+              <a:buNone/>
+            </a:pPr>
+            <a:r>
+              <a:rPr lang="en"/>
+              <a:t>References</a:t>
+            </a:r>
+          </a:p>
+        </p:txBody>
+      </p:sp>
+      <p:sp>
+        <p:nvSpPr>
+          <p:cNvPr id="273" name="Shape 273"/>
           <p:cNvSpPr txBox="1"/>
           <p:nvPr>
             <p:ph idx="1" type="body"/>
@@ -12009,8 +11676,8 @@
         </p:nvSpPr>
         <p:spPr>
           <a:xfrm>
-            <a:off x="311700" y="1204175"/>
-            <a:ext cx="3507300" cy="3429000"/>
+            <a:off x="311700" y="1229875"/>
+            <a:ext cx="8520600" cy="3339000"/>
           </a:xfrm>
           <a:prstGeom prst="rect">
             <a:avLst/>
@@ -12022,158 +11689,21 @@
           </a:bodyPr>
           <a:lstStyle/>
           <a:p>
-            <a:pPr lvl="0" rtl="0">
-              <a:spcBef>
-                <a:spcPts val="0"/>
-              </a:spcBef>
-              <a:buNone/>
-            </a:pPr>
-            <a:r>
-              <a:t/>
-            </a:r>
-            <a:endParaRPr/>
-          </a:p>
-        </p:txBody>
-      </p:sp>
-      <p:sp>
-        <p:nvSpPr>
-          <p:cNvPr id="288" name="Shape 288"/>
-          <p:cNvSpPr txBox="1"/>
-          <p:nvPr>
-            <p:ph idx="1" type="body"/>
-          </p:nvPr>
-        </p:nvSpPr>
-        <p:spPr>
-          <a:xfrm>
-            <a:off x="4617725" y="1204150"/>
-            <a:ext cx="4216200" cy="3429000"/>
-          </a:xfrm>
-          <a:prstGeom prst="rect">
-            <a:avLst/>
-          </a:prstGeom>
-        </p:spPr>
-        <p:txBody>
-          <a:bodyPr anchorCtr="0" anchor="t" bIns="91425" lIns="91425" rIns="91425" tIns="91425">
-            <a:noAutofit/>
-          </a:bodyPr>
-          <a:lstStyle/>
-          <a:p>
-            <a:pPr lvl="0" rtl="0">
-              <a:spcBef>
-                <a:spcPts val="0"/>
-              </a:spcBef>
-              <a:buNone/>
-            </a:pPr>
-            <a:r>
-              <a:t/>
-            </a:r>
-            <a:endParaRPr/>
-          </a:p>
-        </p:txBody>
-      </p:sp>
-      <p:sp>
-        <p:nvSpPr>
-          <p:cNvPr id="289" name="Shape 289"/>
-          <p:cNvSpPr txBox="1"/>
-          <p:nvPr>
-            <p:ph type="title"/>
-          </p:nvPr>
-        </p:nvSpPr>
-        <p:spPr>
-          <a:xfrm>
-            <a:off x="311700" y="722050"/>
-            <a:ext cx="8832300" cy="482100"/>
-          </a:xfrm>
-          <a:prstGeom prst="rect">
-            <a:avLst/>
-          </a:prstGeom>
-        </p:spPr>
-        <p:txBody>
-          <a:bodyPr anchorCtr="0" anchor="t" bIns="91425" lIns="91425" rIns="91425" tIns="91425">
-            <a:noAutofit/>
-          </a:bodyPr>
-          <a:lstStyle/>
-          <a:p>
-            <a:pPr lvl="0" rtl="0">
-              <a:spcBef>
-                <a:spcPts val="0"/>
-              </a:spcBef>
-              <a:buNone/>
-            </a:pPr>
-            <a:r>
-              <a:rPr lang="en" sz="1800"/>
-              <a:t>SVC</a:t>
-            </a:r>
-            <a:r>
-              <a:rPr lang="en" sz="1800"/>
-              <a:t>(Unigram) - </a:t>
-            </a:r>
-            <a:r>
-              <a:rPr lang="en" sz="1400"/>
-              <a:t>(Aspect Classifier Lexical Approach: Left and NaiveBayes: Right )</a:t>
-            </a:r>
-          </a:p>
-        </p:txBody>
-      </p:sp>
-      <p:pic>
-        <p:nvPicPr>
-          <p:cNvPr descr="svc_uni_lex.png" id="290" name="Shape 290"/>
-          <p:cNvPicPr preferRelativeResize="0"/>
-          <p:nvPr/>
-        </p:nvPicPr>
-        <p:blipFill>
-          <a:blip r:embed="rId3">
-            <a:alphaModFix/>
-          </a:blip>
-          <a:stretch>
-            <a:fillRect/>
-          </a:stretch>
-        </p:blipFill>
-        <p:spPr>
-          <a:xfrm>
-            <a:off x="311700" y="1204150"/>
-            <a:ext cx="4216224" cy="3428999"/>
-          </a:xfrm>
-          <a:prstGeom prst="rect">
-            <a:avLst/>
-          </a:prstGeom>
-          <a:noFill/>
-          <a:ln>
-            <a:noFill/>
-          </a:ln>
-        </p:spPr>
-      </p:pic>
-      <p:pic>
-        <p:nvPicPr>
-          <p:cNvPr descr="svc_uni_nb.png" id="291" name="Shape 291"/>
-          <p:cNvPicPr preferRelativeResize="0"/>
-          <p:nvPr/>
-        </p:nvPicPr>
-        <p:blipFill>
-          <a:blip r:embed="rId4">
-            <a:alphaModFix/>
-          </a:blip>
-          <a:stretch>
-            <a:fillRect/>
-          </a:stretch>
-        </p:blipFill>
-        <p:spPr>
-          <a:xfrm>
-            <a:off x="4617724" y="1204175"/>
-            <a:ext cx="4214574" cy="3428999"/>
-          </a:xfrm>
-          <a:prstGeom prst="rect">
-            <a:avLst/>
-          </a:prstGeom>
-          <a:noFill/>
-          <a:ln>
-            <a:noFill/>
-          </a:ln>
-        </p:spPr>
-      </p:pic>
-      <p:sp>
-        <p:nvSpPr>
-          <p:cNvPr id="292" name="Shape 292"/>
+            <a:pPr indent="-228600" lvl="0" marL="457200" rtl="0">
+              <a:spcBef>
+                <a:spcPts val="0"/>
+              </a:spcBef>
+            </a:pPr>
+            <a:r>
+              <a:rPr lang="en"/>
+              <a:t>Aspect Based Sentiment Analysis in Reviews, by Satarupa Guha Guha, Aditya Joshi, Vasudeva Varma,4th Joint Conference on Lexical and Computational Semantics,2015.</a:t>
+            </a:r>
+          </a:p>
+        </p:txBody>
+      </p:sp>
+      <p:sp>
+        <p:nvSpPr>
+          <p:cNvPr id="274" name="Shape 274"/>
           <p:cNvSpPr txBox="1"/>
           <p:nvPr>
             <p:ph idx="12" type="sldNum"/>
@@ -12220,7 +11750,7 @@
   <p:cSld>
     <p:spTree>
       <p:nvGrpSpPr>
-        <p:cNvPr id="296" name="Shape 296"/>
+        <p:cNvPr id="278" name="Shape 278"/>
         <p:cNvGrpSpPr/>
         <p:nvPr/>
       </p:nvGrpSpPr>
@@ -12234,7 +11764,7 @@
       </p:grpSpPr>
       <p:sp>
         <p:nvSpPr>
-          <p:cNvPr id="297" name="Shape 297"/>
+          <p:cNvPr id="279" name="Shape 279"/>
           <p:cNvSpPr txBox="1"/>
           <p:nvPr>
             <p:ph type="title"/>
@@ -12242,7 +11772,7 @@
         </p:nvSpPr>
         <p:spPr>
           <a:xfrm>
-            <a:off x="311700" y="114250"/>
+            <a:off x="311700" y="2421500"/>
             <a:ext cx="8520600" cy="607800"/>
           </a:xfrm>
           <a:prstGeom prst="rect">
@@ -12262,15 +11792,27 @@
               <a:buNone/>
             </a:pPr>
             <a:r>
-              <a:rPr lang="en"/>
-              <a:t>Result(6/6)</a:t>
-            </a:r>
-          </a:p>
-        </p:txBody>
-      </p:sp>
-      <p:sp>
-        <p:nvSpPr>
-          <p:cNvPr id="298" name="Shape 298"/>
+              <a:rPr lang="en" sz="2400"/>
+              <a:t>Objective Achieved </a:t>
+            </a:r>
+          </a:p>
+          <a:p>
+            <a:pPr lvl="0" rtl="0">
+              <a:spcBef>
+                <a:spcPts val="0"/>
+              </a:spcBef>
+              <a:buNone/>
+            </a:pPr>
+            <a:r>
+              <a:t/>
+            </a:r>
+            <a:endParaRPr sz="2400"/>
+          </a:p>
+        </p:txBody>
+      </p:sp>
+      <p:sp>
+        <p:nvSpPr>
+          <p:cNvPr id="280" name="Shape 280"/>
           <p:cNvSpPr txBox="1"/>
           <p:nvPr>
             <p:ph idx="1" type="body"/>
@@ -12278,8 +11820,8 @@
         </p:nvSpPr>
         <p:spPr>
           <a:xfrm>
-            <a:off x="311700" y="1204175"/>
-            <a:ext cx="3507300" cy="3429000"/>
+            <a:off x="311700" y="2957875"/>
+            <a:ext cx="8520600" cy="763500"/>
           </a:xfrm>
           <a:prstGeom prst="rect">
             <a:avLst/>
@@ -12291,6 +11833,47 @@
           </a:bodyPr>
           <a:lstStyle/>
           <a:p>
+            <a:pPr indent="-228600" lvl="0" marL="457200" rtl="0">
+              <a:spcBef>
+                <a:spcPts val="0"/>
+              </a:spcBef>
+            </a:pPr>
+            <a:r>
+              <a:rPr lang="en"/>
+              <a:t>Implemented aspect classification using Lexical approach.</a:t>
+            </a:r>
+          </a:p>
+          <a:p>
+            <a:pPr indent="-228600" lvl="0" marL="457200" rtl="0">
+              <a:spcBef>
+                <a:spcPts val="0"/>
+              </a:spcBef>
+            </a:pPr>
+            <a:r>
+              <a:rPr lang="en"/>
+              <a:t>Implemented sentiment classification using NaiveBayes and SVM.</a:t>
+            </a:r>
+          </a:p>
+          <a:p>
+            <a:pPr indent="-228600" lvl="0" marL="457200" rtl="0">
+              <a:spcBef>
+                <a:spcPts val="0"/>
+              </a:spcBef>
+            </a:pPr>
+            <a:r>
+              <a:rPr lang="en"/>
+              <a:t>Graphically </a:t>
+            </a:r>
+            <a:r>
+              <a:rPr lang="en"/>
+              <a:t>aspect based polarity</a:t>
+            </a:r>
+            <a:r>
+              <a:rPr lang="en"/>
+              <a:t> of reviews of a company</a:t>
+            </a:r>
+          </a:p>
+          <a:p>
             <a:pPr lvl="0" rtl="0">
               <a:spcBef>
                 <a:spcPts val="0"/>
@@ -12302,20 +11885,68 @@
             </a:r>
             <a:endParaRPr/>
           </a:p>
-        </p:txBody>
-      </p:sp>
-      <p:sp>
-        <p:nvSpPr>
-          <p:cNvPr id="299" name="Shape 299"/>
-          <p:cNvSpPr txBox="1"/>
-          <p:nvPr>
-            <p:ph idx="1" type="body"/>
-          </p:nvPr>
-        </p:nvSpPr>
-        <p:spPr>
-          <a:xfrm>
-            <a:off x="4617725" y="1204150"/>
-            <a:ext cx="4216200" cy="3429000"/>
+          <a:p>
+            <a:pPr lvl="0" rtl="0">
+              <a:spcBef>
+                <a:spcPts val="0"/>
+              </a:spcBef>
+              <a:buNone/>
+            </a:pPr>
+            <a:r>
+              <a:t/>
+            </a:r>
+            <a:endParaRPr/>
+          </a:p>
+        </p:txBody>
+      </p:sp>
+      <p:sp>
+        <p:nvSpPr>
+          <p:cNvPr id="281" name="Shape 281"/>
+          <p:cNvSpPr txBox="1"/>
+          <p:nvPr>
+            <p:ph idx="12" type="sldNum"/>
+          </p:nvPr>
+        </p:nvSpPr>
+        <p:spPr>
+          <a:xfrm>
+            <a:off x="8460431" y="4651190"/>
+            <a:ext cx="548700" cy="393600"/>
+          </a:xfrm>
+          <a:prstGeom prst="rect">
+            <a:avLst/>
+          </a:prstGeom>
+        </p:spPr>
+        <p:txBody>
+          <a:bodyPr anchorCtr="0" anchor="ctr" bIns="91425" lIns="91425" rIns="91425" tIns="91425">
+            <a:noAutofit/>
+          </a:bodyPr>
+          <a:lstStyle/>
+          <a:p>
+            <a:pPr lvl="0" rtl="0">
+              <a:spcBef>
+                <a:spcPts val="0"/>
+              </a:spcBef>
+              <a:buNone/>
+            </a:pPr>
+            <a:fld id="{00000000-1234-1234-1234-123412341234}" type="slidenum">
+              <a:rPr lang="en"/>
+              <a:t>‹#›</a:t>
+            </a:fld>
+          </a:p>
+        </p:txBody>
+      </p:sp>
+      <p:sp>
+        <p:nvSpPr>
+          <p:cNvPr id="282" name="Shape 282"/>
+          <p:cNvSpPr txBox="1"/>
+          <p:nvPr>
+            <p:ph type="title"/>
+          </p:nvPr>
+        </p:nvSpPr>
+        <p:spPr>
+          <a:xfrm>
+            <a:off x="383100" y="643400"/>
+            <a:ext cx="8520600" cy="607800"/>
           </a:xfrm>
           <a:prstGeom prst="rect">
             <a:avLst/>
@@ -12334,24 +11965,36 @@
               <a:buNone/>
             </a:pPr>
             <a:r>
+              <a:rPr lang="en" sz="2400"/>
+              <a:t>Objective Proposed </a:t>
+            </a:r>
+          </a:p>
+          <a:p>
+            <a:pPr lvl="0" rtl="0">
+              <a:spcBef>
+                <a:spcPts val="0"/>
+              </a:spcBef>
+              <a:buNone/>
+            </a:pPr>
+            <a:r>
               <a:t/>
             </a:r>
-            <a:endParaRPr/>
-          </a:p>
-        </p:txBody>
-      </p:sp>
-      <p:sp>
-        <p:nvSpPr>
-          <p:cNvPr id="300" name="Shape 300"/>
-          <p:cNvSpPr txBox="1"/>
-          <p:nvPr>
-            <p:ph type="title"/>
-          </p:nvPr>
-        </p:nvSpPr>
-        <p:spPr>
-          <a:xfrm>
-            <a:off x="311700" y="722050"/>
-            <a:ext cx="8832300" cy="482100"/>
+            <a:endParaRPr sz="2400"/>
+          </a:p>
+        </p:txBody>
+      </p:sp>
+      <p:sp>
+        <p:nvSpPr>
+          <p:cNvPr id="283" name="Shape 283"/>
+          <p:cNvSpPr txBox="1"/>
+          <p:nvPr>
+            <p:ph idx="1" type="body"/>
+          </p:nvPr>
+        </p:nvSpPr>
+        <p:spPr>
+          <a:xfrm>
+            <a:off x="383100" y="1179775"/>
+            <a:ext cx="8520600" cy="763500"/>
           </a:xfrm>
           <a:prstGeom prst="rect">
             <a:avLst/>
@@ -12363,6 +12006,39 @@
           </a:bodyPr>
           <a:lstStyle/>
           <a:p>
+            <a:pPr indent="-228600" lvl="0" marL="457200" rtl="0">
+              <a:spcBef>
+                <a:spcPts val="0"/>
+              </a:spcBef>
+            </a:pPr>
+            <a:r>
+              <a:rPr lang="en"/>
+              <a:t>To Implement aspect classification using Lexical approach.</a:t>
+            </a:r>
+          </a:p>
+          <a:p>
+            <a:pPr indent="-228600" lvl="0" marL="457200" rtl="0">
+              <a:spcBef>
+                <a:spcPts val="0"/>
+              </a:spcBef>
+            </a:pPr>
+            <a:r>
+              <a:rPr lang="en"/>
+              <a:t>To Implement sentiment classification using NaiveBayes and SVM.</a:t>
+            </a:r>
+          </a:p>
+          <a:p>
+            <a:pPr indent="-228600" lvl="0" marL="457200" rtl="0">
+              <a:spcBef>
+                <a:spcPts val="0"/>
+              </a:spcBef>
+            </a:pPr>
+            <a:r>
+              <a:rPr lang="en"/>
+              <a:t>To Graphically display aspect based polarity of reviews of a company</a:t>
+            </a:r>
+          </a:p>
+          <a:p>
             <a:pPr lvl="0" rtl="0">
               <a:spcBef>
                 <a:spcPts val="0"/>
@@ -12370,105 +12046,21 @@
               <a:buNone/>
             </a:pPr>
             <a:r>
-              <a:rPr lang="en" sz="1800"/>
-              <a:t>SVC(Bigram) - </a:t>
-            </a:r>
-            <a:r>
-              <a:rPr lang="en" sz="1400"/>
-              <a:t>(Aspect Classifier Lexical Approach: Left and NaiveBayes: Right )</a:t>
-            </a:r>
-          </a:p>
-        </p:txBody>
-      </p:sp>
-      <p:pic>
-        <p:nvPicPr>
-          <p:cNvPr descr="svc_bi_lex.png" id="301" name="Shape 301"/>
-          <p:cNvPicPr preferRelativeResize="0"/>
-          <p:nvPr/>
-        </p:nvPicPr>
-        <p:blipFill>
-          <a:blip r:embed="rId3">
-            <a:alphaModFix/>
-          </a:blip>
-          <a:stretch>
-            <a:fillRect/>
-          </a:stretch>
-        </p:blipFill>
-        <p:spPr>
-          <a:xfrm>
-            <a:off x="311700" y="1204175"/>
-            <a:ext cx="3985349" cy="3512799"/>
-          </a:xfrm>
-          <a:prstGeom prst="rect">
-            <a:avLst/>
-          </a:prstGeom>
-          <a:noFill/>
-          <a:ln>
-            <a:noFill/>
-          </a:ln>
-        </p:spPr>
-      </p:pic>
-      <p:pic>
-        <p:nvPicPr>
-          <p:cNvPr descr="svc_bi_nb.png" id="302" name="Shape 302"/>
-          <p:cNvPicPr preferRelativeResize="0"/>
-          <p:nvPr/>
-        </p:nvPicPr>
-        <p:blipFill>
-          <a:blip r:embed="rId4">
-            <a:alphaModFix/>
-          </a:blip>
-          <a:stretch>
-            <a:fillRect/>
-          </a:stretch>
-        </p:blipFill>
-        <p:spPr>
-          <a:xfrm>
-            <a:off x="4616100" y="1162275"/>
-            <a:ext cx="4216200" cy="3512800"/>
-          </a:xfrm>
-          <a:prstGeom prst="rect">
-            <a:avLst/>
-          </a:prstGeom>
-          <a:noFill/>
-          <a:ln>
-            <a:noFill/>
-          </a:ln>
-        </p:spPr>
-      </p:pic>
-      <p:sp>
-        <p:nvSpPr>
-          <p:cNvPr id="303" name="Shape 303"/>
-          <p:cNvSpPr txBox="1"/>
-          <p:nvPr>
-            <p:ph idx="12" type="sldNum"/>
-          </p:nvPr>
-        </p:nvSpPr>
-        <p:spPr>
-          <a:xfrm>
-            <a:off x="8460431" y="4651190"/>
-            <a:ext cx="548700" cy="393600"/>
-          </a:xfrm>
-          <a:prstGeom prst="rect">
-            <a:avLst/>
-          </a:prstGeom>
-        </p:spPr>
-        <p:txBody>
-          <a:bodyPr anchorCtr="0" anchor="ctr" bIns="91425" lIns="91425" rIns="91425" tIns="91425">
-            <a:noAutofit/>
-          </a:bodyPr>
-          <a:lstStyle/>
-          <a:p>
-            <a:pPr lvl="0">
-              <a:spcBef>
-                <a:spcPts val="0"/>
-              </a:spcBef>
-              <a:buNone/>
-            </a:pPr>
-            <a:fld id="{00000000-1234-1234-1234-123412341234}" type="slidenum">
-              <a:rPr lang="en"/>
-              <a:t>‹#›</a:t>
-            </a:fld>
+              <a:t/>
+            </a:r>
+            <a:endParaRPr/>
+          </a:p>
+          <a:p>
+            <a:pPr lvl="0" rtl="0">
+              <a:spcBef>
+                <a:spcPts val="0"/>
+              </a:spcBef>
+              <a:buNone/>
+            </a:pPr>
+            <a:r>
+              <a:t/>
+            </a:r>
+            <a:endParaRPr/>
           </a:p>
         </p:txBody>
       </p:sp>
@@ -12485,7 +12077,7 @@
   <p:cSld>
     <p:spTree>
       <p:nvGrpSpPr>
-        <p:cNvPr id="307" name="Shape 307"/>
+        <p:cNvPr id="287" name="Shape 287"/>
         <p:cNvGrpSpPr/>
         <p:nvPr/>
       </p:nvGrpSpPr>
@@ -12499,7 +12091,7 @@
       </p:grpSpPr>
       <p:sp>
         <p:nvSpPr>
-          <p:cNvPr id="308" name="Shape 308"/>
+          <p:cNvPr id="288" name="Shape 288"/>
           <p:cNvSpPr txBox="1"/>
           <p:nvPr>
             <p:ph type="title"/>
@@ -12528,26 +12120,14 @@
             </a:pPr>
             <a:r>
               <a:rPr lang="en"/>
-              <a:t>Objective Achieved </a:t>
-            </a:r>
-          </a:p>
-          <a:p>
-            <a:pPr lvl="0">
-              <a:spcBef>
-                <a:spcPts val="0"/>
-              </a:spcBef>
-              <a:buNone/>
-            </a:pPr>
-            <a:r>
-              <a:t/>
-            </a:r>
-            <a:endParaRPr/>
-          </a:p>
-        </p:txBody>
-      </p:sp>
-      <p:sp>
-        <p:nvSpPr>
-          <p:cNvPr id="309" name="Shape 309"/>
+              <a:t>Program Outcomes</a:t>
+            </a:r>
+          </a:p>
+        </p:txBody>
+      </p:sp>
+      <p:sp>
+        <p:nvSpPr>
+          <p:cNvPr id="289" name="Shape 289"/>
           <p:cNvSpPr txBox="1"/>
           <p:nvPr>
             <p:ph idx="1" type="body"/>
@@ -12575,37 +12155,25 @@
             </a:pPr>
             <a:r>
               <a:rPr lang="en"/>
-              <a:t>Implemented aspect classification using Lexical and NaiveBayes approach.</a:t>
-            </a:r>
-          </a:p>
-          <a:p>
-            <a:pPr indent="-228600" lvl="0" marL="457200" rtl="0">
-              <a:spcBef>
-                <a:spcPts val="0"/>
-              </a:spcBef>
-            </a:pPr>
-            <a:r>
-              <a:rPr lang="en"/>
-              <a:t>Implemented sentiment classification using NaiveBayes and SVC.</a:t>
-            </a:r>
-          </a:p>
-          <a:p>
-            <a:pPr lvl="0">
-              <a:spcBef>
-                <a:spcPts val="0"/>
-              </a:spcBef>
-              <a:buNone/>
-            </a:pPr>
-            <a:r>
-              <a:t/>
-            </a:r>
-            <a:endParaRPr/>
-          </a:p>
-        </p:txBody>
-      </p:sp>
-      <p:sp>
-        <p:nvSpPr>
-          <p:cNvPr id="310" name="Shape 310"/>
+              <a:t>PO1: Applied machine learning algorithm to analyse job reviews which helps to select job seekers the best suited company.</a:t>
+            </a:r>
+          </a:p>
+          <a:p>
+            <a:pPr indent="-228600" lvl="0" marL="457200">
+              <a:spcBef>
+                <a:spcPts val="0"/>
+              </a:spcBef>
+            </a:pPr>
+            <a:r>
+              <a:rPr lang="en"/>
+              <a:t>PO11: estimated the time required for training</a:t>
+            </a:r>
+          </a:p>
+        </p:txBody>
+      </p:sp>
+      <p:sp>
+        <p:nvSpPr>
+          <p:cNvPr id="290" name="Shape 290"/>
           <p:cNvSpPr txBox="1"/>
           <p:nvPr>
             <p:ph idx="12" type="sldNum"/>
@@ -12652,7 +12220,7 @@
   <p:cSld>
     <p:spTree>
       <p:nvGrpSpPr>
-        <p:cNvPr id="314" name="Shape 314"/>
+        <p:cNvPr id="294" name="Shape 294"/>
         <p:cNvGrpSpPr/>
         <p:nvPr/>
       </p:nvGrpSpPr>
@@ -12666,7 +12234,7 @@
       </p:grpSpPr>
       <p:sp>
         <p:nvSpPr>
-          <p:cNvPr id="315" name="Shape 315"/>
+          <p:cNvPr id="295" name="Shape 295"/>
           <p:cNvSpPr txBox="1"/>
           <p:nvPr>
             <p:ph type="title"/>
@@ -12695,14 +12263,14 @@
             </a:pPr>
             <a:r>
               <a:rPr lang="en"/>
-              <a:t>Limitations	</a:t>
-            </a:r>
-          </a:p>
-        </p:txBody>
-      </p:sp>
-      <p:sp>
-        <p:nvSpPr>
-          <p:cNvPr id="316" name="Shape 316"/>
+              <a:t>Social Relevance</a:t>
+            </a:r>
+          </a:p>
+        </p:txBody>
+      </p:sp>
+      <p:sp>
+        <p:nvSpPr>
+          <p:cNvPr id="296" name="Shape 296"/>
           <p:cNvSpPr txBox="1"/>
           <p:nvPr>
             <p:ph idx="1" type="body"/>
@@ -12730,26 +12298,7 @@
             </a:pPr>
             <a:r>
               <a:rPr lang="en"/>
-              <a:t>Since the dataset is large, training process is slow and requires more memory</a:t>
-            </a:r>
-          </a:p>
-          <a:p>
-            <a:pPr indent="-228600" lvl="0" marL="457200" rtl="0">
-              <a:spcBef>
-                <a:spcPts val="0"/>
-              </a:spcBef>
-            </a:pPr>
-            <a:r>
-              <a:rPr lang="en"/>
-              <a:t>The number of  sentences </a:t>
-            </a:r>
-            <a:r>
-              <a:rPr lang="en"/>
-              <a:t>for each labels</a:t>
-            </a:r>
-            <a:r>
-              <a:rPr lang="en"/>
-              <a:t> is non-uniform</a:t>
+              <a:t>This  could be used by people who would like to know about a company with respect to seven aspects.</a:t>
             </a:r>
           </a:p>
           <a:p>
@@ -12760,14 +12309,14 @@
             </a:pPr>
             <a:r>
               <a:rPr lang="en"/>
-              <a:t>Executing all reviews of a company for computing result is taking more time  </a:t>
-            </a:r>
-          </a:p>
-        </p:txBody>
-      </p:sp>
-      <p:sp>
-        <p:nvSpPr>
-          <p:cNvPr id="317" name="Shape 317"/>
+              <a:t>This helps people to  decide which company is best suited for them based on the seven aspects.</a:t>
+            </a:r>
+          </a:p>
+        </p:txBody>
+      </p:sp>
+      <p:sp>
+        <p:nvSpPr>
+          <p:cNvPr id="297" name="Shape 297"/>
           <p:cNvSpPr txBox="1"/>
           <p:nvPr>
             <p:ph idx="12" type="sldNum"/>
@@ -12814,7 +12363,7 @@
   <p:cSld>
     <p:spTree>
       <p:nvGrpSpPr>
-        <p:cNvPr id="321" name="Shape 321"/>
+        <p:cNvPr id="301" name="Shape 301"/>
         <p:cNvGrpSpPr/>
         <p:nvPr/>
       </p:nvGrpSpPr>
@@ -12828,7 +12377,7 @@
       </p:grpSpPr>
       <p:sp>
         <p:nvSpPr>
-          <p:cNvPr id="322" name="Shape 322"/>
+          <p:cNvPr id="302" name="Shape 302"/>
           <p:cNvSpPr txBox="1"/>
           <p:nvPr>
             <p:ph type="title"/>
@@ -12857,14 +12406,14 @@
             </a:pPr>
             <a:r>
               <a:rPr lang="en"/>
-              <a:t>Conclusion</a:t>
-            </a:r>
-          </a:p>
-        </p:txBody>
-      </p:sp>
-      <p:sp>
-        <p:nvSpPr>
-          <p:cNvPr id="323" name="Shape 323"/>
+              <a:t>Tools Used</a:t>
+            </a:r>
+          </a:p>
+        </p:txBody>
+      </p:sp>
+      <p:sp>
+        <p:nvSpPr>
+          <p:cNvPr id="303" name="Shape 303"/>
           <p:cNvSpPr txBox="1"/>
           <p:nvPr>
             <p:ph idx="1" type="body"/>
@@ -12892,7 +12441,7 @@
             </a:pPr>
             <a:r>
               <a:rPr lang="en"/>
-              <a:t>This project has trained multiple models with different set of features.</a:t>
+              <a:t>Jupyter Notebook</a:t>
             </a:r>
           </a:p>
           <a:p>
@@ -12903,7 +12452,7 @@
             </a:pPr>
             <a:r>
               <a:rPr lang="en"/>
-              <a:t>Implemented and analysed all models based on reviews of a company.</a:t>
+              <a:t>Enchant Dictionary</a:t>
             </a:r>
           </a:p>
           <a:p>
@@ -12914,7 +12463,7 @@
             </a:pPr>
             <a:r>
               <a:rPr lang="en"/>
-              <a:t>Two machine learning algorithms have been implemented using unigram and bigrams as features</a:t>
+              <a:t>Numpy </a:t>
             </a:r>
           </a:p>
           <a:p>
@@ -12925,26 +12474,36 @@
             </a:pPr>
             <a:r>
               <a:rPr lang="en"/>
-              <a:t>Aspects have been analysed using Naive Bayes and Lexical approach.</a:t>
-            </a:r>
-          </a:p>
-          <a:p>
-            <a:pPr lvl="0">
-              <a:spcBef>
-                <a:spcPts val="0"/>
-              </a:spcBef>
-              <a:buNone/>
-            </a:pPr>
-            <a:r>
-              <a:t/>
-            </a:r>
-            <a:endParaRPr/>
-          </a:p>
-        </p:txBody>
-      </p:sp>
-      <p:sp>
-        <p:nvSpPr>
-          <p:cNvPr id="324" name="Shape 324"/>
+              <a:t>NLTK</a:t>
+            </a:r>
+          </a:p>
+          <a:p>
+            <a:pPr indent="-228600" lvl="0" marL="457200" rtl="0">
+              <a:spcBef>
+                <a:spcPts val="0"/>
+              </a:spcBef>
+            </a:pPr>
+            <a:r>
+              <a:rPr lang="en"/>
+              <a:t>Sklearn</a:t>
+            </a:r>
+          </a:p>
+          <a:p>
+            <a:pPr indent="-228600" lvl="0" marL="457200">
+              <a:spcBef>
+                <a:spcPts val="0"/>
+              </a:spcBef>
+            </a:pPr>
+            <a:r>
+              <a:rPr lang="en"/>
+              <a:t>json</a:t>
+            </a:r>
+          </a:p>
+        </p:txBody>
+      </p:sp>
+      <p:sp>
+        <p:nvSpPr>
+          <p:cNvPr id="304" name="Shape 304"/>
           <p:cNvSpPr txBox="1"/>
           <p:nvPr>
             <p:ph idx="12" type="sldNum"/>
@@ -12991,7 +12550,7 @@
   <p:cSld>
     <p:spTree>
       <p:nvGrpSpPr>
-        <p:cNvPr id="328" name="Shape 328"/>
+        <p:cNvPr id="308" name="Shape 308"/>
         <p:cNvGrpSpPr/>
         <p:nvPr/>
       </p:nvGrpSpPr>
@@ -13005,7 +12564,7 @@
       </p:grpSpPr>
       <p:sp>
         <p:nvSpPr>
-          <p:cNvPr id="329" name="Shape 329"/>
+          <p:cNvPr id="309" name="Shape 309"/>
           <p:cNvSpPr txBox="1"/>
           <p:nvPr>
             <p:ph type="title"/>
@@ -13013,7 +12572,7 @@
         </p:nvSpPr>
         <p:spPr>
           <a:xfrm>
-            <a:off x="311700" y="410000"/>
+            <a:off x="217200" y="2016500"/>
             <a:ext cx="8520600" cy="607800"/>
           </a:xfrm>
           <a:prstGeom prst="rect">
@@ -13026,79 +12585,22 @@
           </a:bodyPr>
           <a:lstStyle/>
           <a:p>
-            <a:pPr lvl="0">
-              <a:spcBef>
-                <a:spcPts val="0"/>
-              </a:spcBef>
-              <a:buNone/>
-            </a:pPr>
-            <a:r>
-              <a:rPr lang="en"/>
-              <a:t>Future Work</a:t>
-            </a:r>
-          </a:p>
-        </p:txBody>
-      </p:sp>
-      <p:sp>
-        <p:nvSpPr>
-          <p:cNvPr id="330" name="Shape 330"/>
-          <p:cNvSpPr txBox="1"/>
-          <p:nvPr>
-            <p:ph idx="1" type="body"/>
-          </p:nvPr>
-        </p:nvSpPr>
-        <p:spPr>
-          <a:xfrm>
-            <a:off x="311700" y="1229875"/>
-            <a:ext cx="8520600" cy="3339000"/>
-          </a:xfrm>
-          <a:prstGeom prst="rect">
-            <a:avLst/>
-          </a:prstGeom>
-        </p:spPr>
-        <p:txBody>
-          <a:bodyPr anchorCtr="0" anchor="t" bIns="91425" lIns="91425" rIns="91425" tIns="91425">
-            <a:noAutofit/>
-          </a:bodyPr>
-          <a:lstStyle/>
-          <a:p>
-            <a:pPr indent="-228600" lvl="0" marL="457200" rtl="0">
-              <a:spcBef>
-                <a:spcPts val="0"/>
-              </a:spcBef>
-            </a:pPr>
-            <a:r>
-              <a:rPr lang="en"/>
-              <a:t>To implement an algorithm which also considers the sequence of words.</a:t>
-            </a:r>
-          </a:p>
-          <a:p>
-            <a:pPr indent="-228600" lvl="0" marL="457200" rtl="0">
-              <a:spcBef>
-                <a:spcPts val="0"/>
-              </a:spcBef>
-            </a:pPr>
-            <a:r>
-              <a:rPr lang="en"/>
-              <a:t>To fetch reviews of a company and compute polarity for each aspect using a user interface.</a:t>
-            </a:r>
-          </a:p>
-          <a:p>
-            <a:pPr indent="-228600" lvl="0" marL="457200">
-              <a:spcBef>
-                <a:spcPts val="0"/>
-              </a:spcBef>
-            </a:pPr>
-            <a:r>
-              <a:rPr lang="en"/>
-              <a:t> Analysing individual sentence to make dataset more accurate</a:t>
-            </a:r>
-          </a:p>
-        </p:txBody>
-      </p:sp>
-      <p:sp>
-        <p:nvSpPr>
-          <p:cNvPr id="331" name="Shape 331"/>
+            <a:pPr lvl="0" algn="ctr">
+              <a:spcBef>
+                <a:spcPts val="0"/>
+              </a:spcBef>
+              <a:buNone/>
+            </a:pPr>
+            <a:r>
+              <a:rPr lang="en" sz="4800"/>
+              <a:t>Thank You</a:t>
+            </a:r>
+          </a:p>
+        </p:txBody>
+      </p:sp>
+      <p:sp>
+        <p:nvSpPr>
+          <p:cNvPr id="310" name="Shape 310"/>
           <p:cNvSpPr txBox="1"/>
           <p:nvPr>
             <p:ph idx="12" type="sldNum"/>
@@ -13425,138 +12927,6 @@
 </p:sld>
 </file>
 
-<file path=ppt/slides/slide30.xml><?xml version="1.0" encoding="utf-8"?>
-<p:sld xmlns:a="http://schemas.openxmlformats.org/drawingml/2006/main" xmlns:r="http://schemas.openxmlformats.org/officeDocument/2006/relationships" xmlns:mc="http://schemas.openxmlformats.org/markup-compatibility/2006" xmlns:mv="urn:schemas-microsoft-com:mac:vml" xmlns:p="http://schemas.openxmlformats.org/presentationml/2006/main" xmlns:c="http://schemas.openxmlformats.org/drawingml/2006/chart" xmlns:dgm="http://schemas.openxmlformats.org/drawingml/2006/diagram" xmlns:o="urn:schemas-microsoft-com:office:office" xmlns:v="urn:schemas-microsoft-com:vml" xmlns:pvml="urn:schemas-microsoft-com:office:powerpoint" xmlns:com="http://schemas.openxmlformats.org/drawingml/2006/compatibility" xmlns:p14="http://schemas.microsoft.com/office/powerpoint/2010/main">
-  <p:cSld>
-    <p:spTree>
-      <p:nvGrpSpPr>
-        <p:cNvPr id="335" name="Shape 335"/>
-        <p:cNvGrpSpPr/>
-        <p:nvPr/>
-      </p:nvGrpSpPr>
-      <p:grpSpPr>
-        <a:xfrm>
-          <a:off x="0" y="0"/>
-          <a:ext cx="0" cy="0"/>
-          <a:chOff x="0" y="0"/>
-          <a:chExt cx="0" cy="0"/>
-        </a:xfrm>
-      </p:grpSpPr>
-      <p:sp>
-        <p:nvSpPr>
-          <p:cNvPr id="336" name="Shape 336"/>
-          <p:cNvSpPr txBox="1"/>
-          <p:nvPr>
-            <p:ph type="title"/>
-          </p:nvPr>
-        </p:nvSpPr>
-        <p:spPr>
-          <a:xfrm>
-            <a:off x="311700" y="410000"/>
-            <a:ext cx="8520600" cy="607800"/>
-          </a:xfrm>
-          <a:prstGeom prst="rect">
-            <a:avLst/>
-          </a:prstGeom>
-        </p:spPr>
-        <p:txBody>
-          <a:bodyPr anchorCtr="0" anchor="t" bIns="91425" lIns="91425" rIns="91425" tIns="91425">
-            <a:noAutofit/>
-          </a:bodyPr>
-          <a:lstStyle/>
-          <a:p>
-            <a:pPr lvl="0">
-              <a:spcBef>
-                <a:spcPts val="0"/>
-              </a:spcBef>
-              <a:buNone/>
-            </a:pPr>
-            <a:r>
-              <a:rPr lang="en"/>
-              <a:t>References</a:t>
-            </a:r>
-          </a:p>
-        </p:txBody>
-      </p:sp>
-      <p:sp>
-        <p:nvSpPr>
-          <p:cNvPr id="337" name="Shape 337"/>
-          <p:cNvSpPr txBox="1"/>
-          <p:nvPr>
-            <p:ph idx="1" type="body"/>
-          </p:nvPr>
-        </p:nvSpPr>
-        <p:spPr>
-          <a:xfrm>
-            <a:off x="311700" y="1229875"/>
-            <a:ext cx="8520600" cy="3339000"/>
-          </a:xfrm>
-          <a:prstGeom prst="rect">
-            <a:avLst/>
-          </a:prstGeom>
-        </p:spPr>
-        <p:txBody>
-          <a:bodyPr anchorCtr="0" anchor="t" bIns="91425" lIns="91425" rIns="91425" tIns="91425">
-            <a:noAutofit/>
-          </a:bodyPr>
-          <a:lstStyle/>
-          <a:p>
-            <a:pPr indent="-228600" lvl="0" marL="457200" rtl="0">
-              <a:spcBef>
-                <a:spcPts val="0"/>
-              </a:spcBef>
-            </a:pPr>
-            <a:r>
-              <a:rPr lang="en"/>
-              <a:t>Aspect Based Sentiment Analysis in Reviews, by Satarupa Guha Guha, Aditya Joshi, Vasudeva Varma,4th Joint Conference on Lexical and Computational Semantics,2015.</a:t>
-            </a:r>
-          </a:p>
-        </p:txBody>
-      </p:sp>
-      <p:sp>
-        <p:nvSpPr>
-          <p:cNvPr id="338" name="Shape 338"/>
-          <p:cNvSpPr txBox="1"/>
-          <p:nvPr>
-            <p:ph idx="12" type="sldNum"/>
-          </p:nvPr>
-        </p:nvSpPr>
-        <p:spPr>
-          <a:xfrm>
-            <a:off x="8460431" y="4651190"/>
-            <a:ext cx="548700" cy="393600"/>
-          </a:xfrm>
-          <a:prstGeom prst="rect">
-            <a:avLst/>
-          </a:prstGeom>
-        </p:spPr>
-        <p:txBody>
-          <a:bodyPr anchorCtr="0" anchor="ctr" bIns="91425" lIns="91425" rIns="91425" tIns="91425">
-            <a:noAutofit/>
-          </a:bodyPr>
-          <a:lstStyle/>
-          <a:p>
-            <a:pPr lvl="0">
-              <a:spcBef>
-                <a:spcPts val="0"/>
-              </a:spcBef>
-              <a:buNone/>
-            </a:pPr>
-            <a:fld id="{00000000-1234-1234-1234-123412341234}" type="slidenum">
-              <a:rPr lang="en"/>
-              <a:t>‹#›</a:t>
-            </a:fld>
-          </a:p>
-        </p:txBody>
-      </p:sp>
-    </p:spTree>
-  </p:cSld>
-  <p:clrMapOvr>
-    <a:masterClrMapping/>
-  </p:clrMapOvr>
-</p:sld>
-</file>
-
 <file path=ppt/slides/slide4.xml><?xml version="1.0" encoding="utf-8"?>
 <p:sld xmlns:a="http://schemas.openxmlformats.org/drawingml/2006/main" xmlns:r="http://schemas.openxmlformats.org/officeDocument/2006/relationships" xmlns:mc="http://schemas.openxmlformats.org/markup-compatibility/2006" xmlns:mv="urn:schemas-microsoft-com:mac:vml" xmlns:p="http://schemas.openxmlformats.org/presentationml/2006/main" xmlns:c="http://schemas.openxmlformats.org/drawingml/2006/chart" xmlns:dgm="http://schemas.openxmlformats.org/drawingml/2006/diagram" xmlns:o="urn:schemas-microsoft-com:office:office" xmlns:v="urn:schemas-microsoft-com:vml" xmlns:pvml="urn:schemas-microsoft-com:office:powerpoint" xmlns:com="http://schemas.openxmlformats.org/drawingml/2006/compatibility" xmlns:p14="http://schemas.microsoft.com/office/powerpoint/2010/main">
   <p:cSld>
@@ -13643,7 +13013,7 @@
             </a:pPr>
             <a:r>
               <a:rPr lang="en"/>
-              <a:t>Number of Job reviews for some companies could be in thousands</a:t>
+              <a:t>Number of Job reviews for some companies could be in thousands.</a:t>
             </a:r>
           </a:p>
           <a:p>
@@ -13657,7 +13027,7 @@
             </a:pPr>
             <a:r>
               <a:rPr lang="en"/>
-              <a:t>Reading all reviews for understanding the company is very difficult</a:t>
+              <a:t>Reading all reviews for understanding the company is very difficult.</a:t>
             </a:r>
           </a:p>
           <a:p>
@@ -13768,7 +13138,7 @@
             </a:pPr>
             <a:r>
               <a:rPr lang="en"/>
-              <a:t>Literature Review</a:t>
+              <a:t>Proposed Work</a:t>
             </a:r>
           </a:p>
         </p:txBody>
@@ -13803,11 +13173,7 @@
             </a:pPr>
             <a:r>
               <a:rPr lang="en"/>
-              <a:t>Hu and Liu,2012, </a:t>
-            </a:r>
-            <a:r>
-              <a:rPr lang="en"/>
-              <a:t> classified aspects using frequency counts,phrase counts, training models with labeled dataset</a:t>
+              <a:t>The proposed work is to analyse  reviews of a company  and graphically display the polarity for each aspects</a:t>
             </a:r>
           </a:p>
           <a:p>
@@ -13818,7 +13184,18 @@
             </a:pPr>
             <a:r>
               <a:rPr lang="en"/>
-              <a:t>Polarity were analysed using machine learning algorithms like naivebayes with unigrams as features</a:t>
+              <a:t>An overall polarity should also be computed</a:t>
+            </a:r>
+          </a:p>
+          <a:p>
+            <a:pPr indent="-228600" lvl="0" marL="457200" rtl="0">
+              <a:spcBef>
+                <a:spcPts val="0"/>
+              </a:spcBef>
+            </a:pPr>
+            <a:r>
+              <a:rPr lang="en"/>
+              <a:t>There are two models for computing the polarity: Naive Bayes model and Support Vector Machine</a:t>
             </a:r>
           </a:p>
         </p:txBody>
@@ -13894,7 +13271,7 @@
         </p:nvSpPr>
         <p:spPr>
           <a:xfrm>
-            <a:off x="311700" y="410000"/>
+            <a:off x="247400" y="75"/>
             <a:ext cx="8520600" cy="607800"/>
           </a:xfrm>
           <a:prstGeom prst="rect">
@@ -13907,15 +13284,15 @@
           </a:bodyPr>
           <a:lstStyle/>
           <a:p>
-            <a:pPr lvl="0">
-              <a:spcBef>
-                <a:spcPts val="0"/>
-              </a:spcBef>
-              <a:buNone/>
-            </a:pPr>
-            <a:r>
-              <a:rPr lang="en"/>
-              <a:t>Proposed Work</a:t>
+            <a:pPr lvl="0" rtl="0">
+              <a:spcBef>
+                <a:spcPts val="0"/>
+              </a:spcBef>
+              <a:buNone/>
+            </a:pPr>
+            <a:r>
+              <a:rPr lang="en"/>
+              <a:t>Flow Chart</a:t>
             </a:r>
           </a:p>
         </p:txBody>
@@ -13923,97 +13300,6 @@
       <p:sp>
         <p:nvSpPr>
           <p:cNvPr id="122" name="Shape 122"/>
-          <p:cNvSpPr txBox="1"/>
-          <p:nvPr>
-            <p:ph idx="1" type="body"/>
-          </p:nvPr>
-        </p:nvSpPr>
-        <p:spPr>
-          <a:xfrm>
-            <a:off x="311700" y="1229875"/>
-            <a:ext cx="8520600" cy="3339000"/>
-          </a:xfrm>
-          <a:prstGeom prst="rect">
-            <a:avLst/>
-          </a:prstGeom>
-        </p:spPr>
-        <p:txBody>
-          <a:bodyPr anchorCtr="0" anchor="t" bIns="91425" lIns="91425" rIns="91425" tIns="91425">
-            <a:noAutofit/>
-          </a:bodyPr>
-          <a:lstStyle/>
-          <a:p>
-            <a:pPr indent="-228600" lvl="0" marL="457200" rtl="0">
-              <a:spcBef>
-                <a:spcPts val="0"/>
-              </a:spcBef>
-            </a:pPr>
-            <a:r>
-              <a:rPr lang="en"/>
-              <a:t>The proposed work is to analyse all  reviews of a company  and graphically display the polarity for each aspects</a:t>
-            </a:r>
-          </a:p>
-          <a:p>
-            <a:pPr indent="-228600" lvl="0" marL="457200" rtl="0">
-              <a:spcBef>
-                <a:spcPts val="0"/>
-              </a:spcBef>
-            </a:pPr>
-            <a:r>
-              <a:rPr lang="en"/>
-              <a:t>An overall polarity should also be computed</a:t>
-            </a:r>
-          </a:p>
-          <a:p>
-            <a:pPr indent="-228600" lvl="0" marL="457200" rtl="0">
-              <a:spcBef>
-                <a:spcPts val="0"/>
-              </a:spcBef>
-            </a:pPr>
-            <a:r>
-              <a:rPr lang="en"/>
-              <a:t>There are two models for aspect classification :Lexical Approach and Naive Bayes model</a:t>
-            </a:r>
-          </a:p>
-          <a:p>
-            <a:pPr indent="-228600" lvl="0" marL="457200" rtl="0">
-              <a:spcBef>
-                <a:spcPts val="0"/>
-              </a:spcBef>
-            </a:pPr>
-            <a:r>
-              <a:rPr lang="en"/>
-              <a:t>There are two models for computing the polarity: Naive Bayes model and Support Vector Machine</a:t>
-            </a:r>
-          </a:p>
-          <a:p>
-            <a:pPr indent="-228600" lvl="0" marL="457200" rtl="0">
-              <a:spcBef>
-                <a:spcPts val="0"/>
-              </a:spcBef>
-            </a:pPr>
-            <a:r>
-              <a:rPr lang="en"/>
-              <a:t>The above two models use unigram and bigrams as features</a:t>
-            </a:r>
-          </a:p>
-          <a:p>
-            <a:pPr lvl="0">
-              <a:spcBef>
-                <a:spcPts val="0"/>
-              </a:spcBef>
-              <a:buNone/>
-            </a:pPr>
-            <a:r>
-              <a:t/>
-            </a:r>
-            <a:endParaRPr/>
-          </a:p>
-        </p:txBody>
-      </p:sp>
-      <p:sp>
-        <p:nvSpPr>
-          <p:cNvPr id="123" name="Shape 123"/>
           <p:cNvSpPr txBox="1"/>
           <p:nvPr>
             <p:ph idx="12" type="sldNum"/>
@@ -14034,7 +13320,7 @@
           </a:bodyPr>
           <a:lstStyle/>
           <a:p>
-            <a:pPr lvl="0">
+            <a:pPr lvl="0" rtl="0">
               <a:spcBef>
                 <a:spcPts val="0"/>
               </a:spcBef>
@@ -14047,6 +13333,702 @@
           </a:p>
         </p:txBody>
       </p:sp>
+      <p:sp>
+        <p:nvSpPr>
+          <p:cNvPr id="123" name="Shape 123"/>
+          <p:cNvSpPr/>
+          <p:nvPr/>
+        </p:nvSpPr>
+        <p:spPr>
+          <a:xfrm>
+            <a:off x="3586350" y="597350"/>
+            <a:ext cx="1990800" cy="290100"/>
+          </a:xfrm>
+          <a:prstGeom prst="rect">
+            <a:avLst/>
+          </a:prstGeom>
+          <a:solidFill>
+            <a:srgbClr val="EEEEEE"/>
+          </a:solidFill>
+          <a:ln cap="flat" cmpd="sng" w="9525">
+            <a:solidFill>
+              <a:srgbClr val="595959"/>
+            </a:solidFill>
+            <a:prstDash val="solid"/>
+            <a:round/>
+            <a:headEnd len="med" w="med" type="none"/>
+            <a:tailEnd len="med" w="med" type="none"/>
+          </a:ln>
+        </p:spPr>
+        <p:txBody>
+          <a:bodyPr anchorCtr="0" anchor="ctr" bIns="91425" lIns="91425" rIns="91425" tIns="91425">
+            <a:noAutofit/>
+          </a:bodyPr>
+          <a:lstStyle/>
+          <a:p>
+            <a:pPr lvl="0" rtl="0" algn="l">
+              <a:spcBef>
+                <a:spcPts val="0"/>
+              </a:spcBef>
+              <a:buNone/>
+            </a:pPr>
+            <a:r>
+              <a:rPr lang="en"/>
+              <a:t>           Scraping</a:t>
+            </a:r>
+          </a:p>
+        </p:txBody>
+      </p:sp>
+      <p:sp>
+        <p:nvSpPr>
+          <p:cNvPr id="124" name="Shape 124"/>
+          <p:cNvSpPr/>
+          <p:nvPr/>
+        </p:nvSpPr>
+        <p:spPr>
+          <a:xfrm>
+            <a:off x="3586350" y="1118425"/>
+            <a:ext cx="1990800" cy="290100"/>
+          </a:xfrm>
+          <a:prstGeom prst="rect">
+            <a:avLst/>
+          </a:prstGeom>
+          <a:solidFill>
+            <a:srgbClr val="EEEEEE"/>
+          </a:solidFill>
+          <a:ln cap="flat" cmpd="sng" w="9525">
+            <a:solidFill>
+              <a:srgbClr val="595959"/>
+            </a:solidFill>
+            <a:prstDash val="solid"/>
+            <a:round/>
+            <a:headEnd len="med" w="med" type="none"/>
+            <a:tailEnd len="med" w="med" type="none"/>
+          </a:ln>
+        </p:spPr>
+        <p:txBody>
+          <a:bodyPr anchorCtr="0" anchor="ctr" bIns="91425" lIns="91425" rIns="91425" tIns="91425">
+            <a:noAutofit/>
+          </a:bodyPr>
+          <a:lstStyle/>
+          <a:p>
+            <a:pPr lvl="0" rtl="0" algn="ctr">
+              <a:spcBef>
+                <a:spcPts val="0"/>
+              </a:spcBef>
+              <a:buNone/>
+            </a:pPr>
+            <a:r>
+              <a:rPr lang="en"/>
+              <a:t>Preprocessing</a:t>
+            </a:r>
+          </a:p>
+        </p:txBody>
+      </p:sp>
+      <p:cxnSp>
+        <p:nvCxnSpPr>
+          <p:cNvPr id="125" name="Shape 125"/>
+          <p:cNvCxnSpPr>
+            <a:stCxn id="123" idx="2"/>
+            <a:endCxn id="124" idx="0"/>
+          </p:cNvCxnSpPr>
+          <p:nvPr/>
+        </p:nvCxnSpPr>
+        <p:spPr>
+          <a:xfrm>
+            <a:off x="4581750" y="887450"/>
+            <a:ext cx="0" cy="231000"/>
+          </a:xfrm>
+          <a:prstGeom prst="straightConnector1">
+            <a:avLst/>
+          </a:prstGeom>
+          <a:noFill/>
+          <a:ln cap="flat" cmpd="sng" w="9525">
+            <a:solidFill>
+              <a:srgbClr val="595959"/>
+            </a:solidFill>
+            <a:prstDash val="solid"/>
+            <a:round/>
+            <a:headEnd len="lg" w="lg" type="none"/>
+            <a:tailEnd len="lg" w="lg" type="triangle"/>
+          </a:ln>
+        </p:spPr>
+      </p:cxnSp>
+      <p:sp>
+        <p:nvSpPr>
+          <p:cNvPr id="126" name="Shape 126"/>
+          <p:cNvSpPr/>
+          <p:nvPr/>
+        </p:nvSpPr>
+        <p:spPr>
+          <a:xfrm>
+            <a:off x="5577175" y="1720700"/>
+            <a:ext cx="2212500" cy="290100"/>
+          </a:xfrm>
+          <a:prstGeom prst="rect">
+            <a:avLst/>
+          </a:prstGeom>
+          <a:solidFill>
+            <a:srgbClr val="EEEEEE"/>
+          </a:solidFill>
+          <a:ln cap="flat" cmpd="sng" w="9525">
+            <a:solidFill>
+              <a:srgbClr val="595959"/>
+            </a:solidFill>
+            <a:prstDash val="solid"/>
+            <a:round/>
+            <a:headEnd len="med" w="med" type="none"/>
+            <a:tailEnd len="med" w="med" type="none"/>
+          </a:ln>
+        </p:spPr>
+        <p:txBody>
+          <a:bodyPr anchorCtr="0" anchor="ctr" bIns="91425" lIns="91425" rIns="91425" tIns="91425">
+            <a:noAutofit/>
+          </a:bodyPr>
+          <a:lstStyle/>
+          <a:p>
+            <a:pPr lvl="0" rtl="0" algn="ctr">
+              <a:spcBef>
+                <a:spcPts val="0"/>
+              </a:spcBef>
+              <a:buNone/>
+            </a:pPr>
+            <a:r>
+              <a:rPr lang="en"/>
+              <a:t>Aspect Extraction</a:t>
+            </a:r>
+          </a:p>
+        </p:txBody>
+      </p:sp>
+      <p:sp>
+        <p:nvSpPr>
+          <p:cNvPr id="127" name="Shape 127"/>
+          <p:cNvSpPr/>
+          <p:nvPr/>
+        </p:nvSpPr>
+        <p:spPr>
+          <a:xfrm>
+            <a:off x="1413650" y="1720700"/>
+            <a:ext cx="2172600" cy="290100"/>
+          </a:xfrm>
+          <a:prstGeom prst="rect">
+            <a:avLst/>
+          </a:prstGeom>
+          <a:solidFill>
+            <a:srgbClr val="EEEEEE"/>
+          </a:solidFill>
+          <a:ln cap="flat" cmpd="sng" w="9525">
+            <a:solidFill>
+              <a:srgbClr val="595959"/>
+            </a:solidFill>
+            <a:prstDash val="solid"/>
+            <a:round/>
+            <a:headEnd len="med" w="med" type="none"/>
+            <a:tailEnd len="med" w="med" type="none"/>
+          </a:ln>
+        </p:spPr>
+        <p:txBody>
+          <a:bodyPr anchorCtr="0" anchor="ctr" bIns="91425" lIns="91425" rIns="91425" tIns="91425">
+            <a:noAutofit/>
+          </a:bodyPr>
+          <a:lstStyle/>
+          <a:p>
+            <a:pPr lvl="0" rtl="0">
+              <a:spcBef>
+                <a:spcPts val="0"/>
+              </a:spcBef>
+              <a:buNone/>
+            </a:pPr>
+            <a:r>
+              <a:rPr lang="en"/>
+              <a:t>Train Word2Vec model</a:t>
+            </a:r>
+          </a:p>
+        </p:txBody>
+      </p:sp>
+      <p:sp>
+        <p:nvSpPr>
+          <p:cNvPr id="128" name="Shape 128"/>
+          <p:cNvSpPr/>
+          <p:nvPr/>
+        </p:nvSpPr>
+        <p:spPr>
+          <a:xfrm>
+            <a:off x="3586312" y="2160900"/>
+            <a:ext cx="1990800" cy="290100"/>
+          </a:xfrm>
+          <a:prstGeom prst="rect">
+            <a:avLst/>
+          </a:prstGeom>
+          <a:solidFill>
+            <a:srgbClr val="EEEEEE"/>
+          </a:solidFill>
+          <a:ln cap="flat" cmpd="sng" w="9525">
+            <a:solidFill>
+              <a:srgbClr val="595959"/>
+            </a:solidFill>
+            <a:prstDash val="solid"/>
+            <a:round/>
+            <a:headEnd len="med" w="med" type="none"/>
+            <a:tailEnd len="med" w="med" type="none"/>
+          </a:ln>
+        </p:spPr>
+        <p:txBody>
+          <a:bodyPr anchorCtr="0" anchor="ctr" bIns="91425" lIns="91425" rIns="91425" tIns="91425">
+            <a:noAutofit/>
+          </a:bodyPr>
+          <a:lstStyle/>
+          <a:p>
+            <a:pPr lvl="0" rtl="0" algn="ctr">
+              <a:spcBef>
+                <a:spcPts val="0"/>
+              </a:spcBef>
+              <a:buNone/>
+            </a:pPr>
+            <a:r>
+              <a:rPr lang="en"/>
+              <a:t>Aspect Classifier</a:t>
+            </a:r>
+          </a:p>
+        </p:txBody>
+      </p:sp>
+      <p:sp>
+        <p:nvSpPr>
+          <p:cNvPr id="129" name="Shape 129"/>
+          <p:cNvSpPr/>
+          <p:nvPr/>
+        </p:nvSpPr>
+        <p:spPr>
+          <a:xfrm>
+            <a:off x="3586350" y="2671046"/>
+            <a:ext cx="1990800" cy="290100"/>
+          </a:xfrm>
+          <a:prstGeom prst="rect">
+            <a:avLst/>
+          </a:prstGeom>
+          <a:solidFill>
+            <a:srgbClr val="EEEEEE"/>
+          </a:solidFill>
+          <a:ln cap="flat" cmpd="sng" w="9525">
+            <a:solidFill>
+              <a:srgbClr val="595959"/>
+            </a:solidFill>
+            <a:prstDash val="solid"/>
+            <a:round/>
+            <a:headEnd len="med" w="med" type="none"/>
+            <a:tailEnd len="med" w="med" type="none"/>
+          </a:ln>
+        </p:spPr>
+        <p:txBody>
+          <a:bodyPr anchorCtr="0" anchor="ctr" bIns="91425" lIns="91425" rIns="91425" tIns="91425">
+            <a:noAutofit/>
+          </a:bodyPr>
+          <a:lstStyle/>
+          <a:p>
+            <a:pPr lvl="0" rtl="0" algn="ctr">
+              <a:spcBef>
+                <a:spcPts val="0"/>
+              </a:spcBef>
+              <a:buNone/>
+            </a:pPr>
+            <a:r>
+              <a:rPr lang="en"/>
+              <a:t>Feature Extraction</a:t>
+            </a:r>
+          </a:p>
+        </p:txBody>
+      </p:sp>
+      <p:sp>
+        <p:nvSpPr>
+          <p:cNvPr id="130" name="Shape 130"/>
+          <p:cNvSpPr/>
+          <p:nvPr/>
+        </p:nvSpPr>
+        <p:spPr>
+          <a:xfrm>
+            <a:off x="3529625" y="3165725"/>
+            <a:ext cx="2104200" cy="512400"/>
+          </a:xfrm>
+          <a:prstGeom prst="rect">
+            <a:avLst/>
+          </a:prstGeom>
+          <a:solidFill>
+            <a:srgbClr val="EEEEEE"/>
+          </a:solidFill>
+          <a:ln cap="flat" cmpd="sng" w="9525">
+            <a:solidFill>
+              <a:srgbClr val="595959"/>
+            </a:solidFill>
+            <a:prstDash val="solid"/>
+            <a:round/>
+            <a:headEnd len="med" w="med" type="none"/>
+            <a:tailEnd len="med" w="med" type="none"/>
+          </a:ln>
+        </p:spPr>
+        <p:txBody>
+          <a:bodyPr anchorCtr="0" anchor="ctr" bIns="91425" lIns="91425" rIns="91425" tIns="91425">
+            <a:noAutofit/>
+          </a:bodyPr>
+          <a:lstStyle/>
+          <a:p>
+            <a:pPr lvl="0" rtl="0">
+              <a:spcBef>
+                <a:spcPts val="0"/>
+              </a:spcBef>
+              <a:buNone/>
+            </a:pPr>
+            <a:r>
+              <a:rPr lang="en"/>
+              <a:t>Training Classifiers-NB,SVM</a:t>
+            </a:r>
+          </a:p>
+        </p:txBody>
+      </p:sp>
+      <p:cxnSp>
+        <p:nvCxnSpPr>
+          <p:cNvPr id="131" name="Shape 131"/>
+          <p:cNvCxnSpPr>
+            <a:stCxn id="127" idx="0"/>
+            <a:endCxn id="127" idx="0"/>
+          </p:cNvCxnSpPr>
+          <p:nvPr/>
+        </p:nvCxnSpPr>
+        <p:spPr>
+          <a:xfrm>
+            <a:off x="2499950" y="1720700"/>
+            <a:ext cx="0" cy="0"/>
+          </a:xfrm>
+          <a:prstGeom prst="straightConnector1">
+            <a:avLst/>
+          </a:prstGeom>
+          <a:noFill/>
+          <a:ln cap="flat" cmpd="sng" w="9525">
+            <a:solidFill>
+              <a:srgbClr val="595959"/>
+            </a:solidFill>
+            <a:prstDash val="solid"/>
+            <a:round/>
+            <a:headEnd len="lg" w="lg" type="none"/>
+            <a:tailEnd len="lg" w="lg" type="none"/>
+          </a:ln>
+        </p:spPr>
+      </p:cxnSp>
+      <p:cxnSp>
+        <p:nvCxnSpPr>
+          <p:cNvPr id="132" name="Shape 132"/>
+          <p:cNvCxnSpPr>
+            <a:stCxn id="124" idx="2"/>
+            <a:endCxn id="124" idx="2"/>
+          </p:cNvCxnSpPr>
+          <p:nvPr/>
+        </p:nvCxnSpPr>
+        <p:spPr>
+          <a:xfrm>
+            <a:off x="4581750" y="1408525"/>
+            <a:ext cx="0" cy="0"/>
+          </a:xfrm>
+          <a:prstGeom prst="straightConnector1">
+            <a:avLst/>
+          </a:prstGeom>
+          <a:noFill/>
+          <a:ln cap="flat" cmpd="sng" w="9525">
+            <a:solidFill>
+              <a:srgbClr val="595959"/>
+            </a:solidFill>
+            <a:prstDash val="solid"/>
+            <a:round/>
+            <a:headEnd len="lg" w="lg" type="none"/>
+            <a:tailEnd len="lg" w="lg" type="none"/>
+          </a:ln>
+        </p:spPr>
+      </p:cxnSp>
+      <p:cxnSp>
+        <p:nvCxnSpPr>
+          <p:cNvPr id="133" name="Shape 133"/>
+          <p:cNvCxnSpPr/>
+          <p:nvPr/>
+        </p:nvCxnSpPr>
+        <p:spPr>
+          <a:xfrm>
+            <a:off x="4353150" y="1106575"/>
+            <a:ext cx="0" cy="0"/>
+          </a:xfrm>
+          <a:prstGeom prst="straightConnector1">
+            <a:avLst/>
+          </a:prstGeom>
+          <a:noFill/>
+          <a:ln cap="flat" cmpd="sng" w="9525">
+            <a:solidFill>
+              <a:srgbClr val="595959"/>
+            </a:solidFill>
+            <a:prstDash val="solid"/>
+            <a:round/>
+            <a:headEnd len="lg" w="lg" type="none"/>
+            <a:tailEnd len="lg" w="lg" type="none"/>
+          </a:ln>
+        </p:spPr>
+      </p:cxnSp>
+      <p:cxnSp>
+        <p:nvCxnSpPr>
+          <p:cNvPr id="134" name="Shape 134"/>
+          <p:cNvCxnSpPr/>
+          <p:nvPr/>
+        </p:nvCxnSpPr>
+        <p:spPr>
+          <a:xfrm>
+            <a:off x="2472900" y="1099825"/>
+            <a:ext cx="0" cy="13500"/>
+          </a:xfrm>
+          <a:prstGeom prst="straightConnector1">
+            <a:avLst/>
+          </a:prstGeom>
+          <a:noFill/>
+          <a:ln cap="flat" cmpd="sng" w="9525">
+            <a:solidFill>
+              <a:srgbClr val="595959"/>
+            </a:solidFill>
+            <a:prstDash val="solid"/>
+            <a:round/>
+            <a:headEnd len="lg" w="lg" type="none"/>
+            <a:tailEnd len="lg" w="lg" type="none"/>
+          </a:ln>
+        </p:spPr>
+      </p:cxnSp>
+      <p:cxnSp>
+        <p:nvCxnSpPr>
+          <p:cNvPr id="135" name="Shape 135"/>
+          <p:cNvCxnSpPr>
+            <a:stCxn id="127" idx="0"/>
+            <a:endCxn id="127" idx="0"/>
+          </p:cNvCxnSpPr>
+          <p:nvPr/>
+        </p:nvCxnSpPr>
+        <p:spPr>
+          <a:xfrm>
+            <a:off x="2499950" y="1720700"/>
+            <a:ext cx="0" cy="0"/>
+          </a:xfrm>
+          <a:prstGeom prst="straightConnector1">
+            <a:avLst/>
+          </a:prstGeom>
+          <a:noFill/>
+          <a:ln cap="flat" cmpd="sng" w="9525">
+            <a:solidFill>
+              <a:srgbClr val="595959"/>
+            </a:solidFill>
+            <a:prstDash val="solid"/>
+            <a:round/>
+            <a:headEnd len="lg" w="lg" type="none"/>
+            <a:tailEnd len="lg" w="lg" type="none"/>
+          </a:ln>
+        </p:spPr>
+      </p:cxnSp>
+      <p:cxnSp>
+        <p:nvCxnSpPr>
+          <p:cNvPr id="136" name="Shape 136"/>
+          <p:cNvCxnSpPr>
+            <a:stCxn id="127" idx="0"/>
+            <a:endCxn id="127" idx="0"/>
+          </p:cNvCxnSpPr>
+          <p:nvPr/>
+        </p:nvCxnSpPr>
+        <p:spPr>
+          <a:xfrm>
+            <a:off x="2499950" y="1720700"/>
+            <a:ext cx="0" cy="0"/>
+          </a:xfrm>
+          <a:prstGeom prst="straightConnector1">
+            <a:avLst/>
+          </a:prstGeom>
+          <a:noFill/>
+          <a:ln cap="flat" cmpd="sng" w="9525">
+            <a:solidFill>
+              <a:srgbClr val="595959"/>
+            </a:solidFill>
+            <a:prstDash val="solid"/>
+            <a:round/>
+            <a:headEnd len="lg" w="lg" type="none"/>
+            <a:tailEnd len="lg" w="lg" type="none"/>
+          </a:ln>
+        </p:spPr>
+      </p:cxnSp>
+      <p:cxnSp>
+        <p:nvCxnSpPr>
+          <p:cNvPr id="137" name="Shape 137"/>
+          <p:cNvCxnSpPr>
+            <a:stCxn id="124" idx="2"/>
+            <a:endCxn id="127" idx="0"/>
+          </p:cNvCxnSpPr>
+          <p:nvPr/>
+        </p:nvCxnSpPr>
+        <p:spPr>
+          <a:xfrm rot="5400000">
+            <a:off x="3384750" y="523825"/>
+            <a:ext cx="312300" cy="2081700"/>
+          </a:xfrm>
+          <a:prstGeom prst="bentConnector3">
+            <a:avLst>
+              <a:gd fmla="val 49980" name="adj1"/>
+            </a:avLst>
+          </a:prstGeom>
+          <a:noFill/>
+          <a:ln cap="flat" cmpd="sng" w="9525">
+            <a:solidFill>
+              <a:srgbClr val="595959"/>
+            </a:solidFill>
+            <a:prstDash val="solid"/>
+            <a:round/>
+            <a:headEnd len="lg" w="lg" type="none"/>
+            <a:tailEnd len="lg" w="lg" type="none"/>
+          </a:ln>
+        </p:spPr>
+      </p:cxnSp>
+      <p:cxnSp>
+        <p:nvCxnSpPr>
+          <p:cNvPr id="138" name="Shape 138"/>
+          <p:cNvCxnSpPr>
+            <a:stCxn id="126" idx="0"/>
+            <a:endCxn id="124" idx="2"/>
+          </p:cNvCxnSpPr>
+          <p:nvPr/>
+        </p:nvCxnSpPr>
+        <p:spPr>
+          <a:xfrm flipH="1" rot="5400000">
+            <a:off x="5476375" y="513650"/>
+            <a:ext cx="312300" cy="2101800"/>
+          </a:xfrm>
+          <a:prstGeom prst="bentConnector3">
+            <a:avLst>
+              <a:gd fmla="val 49980" name="adj1"/>
+            </a:avLst>
+          </a:prstGeom>
+          <a:noFill/>
+          <a:ln cap="flat" cmpd="sng" w="9525">
+            <a:solidFill>
+              <a:srgbClr val="595959"/>
+            </a:solidFill>
+            <a:prstDash val="solid"/>
+            <a:round/>
+            <a:headEnd len="lg" w="lg" type="none"/>
+            <a:tailEnd len="lg" w="lg" type="none"/>
+          </a:ln>
+        </p:spPr>
+      </p:cxnSp>
+      <p:cxnSp>
+        <p:nvCxnSpPr>
+          <p:cNvPr id="139" name="Shape 139"/>
+          <p:cNvCxnSpPr>
+            <a:stCxn id="128" idx="2"/>
+            <a:endCxn id="129" idx="0"/>
+          </p:cNvCxnSpPr>
+          <p:nvPr/>
+        </p:nvCxnSpPr>
+        <p:spPr>
+          <a:xfrm>
+            <a:off x="4581712" y="2451000"/>
+            <a:ext cx="0" cy="219900"/>
+          </a:xfrm>
+          <a:prstGeom prst="straightConnector1">
+            <a:avLst/>
+          </a:prstGeom>
+          <a:noFill/>
+          <a:ln cap="flat" cmpd="sng" w="9525">
+            <a:solidFill>
+              <a:srgbClr val="595959"/>
+            </a:solidFill>
+            <a:prstDash val="solid"/>
+            <a:round/>
+            <a:headEnd len="lg" w="lg" type="none"/>
+            <a:tailEnd len="lg" w="lg" type="triangle"/>
+          </a:ln>
+        </p:spPr>
+      </p:cxnSp>
+      <p:cxnSp>
+        <p:nvCxnSpPr>
+          <p:cNvPr id="140" name="Shape 140"/>
+          <p:cNvCxnSpPr>
+            <a:stCxn id="127" idx="2"/>
+            <a:endCxn id="128" idx="1"/>
+          </p:cNvCxnSpPr>
+          <p:nvPr/>
+        </p:nvCxnSpPr>
+        <p:spPr>
+          <a:xfrm flipH="1" rot="-5400000">
+            <a:off x="2895500" y="1615250"/>
+            <a:ext cx="295200" cy="1086300"/>
+          </a:xfrm>
+          <a:prstGeom prst="bentConnector2">
+            <a:avLst/>
+          </a:prstGeom>
+          <a:noFill/>
+          <a:ln cap="flat" cmpd="sng" w="9525">
+            <a:solidFill>
+              <a:srgbClr val="595959"/>
+            </a:solidFill>
+            <a:prstDash val="solid"/>
+            <a:round/>
+            <a:headEnd len="lg" w="lg" type="none"/>
+            <a:tailEnd len="lg" w="lg" type="none"/>
+          </a:ln>
+        </p:spPr>
+      </p:cxnSp>
+      <p:cxnSp>
+        <p:nvCxnSpPr>
+          <p:cNvPr id="141" name="Shape 141"/>
+          <p:cNvCxnSpPr>
+            <a:stCxn id="126" idx="2"/>
+            <a:endCxn id="128" idx="3"/>
+          </p:cNvCxnSpPr>
+          <p:nvPr/>
+        </p:nvCxnSpPr>
+        <p:spPr>
+          <a:xfrm rot="5400000">
+            <a:off x="5982625" y="1605200"/>
+            <a:ext cx="295200" cy="1106400"/>
+          </a:xfrm>
+          <a:prstGeom prst="bentConnector2">
+            <a:avLst/>
+          </a:prstGeom>
+          <a:noFill/>
+          <a:ln cap="flat" cmpd="sng" w="9525">
+            <a:solidFill>
+              <a:srgbClr val="595959"/>
+            </a:solidFill>
+            <a:prstDash val="solid"/>
+            <a:round/>
+            <a:headEnd len="lg" w="lg" type="none"/>
+            <a:tailEnd len="lg" w="lg" type="none"/>
+          </a:ln>
+        </p:spPr>
+      </p:cxnSp>
+      <p:cxnSp>
+        <p:nvCxnSpPr>
+          <p:cNvPr id="142" name="Shape 142"/>
+          <p:cNvCxnSpPr>
+            <a:endCxn id="130" idx="0"/>
+          </p:cNvCxnSpPr>
+          <p:nvPr/>
+        </p:nvCxnSpPr>
+        <p:spPr>
+          <a:xfrm>
+            <a:off x="4581725" y="2961125"/>
+            <a:ext cx="0" cy="204600"/>
+          </a:xfrm>
+          <a:prstGeom prst="straightConnector1">
+            <a:avLst/>
+          </a:prstGeom>
+          <a:noFill/>
+          <a:ln cap="flat" cmpd="sng" w="9525">
+            <a:solidFill>
+              <a:srgbClr val="595959"/>
+            </a:solidFill>
+            <a:prstDash val="solid"/>
+            <a:round/>
+            <a:headEnd len="lg" w="lg" type="none"/>
+            <a:tailEnd len="lg" w="lg" type="triangle"/>
+          </a:ln>
+        </p:spPr>
+      </p:cxnSp>
     </p:spTree>
   </p:cSld>
   <p:clrMapOvr>
@@ -14060,7 +14042,7 @@
   <p:cSld>
     <p:spTree>
       <p:nvGrpSpPr>
-        <p:cNvPr id="127" name="Shape 127"/>
+        <p:cNvPr id="146" name="Shape 146"/>
         <p:cNvGrpSpPr/>
         <p:nvPr/>
       </p:nvGrpSpPr>
@@ -14074,7 +14056,7 @@
       </p:grpSpPr>
       <p:sp>
         <p:nvSpPr>
-          <p:cNvPr id="128" name="Shape 128"/>
+          <p:cNvPr id="147" name="Shape 147"/>
           <p:cNvSpPr txBox="1"/>
           <p:nvPr>
             <p:ph type="title"/>
@@ -14082,7 +14064,7 @@
         </p:nvSpPr>
         <p:spPr>
           <a:xfrm>
-            <a:off x="311700" y="0"/>
+            <a:off x="311700" y="410000"/>
             <a:ext cx="8520600" cy="607800"/>
           </a:xfrm>
           <a:prstGeom prst="rect">
@@ -14095,88 +14077,6 @@
           </a:bodyPr>
           <a:lstStyle/>
           <a:p>
-            <a:pPr lvl="0" rtl="0">
-              <a:spcBef>
-                <a:spcPts val="0"/>
-              </a:spcBef>
-              <a:buNone/>
-            </a:pPr>
-            <a:r>
-              <a:rPr lang="en"/>
-              <a:t>Flow Chart</a:t>
-            </a:r>
-          </a:p>
-        </p:txBody>
-      </p:sp>
-      <p:sp>
-        <p:nvSpPr>
-          <p:cNvPr id="129" name="Shape 129"/>
-          <p:cNvSpPr txBox="1"/>
-          <p:nvPr>
-            <p:ph idx="1" type="body"/>
-          </p:nvPr>
-        </p:nvSpPr>
-        <p:spPr>
-          <a:xfrm>
-            <a:off x="257175" y="535550"/>
-            <a:ext cx="8886900" cy="4294800"/>
-          </a:xfrm>
-          <a:prstGeom prst="rect">
-            <a:avLst/>
-          </a:prstGeom>
-        </p:spPr>
-        <p:txBody>
-          <a:bodyPr anchorCtr="0" anchor="t" bIns="91425" lIns="91425" rIns="91425" tIns="91425">
-            <a:noAutofit/>
-          </a:bodyPr>
-          <a:lstStyle/>
-          <a:p>
-            <a:pPr lvl="0" rtl="0">
-              <a:spcBef>
-                <a:spcPts val="0"/>
-              </a:spcBef>
-              <a:buNone/>
-            </a:pPr>
-            <a:r>
-              <a:t/>
-            </a:r>
-            <a:endParaRPr/>
-          </a:p>
-        </p:txBody>
-      </p:sp>
-      <p:sp>
-        <p:nvSpPr>
-          <p:cNvPr id="130" name="Shape 130"/>
-          <p:cNvSpPr/>
-          <p:nvPr/>
-        </p:nvSpPr>
-        <p:spPr>
-          <a:xfrm>
-            <a:off x="3329975" y="607800"/>
-            <a:ext cx="2157900" cy="263400"/>
-          </a:xfrm>
-          <a:prstGeom prst="rect">
-            <a:avLst/>
-          </a:prstGeom>
-          <a:solidFill>
-            <a:srgbClr val="FFF2CC"/>
-          </a:solidFill>
-          <a:ln cap="flat" cmpd="sng" w="9525">
-            <a:solidFill>
-              <a:schemeClr val="dk2"/>
-            </a:solidFill>
-            <a:prstDash val="solid"/>
-            <a:round/>
-            <a:headEnd len="med" w="med" type="none"/>
-            <a:tailEnd len="med" w="med" type="none"/>
-          </a:ln>
-        </p:spPr>
-        <p:txBody>
-          <a:bodyPr anchorCtr="0" anchor="ctr" bIns="91425" lIns="91425" rIns="91425" tIns="91425">
-            <a:noAutofit/>
-          </a:bodyPr>
-          <a:lstStyle/>
-          <a:p>
             <a:pPr lvl="0">
               <a:spcBef>
                 <a:spcPts val="0"/>
@@ -14185,1169 +14085,14 @@
             </a:pPr>
             <a:r>
               <a:rPr lang="en"/>
-              <a:t>	    Scraper</a:t>
-            </a:r>
-          </a:p>
-        </p:txBody>
-      </p:sp>
-      <p:sp>
-        <p:nvSpPr>
-          <p:cNvPr id="131" name="Shape 131"/>
-          <p:cNvSpPr/>
-          <p:nvPr/>
-        </p:nvSpPr>
-        <p:spPr>
-          <a:xfrm>
-            <a:off x="3329975" y="1186725"/>
-            <a:ext cx="2157900" cy="263400"/>
-          </a:xfrm>
-          <a:prstGeom prst="rect">
-            <a:avLst/>
-          </a:prstGeom>
-          <a:solidFill>
-            <a:srgbClr val="FFF2CC"/>
-          </a:solidFill>
-          <a:ln cap="flat" cmpd="sng" w="9525">
-            <a:solidFill>
-              <a:schemeClr val="dk2"/>
-            </a:solidFill>
-            <a:prstDash val="solid"/>
-            <a:round/>
-            <a:headEnd len="med" w="med" type="none"/>
-            <a:tailEnd len="med" w="med" type="none"/>
-          </a:ln>
-        </p:spPr>
-        <p:txBody>
-          <a:bodyPr anchorCtr="0" anchor="ctr" bIns="91425" lIns="91425" rIns="91425" tIns="91425">
-            <a:noAutofit/>
-          </a:bodyPr>
-          <a:lstStyle/>
-          <a:p>
-            <a:pPr lvl="0" algn="ctr">
-              <a:spcBef>
-                <a:spcPts val="0"/>
-              </a:spcBef>
-              <a:buNone/>
-            </a:pPr>
-            <a:r>
-              <a:rPr lang="en"/>
-              <a:t>   Aspect Extraction	   </a:t>
-            </a:r>
-          </a:p>
-        </p:txBody>
-      </p:sp>
-      <p:sp>
-        <p:nvSpPr>
-          <p:cNvPr id="132" name="Shape 132"/>
-          <p:cNvSpPr/>
-          <p:nvPr/>
-        </p:nvSpPr>
-        <p:spPr>
-          <a:xfrm>
-            <a:off x="3329975" y="1765650"/>
-            <a:ext cx="2157900" cy="263400"/>
-          </a:xfrm>
-          <a:prstGeom prst="rect">
-            <a:avLst/>
-          </a:prstGeom>
-          <a:solidFill>
-            <a:srgbClr val="FFF2CC"/>
-          </a:solidFill>
-          <a:ln cap="flat" cmpd="sng" w="9525">
-            <a:solidFill>
-              <a:schemeClr val="dk2"/>
-            </a:solidFill>
-            <a:prstDash val="solid"/>
-            <a:round/>
-            <a:headEnd len="med" w="med" type="none"/>
-            <a:tailEnd len="med" w="med" type="none"/>
-          </a:ln>
-        </p:spPr>
-        <p:txBody>
-          <a:bodyPr anchorCtr="0" anchor="ctr" bIns="91425" lIns="91425" rIns="91425" tIns="91425">
-            <a:noAutofit/>
-          </a:bodyPr>
-          <a:lstStyle/>
-          <a:p>
-            <a:pPr lvl="0" algn="ctr">
-              <a:spcBef>
-                <a:spcPts val="0"/>
-              </a:spcBef>
-              <a:buNone/>
-            </a:pPr>
-            <a:r>
-              <a:rPr lang="en"/>
-              <a:t>Preprocessing</a:t>
-            </a:r>
-          </a:p>
-        </p:txBody>
-      </p:sp>
-      <p:sp>
-        <p:nvSpPr>
-          <p:cNvPr id="133" name="Shape 133"/>
-          <p:cNvSpPr/>
-          <p:nvPr/>
-        </p:nvSpPr>
-        <p:spPr>
-          <a:xfrm>
-            <a:off x="582200" y="2440050"/>
-            <a:ext cx="2157900" cy="263400"/>
-          </a:xfrm>
-          <a:prstGeom prst="rect">
-            <a:avLst/>
-          </a:prstGeom>
-          <a:solidFill>
-            <a:srgbClr val="FFF2CC"/>
-          </a:solidFill>
-          <a:ln cap="flat" cmpd="sng" w="9525">
-            <a:solidFill>
-              <a:schemeClr val="dk2"/>
-            </a:solidFill>
-            <a:prstDash val="solid"/>
-            <a:round/>
-            <a:headEnd len="med" w="med" type="none"/>
-            <a:tailEnd len="med" w="med" type="none"/>
-          </a:ln>
-        </p:spPr>
-        <p:txBody>
-          <a:bodyPr anchorCtr="0" anchor="ctr" bIns="91425" lIns="91425" rIns="91425" tIns="91425">
-            <a:noAutofit/>
-          </a:bodyPr>
-          <a:lstStyle/>
-          <a:p>
-            <a:pPr lvl="0" algn="ctr">
-              <a:spcBef>
-                <a:spcPts val="0"/>
-              </a:spcBef>
-              <a:buNone/>
-            </a:pPr>
-            <a:r>
-              <a:rPr lang="en"/>
-              <a:t>Lexical Approach</a:t>
-            </a:r>
-          </a:p>
-        </p:txBody>
-      </p:sp>
-      <p:sp>
-        <p:nvSpPr>
-          <p:cNvPr id="134" name="Shape 134"/>
-          <p:cNvSpPr/>
-          <p:nvPr/>
-        </p:nvSpPr>
-        <p:spPr>
-          <a:xfrm>
-            <a:off x="6091900" y="2440050"/>
-            <a:ext cx="2157900" cy="263400"/>
-          </a:xfrm>
-          <a:prstGeom prst="rect">
-            <a:avLst/>
-          </a:prstGeom>
-          <a:solidFill>
-            <a:srgbClr val="FFF2CC"/>
-          </a:solidFill>
-          <a:ln cap="flat" cmpd="sng" w="9525">
-            <a:solidFill>
-              <a:schemeClr val="dk2"/>
-            </a:solidFill>
-            <a:prstDash val="solid"/>
-            <a:round/>
-            <a:headEnd len="med" w="med" type="none"/>
-            <a:tailEnd len="med" w="med" type="none"/>
-          </a:ln>
-        </p:spPr>
-        <p:txBody>
-          <a:bodyPr anchorCtr="0" anchor="ctr" bIns="91425" lIns="91425" rIns="91425" tIns="91425">
-            <a:noAutofit/>
-          </a:bodyPr>
-          <a:lstStyle/>
-          <a:p>
-            <a:pPr lvl="0" algn="ctr">
-              <a:spcBef>
-                <a:spcPts val="0"/>
-              </a:spcBef>
-              <a:buNone/>
-            </a:pPr>
-            <a:r>
-              <a:rPr lang="en"/>
-              <a:t>Naive Bayes Approach</a:t>
-            </a:r>
-          </a:p>
-        </p:txBody>
-      </p:sp>
-      <p:sp>
-        <p:nvSpPr>
-          <p:cNvPr id="135" name="Shape 135"/>
-          <p:cNvSpPr/>
-          <p:nvPr/>
-        </p:nvSpPr>
-        <p:spPr>
-          <a:xfrm>
-            <a:off x="3588000" y="2395200"/>
-            <a:ext cx="1656000" cy="353100"/>
-          </a:xfrm>
-          <a:prstGeom prst="roundRect">
-            <a:avLst>
-              <a:gd fmla="val 16667" name="adj"/>
-            </a:avLst>
-          </a:prstGeom>
-          <a:solidFill>
-            <a:srgbClr val="FFF2CC"/>
-          </a:solidFill>
-          <a:ln cap="flat" cmpd="sng" w="9525">
-            <a:solidFill>
-              <a:schemeClr val="dk2"/>
-            </a:solidFill>
-            <a:prstDash val="solid"/>
-            <a:round/>
-            <a:headEnd len="med" w="med" type="none"/>
-            <a:tailEnd len="med" w="med" type="none"/>
-          </a:ln>
-        </p:spPr>
-        <p:txBody>
-          <a:bodyPr anchorCtr="0" anchor="ctr" bIns="91425" lIns="91425" rIns="91425" tIns="91425">
-            <a:noAutofit/>
-          </a:bodyPr>
-          <a:lstStyle/>
-          <a:p>
-            <a:pPr lvl="0">
-              <a:spcBef>
-                <a:spcPts val="0"/>
-              </a:spcBef>
-              <a:buNone/>
-            </a:pPr>
-            <a:r>
-              <a:rPr lang="en"/>
-              <a:t>Aspect Classifier</a:t>
-            </a:r>
-          </a:p>
-        </p:txBody>
-      </p:sp>
-      <p:sp>
-        <p:nvSpPr>
-          <p:cNvPr id="136" name="Shape 136"/>
-          <p:cNvSpPr/>
-          <p:nvPr/>
-        </p:nvSpPr>
-        <p:spPr>
-          <a:xfrm>
-            <a:off x="5281550" y="2517300"/>
-            <a:ext cx="772800" cy="153900"/>
-          </a:xfrm>
-          <a:prstGeom prst="rightArrow">
-            <a:avLst>
-              <a:gd fmla="val 50000" name="adj1"/>
-              <a:gd fmla="val 50000" name="adj2"/>
-            </a:avLst>
-          </a:prstGeom>
-          <a:solidFill>
-            <a:schemeClr val="lt2"/>
-          </a:solidFill>
-          <a:ln cap="flat" cmpd="sng" w="9525">
-            <a:solidFill>
-              <a:schemeClr val="dk2"/>
-            </a:solidFill>
-            <a:prstDash val="solid"/>
-            <a:round/>
-            <a:headEnd len="med" w="med" type="none"/>
-            <a:tailEnd len="med" w="med" type="none"/>
-          </a:ln>
-        </p:spPr>
-        <p:txBody>
-          <a:bodyPr anchorCtr="0" anchor="ctr" bIns="91425" lIns="91425" rIns="91425" tIns="91425">
-            <a:noAutofit/>
-          </a:bodyPr>
-          <a:lstStyle/>
-          <a:p>
-            <a:pPr lvl="0">
-              <a:spcBef>
-                <a:spcPts val="0"/>
-              </a:spcBef>
-              <a:buNone/>
-            </a:pPr>
-            <a:r>
-              <a:t/>
-            </a:r>
-            <a:endParaRPr/>
-          </a:p>
-        </p:txBody>
-      </p:sp>
-      <p:sp>
-        <p:nvSpPr>
-          <p:cNvPr id="137" name="Shape 137"/>
-          <p:cNvSpPr/>
-          <p:nvPr/>
-        </p:nvSpPr>
-        <p:spPr>
-          <a:xfrm>
-            <a:off x="2796850" y="2494800"/>
-            <a:ext cx="734400" cy="153900"/>
-          </a:xfrm>
-          <a:prstGeom prst="leftArrow">
-            <a:avLst>
-              <a:gd fmla="val 50000" name="adj1"/>
-              <a:gd fmla="val 50000" name="adj2"/>
-            </a:avLst>
-          </a:prstGeom>
-          <a:solidFill>
-            <a:schemeClr val="lt2"/>
-          </a:solidFill>
-          <a:ln cap="flat" cmpd="sng" w="9525">
-            <a:solidFill>
-              <a:schemeClr val="dk2"/>
-            </a:solidFill>
-            <a:prstDash val="solid"/>
-            <a:round/>
-            <a:headEnd len="med" w="med" type="none"/>
-            <a:tailEnd len="med" w="med" type="none"/>
-          </a:ln>
-        </p:spPr>
-        <p:txBody>
-          <a:bodyPr anchorCtr="0" anchor="ctr" bIns="91425" lIns="91425" rIns="91425" tIns="91425">
-            <a:noAutofit/>
-          </a:bodyPr>
-          <a:lstStyle/>
-          <a:p>
-            <a:pPr lvl="0">
-              <a:spcBef>
-                <a:spcPts val="0"/>
-              </a:spcBef>
-              <a:buNone/>
-            </a:pPr>
-            <a:r>
-              <a:t/>
-            </a:r>
-            <a:endParaRPr/>
-          </a:p>
-        </p:txBody>
-      </p:sp>
-      <p:sp>
-        <p:nvSpPr>
-          <p:cNvPr id="138" name="Shape 138"/>
-          <p:cNvSpPr/>
-          <p:nvPr/>
-        </p:nvSpPr>
-        <p:spPr>
-          <a:xfrm>
-            <a:off x="62775" y="3967350"/>
-            <a:ext cx="734400" cy="607800"/>
-          </a:xfrm>
-          <a:prstGeom prst="rect">
-            <a:avLst/>
-          </a:prstGeom>
-          <a:solidFill>
-            <a:srgbClr val="FFF2CC"/>
-          </a:solidFill>
-          <a:ln cap="flat" cmpd="sng" w="9525">
-            <a:solidFill>
-              <a:schemeClr val="dk2"/>
-            </a:solidFill>
-            <a:prstDash val="solid"/>
-            <a:round/>
-            <a:headEnd len="med" w="med" type="none"/>
-            <a:tailEnd len="med" w="med" type="none"/>
-          </a:ln>
-        </p:spPr>
-        <p:txBody>
-          <a:bodyPr anchorCtr="0" anchor="ctr" bIns="91425" lIns="91425" rIns="91425" tIns="91425">
-            <a:noAutofit/>
-          </a:bodyPr>
-          <a:lstStyle/>
-          <a:p>
-            <a:pPr lvl="0">
-              <a:spcBef>
-                <a:spcPts val="0"/>
-              </a:spcBef>
-              <a:buNone/>
-            </a:pPr>
-            <a:r>
-              <a:rPr lang="en"/>
-              <a:t>  NB (UG)</a:t>
-            </a:r>
-          </a:p>
-        </p:txBody>
-      </p:sp>
-      <p:sp>
-        <p:nvSpPr>
-          <p:cNvPr id="139" name="Shape 139"/>
-          <p:cNvSpPr/>
-          <p:nvPr/>
-        </p:nvSpPr>
-        <p:spPr>
-          <a:xfrm>
-            <a:off x="756750" y="3031500"/>
-            <a:ext cx="734400" cy="607800"/>
-          </a:xfrm>
-          <a:prstGeom prst="rect">
-            <a:avLst/>
-          </a:prstGeom>
-          <a:solidFill>
-            <a:srgbClr val="FFF2CC"/>
-          </a:solidFill>
-          <a:ln cap="flat" cmpd="sng" w="9525">
-            <a:solidFill>
-              <a:schemeClr val="dk2"/>
-            </a:solidFill>
-            <a:prstDash val="solid"/>
-            <a:round/>
-            <a:headEnd len="med" w="med" type="none"/>
-            <a:tailEnd len="med" w="med" type="none"/>
-          </a:ln>
-        </p:spPr>
-        <p:txBody>
-          <a:bodyPr anchorCtr="0" anchor="ctr" bIns="91425" lIns="91425" rIns="91425" tIns="91425">
-            <a:noAutofit/>
-          </a:bodyPr>
-          <a:lstStyle/>
-          <a:p>
-            <a:pPr lvl="0">
-              <a:spcBef>
-                <a:spcPts val="0"/>
-              </a:spcBef>
-              <a:buNone/>
-            </a:pPr>
-            <a:r>
-              <a:rPr lang="en"/>
-              <a:t>  NB    (BG)</a:t>
-            </a:r>
-          </a:p>
-        </p:txBody>
-      </p:sp>
-      <p:sp>
-        <p:nvSpPr>
-          <p:cNvPr id="140" name="Shape 140"/>
-          <p:cNvSpPr/>
-          <p:nvPr/>
-        </p:nvSpPr>
-        <p:spPr>
-          <a:xfrm>
-            <a:off x="1491150" y="3967350"/>
-            <a:ext cx="734400" cy="607800"/>
-          </a:xfrm>
-          <a:prstGeom prst="rect">
-            <a:avLst/>
-          </a:prstGeom>
-          <a:solidFill>
-            <a:srgbClr val="FFF2CC"/>
-          </a:solidFill>
-          <a:ln cap="flat" cmpd="sng" w="9525">
-            <a:solidFill>
-              <a:schemeClr val="dk2"/>
-            </a:solidFill>
-            <a:prstDash val="solid"/>
-            <a:round/>
-            <a:headEnd len="med" w="med" type="none"/>
-            <a:tailEnd len="med" w="med" type="none"/>
-          </a:ln>
-        </p:spPr>
-        <p:txBody>
-          <a:bodyPr anchorCtr="0" anchor="ctr" bIns="91425" lIns="91425" rIns="91425" tIns="91425">
-            <a:noAutofit/>
-          </a:bodyPr>
-          <a:lstStyle/>
-          <a:p>
-            <a:pPr indent="0" lvl="0" marL="0">
-              <a:spcBef>
-                <a:spcPts val="0"/>
-              </a:spcBef>
-              <a:buNone/>
-            </a:pPr>
-            <a:r>
-              <a:rPr lang="en"/>
-              <a:t> SVC</a:t>
-            </a:r>
-            <a:r>
-              <a:rPr lang="en"/>
-              <a:t> </a:t>
-            </a:r>
-          </a:p>
-          <a:p>
-            <a:pPr lvl="0">
-              <a:spcBef>
-                <a:spcPts val="0"/>
-              </a:spcBef>
-              <a:buNone/>
-            </a:pPr>
-            <a:r>
-              <a:rPr lang="en"/>
-              <a:t> (UG)</a:t>
-            </a:r>
-          </a:p>
-        </p:txBody>
-      </p:sp>
-      <p:sp>
-        <p:nvSpPr>
-          <p:cNvPr id="141" name="Shape 141"/>
-          <p:cNvSpPr/>
-          <p:nvPr/>
-        </p:nvSpPr>
-        <p:spPr>
-          <a:xfrm>
-            <a:off x="2225550" y="3031500"/>
-            <a:ext cx="734400" cy="607800"/>
-          </a:xfrm>
-          <a:prstGeom prst="rect">
-            <a:avLst/>
-          </a:prstGeom>
-          <a:solidFill>
-            <a:srgbClr val="FFF2CC"/>
-          </a:solidFill>
-          <a:ln cap="flat" cmpd="sng" w="9525">
-            <a:solidFill>
-              <a:schemeClr val="dk2"/>
-            </a:solidFill>
-            <a:prstDash val="solid"/>
-            <a:round/>
-            <a:headEnd len="med" w="med" type="none"/>
-            <a:tailEnd len="med" w="med" type="none"/>
-          </a:ln>
-        </p:spPr>
-        <p:txBody>
-          <a:bodyPr anchorCtr="0" anchor="ctr" bIns="91425" lIns="91425" rIns="91425" tIns="91425">
-            <a:noAutofit/>
-          </a:bodyPr>
-          <a:lstStyle/>
-          <a:p>
-            <a:pPr lvl="0">
-              <a:spcBef>
-                <a:spcPts val="0"/>
-              </a:spcBef>
-              <a:buNone/>
-            </a:pPr>
-            <a:r>
-              <a:rPr lang="en"/>
-              <a:t> SVC </a:t>
-            </a:r>
-          </a:p>
-          <a:p>
-            <a:pPr lvl="0">
-              <a:spcBef>
-                <a:spcPts val="0"/>
-              </a:spcBef>
-              <a:buNone/>
-            </a:pPr>
-            <a:r>
-              <a:rPr lang="en"/>
-              <a:t> (BG)</a:t>
-            </a:r>
-          </a:p>
-        </p:txBody>
-      </p:sp>
-      <p:sp>
-        <p:nvSpPr>
-          <p:cNvPr id="142" name="Shape 142"/>
-          <p:cNvSpPr/>
-          <p:nvPr/>
-        </p:nvSpPr>
-        <p:spPr>
-          <a:xfrm>
-            <a:off x="6091900" y="2956225"/>
-            <a:ext cx="734400" cy="607800"/>
-          </a:xfrm>
-          <a:prstGeom prst="rect">
-            <a:avLst/>
-          </a:prstGeom>
-          <a:solidFill>
-            <a:srgbClr val="FFF2CC"/>
-          </a:solidFill>
-          <a:ln cap="flat" cmpd="sng" w="9525">
-            <a:solidFill>
-              <a:schemeClr val="dk2"/>
-            </a:solidFill>
-            <a:prstDash val="solid"/>
-            <a:round/>
-            <a:headEnd len="med" w="med" type="none"/>
-            <a:tailEnd len="med" w="med" type="none"/>
-          </a:ln>
-        </p:spPr>
-        <p:txBody>
-          <a:bodyPr anchorCtr="0" anchor="ctr" bIns="91425" lIns="91425" rIns="91425" tIns="91425">
-            <a:noAutofit/>
-          </a:bodyPr>
-          <a:lstStyle/>
-          <a:p>
-            <a:pPr lvl="0">
-              <a:spcBef>
-                <a:spcPts val="0"/>
-              </a:spcBef>
-              <a:buNone/>
-            </a:pPr>
-            <a:r>
-              <a:rPr lang="en"/>
-              <a:t>  NB  (UG)</a:t>
-            </a:r>
-          </a:p>
-        </p:txBody>
-      </p:sp>
-      <p:sp>
-        <p:nvSpPr>
-          <p:cNvPr id="143" name="Shape 143"/>
-          <p:cNvSpPr/>
-          <p:nvPr/>
-        </p:nvSpPr>
-        <p:spPr>
-          <a:xfrm>
-            <a:off x="6803650" y="3816800"/>
-            <a:ext cx="734400" cy="607800"/>
-          </a:xfrm>
-          <a:prstGeom prst="rect">
-            <a:avLst/>
-          </a:prstGeom>
-          <a:solidFill>
-            <a:srgbClr val="FFF2CC"/>
-          </a:solidFill>
-          <a:ln cap="flat" cmpd="sng" w="9525">
-            <a:solidFill>
-              <a:schemeClr val="dk2"/>
-            </a:solidFill>
-            <a:prstDash val="solid"/>
-            <a:round/>
-            <a:headEnd len="med" w="med" type="none"/>
-            <a:tailEnd len="med" w="med" type="none"/>
-          </a:ln>
-        </p:spPr>
-        <p:txBody>
-          <a:bodyPr anchorCtr="0" anchor="ctr" bIns="91425" lIns="91425" rIns="91425" tIns="91425">
-            <a:noAutofit/>
-          </a:bodyPr>
-          <a:lstStyle/>
-          <a:p>
-            <a:pPr lvl="0">
-              <a:spcBef>
-                <a:spcPts val="0"/>
-              </a:spcBef>
-              <a:buNone/>
-            </a:pPr>
-            <a:r>
-              <a:rPr lang="en"/>
-              <a:t>  NB    (BG)</a:t>
-            </a:r>
-          </a:p>
-        </p:txBody>
-      </p:sp>
-      <p:sp>
-        <p:nvSpPr>
-          <p:cNvPr id="144" name="Shape 144"/>
-          <p:cNvSpPr/>
-          <p:nvPr/>
-        </p:nvSpPr>
-        <p:spPr>
-          <a:xfrm>
-            <a:off x="7560700" y="2946200"/>
-            <a:ext cx="734400" cy="607800"/>
-          </a:xfrm>
-          <a:prstGeom prst="rect">
-            <a:avLst/>
-          </a:prstGeom>
-          <a:solidFill>
-            <a:srgbClr val="FFF2CC"/>
-          </a:solidFill>
-          <a:ln cap="flat" cmpd="sng" w="9525">
-            <a:solidFill>
-              <a:schemeClr val="dk2"/>
-            </a:solidFill>
-            <a:prstDash val="solid"/>
-            <a:round/>
-            <a:headEnd len="med" w="med" type="none"/>
-            <a:tailEnd len="med" w="med" type="none"/>
-          </a:ln>
-        </p:spPr>
-        <p:txBody>
-          <a:bodyPr anchorCtr="0" anchor="ctr" bIns="91425" lIns="91425" rIns="91425" tIns="91425">
-            <a:noAutofit/>
-          </a:bodyPr>
-          <a:lstStyle/>
-          <a:p>
-            <a:pPr lvl="0">
-              <a:spcBef>
-                <a:spcPts val="0"/>
-              </a:spcBef>
-              <a:buNone/>
-            </a:pPr>
-            <a:r>
-              <a:rPr lang="en"/>
-              <a:t> SVC </a:t>
-            </a:r>
-          </a:p>
-          <a:p>
-            <a:pPr lvl="0">
-              <a:spcBef>
-                <a:spcPts val="0"/>
-              </a:spcBef>
-              <a:buNone/>
-            </a:pPr>
-            <a:r>
-              <a:rPr lang="en"/>
-              <a:t> (UG)</a:t>
-            </a:r>
-          </a:p>
-        </p:txBody>
-      </p:sp>
-      <p:sp>
-        <p:nvSpPr>
-          <p:cNvPr id="145" name="Shape 145"/>
-          <p:cNvSpPr/>
-          <p:nvPr/>
-        </p:nvSpPr>
-        <p:spPr>
-          <a:xfrm>
-            <a:off x="8249800" y="3796750"/>
-            <a:ext cx="734400" cy="607800"/>
-          </a:xfrm>
-          <a:prstGeom prst="rect">
-            <a:avLst/>
-          </a:prstGeom>
-          <a:solidFill>
-            <a:srgbClr val="FFF2CC"/>
-          </a:solidFill>
-          <a:ln cap="flat" cmpd="sng" w="9525">
-            <a:solidFill>
-              <a:schemeClr val="dk2"/>
-            </a:solidFill>
-            <a:prstDash val="solid"/>
-            <a:round/>
-            <a:headEnd len="med" w="med" type="none"/>
-            <a:tailEnd len="med" w="med" type="none"/>
-          </a:ln>
-        </p:spPr>
-        <p:txBody>
-          <a:bodyPr anchorCtr="0" anchor="ctr" bIns="91425" lIns="91425" rIns="91425" tIns="91425">
-            <a:noAutofit/>
-          </a:bodyPr>
-          <a:lstStyle/>
-          <a:p>
-            <a:pPr lvl="0">
-              <a:spcBef>
-                <a:spcPts val="0"/>
-              </a:spcBef>
-              <a:buNone/>
-            </a:pPr>
-            <a:r>
-              <a:rPr lang="en"/>
-              <a:t> SVC </a:t>
-            </a:r>
-          </a:p>
-          <a:p>
-            <a:pPr lvl="0">
-              <a:spcBef>
-                <a:spcPts val="0"/>
-              </a:spcBef>
-              <a:buNone/>
-            </a:pPr>
-            <a:r>
-              <a:rPr lang="en"/>
-              <a:t> (BG)</a:t>
-            </a:r>
-          </a:p>
-        </p:txBody>
-      </p:sp>
-      <p:cxnSp>
-        <p:nvCxnSpPr>
-          <p:cNvPr id="146" name="Shape 146"/>
-          <p:cNvCxnSpPr>
-            <a:stCxn id="130" idx="2"/>
-            <a:endCxn id="131" idx="0"/>
-          </p:cNvCxnSpPr>
-          <p:nvPr/>
-        </p:nvCxnSpPr>
-        <p:spPr>
-          <a:xfrm>
-            <a:off x="4408925" y="871200"/>
-            <a:ext cx="0" cy="315600"/>
-          </a:xfrm>
-          <a:prstGeom prst="straightConnector1">
-            <a:avLst/>
-          </a:prstGeom>
-          <a:noFill/>
-          <a:ln cap="flat" cmpd="sng" w="9525">
-            <a:solidFill>
-              <a:schemeClr val="dk2"/>
-            </a:solidFill>
-            <a:prstDash val="solid"/>
-            <a:round/>
-            <a:headEnd len="lg" w="lg" type="none"/>
-            <a:tailEnd len="lg" w="lg" type="triangle"/>
-          </a:ln>
-        </p:spPr>
-      </p:cxnSp>
-      <p:cxnSp>
-        <p:nvCxnSpPr>
-          <p:cNvPr id="147" name="Shape 147"/>
-          <p:cNvCxnSpPr>
-            <a:stCxn id="131" idx="2"/>
-            <a:endCxn id="132" idx="0"/>
-          </p:cNvCxnSpPr>
-          <p:nvPr/>
-        </p:nvCxnSpPr>
-        <p:spPr>
-          <a:xfrm>
-            <a:off x="4408925" y="1450125"/>
-            <a:ext cx="0" cy="315600"/>
-          </a:xfrm>
-          <a:prstGeom prst="straightConnector1">
-            <a:avLst/>
-          </a:prstGeom>
-          <a:noFill/>
-          <a:ln cap="flat" cmpd="sng" w="9525">
-            <a:solidFill>
-              <a:schemeClr val="dk2"/>
-            </a:solidFill>
-            <a:prstDash val="solid"/>
-            <a:round/>
-            <a:headEnd len="lg" w="lg" type="none"/>
-            <a:tailEnd len="lg" w="lg" type="triangle"/>
-          </a:ln>
-        </p:spPr>
-      </p:cxnSp>
-      <p:cxnSp>
-        <p:nvCxnSpPr>
+              <a:t>Scrapper	</a:t>
+            </a:r>
+          </a:p>
+        </p:txBody>
+      </p:sp>
+      <p:sp>
+        <p:nvSpPr>
           <p:cNvPr id="148" name="Shape 148"/>
-          <p:cNvCxnSpPr/>
-          <p:nvPr/>
-        </p:nvCxnSpPr>
-        <p:spPr>
-          <a:xfrm>
-            <a:off x="4408925" y="2054325"/>
-            <a:ext cx="0" cy="315600"/>
-          </a:xfrm>
-          <a:prstGeom prst="straightConnector1">
-            <a:avLst/>
-          </a:prstGeom>
-          <a:noFill/>
-          <a:ln cap="flat" cmpd="sng" w="9525">
-            <a:solidFill>
-              <a:schemeClr val="dk2"/>
-            </a:solidFill>
-            <a:prstDash val="solid"/>
-            <a:round/>
-            <a:headEnd len="lg" w="lg" type="none"/>
-            <a:tailEnd len="lg" w="lg" type="triangle"/>
-          </a:ln>
-        </p:spPr>
-      </p:cxnSp>
-      <p:cxnSp>
-        <p:nvCxnSpPr>
-          <p:cNvPr id="149" name="Shape 149"/>
-          <p:cNvCxnSpPr/>
-          <p:nvPr/>
-        </p:nvCxnSpPr>
-        <p:spPr>
-          <a:xfrm>
-            <a:off x="1048700" y="2709675"/>
-            <a:ext cx="0" cy="315600"/>
-          </a:xfrm>
-          <a:prstGeom prst="straightConnector1">
-            <a:avLst/>
-          </a:prstGeom>
-          <a:noFill/>
-          <a:ln cap="flat" cmpd="sng" w="9525">
-            <a:solidFill>
-              <a:schemeClr val="dk2"/>
-            </a:solidFill>
-            <a:prstDash val="solid"/>
-            <a:round/>
-            <a:headEnd len="lg" w="lg" type="none"/>
-            <a:tailEnd len="lg" w="lg" type="triangle"/>
-          </a:ln>
-        </p:spPr>
-      </p:cxnSp>
-      <p:cxnSp>
-        <p:nvCxnSpPr>
-          <p:cNvPr id="150" name="Shape 150"/>
-          <p:cNvCxnSpPr/>
-          <p:nvPr/>
-        </p:nvCxnSpPr>
-        <p:spPr>
-          <a:xfrm>
-            <a:off x="2592750" y="2709675"/>
-            <a:ext cx="0" cy="315600"/>
-          </a:xfrm>
-          <a:prstGeom prst="straightConnector1">
-            <a:avLst/>
-          </a:prstGeom>
-          <a:noFill/>
-          <a:ln cap="flat" cmpd="sng" w="9525">
-            <a:solidFill>
-              <a:schemeClr val="dk2"/>
-            </a:solidFill>
-            <a:prstDash val="solid"/>
-            <a:round/>
-            <a:headEnd len="lg" w="lg" type="none"/>
-            <a:tailEnd len="lg" w="lg" type="triangle"/>
-          </a:ln>
-        </p:spPr>
-      </p:cxnSp>
-      <p:cxnSp>
-        <p:nvCxnSpPr>
-          <p:cNvPr id="151" name="Shape 151"/>
-          <p:cNvCxnSpPr>
-            <a:stCxn id="133" idx="2"/>
-            <a:endCxn id="140" idx="0"/>
-          </p:cNvCxnSpPr>
-          <p:nvPr/>
-        </p:nvCxnSpPr>
-        <p:spPr>
-          <a:xfrm flipH="1" rot="-5400000">
-            <a:off x="1127750" y="3236850"/>
-            <a:ext cx="1263900" cy="197100"/>
-          </a:xfrm>
-          <a:prstGeom prst="bentConnector3">
-            <a:avLst>
-              <a:gd fmla="val 50000" name="adj1"/>
-            </a:avLst>
-          </a:prstGeom>
-          <a:noFill/>
-          <a:ln cap="flat" cmpd="sng" w="9525">
-            <a:solidFill>
-              <a:schemeClr val="dk2"/>
-            </a:solidFill>
-            <a:prstDash val="solid"/>
-            <a:round/>
-            <a:headEnd len="lg" w="lg" type="none"/>
-            <a:tailEnd len="lg" w="lg" type="none"/>
-          </a:ln>
-        </p:spPr>
-      </p:cxnSp>
-      <p:cxnSp>
-        <p:nvCxnSpPr>
-          <p:cNvPr id="152" name="Shape 152"/>
-          <p:cNvCxnSpPr>
-            <a:stCxn id="133" idx="1"/>
-            <a:endCxn id="138" idx="0"/>
-          </p:cNvCxnSpPr>
-          <p:nvPr/>
-        </p:nvCxnSpPr>
-        <p:spPr>
-          <a:xfrm flipH="1">
-            <a:off x="430100" y="2571750"/>
-            <a:ext cx="152100" cy="1395600"/>
-          </a:xfrm>
-          <a:prstGeom prst="bentConnector2">
-            <a:avLst/>
-          </a:prstGeom>
-          <a:noFill/>
-          <a:ln cap="flat" cmpd="sng" w="9525">
-            <a:solidFill>
-              <a:schemeClr val="dk2"/>
-            </a:solidFill>
-            <a:prstDash val="solid"/>
-            <a:round/>
-            <a:headEnd len="lg" w="lg" type="none"/>
-            <a:tailEnd len="lg" w="lg" type="none"/>
-          </a:ln>
-        </p:spPr>
-      </p:cxnSp>
-      <p:cxnSp>
-        <p:nvCxnSpPr>
-          <p:cNvPr id="153" name="Shape 153"/>
-          <p:cNvCxnSpPr>
-            <a:stCxn id="134" idx="3"/>
-            <a:endCxn id="145" idx="0"/>
-          </p:cNvCxnSpPr>
-          <p:nvPr/>
-        </p:nvCxnSpPr>
-        <p:spPr>
-          <a:xfrm>
-            <a:off x="8249800" y="2571750"/>
-            <a:ext cx="367200" cy="1224900"/>
-          </a:xfrm>
-          <a:prstGeom prst="bentConnector2">
-            <a:avLst/>
-          </a:prstGeom>
-          <a:noFill/>
-          <a:ln cap="flat" cmpd="sng" w="9525">
-            <a:solidFill>
-              <a:schemeClr val="dk2"/>
-            </a:solidFill>
-            <a:prstDash val="solid"/>
-            <a:round/>
-            <a:headEnd len="lg" w="lg" type="none"/>
-            <a:tailEnd len="lg" w="lg" type="none"/>
-          </a:ln>
-        </p:spPr>
-      </p:cxnSp>
-      <p:cxnSp>
-        <p:nvCxnSpPr>
-          <p:cNvPr id="154" name="Shape 154"/>
-          <p:cNvCxnSpPr>
-            <a:endCxn id="142" idx="0"/>
-          </p:cNvCxnSpPr>
-          <p:nvPr/>
-        </p:nvCxnSpPr>
-        <p:spPr>
-          <a:xfrm>
-            <a:off x="6456400" y="2728225"/>
-            <a:ext cx="2700" cy="228000"/>
-          </a:xfrm>
-          <a:prstGeom prst="straightConnector1">
-            <a:avLst/>
-          </a:prstGeom>
-          <a:noFill/>
-          <a:ln cap="flat" cmpd="sng" w="9525">
-            <a:solidFill>
-              <a:schemeClr val="dk2"/>
-            </a:solidFill>
-            <a:prstDash val="solid"/>
-            <a:round/>
-            <a:headEnd len="lg" w="lg" type="none"/>
-            <a:tailEnd len="lg" w="lg" type="triangle"/>
-          </a:ln>
-        </p:spPr>
-      </p:cxnSp>
-      <p:cxnSp>
-        <p:nvCxnSpPr>
-          <p:cNvPr id="155" name="Shape 155"/>
-          <p:cNvCxnSpPr/>
-          <p:nvPr/>
-        </p:nvCxnSpPr>
-        <p:spPr>
-          <a:xfrm>
-            <a:off x="7926550" y="2710825"/>
-            <a:ext cx="2700" cy="228000"/>
-          </a:xfrm>
-          <a:prstGeom prst="straightConnector1">
-            <a:avLst/>
-          </a:prstGeom>
-          <a:noFill/>
-          <a:ln cap="flat" cmpd="sng" w="9525">
-            <a:solidFill>
-              <a:schemeClr val="dk2"/>
-            </a:solidFill>
-            <a:prstDash val="solid"/>
-            <a:round/>
-            <a:headEnd len="lg" w="lg" type="none"/>
-            <a:tailEnd len="lg" w="lg" type="triangle"/>
-          </a:ln>
-        </p:spPr>
-      </p:cxnSp>
-      <p:cxnSp>
-        <p:nvCxnSpPr>
-          <p:cNvPr id="156" name="Shape 156"/>
-          <p:cNvCxnSpPr>
-            <a:stCxn id="134" idx="2"/>
-            <a:endCxn id="143" idx="0"/>
-          </p:cNvCxnSpPr>
-          <p:nvPr/>
-        </p:nvCxnSpPr>
-        <p:spPr>
-          <a:xfrm>
-            <a:off x="7170850" y="2703450"/>
-            <a:ext cx="0" cy="1113300"/>
-          </a:xfrm>
-          <a:prstGeom prst="straightConnector1">
-            <a:avLst/>
-          </a:prstGeom>
-          <a:noFill/>
-          <a:ln cap="flat" cmpd="sng" w="9525">
-            <a:solidFill>
-              <a:schemeClr val="dk2"/>
-            </a:solidFill>
-            <a:prstDash val="solid"/>
-            <a:round/>
-            <a:headEnd len="lg" w="lg" type="none"/>
-            <a:tailEnd len="lg" w="lg" type="triangle"/>
-          </a:ln>
-        </p:spPr>
-      </p:cxnSp>
-      <p:sp>
-        <p:nvSpPr>
-          <p:cNvPr id="157" name="Shape 157"/>
-          <p:cNvSpPr txBox="1"/>
-          <p:nvPr>
-            <p:ph idx="12" type="sldNum"/>
-          </p:nvPr>
-        </p:nvSpPr>
-        <p:spPr>
-          <a:xfrm>
-            <a:off x="8460431" y="4651190"/>
-            <a:ext cx="548700" cy="393600"/>
-          </a:xfrm>
-          <a:prstGeom prst="rect">
-            <a:avLst/>
-          </a:prstGeom>
-        </p:spPr>
-        <p:txBody>
-          <a:bodyPr anchorCtr="0" anchor="ctr" bIns="91425" lIns="91425" rIns="91425" tIns="91425">
-            <a:noAutofit/>
-          </a:bodyPr>
-          <a:lstStyle/>
-          <a:p>
-            <a:pPr lvl="0">
-              <a:spcBef>
-                <a:spcPts val="0"/>
-              </a:spcBef>
-              <a:buNone/>
-            </a:pPr>
-            <a:fld id="{00000000-1234-1234-1234-123412341234}" type="slidenum">
-              <a:rPr lang="en"/>
-              <a:t>‹#›</a:t>
-            </a:fld>
-          </a:p>
-        </p:txBody>
-      </p:sp>
-    </p:spTree>
-  </p:cSld>
-  <p:clrMapOvr>
-    <a:masterClrMapping/>
-  </p:clrMapOvr>
-</p:sld>
-</file>
-
-<file path=ppt/slides/slide8.xml><?xml version="1.0" encoding="utf-8"?>
-<p:sld xmlns:a="http://schemas.openxmlformats.org/drawingml/2006/main" xmlns:r="http://schemas.openxmlformats.org/officeDocument/2006/relationships" xmlns:mc="http://schemas.openxmlformats.org/markup-compatibility/2006" xmlns:mv="urn:schemas-microsoft-com:mac:vml" xmlns:p="http://schemas.openxmlformats.org/presentationml/2006/main" xmlns:c="http://schemas.openxmlformats.org/drawingml/2006/chart" xmlns:dgm="http://schemas.openxmlformats.org/drawingml/2006/diagram" xmlns:o="urn:schemas-microsoft-com:office:office" xmlns:v="urn:schemas-microsoft-com:vml" xmlns:pvml="urn:schemas-microsoft-com:office:powerpoint" xmlns:com="http://schemas.openxmlformats.org/drawingml/2006/compatibility" xmlns:p14="http://schemas.microsoft.com/office/powerpoint/2010/main">
-  <p:cSld>
-    <p:spTree>
-      <p:nvGrpSpPr>
-        <p:cNvPr id="161" name="Shape 161"/>
-        <p:cNvGrpSpPr/>
-        <p:nvPr/>
-      </p:nvGrpSpPr>
-      <p:grpSpPr>
-        <a:xfrm>
-          <a:off x="0" y="0"/>
-          <a:ext cx="0" cy="0"/>
-          <a:chOff x="0" y="0"/>
-          <a:chExt cx="0" cy="0"/>
-        </a:xfrm>
-      </p:grpSpPr>
-      <p:sp>
-        <p:nvSpPr>
-          <p:cNvPr id="162" name="Shape 162"/>
-          <p:cNvSpPr txBox="1"/>
-          <p:nvPr>
-            <p:ph type="title"/>
-          </p:nvPr>
-        </p:nvSpPr>
-        <p:spPr>
-          <a:xfrm>
-            <a:off x="311700" y="410000"/>
-            <a:ext cx="8520600" cy="607800"/>
-          </a:xfrm>
-          <a:prstGeom prst="rect">
-            <a:avLst/>
-          </a:prstGeom>
-        </p:spPr>
-        <p:txBody>
-          <a:bodyPr anchorCtr="0" anchor="t" bIns="91425" lIns="91425" rIns="91425" tIns="91425">
-            <a:noAutofit/>
-          </a:bodyPr>
-          <a:lstStyle/>
-          <a:p>
-            <a:pPr lvl="0">
-              <a:spcBef>
-                <a:spcPts val="0"/>
-              </a:spcBef>
-              <a:buNone/>
-            </a:pPr>
-            <a:r>
-              <a:rPr lang="en"/>
-              <a:t>Scrapper	</a:t>
-            </a:r>
-          </a:p>
-        </p:txBody>
-      </p:sp>
-      <p:sp>
-        <p:nvSpPr>
-          <p:cNvPr id="163" name="Shape 163"/>
           <p:cNvSpPr txBox="1"/>
           <p:nvPr>
             <p:ph idx="1" type="body"/>
@@ -15500,7 +14245,212 @@
       </p:sp>
       <p:sp>
         <p:nvSpPr>
-          <p:cNvPr id="164" name="Shape 164"/>
+          <p:cNvPr id="149" name="Shape 149"/>
+          <p:cNvSpPr txBox="1"/>
+          <p:nvPr>
+            <p:ph idx="12" type="sldNum"/>
+          </p:nvPr>
+        </p:nvSpPr>
+        <p:spPr>
+          <a:xfrm>
+            <a:off x="8460431" y="4651190"/>
+            <a:ext cx="548700" cy="393600"/>
+          </a:xfrm>
+          <a:prstGeom prst="rect">
+            <a:avLst/>
+          </a:prstGeom>
+        </p:spPr>
+        <p:txBody>
+          <a:bodyPr anchorCtr="0" anchor="ctr" bIns="91425" lIns="91425" rIns="91425" tIns="91425">
+            <a:noAutofit/>
+          </a:bodyPr>
+          <a:lstStyle/>
+          <a:p>
+            <a:pPr lvl="0">
+              <a:spcBef>
+                <a:spcPts val="0"/>
+              </a:spcBef>
+              <a:buNone/>
+            </a:pPr>
+            <a:fld id="{00000000-1234-1234-1234-123412341234}" type="slidenum">
+              <a:rPr lang="en"/>
+              <a:t>‹#›</a:t>
+            </a:fld>
+          </a:p>
+        </p:txBody>
+      </p:sp>
+    </p:spTree>
+  </p:cSld>
+  <p:clrMapOvr>
+    <a:masterClrMapping/>
+  </p:clrMapOvr>
+</p:sld>
+</file>
+
+<file path=ppt/slides/slide8.xml><?xml version="1.0" encoding="utf-8"?>
+<p:sld xmlns:a="http://schemas.openxmlformats.org/drawingml/2006/main" xmlns:r="http://schemas.openxmlformats.org/officeDocument/2006/relationships" xmlns:mc="http://schemas.openxmlformats.org/markup-compatibility/2006" xmlns:mv="urn:schemas-microsoft-com:mac:vml" xmlns:p="http://schemas.openxmlformats.org/presentationml/2006/main" xmlns:c="http://schemas.openxmlformats.org/drawingml/2006/chart" xmlns:dgm="http://schemas.openxmlformats.org/drawingml/2006/diagram" xmlns:o="urn:schemas-microsoft-com:office:office" xmlns:v="urn:schemas-microsoft-com:vml" xmlns:pvml="urn:schemas-microsoft-com:office:powerpoint" xmlns:com="http://schemas.openxmlformats.org/drawingml/2006/compatibility" xmlns:p14="http://schemas.microsoft.com/office/powerpoint/2010/main">
+  <p:cSld>
+    <p:spTree>
+      <p:nvGrpSpPr>
+        <p:cNvPr id="153" name="Shape 153"/>
+        <p:cNvGrpSpPr/>
+        <p:nvPr/>
+      </p:nvGrpSpPr>
+      <p:grpSpPr>
+        <a:xfrm>
+          <a:off x="0" y="0"/>
+          <a:ext cx="0" cy="0"/>
+          <a:chOff x="0" y="0"/>
+          <a:chExt cx="0" cy="0"/>
+        </a:xfrm>
+      </p:grpSpPr>
+      <p:sp>
+        <p:nvSpPr>
+          <p:cNvPr id="154" name="Shape 154"/>
+          <p:cNvSpPr txBox="1"/>
+          <p:nvPr>
+            <p:ph type="title"/>
+          </p:nvPr>
+        </p:nvSpPr>
+        <p:spPr>
+          <a:xfrm>
+            <a:off x="311700" y="410000"/>
+            <a:ext cx="8520600" cy="607800"/>
+          </a:xfrm>
+          <a:prstGeom prst="rect">
+            <a:avLst/>
+          </a:prstGeom>
+        </p:spPr>
+        <p:txBody>
+          <a:bodyPr anchorCtr="0" anchor="t" bIns="91425" lIns="91425" rIns="91425" tIns="91425">
+            <a:noAutofit/>
+          </a:bodyPr>
+          <a:lstStyle/>
+          <a:p>
+            <a:pPr lvl="0">
+              <a:spcBef>
+                <a:spcPts val="0"/>
+              </a:spcBef>
+              <a:buNone/>
+            </a:pPr>
+            <a:r>
+              <a:rPr lang="en"/>
+              <a:t>Aspects</a:t>
+            </a:r>
+          </a:p>
+        </p:txBody>
+      </p:sp>
+      <p:sp>
+        <p:nvSpPr>
+          <p:cNvPr id="155" name="Shape 155"/>
+          <p:cNvSpPr txBox="1"/>
+          <p:nvPr>
+            <p:ph idx="1" type="body"/>
+          </p:nvPr>
+        </p:nvSpPr>
+        <p:spPr>
+          <a:xfrm>
+            <a:off x="311700" y="1017800"/>
+            <a:ext cx="8520600" cy="3339000"/>
+          </a:xfrm>
+          <a:prstGeom prst="rect">
+            <a:avLst/>
+          </a:prstGeom>
+        </p:spPr>
+        <p:txBody>
+          <a:bodyPr anchorCtr="0" anchor="t" bIns="91425" lIns="91425" rIns="91425" tIns="91425">
+            <a:noAutofit/>
+          </a:bodyPr>
+          <a:lstStyle/>
+          <a:p>
+            <a:pPr indent="-228600" lvl="0" marL="457200" rtl="0">
+              <a:lnSpc>
+                <a:spcPct val="115000"/>
+              </a:lnSpc>
+              <a:spcBef>
+                <a:spcPts val="0"/>
+              </a:spcBef>
+            </a:pPr>
+            <a:r>
+              <a:rPr lang="en"/>
+              <a:t>There are six aspect and a general category.</a:t>
+            </a:r>
+          </a:p>
+          <a:p>
+            <a:pPr indent="-228600" lvl="0" marL="457200" rtl="0">
+              <a:lnSpc>
+                <a:spcPct val="115000"/>
+              </a:lnSpc>
+              <a:spcBef>
+                <a:spcPts val="0"/>
+              </a:spcBef>
+            </a:pPr>
+            <a:r>
+              <a:rPr lang="en"/>
+              <a:t>The six aspects :Learning, Salary, Management, Work-Life Balance, Culture, Infrastructure.</a:t>
+            </a:r>
+          </a:p>
+          <a:p>
+            <a:pPr indent="-228600" lvl="0" marL="457200" rtl="0">
+              <a:lnSpc>
+                <a:spcPct val="115000"/>
+              </a:lnSpc>
+              <a:spcBef>
+                <a:spcPts val="0"/>
+              </a:spcBef>
+            </a:pPr>
+            <a:r>
+              <a:rPr lang="en"/>
+              <a:t>An aspect contains a pool of words.Eg: Salary aspect includes ‘bonus’, ‘hike’, ‘promotion’, ‘incentive’, ‘compensation’, ‘rewards’</a:t>
+            </a:r>
+          </a:p>
+          <a:p>
+            <a:pPr indent="-228600" lvl="0" marL="457200" rtl="0">
+              <a:lnSpc>
+                <a:spcPct val="115000"/>
+              </a:lnSpc>
+              <a:spcBef>
+                <a:spcPts val="0"/>
+              </a:spcBef>
+            </a:pPr>
+            <a:r>
+              <a:rPr lang="en"/>
+              <a:t>To improve the model, a Word2Vec model is used which gives similar words corresponding to words in each  aspects.</a:t>
+            </a:r>
+          </a:p>
+          <a:p>
+            <a:pPr indent="-228600" lvl="0" marL="457200" rtl="0">
+              <a:lnSpc>
+                <a:spcPct val="115000"/>
+              </a:lnSpc>
+              <a:spcBef>
+                <a:spcPts val="0"/>
+              </a:spcBef>
+            </a:pPr>
+            <a:r>
+              <a:rPr lang="en"/>
+              <a:t>Word2Vec increases pool of words for each aspects</a:t>
+            </a:r>
+          </a:p>
+          <a:p>
+            <a:pPr indent="-228600" lvl="0" marL="457200" rtl="0">
+              <a:lnSpc>
+                <a:spcPct val="115000"/>
+              </a:lnSpc>
+              <a:spcBef>
+                <a:spcPts val="0"/>
+              </a:spcBef>
+            </a:pPr>
+            <a:r>
+              <a:rPr lang="en"/>
+              <a:t>If a sentence doesn’t belong to any of the above aspects, it is considered to be in general category.</a:t>
+            </a:r>
+          </a:p>
+        </p:txBody>
+      </p:sp>
+      <p:sp>
+        <p:nvSpPr>
+          <p:cNvPr id="156" name="Shape 156"/>
           <p:cNvSpPr txBox="1"/>
           <p:nvPr>
             <p:ph idx="12" type="sldNum"/>
@@ -15547,7 +14497,7 @@
   <p:cSld>
     <p:spTree>
       <p:nvGrpSpPr>
-        <p:cNvPr id="168" name="Shape 168"/>
+        <p:cNvPr id="160" name="Shape 160"/>
         <p:cNvGrpSpPr/>
         <p:nvPr/>
       </p:nvGrpSpPr>
@@ -15561,7 +14511,7 @@
       </p:grpSpPr>
       <p:sp>
         <p:nvSpPr>
-          <p:cNvPr id="169" name="Shape 169"/>
+          <p:cNvPr id="161" name="Shape 161"/>
           <p:cNvSpPr txBox="1"/>
           <p:nvPr>
             <p:ph type="title"/>
@@ -15590,14 +14540,14 @@
             </a:pPr>
             <a:r>
               <a:rPr lang="en"/>
-              <a:t>Aspects</a:t>
-            </a:r>
-          </a:p>
-        </p:txBody>
-      </p:sp>
-      <p:sp>
-        <p:nvSpPr>
-          <p:cNvPr id="170" name="Shape 170"/>
+              <a:t>Aspect Extraction</a:t>
+            </a:r>
+          </a:p>
+        </p:txBody>
+      </p:sp>
+      <p:sp>
+        <p:nvSpPr>
+          <p:cNvPr id="162" name="Shape 162"/>
           <p:cNvSpPr txBox="1"/>
           <p:nvPr>
             <p:ph idx="1" type="body"/>
@@ -15605,7 +14555,7 @@
         </p:nvSpPr>
         <p:spPr>
           <a:xfrm>
-            <a:off x="311700" y="1017800"/>
+            <a:off x="311700" y="1229875"/>
             <a:ext cx="8520600" cy="3339000"/>
           </a:xfrm>
           <a:prstGeom prst="rect">
@@ -15620,7 +14570,7 @@
           <a:p>
             <a:pPr indent="-228600" lvl="0" marL="457200" rtl="0">
               <a:lnSpc>
-                <a:spcPct val="115000"/>
+                <a:spcPct val="145000"/>
               </a:lnSpc>
               <a:spcBef>
                 <a:spcPts val="0"/>
@@ -15628,13 +14578,13 @@
             </a:pPr>
             <a:r>
               <a:rPr lang="en"/>
-              <a:t>There are six aspect and a general category.</a:t>
+              <a:t>Reviews are tokenized to word using word_tokenizer of nltk module.</a:t>
             </a:r>
           </a:p>
           <a:p>
             <a:pPr indent="-228600" lvl="0" marL="457200" rtl="0">
               <a:lnSpc>
-                <a:spcPct val="115000"/>
+                <a:spcPct val="145000"/>
               </a:lnSpc>
               <a:spcBef>
                 <a:spcPts val="0"/>
@@ -15642,13 +14592,13 @@
             </a:pPr>
             <a:r>
               <a:rPr lang="en"/>
-              <a:t>The six aspects :Learning, Salary, Management, Work-Life Balance, Culture, Infrastructure.</a:t>
+              <a:t>POS tagging is used  to retrieve all nouns.</a:t>
             </a:r>
           </a:p>
           <a:p>
             <a:pPr indent="-228600" lvl="0" marL="457200" rtl="0">
               <a:lnSpc>
-                <a:spcPct val="115000"/>
+                <a:spcPct val="145000"/>
               </a:lnSpc>
               <a:spcBef>
                 <a:spcPts val="0"/>
@@ -15656,13 +14606,13 @@
             </a:pPr>
             <a:r>
               <a:rPr lang="en"/>
-              <a:t>An aspect contains a pool of words.Eg: Salary aspect includes ‘bonus’, ‘hike’, ‘promotion’, ‘incentive’, ‘compensation’, ‘rewards’</a:t>
+              <a:t>Count of each nouns are taken. </a:t>
             </a:r>
           </a:p>
           <a:p>
             <a:pPr indent="-228600" lvl="0" marL="457200" rtl="0">
               <a:lnSpc>
-                <a:spcPct val="115000"/>
+                <a:spcPct val="145000"/>
               </a:lnSpc>
               <a:spcBef>
                 <a:spcPts val="0"/>
@@ -15670,13 +14620,13 @@
             </a:pPr>
             <a:r>
               <a:rPr lang="en"/>
-              <a:t>To improve the model, a Word2Vec model is used which gives similar words corresponding to words in each  aspects.</a:t>
-            </a:r>
-          </a:p>
-          <a:p>
-            <a:pPr indent="-228600" lvl="0" marL="457200" rtl="0">
+              <a:t>Words having high counts are analysed and aspects are decided.</a:t>
+            </a:r>
+          </a:p>
+          <a:p>
+            <a:pPr indent="-228600" lvl="0" marL="457200">
               <a:lnSpc>
-                <a:spcPct val="115000"/>
+                <a:spcPct val="145000"/>
               </a:lnSpc>
               <a:spcBef>
                 <a:spcPts val="0"/>
@@ -15684,28 +14634,14 @@
             </a:pPr>
             <a:r>
               <a:rPr lang="en"/>
-              <a:t>Word2Vec increases pool of words for each aspects</a:t>
-            </a:r>
-          </a:p>
-          <a:p>
-            <a:pPr indent="-228600" lvl="0" marL="457200" rtl="0">
-              <a:lnSpc>
-                <a:spcPct val="115000"/>
-              </a:lnSpc>
-              <a:spcBef>
-                <a:spcPts val="0"/>
-              </a:spcBef>
-            </a:pPr>
-            <a:r>
-              <a:rPr lang="en"/>
-              <a:t>If a sentence doesn’t belong to any of the above aspects, it is considered to be in general category.</a:t>
-            </a:r>
-          </a:p>
-        </p:txBody>
-      </p:sp>
-      <p:sp>
-        <p:nvSpPr>
-          <p:cNvPr id="171" name="Shape 171"/>
+              <a:t> Aspects are stored in a file with the name of aspect as that of file name</a:t>
+            </a:r>
+          </a:p>
+        </p:txBody>
+      </p:sp>
+      <p:sp>
+        <p:nvSpPr>
+          <p:cNvPr id="163" name="Shape 163"/>
           <p:cNvSpPr txBox="1"/>
           <p:nvPr>
             <p:ph idx="12" type="sldNum"/>
